--- a/ppts/07Mulitmedia.pptx
+++ b/ppts/07Mulitmedia.pptx
@@ -244,7 +244,7 @@
           <a:p>
             <a:fld id="{648057B7-EFC7-4AC6-B479-CDD44EB7D654}" type="datetimeFigureOut">
               <a:rPr lang="ko-KR" altLang="en-US" smtClean="0"/>
-              <a:t>20-01-30</a:t>
+              <a:t>20-01-31</a:t>
             </a:fld>
             <a:endParaRPr lang="ko-KR" altLang="en-US"/>
           </a:p>
@@ -751,7 +751,7 @@
           <a:p>
             <a:fld id="{92DC3DFC-D19E-4489-81A0-2BEACF4D5BEA}" type="datetime1">
               <a:rPr lang="ko-KR" altLang="en-US" smtClean="0"/>
-              <a:t>20-01-30</a:t>
+              <a:t>20-01-31</a:t>
             </a:fld>
             <a:endParaRPr lang="ko-KR" altLang="en-US"/>
           </a:p>
@@ -1427,7 +1427,7 @@
           <a:p>
             <a:fld id="{D6186EA6-D9DB-42E3-9CF4-5FF064BCCBD4}" type="datetime1">
               <a:rPr lang="ko-KR" altLang="en-US" smtClean="0"/>
-              <a:t>20-01-30</a:t>
+              <a:t>20-01-31</a:t>
             </a:fld>
             <a:endParaRPr lang="ko-KR" altLang="en-US"/>
           </a:p>
@@ -1585,7 +1585,7 @@
           <a:p>
             <a:fld id="{E42C130B-BDA3-4432-AD22-7228F2591A72}" type="datetime1">
               <a:rPr lang="ko-KR" altLang="en-US" smtClean="0"/>
-              <a:t>20-01-30</a:t>
+              <a:t>20-01-31</a:t>
             </a:fld>
             <a:endParaRPr lang="ko-KR" altLang="en-US"/>
           </a:p>
@@ -1849,7 +1849,7 @@
           <a:p>
             <a:fld id="{3C649B2E-AC5C-4CA1-A2FD-F4A945DECCCA}" type="datetime1">
               <a:rPr lang="ko-KR" altLang="en-US" smtClean="0"/>
-              <a:t>20-01-30</a:t>
+              <a:t>20-01-31</a:t>
             </a:fld>
             <a:endParaRPr lang="ko-KR" altLang="en-US"/>
           </a:p>
@@ -1943,7 +1943,7 @@
           <a:p>
             <a:fld id="{AC778754-33AA-481A-B885-58843B94B2EC}" type="datetime1">
               <a:rPr lang="ko-KR" altLang="en-US" smtClean="0"/>
-              <a:t>20-01-30</a:t>
+              <a:t>20-01-31</a:t>
             </a:fld>
             <a:endParaRPr lang="ko-KR" altLang="en-US"/>
           </a:p>
@@ -2165,7 +2165,7 @@
           </a:ln>
           <a:extLst>
             <a:ext uri="{C572A759-6A51-4108-AA02-DFA0A04FC94B}">
-              <ma14:wrappingTextBoxFlag xmlns="" xmlns:ma14="http://schemas.microsoft.com/office/mac/drawingml/2011/main" val="1"/>
+              <ma14:wrappingTextBoxFlag xmlns:ma14="http://schemas.microsoft.com/office/mac/drawingml/2011/main" xmlns="" val="1"/>
             </a:ext>
           </a:extLst>
         </p:spPr>
@@ -3059,7 +3059,7 @@
             <a:fld id="{AC778754-33AA-481A-B885-58843B94B2EC}" type="datetime1">
               <a:rPr lang="ko-KR" altLang="en-US" smtClean="0"/>
               <a:pPr/>
-              <a:t>20-01-30</a:t>
+              <a:t>20-01-31</a:t>
             </a:fld>
             <a:endParaRPr lang="ko-KR" altLang="en-US" dirty="0"/>
           </a:p>
@@ -4190,7 +4190,9 @@
         </p:nvSpPr>
         <p:spPr/>
         <p:txBody>
-          <a:bodyPr/>
+          <a:bodyPr>
+            <a:normAutofit/>
+          </a:bodyPr>
           <a:lstStyle/>
           <a:p>
             <a:r>
@@ -4205,9 +4207,50 @@
                 <a:latin typeface="나눔고딕" panose="020D0604000000000000" pitchFamily="50" charset="-127"/>
                 <a:ea typeface="나눔고딕" panose="020D0604000000000000" pitchFamily="50" charset="-127"/>
               </a:rPr>
-              <a:t>카메라로 사진 찍어 저장하기 </a:t>
-            </a:r>
-            <a:endParaRPr lang="ko-KR" altLang="en-US" dirty="0"/>
+              <a:t>카메라로 사진 찍어 저장하기</a:t>
+            </a:r>
+            <a:r>
+              <a:rPr lang="en-US" altLang="ko-KR" dirty="0" smtClean="0">
+                <a:latin typeface="나눔고딕" panose="020D0604000000000000" pitchFamily="50" charset="-127"/>
+                <a:ea typeface="나눔고딕" panose="020D0604000000000000" pitchFamily="50" charset="-127"/>
+              </a:rPr>
+              <a:t>: </a:t>
+            </a:r>
+            <a:r>
+              <a:rPr lang="ko-KR" altLang="en-US" dirty="0">
+                <a:sym typeface="Wingdings" panose="05000000000000000000" pitchFamily="2" charset="2"/>
+              </a:rPr>
+              <a:t>카메라 실습</a:t>
+            </a:r>
+            <a:r>
+              <a:rPr lang="en-US" altLang="ko-KR" dirty="0">
+                <a:sym typeface="Wingdings" panose="05000000000000000000" pitchFamily="2" charset="2"/>
+              </a:rPr>
+              <a:t>: </a:t>
+            </a:r>
+            <a:r>
+              <a:rPr lang="en-US" altLang="ko-KR" dirty="0">
+                <a:solidFill>
+                  <a:srgbClr val="C00000"/>
+                </a:solidFill>
+                <a:sym typeface="Wingdings" panose="05000000000000000000" pitchFamily="2" charset="2"/>
+              </a:rPr>
+              <a:t>MainActivity.java </a:t>
+            </a:r>
+            <a:r>
+              <a:rPr lang="ko-KR" altLang="en-US" dirty="0" smtClean="0">
+                <a:solidFill>
+                  <a:srgbClr val="C00000"/>
+                </a:solidFill>
+                <a:sym typeface="Wingdings" panose="05000000000000000000" pitchFamily="2" charset="2"/>
+              </a:rPr>
+              <a:t>코딩</a:t>
+            </a:r>
+            <a:endParaRPr lang="ko-KR" altLang="en-US" dirty="0">
+              <a:solidFill>
+                <a:srgbClr val="C00000"/>
+              </a:solidFill>
+            </a:endParaRPr>
           </a:p>
         </p:txBody>
       </p:sp>
@@ -4223,107 +4266,88 @@
         </p:nvSpPr>
         <p:spPr/>
         <p:txBody>
-          <a:bodyPr/>
+          <a:bodyPr>
+            <a:normAutofit/>
+          </a:bodyPr>
           <a:lstStyle/>
           <a:p>
-            <a:pPr marL="0" indent="0">
-              <a:buNone/>
-            </a:pPr>
-            <a:r>
-              <a:rPr lang="ko-KR" altLang="en-US" b="1" dirty="0" smtClean="0">
-                <a:sym typeface="Wingdings" panose="05000000000000000000" pitchFamily="2" charset="2"/>
-              </a:rPr>
-              <a:t>카메라 실습</a:t>
-            </a:r>
-            <a:r>
-              <a:rPr lang="en-US" altLang="ko-KR" b="1" dirty="0" smtClean="0">
-                <a:sym typeface="Wingdings" panose="05000000000000000000" pitchFamily="2" charset="2"/>
-              </a:rPr>
-              <a:t>: MainActivity.java </a:t>
-            </a:r>
-            <a:r>
-              <a:rPr lang="ko-KR" altLang="en-US" b="1" dirty="0" smtClean="0">
-                <a:sym typeface="Wingdings" panose="05000000000000000000" pitchFamily="2" charset="2"/>
-              </a:rPr>
-              <a:t>코딩</a:t>
-            </a:r>
-            <a:endParaRPr lang="en-US" altLang="ko-KR" b="1" dirty="0" smtClean="0">
+            <a:r>
+              <a:rPr lang="en-US" altLang="ko-KR" dirty="0" smtClean="0">
+                <a:sym typeface="Wingdings" panose="05000000000000000000" pitchFamily="2" charset="2"/>
+              </a:rPr>
+              <a:t>AndroidManifest.xml </a:t>
+            </a:r>
+            <a:r>
+              <a:rPr lang="ko-KR" altLang="en-US" dirty="0" smtClean="0">
+                <a:sym typeface="Wingdings" panose="05000000000000000000" pitchFamily="2" charset="2"/>
+              </a:rPr>
+              <a:t>파일을 수정하고 나면</a:t>
+            </a:r>
+            <a:r>
+              <a:rPr lang="en-US" altLang="ko-KR" dirty="0" smtClean="0">
+                <a:sym typeface="Wingdings" panose="05000000000000000000" pitchFamily="2" charset="2"/>
+              </a:rPr>
+              <a:t>, MainActivity.java </a:t>
+            </a:r>
+            <a:r>
+              <a:rPr lang="ko-KR" altLang="en-US" dirty="0" smtClean="0">
+                <a:sym typeface="Wingdings" panose="05000000000000000000" pitchFamily="2" charset="2"/>
+              </a:rPr>
+              <a:t>파일 안에 있는 </a:t>
+            </a:r>
+            <a:r>
+              <a:rPr lang="en-US" altLang="ko-KR" dirty="0" smtClean="0">
+                <a:sym typeface="Wingdings" panose="05000000000000000000" pitchFamily="2" charset="2"/>
+              </a:rPr>
+              <a:t>takePicture() </a:t>
+            </a:r>
+            <a:r>
+              <a:rPr lang="ko-KR" altLang="en-US" dirty="0" err="1" smtClean="0">
+                <a:sym typeface="Wingdings" panose="05000000000000000000" pitchFamily="2" charset="2"/>
+              </a:rPr>
+              <a:t>메소드에</a:t>
+            </a:r>
+            <a:r>
+              <a:rPr lang="ko-KR" altLang="en-US" dirty="0" smtClean="0">
+                <a:sym typeface="Wingdings" panose="05000000000000000000" pitchFamily="2" charset="2"/>
+              </a:rPr>
+              <a:t> 대한 이해가 좀 더 생길 것입니다</a:t>
+            </a:r>
+            <a:r>
+              <a:rPr lang="en-US" altLang="ko-KR" dirty="0" smtClean="0">
+                <a:sym typeface="Wingdings" panose="05000000000000000000" pitchFamily="2" charset="2"/>
+              </a:rPr>
+              <a:t>. </a:t>
+            </a:r>
+            <a:r>
+              <a:rPr lang="ko-KR" altLang="en-US" dirty="0" smtClean="0">
+                <a:sym typeface="Wingdings" panose="05000000000000000000" pitchFamily="2" charset="2"/>
+              </a:rPr>
+              <a:t>여기 </a:t>
+            </a:r>
+            <a:r>
+              <a:rPr lang="en-US" altLang="ko-KR" dirty="0" smtClean="0">
+                <a:sym typeface="Wingdings" panose="05000000000000000000" pitchFamily="2" charset="2"/>
+              </a:rPr>
+              <a:t>takePicture() </a:t>
+            </a:r>
+            <a:r>
+              <a:rPr lang="ko-KR" altLang="en-US" dirty="0" smtClean="0">
+                <a:sym typeface="Wingdings" panose="05000000000000000000" pitchFamily="2" charset="2"/>
+              </a:rPr>
+              <a:t>메소드를 살펴보길 바랍니다</a:t>
+            </a:r>
+            <a:r>
+              <a:rPr lang="en-US" altLang="ko-KR" dirty="0" smtClean="0">
+                <a:sym typeface="Wingdings" panose="05000000000000000000" pitchFamily="2" charset="2"/>
+              </a:rPr>
+              <a:t>. </a:t>
+            </a:r>
+          </a:p>
+          <a:p>
+            <a:endParaRPr lang="en-US" altLang="ko-KR" dirty="0">
               <a:sym typeface="Wingdings" panose="05000000000000000000" pitchFamily="2" charset="2"/>
             </a:endParaRPr>
-          </a:p>
-          <a:p>
-            <a:r>
-              <a:rPr lang="en-US" altLang="ko-KR" dirty="0" smtClean="0">
-                <a:sym typeface="Wingdings" panose="05000000000000000000" pitchFamily="2" charset="2"/>
-              </a:rPr>
-              <a:t>AndroidManifest.xml </a:t>
-            </a:r>
-            <a:r>
-              <a:rPr lang="ko-KR" altLang="en-US" dirty="0" smtClean="0">
-                <a:sym typeface="Wingdings" panose="05000000000000000000" pitchFamily="2" charset="2"/>
-              </a:rPr>
-              <a:t>파일을 수정하고 나면</a:t>
-            </a:r>
-            <a:r>
-              <a:rPr lang="en-US" altLang="ko-KR" dirty="0" smtClean="0">
-                <a:sym typeface="Wingdings" panose="05000000000000000000" pitchFamily="2" charset="2"/>
-              </a:rPr>
-              <a:t>, MainActivity.java </a:t>
-            </a:r>
-            <a:r>
-              <a:rPr lang="ko-KR" altLang="en-US" dirty="0" smtClean="0">
-                <a:sym typeface="Wingdings" panose="05000000000000000000" pitchFamily="2" charset="2"/>
-              </a:rPr>
-              <a:t>파일 안에 있는 </a:t>
-            </a:r>
-            <a:r>
-              <a:rPr lang="en-US" altLang="ko-KR" dirty="0" smtClean="0">
-                <a:sym typeface="Wingdings" panose="05000000000000000000" pitchFamily="2" charset="2"/>
-              </a:rPr>
-              <a:t>takePicture() </a:t>
-            </a:r>
-            <a:r>
-              <a:rPr lang="ko-KR" altLang="en-US" dirty="0" err="1" smtClean="0">
-                <a:sym typeface="Wingdings" panose="05000000000000000000" pitchFamily="2" charset="2"/>
-              </a:rPr>
-              <a:t>메소드에</a:t>
-            </a:r>
-            <a:r>
-              <a:rPr lang="ko-KR" altLang="en-US" dirty="0" smtClean="0">
-                <a:sym typeface="Wingdings" panose="05000000000000000000" pitchFamily="2" charset="2"/>
-              </a:rPr>
-              <a:t> 대한 이해가 좀 더 생길 것입니다</a:t>
-            </a:r>
-            <a:r>
-              <a:rPr lang="en-US" altLang="ko-KR" dirty="0" smtClean="0">
-                <a:sym typeface="Wingdings" panose="05000000000000000000" pitchFamily="2" charset="2"/>
-              </a:rPr>
-              <a:t>. </a:t>
-            </a:r>
-            <a:r>
-              <a:rPr lang="ko-KR" altLang="en-US" dirty="0" smtClean="0">
-                <a:sym typeface="Wingdings" panose="05000000000000000000" pitchFamily="2" charset="2"/>
-              </a:rPr>
-              <a:t>여기 </a:t>
-            </a:r>
-            <a:r>
-              <a:rPr lang="en-US" altLang="ko-KR" dirty="0" smtClean="0">
-                <a:sym typeface="Wingdings" panose="05000000000000000000" pitchFamily="2" charset="2"/>
-              </a:rPr>
-              <a:t>takePicture() </a:t>
-            </a:r>
-            <a:r>
-              <a:rPr lang="ko-KR" altLang="en-US" dirty="0" smtClean="0">
-                <a:sym typeface="Wingdings" panose="05000000000000000000" pitchFamily="2" charset="2"/>
-              </a:rPr>
-              <a:t>메소드를 살펴보길 바랍니다</a:t>
-            </a:r>
-            <a:r>
-              <a:rPr lang="en-US" altLang="ko-KR" dirty="0" smtClean="0">
-                <a:sym typeface="Wingdings" panose="05000000000000000000" pitchFamily="2" charset="2"/>
-              </a:rPr>
-              <a:t>. </a:t>
-            </a:r>
           </a:p>
           <a:p>
             <a:endParaRPr lang="en-US" altLang="ko-KR" dirty="0">
@@ -4622,8 +4646,8 @@
         </p:nvSpPr>
         <p:spPr bwMode="auto">
           <a:xfrm>
-            <a:off x="456890" y="1916832"/>
-            <a:ext cx="11310704" cy="2554545"/>
+            <a:off x="472714" y="1480733"/>
+            <a:ext cx="11735110" cy="3046988"/>
           </a:xfrm>
           <a:prstGeom prst="rect">
             <a:avLst/>
@@ -4844,7 +4868,27 @@
                 <a:latin typeface="Consolas" panose="020B0609020204030204" pitchFamily="49" charset="0"/>
                 <a:ea typeface="D2Coding" panose="020B0609020101020101" pitchFamily="49" charset="-127"/>
               </a:rPr>
-              <a:t> public void takePicture() {</a:t>
+              <a:t> </a:t>
+            </a:r>
+            <a:r>
+              <a:rPr lang="en-US" altLang="ko-KR" sz="1600" dirty="0" smtClean="0">
+                <a:solidFill>
+                  <a:srgbClr val="000080"/>
+                </a:solidFill>
+                <a:latin typeface="Consolas" panose="020B0609020204030204" pitchFamily="49" charset="0"/>
+                <a:ea typeface="D2Coding" panose="020B0609020101020101" pitchFamily="49" charset="-127"/>
+              </a:rPr>
+              <a:t>   public </a:t>
+            </a:r>
+            <a:r>
+              <a:rPr lang="en-US" altLang="ko-KR" sz="1600" dirty="0">
+                <a:solidFill>
+                  <a:srgbClr val="000080"/>
+                </a:solidFill>
+                <a:latin typeface="Consolas" panose="020B0609020204030204" pitchFamily="49" charset="0"/>
+                <a:ea typeface="D2Coding" panose="020B0609020101020101" pitchFamily="49" charset="-127"/>
+              </a:rPr>
+              <a:t>void takePicture() {</a:t>
             </a:r>
           </a:p>
           <a:p>
@@ -4877,37 +4921,7 @@
                 <a:latin typeface="Consolas" panose="020B0609020204030204" pitchFamily="49" charset="0"/>
                 <a:ea typeface="D2Coding" panose="020B0609020101020101" pitchFamily="49" charset="-127"/>
               </a:rPr>
-              <a:t>if </a:t>
-            </a:r>
-            <a:r>
-              <a:rPr lang="en-US" altLang="ko-KR" sz="1600" dirty="0">
-                <a:solidFill>
-                  <a:srgbClr val="000080"/>
-                </a:solidFill>
-                <a:latin typeface="Consolas" panose="020B0609020204030204" pitchFamily="49" charset="0"/>
-                <a:ea typeface="D2Coding" panose="020B0609020101020101" pitchFamily="49" charset="-127"/>
-              </a:rPr>
-              <a:t>(file == null) </a:t>
-            </a:r>
-            <a:r>
-              <a:rPr lang="en-US" altLang="ko-KR" sz="1600" dirty="0" smtClean="0">
-                <a:solidFill>
-                  <a:srgbClr val="000080"/>
-                </a:solidFill>
-                <a:latin typeface="Consolas" panose="020B0609020204030204" pitchFamily="49" charset="0"/>
-                <a:ea typeface="D2Coding" panose="020B0609020101020101" pitchFamily="49" charset="-127"/>
-              </a:rPr>
-              <a:t>file </a:t>
-            </a:r>
-            <a:r>
-              <a:rPr lang="en-US" altLang="ko-KR" sz="1600" dirty="0">
-                <a:solidFill>
-                  <a:srgbClr val="000080"/>
-                </a:solidFill>
-                <a:latin typeface="Consolas" panose="020B0609020204030204" pitchFamily="49" charset="0"/>
-                <a:ea typeface="D2Coding" panose="020B0609020101020101" pitchFamily="49" charset="-127"/>
-              </a:rPr>
-              <a:t>= </a:t>
+              <a:t>     File </a:t>
             </a:r>
             <a:r>
               <a:rPr lang="en-US" altLang="ko-KR" sz="1600" dirty="0" err="1">
@@ -4917,7 +4931,27 @@
                 <a:latin typeface="Consolas" panose="020B0609020204030204" pitchFamily="49" charset="0"/>
                 <a:ea typeface="D2Coding" panose="020B0609020101020101" pitchFamily="49" charset="-127"/>
               </a:rPr>
-              <a:t>createFile</a:t>
+              <a:t>storageDir</a:t>
+            </a:r>
+            <a:r>
+              <a:rPr lang="en-US" altLang="ko-KR" sz="1600" dirty="0">
+                <a:solidFill>
+                  <a:srgbClr val="000080"/>
+                </a:solidFill>
+                <a:latin typeface="Consolas" panose="020B0609020204030204" pitchFamily="49" charset="0"/>
+                <a:ea typeface="D2Coding" panose="020B0609020101020101" pitchFamily="49" charset="-127"/>
+              </a:rPr>
+              <a:t> = </a:t>
+            </a:r>
+            <a:r>
+              <a:rPr lang="en-US" altLang="ko-KR" sz="1600" dirty="0" err="1">
+                <a:solidFill>
+                  <a:srgbClr val="000080"/>
+                </a:solidFill>
+                <a:latin typeface="Consolas" panose="020B0609020204030204" pitchFamily="49" charset="0"/>
+                <a:ea typeface="D2Coding" panose="020B0609020101020101" pitchFamily="49" charset="-127"/>
+              </a:rPr>
+              <a:t>Environment.getExternalStorageDirectory</a:t>
             </a:r>
             <a:r>
               <a:rPr lang="en-US" altLang="ko-KR" sz="1600" dirty="0">
@@ -4952,29 +4986,6 @@
               </a:rPr>
               <a:t>   </a:t>
             </a:r>
-          </a:p>
-          <a:p>
-            <a:pPr marL="0" indent="0" eaLnBrk="0" fontAlgn="base" hangingPunct="0">
-              <a:spcBef>
-                <a:spcPct val="0"/>
-              </a:spcBef>
-              <a:spcAft>
-                <a:spcPct val="0"/>
-              </a:spcAft>
-              <a:buClrTx/>
-              <a:buFontTx/>
-              <a:buNone/>
-            </a:pPr>
-            <a:r>
-              <a:rPr lang="en-US" altLang="ko-KR" sz="1600" dirty="0">
-                <a:solidFill>
-                  <a:srgbClr val="000080"/>
-                </a:solidFill>
-                <a:latin typeface="Consolas" panose="020B0609020204030204" pitchFamily="49" charset="0"/>
-                <a:ea typeface="D2Coding" panose="020B0609020101020101" pitchFamily="49" charset="-127"/>
-              </a:rPr>
-              <a:t>   </a:t>
-            </a:r>
             <a:r>
               <a:rPr lang="en-US" altLang="ko-KR" sz="1600" dirty="0" smtClean="0">
                 <a:solidFill>
@@ -4983,17 +4994,17 @@
                 <a:latin typeface="Consolas" panose="020B0609020204030204" pitchFamily="49" charset="0"/>
                 <a:ea typeface="D2Coding" panose="020B0609020101020101" pitchFamily="49" charset="-127"/>
               </a:rPr>
-              <a:t>Uri </a:t>
-            </a:r>
-            <a:r>
-              <a:rPr lang="en-US" altLang="ko-KR" sz="1600" dirty="0">
-                <a:solidFill>
-                  <a:srgbClr val="000080"/>
-                </a:solidFill>
-                <a:latin typeface="Consolas" panose="020B0609020204030204" pitchFamily="49" charset="0"/>
-                <a:ea typeface="D2Coding" panose="020B0609020101020101" pitchFamily="49" charset="-127"/>
-              </a:rPr>
-              <a:t>fileUri = </a:t>
+              <a:t>     file </a:t>
+            </a:r>
+            <a:r>
+              <a:rPr lang="en-US" altLang="ko-KR" sz="1600" dirty="0">
+                <a:solidFill>
+                  <a:srgbClr val="000080"/>
+                </a:solidFill>
+                <a:latin typeface="Consolas" panose="020B0609020204030204" pitchFamily="49" charset="0"/>
+                <a:ea typeface="D2Coding" panose="020B0609020101020101" pitchFamily="49" charset="-127"/>
+              </a:rPr>
+              <a:t>= new File(</a:t>
             </a:r>
             <a:r>
               <a:rPr lang="en-US" altLang="ko-KR" sz="1600" dirty="0" err="1">
@@ -5003,227 +5014,25 @@
                 <a:latin typeface="Consolas" panose="020B0609020204030204" pitchFamily="49" charset="0"/>
                 <a:ea typeface="D2Coding" panose="020B0609020101020101" pitchFamily="49" charset="-127"/>
               </a:rPr>
-              <a:t>FileProvider.getUriForFile</a:t>
-            </a:r>
-            <a:r>
-              <a:rPr lang="en-US" altLang="ko-KR" sz="1600" dirty="0">
-                <a:solidFill>
-                  <a:srgbClr val="000080"/>
-                </a:solidFill>
-                <a:latin typeface="Consolas" panose="020B0609020204030204" pitchFamily="49" charset="0"/>
-                <a:ea typeface="D2Coding" panose="020B0609020101020101" pitchFamily="49" charset="-127"/>
-              </a:rPr>
-              <a:t>(this</a:t>
-            </a:r>
-            <a:r>
-              <a:rPr lang="en-US" altLang="ko-KR" sz="1600" dirty="0" smtClean="0">
-                <a:solidFill>
-                  <a:srgbClr val="000080"/>
-                </a:solidFill>
-                <a:latin typeface="Consolas" panose="020B0609020204030204" pitchFamily="49" charset="0"/>
-                <a:ea typeface="D2Coding" panose="020B0609020101020101" pitchFamily="49" charset="-127"/>
-              </a:rPr>
-              <a:t>,"</a:t>
-            </a:r>
-            <a:r>
-              <a:rPr lang="en-US" altLang="ko-KR" sz="1600" dirty="0" err="1" smtClean="0">
-                <a:solidFill>
-                  <a:srgbClr val="000080"/>
-                </a:solidFill>
-                <a:latin typeface="Consolas" panose="020B0609020204030204" pitchFamily="49" charset="0"/>
-                <a:ea typeface="D2Coding" panose="020B0609020101020101" pitchFamily="49" charset="-127"/>
-              </a:rPr>
-              <a:t>com.example.capture.intent.fileprovider</a:t>
-            </a:r>
-            <a:r>
-              <a:rPr lang="en-US" altLang="ko-KR" sz="1600" dirty="0">
-                <a:solidFill>
-                  <a:srgbClr val="000080"/>
-                </a:solidFill>
-                <a:latin typeface="Consolas" panose="020B0609020204030204" pitchFamily="49" charset="0"/>
-                <a:ea typeface="D2Coding" panose="020B0609020101020101" pitchFamily="49" charset="-127"/>
-              </a:rPr>
-              <a:t>", file);</a:t>
-            </a:r>
-          </a:p>
-          <a:p>
-            <a:pPr marL="0" indent="0" eaLnBrk="0" fontAlgn="base" hangingPunct="0">
-              <a:spcBef>
-                <a:spcPct val="0"/>
-              </a:spcBef>
-              <a:spcAft>
-                <a:spcPct val="0"/>
-              </a:spcAft>
-              <a:buClrTx/>
-              <a:buFontTx/>
-              <a:buNone/>
-            </a:pPr>
-            <a:r>
-              <a:rPr lang="en-US" altLang="ko-KR" sz="1600" dirty="0">
-                <a:solidFill>
-                  <a:srgbClr val="000080"/>
-                </a:solidFill>
-                <a:latin typeface="Consolas" panose="020B0609020204030204" pitchFamily="49" charset="0"/>
-                <a:ea typeface="D2Coding" panose="020B0609020101020101" pitchFamily="49" charset="-127"/>
-              </a:rPr>
-              <a:t>   </a:t>
-            </a:r>
-            <a:r>
-              <a:rPr lang="en-US" altLang="ko-KR" sz="1600" dirty="0" smtClean="0">
-                <a:solidFill>
-                  <a:srgbClr val="000080"/>
-                </a:solidFill>
-                <a:latin typeface="Consolas" panose="020B0609020204030204" pitchFamily="49" charset="0"/>
-                <a:ea typeface="D2Coding" panose="020B0609020101020101" pitchFamily="49" charset="-127"/>
-              </a:rPr>
-              <a:t>Intent </a:t>
-            </a:r>
-            <a:r>
-              <a:rPr lang="en-US" altLang="ko-KR" sz="1600" dirty="0" err="1">
-                <a:solidFill>
-                  <a:srgbClr val="000080"/>
-                </a:solidFill>
-                <a:latin typeface="Consolas" panose="020B0609020204030204" pitchFamily="49" charset="0"/>
-                <a:ea typeface="D2Coding" panose="020B0609020101020101" pitchFamily="49" charset="-127"/>
-              </a:rPr>
-              <a:t>intent</a:t>
-            </a:r>
-            <a:r>
-              <a:rPr lang="en-US" altLang="ko-KR" sz="1600" dirty="0">
-                <a:solidFill>
-                  <a:srgbClr val="000080"/>
-                </a:solidFill>
-                <a:latin typeface="Consolas" panose="020B0609020204030204" pitchFamily="49" charset="0"/>
-                <a:ea typeface="D2Coding" panose="020B0609020101020101" pitchFamily="49" charset="-127"/>
-              </a:rPr>
-              <a:t> = new Intent(</a:t>
-            </a:r>
-            <a:r>
-              <a:rPr lang="en-US" altLang="ko-KR" sz="1600" dirty="0" err="1">
-                <a:solidFill>
-                  <a:srgbClr val="000080"/>
-                </a:solidFill>
-                <a:latin typeface="Consolas" panose="020B0609020204030204" pitchFamily="49" charset="0"/>
-                <a:ea typeface="D2Coding" panose="020B0609020101020101" pitchFamily="49" charset="-127"/>
-              </a:rPr>
-              <a:t>MediaStore.ACTION_IMAGE_CAPTURE</a:t>
-            </a:r>
-            <a:r>
-              <a:rPr lang="en-US" altLang="ko-KR" sz="1600" dirty="0">
-                <a:solidFill>
-                  <a:srgbClr val="000080"/>
-                </a:solidFill>
-                <a:latin typeface="Consolas" panose="020B0609020204030204" pitchFamily="49" charset="0"/>
-                <a:ea typeface="D2Coding" panose="020B0609020101020101" pitchFamily="49" charset="-127"/>
-              </a:rPr>
-              <a:t>);</a:t>
-            </a:r>
-          </a:p>
-          <a:p>
-            <a:pPr marL="0" indent="0" eaLnBrk="0" fontAlgn="base" hangingPunct="0">
-              <a:spcBef>
-                <a:spcPct val="0"/>
-              </a:spcBef>
-              <a:spcAft>
-                <a:spcPct val="0"/>
-              </a:spcAft>
-              <a:buClrTx/>
-              <a:buFontTx/>
-              <a:buNone/>
-            </a:pPr>
-            <a:r>
-              <a:rPr lang="en-US" altLang="ko-KR" sz="1600" dirty="0">
-                <a:solidFill>
-                  <a:srgbClr val="000080"/>
-                </a:solidFill>
-                <a:latin typeface="Consolas" panose="020B0609020204030204" pitchFamily="49" charset="0"/>
-                <a:ea typeface="D2Coding" panose="020B0609020101020101" pitchFamily="49" charset="-127"/>
-              </a:rPr>
-              <a:t>   </a:t>
-            </a:r>
-            <a:r>
-              <a:rPr lang="en-US" altLang="ko-KR" sz="1600" dirty="0" smtClean="0">
-                <a:solidFill>
-                  <a:srgbClr val="000080"/>
-                </a:solidFill>
-                <a:latin typeface="Consolas" panose="020B0609020204030204" pitchFamily="49" charset="0"/>
-                <a:ea typeface="D2Coding" panose="020B0609020101020101" pitchFamily="49" charset="-127"/>
-              </a:rPr>
-              <a:t>intent.addFlags(Intent.FLAG_GRANT_READ_URI_PERMISSION|Intent.FLAG_GRANT_WRITE_URI_PERMISSION</a:t>
-            </a:r>
-            <a:r>
-              <a:rPr lang="en-US" altLang="ko-KR" sz="1600" dirty="0">
-                <a:solidFill>
-                  <a:srgbClr val="000080"/>
-                </a:solidFill>
-                <a:latin typeface="Consolas" panose="020B0609020204030204" pitchFamily="49" charset="0"/>
-                <a:ea typeface="D2Coding" panose="020B0609020101020101" pitchFamily="49" charset="-127"/>
-              </a:rPr>
-              <a:t>);</a:t>
-            </a:r>
-          </a:p>
-          <a:p>
-            <a:pPr marL="0" indent="0" eaLnBrk="0" fontAlgn="base" hangingPunct="0">
-              <a:spcBef>
-                <a:spcPct val="0"/>
-              </a:spcBef>
-              <a:spcAft>
-                <a:spcPct val="0"/>
-              </a:spcAft>
-              <a:buClrTx/>
-              <a:buFontTx/>
-              <a:buNone/>
-            </a:pPr>
-            <a:r>
-              <a:rPr lang="en-US" altLang="ko-KR" sz="1600" dirty="0">
-                <a:solidFill>
-                  <a:srgbClr val="000080"/>
-                </a:solidFill>
-                <a:latin typeface="Consolas" panose="020B0609020204030204" pitchFamily="49" charset="0"/>
-                <a:ea typeface="D2Coding" panose="020B0609020101020101" pitchFamily="49" charset="-127"/>
-              </a:rPr>
-              <a:t>   </a:t>
-            </a:r>
-            <a:r>
-              <a:rPr lang="en-US" altLang="ko-KR" sz="1600" dirty="0" smtClean="0">
-                <a:solidFill>
-                  <a:srgbClr val="000080"/>
-                </a:solidFill>
-                <a:latin typeface="Consolas" panose="020B0609020204030204" pitchFamily="49" charset="0"/>
-                <a:ea typeface="D2Coding" panose="020B0609020101020101" pitchFamily="49" charset="-127"/>
-              </a:rPr>
-              <a:t>intent.putExtra(</a:t>
-            </a:r>
-            <a:r>
-              <a:rPr lang="en-US" altLang="ko-KR" sz="1600" dirty="0" err="1" smtClean="0">
-                <a:solidFill>
-                  <a:srgbClr val="000080"/>
-                </a:solidFill>
-                <a:latin typeface="Consolas" panose="020B0609020204030204" pitchFamily="49" charset="0"/>
-                <a:ea typeface="D2Coding" panose="020B0609020101020101" pitchFamily="49" charset="-127"/>
-              </a:rPr>
-              <a:t>MediaStore.EXTRA_OUTPUT</a:t>
-            </a:r>
-            <a:r>
-              <a:rPr lang="en-US" altLang="ko-KR" sz="1600" dirty="0">
-                <a:solidFill>
-                  <a:srgbClr val="000080"/>
-                </a:solidFill>
-                <a:latin typeface="Consolas" panose="020B0609020204030204" pitchFamily="49" charset="0"/>
-                <a:ea typeface="D2Coding" panose="020B0609020101020101" pitchFamily="49" charset="-127"/>
-              </a:rPr>
-              <a:t>, fileUri</a:t>
-            </a:r>
-            <a:r>
-              <a:rPr lang="en-US" altLang="ko-KR" sz="1600" dirty="0" smtClean="0">
-                <a:solidFill>
-                  <a:srgbClr val="000080"/>
-                </a:solidFill>
-                <a:latin typeface="Consolas" panose="020B0609020204030204" pitchFamily="49" charset="0"/>
-                <a:ea typeface="D2Coding" panose="020B0609020101020101" pitchFamily="49" charset="-127"/>
-              </a:rPr>
-              <a:t>);</a:t>
-            </a:r>
+              <a:t>storageDir</a:t>
+            </a:r>
+            <a:r>
+              <a:rPr lang="en-US" altLang="ko-KR" sz="1600" dirty="0">
+                <a:solidFill>
+                  <a:srgbClr val="000080"/>
+                </a:solidFill>
+                <a:latin typeface="Consolas" panose="020B0609020204030204" pitchFamily="49" charset="0"/>
+                <a:ea typeface="D2Coding" panose="020B0609020101020101" pitchFamily="49" charset="-127"/>
+              </a:rPr>
+              <a:t>, "capture.jpg");   </a:t>
+            </a:r>
+            <a:endParaRPr lang="en-US" altLang="ko-KR" sz="1600" dirty="0" smtClean="0">
+              <a:solidFill>
+                <a:srgbClr val="000080"/>
+              </a:solidFill>
+              <a:latin typeface="Consolas" panose="020B0609020204030204" pitchFamily="49" charset="0"/>
+              <a:ea typeface="D2Coding" panose="020B0609020101020101" pitchFamily="49" charset="-127"/>
+            </a:endParaRPr>
           </a:p>
           <a:p>
             <a:pPr marL="0" indent="0" eaLnBrk="0" fontAlgn="base" hangingPunct="0">
@@ -5275,17 +5084,17 @@
                 <a:latin typeface="Consolas" panose="020B0609020204030204" pitchFamily="49" charset="0"/>
                 <a:ea typeface="D2Coding" panose="020B0609020101020101" pitchFamily="49" charset="-127"/>
               </a:rPr>
-              <a:t>if </a:t>
-            </a:r>
-            <a:r>
-              <a:rPr lang="en-US" altLang="ko-KR" sz="1600" dirty="0">
-                <a:solidFill>
-                  <a:srgbClr val="000080"/>
-                </a:solidFill>
-                <a:latin typeface="Consolas" panose="020B0609020204030204" pitchFamily="49" charset="0"/>
-                <a:ea typeface="D2Coding" panose="020B0609020101020101" pitchFamily="49" charset="-127"/>
-              </a:rPr>
-              <a:t>(</a:t>
+              <a:t>     Uri </a:t>
+            </a:r>
+            <a:r>
+              <a:rPr lang="en-US" altLang="ko-KR" sz="1600" dirty="0">
+                <a:solidFill>
+                  <a:srgbClr val="000080"/>
+                </a:solidFill>
+                <a:latin typeface="Consolas" panose="020B0609020204030204" pitchFamily="49" charset="0"/>
+                <a:ea typeface="D2Coding" panose="020B0609020101020101" pitchFamily="49" charset="-127"/>
+              </a:rPr>
+              <a:t>fileUri = </a:t>
             </a:r>
             <a:r>
               <a:rPr lang="en-US" altLang="ko-KR" sz="1600" dirty="0" err="1">
@@ -5295,17 +5104,80 @@
                 <a:latin typeface="Consolas" panose="020B0609020204030204" pitchFamily="49" charset="0"/>
                 <a:ea typeface="D2Coding" panose="020B0609020101020101" pitchFamily="49" charset="-127"/>
               </a:rPr>
-              <a:t>intent.resolveActivity</a:t>
-            </a:r>
-            <a:r>
-              <a:rPr lang="en-US" altLang="ko-KR" sz="1600" dirty="0">
-                <a:solidFill>
-                  <a:srgbClr val="000080"/>
-                </a:solidFill>
-                <a:latin typeface="Consolas" panose="020B0609020204030204" pitchFamily="49" charset="0"/>
-                <a:ea typeface="D2Coding" panose="020B0609020101020101" pitchFamily="49" charset="-127"/>
-              </a:rPr>
-              <a:t>(</a:t>
+              <a:t>FileProvider.getUriForFile</a:t>
+            </a:r>
+            <a:r>
+              <a:rPr lang="en-US" altLang="ko-KR" sz="1600" dirty="0">
+                <a:solidFill>
+                  <a:srgbClr val="000080"/>
+                </a:solidFill>
+                <a:latin typeface="Consolas" panose="020B0609020204030204" pitchFamily="49" charset="0"/>
+                <a:ea typeface="D2Coding" panose="020B0609020101020101" pitchFamily="49" charset="-127"/>
+              </a:rPr>
+              <a:t>(this</a:t>
+            </a:r>
+            <a:r>
+              <a:rPr lang="en-US" altLang="ko-KR" sz="1600" dirty="0" smtClean="0">
+                <a:solidFill>
+                  <a:srgbClr val="000080"/>
+                </a:solidFill>
+                <a:latin typeface="Consolas" panose="020B0609020204030204" pitchFamily="49" charset="0"/>
+                <a:ea typeface="D2Coding" panose="020B0609020101020101" pitchFamily="49" charset="-127"/>
+              </a:rPr>
+              <a:t>,"</a:t>
+            </a:r>
+            <a:r>
+              <a:rPr lang="en-US" altLang="ko-KR" sz="1600" dirty="0" err="1" smtClean="0">
+                <a:solidFill>
+                  <a:srgbClr val="000080"/>
+                </a:solidFill>
+                <a:latin typeface="Consolas" panose="020B0609020204030204" pitchFamily="49" charset="0"/>
+                <a:ea typeface="D2Coding" panose="020B0609020101020101" pitchFamily="49" charset="-127"/>
+              </a:rPr>
+              <a:t>com.example.capture.intent.fileprovider</a:t>
+            </a:r>
+            <a:r>
+              <a:rPr lang="en-US" altLang="ko-KR" sz="1600" dirty="0">
+                <a:solidFill>
+                  <a:srgbClr val="000080"/>
+                </a:solidFill>
+                <a:latin typeface="Consolas" panose="020B0609020204030204" pitchFamily="49" charset="0"/>
+                <a:ea typeface="D2Coding" panose="020B0609020101020101" pitchFamily="49" charset="-127"/>
+              </a:rPr>
+              <a:t>", file);</a:t>
+            </a:r>
+          </a:p>
+          <a:p>
+            <a:pPr marL="0" indent="0" eaLnBrk="0" fontAlgn="base" hangingPunct="0">
+              <a:spcBef>
+                <a:spcPct val="0"/>
+              </a:spcBef>
+              <a:spcAft>
+                <a:spcPct val="0"/>
+              </a:spcAft>
+              <a:buClrTx/>
+              <a:buFontTx/>
+              <a:buNone/>
+            </a:pPr>
+            <a:r>
+              <a:rPr lang="en-US" altLang="ko-KR" sz="1600" dirty="0">
+                <a:solidFill>
+                  <a:srgbClr val="000080"/>
+                </a:solidFill>
+                <a:latin typeface="Consolas" panose="020B0609020204030204" pitchFamily="49" charset="0"/>
+                <a:ea typeface="D2Coding" panose="020B0609020101020101" pitchFamily="49" charset="-127"/>
+              </a:rPr>
+              <a:t>   </a:t>
+            </a:r>
+            <a:r>
+              <a:rPr lang="en-US" altLang="ko-KR" sz="1600" dirty="0" smtClean="0">
+                <a:solidFill>
+                  <a:srgbClr val="000080"/>
+                </a:solidFill>
+                <a:latin typeface="Consolas" panose="020B0609020204030204" pitchFamily="49" charset="0"/>
+                <a:ea typeface="D2Coding" panose="020B0609020101020101" pitchFamily="49" charset="-127"/>
+              </a:rPr>
+              <a:t>     Intent </a:t>
             </a:r>
             <a:r>
               <a:rPr lang="en-US" altLang="ko-KR" sz="1600" dirty="0" err="1">
@@ -5315,17 +5187,60 @@
                 <a:latin typeface="Consolas" panose="020B0609020204030204" pitchFamily="49" charset="0"/>
                 <a:ea typeface="D2Coding" panose="020B0609020101020101" pitchFamily="49" charset="-127"/>
               </a:rPr>
-              <a:t>getPackageManager</a:t>
-            </a:r>
-            <a:r>
-              <a:rPr lang="en-US" altLang="ko-KR" sz="1600" dirty="0">
-                <a:solidFill>
-                  <a:srgbClr val="000080"/>
-                </a:solidFill>
-                <a:latin typeface="Consolas" panose="020B0609020204030204" pitchFamily="49" charset="0"/>
-                <a:ea typeface="D2Coding" panose="020B0609020101020101" pitchFamily="49" charset="-127"/>
-              </a:rPr>
-              <a:t>()) != null) </a:t>
+              <a:t>intent</a:t>
+            </a:r>
+            <a:r>
+              <a:rPr lang="en-US" altLang="ko-KR" sz="1600" dirty="0">
+                <a:solidFill>
+                  <a:srgbClr val="000080"/>
+                </a:solidFill>
+                <a:latin typeface="Consolas" panose="020B0609020204030204" pitchFamily="49" charset="0"/>
+                <a:ea typeface="D2Coding" panose="020B0609020101020101" pitchFamily="49" charset="-127"/>
+              </a:rPr>
+              <a:t> = new Intent(</a:t>
+            </a:r>
+            <a:r>
+              <a:rPr lang="en-US" altLang="ko-KR" sz="1600" dirty="0" err="1">
+                <a:solidFill>
+                  <a:srgbClr val="000080"/>
+                </a:solidFill>
+                <a:latin typeface="Consolas" panose="020B0609020204030204" pitchFamily="49" charset="0"/>
+                <a:ea typeface="D2Coding" panose="020B0609020101020101" pitchFamily="49" charset="-127"/>
+              </a:rPr>
+              <a:t>MediaStore.ACTION_IMAGE_CAPTURE</a:t>
+            </a:r>
+            <a:r>
+              <a:rPr lang="en-US" altLang="ko-KR" sz="1600" dirty="0">
+                <a:solidFill>
+                  <a:srgbClr val="000080"/>
+                </a:solidFill>
+                <a:latin typeface="Consolas" panose="020B0609020204030204" pitchFamily="49" charset="0"/>
+                <a:ea typeface="D2Coding" panose="020B0609020101020101" pitchFamily="49" charset="-127"/>
+              </a:rPr>
+              <a:t>);</a:t>
+            </a:r>
+          </a:p>
+          <a:p>
+            <a:pPr marL="0" indent="0" eaLnBrk="0" fontAlgn="base" hangingPunct="0">
+              <a:spcBef>
+                <a:spcPct val="0"/>
+              </a:spcBef>
+              <a:spcAft>
+                <a:spcPct val="0"/>
+              </a:spcAft>
+              <a:buClrTx/>
+              <a:buFontTx/>
+              <a:buNone/>
+            </a:pPr>
+            <a:r>
+              <a:rPr lang="en-US" altLang="ko-KR" sz="1600" dirty="0">
+                <a:solidFill>
+                  <a:srgbClr val="000080"/>
+                </a:solidFill>
+                <a:latin typeface="Consolas" panose="020B0609020204030204" pitchFamily="49" charset="0"/>
+                <a:ea typeface="D2Coding" panose="020B0609020101020101" pitchFamily="49" charset="-127"/>
+              </a:rPr>
+              <a:t>   </a:t>
             </a:r>
             <a:r>
               <a:rPr lang="en-US" altLang="ko-KR" sz="1600" dirty="0" smtClean="0">
@@ -5335,17 +5250,40 @@
                 <a:latin typeface="Consolas" panose="020B0609020204030204" pitchFamily="49" charset="0"/>
                 <a:ea typeface="D2Coding" panose="020B0609020101020101" pitchFamily="49" charset="-127"/>
               </a:rPr>
-              <a:t>startActivityForResult(intent</a:t>
-            </a:r>
-            <a:r>
-              <a:rPr lang="en-US" altLang="ko-KR" sz="1600" dirty="0">
-                <a:solidFill>
-                  <a:srgbClr val="000080"/>
-                </a:solidFill>
-                <a:latin typeface="Consolas" panose="020B0609020204030204" pitchFamily="49" charset="0"/>
-                <a:ea typeface="D2Coding" panose="020B0609020101020101" pitchFamily="49" charset="-127"/>
-              </a:rPr>
-              <a:t>, 101</a:t>
+              <a:t>     intent.addFlags(Intent.FLAG_GRANT_READ_URI_PERMISSION|Intent.FLAG_GRANT_WRITE_URI_PERMISSION</a:t>
+            </a:r>
+            <a:r>
+              <a:rPr lang="en-US" altLang="ko-KR" sz="1600" dirty="0">
+                <a:solidFill>
+                  <a:srgbClr val="000080"/>
+                </a:solidFill>
+                <a:latin typeface="Consolas" panose="020B0609020204030204" pitchFamily="49" charset="0"/>
+                <a:ea typeface="D2Coding" panose="020B0609020101020101" pitchFamily="49" charset="-127"/>
+              </a:rPr>
+              <a:t>);</a:t>
+            </a:r>
+          </a:p>
+          <a:p>
+            <a:pPr marL="0" indent="0" eaLnBrk="0" fontAlgn="base" hangingPunct="0">
+              <a:spcBef>
+                <a:spcPct val="0"/>
+              </a:spcBef>
+              <a:spcAft>
+                <a:spcPct val="0"/>
+              </a:spcAft>
+              <a:buClrTx/>
+              <a:buFontTx/>
+              <a:buNone/>
+            </a:pPr>
+            <a:r>
+              <a:rPr lang="en-US" altLang="ko-KR" sz="1600" dirty="0">
+                <a:solidFill>
+                  <a:srgbClr val="000080"/>
+                </a:solidFill>
+                <a:latin typeface="Consolas" panose="020B0609020204030204" pitchFamily="49" charset="0"/>
+                <a:ea typeface="D2Coding" panose="020B0609020101020101" pitchFamily="49" charset="-127"/>
+              </a:rPr>
+              <a:t>   </a:t>
             </a:r>
             <a:r>
               <a:rPr lang="en-US" altLang="ko-KR" sz="1600" dirty="0" smtClean="0">
@@ -5355,8 +5293,51 @@
                 <a:latin typeface="Consolas" panose="020B0609020204030204" pitchFamily="49" charset="0"/>
                 <a:ea typeface="D2Coding" panose="020B0609020101020101" pitchFamily="49" charset="-127"/>
               </a:rPr>
+              <a:t>     intent.putExtra(</a:t>
+            </a:r>
+            <a:r>
+              <a:rPr lang="en-US" altLang="ko-KR" sz="1600" dirty="0" err="1" smtClean="0">
+                <a:solidFill>
+                  <a:srgbClr val="000080"/>
+                </a:solidFill>
+                <a:latin typeface="Consolas" panose="020B0609020204030204" pitchFamily="49" charset="0"/>
+                <a:ea typeface="D2Coding" panose="020B0609020101020101" pitchFamily="49" charset="-127"/>
+              </a:rPr>
+              <a:t>MediaStore.EXTRA_OUTPUT</a:t>
+            </a:r>
+            <a:r>
+              <a:rPr lang="en-US" altLang="ko-KR" sz="1600" dirty="0">
+                <a:solidFill>
+                  <a:srgbClr val="000080"/>
+                </a:solidFill>
+                <a:latin typeface="Consolas" panose="020B0609020204030204" pitchFamily="49" charset="0"/>
+                <a:ea typeface="D2Coding" panose="020B0609020101020101" pitchFamily="49" charset="-127"/>
+              </a:rPr>
+              <a:t>, fileUri</a:t>
+            </a:r>
+            <a:r>
+              <a:rPr lang="en-US" altLang="ko-KR" sz="1600" dirty="0" smtClean="0">
+                <a:solidFill>
+                  <a:srgbClr val="000080"/>
+                </a:solidFill>
+                <a:latin typeface="Consolas" panose="020B0609020204030204" pitchFamily="49" charset="0"/>
+                <a:ea typeface="D2Coding" panose="020B0609020101020101" pitchFamily="49" charset="-127"/>
+              </a:rPr>
               <a:t>);</a:t>
             </a:r>
+          </a:p>
+          <a:p>
+            <a:pPr marL="0" indent="0" eaLnBrk="0" fontAlgn="base" hangingPunct="0">
+              <a:spcBef>
+                <a:spcPct val="0"/>
+              </a:spcBef>
+              <a:spcAft>
+                <a:spcPct val="0"/>
+              </a:spcAft>
+              <a:buClrTx/>
+              <a:buFontTx/>
+              <a:buNone/>
+            </a:pPr>
             <a:endParaRPr lang="en-US" altLang="ko-KR" sz="1600" dirty="0">
               <a:solidFill>
                 <a:srgbClr val="000080"/>
@@ -5378,6 +5359,16 @@
               <a:buNone/>
             </a:pPr>
             <a:r>
+              <a:rPr lang="en-US" altLang="ko-KR" sz="1600" dirty="0">
+                <a:solidFill>
+                  <a:srgbClr val="000080"/>
+                </a:solidFill>
+                <a:latin typeface="Consolas" panose="020B0609020204030204" pitchFamily="49" charset="0"/>
+                <a:ea typeface="D2Coding" panose="020B0609020101020101" pitchFamily="49" charset="-127"/>
+              </a:rPr>
+              <a:t>  </a:t>
+            </a:r>
+            <a:r>
               <a:rPr lang="en-US" altLang="ko-KR" sz="1600" dirty="0" smtClean="0">
                 <a:solidFill>
                   <a:srgbClr val="000080"/>
@@ -5385,7 +5376,147 @@
                 <a:latin typeface="Consolas" panose="020B0609020204030204" pitchFamily="49" charset="0"/>
                 <a:ea typeface="D2Coding" panose="020B0609020101020101" pitchFamily="49" charset="-127"/>
               </a:rPr>
-              <a:t>}</a:t>
+              <a:t>      if </a:t>
+            </a:r>
+            <a:r>
+              <a:rPr lang="en-US" altLang="ko-KR" sz="1600" dirty="0">
+                <a:solidFill>
+                  <a:srgbClr val="000080"/>
+                </a:solidFill>
+                <a:latin typeface="Consolas" panose="020B0609020204030204" pitchFamily="49" charset="0"/>
+                <a:ea typeface="D2Coding" panose="020B0609020101020101" pitchFamily="49" charset="-127"/>
+              </a:rPr>
+              <a:t>(</a:t>
+            </a:r>
+            <a:r>
+              <a:rPr lang="en-US" altLang="ko-KR" sz="1600" dirty="0" err="1">
+                <a:solidFill>
+                  <a:srgbClr val="000080"/>
+                </a:solidFill>
+                <a:latin typeface="Consolas" panose="020B0609020204030204" pitchFamily="49" charset="0"/>
+                <a:ea typeface="D2Coding" panose="020B0609020101020101" pitchFamily="49" charset="-127"/>
+              </a:rPr>
+              <a:t>intent.resolveActivity</a:t>
+            </a:r>
+            <a:r>
+              <a:rPr lang="en-US" altLang="ko-KR" sz="1600" dirty="0">
+                <a:solidFill>
+                  <a:srgbClr val="000080"/>
+                </a:solidFill>
+                <a:latin typeface="Consolas" panose="020B0609020204030204" pitchFamily="49" charset="0"/>
+                <a:ea typeface="D2Coding" panose="020B0609020101020101" pitchFamily="49" charset="-127"/>
+              </a:rPr>
+              <a:t>(</a:t>
+            </a:r>
+            <a:r>
+              <a:rPr lang="en-US" altLang="ko-KR" sz="1600" dirty="0" err="1">
+                <a:solidFill>
+                  <a:srgbClr val="000080"/>
+                </a:solidFill>
+                <a:latin typeface="Consolas" panose="020B0609020204030204" pitchFamily="49" charset="0"/>
+                <a:ea typeface="D2Coding" panose="020B0609020101020101" pitchFamily="49" charset="-127"/>
+              </a:rPr>
+              <a:t>getPackageManager</a:t>
+            </a:r>
+            <a:r>
+              <a:rPr lang="en-US" altLang="ko-KR" sz="1600" dirty="0">
+                <a:solidFill>
+                  <a:srgbClr val="000080"/>
+                </a:solidFill>
+                <a:latin typeface="Consolas" panose="020B0609020204030204" pitchFamily="49" charset="0"/>
+                <a:ea typeface="D2Coding" panose="020B0609020101020101" pitchFamily="49" charset="-127"/>
+              </a:rPr>
+              <a:t>()) != null) </a:t>
+            </a:r>
+            <a:endParaRPr lang="en-US" altLang="ko-KR" sz="1600" dirty="0" smtClean="0">
+              <a:solidFill>
+                <a:srgbClr val="000080"/>
+              </a:solidFill>
+              <a:latin typeface="Consolas" panose="020B0609020204030204" pitchFamily="49" charset="0"/>
+              <a:ea typeface="D2Coding" panose="020B0609020101020101" pitchFamily="49" charset="-127"/>
+            </a:endParaRPr>
+          </a:p>
+          <a:p>
+            <a:pPr marL="0" indent="0" eaLnBrk="0" fontAlgn="base" hangingPunct="0">
+              <a:spcBef>
+                <a:spcPct val="0"/>
+              </a:spcBef>
+              <a:spcAft>
+                <a:spcPct val="0"/>
+              </a:spcAft>
+              <a:buClrTx/>
+              <a:buFontTx/>
+              <a:buNone/>
+            </a:pPr>
+            <a:r>
+              <a:rPr lang="en-US" altLang="ko-KR" sz="1600" dirty="0">
+                <a:solidFill>
+                  <a:srgbClr val="000080"/>
+                </a:solidFill>
+                <a:latin typeface="Consolas" panose="020B0609020204030204" pitchFamily="49" charset="0"/>
+                <a:ea typeface="D2Coding" panose="020B0609020101020101" pitchFamily="49" charset="-127"/>
+              </a:rPr>
+              <a:t> </a:t>
+            </a:r>
+            <a:r>
+              <a:rPr lang="en-US" altLang="ko-KR" sz="1600" dirty="0" smtClean="0">
+                <a:solidFill>
+                  <a:srgbClr val="000080"/>
+                </a:solidFill>
+                <a:latin typeface="Consolas" panose="020B0609020204030204" pitchFamily="49" charset="0"/>
+                <a:ea typeface="D2Coding" panose="020B0609020101020101" pitchFamily="49" charset="-127"/>
+              </a:rPr>
+              <a:t>            startActivityForResult(intent</a:t>
+            </a:r>
+            <a:r>
+              <a:rPr lang="en-US" altLang="ko-KR" sz="1600" dirty="0">
+                <a:solidFill>
+                  <a:srgbClr val="000080"/>
+                </a:solidFill>
+                <a:latin typeface="Consolas" panose="020B0609020204030204" pitchFamily="49" charset="0"/>
+                <a:ea typeface="D2Coding" panose="020B0609020101020101" pitchFamily="49" charset="-127"/>
+              </a:rPr>
+              <a:t>, 101</a:t>
+            </a:r>
+            <a:r>
+              <a:rPr lang="en-US" altLang="ko-KR" sz="1600" dirty="0" smtClean="0">
+                <a:solidFill>
+                  <a:srgbClr val="000080"/>
+                </a:solidFill>
+                <a:latin typeface="Consolas" panose="020B0609020204030204" pitchFamily="49" charset="0"/>
+                <a:ea typeface="D2Coding" panose="020B0609020101020101" pitchFamily="49" charset="-127"/>
+              </a:rPr>
+              <a:t>);</a:t>
+            </a:r>
+            <a:endParaRPr lang="en-US" altLang="ko-KR" sz="1600" dirty="0">
+              <a:solidFill>
+                <a:srgbClr val="000080"/>
+              </a:solidFill>
+              <a:latin typeface="Consolas" panose="020B0609020204030204" pitchFamily="49" charset="0"/>
+              <a:ea typeface="D2Coding" panose="020B0609020101020101" pitchFamily="49" charset="-127"/>
+            </a:endParaRPr>
+          </a:p>
+          <a:p>
+            <a:pPr marL="0" indent="0" eaLnBrk="0" fontAlgn="base" hangingPunct="0">
+              <a:spcBef>
+                <a:spcPct val="0"/>
+              </a:spcBef>
+              <a:spcAft>
+                <a:spcPct val="0"/>
+              </a:spcAft>
+              <a:buClrTx/>
+              <a:buFontTx/>
+              <a:buNone/>
+            </a:pPr>
+            <a:r>
+              <a:rPr lang="en-US" altLang="ko-KR" sz="1600" dirty="0" smtClean="0">
+                <a:solidFill>
+                  <a:srgbClr val="000080"/>
+                </a:solidFill>
+                <a:latin typeface="Consolas" panose="020B0609020204030204" pitchFamily="49" charset="0"/>
+                <a:ea typeface="D2Coding" panose="020B0609020101020101" pitchFamily="49" charset="-127"/>
+              </a:rPr>
+              <a:t>    }</a:t>
             </a:r>
             <a:endParaRPr lang="ko-KR" altLang="ko-KR" dirty="0" smtClean="0">
               <a:latin typeface="Consolas" panose="020B0609020204030204" pitchFamily="49" charset="0"/>
@@ -7379,21 +7510,9 @@
             </a:endParaRPr>
           </a:p>
           <a:p>
-            <a:endParaRPr lang="en-US" altLang="ko-KR" dirty="0" smtClean="0">
-              <a:sym typeface="Wingdings" panose="05000000000000000000" pitchFamily="2" charset="2"/>
-            </a:endParaRPr>
-          </a:p>
-          <a:p>
-            <a:endParaRPr lang="en-US" altLang="ko-KR" dirty="0">
-              <a:sym typeface="Wingdings" panose="05000000000000000000" pitchFamily="2" charset="2"/>
-            </a:endParaRPr>
-          </a:p>
-          <a:p>
-            <a:endParaRPr lang="en-US" altLang="ko-KR" dirty="0" smtClean="0">
-              <a:sym typeface="Wingdings" panose="05000000000000000000" pitchFamily="2" charset="2"/>
-            </a:endParaRPr>
-          </a:p>
-          <a:p>
+            <a:pPr marL="0" indent="0">
+              <a:buNone/>
+            </a:pPr>
             <a:endParaRPr lang="en-US" altLang="ko-KR" dirty="0">
               <a:sym typeface="Wingdings" panose="05000000000000000000" pitchFamily="2" charset="2"/>
             </a:endParaRPr>
@@ -12274,16 +12393,16 @@
               <a:t> 타입을 카메라의 영상을 </a:t>
             </a:r>
             <a:r>
-              <a:rPr lang="ko-KR" altLang="en-US" dirty="0" err="1" smtClean="0">
-                <a:sym typeface="Wingdings" panose="05000000000000000000" pitchFamily="2" charset="2"/>
-              </a:rPr>
-              <a:t>뿔려주는</a:t>
-            </a:r>
-            <a:r>
-              <a:rPr lang="ko-KR" altLang="en-US" dirty="0" smtClean="0">
-                <a:sym typeface="Wingdings" panose="05000000000000000000" pitchFamily="2" charset="2"/>
-              </a:rPr>
-              <a:t> 데만 사용하도록 설정한 경우</a:t>
+              <a:rPr lang="ko-KR" altLang="en-US" dirty="0">
+                <a:sym typeface="Wingdings" panose="05000000000000000000" pitchFamily="2" charset="2"/>
+              </a:rPr>
+              <a:t>뿌</a:t>
+            </a:r>
+            <a:r>
+              <a:rPr lang="ko-KR" altLang="en-US" dirty="0" smtClean="0">
+                <a:sym typeface="Wingdings" panose="05000000000000000000" pitchFamily="2" charset="2"/>
+              </a:rPr>
+              <a:t>려주는 데만 사용하도록 설정한 경우</a:t>
             </a:r>
             <a:r>
               <a:rPr lang="en-US" altLang="ko-KR" dirty="0" smtClean="0">
@@ -13139,19 +13258,7 @@
               <a:rPr lang="ko-KR" altLang="en-US" dirty="0" smtClean="0">
                 <a:sym typeface="Wingdings" panose="05000000000000000000" pitchFamily="2" charset="2"/>
               </a:rPr>
-              <a:t>화면에 카메라 </a:t>
-            </a:r>
-            <a:r>
-              <a:rPr lang="ko-KR" altLang="en-US" dirty="0" smtClean="0">
-                <a:sym typeface="Wingdings" panose="05000000000000000000" pitchFamily="2" charset="2"/>
-              </a:rPr>
-              <a:t>미리 보기 </a:t>
-            </a:r>
-            <a:r>
-              <a:rPr lang="ko-KR" altLang="en-US" dirty="0" smtClean="0">
-                <a:sym typeface="Wingdings" panose="05000000000000000000" pitchFamily="2" charset="2"/>
-              </a:rPr>
-              <a:t>넣기</a:t>
+              <a:t>화면에 카메라 미리 보기 넣기</a:t>
             </a:r>
             <a:endParaRPr lang="en-US" altLang="ko-KR" dirty="0" smtClean="0">
               <a:sym typeface="Wingdings" panose="05000000000000000000" pitchFamily="2" charset="2"/>
@@ -23244,13 +23351,7 @@
               <a:rPr lang="ko-KR" altLang="en-US" dirty="0" smtClean="0">
                 <a:sym typeface="Wingdings" panose="05000000000000000000" pitchFamily="2" charset="2"/>
               </a:rPr>
-              <a:t> 단말의 카메라 앱을 실행한 후 결과 사진을 받아 </a:t>
-            </a:r>
-            <a:r>
-              <a:rPr lang="ko-KR" altLang="en-US" dirty="0" smtClean="0">
-                <a:sym typeface="Wingdings" panose="05000000000000000000" pitchFamily="2" charset="2"/>
-              </a:rPr>
-              <a:t>처리하기</a:t>
+              <a:t> 단말의 카메라 앱을 실행한 후 결과 사진을 받아 처리하기</a:t>
             </a:r>
             <a:endParaRPr lang="en-US" altLang="ko-KR" dirty="0" smtClean="0">
               <a:sym typeface="Wingdings" panose="05000000000000000000" pitchFamily="2" charset="2"/>
@@ -23352,7 +23453,7 @@
               <a:rPr lang="en-US" altLang="ko-KR" dirty="0" err="1" smtClean="0">
                 <a:sym typeface="Wingdings" panose="05000000000000000000" pitchFamily="2" charset="2"/>
               </a:rPr>
-              <a:t>SampleCameraIntent</a:t>
+              <a:t>SampleCaptureIntent</a:t>
             </a:r>
             <a:r>
               <a:rPr lang="en-US" altLang="ko-KR" dirty="0" smtClean="0">
@@ -23370,7 +23471,7 @@
               <a:rPr lang="en-US" altLang="ko-KR" dirty="0" err="1" smtClean="0">
                 <a:sym typeface="Wingdings" panose="05000000000000000000" pitchFamily="2" charset="2"/>
               </a:rPr>
-              <a:t>com.example.camera.intent</a:t>
+              <a:t>com.example.capture.intent</a:t>
             </a:r>
             <a:r>
               <a:rPr lang="en-US" altLang="ko-KR" dirty="0" smtClean="0">
@@ -28655,7 +28756,7 @@
               <a:buNone/>
             </a:pPr>
             <a:r>
-              <a:rPr lang="ko-KR" altLang="ko-KR" sz="1600" b="1" dirty="0">
+              <a:rPr lang="ko-KR" altLang="ko-KR" b="1" dirty="0">
                 <a:solidFill>
                   <a:srgbClr val="000080"/>
                 </a:solidFill>
@@ -28665,7 +28766,7 @@
               <a:t>public class </a:t>
             </a:r>
             <a:r>
-              <a:rPr lang="ko-KR" altLang="ko-KR" sz="1600" dirty="0">
+              <a:rPr lang="ko-KR" altLang="ko-KR" dirty="0">
                 <a:solidFill>
                   <a:srgbClr val="000000"/>
                 </a:solidFill>
@@ -28675,7 +28776,7 @@
               <a:t>MainActivity </a:t>
             </a:r>
             <a:r>
-              <a:rPr lang="ko-KR" altLang="ko-KR" sz="1600" b="1" dirty="0">
+              <a:rPr lang="ko-KR" altLang="ko-KR" b="1" dirty="0">
                 <a:solidFill>
                   <a:srgbClr val="000080"/>
                 </a:solidFill>
@@ -28685,7 +28786,7 @@
               <a:t>extends </a:t>
             </a:r>
             <a:r>
-              <a:rPr lang="ko-KR" altLang="ko-KR" sz="1600" dirty="0">
+              <a:rPr lang="ko-KR" altLang="ko-KR" dirty="0">
                 <a:solidFill>
                   <a:srgbClr val="000000"/>
                 </a:solidFill>
@@ -28695,7 +28796,7 @@
               <a:t>AppCompatActivity {</a:t>
             </a:r>
             <a:br>
-              <a:rPr lang="ko-KR" altLang="ko-KR" sz="1600" dirty="0">
+              <a:rPr lang="ko-KR" altLang="ko-KR" dirty="0">
                 <a:solidFill>
                   <a:srgbClr val="000000"/>
                 </a:solidFill>
@@ -28704,7 +28805,7 @@
               </a:rPr>
             </a:br>
             <a:r>
-              <a:rPr lang="ko-KR" altLang="ko-KR" sz="1600" dirty="0">
+              <a:rPr lang="ko-KR" altLang="ko-KR" dirty="0">
                 <a:solidFill>
                   <a:srgbClr val="000000"/>
                 </a:solidFill>
@@ -28714,7 +28815,7 @@
               <a:t>    ImageView </a:t>
             </a:r>
             <a:r>
-              <a:rPr lang="ko-KR" altLang="ko-KR" sz="1600" b="1" dirty="0">
+              <a:rPr lang="ko-KR" altLang="ko-KR" b="1" dirty="0">
                 <a:solidFill>
                   <a:srgbClr val="660E7A"/>
                 </a:solidFill>
@@ -28724,7 +28825,7 @@
               <a:t>imageView</a:t>
             </a:r>
             <a:r>
-              <a:rPr lang="ko-KR" altLang="ko-KR" sz="1600" dirty="0">
+              <a:rPr lang="ko-KR" altLang="ko-KR" dirty="0">
                 <a:solidFill>
                   <a:srgbClr val="000000"/>
                 </a:solidFill>
@@ -28734,7 +28835,7 @@
               <a:t>;</a:t>
             </a:r>
             <a:br>
-              <a:rPr lang="ko-KR" altLang="ko-KR" sz="1600" dirty="0">
+              <a:rPr lang="ko-KR" altLang="ko-KR" dirty="0">
                 <a:solidFill>
                   <a:srgbClr val="000000"/>
                 </a:solidFill>
@@ -28743,7 +28844,7 @@
               </a:rPr>
             </a:br>
             <a:r>
-              <a:rPr lang="ko-KR" altLang="ko-KR" sz="1600" dirty="0">
+              <a:rPr lang="ko-KR" altLang="ko-KR" dirty="0">
                 <a:solidFill>
                   <a:srgbClr val="000000"/>
                 </a:solidFill>
@@ -28753,7 +28854,7 @@
               <a:t>    File </a:t>
             </a:r>
             <a:r>
-              <a:rPr lang="ko-KR" altLang="ko-KR" sz="1600" b="1" dirty="0">
+              <a:rPr lang="ko-KR" altLang="ko-KR" b="1" dirty="0">
                 <a:solidFill>
                   <a:srgbClr val="660E7A"/>
                 </a:solidFill>
@@ -28763,7 +28864,7 @@
               <a:t>file</a:t>
             </a:r>
             <a:r>
-              <a:rPr lang="ko-KR" altLang="ko-KR" sz="1600" dirty="0">
+              <a:rPr lang="ko-KR" altLang="ko-KR" dirty="0">
                 <a:solidFill>
                   <a:srgbClr val="000000"/>
                 </a:solidFill>
@@ -28773,7 +28874,7 @@
               <a:t>;</a:t>
             </a:r>
             <a:br>
-              <a:rPr lang="ko-KR" altLang="ko-KR" sz="1600" dirty="0">
+              <a:rPr lang="ko-KR" altLang="ko-KR" dirty="0">
                 <a:solidFill>
                   <a:srgbClr val="000000"/>
                 </a:solidFill>
@@ -28782,7 +28883,7 @@
               </a:rPr>
             </a:br>
             <a:r>
-              <a:rPr lang="ko-KR" altLang="ko-KR" sz="1600" dirty="0">
+              <a:rPr lang="ko-KR" altLang="ko-KR" dirty="0">
                 <a:solidFill>
                   <a:srgbClr val="000000"/>
                 </a:solidFill>
@@ -28792,7 +28893,7 @@
               <a:t/>
             </a:r>
             <a:br>
-              <a:rPr lang="ko-KR" altLang="ko-KR" sz="1600" dirty="0">
+              <a:rPr lang="ko-KR" altLang="ko-KR" dirty="0">
                 <a:solidFill>
                   <a:srgbClr val="000000"/>
                 </a:solidFill>
@@ -28801,7 +28902,7 @@
               </a:rPr>
             </a:br>
             <a:r>
-              <a:rPr lang="ko-KR" altLang="ko-KR" sz="1600" dirty="0">
+              <a:rPr lang="ko-KR" altLang="ko-KR" dirty="0">
                 <a:solidFill>
                   <a:srgbClr val="000000"/>
                 </a:solidFill>
@@ -28811,7 +28912,7 @@
               <a:t>    </a:t>
             </a:r>
             <a:r>
-              <a:rPr lang="ko-KR" altLang="ko-KR" sz="1600" dirty="0">
+              <a:rPr lang="ko-KR" altLang="ko-KR" dirty="0">
                 <a:solidFill>
                   <a:srgbClr val="808000"/>
                 </a:solidFill>
@@ -28821,7 +28922,7 @@
               <a:t>@Override</a:t>
             </a:r>
             <a:br>
-              <a:rPr lang="ko-KR" altLang="ko-KR" sz="1600" dirty="0">
+              <a:rPr lang="ko-KR" altLang="ko-KR" dirty="0">
                 <a:solidFill>
                   <a:srgbClr val="808000"/>
                 </a:solidFill>
@@ -28830,7 +28931,7 @@
               </a:rPr>
             </a:br>
             <a:r>
-              <a:rPr lang="ko-KR" altLang="ko-KR" sz="1600" dirty="0">
+              <a:rPr lang="ko-KR" altLang="ko-KR" dirty="0">
                 <a:solidFill>
                   <a:srgbClr val="808000"/>
                 </a:solidFill>
@@ -28840,7 +28941,7 @@
               <a:t>    </a:t>
             </a:r>
             <a:r>
-              <a:rPr lang="ko-KR" altLang="ko-KR" sz="1600" b="1" dirty="0">
+              <a:rPr lang="ko-KR" altLang="ko-KR" b="1" dirty="0">
                 <a:solidFill>
                   <a:srgbClr val="000080"/>
                 </a:solidFill>
@@ -28850,7 +28951,7 @@
               <a:t>protected void </a:t>
             </a:r>
             <a:r>
-              <a:rPr lang="ko-KR" altLang="ko-KR" sz="1600" dirty="0">
+              <a:rPr lang="ko-KR" altLang="ko-KR" dirty="0">
                 <a:solidFill>
                   <a:srgbClr val="000000"/>
                 </a:solidFill>
@@ -28860,7 +28961,7 @@
               <a:t>onCreate(</a:t>
             </a:r>
             <a:r>
-              <a:rPr lang="ko-KR" altLang="ko-KR" sz="1600" dirty="0" err="1">
+              <a:rPr lang="ko-KR" altLang="ko-KR" dirty="0" err="1">
                 <a:solidFill>
                   <a:srgbClr val="000000"/>
                 </a:solidFill>
@@ -28870,7 +28971,7 @@
               <a:t>Bundle</a:t>
             </a:r>
             <a:r>
-              <a:rPr lang="ko-KR" altLang="ko-KR" sz="1600" dirty="0">
+              <a:rPr lang="ko-KR" altLang="ko-KR" dirty="0">
                 <a:solidFill>
                   <a:srgbClr val="000000"/>
                 </a:solidFill>
@@ -28880,7 +28981,7 @@
               <a:t> savedInstanceState) {</a:t>
             </a:r>
             <a:br>
-              <a:rPr lang="ko-KR" altLang="ko-KR" sz="1600" dirty="0">
+              <a:rPr lang="ko-KR" altLang="ko-KR" dirty="0">
                 <a:solidFill>
                   <a:srgbClr val="000000"/>
                 </a:solidFill>
@@ -28889,7 +28990,7 @@
               </a:rPr>
             </a:br>
             <a:r>
-              <a:rPr lang="ko-KR" altLang="ko-KR" sz="1600" dirty="0">
+              <a:rPr lang="ko-KR" altLang="ko-KR" dirty="0">
                 <a:solidFill>
                   <a:srgbClr val="000000"/>
                 </a:solidFill>
@@ -28899,7 +29000,7 @@
               <a:t>        </a:t>
             </a:r>
             <a:r>
-              <a:rPr lang="ko-KR" altLang="ko-KR" sz="1600" b="1" dirty="0">
+              <a:rPr lang="ko-KR" altLang="ko-KR" b="1" dirty="0">
                 <a:solidFill>
                   <a:srgbClr val="000080"/>
                 </a:solidFill>
@@ -28909,7 +29010,7 @@
               <a:t>super</a:t>
             </a:r>
             <a:r>
-              <a:rPr lang="ko-KR" altLang="ko-KR" sz="1600" dirty="0">
+              <a:rPr lang="ko-KR" altLang="ko-KR" dirty="0">
                 <a:solidFill>
                   <a:srgbClr val="000000"/>
                 </a:solidFill>
@@ -28919,7 +29020,7 @@
               <a:t>.onCreate(savedInstanceState);</a:t>
             </a:r>
             <a:br>
-              <a:rPr lang="ko-KR" altLang="ko-KR" sz="1600" dirty="0">
+              <a:rPr lang="ko-KR" altLang="ko-KR" dirty="0">
                 <a:solidFill>
                   <a:srgbClr val="000000"/>
                 </a:solidFill>
@@ -28928,7 +29029,7 @@
               </a:rPr>
             </a:br>
             <a:r>
-              <a:rPr lang="ko-KR" altLang="ko-KR" sz="1600" dirty="0">
+              <a:rPr lang="ko-KR" altLang="ko-KR" dirty="0">
                 <a:solidFill>
                   <a:srgbClr val="000000"/>
                 </a:solidFill>
@@ -28938,7 +29039,7 @@
               <a:t>        setContentView(</a:t>
             </a:r>
             <a:r>
-              <a:rPr lang="ko-KR" altLang="ko-KR" sz="1600" dirty="0" err="1">
+              <a:rPr lang="ko-KR" altLang="ko-KR" dirty="0" err="1">
                 <a:solidFill>
                   <a:srgbClr val="000000"/>
                 </a:solidFill>
@@ -28948,7 +29049,7 @@
               <a:t>R.layout.</a:t>
             </a:r>
             <a:r>
-              <a:rPr lang="ko-KR" altLang="ko-KR" sz="1600" b="1" i="1" dirty="0" err="1">
+              <a:rPr lang="ko-KR" altLang="ko-KR" b="1" i="1" dirty="0" err="1">
                 <a:solidFill>
                   <a:srgbClr val="660E7A"/>
                 </a:solidFill>
@@ -28958,7 +29059,7 @@
               <a:t>activity_main</a:t>
             </a:r>
             <a:r>
-              <a:rPr lang="ko-KR" altLang="ko-KR" sz="1600" dirty="0">
+              <a:rPr lang="ko-KR" altLang="ko-KR" dirty="0" smtClean="0">
                 <a:solidFill>
                   <a:srgbClr val="000000"/>
                 </a:solidFill>
@@ -28967,8 +29068,38 @@
               </a:rPr>
               <a:t>);</a:t>
             </a:r>
+            <a:endParaRPr lang="en-US" altLang="ko-KR" dirty="0" smtClean="0">
+              <a:solidFill>
+                <a:srgbClr val="000000"/>
+              </a:solidFill>
+              <a:latin typeface="Consolas" panose="020B0609020204030204" pitchFamily="49" charset="0"/>
+              <a:ea typeface="D2Coding" panose="020B0609020101020101" pitchFamily="49" charset="-127"/>
+            </a:endParaRPr>
+          </a:p>
+          <a:p>
+            <a:pPr marL="0" indent="0" eaLnBrk="0" fontAlgn="base" hangingPunct="0">
+              <a:spcBef>
+                <a:spcPct val="0"/>
+              </a:spcBef>
+              <a:spcAft>
+                <a:spcPct val="0"/>
+              </a:spcAft>
+              <a:buClrTx/>
+              <a:buFontTx/>
+              <a:buNone/>
+            </a:pPr>
+            <a:r>
+              <a:rPr lang="ko-KR" altLang="ko-KR" dirty="0">
+                <a:solidFill>
+                  <a:srgbClr val="000000"/>
+                </a:solidFill>
+                <a:latin typeface="Consolas" panose="020B0609020204030204" pitchFamily="49" charset="0"/>
+                <a:ea typeface="D2Coding" panose="020B0609020101020101" pitchFamily="49" charset="-127"/>
+              </a:rPr>
+              <a:t/>
+            </a:r>
             <a:br>
-              <a:rPr lang="ko-KR" altLang="ko-KR" sz="1600" dirty="0">
+              <a:rPr lang="ko-KR" altLang="ko-KR" dirty="0">
                 <a:solidFill>
                   <a:srgbClr val="000000"/>
                 </a:solidFill>
@@ -28977,17 +29108,77 @@
               </a:rPr>
             </a:br>
             <a:r>
-              <a:rPr lang="ko-KR" altLang="ko-KR" sz="1600" dirty="0">
+              <a:rPr lang="ko-KR" altLang="ko-KR" dirty="0">
                 <a:solidFill>
                   <a:srgbClr val="000000"/>
                 </a:solidFill>
                 <a:latin typeface="Consolas" panose="020B0609020204030204" pitchFamily="49" charset="0"/>
                 <a:ea typeface="D2Coding" panose="020B0609020101020101" pitchFamily="49" charset="-127"/>
               </a:rPr>
+              <a:t>        </a:t>
+            </a:r>
+            <a:r>
+              <a:rPr lang="ko-KR" altLang="ko-KR" b="1" dirty="0">
+                <a:solidFill>
+                  <a:srgbClr val="660E7A"/>
+                </a:solidFill>
+                <a:latin typeface="Consolas" panose="020B0609020204030204" pitchFamily="49" charset="0"/>
+                <a:ea typeface="D2Coding" panose="020B0609020101020101" pitchFamily="49" charset="-127"/>
+              </a:rPr>
+              <a:t>imageView </a:t>
+            </a:r>
+            <a:r>
+              <a:rPr lang="ko-KR" altLang="ko-KR" dirty="0">
+                <a:solidFill>
+                  <a:srgbClr val="000000"/>
+                </a:solidFill>
+                <a:latin typeface="Consolas" panose="020B0609020204030204" pitchFamily="49" charset="0"/>
+                <a:ea typeface="D2Coding" panose="020B0609020101020101" pitchFamily="49" charset="-127"/>
+              </a:rPr>
+              <a:t>= findViewById(</a:t>
+            </a:r>
+            <a:r>
+              <a:rPr lang="ko-KR" altLang="ko-KR" dirty="0" err="1">
+                <a:solidFill>
+                  <a:srgbClr val="000000"/>
+                </a:solidFill>
+                <a:latin typeface="Consolas" panose="020B0609020204030204" pitchFamily="49" charset="0"/>
+                <a:ea typeface="D2Coding" panose="020B0609020101020101" pitchFamily="49" charset="-127"/>
+              </a:rPr>
+              <a:t>R.id.</a:t>
+            </a:r>
+            <a:r>
+              <a:rPr lang="ko-KR" altLang="ko-KR" b="1" i="1" dirty="0" err="1">
+                <a:solidFill>
+                  <a:srgbClr val="660E7A"/>
+                </a:solidFill>
+                <a:latin typeface="Consolas" panose="020B0609020204030204" pitchFamily="49" charset="0"/>
+                <a:ea typeface="D2Coding" panose="020B0609020101020101" pitchFamily="49" charset="-127"/>
+              </a:rPr>
+              <a:t>imageView</a:t>
+            </a:r>
+            <a:r>
+              <a:rPr lang="ko-KR" altLang="ko-KR" dirty="0" smtClean="0">
+                <a:solidFill>
+                  <a:srgbClr val="000000"/>
+                </a:solidFill>
+                <a:latin typeface="Consolas" panose="020B0609020204030204" pitchFamily="49" charset="0"/>
+                <a:ea typeface="D2Coding" panose="020B0609020101020101" pitchFamily="49" charset="-127"/>
+              </a:rPr>
+              <a:t>);</a:t>
+            </a:r>
+            <a:r>
+              <a:rPr lang="ko-KR" altLang="ko-KR" dirty="0">
+                <a:solidFill>
+                  <a:srgbClr val="000000"/>
+                </a:solidFill>
+                <a:latin typeface="Consolas" panose="020B0609020204030204" pitchFamily="49" charset="0"/>
+                <a:ea typeface="D2Coding" panose="020B0609020101020101" pitchFamily="49" charset="-127"/>
+              </a:rPr>
               <a:t/>
             </a:r>
             <a:br>
-              <a:rPr lang="ko-KR" altLang="ko-KR" sz="1600" dirty="0">
+              <a:rPr lang="ko-KR" altLang="ko-KR" dirty="0">
                 <a:solidFill>
                   <a:srgbClr val="000000"/>
                 </a:solidFill>
@@ -28996,7 +29187,7 @@
               </a:rPr>
             </a:br>
             <a:r>
-              <a:rPr lang="ko-KR" altLang="ko-KR" sz="1600" dirty="0">
+              <a:rPr lang="ko-KR" altLang="ko-KR" dirty="0">
                 <a:solidFill>
                   <a:srgbClr val="000000"/>
                 </a:solidFill>
@@ -29006,57 +29197,136 @@
               <a:t>        </a:t>
             </a:r>
             <a:r>
-              <a:rPr lang="ko-KR" altLang="ko-KR" sz="1600" b="1" dirty="0">
+              <a:rPr lang="ko-KR" altLang="ko-KR" dirty="0" err="1">
+                <a:solidFill>
+                  <a:srgbClr val="000000"/>
+                </a:solidFill>
+                <a:latin typeface="Consolas" panose="020B0609020204030204" pitchFamily="49" charset="0"/>
+                <a:ea typeface="D2Coding" panose="020B0609020101020101" pitchFamily="49" charset="-127"/>
+              </a:rPr>
+              <a:t>Button</a:t>
+            </a:r>
+            <a:r>
+              <a:rPr lang="ko-KR" altLang="ko-KR" dirty="0">
+                <a:solidFill>
+                  <a:srgbClr val="000000"/>
+                </a:solidFill>
+                <a:latin typeface="Consolas" panose="020B0609020204030204" pitchFamily="49" charset="0"/>
+                <a:ea typeface="D2Coding" panose="020B0609020101020101" pitchFamily="49" charset="-127"/>
+              </a:rPr>
+              <a:t> </a:t>
+            </a:r>
+            <a:r>
+              <a:rPr lang="ko-KR" altLang="ko-KR" dirty="0" err="1">
+                <a:solidFill>
+                  <a:srgbClr val="000000"/>
+                </a:solidFill>
+                <a:latin typeface="Consolas" panose="020B0609020204030204" pitchFamily="49" charset="0"/>
+                <a:ea typeface="D2Coding" panose="020B0609020101020101" pitchFamily="49" charset="-127"/>
+              </a:rPr>
+              <a:t>button</a:t>
+            </a:r>
+            <a:r>
+              <a:rPr lang="ko-KR" altLang="ko-KR" dirty="0">
+                <a:solidFill>
+                  <a:srgbClr val="000000"/>
+                </a:solidFill>
+                <a:latin typeface="Consolas" panose="020B0609020204030204" pitchFamily="49" charset="0"/>
+                <a:ea typeface="D2Coding" panose="020B0609020101020101" pitchFamily="49" charset="-127"/>
+              </a:rPr>
+              <a:t> = findViewById(</a:t>
+            </a:r>
+            <a:r>
+              <a:rPr lang="ko-KR" altLang="ko-KR" dirty="0" err="1">
+                <a:solidFill>
+                  <a:srgbClr val="000000"/>
+                </a:solidFill>
+                <a:latin typeface="Consolas" panose="020B0609020204030204" pitchFamily="49" charset="0"/>
+                <a:ea typeface="D2Coding" panose="020B0609020101020101" pitchFamily="49" charset="-127"/>
+              </a:rPr>
+              <a:t>R.id.</a:t>
+            </a:r>
+            <a:r>
+              <a:rPr lang="ko-KR" altLang="ko-KR" b="1" i="1" dirty="0" err="1">
                 <a:solidFill>
                   <a:srgbClr val="660E7A"/>
                 </a:solidFill>
                 <a:latin typeface="Consolas" panose="020B0609020204030204" pitchFamily="49" charset="0"/>
                 <a:ea typeface="D2Coding" panose="020B0609020101020101" pitchFamily="49" charset="-127"/>
               </a:rPr>
-              <a:t>imageView </a:t>
-            </a:r>
-            <a:r>
-              <a:rPr lang="ko-KR" altLang="ko-KR" sz="1600" dirty="0">
+              <a:t>button</a:t>
+            </a:r>
+            <a:r>
+              <a:rPr lang="ko-KR" altLang="ko-KR" dirty="0">
                 <a:solidFill>
                   <a:srgbClr val="000000"/>
                 </a:solidFill>
                 <a:latin typeface="Consolas" panose="020B0609020204030204" pitchFamily="49" charset="0"/>
                 <a:ea typeface="D2Coding" panose="020B0609020101020101" pitchFamily="49" charset="-127"/>
               </a:rPr>
-              <a:t>= findViewById(</a:t>
-            </a:r>
-            <a:r>
-              <a:rPr lang="ko-KR" altLang="ko-KR" sz="1600" dirty="0" err="1">
+              <a:t>);</a:t>
+            </a:r>
+            <a:br>
+              <a:rPr lang="ko-KR" altLang="ko-KR" dirty="0">
                 <a:solidFill>
                   <a:srgbClr val="000000"/>
                 </a:solidFill>
                 <a:latin typeface="Consolas" panose="020B0609020204030204" pitchFamily="49" charset="0"/>
                 <a:ea typeface="D2Coding" panose="020B0609020101020101" pitchFamily="49" charset="-127"/>
               </a:rPr>
-              <a:t>R.id.</a:t>
-            </a:r>
-            <a:r>
-              <a:rPr lang="ko-KR" altLang="ko-KR" sz="1600" b="1" i="1" dirty="0" err="1">
-                <a:solidFill>
-                  <a:srgbClr val="660E7A"/>
-                </a:solidFill>
-                <a:latin typeface="Consolas" panose="020B0609020204030204" pitchFamily="49" charset="0"/>
-                <a:ea typeface="D2Coding" panose="020B0609020101020101" pitchFamily="49" charset="-127"/>
-              </a:rPr>
-              <a:t>imageView</a:t>
-            </a:r>
-            <a:r>
-              <a:rPr lang="ko-KR" altLang="ko-KR" sz="1600" dirty="0">
+            </a:br>
+            <a:r>
+              <a:rPr lang="ko-KR" altLang="ko-KR" dirty="0">
                 <a:solidFill>
                   <a:srgbClr val="000000"/>
                 </a:solidFill>
                 <a:latin typeface="Consolas" panose="020B0609020204030204" pitchFamily="49" charset="0"/>
                 <a:ea typeface="D2Coding" panose="020B0609020101020101" pitchFamily="49" charset="-127"/>
               </a:rPr>
-              <a:t>);</a:t>
+              <a:t>        </a:t>
+            </a:r>
+            <a:r>
+              <a:rPr lang="ko-KR" altLang="ko-KR" dirty="0" err="1">
+                <a:solidFill>
+                  <a:srgbClr val="000000"/>
+                </a:solidFill>
+                <a:latin typeface="Consolas" panose="020B0609020204030204" pitchFamily="49" charset="0"/>
+                <a:ea typeface="D2Coding" panose="020B0609020101020101" pitchFamily="49" charset="-127"/>
+              </a:rPr>
+              <a:t>button.setOnClickListener</a:t>
+            </a:r>
+            <a:r>
+              <a:rPr lang="ko-KR" altLang="ko-KR" dirty="0">
+                <a:solidFill>
+                  <a:srgbClr val="000000"/>
+                </a:solidFill>
+                <a:latin typeface="Consolas" panose="020B0609020204030204" pitchFamily="49" charset="0"/>
+                <a:ea typeface="D2Coding" panose="020B0609020101020101" pitchFamily="49" charset="-127"/>
+              </a:rPr>
+              <a:t>(</a:t>
+            </a:r>
+            <a:r>
+              <a:rPr lang="ko-KR" altLang="ko-KR" b="1" dirty="0">
+                <a:solidFill>
+                  <a:srgbClr val="000080"/>
+                </a:solidFill>
+                <a:latin typeface="Consolas" panose="020B0609020204030204" pitchFamily="49" charset="0"/>
+                <a:ea typeface="D2Coding" panose="020B0609020101020101" pitchFamily="49" charset="-127"/>
+              </a:rPr>
+              <a:t>new </a:t>
+            </a:r>
+            <a:r>
+              <a:rPr lang="ko-KR" altLang="ko-KR" dirty="0">
+                <a:solidFill>
+                  <a:srgbClr val="000000"/>
+                </a:solidFill>
+                <a:latin typeface="Consolas" panose="020B0609020204030204" pitchFamily="49" charset="0"/>
+                <a:ea typeface="D2Coding" panose="020B0609020101020101" pitchFamily="49" charset="-127"/>
+              </a:rPr>
+              <a:t>View.OnClickListener() {</a:t>
             </a:r>
             <a:br>
-              <a:rPr lang="ko-KR" altLang="ko-KR" sz="1600" dirty="0">
+              <a:rPr lang="ko-KR" altLang="ko-KR" dirty="0">
                 <a:solidFill>
                   <a:srgbClr val="000000"/>
                 </a:solidFill>
@@ -29065,17 +29335,182 @@
               </a:rPr>
             </a:br>
             <a:r>
-              <a:rPr lang="ko-KR" altLang="ko-KR" sz="1600" dirty="0">
+              <a:rPr lang="ko-KR" altLang="ko-KR" dirty="0">
                 <a:solidFill>
                   <a:srgbClr val="000000"/>
                 </a:solidFill>
                 <a:latin typeface="Consolas" panose="020B0609020204030204" pitchFamily="49" charset="0"/>
                 <a:ea typeface="D2Coding" panose="020B0609020101020101" pitchFamily="49" charset="-127"/>
               </a:rPr>
+              <a:t>            </a:t>
+            </a:r>
+            <a:r>
+              <a:rPr lang="ko-KR" altLang="ko-KR" dirty="0">
+                <a:solidFill>
+                  <a:srgbClr val="808000"/>
+                </a:solidFill>
+                <a:latin typeface="Consolas" panose="020B0609020204030204" pitchFamily="49" charset="0"/>
+                <a:ea typeface="D2Coding" panose="020B0609020101020101" pitchFamily="49" charset="-127"/>
+              </a:rPr>
+              <a:t>@Override</a:t>
+            </a:r>
+            <a:br>
+              <a:rPr lang="ko-KR" altLang="ko-KR" dirty="0">
+                <a:solidFill>
+                  <a:srgbClr val="808000"/>
+                </a:solidFill>
+                <a:latin typeface="Consolas" panose="020B0609020204030204" pitchFamily="49" charset="0"/>
+                <a:ea typeface="D2Coding" panose="020B0609020101020101" pitchFamily="49" charset="-127"/>
+              </a:rPr>
+            </a:br>
+            <a:r>
+              <a:rPr lang="ko-KR" altLang="ko-KR" dirty="0">
+                <a:solidFill>
+                  <a:srgbClr val="808000"/>
+                </a:solidFill>
+                <a:latin typeface="Consolas" panose="020B0609020204030204" pitchFamily="49" charset="0"/>
+                <a:ea typeface="D2Coding" panose="020B0609020101020101" pitchFamily="49" charset="-127"/>
+              </a:rPr>
+              <a:t>            </a:t>
+            </a:r>
+            <a:r>
+              <a:rPr lang="ko-KR" altLang="ko-KR" b="1" dirty="0">
+                <a:solidFill>
+                  <a:srgbClr val="000080"/>
+                </a:solidFill>
+                <a:latin typeface="Consolas" panose="020B0609020204030204" pitchFamily="49" charset="0"/>
+                <a:ea typeface="D2Coding" panose="020B0609020101020101" pitchFamily="49" charset="-127"/>
+              </a:rPr>
+              <a:t>public void </a:t>
+            </a:r>
+            <a:r>
+              <a:rPr lang="ko-KR" altLang="ko-KR" dirty="0">
+                <a:solidFill>
+                  <a:srgbClr val="000000"/>
+                </a:solidFill>
+                <a:latin typeface="Consolas" panose="020B0609020204030204" pitchFamily="49" charset="0"/>
+                <a:ea typeface="D2Coding" panose="020B0609020101020101" pitchFamily="49" charset="-127"/>
+              </a:rPr>
+              <a:t>onClick(</a:t>
+            </a:r>
+            <a:r>
+              <a:rPr lang="ko-KR" altLang="ko-KR" dirty="0" err="1">
+                <a:solidFill>
+                  <a:srgbClr val="000000"/>
+                </a:solidFill>
+                <a:latin typeface="Consolas" panose="020B0609020204030204" pitchFamily="49" charset="0"/>
+                <a:ea typeface="D2Coding" panose="020B0609020101020101" pitchFamily="49" charset="-127"/>
+              </a:rPr>
+              <a:t>View</a:t>
+            </a:r>
+            <a:r>
+              <a:rPr lang="ko-KR" altLang="ko-KR" dirty="0">
+                <a:solidFill>
+                  <a:srgbClr val="000000"/>
+                </a:solidFill>
+                <a:latin typeface="Consolas" panose="020B0609020204030204" pitchFamily="49" charset="0"/>
+                <a:ea typeface="D2Coding" panose="020B0609020101020101" pitchFamily="49" charset="-127"/>
+              </a:rPr>
+              <a:t> </a:t>
+            </a:r>
+            <a:r>
+              <a:rPr lang="ko-KR" altLang="ko-KR" dirty="0" err="1">
+                <a:solidFill>
+                  <a:srgbClr val="000000"/>
+                </a:solidFill>
+                <a:latin typeface="Consolas" panose="020B0609020204030204" pitchFamily="49" charset="0"/>
+                <a:ea typeface="D2Coding" panose="020B0609020101020101" pitchFamily="49" charset="-127"/>
+              </a:rPr>
+              <a:t>v</a:t>
+            </a:r>
+            <a:r>
+              <a:rPr lang="ko-KR" altLang="ko-KR" dirty="0">
+                <a:solidFill>
+                  <a:srgbClr val="000000"/>
+                </a:solidFill>
+                <a:latin typeface="Consolas" panose="020B0609020204030204" pitchFamily="49" charset="0"/>
+                <a:ea typeface="D2Coding" panose="020B0609020101020101" pitchFamily="49" charset="-127"/>
+              </a:rPr>
+              <a:t>) {</a:t>
+            </a:r>
+            <a:br>
+              <a:rPr lang="ko-KR" altLang="ko-KR" dirty="0">
+                <a:solidFill>
+                  <a:srgbClr val="000000"/>
+                </a:solidFill>
+                <a:latin typeface="Consolas" panose="020B0609020204030204" pitchFamily="49" charset="0"/>
+                <a:ea typeface="D2Coding" panose="020B0609020101020101" pitchFamily="49" charset="-127"/>
+              </a:rPr>
+            </a:br>
+            <a:r>
+              <a:rPr lang="ko-KR" altLang="ko-KR" dirty="0">
+                <a:solidFill>
+                  <a:srgbClr val="000000"/>
+                </a:solidFill>
+                <a:latin typeface="Consolas" panose="020B0609020204030204" pitchFamily="49" charset="0"/>
+                <a:ea typeface="D2Coding" panose="020B0609020101020101" pitchFamily="49" charset="-127"/>
+              </a:rPr>
+              <a:t>                takePicture();</a:t>
+            </a:r>
+            <a:br>
+              <a:rPr lang="ko-KR" altLang="ko-KR" dirty="0">
+                <a:solidFill>
+                  <a:srgbClr val="000000"/>
+                </a:solidFill>
+                <a:latin typeface="Consolas" panose="020B0609020204030204" pitchFamily="49" charset="0"/>
+                <a:ea typeface="D2Coding" panose="020B0609020101020101" pitchFamily="49" charset="-127"/>
+              </a:rPr>
+            </a:br>
+            <a:r>
+              <a:rPr lang="ko-KR" altLang="ko-KR" dirty="0">
+                <a:solidFill>
+                  <a:srgbClr val="000000"/>
+                </a:solidFill>
+                <a:latin typeface="Consolas" panose="020B0609020204030204" pitchFamily="49" charset="0"/>
+                <a:ea typeface="D2Coding" panose="020B0609020101020101" pitchFamily="49" charset="-127"/>
+              </a:rPr>
+              <a:t>            }</a:t>
+            </a:r>
+            <a:br>
+              <a:rPr lang="ko-KR" altLang="ko-KR" dirty="0">
+                <a:solidFill>
+                  <a:srgbClr val="000000"/>
+                </a:solidFill>
+                <a:latin typeface="Consolas" panose="020B0609020204030204" pitchFamily="49" charset="0"/>
+                <a:ea typeface="D2Coding" panose="020B0609020101020101" pitchFamily="49" charset="-127"/>
+              </a:rPr>
+            </a:br>
+            <a:r>
+              <a:rPr lang="ko-KR" altLang="ko-KR" dirty="0">
+                <a:solidFill>
+                  <a:srgbClr val="000000"/>
+                </a:solidFill>
+                <a:latin typeface="Consolas" panose="020B0609020204030204" pitchFamily="49" charset="0"/>
+                <a:ea typeface="D2Coding" panose="020B0609020101020101" pitchFamily="49" charset="-127"/>
+              </a:rPr>
+              <a:t>        });</a:t>
+            </a:r>
+            <a:br>
+              <a:rPr lang="ko-KR" altLang="ko-KR" dirty="0">
+                <a:solidFill>
+                  <a:srgbClr val="000000"/>
+                </a:solidFill>
+                <a:latin typeface="Consolas" panose="020B0609020204030204" pitchFamily="49" charset="0"/>
+                <a:ea typeface="D2Coding" panose="020B0609020101020101" pitchFamily="49" charset="-127"/>
+              </a:rPr>
+            </a:br>
+            <a:r>
+              <a:rPr lang="ko-KR" altLang="ko-KR" dirty="0">
+                <a:solidFill>
+                  <a:srgbClr val="000000"/>
+                </a:solidFill>
+                <a:latin typeface="Consolas" panose="020B0609020204030204" pitchFamily="49" charset="0"/>
+                <a:ea typeface="D2Coding" panose="020B0609020101020101" pitchFamily="49" charset="-127"/>
+              </a:rPr>
               <a:t/>
             </a:r>
             <a:br>
-              <a:rPr lang="ko-KR" altLang="ko-KR" sz="1600" dirty="0">
+              <a:rPr lang="ko-KR" altLang="ko-KR" dirty="0">
                 <a:solidFill>
                   <a:srgbClr val="000000"/>
                 </a:solidFill>
@@ -29084,387 +29519,55 @@
               </a:rPr>
             </a:br>
             <a:r>
-              <a:rPr lang="ko-KR" altLang="ko-KR" sz="1600" dirty="0">
+              <a:rPr lang="ko-KR" altLang="ko-KR" dirty="0">
                 <a:solidFill>
                   <a:srgbClr val="000000"/>
                 </a:solidFill>
                 <a:latin typeface="Consolas" panose="020B0609020204030204" pitchFamily="49" charset="0"/>
                 <a:ea typeface="D2Coding" panose="020B0609020101020101" pitchFamily="49" charset="-127"/>
               </a:rPr>
-              <a:t>        </a:t>
-            </a:r>
-            <a:r>
-              <a:rPr lang="ko-KR" altLang="ko-KR" sz="1600" dirty="0" err="1">
+              <a:t>    }</a:t>
+            </a:r>
+            <a:br>
+              <a:rPr lang="ko-KR" altLang="ko-KR" dirty="0">
                 <a:solidFill>
                   <a:srgbClr val="000000"/>
                 </a:solidFill>
                 <a:latin typeface="Consolas" panose="020B0609020204030204" pitchFamily="49" charset="0"/>
                 <a:ea typeface="D2Coding" panose="020B0609020101020101" pitchFamily="49" charset="-127"/>
               </a:rPr>
-              <a:t>Button</a:t>
-            </a:r>
-            <a:r>
-              <a:rPr lang="ko-KR" altLang="ko-KR" sz="1600" dirty="0">
+            </a:br>
+            <a:r>
+              <a:rPr lang="en-US" altLang="ko-KR" dirty="0">
                 <a:solidFill>
                   <a:srgbClr val="000000"/>
                 </a:solidFill>
                 <a:latin typeface="Consolas" panose="020B0609020204030204" pitchFamily="49" charset="0"/>
                 <a:ea typeface="D2Coding" panose="020B0609020101020101" pitchFamily="49" charset="-127"/>
               </a:rPr>
-              <a:t> </a:t>
-            </a:r>
-            <a:r>
-              <a:rPr lang="ko-KR" altLang="ko-KR" sz="1600" dirty="0" err="1">
+              <a:t>    // </a:t>
+            </a:r>
+            <a:r>
+              <a:rPr lang="ko-KR" altLang="en-US" dirty="0">
                 <a:solidFill>
                   <a:srgbClr val="000000"/>
                 </a:solidFill>
                 <a:latin typeface="Consolas" panose="020B0609020204030204" pitchFamily="49" charset="0"/>
                 <a:ea typeface="D2Coding" panose="020B0609020101020101" pitchFamily="49" charset="-127"/>
               </a:rPr>
-              <a:t>button</a:t>
-            </a:r>
-            <a:r>
-              <a:rPr lang="ko-KR" altLang="ko-KR" sz="1600" dirty="0">
+              <a:t>여기에 코드가 계속됩니다</a:t>
+            </a:r>
+            <a:r>
+              <a:rPr lang="en-US" altLang="ko-KR" dirty="0">
                 <a:solidFill>
                   <a:srgbClr val="000000"/>
                 </a:solidFill>
                 <a:latin typeface="Consolas" panose="020B0609020204030204" pitchFamily="49" charset="0"/>
                 <a:ea typeface="D2Coding" panose="020B0609020101020101" pitchFamily="49" charset="-127"/>
               </a:rPr>
-              <a:t> = findViewById(</a:t>
-            </a:r>
-            <a:r>
-              <a:rPr lang="ko-KR" altLang="ko-KR" sz="1600" dirty="0" err="1">
-                <a:solidFill>
-                  <a:srgbClr val="000000"/>
-                </a:solidFill>
-                <a:latin typeface="Consolas" panose="020B0609020204030204" pitchFamily="49" charset="0"/>
-                <a:ea typeface="D2Coding" panose="020B0609020101020101" pitchFamily="49" charset="-127"/>
-              </a:rPr>
-              <a:t>R.id.</a:t>
-            </a:r>
-            <a:r>
-              <a:rPr lang="ko-KR" altLang="ko-KR" sz="1600" b="1" i="1" dirty="0" err="1">
-                <a:solidFill>
-                  <a:srgbClr val="660E7A"/>
-                </a:solidFill>
-                <a:latin typeface="Consolas" panose="020B0609020204030204" pitchFamily="49" charset="0"/>
-                <a:ea typeface="D2Coding" panose="020B0609020101020101" pitchFamily="49" charset="-127"/>
-              </a:rPr>
-              <a:t>button</a:t>
-            </a:r>
-            <a:r>
-              <a:rPr lang="ko-KR" altLang="ko-KR" sz="1600" dirty="0">
-                <a:solidFill>
-                  <a:srgbClr val="000000"/>
-                </a:solidFill>
-                <a:latin typeface="Consolas" panose="020B0609020204030204" pitchFamily="49" charset="0"/>
-                <a:ea typeface="D2Coding" panose="020B0609020101020101" pitchFamily="49" charset="-127"/>
-              </a:rPr>
-              <a:t>);</a:t>
-            </a:r>
-            <a:br>
-              <a:rPr lang="ko-KR" altLang="ko-KR" sz="1600" dirty="0">
-                <a:solidFill>
-                  <a:srgbClr val="000000"/>
-                </a:solidFill>
-                <a:latin typeface="Consolas" panose="020B0609020204030204" pitchFamily="49" charset="0"/>
-                <a:ea typeface="D2Coding" panose="020B0609020101020101" pitchFamily="49" charset="-127"/>
-              </a:rPr>
-            </a:br>
-            <a:r>
-              <a:rPr lang="ko-KR" altLang="ko-KR" sz="1600" dirty="0">
-                <a:solidFill>
-                  <a:srgbClr val="000000"/>
-                </a:solidFill>
-                <a:latin typeface="Consolas" panose="020B0609020204030204" pitchFamily="49" charset="0"/>
-                <a:ea typeface="D2Coding" panose="020B0609020101020101" pitchFamily="49" charset="-127"/>
-              </a:rPr>
-              <a:t>        </a:t>
-            </a:r>
-            <a:r>
-              <a:rPr lang="ko-KR" altLang="ko-KR" sz="1600" dirty="0" err="1">
-                <a:solidFill>
-                  <a:srgbClr val="000000"/>
-                </a:solidFill>
-                <a:latin typeface="Consolas" panose="020B0609020204030204" pitchFamily="49" charset="0"/>
-                <a:ea typeface="D2Coding" panose="020B0609020101020101" pitchFamily="49" charset="-127"/>
-              </a:rPr>
-              <a:t>button.setOnClickListener</a:t>
-            </a:r>
-            <a:r>
-              <a:rPr lang="ko-KR" altLang="ko-KR" sz="1600" dirty="0">
-                <a:solidFill>
-                  <a:srgbClr val="000000"/>
-                </a:solidFill>
-                <a:latin typeface="Consolas" panose="020B0609020204030204" pitchFamily="49" charset="0"/>
-                <a:ea typeface="D2Coding" panose="020B0609020101020101" pitchFamily="49" charset="-127"/>
-              </a:rPr>
-              <a:t>(</a:t>
-            </a:r>
-            <a:r>
-              <a:rPr lang="ko-KR" altLang="ko-KR" sz="1600" b="1" dirty="0">
-                <a:solidFill>
-                  <a:srgbClr val="000080"/>
-                </a:solidFill>
-                <a:latin typeface="Consolas" panose="020B0609020204030204" pitchFamily="49" charset="0"/>
-                <a:ea typeface="D2Coding" panose="020B0609020101020101" pitchFamily="49" charset="-127"/>
-              </a:rPr>
-              <a:t>new </a:t>
-            </a:r>
-            <a:r>
-              <a:rPr lang="ko-KR" altLang="ko-KR" sz="1600" dirty="0">
-                <a:solidFill>
-                  <a:srgbClr val="000000"/>
-                </a:solidFill>
-                <a:latin typeface="Consolas" panose="020B0609020204030204" pitchFamily="49" charset="0"/>
-                <a:ea typeface="D2Coding" panose="020B0609020101020101" pitchFamily="49" charset="-127"/>
-              </a:rPr>
-              <a:t>View.OnClickListener() {</a:t>
-            </a:r>
-            <a:br>
-              <a:rPr lang="ko-KR" altLang="ko-KR" sz="1600" dirty="0">
-                <a:solidFill>
-                  <a:srgbClr val="000000"/>
-                </a:solidFill>
-                <a:latin typeface="Consolas" panose="020B0609020204030204" pitchFamily="49" charset="0"/>
-                <a:ea typeface="D2Coding" panose="020B0609020101020101" pitchFamily="49" charset="-127"/>
-              </a:rPr>
-            </a:br>
-            <a:r>
-              <a:rPr lang="ko-KR" altLang="ko-KR" sz="1600" dirty="0">
-                <a:solidFill>
-                  <a:srgbClr val="000000"/>
-                </a:solidFill>
-                <a:latin typeface="Consolas" panose="020B0609020204030204" pitchFamily="49" charset="0"/>
-                <a:ea typeface="D2Coding" panose="020B0609020101020101" pitchFamily="49" charset="-127"/>
-              </a:rPr>
-              <a:t>            </a:t>
-            </a:r>
-            <a:r>
-              <a:rPr lang="ko-KR" altLang="ko-KR" sz="1600" dirty="0">
-                <a:solidFill>
-                  <a:srgbClr val="808000"/>
-                </a:solidFill>
-                <a:latin typeface="Consolas" panose="020B0609020204030204" pitchFamily="49" charset="0"/>
-                <a:ea typeface="D2Coding" panose="020B0609020101020101" pitchFamily="49" charset="-127"/>
-              </a:rPr>
-              <a:t>@Override</a:t>
-            </a:r>
-            <a:br>
-              <a:rPr lang="ko-KR" altLang="ko-KR" sz="1600" dirty="0">
-                <a:solidFill>
-                  <a:srgbClr val="808000"/>
-                </a:solidFill>
-                <a:latin typeface="Consolas" panose="020B0609020204030204" pitchFamily="49" charset="0"/>
-                <a:ea typeface="D2Coding" panose="020B0609020101020101" pitchFamily="49" charset="-127"/>
-              </a:rPr>
-            </a:br>
-            <a:r>
-              <a:rPr lang="ko-KR" altLang="ko-KR" sz="1600" dirty="0">
-                <a:solidFill>
-                  <a:srgbClr val="808000"/>
-                </a:solidFill>
-                <a:latin typeface="Consolas" panose="020B0609020204030204" pitchFamily="49" charset="0"/>
-                <a:ea typeface="D2Coding" panose="020B0609020101020101" pitchFamily="49" charset="-127"/>
-              </a:rPr>
-              <a:t>            </a:t>
-            </a:r>
-            <a:r>
-              <a:rPr lang="ko-KR" altLang="ko-KR" sz="1600" b="1" dirty="0">
-                <a:solidFill>
-                  <a:srgbClr val="000080"/>
-                </a:solidFill>
-                <a:latin typeface="Consolas" panose="020B0609020204030204" pitchFamily="49" charset="0"/>
-                <a:ea typeface="D2Coding" panose="020B0609020101020101" pitchFamily="49" charset="-127"/>
-              </a:rPr>
-              <a:t>public void </a:t>
-            </a:r>
-            <a:r>
-              <a:rPr lang="ko-KR" altLang="ko-KR" sz="1600" dirty="0">
-                <a:solidFill>
-                  <a:srgbClr val="000000"/>
-                </a:solidFill>
-                <a:latin typeface="Consolas" panose="020B0609020204030204" pitchFamily="49" charset="0"/>
-                <a:ea typeface="D2Coding" panose="020B0609020101020101" pitchFamily="49" charset="-127"/>
-              </a:rPr>
-              <a:t>onClick(</a:t>
-            </a:r>
-            <a:r>
-              <a:rPr lang="ko-KR" altLang="ko-KR" sz="1600" dirty="0" err="1">
-                <a:solidFill>
-                  <a:srgbClr val="000000"/>
-                </a:solidFill>
-                <a:latin typeface="Consolas" panose="020B0609020204030204" pitchFamily="49" charset="0"/>
-                <a:ea typeface="D2Coding" panose="020B0609020101020101" pitchFamily="49" charset="-127"/>
-              </a:rPr>
-              <a:t>View</a:t>
-            </a:r>
-            <a:r>
-              <a:rPr lang="ko-KR" altLang="ko-KR" sz="1600" dirty="0">
-                <a:solidFill>
-                  <a:srgbClr val="000000"/>
-                </a:solidFill>
-                <a:latin typeface="Consolas" panose="020B0609020204030204" pitchFamily="49" charset="0"/>
-                <a:ea typeface="D2Coding" panose="020B0609020101020101" pitchFamily="49" charset="-127"/>
-              </a:rPr>
-              <a:t> </a:t>
-            </a:r>
-            <a:r>
-              <a:rPr lang="ko-KR" altLang="ko-KR" sz="1600" dirty="0" err="1">
-                <a:solidFill>
-                  <a:srgbClr val="000000"/>
-                </a:solidFill>
-                <a:latin typeface="Consolas" panose="020B0609020204030204" pitchFamily="49" charset="0"/>
-                <a:ea typeface="D2Coding" panose="020B0609020101020101" pitchFamily="49" charset="-127"/>
-              </a:rPr>
-              <a:t>v</a:t>
-            </a:r>
-            <a:r>
-              <a:rPr lang="ko-KR" altLang="ko-KR" sz="1600" dirty="0">
-                <a:solidFill>
-                  <a:srgbClr val="000000"/>
-                </a:solidFill>
-                <a:latin typeface="Consolas" panose="020B0609020204030204" pitchFamily="49" charset="0"/>
-                <a:ea typeface="D2Coding" panose="020B0609020101020101" pitchFamily="49" charset="-127"/>
-              </a:rPr>
-              <a:t>) {</a:t>
-            </a:r>
-            <a:br>
-              <a:rPr lang="ko-KR" altLang="ko-KR" sz="1600" dirty="0">
-                <a:solidFill>
-                  <a:srgbClr val="000000"/>
-                </a:solidFill>
-                <a:latin typeface="Consolas" panose="020B0609020204030204" pitchFamily="49" charset="0"/>
-                <a:ea typeface="D2Coding" panose="020B0609020101020101" pitchFamily="49" charset="-127"/>
-              </a:rPr>
-            </a:br>
-            <a:r>
-              <a:rPr lang="ko-KR" altLang="ko-KR" sz="1600" dirty="0">
-                <a:solidFill>
-                  <a:srgbClr val="000000"/>
-                </a:solidFill>
-                <a:latin typeface="Consolas" panose="020B0609020204030204" pitchFamily="49" charset="0"/>
-                <a:ea typeface="D2Coding" panose="020B0609020101020101" pitchFamily="49" charset="-127"/>
-              </a:rPr>
-              <a:t>                takePicture();</a:t>
-            </a:r>
-            <a:br>
-              <a:rPr lang="ko-KR" altLang="ko-KR" sz="1600" dirty="0">
-                <a:solidFill>
-                  <a:srgbClr val="000000"/>
-                </a:solidFill>
-                <a:latin typeface="Consolas" panose="020B0609020204030204" pitchFamily="49" charset="0"/>
-                <a:ea typeface="D2Coding" panose="020B0609020101020101" pitchFamily="49" charset="-127"/>
-              </a:rPr>
-            </a:br>
-            <a:r>
-              <a:rPr lang="ko-KR" altLang="ko-KR" sz="1600" dirty="0">
-                <a:solidFill>
-                  <a:srgbClr val="000000"/>
-                </a:solidFill>
-                <a:latin typeface="Consolas" panose="020B0609020204030204" pitchFamily="49" charset="0"/>
-                <a:ea typeface="D2Coding" panose="020B0609020101020101" pitchFamily="49" charset="-127"/>
-              </a:rPr>
-              <a:t>            }</a:t>
-            </a:r>
-            <a:br>
-              <a:rPr lang="ko-KR" altLang="ko-KR" sz="1600" dirty="0">
-                <a:solidFill>
-                  <a:srgbClr val="000000"/>
-                </a:solidFill>
-                <a:latin typeface="Consolas" panose="020B0609020204030204" pitchFamily="49" charset="0"/>
-                <a:ea typeface="D2Coding" panose="020B0609020101020101" pitchFamily="49" charset="-127"/>
-              </a:rPr>
-            </a:br>
-            <a:r>
-              <a:rPr lang="ko-KR" altLang="ko-KR" sz="1600" dirty="0">
-                <a:solidFill>
-                  <a:srgbClr val="000000"/>
-                </a:solidFill>
-                <a:latin typeface="Consolas" panose="020B0609020204030204" pitchFamily="49" charset="0"/>
-                <a:ea typeface="D2Coding" panose="020B0609020101020101" pitchFamily="49" charset="-127"/>
-              </a:rPr>
-              <a:t>        });</a:t>
-            </a:r>
-            <a:br>
-              <a:rPr lang="ko-KR" altLang="ko-KR" sz="1600" dirty="0">
-                <a:solidFill>
-                  <a:srgbClr val="000000"/>
-                </a:solidFill>
-                <a:latin typeface="Consolas" panose="020B0609020204030204" pitchFamily="49" charset="0"/>
-                <a:ea typeface="D2Coding" panose="020B0609020101020101" pitchFamily="49" charset="-127"/>
-              </a:rPr>
-            </a:br>
-            <a:r>
-              <a:rPr lang="ko-KR" altLang="ko-KR" sz="1600" dirty="0">
-                <a:solidFill>
-                  <a:srgbClr val="000000"/>
-                </a:solidFill>
-                <a:latin typeface="Consolas" panose="020B0609020204030204" pitchFamily="49" charset="0"/>
-                <a:ea typeface="D2Coding" panose="020B0609020101020101" pitchFamily="49" charset="-127"/>
-              </a:rPr>
-              <a:t/>
-            </a:r>
-            <a:br>
-              <a:rPr lang="ko-KR" altLang="ko-KR" sz="1600" dirty="0">
-                <a:solidFill>
-                  <a:srgbClr val="000000"/>
-                </a:solidFill>
-                <a:latin typeface="Consolas" panose="020B0609020204030204" pitchFamily="49" charset="0"/>
-                <a:ea typeface="D2Coding" panose="020B0609020101020101" pitchFamily="49" charset="-127"/>
-              </a:rPr>
-            </a:br>
-            <a:r>
-              <a:rPr lang="ko-KR" altLang="ko-KR" sz="1600" dirty="0">
-                <a:solidFill>
-                  <a:srgbClr val="000000"/>
-                </a:solidFill>
-                <a:latin typeface="Consolas" panose="020B0609020204030204" pitchFamily="49" charset="0"/>
-                <a:ea typeface="D2Coding" panose="020B0609020101020101" pitchFamily="49" charset="-127"/>
-              </a:rPr>
-              <a:t>    }</a:t>
-            </a:r>
-            <a:br>
-              <a:rPr lang="ko-KR" altLang="ko-KR" sz="1600" dirty="0">
-                <a:solidFill>
-                  <a:srgbClr val="000000"/>
-                </a:solidFill>
-                <a:latin typeface="Consolas" panose="020B0609020204030204" pitchFamily="49" charset="0"/>
-                <a:ea typeface="D2Coding" panose="020B0609020101020101" pitchFamily="49" charset="-127"/>
-              </a:rPr>
-            </a:br>
-            <a:r>
-              <a:rPr lang="en-US" altLang="ko-KR" sz="1600" dirty="0">
-                <a:solidFill>
-                  <a:srgbClr val="000000"/>
-                </a:solidFill>
-                <a:latin typeface="Consolas" panose="020B0609020204030204" pitchFamily="49" charset="0"/>
-                <a:ea typeface="D2Coding" panose="020B0609020101020101" pitchFamily="49" charset="-127"/>
-              </a:rPr>
-              <a:t>    // </a:t>
-            </a:r>
-            <a:r>
-              <a:rPr lang="ko-KR" altLang="en-US" sz="1600" dirty="0">
-                <a:solidFill>
-                  <a:srgbClr val="000000"/>
-                </a:solidFill>
-                <a:latin typeface="Consolas" panose="020B0609020204030204" pitchFamily="49" charset="0"/>
-                <a:ea typeface="D2Coding" panose="020B0609020101020101" pitchFamily="49" charset="-127"/>
-              </a:rPr>
-              <a:t>여기에 코드가 계속됩니다</a:t>
-            </a:r>
-            <a:r>
-              <a:rPr lang="en-US" altLang="ko-KR" sz="1600" dirty="0">
-                <a:solidFill>
-                  <a:srgbClr val="000000"/>
-                </a:solidFill>
-                <a:latin typeface="Consolas" panose="020B0609020204030204" pitchFamily="49" charset="0"/>
-                <a:ea typeface="D2Coding" panose="020B0609020101020101" pitchFamily="49" charset="-127"/>
-              </a:rPr>
               <a:t>.</a:t>
             </a:r>
-            <a:endParaRPr lang="ko-KR" altLang="ko-KR" sz="2400" dirty="0" smtClean="0">
+            <a:endParaRPr lang="ko-KR" altLang="ko-KR" sz="2800" dirty="0" smtClean="0">
               <a:latin typeface="Consolas" panose="020B0609020204030204" pitchFamily="49" charset="0"/>
             </a:endParaRPr>
           </a:p>
@@ -29601,6 +29704,10 @@
           </p:nvPr>
         </p:nvSpPr>
         <p:spPr bwMode="auto">
+          <a:xfrm>
+            <a:off x="453100" y="836712"/>
+            <a:ext cx="11692334" cy="5659818"/>
+          </a:xfrm>
           <a:prstGeom prst="rect">
             <a:avLst/>
           </a:prstGeom>
@@ -29630,6 +29737,1015 @@
           </a:bodyPr>
           <a:lstStyle/>
           <a:p>
+            <a:pPr marL="0" lvl="0" indent="0" eaLnBrk="0" fontAlgn="base" hangingPunct="0">
+              <a:spcBef>
+                <a:spcPct val="0"/>
+              </a:spcBef>
+              <a:spcAft>
+                <a:spcPct val="0"/>
+              </a:spcAft>
+              <a:buClrTx/>
+              <a:buNone/>
+            </a:pPr>
+            <a:r>
+              <a:rPr kumimoji="0" lang="en-US" altLang="ko-KR" sz="1600" b="1" i="0" u="none" strike="noStrike" cap="none" normalizeH="0" baseline="0" dirty="0" smtClean="0">
+                <a:ln>
+                  <a:noFill/>
+                </a:ln>
+                <a:solidFill>
+                  <a:srgbClr val="000080"/>
+                </a:solidFill>
+                <a:effectLst/>
+                <a:latin typeface="Consolas" panose="020B0609020204030204" pitchFamily="49" charset="0"/>
+                <a:ea typeface="D2Coding" panose="020B0609020101020101" pitchFamily="49" charset="-127"/>
+              </a:rPr>
+              <a:t>    </a:t>
+            </a:r>
+            <a:r>
+              <a:rPr kumimoji="0" lang="ko-KR" altLang="ko-KR" sz="1600" b="1" i="0" u="none" strike="noStrike" cap="none" normalizeH="0" baseline="0" dirty="0" smtClean="0">
+                <a:ln>
+                  <a:noFill/>
+                </a:ln>
+                <a:solidFill>
+                  <a:srgbClr val="000080"/>
+                </a:solidFill>
+                <a:effectLst/>
+                <a:latin typeface="Consolas" panose="020B0609020204030204" pitchFamily="49" charset="0"/>
+                <a:ea typeface="D2Coding" panose="020B0609020101020101" pitchFamily="49" charset="-127"/>
+              </a:rPr>
+              <a:t>public void </a:t>
+            </a:r>
+            <a:r>
+              <a:rPr kumimoji="0" lang="ko-KR" altLang="ko-KR" sz="1600" b="0" i="0" u="none" strike="noStrike" cap="none" normalizeH="0" baseline="0" dirty="0" smtClean="0">
+                <a:ln>
+                  <a:noFill/>
+                </a:ln>
+                <a:solidFill>
+                  <a:srgbClr val="000000"/>
+                </a:solidFill>
+                <a:effectLst/>
+                <a:latin typeface="Consolas" panose="020B0609020204030204" pitchFamily="49" charset="0"/>
+                <a:ea typeface="D2Coding" panose="020B0609020101020101" pitchFamily="49" charset="-127"/>
+              </a:rPr>
+              <a:t>takePicture() {</a:t>
+            </a:r>
+            <a:br>
+              <a:rPr kumimoji="0" lang="ko-KR" altLang="ko-KR" sz="1600" b="0" i="0" u="none" strike="noStrike" cap="none" normalizeH="0" baseline="0" dirty="0" smtClean="0">
+                <a:ln>
+                  <a:noFill/>
+                </a:ln>
+                <a:solidFill>
+                  <a:srgbClr val="000000"/>
+                </a:solidFill>
+                <a:effectLst/>
+                <a:latin typeface="Consolas" panose="020B0609020204030204" pitchFamily="49" charset="0"/>
+                <a:ea typeface="D2Coding" panose="020B0609020101020101" pitchFamily="49" charset="-127"/>
+              </a:rPr>
+            </a:br>
+            <a:r>
+              <a:rPr kumimoji="0" lang="ko-KR" altLang="ko-KR" sz="1600" b="0" i="0" u="none" strike="noStrike" cap="none" normalizeH="0" baseline="0" dirty="0" smtClean="0">
+                <a:ln>
+                  <a:noFill/>
+                </a:ln>
+                <a:solidFill>
+                  <a:srgbClr val="000000"/>
+                </a:solidFill>
+                <a:effectLst/>
+                <a:latin typeface="Consolas" panose="020B0609020204030204" pitchFamily="49" charset="0"/>
+                <a:ea typeface="D2Coding" panose="020B0609020101020101" pitchFamily="49" charset="-127"/>
+              </a:rPr>
+              <a:t>        </a:t>
+            </a:r>
+            <a:r>
+              <a:rPr kumimoji="0" lang="ko-KR" altLang="ko-KR" sz="1600" b="1" i="0" u="none" strike="noStrike" cap="none" normalizeH="0" baseline="0" dirty="0" err="1" smtClean="0">
+                <a:ln>
+                  <a:noFill/>
+                </a:ln>
+                <a:solidFill>
+                  <a:srgbClr val="000080"/>
+                </a:solidFill>
+                <a:effectLst/>
+                <a:latin typeface="Consolas" panose="020B0609020204030204" pitchFamily="49" charset="0"/>
+                <a:ea typeface="D2Coding" panose="020B0609020101020101" pitchFamily="49" charset="-127"/>
+              </a:rPr>
+              <a:t>if</a:t>
+            </a:r>
+            <a:r>
+              <a:rPr kumimoji="0" lang="ko-KR" altLang="ko-KR" sz="1600" b="1" i="0" u="none" strike="noStrike" cap="none" normalizeH="0" baseline="0" dirty="0" smtClean="0">
+                <a:ln>
+                  <a:noFill/>
+                </a:ln>
+                <a:solidFill>
+                  <a:srgbClr val="000080"/>
+                </a:solidFill>
+                <a:effectLst/>
+                <a:latin typeface="Consolas" panose="020B0609020204030204" pitchFamily="49" charset="0"/>
+                <a:ea typeface="D2Coding" panose="020B0609020101020101" pitchFamily="49" charset="-127"/>
+              </a:rPr>
+              <a:t> </a:t>
+            </a:r>
+            <a:r>
+              <a:rPr kumimoji="0" lang="ko-KR" altLang="ko-KR" sz="1600" b="0" i="0" u="none" strike="noStrike" cap="none" normalizeH="0" baseline="0" dirty="0" smtClean="0">
+                <a:ln>
+                  <a:noFill/>
+                </a:ln>
+                <a:solidFill>
+                  <a:srgbClr val="000000"/>
+                </a:solidFill>
+                <a:effectLst/>
+                <a:latin typeface="Consolas" panose="020B0609020204030204" pitchFamily="49" charset="0"/>
+                <a:ea typeface="D2Coding" panose="020B0609020101020101" pitchFamily="49" charset="-127"/>
+              </a:rPr>
+              <a:t>(</a:t>
+            </a:r>
+            <a:r>
+              <a:rPr kumimoji="0" lang="ko-KR" altLang="ko-KR" sz="1600" b="1" i="0" u="none" strike="noStrike" cap="none" normalizeH="0" baseline="0" dirty="0" smtClean="0">
+                <a:ln>
+                  <a:noFill/>
+                </a:ln>
+                <a:solidFill>
+                  <a:srgbClr val="660E7A"/>
+                </a:solidFill>
+                <a:effectLst/>
+                <a:latin typeface="Consolas" panose="020B0609020204030204" pitchFamily="49" charset="0"/>
+                <a:ea typeface="D2Coding" panose="020B0609020101020101" pitchFamily="49" charset="-127"/>
+              </a:rPr>
+              <a:t>file </a:t>
+            </a:r>
+            <a:r>
+              <a:rPr kumimoji="0" lang="ko-KR" altLang="ko-KR" sz="1600" b="0" i="0" u="none" strike="noStrike" cap="none" normalizeH="0" baseline="0" dirty="0" smtClean="0">
+                <a:ln>
+                  <a:noFill/>
+                </a:ln>
+                <a:solidFill>
+                  <a:srgbClr val="000000"/>
+                </a:solidFill>
+                <a:effectLst/>
+                <a:latin typeface="Consolas" panose="020B0609020204030204" pitchFamily="49" charset="0"/>
+                <a:ea typeface="D2Coding" panose="020B0609020101020101" pitchFamily="49" charset="-127"/>
+              </a:rPr>
+              <a:t>== </a:t>
+            </a:r>
+            <a:r>
+              <a:rPr kumimoji="0" lang="ko-KR" altLang="ko-KR" sz="1600" b="1" i="0" u="none" strike="noStrike" cap="none" normalizeH="0" baseline="0" dirty="0" err="1" smtClean="0">
+                <a:ln>
+                  <a:noFill/>
+                </a:ln>
+                <a:solidFill>
+                  <a:srgbClr val="000080"/>
+                </a:solidFill>
+                <a:effectLst/>
+                <a:latin typeface="Consolas" panose="020B0609020204030204" pitchFamily="49" charset="0"/>
+                <a:ea typeface="D2Coding" panose="020B0609020101020101" pitchFamily="49" charset="-127"/>
+              </a:rPr>
+              <a:t>null</a:t>
+            </a:r>
+            <a:r>
+              <a:rPr kumimoji="0" lang="ko-KR" altLang="ko-KR" sz="1600" b="0" i="0" u="none" strike="noStrike" cap="none" normalizeH="0" baseline="0" dirty="0" smtClean="0">
+                <a:ln>
+                  <a:noFill/>
+                </a:ln>
+                <a:solidFill>
+                  <a:srgbClr val="000000"/>
+                </a:solidFill>
+                <a:effectLst/>
+                <a:latin typeface="Consolas" panose="020B0609020204030204" pitchFamily="49" charset="0"/>
+                <a:ea typeface="D2Coding" panose="020B0609020101020101" pitchFamily="49" charset="-127"/>
+              </a:rPr>
+              <a:t>) {</a:t>
+            </a:r>
+            <a:br>
+              <a:rPr kumimoji="0" lang="ko-KR" altLang="ko-KR" sz="1600" b="0" i="0" u="none" strike="noStrike" cap="none" normalizeH="0" baseline="0" dirty="0" smtClean="0">
+                <a:ln>
+                  <a:noFill/>
+                </a:ln>
+                <a:solidFill>
+                  <a:srgbClr val="000000"/>
+                </a:solidFill>
+                <a:effectLst/>
+                <a:latin typeface="Consolas" panose="020B0609020204030204" pitchFamily="49" charset="0"/>
+                <a:ea typeface="D2Coding" panose="020B0609020101020101" pitchFamily="49" charset="-127"/>
+              </a:rPr>
+            </a:br>
+            <a:r>
+              <a:rPr kumimoji="0" lang="en-US" altLang="ko-KR" sz="1600" b="0" i="0" u="none" strike="noStrike" cap="none" normalizeH="0" baseline="0" dirty="0" smtClean="0">
+                <a:ln>
+                  <a:noFill/>
+                </a:ln>
+                <a:solidFill>
+                  <a:srgbClr val="000000"/>
+                </a:solidFill>
+                <a:effectLst/>
+                <a:latin typeface="Consolas" panose="020B0609020204030204" pitchFamily="49" charset="0"/>
+                <a:ea typeface="D2Coding" panose="020B0609020101020101" pitchFamily="49" charset="-127"/>
+              </a:rPr>
+              <a:t>            File </a:t>
+            </a:r>
+            <a:r>
+              <a:rPr lang="en-US" altLang="ko-KR" sz="1600" dirty="0" err="1" smtClean="0">
+                <a:solidFill>
+                  <a:srgbClr val="000000"/>
+                </a:solidFill>
+                <a:latin typeface="Consolas" panose="020B0609020204030204" pitchFamily="49" charset="0"/>
+                <a:ea typeface="D2Coding" panose="020B0609020101020101" pitchFamily="49" charset="-127"/>
+              </a:rPr>
+              <a:t>storageDir</a:t>
+            </a:r>
+            <a:r>
+              <a:rPr lang="en-US" altLang="ko-KR" sz="1600" dirty="0" smtClean="0">
+                <a:solidFill>
+                  <a:srgbClr val="000000"/>
+                </a:solidFill>
+                <a:latin typeface="Consolas" panose="020B0609020204030204" pitchFamily="49" charset="0"/>
+                <a:ea typeface="D2Coding" panose="020B0609020101020101" pitchFamily="49" charset="-127"/>
+              </a:rPr>
+              <a:t> </a:t>
+            </a:r>
+            <a:r>
+              <a:rPr lang="en-US" altLang="ko-KR" sz="1600" dirty="0">
+                <a:solidFill>
+                  <a:srgbClr val="000000"/>
+                </a:solidFill>
+                <a:latin typeface="Consolas" panose="020B0609020204030204" pitchFamily="49" charset="0"/>
+                <a:ea typeface="D2Coding" panose="020B0609020101020101" pitchFamily="49" charset="-127"/>
+              </a:rPr>
+              <a:t>= </a:t>
+            </a:r>
+            <a:r>
+              <a:rPr lang="en-US" altLang="ko-KR" sz="1600" dirty="0" err="1">
+                <a:solidFill>
+                  <a:srgbClr val="000000"/>
+                </a:solidFill>
+                <a:latin typeface="Consolas" panose="020B0609020204030204" pitchFamily="49" charset="0"/>
+                <a:ea typeface="D2Coding" panose="020B0609020101020101" pitchFamily="49" charset="-127"/>
+              </a:rPr>
+              <a:t>Environment.getExternalStorageDirectory</a:t>
+            </a:r>
+            <a:r>
+              <a:rPr lang="en-US" altLang="ko-KR" sz="1600" dirty="0">
+                <a:solidFill>
+                  <a:srgbClr val="000000"/>
+                </a:solidFill>
+                <a:latin typeface="Consolas" panose="020B0609020204030204" pitchFamily="49" charset="0"/>
+                <a:ea typeface="D2Coding" panose="020B0609020101020101" pitchFamily="49" charset="-127"/>
+              </a:rPr>
+              <a:t>();</a:t>
+            </a:r>
+            <a:br>
+              <a:rPr lang="en-US" altLang="ko-KR" sz="1600" dirty="0">
+                <a:solidFill>
+                  <a:srgbClr val="000000"/>
+                </a:solidFill>
+                <a:latin typeface="Consolas" panose="020B0609020204030204" pitchFamily="49" charset="0"/>
+                <a:ea typeface="D2Coding" panose="020B0609020101020101" pitchFamily="49" charset="-127"/>
+              </a:rPr>
+            </a:br>
+            <a:r>
+              <a:rPr lang="en-US" altLang="ko-KR" sz="1600" dirty="0">
+                <a:solidFill>
+                  <a:srgbClr val="000000"/>
+                </a:solidFill>
+                <a:latin typeface="Consolas" panose="020B0609020204030204" pitchFamily="49" charset="0"/>
+                <a:ea typeface="D2Coding" panose="020B0609020101020101" pitchFamily="49" charset="-127"/>
+              </a:rPr>
+              <a:t>        </a:t>
+            </a:r>
+            <a:r>
+              <a:rPr lang="en-US" altLang="ko-KR" sz="1600" dirty="0" smtClean="0">
+                <a:solidFill>
+                  <a:srgbClr val="000000"/>
+                </a:solidFill>
+                <a:latin typeface="Consolas" panose="020B0609020204030204" pitchFamily="49" charset="0"/>
+                <a:ea typeface="D2Coding" panose="020B0609020101020101" pitchFamily="49" charset="-127"/>
+              </a:rPr>
+              <a:t>    file </a:t>
+            </a:r>
+            <a:r>
+              <a:rPr lang="en-US" altLang="ko-KR" sz="1600" dirty="0">
+                <a:solidFill>
+                  <a:srgbClr val="000000"/>
+                </a:solidFill>
+                <a:latin typeface="Consolas" panose="020B0609020204030204" pitchFamily="49" charset="0"/>
+                <a:ea typeface="D2Coding" panose="020B0609020101020101" pitchFamily="49" charset="-127"/>
+              </a:rPr>
+              <a:t>= new File(</a:t>
+            </a:r>
+            <a:r>
+              <a:rPr lang="en-US" altLang="ko-KR" sz="1600" dirty="0" err="1">
+                <a:solidFill>
+                  <a:srgbClr val="000000"/>
+                </a:solidFill>
+                <a:latin typeface="Consolas" panose="020B0609020204030204" pitchFamily="49" charset="0"/>
+                <a:ea typeface="D2Coding" panose="020B0609020101020101" pitchFamily="49" charset="-127"/>
+              </a:rPr>
+              <a:t>storageDir</a:t>
+            </a:r>
+            <a:r>
+              <a:rPr lang="en-US" altLang="ko-KR" sz="1600" dirty="0">
+                <a:solidFill>
+                  <a:srgbClr val="000000"/>
+                </a:solidFill>
+                <a:latin typeface="Consolas" panose="020B0609020204030204" pitchFamily="49" charset="0"/>
+                <a:ea typeface="D2Coding" panose="020B0609020101020101" pitchFamily="49" charset="-127"/>
+              </a:rPr>
+              <a:t>, </a:t>
+            </a:r>
+            <a:r>
+              <a:rPr lang="ko-KR" altLang="ko-KR" sz="1600" b="1" dirty="0">
+                <a:solidFill>
+                  <a:srgbClr val="008000"/>
+                </a:solidFill>
+                <a:latin typeface="Consolas" panose="020B0609020204030204" pitchFamily="49" charset="0"/>
+                <a:ea typeface="D2Coding" panose="020B0609020101020101" pitchFamily="49" charset="-127"/>
+              </a:rPr>
+              <a:t>"capture.jpg</a:t>
+            </a:r>
+            <a:r>
+              <a:rPr lang="ko-KR" altLang="ko-KR" sz="1600" b="1" dirty="0" smtClean="0">
+                <a:solidFill>
+                  <a:srgbClr val="008000"/>
+                </a:solidFill>
+                <a:latin typeface="Consolas" panose="020B0609020204030204" pitchFamily="49" charset="0"/>
+                <a:ea typeface="D2Coding" panose="020B0609020101020101" pitchFamily="49" charset="-127"/>
+              </a:rPr>
+              <a:t>"</a:t>
+            </a:r>
+            <a:r>
+              <a:rPr lang="en-US" altLang="ko-KR" sz="1600" dirty="0" smtClean="0">
+                <a:solidFill>
+                  <a:srgbClr val="000000"/>
+                </a:solidFill>
+                <a:latin typeface="Consolas" panose="020B0609020204030204" pitchFamily="49" charset="0"/>
+                <a:ea typeface="D2Coding" panose="020B0609020101020101" pitchFamily="49" charset="-127"/>
+              </a:rPr>
+              <a:t>);</a:t>
+            </a:r>
+            <a:r>
+              <a:rPr kumimoji="0" lang="ko-KR" altLang="ko-KR" sz="1600" b="0" i="0" u="none" strike="noStrike" cap="none" normalizeH="0" baseline="0" dirty="0" smtClean="0">
+                <a:ln>
+                  <a:noFill/>
+                </a:ln>
+                <a:solidFill>
+                  <a:srgbClr val="000000"/>
+                </a:solidFill>
+                <a:effectLst/>
+                <a:latin typeface="Consolas" panose="020B0609020204030204" pitchFamily="49" charset="0"/>
+                <a:ea typeface="D2Coding" panose="020B0609020101020101" pitchFamily="49" charset="-127"/>
+              </a:rPr>
+              <a:t/>
+            </a:r>
+            <a:br>
+              <a:rPr kumimoji="0" lang="ko-KR" altLang="ko-KR" sz="1600" b="0" i="0" u="none" strike="noStrike" cap="none" normalizeH="0" baseline="0" dirty="0" smtClean="0">
+                <a:ln>
+                  <a:noFill/>
+                </a:ln>
+                <a:solidFill>
+                  <a:srgbClr val="000000"/>
+                </a:solidFill>
+                <a:effectLst/>
+                <a:latin typeface="Consolas" panose="020B0609020204030204" pitchFamily="49" charset="0"/>
+                <a:ea typeface="D2Coding" panose="020B0609020101020101" pitchFamily="49" charset="-127"/>
+              </a:rPr>
+            </a:br>
+            <a:r>
+              <a:rPr kumimoji="0" lang="ko-KR" altLang="ko-KR" sz="1600" b="0" i="0" u="none" strike="noStrike" cap="none" normalizeH="0" baseline="0" dirty="0" smtClean="0">
+                <a:ln>
+                  <a:noFill/>
+                </a:ln>
+                <a:solidFill>
+                  <a:srgbClr val="000000"/>
+                </a:solidFill>
+                <a:effectLst/>
+                <a:latin typeface="Consolas" panose="020B0609020204030204" pitchFamily="49" charset="0"/>
+                <a:ea typeface="D2Coding" panose="020B0609020101020101" pitchFamily="49" charset="-127"/>
+              </a:rPr>
+              <a:t>        }</a:t>
+            </a:r>
+            <a:br>
+              <a:rPr kumimoji="0" lang="ko-KR" altLang="ko-KR" sz="1600" b="0" i="0" u="none" strike="noStrike" cap="none" normalizeH="0" baseline="0" dirty="0" smtClean="0">
+                <a:ln>
+                  <a:noFill/>
+                </a:ln>
+                <a:solidFill>
+                  <a:srgbClr val="000000"/>
+                </a:solidFill>
+                <a:effectLst/>
+                <a:latin typeface="Consolas" panose="020B0609020204030204" pitchFamily="49" charset="0"/>
+                <a:ea typeface="D2Coding" panose="020B0609020101020101" pitchFamily="49" charset="-127"/>
+              </a:rPr>
+            </a:br>
+            <a:r>
+              <a:rPr kumimoji="0" lang="ko-KR" altLang="ko-KR" sz="1600" b="0" i="0" u="none" strike="noStrike" cap="none" normalizeH="0" baseline="0" dirty="0" smtClean="0">
+                <a:ln>
+                  <a:noFill/>
+                </a:ln>
+                <a:solidFill>
+                  <a:srgbClr val="000000"/>
+                </a:solidFill>
+                <a:effectLst/>
+                <a:latin typeface="Consolas" panose="020B0609020204030204" pitchFamily="49" charset="0"/>
+                <a:ea typeface="D2Coding" panose="020B0609020101020101" pitchFamily="49" charset="-127"/>
+              </a:rPr>
+              <a:t/>
+            </a:r>
+            <a:br>
+              <a:rPr kumimoji="0" lang="ko-KR" altLang="ko-KR" sz="1600" b="0" i="0" u="none" strike="noStrike" cap="none" normalizeH="0" baseline="0" dirty="0" smtClean="0">
+                <a:ln>
+                  <a:noFill/>
+                </a:ln>
+                <a:solidFill>
+                  <a:srgbClr val="000000"/>
+                </a:solidFill>
+                <a:effectLst/>
+                <a:latin typeface="Consolas" panose="020B0609020204030204" pitchFamily="49" charset="0"/>
+                <a:ea typeface="D2Coding" panose="020B0609020101020101" pitchFamily="49" charset="-127"/>
+              </a:rPr>
+            </a:br>
+            <a:r>
+              <a:rPr kumimoji="0" lang="ko-KR" altLang="ko-KR" sz="1600" b="0" i="0" u="none" strike="noStrike" cap="none" normalizeH="0" baseline="0" dirty="0" smtClean="0">
+                <a:ln>
+                  <a:noFill/>
+                </a:ln>
+                <a:solidFill>
+                  <a:srgbClr val="000000"/>
+                </a:solidFill>
+                <a:effectLst/>
+                <a:latin typeface="Consolas" panose="020B0609020204030204" pitchFamily="49" charset="0"/>
+                <a:ea typeface="D2Coding" panose="020B0609020101020101" pitchFamily="49" charset="-127"/>
+              </a:rPr>
+              <a:t>        </a:t>
+            </a:r>
+            <a:r>
+              <a:rPr kumimoji="0" lang="ko-KR" altLang="ko-KR" sz="1600" b="0" i="0" u="none" strike="noStrike" cap="none" normalizeH="0" baseline="0" dirty="0" err="1" smtClean="0">
+                <a:ln>
+                  <a:noFill/>
+                </a:ln>
+                <a:solidFill>
+                  <a:srgbClr val="000000"/>
+                </a:solidFill>
+                <a:effectLst/>
+                <a:latin typeface="Consolas" panose="020B0609020204030204" pitchFamily="49" charset="0"/>
+                <a:ea typeface="D2Coding" panose="020B0609020101020101" pitchFamily="49" charset="-127"/>
+              </a:rPr>
+              <a:t>Uri</a:t>
+            </a:r>
+            <a:r>
+              <a:rPr kumimoji="0" lang="ko-KR" altLang="ko-KR" sz="1600" b="0" i="0" u="none" strike="noStrike" cap="none" normalizeH="0" baseline="0" dirty="0" smtClean="0">
+                <a:ln>
+                  <a:noFill/>
+                </a:ln>
+                <a:solidFill>
+                  <a:srgbClr val="000000"/>
+                </a:solidFill>
+                <a:effectLst/>
+                <a:latin typeface="Consolas" panose="020B0609020204030204" pitchFamily="49" charset="0"/>
+                <a:ea typeface="D2Coding" panose="020B0609020101020101" pitchFamily="49" charset="-127"/>
+              </a:rPr>
+              <a:t> fileUri = </a:t>
+            </a:r>
+            <a:r>
+              <a:rPr kumimoji="0" lang="ko-KR" altLang="ko-KR" sz="1600" b="0" i="0" u="none" strike="noStrike" cap="none" normalizeH="0" baseline="0" dirty="0" err="1" smtClean="0">
+                <a:ln>
+                  <a:noFill/>
+                </a:ln>
+                <a:solidFill>
+                  <a:srgbClr val="000000"/>
+                </a:solidFill>
+                <a:effectLst/>
+                <a:latin typeface="Consolas" panose="020B0609020204030204" pitchFamily="49" charset="0"/>
+                <a:ea typeface="D2Coding" panose="020B0609020101020101" pitchFamily="49" charset="-127"/>
+              </a:rPr>
+              <a:t>FileProvider.</a:t>
+            </a:r>
+            <a:r>
+              <a:rPr kumimoji="0" lang="ko-KR" altLang="ko-KR" sz="1600" b="0" i="1" u="none" strike="noStrike" cap="none" normalizeH="0" baseline="0" dirty="0" err="1" smtClean="0">
+                <a:ln>
+                  <a:noFill/>
+                </a:ln>
+                <a:solidFill>
+                  <a:srgbClr val="000000"/>
+                </a:solidFill>
+                <a:effectLst/>
+                <a:latin typeface="Consolas" panose="020B0609020204030204" pitchFamily="49" charset="0"/>
+                <a:ea typeface="D2Coding" panose="020B0609020101020101" pitchFamily="49" charset="-127"/>
+              </a:rPr>
+              <a:t>getUriForFile</a:t>
+            </a:r>
+            <a:r>
+              <a:rPr kumimoji="0" lang="ko-KR" altLang="ko-KR" sz="1600" b="0" i="0" u="none" strike="noStrike" cap="none" normalizeH="0" baseline="0" dirty="0" smtClean="0">
+                <a:ln>
+                  <a:noFill/>
+                </a:ln>
+                <a:solidFill>
+                  <a:srgbClr val="000000"/>
+                </a:solidFill>
+                <a:effectLst/>
+                <a:latin typeface="Consolas" panose="020B0609020204030204" pitchFamily="49" charset="0"/>
+                <a:ea typeface="D2Coding" panose="020B0609020101020101" pitchFamily="49" charset="-127"/>
+              </a:rPr>
+              <a:t>(</a:t>
+            </a:r>
+            <a:r>
+              <a:rPr kumimoji="0" lang="ko-KR" altLang="ko-KR" sz="1600" b="1" i="0" u="none" strike="noStrike" cap="none" normalizeH="0" baseline="0" dirty="0" err="1" smtClean="0">
+                <a:ln>
+                  <a:noFill/>
+                </a:ln>
+                <a:solidFill>
+                  <a:srgbClr val="000080"/>
+                </a:solidFill>
+                <a:effectLst/>
+                <a:latin typeface="Consolas" panose="020B0609020204030204" pitchFamily="49" charset="0"/>
+                <a:ea typeface="D2Coding" panose="020B0609020101020101" pitchFamily="49" charset="-127"/>
+              </a:rPr>
+              <a:t>this</a:t>
+            </a:r>
+            <a:r>
+              <a:rPr kumimoji="0" lang="ko-KR" altLang="ko-KR" sz="1600" b="0" i="0" u="none" strike="noStrike" cap="none" normalizeH="0" baseline="0" dirty="0" smtClean="0">
+                <a:ln>
+                  <a:noFill/>
+                </a:ln>
+                <a:solidFill>
+                  <a:srgbClr val="000000"/>
+                </a:solidFill>
+                <a:effectLst/>
+                <a:latin typeface="Consolas" panose="020B0609020204030204" pitchFamily="49" charset="0"/>
+                <a:ea typeface="D2Coding" panose="020B0609020101020101" pitchFamily="49" charset="-127"/>
+              </a:rPr>
+              <a:t>,</a:t>
+            </a:r>
+            <a:r>
+              <a:rPr kumimoji="0" lang="ko-KR" altLang="ko-KR" sz="1600" b="1" i="0" u="none" strike="noStrike" cap="none" normalizeH="0" baseline="0" dirty="0" smtClean="0">
+                <a:ln>
+                  <a:noFill/>
+                </a:ln>
+                <a:solidFill>
+                  <a:srgbClr val="008000"/>
+                </a:solidFill>
+                <a:effectLst/>
+                <a:latin typeface="Consolas" panose="020B0609020204030204" pitchFamily="49" charset="0"/>
+                <a:ea typeface="D2Coding" panose="020B0609020101020101" pitchFamily="49" charset="-127"/>
+              </a:rPr>
+              <a:t>"</a:t>
+            </a:r>
+            <a:r>
+              <a:rPr kumimoji="0" lang="ko-KR" altLang="ko-KR" sz="1600" b="1" i="0" u="none" strike="noStrike" cap="none" normalizeH="0" baseline="0" dirty="0" err="1" smtClean="0">
+                <a:ln>
+                  <a:noFill/>
+                </a:ln>
+                <a:solidFill>
+                  <a:srgbClr val="008000"/>
+                </a:solidFill>
+                <a:effectLst/>
+                <a:latin typeface="Consolas" panose="020B0609020204030204" pitchFamily="49" charset="0"/>
+                <a:ea typeface="D2Coding" panose="020B0609020101020101" pitchFamily="49" charset="-127"/>
+              </a:rPr>
+              <a:t>com.example.ca</a:t>
+            </a:r>
+            <a:r>
+              <a:rPr kumimoji="0" lang="en-US" altLang="ko-KR" sz="1600" b="1" i="0" u="none" strike="noStrike" cap="none" normalizeH="0" baseline="0" dirty="0" err="1" smtClean="0">
+                <a:ln>
+                  <a:noFill/>
+                </a:ln>
+                <a:solidFill>
+                  <a:srgbClr val="008000"/>
+                </a:solidFill>
+                <a:effectLst/>
+                <a:latin typeface="Consolas" panose="020B0609020204030204" pitchFamily="49" charset="0"/>
+                <a:ea typeface="D2Coding" panose="020B0609020101020101" pitchFamily="49" charset="-127"/>
+              </a:rPr>
+              <a:t>pture</a:t>
+            </a:r>
+            <a:r>
+              <a:rPr kumimoji="0" lang="ko-KR" altLang="ko-KR" sz="1600" b="1" i="0" u="none" strike="noStrike" cap="none" normalizeH="0" baseline="0" dirty="0" smtClean="0">
+                <a:ln>
+                  <a:noFill/>
+                </a:ln>
+                <a:solidFill>
+                  <a:srgbClr val="008000"/>
+                </a:solidFill>
+                <a:effectLst/>
+                <a:latin typeface="Consolas" panose="020B0609020204030204" pitchFamily="49" charset="0"/>
+                <a:ea typeface="D2Coding" panose="020B0609020101020101" pitchFamily="49" charset="-127"/>
+              </a:rPr>
+              <a:t>.</a:t>
+            </a:r>
+            <a:r>
+              <a:rPr kumimoji="0" lang="ko-KR" altLang="ko-KR" sz="1600" b="1" i="0" u="none" strike="noStrike" cap="none" normalizeH="0" baseline="0" dirty="0" err="1" smtClean="0">
+                <a:ln>
+                  <a:noFill/>
+                </a:ln>
+                <a:solidFill>
+                  <a:srgbClr val="008000"/>
+                </a:solidFill>
+                <a:effectLst/>
+                <a:latin typeface="Consolas" panose="020B0609020204030204" pitchFamily="49" charset="0"/>
+                <a:ea typeface="D2Coding" panose="020B0609020101020101" pitchFamily="49" charset="-127"/>
+              </a:rPr>
+              <a:t>intent.fileprovider</a:t>
+            </a:r>
+            <a:r>
+              <a:rPr kumimoji="0" lang="ko-KR" altLang="ko-KR" sz="1600" b="1" i="0" u="none" strike="noStrike" cap="none" normalizeH="0" baseline="0" dirty="0" smtClean="0">
+                <a:ln>
+                  <a:noFill/>
+                </a:ln>
+                <a:solidFill>
+                  <a:srgbClr val="008000"/>
+                </a:solidFill>
+                <a:effectLst/>
+                <a:latin typeface="Consolas" panose="020B0609020204030204" pitchFamily="49" charset="0"/>
+                <a:ea typeface="D2Coding" panose="020B0609020101020101" pitchFamily="49" charset="-127"/>
+              </a:rPr>
+              <a:t>"</a:t>
+            </a:r>
+            <a:r>
+              <a:rPr kumimoji="0" lang="ko-KR" altLang="ko-KR" sz="1600" b="0" i="0" u="none" strike="noStrike" cap="none" normalizeH="0" baseline="0" dirty="0" smtClean="0">
+                <a:ln>
+                  <a:noFill/>
+                </a:ln>
+                <a:solidFill>
+                  <a:srgbClr val="000000"/>
+                </a:solidFill>
+                <a:effectLst/>
+                <a:latin typeface="Consolas" panose="020B0609020204030204" pitchFamily="49" charset="0"/>
+                <a:ea typeface="D2Coding" panose="020B0609020101020101" pitchFamily="49" charset="-127"/>
+              </a:rPr>
+              <a:t>, </a:t>
+            </a:r>
+            <a:r>
+              <a:rPr kumimoji="0" lang="ko-KR" altLang="ko-KR" sz="1600" b="1" i="0" u="none" strike="noStrike" cap="none" normalizeH="0" baseline="0" dirty="0" smtClean="0">
+                <a:ln>
+                  <a:noFill/>
+                </a:ln>
+                <a:solidFill>
+                  <a:srgbClr val="660E7A"/>
+                </a:solidFill>
+                <a:effectLst/>
+                <a:latin typeface="Consolas" panose="020B0609020204030204" pitchFamily="49" charset="0"/>
+                <a:ea typeface="D2Coding" panose="020B0609020101020101" pitchFamily="49" charset="-127"/>
+              </a:rPr>
+              <a:t>file</a:t>
+            </a:r>
+            <a:r>
+              <a:rPr kumimoji="0" lang="ko-KR" altLang="ko-KR" sz="1600" b="0" i="0" u="none" strike="noStrike" cap="none" normalizeH="0" baseline="0" dirty="0" smtClean="0">
+                <a:ln>
+                  <a:noFill/>
+                </a:ln>
+                <a:solidFill>
+                  <a:srgbClr val="000000"/>
+                </a:solidFill>
+                <a:effectLst/>
+                <a:latin typeface="Consolas" panose="020B0609020204030204" pitchFamily="49" charset="0"/>
+                <a:ea typeface="D2Coding" panose="020B0609020101020101" pitchFamily="49" charset="-127"/>
+              </a:rPr>
+              <a:t>);</a:t>
+            </a:r>
+            <a:br>
+              <a:rPr kumimoji="0" lang="ko-KR" altLang="ko-KR" sz="1600" b="0" i="0" u="none" strike="noStrike" cap="none" normalizeH="0" baseline="0" dirty="0" smtClean="0">
+                <a:ln>
+                  <a:noFill/>
+                </a:ln>
+                <a:solidFill>
+                  <a:srgbClr val="000000"/>
+                </a:solidFill>
+                <a:effectLst/>
+                <a:latin typeface="Consolas" panose="020B0609020204030204" pitchFamily="49" charset="0"/>
+                <a:ea typeface="D2Coding" panose="020B0609020101020101" pitchFamily="49" charset="-127"/>
+              </a:rPr>
+            </a:br>
+            <a:r>
+              <a:rPr kumimoji="0" lang="ko-KR" altLang="ko-KR" sz="1600" b="0" i="0" u="none" strike="noStrike" cap="none" normalizeH="0" baseline="0" dirty="0" smtClean="0">
+                <a:ln>
+                  <a:noFill/>
+                </a:ln>
+                <a:solidFill>
+                  <a:srgbClr val="000000"/>
+                </a:solidFill>
+                <a:effectLst/>
+                <a:latin typeface="Consolas" panose="020B0609020204030204" pitchFamily="49" charset="0"/>
+                <a:ea typeface="D2Coding" panose="020B0609020101020101" pitchFamily="49" charset="-127"/>
+              </a:rPr>
+              <a:t>        </a:t>
+            </a:r>
+            <a:endParaRPr kumimoji="0" lang="en-US" altLang="ko-KR" sz="1600" b="0" i="0" u="none" strike="noStrike" cap="none" normalizeH="0" baseline="0" dirty="0" smtClean="0">
+              <a:ln>
+                <a:noFill/>
+              </a:ln>
+              <a:solidFill>
+                <a:srgbClr val="000000"/>
+              </a:solidFill>
+              <a:effectLst/>
+              <a:latin typeface="Consolas" panose="020B0609020204030204" pitchFamily="49" charset="0"/>
+              <a:ea typeface="D2Coding" panose="020B0609020101020101" pitchFamily="49" charset="-127"/>
+            </a:endParaRPr>
+          </a:p>
+          <a:p>
+            <a:pPr marL="0" lvl="0" indent="0" eaLnBrk="0" fontAlgn="base" hangingPunct="0">
+              <a:spcBef>
+                <a:spcPct val="0"/>
+              </a:spcBef>
+              <a:spcAft>
+                <a:spcPct val="0"/>
+              </a:spcAft>
+              <a:buClrTx/>
+              <a:buNone/>
+            </a:pPr>
+            <a:r>
+              <a:rPr lang="en-US" altLang="ko-KR" sz="1600" dirty="0">
+                <a:solidFill>
+                  <a:srgbClr val="000000"/>
+                </a:solidFill>
+                <a:latin typeface="Consolas" panose="020B0609020204030204" pitchFamily="49" charset="0"/>
+                <a:ea typeface="D2Coding" panose="020B0609020101020101" pitchFamily="49" charset="-127"/>
+              </a:rPr>
+              <a:t> </a:t>
+            </a:r>
+            <a:r>
+              <a:rPr lang="en-US" altLang="ko-KR" sz="1600" dirty="0" smtClean="0">
+                <a:solidFill>
+                  <a:srgbClr val="000000"/>
+                </a:solidFill>
+                <a:latin typeface="Consolas" panose="020B0609020204030204" pitchFamily="49" charset="0"/>
+                <a:ea typeface="D2Coding" panose="020B0609020101020101" pitchFamily="49" charset="-127"/>
+              </a:rPr>
+              <a:t>       </a:t>
+            </a:r>
+            <a:r>
+              <a:rPr kumimoji="0" lang="ko-KR" altLang="ko-KR" sz="1600" b="0" i="0" u="none" strike="noStrike" cap="none" normalizeH="0" baseline="0" dirty="0" smtClean="0">
+                <a:ln>
+                  <a:noFill/>
+                </a:ln>
+                <a:solidFill>
+                  <a:srgbClr val="000000"/>
+                </a:solidFill>
+                <a:effectLst/>
+                <a:latin typeface="Consolas" panose="020B0609020204030204" pitchFamily="49" charset="0"/>
+                <a:ea typeface="D2Coding" panose="020B0609020101020101" pitchFamily="49" charset="-127"/>
+              </a:rPr>
+              <a:t>Intent </a:t>
+            </a:r>
+            <a:r>
+              <a:rPr kumimoji="0" lang="ko-KR" altLang="ko-KR" sz="1600" b="0" i="0" u="none" strike="noStrike" cap="none" normalizeH="0" baseline="0" dirty="0" err="1" smtClean="0">
+                <a:ln>
+                  <a:noFill/>
+                </a:ln>
+                <a:solidFill>
+                  <a:srgbClr val="000000"/>
+                </a:solidFill>
+                <a:effectLst/>
+                <a:latin typeface="Consolas" panose="020B0609020204030204" pitchFamily="49" charset="0"/>
+                <a:ea typeface="D2Coding" panose="020B0609020101020101" pitchFamily="49" charset="-127"/>
+              </a:rPr>
+              <a:t>intent</a:t>
+            </a:r>
+            <a:r>
+              <a:rPr kumimoji="0" lang="ko-KR" altLang="ko-KR" sz="1600" b="0" i="0" u="none" strike="noStrike" cap="none" normalizeH="0" baseline="0" dirty="0" smtClean="0">
+                <a:ln>
+                  <a:noFill/>
+                </a:ln>
+                <a:solidFill>
+                  <a:srgbClr val="000000"/>
+                </a:solidFill>
+                <a:effectLst/>
+                <a:latin typeface="Consolas" panose="020B0609020204030204" pitchFamily="49" charset="0"/>
+                <a:ea typeface="D2Coding" panose="020B0609020101020101" pitchFamily="49" charset="-127"/>
+              </a:rPr>
+              <a:t> = </a:t>
+            </a:r>
+            <a:r>
+              <a:rPr kumimoji="0" lang="ko-KR" altLang="ko-KR" sz="1600" b="1" i="0" u="none" strike="noStrike" cap="none" normalizeH="0" baseline="0" dirty="0" smtClean="0">
+                <a:ln>
+                  <a:noFill/>
+                </a:ln>
+                <a:solidFill>
+                  <a:srgbClr val="000080"/>
+                </a:solidFill>
+                <a:effectLst/>
+                <a:latin typeface="Consolas" panose="020B0609020204030204" pitchFamily="49" charset="0"/>
+                <a:ea typeface="D2Coding" panose="020B0609020101020101" pitchFamily="49" charset="-127"/>
+              </a:rPr>
+              <a:t>new </a:t>
+            </a:r>
+            <a:r>
+              <a:rPr kumimoji="0" lang="ko-KR" altLang="ko-KR" sz="1600" b="0" i="0" u="none" strike="noStrike" cap="none" normalizeH="0" baseline="0" dirty="0" smtClean="0">
+                <a:ln>
+                  <a:noFill/>
+                </a:ln>
+                <a:solidFill>
+                  <a:srgbClr val="000000"/>
+                </a:solidFill>
+                <a:effectLst/>
+                <a:latin typeface="Consolas" panose="020B0609020204030204" pitchFamily="49" charset="0"/>
+                <a:ea typeface="D2Coding" panose="020B0609020101020101" pitchFamily="49" charset="-127"/>
+              </a:rPr>
+              <a:t>Intent(</a:t>
+            </a:r>
+            <a:r>
+              <a:rPr kumimoji="0" lang="ko-KR" altLang="ko-KR" sz="1600" b="0" i="0" u="none" strike="noStrike" cap="none" normalizeH="0" baseline="0" dirty="0" err="1" smtClean="0">
+                <a:ln>
+                  <a:noFill/>
+                </a:ln>
+                <a:solidFill>
+                  <a:srgbClr val="000000"/>
+                </a:solidFill>
+                <a:effectLst/>
+                <a:latin typeface="Consolas" panose="020B0609020204030204" pitchFamily="49" charset="0"/>
+                <a:ea typeface="D2Coding" panose="020B0609020101020101" pitchFamily="49" charset="-127"/>
+              </a:rPr>
+              <a:t>MediaStore.</a:t>
+            </a:r>
+            <a:r>
+              <a:rPr kumimoji="0" lang="ko-KR" altLang="ko-KR" sz="1600" b="1" i="1" u="none" strike="noStrike" cap="none" normalizeH="0" baseline="0" dirty="0" err="1" smtClean="0">
+                <a:ln>
+                  <a:noFill/>
+                </a:ln>
+                <a:solidFill>
+                  <a:srgbClr val="660E7A"/>
+                </a:solidFill>
+                <a:effectLst/>
+                <a:latin typeface="Consolas" panose="020B0609020204030204" pitchFamily="49" charset="0"/>
+                <a:ea typeface="D2Coding" panose="020B0609020101020101" pitchFamily="49" charset="-127"/>
+              </a:rPr>
+              <a:t>ACTION_IMAGE_CAPTURE</a:t>
+            </a:r>
+            <a:r>
+              <a:rPr kumimoji="0" lang="ko-KR" altLang="ko-KR" sz="1600" b="0" i="0" u="none" strike="noStrike" cap="none" normalizeH="0" baseline="0" dirty="0" smtClean="0">
+                <a:ln>
+                  <a:noFill/>
+                </a:ln>
+                <a:solidFill>
+                  <a:srgbClr val="000000"/>
+                </a:solidFill>
+                <a:effectLst/>
+                <a:latin typeface="Consolas" panose="020B0609020204030204" pitchFamily="49" charset="0"/>
+                <a:ea typeface="D2Coding" panose="020B0609020101020101" pitchFamily="49" charset="-127"/>
+              </a:rPr>
+              <a:t>);</a:t>
+            </a:r>
+            <a:br>
+              <a:rPr kumimoji="0" lang="ko-KR" altLang="ko-KR" sz="1600" b="0" i="0" u="none" strike="noStrike" cap="none" normalizeH="0" baseline="0" dirty="0" smtClean="0">
+                <a:ln>
+                  <a:noFill/>
+                </a:ln>
+                <a:solidFill>
+                  <a:srgbClr val="000000"/>
+                </a:solidFill>
+                <a:effectLst/>
+                <a:latin typeface="Consolas" panose="020B0609020204030204" pitchFamily="49" charset="0"/>
+                <a:ea typeface="D2Coding" panose="020B0609020101020101" pitchFamily="49" charset="-127"/>
+              </a:rPr>
+            </a:br>
+            <a:r>
+              <a:rPr kumimoji="0" lang="ko-KR" altLang="ko-KR" sz="1600" b="0" i="0" u="none" strike="noStrike" cap="none" normalizeH="0" baseline="0" dirty="0" smtClean="0">
+                <a:ln>
+                  <a:noFill/>
+                </a:ln>
+                <a:solidFill>
+                  <a:srgbClr val="000000"/>
+                </a:solidFill>
+                <a:effectLst/>
+                <a:latin typeface="Consolas" panose="020B0609020204030204" pitchFamily="49" charset="0"/>
+                <a:ea typeface="D2Coding" panose="020B0609020101020101" pitchFamily="49" charset="-127"/>
+              </a:rPr>
+              <a:t>        intent.addFlags(Intent.</a:t>
+            </a:r>
+            <a:r>
+              <a:rPr kumimoji="0" lang="ko-KR" altLang="ko-KR" sz="1600" b="1" i="1" u="none" strike="noStrike" cap="none" normalizeH="0" baseline="0" dirty="0" smtClean="0">
+                <a:ln>
+                  <a:noFill/>
+                </a:ln>
+                <a:solidFill>
+                  <a:srgbClr val="660E7A"/>
+                </a:solidFill>
+                <a:effectLst/>
+                <a:latin typeface="Consolas" panose="020B0609020204030204" pitchFamily="49" charset="0"/>
+                <a:ea typeface="D2Coding" panose="020B0609020101020101" pitchFamily="49" charset="-127"/>
+              </a:rPr>
+              <a:t>FLAG_GRANT_READ_URI_PERMISSION</a:t>
+            </a:r>
+            <a:r>
+              <a:rPr kumimoji="0" lang="ko-KR" altLang="ko-KR" sz="1600" b="0" i="0" u="none" strike="noStrike" cap="none" normalizeH="0" baseline="0" dirty="0" smtClean="0">
+                <a:ln>
+                  <a:noFill/>
+                </a:ln>
+                <a:solidFill>
+                  <a:srgbClr val="000000"/>
+                </a:solidFill>
+                <a:effectLst/>
+                <a:latin typeface="Consolas" panose="020B0609020204030204" pitchFamily="49" charset="0"/>
+                <a:ea typeface="D2Coding" panose="020B0609020101020101" pitchFamily="49" charset="-127"/>
+              </a:rPr>
+              <a:t>|Intent.</a:t>
+            </a:r>
+            <a:r>
+              <a:rPr kumimoji="0" lang="ko-KR" altLang="ko-KR" sz="1600" b="1" i="1" u="none" strike="noStrike" cap="none" normalizeH="0" baseline="0" dirty="0" smtClean="0">
+                <a:ln>
+                  <a:noFill/>
+                </a:ln>
+                <a:solidFill>
+                  <a:srgbClr val="660E7A"/>
+                </a:solidFill>
+                <a:effectLst/>
+                <a:latin typeface="Consolas" panose="020B0609020204030204" pitchFamily="49" charset="0"/>
+                <a:ea typeface="D2Coding" panose="020B0609020101020101" pitchFamily="49" charset="-127"/>
+              </a:rPr>
+              <a:t>FLAG_GRANT_WRITE_URI_PERMISSION</a:t>
+            </a:r>
+            <a:r>
+              <a:rPr kumimoji="0" lang="ko-KR" altLang="ko-KR" sz="1600" b="0" i="0" u="none" strike="noStrike" cap="none" normalizeH="0" baseline="0" dirty="0" smtClean="0">
+                <a:ln>
+                  <a:noFill/>
+                </a:ln>
+                <a:solidFill>
+                  <a:srgbClr val="000000"/>
+                </a:solidFill>
+                <a:effectLst/>
+                <a:latin typeface="Consolas" panose="020B0609020204030204" pitchFamily="49" charset="0"/>
+                <a:ea typeface="D2Coding" panose="020B0609020101020101" pitchFamily="49" charset="-127"/>
+              </a:rPr>
+              <a:t>);</a:t>
+            </a:r>
+            <a:br>
+              <a:rPr kumimoji="0" lang="ko-KR" altLang="ko-KR" sz="1600" b="0" i="0" u="none" strike="noStrike" cap="none" normalizeH="0" baseline="0" dirty="0" smtClean="0">
+                <a:ln>
+                  <a:noFill/>
+                </a:ln>
+                <a:solidFill>
+                  <a:srgbClr val="000000"/>
+                </a:solidFill>
+                <a:effectLst/>
+                <a:latin typeface="Consolas" panose="020B0609020204030204" pitchFamily="49" charset="0"/>
+                <a:ea typeface="D2Coding" panose="020B0609020101020101" pitchFamily="49" charset="-127"/>
+              </a:rPr>
+            </a:br>
+            <a:r>
+              <a:rPr kumimoji="0" lang="ko-KR" altLang="ko-KR" sz="1600" b="0" i="0" u="none" strike="noStrike" cap="none" normalizeH="0" baseline="0" dirty="0" smtClean="0">
+                <a:ln>
+                  <a:noFill/>
+                </a:ln>
+                <a:solidFill>
+                  <a:srgbClr val="000000"/>
+                </a:solidFill>
+                <a:effectLst/>
+                <a:latin typeface="Consolas" panose="020B0609020204030204" pitchFamily="49" charset="0"/>
+                <a:ea typeface="D2Coding" panose="020B0609020101020101" pitchFamily="49" charset="-127"/>
+              </a:rPr>
+              <a:t>        intent.putExtra(</a:t>
+            </a:r>
+            <a:r>
+              <a:rPr kumimoji="0" lang="ko-KR" altLang="ko-KR" sz="1600" b="0" i="0" u="none" strike="noStrike" cap="none" normalizeH="0" baseline="0" dirty="0" err="1" smtClean="0">
+                <a:ln>
+                  <a:noFill/>
+                </a:ln>
+                <a:solidFill>
+                  <a:srgbClr val="000000"/>
+                </a:solidFill>
+                <a:effectLst/>
+                <a:latin typeface="Consolas" panose="020B0609020204030204" pitchFamily="49" charset="0"/>
+                <a:ea typeface="D2Coding" panose="020B0609020101020101" pitchFamily="49" charset="-127"/>
+              </a:rPr>
+              <a:t>MediaStore.</a:t>
+            </a:r>
+            <a:r>
+              <a:rPr kumimoji="0" lang="ko-KR" altLang="ko-KR" sz="1600" b="1" i="1" u="none" strike="noStrike" cap="none" normalizeH="0" baseline="0" dirty="0" err="1" smtClean="0">
+                <a:ln>
+                  <a:noFill/>
+                </a:ln>
+                <a:solidFill>
+                  <a:srgbClr val="660E7A"/>
+                </a:solidFill>
+                <a:effectLst/>
+                <a:latin typeface="Consolas" panose="020B0609020204030204" pitchFamily="49" charset="0"/>
+                <a:ea typeface="D2Coding" panose="020B0609020101020101" pitchFamily="49" charset="-127"/>
+              </a:rPr>
+              <a:t>EXTRA_OUTPUT</a:t>
+            </a:r>
+            <a:r>
+              <a:rPr kumimoji="0" lang="ko-KR" altLang="ko-KR" sz="1600" b="0" i="0" u="none" strike="noStrike" cap="none" normalizeH="0" baseline="0" dirty="0" smtClean="0">
+                <a:ln>
+                  <a:noFill/>
+                </a:ln>
+                <a:solidFill>
+                  <a:srgbClr val="000000"/>
+                </a:solidFill>
+                <a:effectLst/>
+                <a:latin typeface="Consolas" panose="020B0609020204030204" pitchFamily="49" charset="0"/>
+                <a:ea typeface="D2Coding" panose="020B0609020101020101" pitchFamily="49" charset="-127"/>
+              </a:rPr>
+              <a:t>, fileUri);</a:t>
+            </a:r>
+            <a:endParaRPr kumimoji="0" lang="en-US" altLang="ko-KR" sz="1600" b="0" i="0" u="none" strike="noStrike" cap="none" normalizeH="0" baseline="0" dirty="0" smtClean="0">
+              <a:ln>
+                <a:noFill/>
+              </a:ln>
+              <a:solidFill>
+                <a:srgbClr val="000000"/>
+              </a:solidFill>
+              <a:effectLst/>
+              <a:latin typeface="Consolas" panose="020B0609020204030204" pitchFamily="49" charset="0"/>
+              <a:ea typeface="D2Coding" panose="020B0609020101020101" pitchFamily="49" charset="-127"/>
+            </a:endParaRPr>
+          </a:p>
+          <a:p>
             <a:pPr marL="0" marR="0" lvl="0" indent="0" algn="l" defTabSz="914400" rtl="0" eaLnBrk="0" fontAlgn="base" latinLnBrk="0" hangingPunct="0">
               <a:lnSpc>
                 <a:spcPct val="100000"/>
@@ -29647,35 +30763,34 @@
               <a:tabLst/>
             </a:pPr>
             <a:r>
-              <a:rPr kumimoji="0" lang="en-US" altLang="ko-KR" sz="1400" b="1" i="0" u="none" strike="noStrike" cap="none" normalizeH="0" baseline="0" dirty="0" smtClean="0">
+              <a:rPr kumimoji="0" lang="ko-KR" altLang="ko-KR" sz="1600" b="0" i="0" u="none" strike="noStrike" cap="none" normalizeH="0" baseline="0" dirty="0" smtClean="0">
                 <a:ln>
                   <a:noFill/>
                 </a:ln>
                 <a:solidFill>
-                  <a:srgbClr val="000080"/>
+                  <a:srgbClr val="000000"/>
                 </a:solidFill>
                 <a:effectLst/>
                 <a:latin typeface="Consolas" panose="020B0609020204030204" pitchFamily="49" charset="0"/>
                 <a:ea typeface="D2Coding" panose="020B0609020101020101" pitchFamily="49" charset="-127"/>
               </a:rPr>
-              <a:t>    </a:t>
-            </a:r>
-            <a:r>
-              <a:rPr kumimoji="0" lang="ko-KR" altLang="ko-KR" sz="1400" b="1" i="0" u="none" strike="noStrike" cap="none" normalizeH="0" baseline="0" dirty="0" smtClean="0">
+              <a:t/>
+            </a:r>
+            <a:br>
+              <a:rPr kumimoji="0" lang="ko-KR" altLang="ko-KR" sz="1600" b="0" i="0" u="none" strike="noStrike" cap="none" normalizeH="0" baseline="0" dirty="0" smtClean="0">
                 <a:ln>
                   <a:noFill/>
                 </a:ln>
                 <a:solidFill>
-                  <a:srgbClr val="000080"/>
+                  <a:srgbClr val="000000"/>
                 </a:solidFill>
                 <a:effectLst/>
                 <a:latin typeface="Consolas" panose="020B0609020204030204" pitchFamily="49" charset="0"/>
                 <a:ea typeface="D2Coding" panose="020B0609020101020101" pitchFamily="49" charset="-127"/>
               </a:rPr>
-              <a:t>public void </a:t>
-            </a:r>
-            <a:r>
-              <a:rPr kumimoji="0" lang="ko-KR" altLang="ko-KR" sz="1400" b="0" i="0" u="none" strike="noStrike" cap="none" normalizeH="0" baseline="0" dirty="0" smtClean="0">
+            </a:br>
+            <a:r>
+              <a:rPr kumimoji="0" lang="ko-KR" altLang="ko-KR" sz="1600" b="0" i="0" u="none" strike="noStrike" cap="none" normalizeH="0" baseline="0" dirty="0" smtClean="0">
                 <a:ln>
                   <a:noFill/>
                 </a:ln>
@@ -29686,65 +30801,66 @@
                 <a:latin typeface="Consolas" panose="020B0609020204030204" pitchFamily="49" charset="0"/>
                 <a:ea typeface="D2Coding" panose="020B0609020101020101" pitchFamily="49" charset="-127"/>
               </a:rPr>
-              <a:t>takePicture() {</a:t>
-            </a:r>
-            <a:br>
-              <a:rPr kumimoji="0" lang="ko-KR" altLang="ko-KR" sz="1400" b="0" i="0" u="none" strike="noStrike" cap="none" normalizeH="0" baseline="0" dirty="0" smtClean="0">
+              <a:t>        </a:t>
+            </a:r>
+            <a:r>
+              <a:rPr kumimoji="0" lang="ko-KR" altLang="ko-KR" sz="1600" b="1" i="0" u="none" strike="noStrike" cap="none" normalizeH="0" baseline="0" dirty="0" err="1" smtClean="0">
                 <a:ln>
                   <a:noFill/>
                 </a:ln>
                 <a:solidFill>
-                  <a:srgbClr val="000000"/>
+                  <a:srgbClr val="000080"/>
                 </a:solidFill>
                 <a:effectLst/>
                 <a:latin typeface="Consolas" panose="020B0609020204030204" pitchFamily="49" charset="0"/>
                 <a:ea typeface="D2Coding" panose="020B0609020101020101" pitchFamily="49" charset="-127"/>
               </a:rPr>
-            </a:br>
-            <a:r>
-              <a:rPr kumimoji="0" lang="ko-KR" altLang="ko-KR" sz="1400" b="0" i="0" u="none" strike="noStrike" cap="none" normalizeH="0" baseline="0" dirty="0" smtClean="0">
+              <a:t>if</a:t>
+            </a:r>
+            <a:r>
+              <a:rPr kumimoji="0" lang="ko-KR" altLang="ko-KR" sz="1600" b="1" i="0" u="none" strike="noStrike" cap="none" normalizeH="0" baseline="0" dirty="0" smtClean="0">
                 <a:ln>
                   <a:noFill/>
                 </a:ln>
                 <a:solidFill>
-                  <a:srgbClr val="000000"/>
+                  <a:srgbClr val="000080"/>
                 </a:solidFill>
                 <a:effectLst/>
                 <a:latin typeface="Consolas" panose="020B0609020204030204" pitchFamily="49" charset="0"/>
                 <a:ea typeface="D2Coding" panose="020B0609020101020101" pitchFamily="49" charset="-127"/>
               </a:rPr>
-              <a:t>        </a:t>
-            </a:r>
-            <a:r>
-              <a:rPr kumimoji="0" lang="ko-KR" altLang="ko-KR" sz="1400" b="1" i="0" u="none" strike="noStrike" cap="none" normalizeH="0" baseline="0" dirty="0" err="1" smtClean="0">
+              <a:t> </a:t>
+            </a:r>
+            <a:r>
+              <a:rPr kumimoji="0" lang="ko-KR" altLang="ko-KR" sz="1600" b="0" i="0" u="none" strike="noStrike" cap="none" normalizeH="0" baseline="0" dirty="0" smtClean="0">
                 <a:ln>
                   <a:noFill/>
                 </a:ln>
                 <a:solidFill>
-                  <a:srgbClr val="000080"/>
+                  <a:srgbClr val="000000"/>
                 </a:solidFill>
                 <a:effectLst/>
                 <a:latin typeface="Consolas" panose="020B0609020204030204" pitchFamily="49" charset="0"/>
                 <a:ea typeface="D2Coding" panose="020B0609020101020101" pitchFamily="49" charset="-127"/>
               </a:rPr>
-              <a:t>if</a:t>
-            </a:r>
-            <a:r>
-              <a:rPr kumimoji="0" lang="ko-KR" altLang="ko-KR" sz="1400" b="1" i="0" u="none" strike="noStrike" cap="none" normalizeH="0" baseline="0" dirty="0" smtClean="0">
+              <a:t>(</a:t>
+            </a:r>
+            <a:r>
+              <a:rPr kumimoji="0" lang="ko-KR" altLang="ko-KR" sz="1600" b="0" i="0" u="none" strike="noStrike" cap="none" normalizeH="0" baseline="0" dirty="0" err="1" smtClean="0">
                 <a:ln>
                   <a:noFill/>
                 </a:ln>
                 <a:solidFill>
-                  <a:srgbClr val="000080"/>
+                  <a:srgbClr val="000000"/>
                 </a:solidFill>
                 <a:effectLst/>
                 <a:latin typeface="Consolas" panose="020B0609020204030204" pitchFamily="49" charset="0"/>
                 <a:ea typeface="D2Coding" panose="020B0609020101020101" pitchFamily="49" charset="-127"/>
               </a:rPr>
-              <a:t> </a:t>
-            </a:r>
-            <a:r>
-              <a:rPr kumimoji="0" lang="ko-KR" altLang="ko-KR" sz="1400" b="0" i="0" u="none" strike="noStrike" cap="none" normalizeH="0" baseline="0" dirty="0" smtClean="0">
+              <a:t>intent.resolveActivity</a:t>
+            </a:r>
+            <a:r>
+              <a:rPr kumimoji="0" lang="ko-KR" altLang="ko-KR" sz="1600" b="0" i="0" u="none" strike="noStrike" cap="none" normalizeH="0" baseline="0" dirty="0" smtClean="0">
                 <a:ln>
                   <a:noFill/>
                 </a:ln>
@@ -29758,21 +30874,21 @@
               <a:t>(</a:t>
             </a:r>
             <a:r>
-              <a:rPr kumimoji="0" lang="ko-KR" altLang="ko-KR" sz="1400" b="1" i="0" u="none" strike="noStrike" cap="none" normalizeH="0" baseline="0" dirty="0" smtClean="0">
+              <a:rPr kumimoji="0" lang="ko-KR" altLang="ko-KR" sz="1600" b="0" i="0" u="none" strike="noStrike" cap="none" normalizeH="0" baseline="0" dirty="0" err="1" smtClean="0">
                 <a:ln>
                   <a:noFill/>
                 </a:ln>
                 <a:solidFill>
-                  <a:srgbClr val="660E7A"/>
+                  <a:srgbClr val="000000"/>
                 </a:solidFill>
                 <a:effectLst/>
                 <a:latin typeface="Consolas" panose="020B0609020204030204" pitchFamily="49" charset="0"/>
                 <a:ea typeface="D2Coding" panose="020B0609020101020101" pitchFamily="49" charset="-127"/>
               </a:rPr>
-              <a:t>file </a:t>
-            </a:r>
-            <a:r>
-              <a:rPr kumimoji="0" lang="ko-KR" altLang="ko-KR" sz="1400" b="0" i="0" u="none" strike="noStrike" cap="none" normalizeH="0" baseline="0" dirty="0" smtClean="0">
+              <a:t>getPackageManager</a:t>
+            </a:r>
+            <a:r>
+              <a:rPr kumimoji="0" lang="ko-KR" altLang="ko-KR" sz="1600" b="0" i="0" u="none" strike="noStrike" cap="none" normalizeH="0" baseline="0" dirty="0" smtClean="0">
                 <a:ln>
                   <a:noFill/>
                 </a:ln>
@@ -29783,10 +30899,10 @@
                 <a:latin typeface="Consolas" panose="020B0609020204030204" pitchFamily="49" charset="0"/>
                 <a:ea typeface="D2Coding" panose="020B0609020101020101" pitchFamily="49" charset="-127"/>
               </a:rPr>
-              <a:t>== </a:t>
-            </a:r>
-            <a:r>
-              <a:rPr kumimoji="0" lang="ko-KR" altLang="ko-KR" sz="1400" b="1" i="0" u="none" strike="noStrike" cap="none" normalizeH="0" baseline="0" dirty="0" err="1" smtClean="0">
+              <a:t>()) != </a:t>
+            </a:r>
+            <a:r>
+              <a:rPr kumimoji="0" lang="ko-KR" altLang="ko-KR" sz="1600" b="1" i="0" u="none" strike="noStrike" cap="none" normalizeH="0" baseline="0" dirty="0" err="1" smtClean="0">
                 <a:ln>
                   <a:noFill/>
                 </a:ln>
@@ -29800,7 +30916,7 @@
               <a:t>null</a:t>
             </a:r>
             <a:r>
-              <a:rPr kumimoji="0" lang="ko-KR" altLang="ko-KR" sz="1400" b="0" i="0" u="none" strike="noStrike" cap="none" normalizeH="0" baseline="0" dirty="0" smtClean="0">
+              <a:rPr kumimoji="0" lang="ko-KR" altLang="ko-KR" sz="1600" b="0" i="0" u="none" strike="noStrike" cap="none" normalizeH="0" baseline="0" dirty="0" smtClean="0">
                 <a:ln>
                   <a:noFill/>
                 </a:ln>
@@ -29814,7 +30930,7 @@
               <a:t>) {</a:t>
             </a:r>
             <a:br>
-              <a:rPr kumimoji="0" lang="ko-KR" altLang="ko-KR" sz="1400" b="0" i="0" u="none" strike="noStrike" cap="none" normalizeH="0" baseline="0" dirty="0" smtClean="0">
+              <a:rPr kumimoji="0" lang="ko-KR" altLang="ko-KR" sz="1600" b="0" i="0" u="none" strike="noStrike" cap="none" normalizeH="0" baseline="0" dirty="0" smtClean="0">
                 <a:ln>
                   <a:noFill/>
                 </a:ln>
@@ -29827,7 +30943,7 @@
               </a:rPr>
             </a:br>
             <a:r>
-              <a:rPr kumimoji="0" lang="ko-KR" altLang="ko-KR" sz="1400" b="0" i="0" u="none" strike="noStrike" cap="none" normalizeH="0" baseline="0" dirty="0" smtClean="0">
+              <a:rPr kumimoji="0" lang="ko-KR" altLang="ko-KR" sz="1600" b="0" i="0" u="none" strike="noStrike" cap="none" normalizeH="0" baseline="0" dirty="0" smtClean="0">
                 <a:ln>
                   <a:noFill/>
                 </a:ln>
@@ -29838,24 +30954,24 @@
                 <a:latin typeface="Consolas" panose="020B0609020204030204" pitchFamily="49" charset="0"/>
                 <a:ea typeface="D2Coding" panose="020B0609020101020101" pitchFamily="49" charset="-127"/>
               </a:rPr>
-              <a:t>            </a:t>
-            </a:r>
-            <a:r>
-              <a:rPr kumimoji="0" lang="ko-KR" altLang="ko-KR" sz="1400" b="1" i="0" u="none" strike="noStrike" cap="none" normalizeH="0" baseline="0" dirty="0" smtClean="0">
+              <a:t>            startActivityForResult(</a:t>
+            </a:r>
+            <a:r>
+              <a:rPr kumimoji="0" lang="ko-KR" altLang="ko-KR" sz="1600" b="0" i="0" u="none" strike="noStrike" cap="none" normalizeH="0" baseline="0" dirty="0" err="1" smtClean="0">
                 <a:ln>
                   <a:noFill/>
                 </a:ln>
                 <a:solidFill>
-                  <a:srgbClr val="660E7A"/>
+                  <a:srgbClr val="000000"/>
                 </a:solidFill>
                 <a:effectLst/>
                 <a:latin typeface="Consolas" panose="020B0609020204030204" pitchFamily="49" charset="0"/>
                 <a:ea typeface="D2Coding" panose="020B0609020101020101" pitchFamily="49" charset="-127"/>
               </a:rPr>
-              <a:t>file </a:t>
-            </a:r>
-            <a:r>
-              <a:rPr kumimoji="0" lang="ko-KR" altLang="ko-KR" sz="1400" b="0" i="0" u="none" strike="noStrike" cap="none" normalizeH="0" baseline="0" dirty="0" smtClean="0">
+              <a:t>intent</a:t>
+            </a:r>
+            <a:r>
+              <a:rPr kumimoji="0" lang="ko-KR" altLang="ko-KR" sz="1600" b="0" i="0" u="none" strike="noStrike" cap="none" normalizeH="0" baseline="0" dirty="0" smtClean="0">
                 <a:ln>
                   <a:noFill/>
                 </a:ln>
@@ -29866,24 +30982,24 @@
                 <a:latin typeface="Consolas" panose="020B0609020204030204" pitchFamily="49" charset="0"/>
                 <a:ea typeface="D2Coding" panose="020B0609020101020101" pitchFamily="49" charset="-127"/>
               </a:rPr>
-              <a:t>= </a:t>
-            </a:r>
-            <a:r>
-              <a:rPr kumimoji="0" lang="ko-KR" altLang="ko-KR" sz="1400" b="0" i="0" u="none" strike="noStrike" cap="none" normalizeH="0" baseline="0" dirty="0" err="1" smtClean="0">
+              <a:t>, </a:t>
+            </a:r>
+            <a:r>
+              <a:rPr kumimoji="0" lang="ko-KR" altLang="ko-KR" sz="1600" b="0" i="0" u="none" strike="noStrike" cap="none" normalizeH="0" baseline="0" dirty="0" smtClean="0">
                 <a:ln>
                   <a:noFill/>
                 </a:ln>
                 <a:solidFill>
-                  <a:srgbClr val="000000"/>
+                  <a:srgbClr val="0000FF"/>
                 </a:solidFill>
                 <a:effectLst/>
                 <a:latin typeface="Consolas" panose="020B0609020204030204" pitchFamily="49" charset="0"/>
                 <a:ea typeface="D2Coding" panose="020B0609020101020101" pitchFamily="49" charset="-127"/>
               </a:rPr>
-              <a:t>createFile</a:t>
-            </a:r>
-            <a:r>
-              <a:rPr kumimoji="0" lang="ko-KR" altLang="ko-KR" sz="1400" b="0" i="0" u="none" strike="noStrike" cap="none" normalizeH="0" baseline="0" dirty="0" smtClean="0">
+              <a:t>101</a:t>
+            </a:r>
+            <a:r>
+              <a:rPr kumimoji="0" lang="ko-KR" altLang="ko-KR" sz="1600" b="0" i="0" u="none" strike="noStrike" cap="none" normalizeH="0" baseline="0" dirty="0" smtClean="0">
                 <a:ln>
                   <a:noFill/>
                 </a:ln>
@@ -29894,10 +31010,10 @@
                 <a:latin typeface="Consolas" panose="020B0609020204030204" pitchFamily="49" charset="0"/>
                 <a:ea typeface="D2Coding" panose="020B0609020101020101" pitchFamily="49" charset="-127"/>
               </a:rPr>
-              <a:t>();</a:t>
+              <a:t>);</a:t>
             </a:r>
             <a:br>
-              <a:rPr kumimoji="0" lang="ko-KR" altLang="ko-KR" sz="1400" b="0" i="0" u="none" strike="noStrike" cap="none" normalizeH="0" baseline="0" dirty="0" smtClean="0">
+              <a:rPr kumimoji="0" lang="ko-KR" altLang="ko-KR" sz="1600" b="0" i="0" u="none" strike="noStrike" cap="none" normalizeH="0" baseline="0" dirty="0" smtClean="0">
                 <a:ln>
                   <a:noFill/>
                 </a:ln>
@@ -29910,7 +31026,7 @@
               </a:rPr>
             </a:br>
             <a:r>
-              <a:rPr kumimoji="0" lang="ko-KR" altLang="ko-KR" sz="1400" b="0" i="0" u="none" strike="noStrike" cap="none" normalizeH="0" baseline="0" dirty="0" smtClean="0">
+              <a:rPr kumimoji="0" lang="ko-KR" altLang="ko-KR" sz="1600" b="0" i="0" u="none" strike="noStrike" cap="none" normalizeH="0" baseline="0" dirty="0" smtClean="0">
                 <a:ln>
                   <a:noFill/>
                 </a:ln>
@@ -29924,7 +31040,7 @@
               <a:t>        }</a:t>
             </a:r>
             <a:br>
-              <a:rPr kumimoji="0" lang="ko-KR" altLang="ko-KR" sz="1400" b="0" i="0" u="none" strike="noStrike" cap="none" normalizeH="0" baseline="0" dirty="0" smtClean="0">
+              <a:rPr kumimoji="0" lang="ko-KR" altLang="ko-KR" sz="1600" b="0" i="0" u="none" strike="noStrike" cap="none" normalizeH="0" baseline="0" dirty="0" smtClean="0">
                 <a:ln>
                   <a:noFill/>
                 </a:ln>
@@ -29937,7 +31053,7 @@
               </a:rPr>
             </a:br>
             <a:r>
-              <a:rPr kumimoji="0" lang="ko-KR" altLang="ko-KR" sz="1400" b="0" i="0" u="none" strike="noStrike" cap="none" normalizeH="0" baseline="0" dirty="0" smtClean="0">
+              <a:rPr kumimoji="0" lang="ko-KR" altLang="ko-KR" sz="1600" b="0" i="0" u="none" strike="noStrike" cap="none" normalizeH="0" baseline="0" dirty="0" smtClean="0">
                 <a:ln>
                   <a:noFill/>
                 </a:ln>
@@ -29948,10 +31064,10 @@
                 <a:latin typeface="Consolas" panose="020B0609020204030204" pitchFamily="49" charset="0"/>
                 <a:ea typeface="D2Coding" panose="020B0609020101020101" pitchFamily="49" charset="-127"/>
               </a:rPr>
-              <a:t/>
+              <a:t>    }</a:t>
             </a:r>
             <a:br>
-              <a:rPr kumimoji="0" lang="ko-KR" altLang="ko-KR" sz="1400" b="0" i="0" u="none" strike="noStrike" cap="none" normalizeH="0" baseline="0" dirty="0" smtClean="0">
+              <a:rPr kumimoji="0" lang="ko-KR" altLang="ko-KR" sz="1600" b="0" i="0" u="none" strike="noStrike" cap="none" normalizeH="0" baseline="0" dirty="0" smtClean="0">
                 <a:ln>
                   <a:noFill/>
                 </a:ln>
@@ -29964,7 +31080,7 @@
               </a:rPr>
             </a:br>
             <a:r>
-              <a:rPr kumimoji="0" lang="ko-KR" altLang="ko-KR" sz="1400" b="0" i="0" u="none" strike="noStrike" cap="none" normalizeH="0" baseline="0" dirty="0" smtClean="0">
+              <a:rPr kumimoji="0" lang="ko-KR" altLang="ko-KR" sz="1600" b="0" i="0" u="none" strike="noStrike" cap="none" normalizeH="0" baseline="0" dirty="0" smtClean="0">
                 <a:ln>
                   <a:noFill/>
                 </a:ln>
@@ -29975,1323 +31091,9 @@
                 <a:latin typeface="Consolas" panose="020B0609020204030204" pitchFamily="49" charset="0"/>
                 <a:ea typeface="D2Coding" panose="020B0609020101020101" pitchFamily="49" charset="-127"/>
               </a:rPr>
-              <a:t>        </a:t>
-            </a:r>
-            <a:r>
-              <a:rPr kumimoji="0" lang="ko-KR" altLang="ko-KR" sz="1400" b="0" i="0" u="none" strike="noStrike" cap="none" normalizeH="0" baseline="0" dirty="0" err="1" smtClean="0">
-                <a:ln>
-                  <a:noFill/>
-                </a:ln>
-                <a:solidFill>
-                  <a:srgbClr val="000000"/>
-                </a:solidFill>
-                <a:effectLst/>
-                <a:latin typeface="Consolas" panose="020B0609020204030204" pitchFamily="49" charset="0"/>
-                <a:ea typeface="D2Coding" panose="020B0609020101020101" pitchFamily="49" charset="-127"/>
-              </a:rPr>
-              <a:t>Uri</a:t>
-            </a:r>
-            <a:r>
-              <a:rPr kumimoji="0" lang="ko-KR" altLang="ko-KR" sz="1400" b="0" i="0" u="none" strike="noStrike" cap="none" normalizeH="0" baseline="0" dirty="0" smtClean="0">
-                <a:ln>
-                  <a:noFill/>
-                </a:ln>
-                <a:solidFill>
-                  <a:srgbClr val="000000"/>
-                </a:solidFill>
-                <a:effectLst/>
-                <a:latin typeface="Consolas" panose="020B0609020204030204" pitchFamily="49" charset="0"/>
-                <a:ea typeface="D2Coding" panose="020B0609020101020101" pitchFamily="49" charset="-127"/>
-              </a:rPr>
-              <a:t> fileUri = </a:t>
-            </a:r>
-            <a:r>
-              <a:rPr kumimoji="0" lang="ko-KR" altLang="ko-KR" sz="1400" b="0" i="0" u="none" strike="noStrike" cap="none" normalizeH="0" baseline="0" dirty="0" err="1" smtClean="0">
-                <a:ln>
-                  <a:noFill/>
-                </a:ln>
-                <a:solidFill>
-                  <a:srgbClr val="000000"/>
-                </a:solidFill>
-                <a:effectLst/>
-                <a:latin typeface="Consolas" panose="020B0609020204030204" pitchFamily="49" charset="0"/>
-                <a:ea typeface="D2Coding" panose="020B0609020101020101" pitchFamily="49" charset="-127"/>
-              </a:rPr>
-              <a:t>FileProvider.</a:t>
-            </a:r>
-            <a:r>
-              <a:rPr kumimoji="0" lang="ko-KR" altLang="ko-KR" sz="1400" b="0" i="1" u="none" strike="noStrike" cap="none" normalizeH="0" baseline="0" dirty="0" err="1" smtClean="0">
-                <a:ln>
-                  <a:noFill/>
-                </a:ln>
-                <a:solidFill>
-                  <a:srgbClr val="000000"/>
-                </a:solidFill>
-                <a:effectLst/>
-                <a:latin typeface="Consolas" panose="020B0609020204030204" pitchFamily="49" charset="0"/>
-                <a:ea typeface="D2Coding" panose="020B0609020101020101" pitchFamily="49" charset="-127"/>
-              </a:rPr>
-              <a:t>getUriForFile</a:t>
-            </a:r>
-            <a:r>
-              <a:rPr kumimoji="0" lang="ko-KR" altLang="ko-KR" sz="1400" b="0" i="0" u="none" strike="noStrike" cap="none" normalizeH="0" baseline="0" dirty="0" smtClean="0">
-                <a:ln>
-                  <a:noFill/>
-                </a:ln>
-                <a:solidFill>
-                  <a:srgbClr val="000000"/>
-                </a:solidFill>
-                <a:effectLst/>
-                <a:latin typeface="Consolas" panose="020B0609020204030204" pitchFamily="49" charset="0"/>
-                <a:ea typeface="D2Coding" panose="020B0609020101020101" pitchFamily="49" charset="-127"/>
-              </a:rPr>
-              <a:t>(</a:t>
-            </a:r>
-            <a:r>
-              <a:rPr kumimoji="0" lang="ko-KR" altLang="ko-KR" sz="1400" b="1" i="0" u="none" strike="noStrike" cap="none" normalizeH="0" baseline="0" dirty="0" err="1" smtClean="0">
-                <a:ln>
-                  <a:noFill/>
-                </a:ln>
-                <a:solidFill>
-                  <a:srgbClr val="000080"/>
-                </a:solidFill>
-                <a:effectLst/>
-                <a:latin typeface="Consolas" panose="020B0609020204030204" pitchFamily="49" charset="0"/>
-                <a:ea typeface="D2Coding" panose="020B0609020101020101" pitchFamily="49" charset="-127"/>
-              </a:rPr>
-              <a:t>this</a:t>
-            </a:r>
-            <a:r>
-              <a:rPr kumimoji="0" lang="ko-KR" altLang="ko-KR" sz="1400" b="0" i="0" u="none" strike="noStrike" cap="none" normalizeH="0" baseline="0" dirty="0" smtClean="0">
-                <a:ln>
-                  <a:noFill/>
-                </a:ln>
-                <a:solidFill>
-                  <a:srgbClr val="000000"/>
-                </a:solidFill>
-                <a:effectLst/>
-                <a:latin typeface="Consolas" panose="020B0609020204030204" pitchFamily="49" charset="0"/>
-                <a:ea typeface="D2Coding" panose="020B0609020101020101" pitchFamily="49" charset="-127"/>
-              </a:rPr>
-              <a:t>,</a:t>
-            </a:r>
-            <a:r>
-              <a:rPr kumimoji="0" lang="ko-KR" altLang="ko-KR" sz="1400" b="1" i="0" u="none" strike="noStrike" cap="none" normalizeH="0" baseline="0" dirty="0" smtClean="0">
-                <a:ln>
-                  <a:noFill/>
-                </a:ln>
-                <a:solidFill>
-                  <a:srgbClr val="008000"/>
-                </a:solidFill>
-                <a:effectLst/>
-                <a:latin typeface="Consolas" panose="020B0609020204030204" pitchFamily="49" charset="0"/>
-                <a:ea typeface="D2Coding" panose="020B0609020101020101" pitchFamily="49" charset="-127"/>
-              </a:rPr>
-              <a:t>"</a:t>
-            </a:r>
-            <a:r>
-              <a:rPr kumimoji="0" lang="ko-KR" altLang="ko-KR" sz="1400" b="1" i="0" u="none" strike="noStrike" cap="none" normalizeH="0" baseline="0" dirty="0" err="1" smtClean="0">
-                <a:ln>
-                  <a:noFill/>
-                </a:ln>
-                <a:solidFill>
-                  <a:srgbClr val="008000"/>
-                </a:solidFill>
-                <a:effectLst/>
-                <a:latin typeface="Consolas" panose="020B0609020204030204" pitchFamily="49" charset="0"/>
-                <a:ea typeface="D2Coding" panose="020B0609020101020101" pitchFamily="49" charset="-127"/>
-              </a:rPr>
-              <a:t>com.example.camera.intent.fileprovider</a:t>
-            </a:r>
-            <a:r>
-              <a:rPr kumimoji="0" lang="ko-KR" altLang="ko-KR" sz="1400" b="1" i="0" u="none" strike="noStrike" cap="none" normalizeH="0" baseline="0" dirty="0" smtClean="0">
-                <a:ln>
-                  <a:noFill/>
-                </a:ln>
-                <a:solidFill>
-                  <a:srgbClr val="008000"/>
-                </a:solidFill>
-                <a:effectLst/>
-                <a:latin typeface="Consolas" panose="020B0609020204030204" pitchFamily="49" charset="0"/>
-                <a:ea typeface="D2Coding" panose="020B0609020101020101" pitchFamily="49" charset="-127"/>
-              </a:rPr>
-              <a:t>"</a:t>
-            </a:r>
-            <a:r>
-              <a:rPr kumimoji="0" lang="ko-KR" altLang="ko-KR" sz="1400" b="0" i="0" u="none" strike="noStrike" cap="none" normalizeH="0" baseline="0" dirty="0" smtClean="0">
-                <a:ln>
-                  <a:noFill/>
-                </a:ln>
-                <a:solidFill>
-                  <a:srgbClr val="000000"/>
-                </a:solidFill>
-                <a:effectLst/>
-                <a:latin typeface="Consolas" panose="020B0609020204030204" pitchFamily="49" charset="0"/>
-                <a:ea typeface="D2Coding" panose="020B0609020101020101" pitchFamily="49" charset="-127"/>
-              </a:rPr>
-              <a:t>, </a:t>
-            </a:r>
-            <a:r>
-              <a:rPr kumimoji="0" lang="ko-KR" altLang="ko-KR" sz="1400" b="1" i="0" u="none" strike="noStrike" cap="none" normalizeH="0" baseline="0" dirty="0" smtClean="0">
-                <a:ln>
-                  <a:noFill/>
-                </a:ln>
-                <a:solidFill>
-                  <a:srgbClr val="660E7A"/>
-                </a:solidFill>
-                <a:effectLst/>
-                <a:latin typeface="Consolas" panose="020B0609020204030204" pitchFamily="49" charset="0"/>
-                <a:ea typeface="D2Coding" panose="020B0609020101020101" pitchFamily="49" charset="-127"/>
-              </a:rPr>
-              <a:t>file</a:t>
-            </a:r>
-            <a:r>
-              <a:rPr kumimoji="0" lang="ko-KR" altLang="ko-KR" sz="1400" b="0" i="0" u="none" strike="noStrike" cap="none" normalizeH="0" baseline="0" dirty="0" smtClean="0">
-                <a:ln>
-                  <a:noFill/>
-                </a:ln>
-                <a:solidFill>
-                  <a:srgbClr val="000000"/>
-                </a:solidFill>
-                <a:effectLst/>
-                <a:latin typeface="Consolas" panose="020B0609020204030204" pitchFamily="49" charset="0"/>
-                <a:ea typeface="D2Coding" panose="020B0609020101020101" pitchFamily="49" charset="-127"/>
-              </a:rPr>
-              <a:t>);</a:t>
-            </a:r>
-            <a:br>
-              <a:rPr kumimoji="0" lang="ko-KR" altLang="ko-KR" sz="1400" b="0" i="0" u="none" strike="noStrike" cap="none" normalizeH="0" baseline="0" dirty="0" smtClean="0">
-                <a:ln>
-                  <a:noFill/>
-                </a:ln>
-                <a:solidFill>
-                  <a:srgbClr val="000000"/>
-                </a:solidFill>
-                <a:effectLst/>
-                <a:latin typeface="Consolas" panose="020B0609020204030204" pitchFamily="49" charset="0"/>
-                <a:ea typeface="D2Coding" panose="020B0609020101020101" pitchFamily="49" charset="-127"/>
-              </a:rPr>
-            </a:br>
-            <a:r>
-              <a:rPr kumimoji="0" lang="ko-KR" altLang="ko-KR" sz="1400" b="0" i="0" u="none" strike="noStrike" cap="none" normalizeH="0" baseline="0" dirty="0" smtClean="0">
-                <a:ln>
-                  <a:noFill/>
-                </a:ln>
-                <a:solidFill>
-                  <a:srgbClr val="000000"/>
-                </a:solidFill>
-                <a:effectLst/>
-                <a:latin typeface="Consolas" panose="020B0609020204030204" pitchFamily="49" charset="0"/>
-                <a:ea typeface="D2Coding" panose="020B0609020101020101" pitchFamily="49" charset="-127"/>
-              </a:rPr>
-              <a:t>        Intent </a:t>
-            </a:r>
-            <a:r>
-              <a:rPr kumimoji="0" lang="ko-KR" altLang="ko-KR" sz="1400" b="0" i="0" u="none" strike="noStrike" cap="none" normalizeH="0" baseline="0" dirty="0" err="1" smtClean="0">
-                <a:ln>
-                  <a:noFill/>
-                </a:ln>
-                <a:solidFill>
-                  <a:srgbClr val="000000"/>
-                </a:solidFill>
-                <a:effectLst/>
-                <a:latin typeface="Consolas" panose="020B0609020204030204" pitchFamily="49" charset="0"/>
-                <a:ea typeface="D2Coding" panose="020B0609020101020101" pitchFamily="49" charset="-127"/>
-              </a:rPr>
-              <a:t>intent</a:t>
-            </a:r>
-            <a:r>
-              <a:rPr kumimoji="0" lang="ko-KR" altLang="ko-KR" sz="1400" b="0" i="0" u="none" strike="noStrike" cap="none" normalizeH="0" baseline="0" dirty="0" smtClean="0">
-                <a:ln>
-                  <a:noFill/>
-                </a:ln>
-                <a:solidFill>
-                  <a:srgbClr val="000000"/>
-                </a:solidFill>
-                <a:effectLst/>
-                <a:latin typeface="Consolas" panose="020B0609020204030204" pitchFamily="49" charset="0"/>
-                <a:ea typeface="D2Coding" panose="020B0609020101020101" pitchFamily="49" charset="-127"/>
-              </a:rPr>
-              <a:t> = </a:t>
-            </a:r>
-            <a:r>
-              <a:rPr kumimoji="0" lang="ko-KR" altLang="ko-KR" sz="1400" b="1" i="0" u="none" strike="noStrike" cap="none" normalizeH="0" baseline="0" dirty="0" smtClean="0">
-                <a:ln>
-                  <a:noFill/>
-                </a:ln>
-                <a:solidFill>
-                  <a:srgbClr val="000080"/>
-                </a:solidFill>
-                <a:effectLst/>
-                <a:latin typeface="Consolas" panose="020B0609020204030204" pitchFamily="49" charset="0"/>
-                <a:ea typeface="D2Coding" panose="020B0609020101020101" pitchFamily="49" charset="-127"/>
-              </a:rPr>
-              <a:t>new </a:t>
-            </a:r>
-            <a:r>
-              <a:rPr kumimoji="0" lang="ko-KR" altLang="ko-KR" sz="1400" b="0" i="0" u="none" strike="noStrike" cap="none" normalizeH="0" baseline="0" dirty="0" smtClean="0">
-                <a:ln>
-                  <a:noFill/>
-                </a:ln>
-                <a:solidFill>
-                  <a:srgbClr val="000000"/>
-                </a:solidFill>
-                <a:effectLst/>
-                <a:latin typeface="Consolas" panose="020B0609020204030204" pitchFamily="49" charset="0"/>
-                <a:ea typeface="D2Coding" panose="020B0609020101020101" pitchFamily="49" charset="-127"/>
-              </a:rPr>
-              <a:t>Intent(</a:t>
-            </a:r>
-            <a:r>
-              <a:rPr kumimoji="0" lang="ko-KR" altLang="ko-KR" sz="1400" b="0" i="0" u="none" strike="noStrike" cap="none" normalizeH="0" baseline="0" dirty="0" err="1" smtClean="0">
-                <a:ln>
-                  <a:noFill/>
-                </a:ln>
-                <a:solidFill>
-                  <a:srgbClr val="000000"/>
-                </a:solidFill>
-                <a:effectLst/>
-                <a:latin typeface="Consolas" panose="020B0609020204030204" pitchFamily="49" charset="0"/>
-                <a:ea typeface="D2Coding" panose="020B0609020101020101" pitchFamily="49" charset="-127"/>
-              </a:rPr>
-              <a:t>MediaStore.</a:t>
-            </a:r>
-            <a:r>
-              <a:rPr kumimoji="0" lang="ko-KR" altLang="ko-KR" sz="1400" b="1" i="1" u="none" strike="noStrike" cap="none" normalizeH="0" baseline="0" dirty="0" err="1" smtClean="0">
-                <a:ln>
-                  <a:noFill/>
-                </a:ln>
-                <a:solidFill>
-                  <a:srgbClr val="660E7A"/>
-                </a:solidFill>
-                <a:effectLst/>
-                <a:latin typeface="Consolas" panose="020B0609020204030204" pitchFamily="49" charset="0"/>
-                <a:ea typeface="D2Coding" panose="020B0609020101020101" pitchFamily="49" charset="-127"/>
-              </a:rPr>
-              <a:t>ACTION_IMAGE_CAPTURE</a:t>
-            </a:r>
-            <a:r>
-              <a:rPr kumimoji="0" lang="ko-KR" altLang="ko-KR" sz="1400" b="0" i="0" u="none" strike="noStrike" cap="none" normalizeH="0" baseline="0" dirty="0" smtClean="0">
-                <a:ln>
-                  <a:noFill/>
-                </a:ln>
-                <a:solidFill>
-                  <a:srgbClr val="000000"/>
-                </a:solidFill>
-                <a:effectLst/>
-                <a:latin typeface="Consolas" panose="020B0609020204030204" pitchFamily="49" charset="0"/>
-                <a:ea typeface="D2Coding" panose="020B0609020101020101" pitchFamily="49" charset="-127"/>
-              </a:rPr>
-              <a:t>);</a:t>
-            </a:r>
-            <a:br>
-              <a:rPr kumimoji="0" lang="ko-KR" altLang="ko-KR" sz="1400" b="0" i="0" u="none" strike="noStrike" cap="none" normalizeH="0" baseline="0" dirty="0" smtClean="0">
-                <a:ln>
-                  <a:noFill/>
-                </a:ln>
-                <a:solidFill>
-                  <a:srgbClr val="000000"/>
-                </a:solidFill>
-                <a:effectLst/>
-                <a:latin typeface="Consolas" panose="020B0609020204030204" pitchFamily="49" charset="0"/>
-                <a:ea typeface="D2Coding" panose="020B0609020101020101" pitchFamily="49" charset="-127"/>
-              </a:rPr>
-            </a:br>
-            <a:r>
-              <a:rPr kumimoji="0" lang="ko-KR" altLang="ko-KR" sz="1400" b="0" i="0" u="none" strike="noStrike" cap="none" normalizeH="0" baseline="0" dirty="0" smtClean="0">
-                <a:ln>
-                  <a:noFill/>
-                </a:ln>
-                <a:solidFill>
-                  <a:srgbClr val="000000"/>
-                </a:solidFill>
-                <a:effectLst/>
-                <a:latin typeface="Consolas" panose="020B0609020204030204" pitchFamily="49" charset="0"/>
-                <a:ea typeface="D2Coding" panose="020B0609020101020101" pitchFamily="49" charset="-127"/>
-              </a:rPr>
-              <a:t>        intent.addFlags(Intent.</a:t>
-            </a:r>
-            <a:r>
-              <a:rPr kumimoji="0" lang="ko-KR" altLang="ko-KR" sz="1400" b="1" i="1" u="none" strike="noStrike" cap="none" normalizeH="0" baseline="0" dirty="0" smtClean="0">
-                <a:ln>
-                  <a:noFill/>
-                </a:ln>
-                <a:solidFill>
-                  <a:srgbClr val="660E7A"/>
-                </a:solidFill>
-                <a:effectLst/>
-                <a:latin typeface="Consolas" panose="020B0609020204030204" pitchFamily="49" charset="0"/>
-                <a:ea typeface="D2Coding" panose="020B0609020101020101" pitchFamily="49" charset="-127"/>
-              </a:rPr>
-              <a:t>FLAG_GRANT_READ_URI_PERMISSION</a:t>
-            </a:r>
-            <a:r>
-              <a:rPr kumimoji="0" lang="ko-KR" altLang="ko-KR" sz="1400" b="0" i="0" u="none" strike="noStrike" cap="none" normalizeH="0" baseline="0" dirty="0" smtClean="0">
-                <a:ln>
-                  <a:noFill/>
-                </a:ln>
-                <a:solidFill>
-                  <a:srgbClr val="000000"/>
-                </a:solidFill>
-                <a:effectLst/>
-                <a:latin typeface="Consolas" panose="020B0609020204030204" pitchFamily="49" charset="0"/>
-                <a:ea typeface="D2Coding" panose="020B0609020101020101" pitchFamily="49" charset="-127"/>
-              </a:rPr>
-              <a:t>|Intent.</a:t>
-            </a:r>
-            <a:r>
-              <a:rPr kumimoji="0" lang="ko-KR" altLang="ko-KR" sz="1400" b="1" i="1" u="none" strike="noStrike" cap="none" normalizeH="0" baseline="0" dirty="0" smtClean="0">
-                <a:ln>
-                  <a:noFill/>
-                </a:ln>
-                <a:solidFill>
-                  <a:srgbClr val="660E7A"/>
-                </a:solidFill>
-                <a:effectLst/>
-                <a:latin typeface="Consolas" panose="020B0609020204030204" pitchFamily="49" charset="0"/>
-                <a:ea typeface="D2Coding" panose="020B0609020101020101" pitchFamily="49" charset="-127"/>
-              </a:rPr>
-              <a:t>FLAG_GRANT_WRITE_URI_PERMISSION</a:t>
-            </a:r>
-            <a:r>
-              <a:rPr kumimoji="0" lang="ko-KR" altLang="ko-KR" sz="1400" b="0" i="0" u="none" strike="noStrike" cap="none" normalizeH="0" baseline="0" dirty="0" smtClean="0">
-                <a:ln>
-                  <a:noFill/>
-                </a:ln>
-                <a:solidFill>
-                  <a:srgbClr val="000000"/>
-                </a:solidFill>
-                <a:effectLst/>
-                <a:latin typeface="Consolas" panose="020B0609020204030204" pitchFamily="49" charset="0"/>
-                <a:ea typeface="D2Coding" panose="020B0609020101020101" pitchFamily="49" charset="-127"/>
-              </a:rPr>
-              <a:t>);</a:t>
-            </a:r>
-            <a:br>
-              <a:rPr kumimoji="0" lang="ko-KR" altLang="ko-KR" sz="1400" b="0" i="0" u="none" strike="noStrike" cap="none" normalizeH="0" baseline="0" dirty="0" smtClean="0">
-                <a:ln>
-                  <a:noFill/>
-                </a:ln>
-                <a:solidFill>
-                  <a:srgbClr val="000000"/>
-                </a:solidFill>
-                <a:effectLst/>
-                <a:latin typeface="Consolas" panose="020B0609020204030204" pitchFamily="49" charset="0"/>
-                <a:ea typeface="D2Coding" panose="020B0609020101020101" pitchFamily="49" charset="-127"/>
-              </a:rPr>
-            </a:br>
-            <a:r>
-              <a:rPr kumimoji="0" lang="ko-KR" altLang="ko-KR" sz="1400" b="0" i="0" u="none" strike="noStrike" cap="none" normalizeH="0" baseline="0" dirty="0" smtClean="0">
-                <a:ln>
-                  <a:noFill/>
-                </a:ln>
-                <a:solidFill>
-                  <a:srgbClr val="000000"/>
-                </a:solidFill>
-                <a:effectLst/>
-                <a:latin typeface="Consolas" panose="020B0609020204030204" pitchFamily="49" charset="0"/>
-                <a:ea typeface="D2Coding" panose="020B0609020101020101" pitchFamily="49" charset="-127"/>
-              </a:rPr>
-              <a:t>        intent.putExtra(</a:t>
-            </a:r>
-            <a:r>
-              <a:rPr kumimoji="0" lang="ko-KR" altLang="ko-KR" sz="1400" b="0" i="0" u="none" strike="noStrike" cap="none" normalizeH="0" baseline="0" dirty="0" err="1" smtClean="0">
-                <a:ln>
-                  <a:noFill/>
-                </a:ln>
-                <a:solidFill>
-                  <a:srgbClr val="000000"/>
-                </a:solidFill>
-                <a:effectLst/>
-                <a:latin typeface="Consolas" panose="020B0609020204030204" pitchFamily="49" charset="0"/>
-                <a:ea typeface="D2Coding" panose="020B0609020101020101" pitchFamily="49" charset="-127"/>
-              </a:rPr>
-              <a:t>MediaStore.</a:t>
-            </a:r>
-            <a:r>
-              <a:rPr kumimoji="0" lang="ko-KR" altLang="ko-KR" sz="1400" b="1" i="1" u="none" strike="noStrike" cap="none" normalizeH="0" baseline="0" dirty="0" err="1" smtClean="0">
-                <a:ln>
-                  <a:noFill/>
-                </a:ln>
-                <a:solidFill>
-                  <a:srgbClr val="660E7A"/>
-                </a:solidFill>
-                <a:effectLst/>
-                <a:latin typeface="Consolas" panose="020B0609020204030204" pitchFamily="49" charset="0"/>
-                <a:ea typeface="D2Coding" panose="020B0609020101020101" pitchFamily="49" charset="-127"/>
-              </a:rPr>
-              <a:t>EXTRA_OUTPUT</a:t>
-            </a:r>
-            <a:r>
-              <a:rPr kumimoji="0" lang="ko-KR" altLang="ko-KR" sz="1400" b="0" i="0" u="none" strike="noStrike" cap="none" normalizeH="0" baseline="0" dirty="0" smtClean="0">
-                <a:ln>
-                  <a:noFill/>
-                </a:ln>
-                <a:solidFill>
-                  <a:srgbClr val="000000"/>
-                </a:solidFill>
-                <a:effectLst/>
-                <a:latin typeface="Consolas" panose="020B0609020204030204" pitchFamily="49" charset="0"/>
-                <a:ea typeface="D2Coding" panose="020B0609020101020101" pitchFamily="49" charset="-127"/>
-              </a:rPr>
-              <a:t>, fileUri);</a:t>
-            </a:r>
-            <a:br>
-              <a:rPr kumimoji="0" lang="ko-KR" altLang="ko-KR" sz="1400" b="0" i="0" u="none" strike="noStrike" cap="none" normalizeH="0" baseline="0" dirty="0" smtClean="0">
-                <a:ln>
-                  <a:noFill/>
-                </a:ln>
-                <a:solidFill>
-                  <a:srgbClr val="000000"/>
-                </a:solidFill>
-                <a:effectLst/>
-                <a:latin typeface="Consolas" panose="020B0609020204030204" pitchFamily="49" charset="0"/>
-                <a:ea typeface="D2Coding" panose="020B0609020101020101" pitchFamily="49" charset="-127"/>
-              </a:rPr>
-            </a:br>
-            <a:r>
-              <a:rPr kumimoji="0" lang="ko-KR" altLang="ko-KR" sz="1400" b="0" i="0" u="none" strike="noStrike" cap="none" normalizeH="0" baseline="0" dirty="0" smtClean="0">
-                <a:ln>
-                  <a:noFill/>
-                </a:ln>
-                <a:solidFill>
-                  <a:srgbClr val="000000"/>
-                </a:solidFill>
-                <a:effectLst/>
-                <a:latin typeface="Consolas" panose="020B0609020204030204" pitchFamily="49" charset="0"/>
-                <a:ea typeface="D2Coding" panose="020B0609020101020101" pitchFamily="49" charset="-127"/>
-              </a:rPr>
-              <a:t>        </a:t>
-            </a:r>
-            <a:r>
-              <a:rPr kumimoji="0" lang="ko-KR" altLang="ko-KR" sz="1400" b="1" i="0" u="none" strike="noStrike" cap="none" normalizeH="0" baseline="0" dirty="0" err="1" smtClean="0">
-                <a:ln>
-                  <a:noFill/>
-                </a:ln>
-                <a:solidFill>
-                  <a:srgbClr val="000080"/>
-                </a:solidFill>
-                <a:effectLst/>
-                <a:latin typeface="Consolas" panose="020B0609020204030204" pitchFamily="49" charset="0"/>
-                <a:ea typeface="D2Coding" panose="020B0609020101020101" pitchFamily="49" charset="-127"/>
-              </a:rPr>
-              <a:t>if</a:t>
-            </a:r>
-            <a:r>
-              <a:rPr kumimoji="0" lang="ko-KR" altLang="ko-KR" sz="1400" b="1" i="0" u="none" strike="noStrike" cap="none" normalizeH="0" baseline="0" dirty="0" smtClean="0">
-                <a:ln>
-                  <a:noFill/>
-                </a:ln>
-                <a:solidFill>
-                  <a:srgbClr val="000080"/>
-                </a:solidFill>
-                <a:effectLst/>
-                <a:latin typeface="Consolas" panose="020B0609020204030204" pitchFamily="49" charset="0"/>
-                <a:ea typeface="D2Coding" panose="020B0609020101020101" pitchFamily="49" charset="-127"/>
-              </a:rPr>
-              <a:t> </a:t>
-            </a:r>
-            <a:r>
-              <a:rPr kumimoji="0" lang="ko-KR" altLang="ko-KR" sz="1400" b="0" i="0" u="none" strike="noStrike" cap="none" normalizeH="0" baseline="0" dirty="0" smtClean="0">
-                <a:ln>
-                  <a:noFill/>
-                </a:ln>
-                <a:solidFill>
-                  <a:srgbClr val="000000"/>
-                </a:solidFill>
-                <a:effectLst/>
-                <a:latin typeface="Consolas" panose="020B0609020204030204" pitchFamily="49" charset="0"/>
-                <a:ea typeface="D2Coding" panose="020B0609020101020101" pitchFamily="49" charset="-127"/>
-              </a:rPr>
-              <a:t>(</a:t>
-            </a:r>
-            <a:r>
-              <a:rPr kumimoji="0" lang="ko-KR" altLang="ko-KR" sz="1400" b="0" i="0" u="none" strike="noStrike" cap="none" normalizeH="0" baseline="0" dirty="0" err="1" smtClean="0">
-                <a:ln>
-                  <a:noFill/>
-                </a:ln>
-                <a:solidFill>
-                  <a:srgbClr val="000000"/>
-                </a:solidFill>
-                <a:effectLst/>
-                <a:latin typeface="Consolas" panose="020B0609020204030204" pitchFamily="49" charset="0"/>
-                <a:ea typeface="D2Coding" panose="020B0609020101020101" pitchFamily="49" charset="-127"/>
-              </a:rPr>
-              <a:t>intent.resolveActivity</a:t>
-            </a:r>
-            <a:r>
-              <a:rPr kumimoji="0" lang="ko-KR" altLang="ko-KR" sz="1400" b="0" i="0" u="none" strike="noStrike" cap="none" normalizeH="0" baseline="0" dirty="0" smtClean="0">
-                <a:ln>
-                  <a:noFill/>
-                </a:ln>
-                <a:solidFill>
-                  <a:srgbClr val="000000"/>
-                </a:solidFill>
-                <a:effectLst/>
-                <a:latin typeface="Consolas" panose="020B0609020204030204" pitchFamily="49" charset="0"/>
-                <a:ea typeface="D2Coding" panose="020B0609020101020101" pitchFamily="49" charset="-127"/>
-              </a:rPr>
-              <a:t>(</a:t>
-            </a:r>
-            <a:r>
-              <a:rPr kumimoji="0" lang="ko-KR" altLang="ko-KR" sz="1400" b="0" i="0" u="none" strike="noStrike" cap="none" normalizeH="0" baseline="0" dirty="0" err="1" smtClean="0">
-                <a:ln>
-                  <a:noFill/>
-                </a:ln>
-                <a:solidFill>
-                  <a:srgbClr val="000000"/>
-                </a:solidFill>
-                <a:effectLst/>
-                <a:latin typeface="Consolas" panose="020B0609020204030204" pitchFamily="49" charset="0"/>
-                <a:ea typeface="D2Coding" panose="020B0609020101020101" pitchFamily="49" charset="-127"/>
-              </a:rPr>
-              <a:t>getPackageManager</a:t>
-            </a:r>
-            <a:r>
-              <a:rPr kumimoji="0" lang="ko-KR" altLang="ko-KR" sz="1400" b="0" i="0" u="none" strike="noStrike" cap="none" normalizeH="0" baseline="0" dirty="0" smtClean="0">
-                <a:ln>
-                  <a:noFill/>
-                </a:ln>
-                <a:solidFill>
-                  <a:srgbClr val="000000"/>
-                </a:solidFill>
-                <a:effectLst/>
-                <a:latin typeface="Consolas" panose="020B0609020204030204" pitchFamily="49" charset="0"/>
-                <a:ea typeface="D2Coding" panose="020B0609020101020101" pitchFamily="49" charset="-127"/>
-              </a:rPr>
-              <a:t>()) != </a:t>
-            </a:r>
-            <a:r>
-              <a:rPr kumimoji="0" lang="ko-KR" altLang="ko-KR" sz="1400" b="1" i="0" u="none" strike="noStrike" cap="none" normalizeH="0" baseline="0" dirty="0" err="1" smtClean="0">
-                <a:ln>
-                  <a:noFill/>
-                </a:ln>
-                <a:solidFill>
-                  <a:srgbClr val="000080"/>
-                </a:solidFill>
-                <a:effectLst/>
-                <a:latin typeface="Consolas" panose="020B0609020204030204" pitchFamily="49" charset="0"/>
-                <a:ea typeface="D2Coding" panose="020B0609020101020101" pitchFamily="49" charset="-127"/>
-              </a:rPr>
-              <a:t>null</a:t>
-            </a:r>
-            <a:r>
-              <a:rPr kumimoji="0" lang="ko-KR" altLang="ko-KR" sz="1400" b="0" i="0" u="none" strike="noStrike" cap="none" normalizeH="0" baseline="0" dirty="0" smtClean="0">
-                <a:ln>
-                  <a:noFill/>
-                </a:ln>
-                <a:solidFill>
-                  <a:srgbClr val="000000"/>
-                </a:solidFill>
-                <a:effectLst/>
-                <a:latin typeface="Consolas" panose="020B0609020204030204" pitchFamily="49" charset="0"/>
-                <a:ea typeface="D2Coding" panose="020B0609020101020101" pitchFamily="49" charset="-127"/>
-              </a:rPr>
-              <a:t>) {</a:t>
-            </a:r>
-            <a:br>
-              <a:rPr kumimoji="0" lang="ko-KR" altLang="ko-KR" sz="1400" b="0" i="0" u="none" strike="noStrike" cap="none" normalizeH="0" baseline="0" dirty="0" smtClean="0">
-                <a:ln>
-                  <a:noFill/>
-                </a:ln>
-                <a:solidFill>
-                  <a:srgbClr val="000000"/>
-                </a:solidFill>
-                <a:effectLst/>
-                <a:latin typeface="Consolas" panose="020B0609020204030204" pitchFamily="49" charset="0"/>
-                <a:ea typeface="D2Coding" panose="020B0609020101020101" pitchFamily="49" charset="-127"/>
-              </a:rPr>
-            </a:br>
-            <a:r>
-              <a:rPr kumimoji="0" lang="ko-KR" altLang="ko-KR" sz="1400" b="0" i="0" u="none" strike="noStrike" cap="none" normalizeH="0" baseline="0" dirty="0" smtClean="0">
-                <a:ln>
-                  <a:noFill/>
-                </a:ln>
-                <a:solidFill>
-                  <a:srgbClr val="000000"/>
-                </a:solidFill>
-                <a:effectLst/>
-                <a:latin typeface="Consolas" panose="020B0609020204030204" pitchFamily="49" charset="0"/>
-                <a:ea typeface="D2Coding" panose="020B0609020101020101" pitchFamily="49" charset="-127"/>
-              </a:rPr>
-              <a:t>            startActivityForResult(</a:t>
-            </a:r>
-            <a:r>
-              <a:rPr kumimoji="0" lang="ko-KR" altLang="ko-KR" sz="1400" b="0" i="0" u="none" strike="noStrike" cap="none" normalizeH="0" baseline="0" dirty="0" err="1" smtClean="0">
-                <a:ln>
-                  <a:noFill/>
-                </a:ln>
-                <a:solidFill>
-                  <a:srgbClr val="000000"/>
-                </a:solidFill>
-                <a:effectLst/>
-                <a:latin typeface="Consolas" panose="020B0609020204030204" pitchFamily="49" charset="0"/>
-                <a:ea typeface="D2Coding" panose="020B0609020101020101" pitchFamily="49" charset="-127"/>
-              </a:rPr>
-              <a:t>intent</a:t>
-            </a:r>
-            <a:r>
-              <a:rPr kumimoji="0" lang="ko-KR" altLang="ko-KR" sz="1400" b="0" i="0" u="none" strike="noStrike" cap="none" normalizeH="0" baseline="0" dirty="0" smtClean="0">
-                <a:ln>
-                  <a:noFill/>
-                </a:ln>
-                <a:solidFill>
-                  <a:srgbClr val="000000"/>
-                </a:solidFill>
-                <a:effectLst/>
-                <a:latin typeface="Consolas" panose="020B0609020204030204" pitchFamily="49" charset="0"/>
-                <a:ea typeface="D2Coding" panose="020B0609020101020101" pitchFamily="49" charset="-127"/>
-              </a:rPr>
-              <a:t>, </a:t>
-            </a:r>
-            <a:r>
-              <a:rPr kumimoji="0" lang="ko-KR" altLang="ko-KR" sz="1400" b="0" i="0" u="none" strike="noStrike" cap="none" normalizeH="0" baseline="0" dirty="0" smtClean="0">
-                <a:ln>
-                  <a:noFill/>
-                </a:ln>
-                <a:solidFill>
-                  <a:srgbClr val="0000FF"/>
-                </a:solidFill>
-                <a:effectLst/>
-                <a:latin typeface="Consolas" panose="020B0609020204030204" pitchFamily="49" charset="0"/>
-                <a:ea typeface="D2Coding" panose="020B0609020101020101" pitchFamily="49" charset="-127"/>
-              </a:rPr>
-              <a:t>101</a:t>
-            </a:r>
-            <a:r>
-              <a:rPr kumimoji="0" lang="ko-KR" altLang="ko-KR" sz="1400" b="0" i="0" u="none" strike="noStrike" cap="none" normalizeH="0" baseline="0" dirty="0" smtClean="0">
-                <a:ln>
-                  <a:noFill/>
-                </a:ln>
-                <a:solidFill>
-                  <a:srgbClr val="000000"/>
-                </a:solidFill>
-                <a:effectLst/>
-                <a:latin typeface="Consolas" panose="020B0609020204030204" pitchFamily="49" charset="0"/>
-                <a:ea typeface="D2Coding" panose="020B0609020101020101" pitchFamily="49" charset="-127"/>
-              </a:rPr>
-              <a:t>);</a:t>
-            </a:r>
-            <a:br>
-              <a:rPr kumimoji="0" lang="ko-KR" altLang="ko-KR" sz="1400" b="0" i="0" u="none" strike="noStrike" cap="none" normalizeH="0" baseline="0" dirty="0" smtClean="0">
-                <a:ln>
-                  <a:noFill/>
-                </a:ln>
-                <a:solidFill>
-                  <a:srgbClr val="000000"/>
-                </a:solidFill>
-                <a:effectLst/>
-                <a:latin typeface="Consolas" panose="020B0609020204030204" pitchFamily="49" charset="0"/>
-                <a:ea typeface="D2Coding" panose="020B0609020101020101" pitchFamily="49" charset="-127"/>
-              </a:rPr>
-            </a:br>
-            <a:r>
-              <a:rPr kumimoji="0" lang="ko-KR" altLang="ko-KR" sz="1400" b="0" i="0" u="none" strike="noStrike" cap="none" normalizeH="0" baseline="0" dirty="0" smtClean="0">
-                <a:ln>
-                  <a:noFill/>
-                </a:ln>
-                <a:solidFill>
-                  <a:srgbClr val="000000"/>
-                </a:solidFill>
-                <a:effectLst/>
-                <a:latin typeface="Consolas" panose="020B0609020204030204" pitchFamily="49" charset="0"/>
-                <a:ea typeface="D2Coding" panose="020B0609020101020101" pitchFamily="49" charset="-127"/>
-              </a:rPr>
-              <a:t>        }</a:t>
-            </a:r>
-            <a:br>
-              <a:rPr kumimoji="0" lang="ko-KR" altLang="ko-KR" sz="1400" b="0" i="0" u="none" strike="noStrike" cap="none" normalizeH="0" baseline="0" dirty="0" smtClean="0">
-                <a:ln>
-                  <a:noFill/>
-                </a:ln>
-                <a:solidFill>
-                  <a:srgbClr val="000000"/>
-                </a:solidFill>
-                <a:effectLst/>
-                <a:latin typeface="Consolas" panose="020B0609020204030204" pitchFamily="49" charset="0"/>
-                <a:ea typeface="D2Coding" panose="020B0609020101020101" pitchFamily="49" charset="-127"/>
-              </a:rPr>
-            </a:br>
-            <a:r>
-              <a:rPr kumimoji="0" lang="ko-KR" altLang="ko-KR" sz="1400" b="0" i="0" u="none" strike="noStrike" cap="none" normalizeH="0" baseline="0" dirty="0" smtClean="0">
-                <a:ln>
-                  <a:noFill/>
-                </a:ln>
-                <a:solidFill>
-                  <a:srgbClr val="000000"/>
-                </a:solidFill>
-                <a:effectLst/>
-                <a:latin typeface="Consolas" panose="020B0609020204030204" pitchFamily="49" charset="0"/>
-                <a:ea typeface="D2Coding" panose="020B0609020101020101" pitchFamily="49" charset="-127"/>
-              </a:rPr>
-              <a:t>    }</a:t>
-            </a:r>
-            <a:br>
-              <a:rPr kumimoji="0" lang="ko-KR" altLang="ko-KR" sz="1400" b="0" i="0" u="none" strike="noStrike" cap="none" normalizeH="0" baseline="0" dirty="0" smtClean="0">
-                <a:ln>
-                  <a:noFill/>
-                </a:ln>
-                <a:solidFill>
-                  <a:srgbClr val="000000"/>
-                </a:solidFill>
-                <a:effectLst/>
-                <a:latin typeface="Consolas" panose="020B0609020204030204" pitchFamily="49" charset="0"/>
-                <a:ea typeface="D2Coding" panose="020B0609020101020101" pitchFamily="49" charset="-127"/>
-              </a:rPr>
-            </a:br>
-            <a:r>
-              <a:rPr kumimoji="0" lang="ko-KR" altLang="ko-KR" sz="1400" b="0" i="0" u="none" strike="noStrike" cap="none" normalizeH="0" baseline="0" dirty="0" smtClean="0">
-                <a:ln>
-                  <a:noFill/>
-                </a:ln>
-                <a:solidFill>
-                  <a:srgbClr val="000000"/>
-                </a:solidFill>
-                <a:effectLst/>
-                <a:latin typeface="Consolas" panose="020B0609020204030204" pitchFamily="49" charset="0"/>
-                <a:ea typeface="D2Coding" panose="020B0609020101020101" pitchFamily="49" charset="-127"/>
-              </a:rPr>
-              <a:t/>
-            </a:r>
-            <a:br>
-              <a:rPr kumimoji="0" lang="ko-KR" altLang="ko-KR" sz="1400" b="0" i="0" u="none" strike="noStrike" cap="none" normalizeH="0" baseline="0" dirty="0" smtClean="0">
-                <a:ln>
-                  <a:noFill/>
-                </a:ln>
-                <a:solidFill>
-                  <a:srgbClr val="000000"/>
-                </a:solidFill>
-                <a:effectLst/>
-                <a:latin typeface="Consolas" panose="020B0609020204030204" pitchFamily="49" charset="0"/>
-                <a:ea typeface="D2Coding" panose="020B0609020101020101" pitchFamily="49" charset="-127"/>
-              </a:rPr>
-            </a:br>
-            <a:r>
-              <a:rPr kumimoji="0" lang="ko-KR" altLang="ko-KR" sz="1400" b="0" i="0" u="none" strike="noStrike" cap="none" normalizeH="0" baseline="0" dirty="0" smtClean="0">
-                <a:ln>
-                  <a:noFill/>
-                </a:ln>
-                <a:solidFill>
-                  <a:srgbClr val="000000"/>
-                </a:solidFill>
-                <a:effectLst/>
-                <a:latin typeface="Consolas" panose="020B0609020204030204" pitchFamily="49" charset="0"/>
-                <a:ea typeface="D2Coding" panose="020B0609020101020101" pitchFamily="49" charset="-127"/>
-              </a:rPr>
-              <a:t>    </a:t>
-            </a:r>
-            <a:r>
-              <a:rPr kumimoji="0" lang="ko-KR" altLang="ko-KR" sz="1400" b="1" i="0" u="none" strike="noStrike" cap="none" normalizeH="0" baseline="0" dirty="0" smtClean="0">
-                <a:ln>
-                  <a:noFill/>
-                </a:ln>
-                <a:solidFill>
-                  <a:srgbClr val="000080"/>
-                </a:solidFill>
-                <a:effectLst/>
-                <a:latin typeface="Consolas" panose="020B0609020204030204" pitchFamily="49" charset="0"/>
-                <a:ea typeface="D2Coding" panose="020B0609020101020101" pitchFamily="49" charset="-127"/>
-              </a:rPr>
-              <a:t>private </a:t>
-            </a:r>
-            <a:r>
-              <a:rPr kumimoji="0" lang="ko-KR" altLang="ko-KR" sz="1400" b="0" i="0" u="none" strike="noStrike" cap="none" normalizeH="0" baseline="0" dirty="0" smtClean="0">
-                <a:ln>
-                  <a:noFill/>
-                </a:ln>
-                <a:solidFill>
-                  <a:srgbClr val="000000"/>
-                </a:solidFill>
-                <a:effectLst/>
-                <a:latin typeface="Consolas" panose="020B0609020204030204" pitchFamily="49" charset="0"/>
-                <a:ea typeface="D2Coding" panose="020B0609020101020101" pitchFamily="49" charset="-127"/>
-              </a:rPr>
-              <a:t>File </a:t>
-            </a:r>
-            <a:r>
-              <a:rPr kumimoji="0" lang="ko-KR" altLang="ko-KR" sz="1400" b="0" i="0" u="none" strike="noStrike" cap="none" normalizeH="0" baseline="0" dirty="0" err="1" smtClean="0">
-                <a:ln>
-                  <a:noFill/>
-                </a:ln>
-                <a:solidFill>
-                  <a:srgbClr val="000000"/>
-                </a:solidFill>
-                <a:effectLst/>
-                <a:latin typeface="Consolas" panose="020B0609020204030204" pitchFamily="49" charset="0"/>
-                <a:ea typeface="D2Coding" panose="020B0609020101020101" pitchFamily="49" charset="-127"/>
-              </a:rPr>
-              <a:t>createFile</a:t>
-            </a:r>
-            <a:r>
-              <a:rPr kumimoji="0" lang="ko-KR" altLang="ko-KR" sz="1400" b="0" i="0" u="none" strike="noStrike" cap="none" normalizeH="0" baseline="0" dirty="0" smtClean="0">
-                <a:ln>
-                  <a:noFill/>
-                </a:ln>
-                <a:solidFill>
-                  <a:srgbClr val="000000"/>
-                </a:solidFill>
-                <a:effectLst/>
-                <a:latin typeface="Consolas" panose="020B0609020204030204" pitchFamily="49" charset="0"/>
-                <a:ea typeface="D2Coding" panose="020B0609020101020101" pitchFamily="49" charset="-127"/>
-              </a:rPr>
-              <a:t>() {</a:t>
-            </a:r>
-            <a:br>
-              <a:rPr kumimoji="0" lang="ko-KR" altLang="ko-KR" sz="1400" b="0" i="0" u="none" strike="noStrike" cap="none" normalizeH="0" baseline="0" dirty="0" smtClean="0">
-                <a:ln>
-                  <a:noFill/>
-                </a:ln>
-                <a:solidFill>
-                  <a:srgbClr val="000000"/>
-                </a:solidFill>
-                <a:effectLst/>
-                <a:latin typeface="Consolas" panose="020B0609020204030204" pitchFamily="49" charset="0"/>
-                <a:ea typeface="D2Coding" panose="020B0609020101020101" pitchFamily="49" charset="-127"/>
-              </a:rPr>
-            </a:br>
-            <a:r>
-              <a:rPr kumimoji="0" lang="ko-KR" altLang="ko-KR" sz="1400" b="0" i="0" u="none" strike="noStrike" cap="none" normalizeH="0" baseline="0" dirty="0" smtClean="0">
-                <a:ln>
-                  <a:noFill/>
-                </a:ln>
-                <a:solidFill>
-                  <a:srgbClr val="000000"/>
-                </a:solidFill>
-                <a:effectLst/>
-                <a:latin typeface="Consolas" panose="020B0609020204030204" pitchFamily="49" charset="0"/>
-                <a:ea typeface="D2Coding" panose="020B0609020101020101" pitchFamily="49" charset="-127"/>
-              </a:rPr>
-              <a:t>        </a:t>
-            </a:r>
-            <a:r>
-              <a:rPr kumimoji="0" lang="ko-KR" altLang="ko-KR" sz="1400" b="0" i="0" u="none" strike="noStrike" cap="none" normalizeH="0" baseline="0" dirty="0" err="1" smtClean="0">
-                <a:ln>
-                  <a:noFill/>
-                </a:ln>
-                <a:solidFill>
-                  <a:srgbClr val="000000"/>
-                </a:solidFill>
-                <a:effectLst/>
-                <a:latin typeface="Consolas" panose="020B0609020204030204" pitchFamily="49" charset="0"/>
-                <a:ea typeface="D2Coding" panose="020B0609020101020101" pitchFamily="49" charset="-127"/>
-              </a:rPr>
-              <a:t>String</a:t>
-            </a:r>
-            <a:r>
-              <a:rPr kumimoji="0" lang="ko-KR" altLang="ko-KR" sz="1400" b="0" i="0" u="none" strike="noStrike" cap="none" normalizeH="0" baseline="0" dirty="0" smtClean="0">
-                <a:ln>
-                  <a:noFill/>
-                </a:ln>
-                <a:solidFill>
-                  <a:srgbClr val="000000"/>
-                </a:solidFill>
-                <a:effectLst/>
-                <a:latin typeface="Consolas" panose="020B0609020204030204" pitchFamily="49" charset="0"/>
-                <a:ea typeface="D2Coding" panose="020B0609020101020101" pitchFamily="49" charset="-127"/>
-              </a:rPr>
-              <a:t> filename = </a:t>
-            </a:r>
-            <a:r>
-              <a:rPr kumimoji="0" lang="ko-KR" altLang="ko-KR" sz="1400" b="1" i="0" u="none" strike="noStrike" cap="none" normalizeH="0" baseline="0" dirty="0" smtClean="0">
-                <a:ln>
-                  <a:noFill/>
-                </a:ln>
-                <a:solidFill>
-                  <a:srgbClr val="008000"/>
-                </a:solidFill>
-                <a:effectLst/>
-                <a:latin typeface="Consolas" panose="020B0609020204030204" pitchFamily="49" charset="0"/>
-                <a:ea typeface="D2Coding" panose="020B0609020101020101" pitchFamily="49" charset="-127"/>
-              </a:rPr>
-              <a:t>"capture.jpg"</a:t>
-            </a:r>
-            <a:r>
-              <a:rPr kumimoji="0" lang="ko-KR" altLang="ko-KR" sz="1400" b="0" i="0" u="none" strike="noStrike" cap="none" normalizeH="0" baseline="0" dirty="0" smtClean="0">
-                <a:ln>
-                  <a:noFill/>
-                </a:ln>
-                <a:solidFill>
-                  <a:srgbClr val="000000"/>
-                </a:solidFill>
-                <a:effectLst/>
-                <a:latin typeface="Consolas" panose="020B0609020204030204" pitchFamily="49" charset="0"/>
-                <a:ea typeface="D2Coding" panose="020B0609020101020101" pitchFamily="49" charset="-127"/>
-              </a:rPr>
-              <a:t>;</a:t>
-            </a:r>
-            <a:br>
-              <a:rPr kumimoji="0" lang="ko-KR" altLang="ko-KR" sz="1400" b="0" i="0" u="none" strike="noStrike" cap="none" normalizeH="0" baseline="0" dirty="0" smtClean="0">
-                <a:ln>
-                  <a:noFill/>
-                </a:ln>
-                <a:solidFill>
-                  <a:srgbClr val="000000"/>
-                </a:solidFill>
-                <a:effectLst/>
-                <a:latin typeface="Consolas" panose="020B0609020204030204" pitchFamily="49" charset="0"/>
-                <a:ea typeface="D2Coding" panose="020B0609020101020101" pitchFamily="49" charset="-127"/>
-              </a:rPr>
-            </a:br>
-            <a:r>
-              <a:rPr kumimoji="0" lang="ko-KR" altLang="ko-KR" sz="1400" b="0" i="0" u="none" strike="noStrike" cap="none" normalizeH="0" baseline="0" dirty="0" smtClean="0">
-                <a:ln>
-                  <a:noFill/>
-                </a:ln>
-                <a:solidFill>
-                  <a:srgbClr val="000000"/>
-                </a:solidFill>
-                <a:effectLst/>
-                <a:latin typeface="Consolas" panose="020B0609020204030204" pitchFamily="49" charset="0"/>
-                <a:ea typeface="D2Coding" panose="020B0609020101020101" pitchFamily="49" charset="-127"/>
-              </a:rPr>
-              <a:t>        File </a:t>
-            </a:r>
-            <a:r>
-              <a:rPr kumimoji="0" lang="ko-KR" altLang="ko-KR" sz="1400" b="0" i="0" u="none" strike="noStrike" cap="none" normalizeH="0" baseline="0" dirty="0" err="1" smtClean="0">
-                <a:ln>
-                  <a:noFill/>
-                </a:ln>
-                <a:solidFill>
-                  <a:srgbClr val="000000"/>
-                </a:solidFill>
-                <a:effectLst/>
-                <a:latin typeface="Consolas" panose="020B0609020204030204" pitchFamily="49" charset="0"/>
-                <a:ea typeface="D2Coding" panose="020B0609020101020101" pitchFamily="49" charset="-127"/>
-              </a:rPr>
-              <a:t>storageDir</a:t>
-            </a:r>
-            <a:r>
-              <a:rPr kumimoji="0" lang="ko-KR" altLang="ko-KR" sz="1400" b="0" i="0" u="none" strike="noStrike" cap="none" normalizeH="0" baseline="0" dirty="0" smtClean="0">
-                <a:ln>
-                  <a:noFill/>
-                </a:ln>
-                <a:solidFill>
-                  <a:srgbClr val="000000"/>
-                </a:solidFill>
-                <a:effectLst/>
-                <a:latin typeface="Consolas" panose="020B0609020204030204" pitchFamily="49" charset="0"/>
-                <a:ea typeface="D2Coding" panose="020B0609020101020101" pitchFamily="49" charset="-127"/>
-              </a:rPr>
-              <a:t> = </a:t>
-            </a:r>
-            <a:r>
-              <a:rPr kumimoji="0" lang="ko-KR" altLang="ko-KR" sz="1400" b="0" i="0" u="none" strike="noStrike" cap="none" normalizeH="0" baseline="0" dirty="0" err="1" smtClean="0">
-                <a:ln>
-                  <a:noFill/>
-                </a:ln>
-                <a:solidFill>
-                  <a:srgbClr val="000000"/>
-                </a:solidFill>
-                <a:effectLst/>
-                <a:latin typeface="Consolas" panose="020B0609020204030204" pitchFamily="49" charset="0"/>
-                <a:ea typeface="D2Coding" panose="020B0609020101020101" pitchFamily="49" charset="-127"/>
-              </a:rPr>
-              <a:t>Environment.</a:t>
-            </a:r>
-            <a:r>
-              <a:rPr kumimoji="0" lang="ko-KR" altLang="ko-KR" sz="1400" b="0" i="1" u="none" strike="noStrike" cap="none" normalizeH="0" baseline="0" dirty="0" err="1" smtClean="0">
-                <a:ln>
-                  <a:noFill/>
-                </a:ln>
-                <a:solidFill>
-                  <a:srgbClr val="000000"/>
-                </a:solidFill>
-                <a:effectLst/>
-                <a:latin typeface="Consolas" panose="020B0609020204030204" pitchFamily="49" charset="0"/>
-                <a:ea typeface="D2Coding" panose="020B0609020101020101" pitchFamily="49" charset="-127"/>
-              </a:rPr>
-              <a:t>getExternalStorageDirectory</a:t>
-            </a:r>
-            <a:r>
-              <a:rPr kumimoji="0" lang="ko-KR" altLang="ko-KR" sz="1400" b="0" i="0" u="none" strike="noStrike" cap="none" normalizeH="0" baseline="0" dirty="0" smtClean="0">
-                <a:ln>
-                  <a:noFill/>
-                </a:ln>
-                <a:solidFill>
-                  <a:srgbClr val="000000"/>
-                </a:solidFill>
-                <a:effectLst/>
-                <a:latin typeface="Consolas" panose="020B0609020204030204" pitchFamily="49" charset="0"/>
-                <a:ea typeface="D2Coding" panose="020B0609020101020101" pitchFamily="49" charset="-127"/>
-              </a:rPr>
-              <a:t>();</a:t>
-            </a:r>
-            <a:br>
-              <a:rPr kumimoji="0" lang="ko-KR" altLang="ko-KR" sz="1400" b="0" i="0" u="none" strike="noStrike" cap="none" normalizeH="0" baseline="0" dirty="0" smtClean="0">
-                <a:ln>
-                  <a:noFill/>
-                </a:ln>
-                <a:solidFill>
-                  <a:srgbClr val="000000"/>
-                </a:solidFill>
-                <a:effectLst/>
-                <a:latin typeface="Consolas" panose="020B0609020204030204" pitchFamily="49" charset="0"/>
-                <a:ea typeface="D2Coding" panose="020B0609020101020101" pitchFamily="49" charset="-127"/>
-              </a:rPr>
-            </a:br>
-            <a:r>
-              <a:rPr kumimoji="0" lang="ko-KR" altLang="ko-KR" sz="1400" b="0" i="0" u="none" strike="noStrike" cap="none" normalizeH="0" baseline="0" dirty="0" smtClean="0">
-                <a:ln>
-                  <a:noFill/>
-                </a:ln>
-                <a:solidFill>
-                  <a:srgbClr val="000000"/>
-                </a:solidFill>
-                <a:effectLst/>
-                <a:latin typeface="Consolas" panose="020B0609020204030204" pitchFamily="49" charset="0"/>
-                <a:ea typeface="D2Coding" panose="020B0609020101020101" pitchFamily="49" charset="-127"/>
-              </a:rPr>
-              <a:t>        File </a:t>
-            </a:r>
-            <a:r>
-              <a:rPr kumimoji="0" lang="ko-KR" altLang="ko-KR" sz="1400" b="0" i="0" u="none" strike="noStrike" cap="none" normalizeH="0" baseline="0" dirty="0" err="1" smtClean="0">
-                <a:ln>
-                  <a:noFill/>
-                </a:ln>
-                <a:solidFill>
-                  <a:srgbClr val="000000"/>
-                </a:solidFill>
-                <a:effectLst/>
-                <a:latin typeface="Consolas" panose="020B0609020204030204" pitchFamily="49" charset="0"/>
-                <a:ea typeface="D2Coding" panose="020B0609020101020101" pitchFamily="49" charset="-127"/>
-              </a:rPr>
-              <a:t>outFile</a:t>
-            </a:r>
-            <a:r>
-              <a:rPr kumimoji="0" lang="ko-KR" altLang="ko-KR" sz="1400" b="0" i="0" u="none" strike="noStrike" cap="none" normalizeH="0" baseline="0" dirty="0" smtClean="0">
-                <a:ln>
-                  <a:noFill/>
-                </a:ln>
-                <a:solidFill>
-                  <a:srgbClr val="000000"/>
-                </a:solidFill>
-                <a:effectLst/>
-                <a:latin typeface="Consolas" panose="020B0609020204030204" pitchFamily="49" charset="0"/>
-                <a:ea typeface="D2Coding" panose="020B0609020101020101" pitchFamily="49" charset="-127"/>
-              </a:rPr>
-              <a:t> = </a:t>
-            </a:r>
-            <a:r>
-              <a:rPr kumimoji="0" lang="ko-KR" altLang="ko-KR" sz="1400" b="1" i="0" u="none" strike="noStrike" cap="none" normalizeH="0" baseline="0" dirty="0" smtClean="0">
-                <a:ln>
-                  <a:noFill/>
-                </a:ln>
-                <a:solidFill>
-                  <a:srgbClr val="000080"/>
-                </a:solidFill>
-                <a:effectLst/>
-                <a:latin typeface="Consolas" panose="020B0609020204030204" pitchFamily="49" charset="0"/>
-                <a:ea typeface="D2Coding" panose="020B0609020101020101" pitchFamily="49" charset="-127"/>
-              </a:rPr>
-              <a:t>new </a:t>
-            </a:r>
-            <a:r>
-              <a:rPr kumimoji="0" lang="ko-KR" altLang="ko-KR" sz="1400" b="0" i="0" u="none" strike="noStrike" cap="none" normalizeH="0" baseline="0" dirty="0" smtClean="0">
-                <a:ln>
-                  <a:noFill/>
-                </a:ln>
-                <a:solidFill>
-                  <a:srgbClr val="000000"/>
-                </a:solidFill>
-                <a:effectLst/>
-                <a:latin typeface="Consolas" panose="020B0609020204030204" pitchFamily="49" charset="0"/>
-                <a:ea typeface="D2Coding" panose="020B0609020101020101" pitchFamily="49" charset="-127"/>
-              </a:rPr>
-              <a:t>File(</a:t>
-            </a:r>
-            <a:r>
-              <a:rPr kumimoji="0" lang="ko-KR" altLang="ko-KR" sz="1400" b="0" i="0" u="none" strike="noStrike" cap="none" normalizeH="0" baseline="0" dirty="0" err="1" smtClean="0">
-                <a:ln>
-                  <a:noFill/>
-                </a:ln>
-                <a:solidFill>
-                  <a:srgbClr val="000000"/>
-                </a:solidFill>
-                <a:effectLst/>
-                <a:latin typeface="Consolas" panose="020B0609020204030204" pitchFamily="49" charset="0"/>
-                <a:ea typeface="D2Coding" panose="020B0609020101020101" pitchFamily="49" charset="-127"/>
-              </a:rPr>
-              <a:t>storageDir</a:t>
-            </a:r>
-            <a:r>
-              <a:rPr kumimoji="0" lang="ko-KR" altLang="ko-KR" sz="1400" b="0" i="0" u="none" strike="noStrike" cap="none" normalizeH="0" baseline="0" dirty="0" smtClean="0">
-                <a:ln>
-                  <a:noFill/>
-                </a:ln>
-                <a:solidFill>
-                  <a:srgbClr val="000000"/>
-                </a:solidFill>
-                <a:effectLst/>
-                <a:latin typeface="Consolas" panose="020B0609020204030204" pitchFamily="49" charset="0"/>
-                <a:ea typeface="D2Coding" panose="020B0609020101020101" pitchFamily="49" charset="-127"/>
-              </a:rPr>
-              <a:t>, filename);</a:t>
-            </a:r>
-            <a:br>
-              <a:rPr kumimoji="0" lang="ko-KR" altLang="ko-KR" sz="1400" b="0" i="0" u="none" strike="noStrike" cap="none" normalizeH="0" baseline="0" dirty="0" smtClean="0">
-                <a:ln>
-                  <a:noFill/>
-                </a:ln>
-                <a:solidFill>
-                  <a:srgbClr val="000000"/>
-                </a:solidFill>
-                <a:effectLst/>
-                <a:latin typeface="Consolas" panose="020B0609020204030204" pitchFamily="49" charset="0"/>
-                <a:ea typeface="D2Coding" panose="020B0609020101020101" pitchFamily="49" charset="-127"/>
-              </a:rPr>
-            </a:br>
-            <a:r>
-              <a:rPr kumimoji="0" lang="ko-KR" altLang="ko-KR" sz="1400" b="0" i="0" u="none" strike="noStrike" cap="none" normalizeH="0" baseline="0" dirty="0" smtClean="0">
-                <a:ln>
-                  <a:noFill/>
-                </a:ln>
-                <a:solidFill>
-                  <a:srgbClr val="000000"/>
-                </a:solidFill>
-                <a:effectLst/>
-                <a:latin typeface="Consolas" panose="020B0609020204030204" pitchFamily="49" charset="0"/>
-                <a:ea typeface="D2Coding" panose="020B0609020101020101" pitchFamily="49" charset="-127"/>
-              </a:rPr>
-              <a:t/>
-            </a:r>
-            <a:br>
-              <a:rPr kumimoji="0" lang="ko-KR" altLang="ko-KR" sz="1400" b="0" i="0" u="none" strike="noStrike" cap="none" normalizeH="0" baseline="0" dirty="0" smtClean="0">
-                <a:ln>
-                  <a:noFill/>
-                </a:ln>
-                <a:solidFill>
-                  <a:srgbClr val="000000"/>
-                </a:solidFill>
-                <a:effectLst/>
-                <a:latin typeface="Consolas" panose="020B0609020204030204" pitchFamily="49" charset="0"/>
-                <a:ea typeface="D2Coding" panose="020B0609020101020101" pitchFamily="49" charset="-127"/>
-              </a:rPr>
-            </a:br>
-            <a:r>
-              <a:rPr kumimoji="0" lang="ko-KR" altLang="ko-KR" sz="1400" b="0" i="0" u="none" strike="noStrike" cap="none" normalizeH="0" baseline="0" dirty="0" smtClean="0">
-                <a:ln>
-                  <a:noFill/>
-                </a:ln>
-                <a:solidFill>
-                  <a:srgbClr val="000000"/>
-                </a:solidFill>
-                <a:effectLst/>
-                <a:latin typeface="Consolas" panose="020B0609020204030204" pitchFamily="49" charset="0"/>
-                <a:ea typeface="D2Coding" panose="020B0609020101020101" pitchFamily="49" charset="-127"/>
-              </a:rPr>
-              <a:t>        </a:t>
-            </a:r>
-            <a:r>
-              <a:rPr kumimoji="0" lang="ko-KR" altLang="ko-KR" sz="1400" b="1" i="0" u="none" strike="noStrike" cap="none" normalizeH="0" baseline="0" dirty="0" err="1" smtClean="0">
-                <a:ln>
-                  <a:noFill/>
-                </a:ln>
-                <a:solidFill>
-                  <a:srgbClr val="000080"/>
-                </a:solidFill>
-                <a:effectLst/>
-                <a:latin typeface="Consolas" panose="020B0609020204030204" pitchFamily="49" charset="0"/>
-                <a:ea typeface="D2Coding" panose="020B0609020101020101" pitchFamily="49" charset="-127"/>
-              </a:rPr>
-              <a:t>return</a:t>
-            </a:r>
-            <a:r>
-              <a:rPr kumimoji="0" lang="ko-KR" altLang="ko-KR" sz="1400" b="1" i="0" u="none" strike="noStrike" cap="none" normalizeH="0" baseline="0" dirty="0" smtClean="0">
-                <a:ln>
-                  <a:noFill/>
-                </a:ln>
-                <a:solidFill>
-                  <a:srgbClr val="000080"/>
-                </a:solidFill>
-                <a:effectLst/>
-                <a:latin typeface="Consolas" panose="020B0609020204030204" pitchFamily="49" charset="0"/>
-                <a:ea typeface="D2Coding" panose="020B0609020101020101" pitchFamily="49" charset="-127"/>
-              </a:rPr>
-              <a:t> </a:t>
-            </a:r>
-            <a:r>
-              <a:rPr kumimoji="0" lang="ko-KR" altLang="ko-KR" sz="1400" b="0" i="0" u="none" strike="noStrike" cap="none" normalizeH="0" baseline="0" dirty="0" err="1" smtClean="0">
-                <a:ln>
-                  <a:noFill/>
-                </a:ln>
-                <a:solidFill>
-                  <a:srgbClr val="000000"/>
-                </a:solidFill>
-                <a:effectLst/>
-                <a:latin typeface="Consolas" panose="020B0609020204030204" pitchFamily="49" charset="0"/>
-                <a:ea typeface="D2Coding" panose="020B0609020101020101" pitchFamily="49" charset="-127"/>
-              </a:rPr>
-              <a:t>outFile</a:t>
-            </a:r>
-            <a:r>
-              <a:rPr kumimoji="0" lang="ko-KR" altLang="ko-KR" sz="1400" b="0" i="0" u="none" strike="noStrike" cap="none" normalizeH="0" baseline="0" dirty="0" smtClean="0">
-                <a:ln>
-                  <a:noFill/>
-                </a:ln>
-                <a:solidFill>
-                  <a:srgbClr val="000000"/>
-                </a:solidFill>
-                <a:effectLst/>
-                <a:latin typeface="Consolas" panose="020B0609020204030204" pitchFamily="49" charset="0"/>
-                <a:ea typeface="D2Coding" panose="020B0609020101020101" pitchFamily="49" charset="-127"/>
-              </a:rPr>
-              <a:t>;</a:t>
-            </a:r>
-            <a:br>
-              <a:rPr kumimoji="0" lang="ko-KR" altLang="ko-KR" sz="1400" b="0" i="0" u="none" strike="noStrike" cap="none" normalizeH="0" baseline="0" dirty="0" smtClean="0">
-                <a:ln>
-                  <a:noFill/>
-                </a:ln>
-                <a:solidFill>
-                  <a:srgbClr val="000000"/>
-                </a:solidFill>
-                <a:effectLst/>
-                <a:latin typeface="Consolas" panose="020B0609020204030204" pitchFamily="49" charset="0"/>
-                <a:ea typeface="D2Coding" panose="020B0609020101020101" pitchFamily="49" charset="-127"/>
-              </a:rPr>
-            </a:br>
-            <a:r>
-              <a:rPr kumimoji="0" lang="ko-KR" altLang="ko-KR" sz="1400" b="0" i="0" u="none" strike="noStrike" cap="none" normalizeH="0" baseline="0" dirty="0" smtClean="0">
-                <a:ln>
-                  <a:noFill/>
-                </a:ln>
-                <a:solidFill>
-                  <a:srgbClr val="000000"/>
-                </a:solidFill>
-                <a:effectLst/>
-                <a:latin typeface="Consolas" panose="020B0609020204030204" pitchFamily="49" charset="0"/>
-                <a:ea typeface="D2Coding" panose="020B0609020101020101" pitchFamily="49" charset="-127"/>
-              </a:rPr>
-              <a:t>    }</a:t>
-            </a:r>
-            <a:br>
-              <a:rPr kumimoji="0" lang="ko-KR" altLang="ko-KR" sz="1400" b="0" i="0" u="none" strike="noStrike" cap="none" normalizeH="0" baseline="0" dirty="0" smtClean="0">
-                <a:ln>
-                  <a:noFill/>
-                </a:ln>
-                <a:solidFill>
-                  <a:srgbClr val="000000"/>
-                </a:solidFill>
-                <a:effectLst/>
-                <a:latin typeface="Consolas" panose="020B0609020204030204" pitchFamily="49" charset="0"/>
-                <a:ea typeface="D2Coding" panose="020B0609020101020101" pitchFamily="49" charset="-127"/>
-              </a:rPr>
-            </a:br>
-            <a:r>
-              <a:rPr kumimoji="0" lang="ko-KR" altLang="ko-KR" sz="1400" b="0" i="0" u="none" strike="noStrike" cap="none" normalizeH="0" baseline="0" dirty="0" smtClean="0">
-                <a:ln>
-                  <a:noFill/>
-                </a:ln>
-                <a:solidFill>
-                  <a:srgbClr val="000000"/>
-                </a:solidFill>
-                <a:effectLst/>
-                <a:latin typeface="Consolas" panose="020B0609020204030204" pitchFamily="49" charset="0"/>
-                <a:ea typeface="D2Coding" panose="020B0609020101020101" pitchFamily="49" charset="-127"/>
-              </a:rPr>
               <a:t>}</a:t>
             </a:r>
-            <a:endParaRPr kumimoji="0" lang="ko-KR" altLang="ko-KR" sz="2000" b="0" i="0" u="none" strike="noStrike" cap="none" normalizeH="0" baseline="0" dirty="0" smtClean="0">
+            <a:endParaRPr kumimoji="0" lang="ko-KR" altLang="ko-KR" sz="2400" b="0" i="0" u="none" strike="noStrike" cap="none" normalizeH="0" baseline="0" dirty="0" smtClean="0">
               <a:ln>
                 <a:noFill/>
               </a:ln>
@@ -31433,7 +31235,10 @@
               <a:t>폴더를 먼저 만들고 </a:t>
             </a:r>
             <a:r>
-              <a:rPr lang="en-US" altLang="ko-KR" dirty="0" smtClean="0">
+              <a:rPr lang="en-US" altLang="ko-KR" b="1" dirty="0" smtClean="0">
+                <a:solidFill>
+                  <a:srgbClr val="C00000"/>
+                </a:solidFill>
                 <a:sym typeface="Wingdings" panose="05000000000000000000" pitchFamily="2" charset="2"/>
               </a:rPr>
               <a:t>external.xml </a:t>
@@ -31508,13 +31313,7 @@
               <a:rPr lang="ko-KR" altLang="en-US" dirty="0" smtClean="0">
                 <a:sym typeface="Wingdings" panose="05000000000000000000" pitchFamily="2" charset="2"/>
               </a:rPr>
-              <a:t>폴더 명을 </a:t>
-            </a:r>
-            <a:r>
-              <a:rPr lang="ko-KR" altLang="en-US" dirty="0" smtClean="0">
-                <a:sym typeface="Wingdings" panose="05000000000000000000" pitchFamily="2" charset="2"/>
-              </a:rPr>
-              <a:t>위한 대화상자가 나오면</a:t>
+              <a:t>폴더 명을 위한 대화상자가 나오면</a:t>
             </a:r>
             <a:r>
               <a:rPr lang="en-US" altLang="ko-KR" dirty="0" smtClean="0">
@@ -32264,12 +32063,6 @@
               </a:rPr>
               <a:t>. </a:t>
             </a:r>
-            <a:r>
-              <a:rPr lang="en-US" altLang="ko-KR" dirty="0" smtClean="0">
-                <a:sym typeface="Wingdings" panose="05000000000000000000" pitchFamily="2" charset="2"/>
-              </a:rPr>
-              <a:t/>
-            </a:r>
             <a:br>
               <a:rPr lang="en-US" altLang="ko-KR" dirty="0" smtClean="0">
                 <a:sym typeface="Wingdings" panose="05000000000000000000" pitchFamily="2" charset="2"/>
@@ -32279,13 +32072,7 @@
               <a:rPr lang="ko-KR" altLang="en-US" dirty="0" smtClean="0">
                 <a:sym typeface="Wingdings" panose="05000000000000000000" pitchFamily="2" charset="2"/>
               </a:rPr>
-              <a:t>내용 </a:t>
-            </a:r>
-            <a:r>
-              <a:rPr lang="ko-KR" altLang="en-US" dirty="0" smtClean="0">
-                <a:sym typeface="Wingdings" panose="05000000000000000000" pitchFamily="2" charset="2"/>
-              </a:rPr>
-              <a:t>제공자는 </a:t>
+              <a:t>내용 제공자는 </a:t>
             </a:r>
             <a:r>
               <a:rPr lang="en-US" altLang="ko-KR" dirty="0" smtClean="0">
@@ -32613,7 +32400,7 @@
         <p:spPr bwMode="auto">
           <a:xfrm>
             <a:off x="839416" y="3355826"/>
-            <a:ext cx="8263801" cy="3385542"/>
+            <a:ext cx="8376011" cy="3293209"/>
           </a:xfrm>
           <a:prstGeom prst="rect">
             <a:avLst/>
@@ -33013,7 +32800,7 @@
                 <a:latin typeface="Consolas" panose="020B0609020204030204" pitchFamily="49" charset="0"/>
                 <a:ea typeface="D2Coding" panose="020B0609020101020101" pitchFamily="49" charset="-127"/>
               </a:rPr>
-              <a:t>com.example.camera.intent.fileprovider</a:t>
+              <a:t>com.example.capture.intent.fileprovider</a:t>
             </a:r>
             <a:r>
               <a:rPr lang="en-US" altLang="ko-KR" sz="1600" dirty="0">

--- a/ppts/07Mulitmedia.pptx
+++ b/ppts/07Mulitmedia.pptx
@@ -5,7 +5,7 @@
     <p:sldMasterId id="2147483696" r:id="rId1"/>
   </p:sldMasterIdLst>
   <p:notesMasterIdLst>
-    <p:notesMasterId r:id="rId36"/>
+    <p:notesMasterId r:id="rId37"/>
   </p:notesMasterIdLst>
   <p:sldIdLst>
     <p:sldId id="339" r:id="rId2"/>
@@ -25,23 +25,24 @@
     <p:sldId id="1131" r:id="rId16"/>
     <p:sldId id="1132" r:id="rId17"/>
     <p:sldId id="1133" r:id="rId18"/>
-    <p:sldId id="1134" r:id="rId19"/>
-    <p:sldId id="1136" r:id="rId20"/>
-    <p:sldId id="1137" r:id="rId21"/>
-    <p:sldId id="1135" r:id="rId22"/>
-    <p:sldId id="1138" r:id="rId23"/>
-    <p:sldId id="1139" r:id="rId24"/>
-    <p:sldId id="1140" r:id="rId25"/>
-    <p:sldId id="1144" r:id="rId26"/>
-    <p:sldId id="1141" r:id="rId27"/>
-    <p:sldId id="1143" r:id="rId28"/>
-    <p:sldId id="1142" r:id="rId29"/>
-    <p:sldId id="1145" r:id="rId30"/>
-    <p:sldId id="1146" r:id="rId31"/>
-    <p:sldId id="1147" r:id="rId32"/>
-    <p:sldId id="1148" r:id="rId33"/>
-    <p:sldId id="1149" r:id="rId34"/>
-    <p:sldId id="1150" r:id="rId35"/>
+    <p:sldId id="1151" r:id="rId19"/>
+    <p:sldId id="1134" r:id="rId20"/>
+    <p:sldId id="1136" r:id="rId21"/>
+    <p:sldId id="1137" r:id="rId22"/>
+    <p:sldId id="1135" r:id="rId23"/>
+    <p:sldId id="1138" r:id="rId24"/>
+    <p:sldId id="1139" r:id="rId25"/>
+    <p:sldId id="1140" r:id="rId26"/>
+    <p:sldId id="1144" r:id="rId27"/>
+    <p:sldId id="1141" r:id="rId28"/>
+    <p:sldId id="1143" r:id="rId29"/>
+    <p:sldId id="1142" r:id="rId30"/>
+    <p:sldId id="1145" r:id="rId31"/>
+    <p:sldId id="1146" r:id="rId32"/>
+    <p:sldId id="1147" r:id="rId33"/>
+    <p:sldId id="1148" r:id="rId34"/>
+    <p:sldId id="1149" r:id="rId35"/>
+    <p:sldId id="1150" r:id="rId36"/>
   </p:sldIdLst>
   <p:sldSz cx="12192000" cy="6858000"/>
   <p:notesSz cx="6858000" cy="9144000"/>
@@ -2165,7 +2166,7 @@
           </a:ln>
           <a:extLst>
             <a:ext uri="{C572A759-6A51-4108-AA02-DFA0A04FC94B}">
-              <ma14:wrappingTextBoxFlag xmlns:ma14="http://schemas.microsoft.com/office/mac/drawingml/2011/main" xmlns="" val="1"/>
+              <ma14:wrappingTextBoxFlag xmlns="" xmlns:ma14="http://schemas.microsoft.com/office/mac/drawingml/2011/main" val="1"/>
             </a:ext>
           </a:extLst>
         </p:spPr>
@@ -11958,7 +11959,9 @@
         </p:nvSpPr>
         <p:spPr/>
         <p:txBody>
-          <a:bodyPr/>
+          <a:bodyPr>
+            <a:normAutofit/>
+          </a:bodyPr>
           <a:lstStyle/>
           <a:p>
             <a:r>
@@ -11966,30 +11969,52 @@
                 <a:latin typeface="나눔고딕" panose="020D0604000000000000" pitchFamily="50" charset="-127"/>
                 <a:ea typeface="나눔고딕" panose="020D0604000000000000" pitchFamily="50" charset="-127"/>
               </a:rPr>
-              <a:t>07-2 </a:t>
+              <a:t>07-1 </a:t>
             </a:r>
             <a:r>
               <a:rPr lang="ko-KR" altLang="en-US" dirty="0" smtClean="0">
                 <a:latin typeface="나눔고딕" panose="020D0604000000000000" pitchFamily="50" charset="-127"/>
                 <a:ea typeface="나눔고딕" panose="020D0604000000000000" pitchFamily="50" charset="-127"/>
               </a:rPr>
-              <a:t>화면에 카메라 </a:t>
-            </a:r>
-            <a:r>
-              <a:rPr lang="ko-KR" altLang="en-US" dirty="0" err="1" smtClean="0">
+              <a:t>카메라로 사진 찍어 </a:t>
+            </a:r>
+            <a:r>
+              <a:rPr lang="ko-KR" altLang="en-US" dirty="0" smtClean="0">
                 <a:latin typeface="나눔고딕" panose="020D0604000000000000" pitchFamily="50" charset="-127"/>
                 <a:ea typeface="나눔고딕" panose="020D0604000000000000" pitchFamily="50" charset="-127"/>
               </a:rPr>
-              <a:t>미리보기</a:t>
-            </a:r>
-            <a:r>
-              <a:rPr lang="ko-KR" altLang="en-US" dirty="0" smtClean="0">
+              <a:t>저장하기 </a:t>
+            </a:r>
+            <a:r>
+              <a:rPr lang="en-US" altLang="ko-KR" dirty="0" smtClean="0">
                 <a:latin typeface="나눔고딕" panose="020D0604000000000000" pitchFamily="50" charset="-127"/>
                 <a:ea typeface="나눔고딕" panose="020D0604000000000000" pitchFamily="50" charset="-127"/>
               </a:rPr>
-              <a:t> 넣기 </a:t>
-            </a:r>
-            <a:endParaRPr lang="ko-KR" altLang="en-US" dirty="0"/>
+              <a:t>- </a:t>
+            </a:r>
+            <a:r>
+              <a:rPr lang="ko-KR" altLang="en-US" dirty="0">
+                <a:solidFill>
+                  <a:srgbClr val="C00000"/>
+                </a:solidFill>
+                <a:sym typeface="Wingdings" panose="05000000000000000000" pitchFamily="2" charset="2"/>
+              </a:rPr>
+              <a:t>사진이 어디에 저장이 되나요</a:t>
+            </a:r>
+            <a:r>
+              <a:rPr lang="en-US" altLang="ko-KR" dirty="0" smtClean="0">
+                <a:solidFill>
+                  <a:srgbClr val="C00000"/>
+                </a:solidFill>
+                <a:sym typeface="Wingdings" panose="05000000000000000000" pitchFamily="2" charset="2"/>
+              </a:rPr>
+              <a:t>?</a:t>
+            </a:r>
+            <a:endParaRPr lang="ko-KR" altLang="en-US" dirty="0">
+              <a:solidFill>
+                <a:srgbClr val="C00000"/>
+              </a:solidFill>
+            </a:endParaRPr>
           </a:p>
         </p:txBody>
       </p:sp>
@@ -12008,35 +12033,38 @@
           <a:bodyPr/>
           <a:lstStyle/>
           <a:p>
-            <a:r>
-              <a:rPr lang="ko-KR" altLang="en-US" dirty="0" err="1" smtClean="0">
-                <a:sym typeface="Wingdings" panose="05000000000000000000" pitchFamily="2" charset="2"/>
-              </a:rPr>
-              <a:t>인텐트와</a:t>
-            </a:r>
-            <a:r>
-              <a:rPr lang="ko-KR" altLang="en-US" dirty="0" smtClean="0">
-                <a:sym typeface="Wingdings" panose="05000000000000000000" pitchFamily="2" charset="2"/>
-              </a:rPr>
-              <a:t> </a:t>
-            </a:r>
-            <a:r>
-              <a:rPr lang="en-US" altLang="ko-KR" dirty="0" smtClean="0">
-                <a:sym typeface="Wingdings" panose="05000000000000000000" pitchFamily="2" charset="2"/>
-              </a:rPr>
-              <a:t>startActivityForResult() </a:t>
-            </a:r>
-            <a:r>
-              <a:rPr lang="ko-KR" altLang="en-US" dirty="0" err="1" smtClean="0">
-                <a:sym typeface="Wingdings" panose="05000000000000000000" pitchFamily="2" charset="2"/>
-              </a:rPr>
-              <a:t>메소드로</a:t>
-            </a:r>
-            <a:r>
-              <a:rPr lang="ko-KR" altLang="en-US" dirty="0" smtClean="0">
-                <a:sym typeface="Wingdings" panose="05000000000000000000" pitchFamily="2" charset="2"/>
-              </a:rPr>
-              <a:t> 사진을 찍는 방법은 복잡하지 않지만</a:t>
+            <a:pPr marL="0" indent="0">
+              <a:buNone/>
+            </a:pPr>
+            <a:r>
+              <a:rPr lang="ko-KR" altLang="en-US" b="1" dirty="0" smtClean="0">
+                <a:sym typeface="Wingdings" panose="05000000000000000000" pitchFamily="2" charset="2"/>
+              </a:rPr>
+              <a:t>사진 찾는 방법</a:t>
+            </a:r>
+            <a:r>
+              <a:rPr lang="en-US" altLang="ko-KR" b="1" dirty="0" smtClean="0">
+                <a:sym typeface="Wingdings" panose="05000000000000000000" pitchFamily="2" charset="2"/>
+              </a:rPr>
+              <a:t>:</a:t>
+            </a:r>
+          </a:p>
+          <a:p>
+            <a:pPr>
+              <a:buFont typeface="+mj-lt"/>
+              <a:buAutoNum type="arabicPeriod"/>
+            </a:pPr>
+            <a:r>
+              <a:rPr lang="en-US" altLang="ko-KR" b="1" dirty="0" smtClean="0">
+                <a:sym typeface="Wingdings" panose="05000000000000000000" pitchFamily="2" charset="2"/>
+              </a:rPr>
+              <a:t>&lt;Shift&gt;&lt;Shift&gt; </a:t>
+            </a:r>
+            <a:r>
+              <a:rPr lang="ko-KR" altLang="en-US" dirty="0" smtClean="0">
+                <a:sym typeface="Wingdings" panose="05000000000000000000" pitchFamily="2" charset="2"/>
+              </a:rPr>
+              <a:t>키를 누르면</a:t>
             </a:r>
             <a:r>
               <a:rPr lang="en-US" altLang="ko-KR" dirty="0" smtClean="0">
@@ -12045,16 +12073,34 @@
               <a:t>, </a:t>
             </a:r>
             <a:r>
-              <a:rPr lang="ko-KR" altLang="en-US" dirty="0" err="1" smtClean="0">
-                <a:sym typeface="Wingdings" panose="05000000000000000000" pitchFamily="2" charset="2"/>
-              </a:rPr>
-              <a:t>카매라</a:t>
-            </a:r>
-            <a:r>
-              <a:rPr lang="ko-KR" altLang="en-US" dirty="0" smtClean="0">
-                <a:sym typeface="Wingdings" panose="05000000000000000000" pitchFamily="2" charset="2"/>
-              </a:rPr>
-              <a:t> 앱을 기본적으로 제공하는 기능을 그대로 사용할 수 밖에 없습니다</a:t>
+              <a:rPr lang="ko-KR" altLang="en-US" dirty="0" smtClean="0">
+                <a:sym typeface="Wingdings" panose="05000000000000000000" pitchFamily="2" charset="2"/>
+              </a:rPr>
+              <a:t>다음과 같이 </a:t>
+            </a:r>
+            <a:r>
+              <a:rPr lang="en-US" altLang="ko-KR" dirty="0" smtClean="0">
+                <a:sym typeface="Wingdings" panose="05000000000000000000" pitchFamily="2" charset="2"/>
+              </a:rPr>
+              <a:t>[</a:t>
+            </a:r>
+            <a:r>
+              <a:rPr lang="ko-KR" altLang="en-US" dirty="0" smtClean="0">
+                <a:sym typeface="Wingdings" panose="05000000000000000000" pitchFamily="2" charset="2"/>
+              </a:rPr>
+              <a:t>검색</a:t>
+            </a:r>
+            <a:r>
+              <a:rPr lang="en-US" altLang="ko-KR" dirty="0" smtClean="0">
+                <a:sym typeface="Wingdings" panose="05000000000000000000" pitchFamily="2" charset="2"/>
+              </a:rPr>
+              <a:t>] </a:t>
+            </a:r>
+            <a:r>
+              <a:rPr lang="ko-KR" altLang="en-US" dirty="0" smtClean="0">
+                <a:sym typeface="Wingdings" panose="05000000000000000000" pitchFamily="2" charset="2"/>
+              </a:rPr>
+              <a:t>대화 창이 뜹니다</a:t>
             </a:r>
             <a:r>
               <a:rPr lang="en-US" altLang="ko-KR" dirty="0" smtClean="0">
@@ -12064,436 +12110,212 @@
             </a:r>
           </a:p>
           <a:p>
-            <a:r>
-              <a:rPr lang="ko-KR" altLang="en-US" dirty="0" smtClean="0">
-                <a:sym typeface="Wingdings" panose="05000000000000000000" pitchFamily="2" charset="2"/>
-              </a:rPr>
-              <a:t>카메라를 직접 좀 더 많은 기능을 제어하기 위해</a:t>
-            </a:r>
-            <a:r>
-              <a:rPr lang="en-US" altLang="ko-KR" dirty="0" smtClean="0">
-                <a:sym typeface="Wingdings" panose="05000000000000000000" pitchFamily="2" charset="2"/>
-              </a:rPr>
-              <a:t>, </a:t>
-            </a:r>
-            <a:r>
-              <a:rPr lang="ko-KR" altLang="en-US" dirty="0" smtClean="0">
-                <a:sym typeface="Wingdings" panose="05000000000000000000" pitchFamily="2" charset="2"/>
-              </a:rPr>
-              <a:t>예를 들면 미리 보기와</a:t>
-            </a:r>
-            <a:r>
-              <a:rPr lang="en-US" altLang="ko-KR" dirty="0" smtClean="0">
-                <a:sym typeface="Wingdings" panose="05000000000000000000" pitchFamily="2" charset="2"/>
-              </a:rPr>
-              <a:t> </a:t>
-            </a:r>
-            <a:r>
-              <a:rPr lang="ko-KR" altLang="en-US" dirty="0" smtClean="0">
-                <a:sym typeface="Wingdings" panose="05000000000000000000" pitchFamily="2" charset="2"/>
-              </a:rPr>
-              <a:t>증강현실 기능</a:t>
-            </a:r>
-            <a:r>
-              <a:rPr lang="en-US" altLang="ko-KR" dirty="0" smtClean="0">
-                <a:sym typeface="Wingdings" panose="05000000000000000000" pitchFamily="2" charset="2"/>
-              </a:rPr>
-              <a:t>, </a:t>
-            </a:r>
-            <a:r>
-              <a:rPr lang="ko-KR" altLang="en-US" dirty="0" err="1" smtClean="0">
-                <a:sym typeface="Wingdings" panose="05000000000000000000" pitchFamily="2" charset="2"/>
-              </a:rPr>
-              <a:t>서피스뷰</a:t>
-            </a:r>
-            <a:r>
-              <a:rPr lang="en-US" altLang="ko-KR" dirty="0" smtClean="0">
-                <a:sym typeface="Wingdings" panose="05000000000000000000" pitchFamily="2" charset="2"/>
-              </a:rPr>
-              <a:t>(</a:t>
-            </a:r>
-            <a:r>
-              <a:rPr lang="en-US" altLang="ko-KR" dirty="0" err="1" smtClean="0">
-                <a:sym typeface="Wingdings" panose="05000000000000000000" pitchFamily="2" charset="2"/>
-              </a:rPr>
-              <a:t>SurfaceView</a:t>
-            </a:r>
-            <a:r>
-              <a:rPr lang="en-US" altLang="ko-KR" dirty="0" smtClean="0">
-                <a:sym typeface="Wingdings" panose="05000000000000000000" pitchFamily="2" charset="2"/>
-              </a:rPr>
-              <a:t>) </a:t>
-            </a:r>
-            <a:r>
-              <a:rPr lang="ko-KR" altLang="en-US" dirty="0" smtClean="0">
-                <a:sym typeface="Wingdings" panose="05000000000000000000" pitchFamily="2" charset="2"/>
-              </a:rPr>
-              <a:t>라는 것으로 카메라 </a:t>
-            </a:r>
-            <a:r>
-              <a:rPr lang="ko-KR" altLang="en-US" dirty="0" err="1" smtClean="0">
-                <a:sym typeface="Wingdings" panose="05000000000000000000" pitchFamily="2" charset="2"/>
-              </a:rPr>
-              <a:t>미리보기</a:t>
-            </a:r>
-            <a:r>
-              <a:rPr lang="ko-KR" altLang="en-US" dirty="0" smtClean="0">
-                <a:sym typeface="Wingdings" panose="05000000000000000000" pitchFamily="2" charset="2"/>
-              </a:rPr>
-              <a:t> 화면을 구현할 수 있습니다</a:t>
-            </a:r>
-            <a:r>
-              <a:rPr lang="en-US" altLang="ko-KR" dirty="0" smtClean="0">
-                <a:sym typeface="Wingdings" panose="05000000000000000000" pitchFamily="2" charset="2"/>
-              </a:rPr>
-              <a:t>. </a:t>
-            </a:r>
-          </a:p>
-          <a:p>
-            <a:r>
-              <a:rPr lang="ko-KR" altLang="en-US" dirty="0" err="1" smtClean="0">
-                <a:sym typeface="Wingdings" panose="05000000000000000000" pitchFamily="2" charset="2"/>
-              </a:rPr>
-              <a:t>서피스뷰는</a:t>
-            </a:r>
-            <a:r>
-              <a:rPr lang="ko-KR" altLang="en-US" dirty="0" smtClean="0">
-                <a:sym typeface="Wingdings" panose="05000000000000000000" pitchFamily="2" charset="2"/>
-              </a:rPr>
-              <a:t> </a:t>
-            </a:r>
-            <a:r>
-              <a:rPr lang="ko-KR" altLang="en-US" dirty="0" err="1" smtClean="0">
-                <a:sym typeface="Wingdings" panose="05000000000000000000" pitchFamily="2" charset="2"/>
-              </a:rPr>
-              <a:t>서피스홀더</a:t>
-            </a:r>
-            <a:r>
-              <a:rPr lang="en-US" altLang="ko-KR" dirty="0" smtClean="0">
-                <a:sym typeface="Wingdings" panose="05000000000000000000" pitchFamily="2" charset="2"/>
-              </a:rPr>
-              <a:t>(</a:t>
-            </a:r>
-            <a:r>
-              <a:rPr lang="en-US" altLang="ko-KR" dirty="0" err="1" smtClean="0">
-                <a:sym typeface="Wingdings" panose="05000000000000000000" pitchFamily="2" charset="2"/>
-              </a:rPr>
-              <a:t>SurfaceHolder</a:t>
-            </a:r>
-            <a:r>
-              <a:rPr lang="en-US" altLang="ko-KR" dirty="0" smtClean="0">
-                <a:sym typeface="Wingdings" panose="05000000000000000000" pitchFamily="2" charset="2"/>
-              </a:rPr>
-              <a:t>) </a:t>
-            </a:r>
-            <a:r>
-              <a:rPr lang="ko-KR" altLang="en-US" dirty="0" smtClean="0">
-                <a:sym typeface="Wingdings" panose="05000000000000000000" pitchFamily="2" charset="2"/>
-              </a:rPr>
-              <a:t>객체에 의해 생성되고 제어됩니다</a:t>
-            </a:r>
-            <a:r>
-              <a:rPr lang="en-US" altLang="ko-KR" dirty="0" smtClean="0">
-                <a:sym typeface="Wingdings" panose="05000000000000000000" pitchFamily="2" charset="2"/>
-              </a:rPr>
-              <a:t>. </a:t>
-            </a:r>
-            <a:br>
-              <a:rPr lang="en-US" altLang="ko-KR" dirty="0" smtClean="0">
-                <a:sym typeface="Wingdings" panose="05000000000000000000" pitchFamily="2" charset="2"/>
-              </a:rPr>
-            </a:br>
-            <a:r>
-              <a:rPr lang="ko-KR" altLang="en-US" dirty="0" err="1" smtClean="0">
-                <a:sym typeface="Wingdings" panose="05000000000000000000" pitchFamily="2" charset="2"/>
-              </a:rPr>
-              <a:t>서피스홀더</a:t>
-            </a:r>
-            <a:r>
-              <a:rPr lang="ko-KR" altLang="en-US" dirty="0" smtClean="0">
-                <a:sym typeface="Wingdings" panose="05000000000000000000" pitchFamily="2" charset="2"/>
-              </a:rPr>
-              <a:t> 객체의 </a:t>
-            </a:r>
-            <a:r>
-              <a:rPr lang="en-US" altLang="ko-KR" dirty="0" err="1" smtClean="0">
-                <a:sym typeface="Wingdings" panose="05000000000000000000" pitchFamily="2" charset="2"/>
-              </a:rPr>
-              <a:t>setPreiewDisplay</a:t>
-            </a:r>
-            <a:r>
-              <a:rPr lang="en-US" altLang="ko-KR" dirty="0" smtClean="0">
-                <a:sym typeface="Wingdings" panose="05000000000000000000" pitchFamily="2" charset="2"/>
-              </a:rPr>
-              <a:t>() </a:t>
-            </a:r>
-            <a:r>
-              <a:rPr lang="ko-KR" altLang="en-US" dirty="0" err="1" smtClean="0">
-                <a:sym typeface="Wingdings" panose="05000000000000000000" pitchFamily="2" charset="2"/>
-              </a:rPr>
-              <a:t>메소드로</a:t>
-            </a:r>
-            <a:r>
-              <a:rPr lang="ko-KR" altLang="en-US" dirty="0" smtClean="0">
-                <a:sym typeface="Wingdings" panose="05000000000000000000" pitchFamily="2" charset="2"/>
-              </a:rPr>
-              <a:t> </a:t>
-            </a:r>
-            <a:r>
-              <a:rPr lang="ko-KR" altLang="en-US" dirty="0" err="1" smtClean="0">
-                <a:sym typeface="Wingdings" panose="05000000000000000000" pitchFamily="2" charset="2"/>
-              </a:rPr>
-              <a:t>미리보기를</a:t>
-            </a:r>
-            <a:r>
-              <a:rPr lang="ko-KR" altLang="en-US" dirty="0" smtClean="0">
-                <a:sym typeface="Wingdings" panose="05000000000000000000" pitchFamily="2" charset="2"/>
-              </a:rPr>
-              <a:t> 설정해 줄 수 있습니다</a:t>
-            </a:r>
-            <a:r>
-              <a:rPr lang="en-US" altLang="ko-KR" dirty="0" smtClean="0">
-                <a:sym typeface="Wingdings" panose="05000000000000000000" pitchFamily="2" charset="2"/>
-              </a:rPr>
-              <a:t>.  </a:t>
-            </a:r>
-          </a:p>
-          <a:p>
-            <a:r>
-              <a:rPr lang="ko-KR" altLang="en-US" dirty="0" smtClean="0">
-                <a:sym typeface="Wingdings" panose="05000000000000000000" pitchFamily="2" charset="2"/>
-              </a:rPr>
-              <a:t>필요한 초기화 작업이 끝나면 카메라 객체의 </a:t>
-            </a:r>
-            <a:r>
-              <a:rPr lang="en-US" altLang="ko-KR" dirty="0" err="1" smtClean="0">
-                <a:sym typeface="Wingdings" panose="05000000000000000000" pitchFamily="2" charset="2"/>
-              </a:rPr>
-              <a:t>startPreview</a:t>
-            </a:r>
-            <a:r>
-              <a:rPr lang="en-US" altLang="ko-KR" dirty="0" smtClean="0">
-                <a:sym typeface="Wingdings" panose="05000000000000000000" pitchFamily="2" charset="2"/>
-              </a:rPr>
-              <a:t>() </a:t>
-            </a:r>
-            <a:r>
-              <a:rPr lang="ko-KR" altLang="en-US" dirty="0" smtClean="0">
-                <a:sym typeface="Wingdings" panose="05000000000000000000" pitchFamily="2" charset="2"/>
-              </a:rPr>
-              <a:t>메소드를 </a:t>
-            </a:r>
-            <a:r>
-              <a:rPr lang="ko-KR" altLang="en-US" dirty="0" err="1" smtClean="0">
-                <a:sym typeface="Wingdings" panose="05000000000000000000" pitchFamily="2" charset="2"/>
-              </a:rPr>
-              <a:t>호춣할</a:t>
-            </a:r>
-            <a:r>
-              <a:rPr lang="ko-KR" altLang="en-US" dirty="0" smtClean="0">
-                <a:sym typeface="Wingdings" panose="05000000000000000000" pitchFamily="2" charset="2"/>
-              </a:rPr>
-              <a:t> 수 있으며</a:t>
-            </a:r>
-            <a:r>
-              <a:rPr lang="en-US" altLang="ko-KR" dirty="0" smtClean="0">
-                <a:sym typeface="Wingdings" panose="05000000000000000000" pitchFamily="2" charset="2"/>
-              </a:rPr>
-              <a:t>, </a:t>
-            </a:r>
-            <a:r>
-              <a:rPr lang="ko-KR" altLang="en-US" dirty="0" smtClean="0">
-                <a:sym typeface="Wingdings" panose="05000000000000000000" pitchFamily="2" charset="2"/>
-              </a:rPr>
-              <a:t>이때부터 카메라로 입력되는 영상을 </a:t>
-            </a:r>
-            <a:r>
-              <a:rPr lang="ko-KR" altLang="en-US" dirty="0" err="1" smtClean="0">
-                <a:sym typeface="Wingdings" panose="05000000000000000000" pitchFamily="2" charset="2"/>
-              </a:rPr>
-              <a:t>서피스뷰로</a:t>
-            </a:r>
-            <a:r>
-              <a:rPr lang="ko-KR" altLang="en-US" dirty="0" smtClean="0">
-                <a:sym typeface="Wingdings" panose="05000000000000000000" pitchFamily="2" charset="2"/>
-              </a:rPr>
-              <a:t> 화면에 보여주게 됩니다</a:t>
-            </a:r>
-            <a:r>
-              <a:rPr lang="en-US" altLang="ko-KR" dirty="0" smtClean="0">
-                <a:sym typeface="Wingdings" panose="05000000000000000000" pitchFamily="2" charset="2"/>
-              </a:rPr>
-              <a:t>. </a:t>
-            </a:r>
-            <a:r>
-              <a:rPr lang="ko-KR" altLang="en-US" dirty="0" smtClean="0">
-                <a:sym typeface="Wingdings" panose="05000000000000000000" pitchFamily="2" charset="2"/>
-              </a:rPr>
-              <a:t>이때 타입은 </a:t>
-            </a:r>
-            <a:r>
-              <a:rPr lang="en-US" altLang="ko-KR" dirty="0" smtClean="0">
-                <a:sym typeface="Wingdings" panose="05000000000000000000" pitchFamily="2" charset="2"/>
-              </a:rPr>
-              <a:t>SURFACE_TYPE_PUSH_BUFFERS </a:t>
-            </a:r>
-            <a:r>
-              <a:rPr lang="ko-KR" altLang="en-US" dirty="0" smtClean="0">
-                <a:sym typeface="Wingdings" panose="05000000000000000000" pitchFamily="2" charset="2"/>
-              </a:rPr>
-              <a:t>가 되어야 합니다</a:t>
-            </a:r>
+            <a:pPr>
+              <a:buFont typeface="+mj-lt"/>
+              <a:buAutoNum type="arabicPeriod"/>
+            </a:pPr>
             <a:endParaRPr lang="en-US" altLang="ko-KR" dirty="0">
               <a:sym typeface="Wingdings" panose="05000000000000000000" pitchFamily="2" charset="2"/>
             </a:endParaRPr>
           </a:p>
           <a:p>
+            <a:pPr>
+              <a:buFont typeface="+mj-lt"/>
+              <a:buAutoNum type="arabicPeriod"/>
+            </a:pPr>
             <a:endParaRPr lang="en-US" altLang="ko-KR" dirty="0" smtClean="0">
               <a:sym typeface="Wingdings" panose="05000000000000000000" pitchFamily="2" charset="2"/>
             </a:endParaRPr>
           </a:p>
           <a:p>
-            <a:r>
-              <a:rPr lang="ko-KR" altLang="en-US" b="1" dirty="0" smtClean="0">
-                <a:sym typeface="Wingdings" panose="05000000000000000000" pitchFamily="2" charset="2"/>
-              </a:rPr>
-              <a:t>카메라 </a:t>
-            </a:r>
-            <a:r>
-              <a:rPr lang="ko-KR" altLang="en-US" b="1" dirty="0" err="1" smtClean="0">
-                <a:sym typeface="Wingdings" panose="05000000000000000000" pitchFamily="2" charset="2"/>
-              </a:rPr>
-              <a:t>미리보기를</a:t>
-            </a:r>
-            <a:r>
-              <a:rPr lang="ko-KR" altLang="en-US" b="1" dirty="0" smtClean="0">
-                <a:sym typeface="Wingdings" panose="05000000000000000000" pitchFamily="2" charset="2"/>
-              </a:rPr>
-              <a:t> 사용할 때는 일반적으로 뷰를 중첩시켜 사용합니다</a:t>
-            </a:r>
+            <a:pPr>
+              <a:buFont typeface="+mj-lt"/>
+              <a:buAutoNum type="arabicPeriod"/>
+            </a:pPr>
+            <a:endParaRPr lang="en-US" altLang="ko-KR" dirty="0">
+              <a:sym typeface="Wingdings" panose="05000000000000000000" pitchFamily="2" charset="2"/>
+            </a:endParaRPr>
+          </a:p>
+          <a:p>
+            <a:pPr>
+              <a:buFont typeface="+mj-lt"/>
+              <a:buAutoNum type="arabicPeriod"/>
+            </a:pPr>
+            <a:endParaRPr lang="en-US" altLang="ko-KR" dirty="0" smtClean="0">
+              <a:sym typeface="Wingdings" panose="05000000000000000000" pitchFamily="2" charset="2"/>
+            </a:endParaRPr>
+          </a:p>
+          <a:p>
+            <a:pPr>
+              <a:buFont typeface="+mj-lt"/>
+              <a:buAutoNum type="arabicPeriod"/>
+            </a:pPr>
+            <a:endParaRPr lang="en-US" altLang="ko-KR" dirty="0">
+              <a:sym typeface="Wingdings" panose="05000000000000000000" pitchFamily="2" charset="2"/>
+            </a:endParaRPr>
+          </a:p>
+          <a:p>
+            <a:pPr>
+              <a:buFont typeface="+mj-lt"/>
+              <a:buAutoNum type="arabicPeriod"/>
+            </a:pPr>
+            <a:endParaRPr lang="en-US" altLang="ko-KR" dirty="0" smtClean="0">
+              <a:sym typeface="Wingdings" panose="05000000000000000000" pitchFamily="2" charset="2"/>
+            </a:endParaRPr>
+          </a:p>
+          <a:p>
+            <a:pPr>
+              <a:buFont typeface="+mj-lt"/>
+              <a:buAutoNum type="arabicPeriod"/>
+            </a:pPr>
+            <a:endParaRPr lang="en-US" altLang="ko-KR" dirty="0">
+              <a:sym typeface="Wingdings" panose="05000000000000000000" pitchFamily="2" charset="2"/>
+            </a:endParaRPr>
+          </a:p>
+          <a:p>
+            <a:pPr>
+              <a:buFont typeface="+mj-lt"/>
+              <a:buAutoNum type="arabicPeriod"/>
+            </a:pPr>
             <a:r>
               <a:rPr lang="en-US" altLang="ko-KR" b="1" dirty="0" smtClean="0">
                 <a:sym typeface="Wingdings" panose="05000000000000000000" pitchFamily="2" charset="2"/>
               </a:rPr>
+              <a:t>device</a:t>
+            </a:r>
+            <a:r>
+              <a:rPr lang="ko-KR" altLang="en-US" dirty="0" smtClean="0">
+                <a:sym typeface="Wingdings" panose="05000000000000000000" pitchFamily="2" charset="2"/>
+              </a:rPr>
+              <a:t>를 검색하면</a:t>
+            </a:r>
+            <a:r>
+              <a:rPr lang="en-US" altLang="ko-KR" dirty="0" smtClean="0">
+                <a:sym typeface="Wingdings" panose="05000000000000000000" pitchFamily="2" charset="2"/>
+              </a:rPr>
+              <a:t>, Device File Explorer </a:t>
+            </a:r>
+            <a:r>
+              <a:rPr lang="ko-KR" altLang="en-US" dirty="0" smtClean="0">
+                <a:sym typeface="Wingdings" panose="05000000000000000000" pitchFamily="2" charset="2"/>
+              </a:rPr>
+              <a:t>가 검색되고</a:t>
+            </a:r>
+            <a:r>
+              <a:rPr lang="en-US" altLang="ko-KR" dirty="0" smtClean="0">
+                <a:sym typeface="Wingdings" panose="05000000000000000000" pitchFamily="2" charset="2"/>
+              </a:rPr>
+              <a:t>, </a:t>
+            </a:r>
+            <a:br>
+              <a:rPr lang="en-US" altLang="ko-KR" dirty="0" smtClean="0">
+                <a:sym typeface="Wingdings" panose="05000000000000000000" pitchFamily="2" charset="2"/>
+              </a:rPr>
+            </a:br>
+            <a:r>
+              <a:rPr lang="ko-KR" altLang="en-US" dirty="0" smtClean="0">
+                <a:sym typeface="Wingdings" panose="05000000000000000000" pitchFamily="2" charset="2"/>
+              </a:rPr>
+              <a:t>이를 선택하면</a:t>
+            </a:r>
+            <a:r>
+              <a:rPr lang="en-US" altLang="ko-KR" dirty="0" smtClean="0">
+                <a:sym typeface="Wingdings" panose="05000000000000000000" pitchFamily="2" charset="2"/>
+              </a:rPr>
+              <a:t>, </a:t>
+            </a:r>
+            <a:r>
+              <a:rPr lang="ko-KR" altLang="en-US" dirty="0" smtClean="0">
+                <a:sym typeface="Wingdings" panose="05000000000000000000" pitchFamily="2" charset="2"/>
+              </a:rPr>
+              <a:t>다음과 같은 창이 안스의 탭으로 삽입됩니다</a:t>
+            </a:r>
+            <a:r>
+              <a:rPr lang="en-US" altLang="ko-KR" dirty="0" smtClean="0">
+                <a:sym typeface="Wingdings" panose="05000000000000000000" pitchFamily="2" charset="2"/>
+              </a:rPr>
               <a:t>. </a:t>
             </a:r>
           </a:p>
           <a:p>
-            <a:pPr lvl="1"/>
-            <a:r>
-              <a:rPr lang="ko-KR" altLang="en-US" dirty="0" err="1" smtClean="0">
-                <a:sym typeface="Wingdings" panose="05000000000000000000" pitchFamily="2" charset="2"/>
-              </a:rPr>
-              <a:t>서피스뷰의</a:t>
-            </a:r>
-            <a:r>
-              <a:rPr lang="ko-KR" altLang="en-US" dirty="0" smtClean="0">
-                <a:sym typeface="Wingdings" panose="05000000000000000000" pitchFamily="2" charset="2"/>
-              </a:rPr>
-              <a:t> 타입을 카메라의 영상을 </a:t>
-            </a:r>
-            <a:r>
-              <a:rPr lang="ko-KR" altLang="en-US" dirty="0">
-                <a:sym typeface="Wingdings" panose="05000000000000000000" pitchFamily="2" charset="2"/>
-              </a:rPr>
-              <a:t>뿌</a:t>
-            </a:r>
-            <a:r>
-              <a:rPr lang="ko-KR" altLang="en-US" dirty="0" smtClean="0">
-                <a:sym typeface="Wingdings" panose="05000000000000000000" pitchFamily="2" charset="2"/>
-              </a:rPr>
-              <a:t>려주는 데만 사용하도록 설정한 경우</a:t>
-            </a:r>
-            <a:r>
-              <a:rPr lang="en-US" altLang="ko-KR" dirty="0" smtClean="0">
-                <a:sym typeface="Wingdings" panose="05000000000000000000" pitchFamily="2" charset="2"/>
-              </a:rPr>
-              <a:t>, </a:t>
-            </a:r>
-            <a:r>
-              <a:rPr lang="ko-KR" altLang="en-US" dirty="0" smtClean="0">
-                <a:sym typeface="Wingdings" panose="05000000000000000000" pitchFamily="2" charset="2"/>
-              </a:rPr>
-              <a:t>그 위에 별도의 그래픽 그리기가 제한됩니다</a:t>
-            </a:r>
-            <a:r>
-              <a:rPr lang="en-US" altLang="ko-KR" dirty="0" smtClean="0">
-                <a:sym typeface="Wingdings" panose="05000000000000000000" pitchFamily="2" charset="2"/>
-              </a:rPr>
-              <a:t>. </a:t>
-            </a:r>
-            <a:r>
-              <a:rPr lang="ko-KR" altLang="en-US" dirty="0" smtClean="0">
-                <a:sym typeface="Wingdings" panose="05000000000000000000" pitchFamily="2" charset="2"/>
-              </a:rPr>
-              <a:t>따라서 나침반</a:t>
-            </a:r>
-            <a:r>
-              <a:rPr lang="en-US" altLang="ko-KR" dirty="0" smtClean="0">
-                <a:sym typeface="Wingdings" panose="05000000000000000000" pitchFamily="2" charset="2"/>
-              </a:rPr>
-              <a:t>, </a:t>
-            </a:r>
-            <a:r>
-              <a:rPr lang="ko-KR" altLang="en-US" dirty="0" smtClean="0">
-                <a:sym typeface="Wingdings" panose="05000000000000000000" pitchFamily="2" charset="2"/>
-              </a:rPr>
-              <a:t>버튼</a:t>
-            </a:r>
-            <a:r>
-              <a:rPr lang="en-US" altLang="ko-KR" dirty="0" smtClean="0">
-                <a:sym typeface="Wingdings" panose="05000000000000000000" pitchFamily="2" charset="2"/>
-              </a:rPr>
-              <a:t>, </a:t>
-            </a:r>
-            <a:r>
-              <a:rPr lang="ko-KR" altLang="en-US" dirty="0" smtClean="0">
-                <a:sym typeface="Wingdings" panose="05000000000000000000" pitchFamily="2" charset="2"/>
-              </a:rPr>
-              <a:t>버튼</a:t>
-            </a:r>
-            <a:r>
-              <a:rPr lang="en-US" altLang="ko-KR" dirty="0" smtClean="0">
-                <a:sym typeface="Wingdings" panose="05000000000000000000" pitchFamily="2" charset="2"/>
-              </a:rPr>
-              <a:t>, </a:t>
-            </a:r>
-            <a:r>
-              <a:rPr lang="ko-KR" altLang="en-US" dirty="0" smtClean="0">
-                <a:sym typeface="Wingdings" panose="05000000000000000000" pitchFamily="2" charset="2"/>
-              </a:rPr>
-              <a:t>쿠폰 등을 보여줄 </a:t>
-            </a:r>
-            <a:r>
-              <a:rPr lang="ko-KR" altLang="en-US" dirty="0" err="1" smtClean="0">
-                <a:sym typeface="Wingdings" panose="05000000000000000000" pitchFamily="2" charset="2"/>
-              </a:rPr>
-              <a:t>이미지뷰</a:t>
-            </a:r>
-            <a:r>
-              <a:rPr lang="ko-KR" altLang="en-US" dirty="0" smtClean="0">
-                <a:sym typeface="Wingdings" panose="05000000000000000000" pitchFamily="2" charset="2"/>
-              </a:rPr>
-              <a:t> 등 별도의 위젯 또는 그래픽을 올리려면 또 다른 레이아웃 </a:t>
-            </a:r>
-            <a:r>
-              <a:rPr lang="ko-KR" altLang="en-US" dirty="0" err="1" smtClean="0">
-                <a:sym typeface="Wingdings" panose="05000000000000000000" pitchFamily="2" charset="2"/>
-              </a:rPr>
-              <a:t>서피스뷰</a:t>
-            </a:r>
-            <a:r>
-              <a:rPr lang="ko-KR" altLang="en-US" dirty="0" smtClean="0">
-                <a:sym typeface="Wingdings" panose="05000000000000000000" pitchFamily="2" charset="2"/>
-              </a:rPr>
-              <a:t> 위에 겹쳐 두고 배경을 투명하게 만드는 방법을 사용할 수 있습니다</a:t>
-            </a:r>
-            <a:r>
-              <a:rPr lang="en-US" altLang="ko-KR" dirty="0" smtClean="0">
-                <a:sym typeface="Wingdings" panose="05000000000000000000" pitchFamily="2" charset="2"/>
-              </a:rPr>
-              <a:t>. </a:t>
-            </a:r>
+            <a:pPr>
+              <a:buFont typeface="+mj-lt"/>
+              <a:buAutoNum type="arabicPeriod"/>
+            </a:pPr>
+            <a:r>
+              <a:rPr lang="en-US" altLang="ko-KR" dirty="0" smtClean="0">
+                <a:sym typeface="Wingdings" panose="05000000000000000000" pitchFamily="2" charset="2"/>
+              </a:rPr>
+              <a:t>"/storage/emulated/0" </a:t>
+            </a:r>
+            <a:r>
+              <a:rPr lang="ko-KR" altLang="en-US" dirty="0" smtClean="0">
+                <a:sym typeface="Wingdings" panose="05000000000000000000" pitchFamily="2" charset="2"/>
+              </a:rPr>
+              <a:t>가 </a:t>
+            </a:r>
+            <a:r>
+              <a:rPr lang="en-US" altLang="ko-KR" b="1" dirty="0" err="1" smtClean="0">
+                <a:sym typeface="Wingdings" panose="05000000000000000000" pitchFamily="2" charset="2"/>
+              </a:rPr>
+              <a:t>sdcard</a:t>
+            </a:r>
+            <a:r>
+              <a:rPr lang="ko-KR" altLang="en-US" dirty="0" smtClean="0">
+                <a:sym typeface="Wingdings" panose="05000000000000000000" pitchFamily="2" charset="2"/>
+              </a:rPr>
+              <a:t>를 의미하므로 </a:t>
+            </a:r>
+            <a:r>
+              <a:rPr lang="en-US" altLang="ko-KR" dirty="0" smtClean="0">
+                <a:sym typeface="Wingdings" panose="05000000000000000000" pitchFamily="2" charset="2"/>
+              </a:rPr>
+              <a:t/>
+            </a:r>
+            <a:br>
+              <a:rPr lang="en-US" altLang="ko-KR" dirty="0" smtClean="0">
+                <a:sym typeface="Wingdings" panose="05000000000000000000" pitchFamily="2" charset="2"/>
+              </a:rPr>
+            </a:br>
+            <a:r>
+              <a:rPr lang="ko-KR" altLang="en-US" dirty="0" smtClean="0">
+                <a:sym typeface="Wingdings" panose="05000000000000000000" pitchFamily="2" charset="2"/>
+              </a:rPr>
+              <a:t>그 폴더에 앱에서 찍은 사진 </a:t>
+            </a:r>
+            <a:r>
+              <a:rPr lang="en-US" altLang="ko-KR" b="1" dirty="0" smtClean="0">
+                <a:sym typeface="Wingdings" panose="05000000000000000000" pitchFamily="2" charset="2"/>
+              </a:rPr>
+              <a:t>capture.jpg</a:t>
+            </a:r>
+            <a:r>
+              <a:rPr lang="ko-KR" altLang="en-US" dirty="0" smtClean="0">
+                <a:sym typeface="Wingdings" panose="05000000000000000000" pitchFamily="2" charset="2"/>
+              </a:rPr>
+              <a:t>를 찾을 수 있습니다</a:t>
+            </a:r>
+            <a:r>
+              <a:rPr lang="en-US" altLang="ko-KR" dirty="0" smtClean="0">
+                <a:sym typeface="Wingdings" panose="05000000000000000000" pitchFamily="2" charset="2"/>
+              </a:rPr>
+              <a:t>.</a:t>
+            </a:r>
+            <a:endParaRPr lang="en-US" altLang="ko-KR" dirty="0" smtClean="0">
+              <a:sym typeface="Wingdings" panose="05000000000000000000" pitchFamily="2" charset="2"/>
+            </a:endParaRPr>
+          </a:p>
+          <a:p>
+            <a:endParaRPr lang="en-US" altLang="ko-KR" dirty="0">
+              <a:sym typeface="Wingdings" panose="05000000000000000000" pitchFamily="2" charset="2"/>
+            </a:endParaRPr>
+          </a:p>
+          <a:p>
+            <a:endParaRPr lang="en-US" altLang="ko-KR" dirty="0" smtClean="0">
+              <a:sym typeface="Wingdings" panose="05000000000000000000" pitchFamily="2" charset="2"/>
+            </a:endParaRPr>
+          </a:p>
+          <a:p>
             <a:endParaRPr lang="en-US" altLang="ko-KR" dirty="0">
               <a:sym typeface="Wingdings" panose="05000000000000000000" pitchFamily="2" charset="2"/>
             </a:endParaRPr>
@@ -12554,10 +12376,138 @@
           </a:p>
         </p:txBody>
       </p:sp>
+      <p:pic>
+        <p:nvPicPr>
+          <p:cNvPr id="6" name="그림 5"/>
+          <p:cNvPicPr>
+            <a:picLocks noChangeAspect="1"/>
+          </p:cNvPicPr>
+          <p:nvPr/>
+        </p:nvPicPr>
+        <p:blipFill>
+          <a:blip r:embed="rId2"/>
+          <a:stretch>
+            <a:fillRect/>
+          </a:stretch>
+        </p:blipFill>
+        <p:spPr>
+          <a:xfrm>
+            <a:off x="1055441" y="1628800"/>
+            <a:ext cx="4824536" cy="2118923"/>
+          </a:xfrm>
+          <a:prstGeom prst="rect">
+            <a:avLst/>
+          </a:prstGeom>
+        </p:spPr>
+      </p:pic>
+      <p:sp>
+        <p:nvSpPr>
+          <p:cNvPr id="7" name="오른쪽 화살표 6"/>
+          <p:cNvSpPr/>
+          <p:nvPr/>
+        </p:nvSpPr>
+        <p:spPr>
+          <a:xfrm>
+            <a:off x="7860196" y="2276872"/>
+            <a:ext cx="468052" cy="288032"/>
+          </a:xfrm>
+          <a:prstGeom prst="rightArrow">
+            <a:avLst/>
+          </a:prstGeom>
+        </p:spPr>
+        <p:style>
+          <a:lnRef idx="2">
+            <a:schemeClr val="accent1">
+              <a:shade val="50000"/>
+            </a:schemeClr>
+          </a:lnRef>
+          <a:fillRef idx="1">
+            <a:schemeClr val="accent1"/>
+          </a:fillRef>
+          <a:effectRef idx="0">
+            <a:schemeClr val="accent1"/>
+          </a:effectRef>
+          <a:fontRef idx="minor">
+            <a:schemeClr val="lt1"/>
+          </a:fontRef>
+        </p:style>
+        <p:txBody>
+          <a:bodyPr rtlCol="0" anchor="ctr"/>
+          <a:lstStyle/>
+          <a:p>
+            <a:pPr algn="ctr"/>
+            <a:endParaRPr lang="ko-KR" altLang="en-US"/>
+          </a:p>
+        </p:txBody>
+      </p:sp>
+      <p:pic>
+        <p:nvPicPr>
+          <p:cNvPr id="12" name="그림 11"/>
+          <p:cNvPicPr>
+            <a:picLocks noChangeAspect="1"/>
+          </p:cNvPicPr>
+          <p:nvPr/>
+        </p:nvPicPr>
+        <p:blipFill>
+          <a:blip r:embed="rId3"/>
+          <a:stretch>
+            <a:fillRect/>
+          </a:stretch>
+        </p:blipFill>
+        <p:spPr>
+          <a:xfrm>
+            <a:off x="8328248" y="1292914"/>
+            <a:ext cx="3520745" cy="4435224"/>
+          </a:xfrm>
+          <a:prstGeom prst="rect">
+            <a:avLst/>
+          </a:prstGeom>
+        </p:spPr>
+      </p:pic>
+      <p:sp>
+        <p:nvSpPr>
+          <p:cNvPr id="13" name="오른쪽 화살표 12"/>
+          <p:cNvSpPr/>
+          <p:nvPr/>
+        </p:nvSpPr>
+        <p:spPr>
+          <a:xfrm>
+            <a:off x="7860196" y="4242685"/>
+            <a:ext cx="468052" cy="288032"/>
+          </a:xfrm>
+          <a:prstGeom prst="rightArrow">
+            <a:avLst/>
+          </a:prstGeom>
+        </p:spPr>
+        <p:style>
+          <a:lnRef idx="2">
+            <a:schemeClr val="accent1">
+              <a:shade val="50000"/>
+            </a:schemeClr>
+          </a:lnRef>
+          <a:fillRef idx="1">
+            <a:schemeClr val="accent1"/>
+          </a:fillRef>
+          <a:effectRef idx="0">
+            <a:schemeClr val="accent1"/>
+          </a:effectRef>
+          <a:fontRef idx="minor">
+            <a:schemeClr val="lt1"/>
+          </a:fontRef>
+        </p:style>
+        <p:txBody>
+          <a:bodyPr rtlCol="0" anchor="ctr"/>
+          <a:lstStyle/>
+          <a:p>
+            <a:pPr algn="ctr"/>
+            <a:endParaRPr lang="ko-KR" altLang="en-US"/>
+          </a:p>
+        </p:txBody>
+      </p:sp>
     </p:spTree>
     <p:extLst>
       <p:ext uri="{BB962C8B-B14F-4D97-AF65-F5344CB8AC3E}">
-        <p14:creationId xmlns:p14="http://schemas.microsoft.com/office/powerpoint/2010/main" val="2679770811"/>
+        <p14:creationId xmlns:p14="http://schemas.microsoft.com/office/powerpoint/2010/main" val="4148105878"/>
       </p:ext>
     </p:extLst>
   </p:cSld>
@@ -12627,34 +12577,6 @@
               </a:rPr>
               <a:t> 넣기 </a:t>
             </a:r>
-            <a:r>
-              <a:rPr lang="en-US" altLang="ko-KR" dirty="0" smtClean="0">
-                <a:latin typeface="나눔고딕" panose="020D0604000000000000" pitchFamily="50" charset="-127"/>
-                <a:ea typeface="나눔고딕" panose="020D0604000000000000" pitchFamily="50" charset="-127"/>
-              </a:rPr>
-              <a:t>– </a:t>
-            </a:r>
-            <a:r>
-              <a:rPr lang="ko-KR" altLang="en-US" dirty="0" smtClean="0">
-                <a:latin typeface="나눔고딕" panose="020D0604000000000000" pitchFamily="50" charset="-127"/>
-                <a:ea typeface="나눔고딕" panose="020D0604000000000000" pitchFamily="50" charset="-127"/>
-              </a:rPr>
-              <a:t>카메라 </a:t>
-            </a:r>
-            <a:r>
-              <a:rPr lang="ko-KR" altLang="en-US" dirty="0" err="1" smtClean="0">
-                <a:latin typeface="나눔고딕" panose="020D0604000000000000" pitchFamily="50" charset="-127"/>
-                <a:ea typeface="나눔고딕" panose="020D0604000000000000" pitchFamily="50" charset="-127"/>
-              </a:rPr>
-              <a:t>미리보기</a:t>
-            </a:r>
-            <a:r>
-              <a:rPr lang="ko-KR" altLang="en-US" dirty="0" smtClean="0">
-                <a:latin typeface="나눔고딕" panose="020D0604000000000000" pitchFamily="50" charset="-127"/>
-                <a:ea typeface="나눔고딕" panose="020D0604000000000000" pitchFamily="50" charset="-127"/>
-              </a:rPr>
-              <a:t> 실습</a:t>
-            </a:r>
             <a:endParaRPr lang="ko-KR" altLang="en-US" dirty="0"/>
           </a:p>
         </p:txBody>
@@ -12674,47 +12596,153 @@
           <a:bodyPr/>
           <a:lstStyle/>
           <a:p>
-            <a:pPr marL="0" indent="0">
-              <a:buNone/>
-            </a:pPr>
-            <a:r>
-              <a:rPr lang="ko-KR" altLang="en-US" b="1" dirty="0" smtClean="0">
-                <a:solidFill>
-                  <a:srgbClr val="C00000"/>
-                </a:solidFill>
-                <a:sym typeface="Wingdings" panose="05000000000000000000" pitchFamily="2" charset="2"/>
-              </a:rPr>
-              <a:t>카메라 </a:t>
-            </a:r>
-            <a:r>
-              <a:rPr lang="ko-KR" altLang="en-US" b="1" dirty="0" err="1" smtClean="0">
-                <a:solidFill>
-                  <a:srgbClr val="C00000"/>
-                </a:solidFill>
+            <a:r>
+              <a:rPr lang="ko-KR" altLang="en-US" dirty="0" err="1" smtClean="0">
+                <a:sym typeface="Wingdings" panose="05000000000000000000" pitchFamily="2" charset="2"/>
+              </a:rPr>
+              <a:t>인텐트와</a:t>
+            </a:r>
+            <a:r>
+              <a:rPr lang="ko-KR" altLang="en-US" dirty="0" smtClean="0">
+                <a:sym typeface="Wingdings" panose="05000000000000000000" pitchFamily="2" charset="2"/>
+              </a:rPr>
+              <a:t> </a:t>
+            </a:r>
+            <a:r>
+              <a:rPr lang="en-US" altLang="ko-KR" dirty="0" smtClean="0">
+                <a:sym typeface="Wingdings" panose="05000000000000000000" pitchFamily="2" charset="2"/>
+              </a:rPr>
+              <a:t>startActivityForResult() </a:t>
+            </a:r>
+            <a:r>
+              <a:rPr lang="ko-KR" altLang="en-US" dirty="0" err="1" smtClean="0">
+                <a:sym typeface="Wingdings" panose="05000000000000000000" pitchFamily="2" charset="2"/>
+              </a:rPr>
+              <a:t>메소드로</a:t>
+            </a:r>
+            <a:r>
+              <a:rPr lang="ko-KR" altLang="en-US" dirty="0" smtClean="0">
+                <a:sym typeface="Wingdings" panose="05000000000000000000" pitchFamily="2" charset="2"/>
+              </a:rPr>
+              <a:t> 사진을 찍는 방법은 복잡하지 않지만</a:t>
+            </a:r>
+            <a:r>
+              <a:rPr lang="en-US" altLang="ko-KR" dirty="0" smtClean="0">
+                <a:sym typeface="Wingdings" panose="05000000000000000000" pitchFamily="2" charset="2"/>
+              </a:rPr>
+              <a:t>, </a:t>
+            </a:r>
+            <a:r>
+              <a:rPr lang="ko-KR" altLang="en-US" dirty="0" err="1" smtClean="0">
+                <a:sym typeface="Wingdings" panose="05000000000000000000" pitchFamily="2" charset="2"/>
+              </a:rPr>
+              <a:t>카매라</a:t>
+            </a:r>
+            <a:r>
+              <a:rPr lang="ko-KR" altLang="en-US" dirty="0" smtClean="0">
+                <a:sym typeface="Wingdings" panose="05000000000000000000" pitchFamily="2" charset="2"/>
+              </a:rPr>
+              <a:t> 앱을 기본적으로 제공하는 기능을 그대로 사용할 수 밖에 없습니다</a:t>
+            </a:r>
+            <a:r>
+              <a:rPr lang="en-US" altLang="ko-KR" dirty="0" smtClean="0">
+                <a:sym typeface="Wingdings" panose="05000000000000000000" pitchFamily="2" charset="2"/>
+              </a:rPr>
+              <a:t>. </a:t>
+            </a:r>
+          </a:p>
+          <a:p>
+            <a:r>
+              <a:rPr lang="ko-KR" altLang="en-US" dirty="0" smtClean="0">
+                <a:sym typeface="Wingdings" panose="05000000000000000000" pitchFamily="2" charset="2"/>
+              </a:rPr>
+              <a:t>카메라를 직접 좀 더 많은 기능을 제어하기 위해</a:t>
+            </a:r>
+            <a:r>
+              <a:rPr lang="en-US" altLang="ko-KR" dirty="0" smtClean="0">
+                <a:sym typeface="Wingdings" panose="05000000000000000000" pitchFamily="2" charset="2"/>
+              </a:rPr>
+              <a:t>, </a:t>
+            </a:r>
+            <a:r>
+              <a:rPr lang="ko-KR" altLang="en-US" dirty="0" smtClean="0">
+                <a:sym typeface="Wingdings" panose="05000000000000000000" pitchFamily="2" charset="2"/>
+              </a:rPr>
+              <a:t>예를 들면 미리 보기와</a:t>
+            </a:r>
+            <a:r>
+              <a:rPr lang="en-US" altLang="ko-KR" dirty="0" smtClean="0">
+                <a:sym typeface="Wingdings" panose="05000000000000000000" pitchFamily="2" charset="2"/>
+              </a:rPr>
+              <a:t> </a:t>
+            </a:r>
+            <a:r>
+              <a:rPr lang="ko-KR" altLang="en-US" dirty="0" smtClean="0">
+                <a:sym typeface="Wingdings" panose="05000000000000000000" pitchFamily="2" charset="2"/>
+              </a:rPr>
+              <a:t>증강현실 기능</a:t>
+            </a:r>
+            <a:r>
+              <a:rPr lang="en-US" altLang="ko-KR" dirty="0" smtClean="0">
+                <a:sym typeface="Wingdings" panose="05000000000000000000" pitchFamily="2" charset="2"/>
+              </a:rPr>
+              <a:t>, </a:t>
+            </a:r>
+            <a:r>
+              <a:rPr lang="ko-KR" altLang="en-US" dirty="0" err="1" smtClean="0">
+                <a:sym typeface="Wingdings" panose="05000000000000000000" pitchFamily="2" charset="2"/>
+              </a:rPr>
+              <a:t>서피스뷰</a:t>
+            </a:r>
+            <a:r>
+              <a:rPr lang="en-US" altLang="ko-KR" dirty="0" smtClean="0">
+                <a:sym typeface="Wingdings" panose="05000000000000000000" pitchFamily="2" charset="2"/>
+              </a:rPr>
+              <a:t>(</a:t>
+            </a:r>
+            <a:r>
+              <a:rPr lang="en-US" altLang="ko-KR" dirty="0" err="1" smtClean="0">
+                <a:sym typeface="Wingdings" panose="05000000000000000000" pitchFamily="2" charset="2"/>
+              </a:rPr>
+              <a:t>SurfaceView</a:t>
+            </a:r>
+            <a:r>
+              <a:rPr lang="en-US" altLang="ko-KR" dirty="0" smtClean="0">
+                <a:sym typeface="Wingdings" panose="05000000000000000000" pitchFamily="2" charset="2"/>
+              </a:rPr>
+              <a:t>) </a:t>
+            </a:r>
+            <a:r>
+              <a:rPr lang="ko-KR" altLang="en-US" dirty="0" smtClean="0">
+                <a:sym typeface="Wingdings" panose="05000000000000000000" pitchFamily="2" charset="2"/>
+              </a:rPr>
+              <a:t>라는 것으로 카메라 </a:t>
+            </a:r>
+            <a:r>
+              <a:rPr lang="ko-KR" altLang="en-US" dirty="0" err="1" smtClean="0">
                 <a:sym typeface="Wingdings" panose="05000000000000000000" pitchFamily="2" charset="2"/>
               </a:rPr>
               <a:t>미리보기</a:t>
             </a:r>
             <a:r>
-              <a:rPr lang="ko-KR" altLang="en-US" b="1" dirty="0" smtClean="0">
-                <a:solidFill>
-                  <a:srgbClr val="C00000"/>
-                </a:solidFill>
-                <a:sym typeface="Wingdings" panose="05000000000000000000" pitchFamily="2" charset="2"/>
-              </a:rPr>
-              <a:t> 실습 </a:t>
-            </a:r>
-            <a:r>
-              <a:rPr lang="en-US" altLang="ko-KR" dirty="0" smtClean="0">
-                <a:sym typeface="Wingdings" panose="05000000000000000000" pitchFamily="2" charset="2"/>
-              </a:rPr>
-              <a:t>– </a:t>
-            </a:r>
+              <a:rPr lang="ko-KR" altLang="en-US" dirty="0" smtClean="0">
+                <a:sym typeface="Wingdings" panose="05000000000000000000" pitchFamily="2" charset="2"/>
+              </a:rPr>
+              <a:t> 화면을 구현할 수 있습니다</a:t>
+            </a:r>
+            <a:r>
+              <a:rPr lang="en-US" altLang="ko-KR" dirty="0" smtClean="0">
+                <a:sym typeface="Wingdings" panose="05000000000000000000" pitchFamily="2" charset="2"/>
+              </a:rPr>
+              <a:t>. </a:t>
+            </a:r>
+          </a:p>
+          <a:p>
             <a:r>
               <a:rPr lang="ko-KR" altLang="en-US" dirty="0" err="1" smtClean="0">
                 <a:sym typeface="Wingdings" panose="05000000000000000000" pitchFamily="2" charset="2"/>
               </a:rPr>
-              <a:t>미리보기와</a:t>
+              <a:t>서피스뷰는</a:t>
             </a:r>
             <a:r>
               <a:rPr lang="ko-KR" altLang="en-US" dirty="0" smtClean="0">
@@ -12726,119 +12754,327 @@
               <a:rPr lang="ko-KR" altLang="en-US" dirty="0" err="1" smtClean="0">
                 <a:sym typeface="Wingdings" panose="05000000000000000000" pitchFamily="2" charset="2"/>
               </a:rPr>
-              <a:t>사진찍고</a:t>
-            </a:r>
-            <a:r>
-              <a:rPr lang="ko-KR" altLang="en-US" dirty="0" smtClean="0">
-                <a:sym typeface="Wingdings" panose="05000000000000000000" pitchFamily="2" charset="2"/>
-              </a:rPr>
-              <a:t> 미디어 앨범에 저장하기</a:t>
-            </a:r>
+              <a:t>서피스홀더</a:t>
+            </a:r>
+            <a:r>
+              <a:rPr lang="en-US" altLang="ko-KR" dirty="0" smtClean="0">
+                <a:sym typeface="Wingdings" panose="05000000000000000000" pitchFamily="2" charset="2"/>
+              </a:rPr>
+              <a:t>(</a:t>
+            </a:r>
+            <a:r>
+              <a:rPr lang="en-US" altLang="ko-KR" dirty="0" err="1" smtClean="0">
+                <a:sym typeface="Wingdings" panose="05000000000000000000" pitchFamily="2" charset="2"/>
+              </a:rPr>
+              <a:t>SurfaceHolder</a:t>
+            </a:r>
+            <a:r>
+              <a:rPr lang="en-US" altLang="ko-KR" dirty="0" smtClean="0">
+                <a:sym typeface="Wingdings" panose="05000000000000000000" pitchFamily="2" charset="2"/>
+              </a:rPr>
+              <a:t>) </a:t>
+            </a:r>
+            <a:r>
+              <a:rPr lang="ko-KR" altLang="en-US" dirty="0" smtClean="0">
+                <a:sym typeface="Wingdings" panose="05000000000000000000" pitchFamily="2" charset="2"/>
+              </a:rPr>
+              <a:t>객체에 의해 생성되고 제어됩니다</a:t>
+            </a:r>
+            <a:r>
+              <a:rPr lang="en-US" altLang="ko-KR" dirty="0" smtClean="0">
+                <a:sym typeface="Wingdings" panose="05000000000000000000" pitchFamily="2" charset="2"/>
+              </a:rPr>
+              <a:t>. </a:t>
+            </a:r>
+            <a:br>
+              <a:rPr lang="en-US" altLang="ko-KR" dirty="0" smtClean="0">
+                <a:sym typeface="Wingdings" panose="05000000000000000000" pitchFamily="2" charset="2"/>
+              </a:rPr>
+            </a:br>
+            <a:r>
+              <a:rPr lang="ko-KR" altLang="en-US" dirty="0" err="1" smtClean="0">
+                <a:sym typeface="Wingdings" panose="05000000000000000000" pitchFamily="2" charset="2"/>
+              </a:rPr>
+              <a:t>서피스홀더</a:t>
+            </a:r>
+            <a:r>
+              <a:rPr lang="ko-KR" altLang="en-US" dirty="0" smtClean="0">
+                <a:sym typeface="Wingdings" panose="05000000000000000000" pitchFamily="2" charset="2"/>
+              </a:rPr>
+              <a:t> 객체의 </a:t>
+            </a:r>
+            <a:r>
+              <a:rPr lang="en-US" altLang="ko-KR" dirty="0" err="1" smtClean="0">
+                <a:sym typeface="Wingdings" panose="05000000000000000000" pitchFamily="2" charset="2"/>
+              </a:rPr>
+              <a:t>setPreiewDisplay</a:t>
+            </a:r>
+            <a:r>
+              <a:rPr lang="en-US" altLang="ko-KR" dirty="0" smtClean="0">
+                <a:sym typeface="Wingdings" panose="05000000000000000000" pitchFamily="2" charset="2"/>
+              </a:rPr>
+              <a:t>() </a:t>
+            </a:r>
+            <a:r>
+              <a:rPr lang="ko-KR" altLang="en-US" dirty="0" err="1" smtClean="0">
+                <a:sym typeface="Wingdings" panose="05000000000000000000" pitchFamily="2" charset="2"/>
+              </a:rPr>
+              <a:t>메소드로</a:t>
+            </a:r>
+            <a:r>
+              <a:rPr lang="ko-KR" altLang="en-US" dirty="0" smtClean="0">
+                <a:sym typeface="Wingdings" panose="05000000000000000000" pitchFamily="2" charset="2"/>
+              </a:rPr>
+              <a:t> </a:t>
+            </a:r>
+            <a:r>
+              <a:rPr lang="ko-KR" altLang="en-US" dirty="0" err="1" smtClean="0">
+                <a:sym typeface="Wingdings" panose="05000000000000000000" pitchFamily="2" charset="2"/>
+              </a:rPr>
+              <a:t>미리보기를</a:t>
+            </a:r>
+            <a:r>
+              <a:rPr lang="ko-KR" altLang="en-US" dirty="0" smtClean="0">
+                <a:sym typeface="Wingdings" panose="05000000000000000000" pitchFamily="2" charset="2"/>
+              </a:rPr>
+              <a:t> 설정해 줄 수 있습니다</a:t>
+            </a:r>
+            <a:r>
+              <a:rPr lang="en-US" altLang="ko-KR" dirty="0" smtClean="0">
+                <a:sym typeface="Wingdings" panose="05000000000000000000" pitchFamily="2" charset="2"/>
+              </a:rPr>
+              <a:t>.  </a:t>
+            </a:r>
+          </a:p>
+          <a:p>
+            <a:r>
+              <a:rPr lang="ko-KR" altLang="en-US" dirty="0" smtClean="0">
+                <a:sym typeface="Wingdings" panose="05000000000000000000" pitchFamily="2" charset="2"/>
+              </a:rPr>
+              <a:t>필요한 초기화 작업이 끝나면 카메라 객체의 </a:t>
+            </a:r>
+            <a:r>
+              <a:rPr lang="en-US" altLang="ko-KR" dirty="0" err="1" smtClean="0">
+                <a:sym typeface="Wingdings" panose="05000000000000000000" pitchFamily="2" charset="2"/>
+              </a:rPr>
+              <a:t>startPreview</a:t>
+            </a:r>
+            <a:r>
+              <a:rPr lang="en-US" altLang="ko-KR" dirty="0" smtClean="0">
+                <a:sym typeface="Wingdings" panose="05000000000000000000" pitchFamily="2" charset="2"/>
+              </a:rPr>
+              <a:t>() </a:t>
+            </a:r>
+            <a:r>
+              <a:rPr lang="ko-KR" altLang="en-US" dirty="0" smtClean="0">
+                <a:sym typeface="Wingdings" panose="05000000000000000000" pitchFamily="2" charset="2"/>
+              </a:rPr>
+              <a:t>메소드를 </a:t>
+            </a:r>
+            <a:r>
+              <a:rPr lang="ko-KR" altLang="en-US" dirty="0" err="1" smtClean="0">
+                <a:sym typeface="Wingdings" panose="05000000000000000000" pitchFamily="2" charset="2"/>
+              </a:rPr>
+              <a:t>호춣할</a:t>
+            </a:r>
+            <a:r>
+              <a:rPr lang="ko-KR" altLang="en-US" dirty="0" smtClean="0">
+                <a:sym typeface="Wingdings" panose="05000000000000000000" pitchFamily="2" charset="2"/>
+              </a:rPr>
+              <a:t> 수 있으며</a:t>
+            </a:r>
+            <a:r>
+              <a:rPr lang="en-US" altLang="ko-KR" dirty="0" smtClean="0">
+                <a:sym typeface="Wingdings" panose="05000000000000000000" pitchFamily="2" charset="2"/>
+              </a:rPr>
+              <a:t>, </a:t>
+            </a:r>
+            <a:r>
+              <a:rPr lang="ko-KR" altLang="en-US" dirty="0" smtClean="0">
+                <a:sym typeface="Wingdings" panose="05000000000000000000" pitchFamily="2" charset="2"/>
+              </a:rPr>
+              <a:t>이때부터 카메라로 입력되는 영상을 </a:t>
+            </a:r>
+            <a:r>
+              <a:rPr lang="ko-KR" altLang="en-US" dirty="0" err="1" smtClean="0">
+                <a:sym typeface="Wingdings" panose="05000000000000000000" pitchFamily="2" charset="2"/>
+              </a:rPr>
+              <a:t>서피스뷰로</a:t>
+            </a:r>
+            <a:r>
+              <a:rPr lang="ko-KR" altLang="en-US" dirty="0" smtClean="0">
+                <a:sym typeface="Wingdings" panose="05000000000000000000" pitchFamily="2" charset="2"/>
+              </a:rPr>
+              <a:t> 화면에 보여주게 됩니다</a:t>
+            </a:r>
+            <a:r>
+              <a:rPr lang="en-US" altLang="ko-KR" dirty="0" smtClean="0">
+                <a:sym typeface="Wingdings" panose="05000000000000000000" pitchFamily="2" charset="2"/>
+              </a:rPr>
+              <a:t>. </a:t>
+            </a:r>
+            <a:r>
+              <a:rPr lang="ko-KR" altLang="en-US" dirty="0" smtClean="0">
+                <a:sym typeface="Wingdings" panose="05000000000000000000" pitchFamily="2" charset="2"/>
+              </a:rPr>
+              <a:t>이때 타입은 </a:t>
+            </a:r>
+            <a:r>
+              <a:rPr lang="en-US" altLang="ko-KR" dirty="0" smtClean="0">
+                <a:sym typeface="Wingdings" panose="05000000000000000000" pitchFamily="2" charset="2"/>
+              </a:rPr>
+              <a:t>SURFACE_TYPE_PUSH_BUFFERS </a:t>
+            </a:r>
+            <a:r>
+              <a:rPr lang="ko-KR" altLang="en-US" dirty="0" smtClean="0">
+                <a:sym typeface="Wingdings" panose="05000000000000000000" pitchFamily="2" charset="2"/>
+              </a:rPr>
+              <a:t>가 되어야 합니다</a:t>
+            </a:r>
+            <a:endParaRPr lang="en-US" altLang="ko-KR" dirty="0">
+              <a:sym typeface="Wingdings" panose="05000000000000000000" pitchFamily="2" charset="2"/>
+            </a:endParaRPr>
+          </a:p>
+          <a:p>
             <a:endParaRPr lang="en-US" altLang="ko-KR" dirty="0" smtClean="0">
               <a:sym typeface="Wingdings" panose="05000000000000000000" pitchFamily="2" charset="2"/>
             </a:endParaRPr>
           </a:p>
           <a:p>
             <a:r>
-              <a:rPr lang="en-US" altLang="ko-KR" dirty="0" err="1" smtClean="0">
-                <a:sym typeface="Wingdings" panose="05000000000000000000" pitchFamily="2" charset="2"/>
-              </a:rPr>
-              <a:t>SampleCamera</a:t>
-            </a:r>
-            <a:r>
-              <a:rPr lang="en-US" altLang="ko-KR" dirty="0" smtClean="0">
-                <a:sym typeface="Wingdings" panose="05000000000000000000" pitchFamily="2" charset="2"/>
-              </a:rPr>
-              <a:t> </a:t>
-            </a:r>
-            <a:r>
-              <a:rPr lang="ko-KR" altLang="en-US" dirty="0" smtClean="0">
-                <a:sym typeface="Wingdings" panose="05000000000000000000" pitchFamily="2" charset="2"/>
-              </a:rPr>
-              <a:t>라는 새 프로젝트를 시작하고 패키지 이름은 </a:t>
-            </a:r>
-            <a:r>
-              <a:rPr lang="en-US" altLang="ko-KR" dirty="0" err="1" smtClean="0">
-                <a:sym typeface="Wingdings" panose="05000000000000000000" pitchFamily="2" charset="2"/>
-              </a:rPr>
-              <a:t>com.example.camera</a:t>
-            </a:r>
-            <a:r>
-              <a:rPr lang="en-US" altLang="ko-KR" dirty="0" smtClean="0">
-                <a:sym typeface="Wingdings" panose="05000000000000000000" pitchFamily="2" charset="2"/>
-              </a:rPr>
-              <a:t> </a:t>
-            </a:r>
-            <a:r>
-              <a:rPr lang="ko-KR" altLang="en-US" dirty="0" smtClean="0">
-                <a:sym typeface="Wingdings" panose="05000000000000000000" pitchFamily="2" charset="2"/>
-              </a:rPr>
-              <a:t>로 입력합니다</a:t>
-            </a:r>
-            <a:r>
-              <a:rPr lang="en-US" altLang="ko-KR" dirty="0" smtClean="0">
+              <a:rPr lang="ko-KR" altLang="en-US" b="1" dirty="0" smtClean="0">
+                <a:sym typeface="Wingdings" panose="05000000000000000000" pitchFamily="2" charset="2"/>
+              </a:rPr>
+              <a:t>카메라 </a:t>
+            </a:r>
+            <a:r>
+              <a:rPr lang="ko-KR" altLang="en-US" b="1" dirty="0" err="1" smtClean="0">
+                <a:sym typeface="Wingdings" panose="05000000000000000000" pitchFamily="2" charset="2"/>
+              </a:rPr>
+              <a:t>미리보기를</a:t>
+            </a:r>
+            <a:r>
+              <a:rPr lang="ko-KR" altLang="en-US" b="1" dirty="0" smtClean="0">
+                <a:sym typeface="Wingdings" panose="05000000000000000000" pitchFamily="2" charset="2"/>
+              </a:rPr>
+              <a:t> 사용할 때는 일반적으로 뷰를 중첩시켜 사용합니다</a:t>
+            </a:r>
+            <a:r>
+              <a:rPr lang="en-US" altLang="ko-KR" b="1" dirty="0" smtClean="0">
                 <a:sym typeface="Wingdings" panose="05000000000000000000" pitchFamily="2" charset="2"/>
               </a:rPr>
               <a:t>. </a:t>
             </a:r>
           </a:p>
           <a:p>
-            <a:r>
-              <a:rPr lang="en-US" altLang="ko-KR" dirty="0" smtClean="0">
-                <a:sym typeface="Wingdings" panose="05000000000000000000" pitchFamily="2" charset="2"/>
-              </a:rPr>
-              <a:t>activity_main.xml </a:t>
-            </a:r>
-            <a:r>
-              <a:rPr lang="ko-KR" altLang="en-US" dirty="0" smtClean="0">
-                <a:sym typeface="Wingdings" panose="05000000000000000000" pitchFamily="2" charset="2"/>
-              </a:rPr>
-              <a:t>파일을 열고 다음과 같은 레이아웃을 만듭니다</a:t>
-            </a:r>
-            <a:r>
-              <a:rPr lang="en-US" altLang="ko-KR" dirty="0" smtClean="0">
-                <a:sym typeface="Wingdings" panose="05000000000000000000" pitchFamily="2" charset="2"/>
-              </a:rPr>
-              <a:t>.</a:t>
-            </a:r>
-          </a:p>
-          <a:p>
             <a:pPr lvl="1"/>
             <a:r>
-              <a:rPr lang="ko-KR" altLang="en-US" dirty="0" smtClean="0">
-                <a:sym typeface="Wingdings" panose="05000000000000000000" pitchFamily="2" charset="2"/>
-              </a:rPr>
-              <a:t>최상위 레이아웃은 </a:t>
-            </a:r>
-            <a:r>
-              <a:rPr lang="en-US" altLang="ko-KR" dirty="0" smtClean="0">
-                <a:sym typeface="Wingdings" panose="05000000000000000000" pitchFamily="2" charset="2"/>
-              </a:rPr>
-              <a:t>LinearLayout, orientation </a:t>
-            </a:r>
-            <a:r>
-              <a:rPr lang="ko-KR" altLang="en-US" dirty="0" smtClean="0">
-                <a:sym typeface="Wingdings" panose="05000000000000000000" pitchFamily="2" charset="2"/>
-              </a:rPr>
-              <a:t>은 </a:t>
-            </a:r>
-            <a:r>
-              <a:rPr lang="en-US" altLang="ko-KR" dirty="0" smtClean="0">
-                <a:sym typeface="Wingdings" panose="05000000000000000000" pitchFamily="2" charset="2"/>
-              </a:rPr>
-              <a:t>vertical</a:t>
+              <a:rPr lang="ko-KR" altLang="en-US" dirty="0" err="1" smtClean="0">
+                <a:sym typeface="Wingdings" panose="05000000000000000000" pitchFamily="2" charset="2"/>
+              </a:rPr>
+              <a:t>서피스뷰의</a:t>
+            </a:r>
+            <a:r>
+              <a:rPr lang="ko-KR" altLang="en-US" dirty="0" smtClean="0">
+                <a:sym typeface="Wingdings" panose="05000000000000000000" pitchFamily="2" charset="2"/>
+              </a:rPr>
+              <a:t> 타입을 카메라의 영상을 </a:t>
             </a:r>
             <a:r>
               <a:rPr lang="ko-KR" altLang="en-US" dirty="0">
                 <a:sym typeface="Wingdings" panose="05000000000000000000" pitchFamily="2" charset="2"/>
               </a:rPr>
-              <a:t> </a:t>
-            </a:r>
-            <a:r>
-              <a:rPr lang="ko-KR" altLang="en-US" dirty="0" smtClean="0">
-                <a:sym typeface="Wingdings" panose="05000000000000000000" pitchFamily="2" charset="2"/>
-              </a:rPr>
-              <a:t>로 설정합니다</a:t>
+              <a:t>뿌</a:t>
+            </a:r>
+            <a:r>
+              <a:rPr lang="ko-KR" altLang="en-US" dirty="0" smtClean="0">
+                <a:sym typeface="Wingdings" panose="05000000000000000000" pitchFamily="2" charset="2"/>
+              </a:rPr>
+              <a:t>려주는 데만 사용하도록 설정한 경우</a:t>
+            </a:r>
+            <a:r>
+              <a:rPr lang="en-US" altLang="ko-KR" dirty="0" smtClean="0">
+                <a:sym typeface="Wingdings" panose="05000000000000000000" pitchFamily="2" charset="2"/>
+              </a:rPr>
+              <a:t>, </a:t>
+            </a:r>
+            <a:r>
+              <a:rPr lang="ko-KR" altLang="en-US" dirty="0" smtClean="0">
+                <a:sym typeface="Wingdings" panose="05000000000000000000" pitchFamily="2" charset="2"/>
+              </a:rPr>
+              <a:t>그 위에 별도의 그래픽 그리기가 제한됩니다</a:t>
+            </a:r>
+            <a:r>
+              <a:rPr lang="en-US" altLang="ko-KR" dirty="0" smtClean="0">
+                <a:sym typeface="Wingdings" panose="05000000000000000000" pitchFamily="2" charset="2"/>
+              </a:rPr>
+              <a:t>. </a:t>
+            </a:r>
+            <a:r>
+              <a:rPr lang="ko-KR" altLang="en-US" dirty="0" smtClean="0">
+                <a:sym typeface="Wingdings" panose="05000000000000000000" pitchFamily="2" charset="2"/>
+              </a:rPr>
+              <a:t>따라서 나침반</a:t>
+            </a:r>
+            <a:r>
+              <a:rPr lang="en-US" altLang="ko-KR" dirty="0" smtClean="0">
+                <a:sym typeface="Wingdings" panose="05000000000000000000" pitchFamily="2" charset="2"/>
+              </a:rPr>
+              <a:t>, </a:t>
+            </a:r>
+            <a:r>
+              <a:rPr lang="ko-KR" altLang="en-US" dirty="0" smtClean="0">
+                <a:sym typeface="Wingdings" panose="05000000000000000000" pitchFamily="2" charset="2"/>
+              </a:rPr>
+              <a:t>버튼</a:t>
+            </a:r>
+            <a:r>
+              <a:rPr lang="en-US" altLang="ko-KR" dirty="0" smtClean="0">
+                <a:sym typeface="Wingdings" panose="05000000000000000000" pitchFamily="2" charset="2"/>
+              </a:rPr>
+              <a:t>, </a:t>
+            </a:r>
+            <a:r>
+              <a:rPr lang="ko-KR" altLang="en-US" dirty="0" smtClean="0">
+                <a:sym typeface="Wingdings" panose="05000000000000000000" pitchFamily="2" charset="2"/>
+              </a:rPr>
+              <a:t>버튼</a:t>
+            </a:r>
+            <a:r>
+              <a:rPr lang="en-US" altLang="ko-KR" dirty="0" smtClean="0">
+                <a:sym typeface="Wingdings" panose="05000000000000000000" pitchFamily="2" charset="2"/>
+              </a:rPr>
+              <a:t>, </a:t>
+            </a:r>
+            <a:r>
+              <a:rPr lang="ko-KR" altLang="en-US" dirty="0" smtClean="0">
+                <a:sym typeface="Wingdings" panose="05000000000000000000" pitchFamily="2" charset="2"/>
+              </a:rPr>
+              <a:t>쿠폰 등을 보여줄 </a:t>
+            </a:r>
+            <a:r>
+              <a:rPr lang="ko-KR" altLang="en-US" dirty="0" err="1" smtClean="0">
+                <a:sym typeface="Wingdings" panose="05000000000000000000" pitchFamily="2" charset="2"/>
+              </a:rPr>
+              <a:t>이미지뷰</a:t>
+            </a:r>
+            <a:r>
+              <a:rPr lang="ko-KR" altLang="en-US" dirty="0" smtClean="0">
+                <a:sym typeface="Wingdings" panose="05000000000000000000" pitchFamily="2" charset="2"/>
+              </a:rPr>
+              <a:t> 등 별도의 위젯 또는 그래픽을 올리려면 또 다른 레이아웃 </a:t>
+            </a:r>
+            <a:r>
+              <a:rPr lang="ko-KR" altLang="en-US" dirty="0" err="1" smtClean="0">
+                <a:sym typeface="Wingdings" panose="05000000000000000000" pitchFamily="2" charset="2"/>
+              </a:rPr>
+              <a:t>서피스뷰</a:t>
+            </a:r>
+            <a:r>
+              <a:rPr lang="ko-KR" altLang="en-US" dirty="0" smtClean="0">
+                <a:sym typeface="Wingdings" panose="05000000000000000000" pitchFamily="2" charset="2"/>
+              </a:rPr>
+              <a:t> 위에 겹쳐 두고 배경을 투명하게 만드는 방법을 사용할 수 있습니다</a:t>
             </a:r>
             <a:r>
               <a:rPr lang="en-US" altLang="ko-KR" dirty="0" smtClean="0">
@@ -12851,163 +13087,6 @@
             </a:endParaRPr>
           </a:p>
           <a:p>
-            <a:pPr lvl="1"/>
-            <a:r>
-              <a:rPr lang="ko-KR" altLang="en-US" dirty="0" smtClean="0">
-                <a:sym typeface="Wingdings" panose="05000000000000000000" pitchFamily="2" charset="2"/>
-              </a:rPr>
-              <a:t>화면 상단에는 </a:t>
-            </a:r>
-            <a:r>
-              <a:rPr lang="en-US" altLang="ko-KR" dirty="0" smtClean="0">
-                <a:sym typeface="Wingdings" panose="05000000000000000000" pitchFamily="2" charset="2"/>
-              </a:rPr>
-              <a:t>'</a:t>
-            </a:r>
-            <a:r>
-              <a:rPr lang="ko-KR" altLang="en-US" dirty="0" err="1" smtClean="0">
-                <a:sym typeface="Wingdings" panose="05000000000000000000" pitchFamily="2" charset="2"/>
-              </a:rPr>
-              <a:t>사진찍리</a:t>
-            </a:r>
-            <a:r>
-              <a:rPr lang="en-US" altLang="ko-KR" dirty="0" smtClean="0">
-                <a:sym typeface="Wingdings" panose="05000000000000000000" pitchFamily="2" charset="2"/>
-              </a:rPr>
-              <a:t>' </a:t>
-            </a:r>
-            <a:r>
-              <a:rPr lang="ko-KR" altLang="en-US" dirty="0" smtClean="0">
-                <a:sym typeface="Wingdings" panose="05000000000000000000" pitchFamily="2" charset="2"/>
-              </a:rPr>
-              <a:t>버튼을 배치하고</a:t>
-            </a:r>
-            <a:r>
-              <a:rPr lang="en-US" altLang="ko-KR" dirty="0" smtClean="0">
-                <a:sym typeface="Wingdings" panose="05000000000000000000" pitchFamily="2" charset="2"/>
-              </a:rPr>
-              <a:t>, </a:t>
-            </a:r>
-            <a:r>
-              <a:rPr lang="ko-KR" altLang="en-US" dirty="0" smtClean="0">
-                <a:sym typeface="Wingdings" panose="05000000000000000000" pitchFamily="2" charset="2"/>
-              </a:rPr>
-              <a:t>그 아래 공간에는 </a:t>
-            </a:r>
-            <a:r>
-              <a:rPr lang="en-US" altLang="ko-KR" dirty="0" err="1" smtClean="0">
-                <a:sym typeface="Wingdings" panose="05000000000000000000" pitchFamily="2" charset="2"/>
-              </a:rPr>
-              <a:t>FrameLayout</a:t>
-            </a:r>
-            <a:r>
-              <a:rPr lang="en-US" altLang="ko-KR" dirty="0" smtClean="0">
-                <a:sym typeface="Wingdings" panose="05000000000000000000" pitchFamily="2" charset="2"/>
-              </a:rPr>
-              <a:t> </a:t>
-            </a:r>
-            <a:r>
-              <a:rPr lang="ko-KR" altLang="en-US" dirty="0" smtClean="0">
-                <a:sym typeface="Wingdings" panose="05000000000000000000" pitchFamily="2" charset="2"/>
-              </a:rPr>
-              <a:t>로 꽉 채웁니다</a:t>
-            </a:r>
-            <a:r>
-              <a:rPr lang="en-US" altLang="ko-KR" dirty="0" smtClean="0">
-                <a:sym typeface="Wingdings" panose="05000000000000000000" pitchFamily="2" charset="2"/>
-              </a:rPr>
-              <a:t>.  </a:t>
-            </a:r>
-            <a:r>
-              <a:rPr lang="ko-KR" altLang="en-US" dirty="0" smtClean="0">
-                <a:sym typeface="Wingdings" panose="05000000000000000000" pitchFamily="2" charset="2"/>
-              </a:rPr>
-              <a:t>이 </a:t>
-            </a:r>
-            <a:r>
-              <a:rPr lang="en-US" altLang="ko-KR" dirty="0" err="1" smtClean="0">
-                <a:sym typeface="Wingdings" panose="05000000000000000000" pitchFamily="2" charset="2"/>
-              </a:rPr>
-              <a:t>FrameLayout</a:t>
-            </a:r>
-            <a:r>
-              <a:rPr lang="ko-KR" altLang="en-US" dirty="0">
-                <a:sym typeface="Wingdings" panose="05000000000000000000" pitchFamily="2" charset="2"/>
-              </a:rPr>
-              <a:t> </a:t>
-            </a:r>
-            <a:r>
-              <a:rPr lang="ko-KR" altLang="en-US" dirty="0" smtClean="0">
-                <a:sym typeface="Wingdings" panose="05000000000000000000" pitchFamily="2" charset="2"/>
-              </a:rPr>
-              <a:t>의 </a:t>
-            </a:r>
-            <a:r>
-              <a:rPr lang="en-US" altLang="ko-KR" dirty="0" smtClean="0">
-                <a:sym typeface="Wingdings" panose="05000000000000000000" pitchFamily="2" charset="2"/>
-              </a:rPr>
-              <a:t>id</a:t>
-            </a:r>
-            <a:r>
-              <a:rPr lang="ko-KR" altLang="en-US" dirty="0" smtClean="0">
-                <a:sym typeface="Wingdings" panose="05000000000000000000" pitchFamily="2" charset="2"/>
-              </a:rPr>
-              <a:t>값은 </a:t>
-            </a:r>
-            <a:r>
-              <a:rPr lang="en-US" altLang="ko-KR" dirty="0" err="1" smtClean="0">
-                <a:sym typeface="Wingdings" panose="05000000000000000000" pitchFamily="2" charset="2"/>
-              </a:rPr>
-              <a:t>previewFrame</a:t>
-            </a:r>
-            <a:r>
-              <a:rPr lang="en-US" altLang="ko-KR" dirty="0" smtClean="0">
-                <a:sym typeface="Wingdings" panose="05000000000000000000" pitchFamily="2" charset="2"/>
-              </a:rPr>
-              <a:t> </a:t>
-            </a:r>
-            <a:r>
-              <a:rPr lang="ko-KR" altLang="en-US" dirty="0" smtClean="0">
-                <a:sym typeface="Wingdings" panose="05000000000000000000" pitchFamily="2" charset="2"/>
-              </a:rPr>
-              <a:t>으로 설정하고</a:t>
-            </a:r>
-            <a:r>
-              <a:rPr lang="en-US" altLang="ko-KR" dirty="0" smtClean="0">
-                <a:sym typeface="Wingdings" panose="05000000000000000000" pitchFamily="2" charset="2"/>
-              </a:rPr>
-              <a:t>, </a:t>
-            </a:r>
-            <a:r>
-              <a:rPr lang="ko-KR" altLang="en-US" dirty="0" smtClean="0">
-                <a:sym typeface="Wingdings" panose="05000000000000000000" pitchFamily="2" charset="2"/>
-              </a:rPr>
-              <a:t>이 레이아웃 안에 카메라 </a:t>
-            </a:r>
-            <a:r>
-              <a:rPr lang="ko-KR" altLang="en-US" dirty="0" err="1" smtClean="0">
-                <a:sym typeface="Wingdings" panose="05000000000000000000" pitchFamily="2" charset="2"/>
-              </a:rPr>
-              <a:t>미리보기</a:t>
-            </a:r>
-            <a:r>
-              <a:rPr lang="ko-KR" altLang="en-US" dirty="0" smtClean="0">
-                <a:sym typeface="Wingdings" panose="05000000000000000000" pitchFamily="2" charset="2"/>
-              </a:rPr>
-              <a:t> 화면이 보이도록 할 것입니다</a:t>
-            </a:r>
-            <a:r>
-              <a:rPr lang="en-US" altLang="ko-KR" dirty="0" smtClean="0">
-                <a:sym typeface="Wingdings" panose="05000000000000000000" pitchFamily="2" charset="2"/>
-              </a:rPr>
-              <a:t>. </a:t>
-            </a:r>
-            <a:r>
-              <a:rPr lang="ko-KR" altLang="en-US" dirty="0" smtClean="0">
-                <a:sym typeface="Wingdings" panose="05000000000000000000" pitchFamily="2" charset="2"/>
-              </a:rPr>
-              <a:t> </a:t>
-            </a:r>
             <a:endParaRPr lang="en-US" altLang="ko-KR" dirty="0" smtClean="0">
               <a:sym typeface="Wingdings" panose="05000000000000000000" pitchFamily="2" charset="2"/>
             </a:endParaRPr>
@@ -13058,6 +13137,686 @@
                 <a:defRPr/>
               </a:pPr>
               <a:t>19</a:t>
+            </a:fld>
+            <a:endParaRPr lang="ko-KR" altLang="en-US"/>
+          </a:p>
+        </p:txBody>
+      </p:sp>
+    </p:spTree>
+    <p:extLst>
+      <p:ext uri="{BB962C8B-B14F-4D97-AF65-F5344CB8AC3E}">
+        <p14:creationId xmlns:p14="http://schemas.microsoft.com/office/powerpoint/2010/main" val="2679770811"/>
+      </p:ext>
+    </p:extLst>
+  </p:cSld>
+  <p:clrMapOvr>
+    <a:masterClrMapping/>
+  </p:clrMapOvr>
+</p:sld>
+</file>
+
+<file path=ppt/slides/slide2.xml><?xml version="1.0" encoding="utf-8"?>
+<p:sld xmlns:a="http://schemas.openxmlformats.org/drawingml/2006/main" xmlns:r="http://schemas.openxmlformats.org/officeDocument/2006/relationships" xmlns:p="http://schemas.openxmlformats.org/presentationml/2006/main">
+  <p:cSld>
+    <p:spTree>
+      <p:nvGrpSpPr>
+        <p:cNvPr id="1" name=""/>
+        <p:cNvGrpSpPr/>
+        <p:nvPr/>
+      </p:nvGrpSpPr>
+      <p:grpSpPr>
+        <a:xfrm>
+          <a:off x="0" y="0"/>
+          <a:ext cx="0" cy="0"/>
+          <a:chOff x="0" y="0"/>
+          <a:chExt cx="0" cy="0"/>
+        </a:xfrm>
+      </p:grpSpPr>
+      <p:sp>
+        <p:nvSpPr>
+          <p:cNvPr id="2" name="제목 1"/>
+          <p:cNvSpPr>
+            <a:spLocks noGrp="1"/>
+          </p:cNvSpPr>
+          <p:nvPr>
+            <p:ph type="title"/>
+          </p:nvPr>
+        </p:nvSpPr>
+        <p:spPr/>
+        <p:txBody>
+          <a:bodyPr/>
+          <a:lstStyle/>
+          <a:p>
+            <a:r>
+              <a:rPr lang="en-US" altLang="ko-KR" dirty="0" smtClean="0">
+                <a:latin typeface="나눔고딕" panose="020D0604000000000000" pitchFamily="50" charset="-127"/>
+                <a:ea typeface="나눔고딕" panose="020D0604000000000000" pitchFamily="50" charset="-127"/>
+              </a:rPr>
+              <a:t>07 </a:t>
+            </a:r>
+            <a:r>
+              <a:rPr lang="ko-KR" altLang="en-US" dirty="0" smtClean="0">
+                <a:latin typeface="나눔고딕" panose="020D0604000000000000" pitchFamily="50" charset="-127"/>
+                <a:ea typeface="나눔고딕" panose="020D0604000000000000" pitchFamily="50" charset="-127"/>
+              </a:rPr>
+              <a:t>멀티미디어 다루기</a:t>
+            </a:r>
+            <a:endParaRPr lang="ko-KR" altLang="en-US" dirty="0"/>
+          </a:p>
+        </p:txBody>
+      </p:sp>
+      <p:sp>
+        <p:nvSpPr>
+          <p:cNvPr id="3" name="내용 개체 틀 2"/>
+          <p:cNvSpPr>
+            <a:spLocks noGrp="1"/>
+          </p:cNvSpPr>
+          <p:nvPr>
+            <p:ph idx="10"/>
+          </p:nvPr>
+        </p:nvSpPr>
+        <p:spPr/>
+        <p:txBody>
+          <a:bodyPr/>
+          <a:lstStyle/>
+          <a:p>
+            <a:pPr marL="57150" indent="0">
+              <a:buNone/>
+            </a:pPr>
+            <a:r>
+              <a:rPr lang="en-US" altLang="ko-KR" b="1" dirty="0" smtClean="0">
+                <a:sym typeface="Wingdings" panose="05000000000000000000" pitchFamily="2" charset="2"/>
+              </a:rPr>
+              <a:t>Multimedia</a:t>
+            </a:r>
+          </a:p>
+          <a:p>
+            <a:pPr indent="-285750"/>
+            <a:r>
+              <a:rPr lang="ko-KR" altLang="en-US" dirty="0" smtClean="0">
+                <a:sym typeface="Wingdings" panose="05000000000000000000" pitchFamily="2" charset="2"/>
+              </a:rPr>
+              <a:t>카메라로 사진을 찍고 저장하기 </a:t>
+            </a:r>
+            <a:endParaRPr lang="en-US" altLang="ko-KR" dirty="0" smtClean="0">
+              <a:sym typeface="Wingdings" panose="05000000000000000000" pitchFamily="2" charset="2"/>
+            </a:endParaRPr>
+          </a:p>
+          <a:p>
+            <a:pPr lvl="1"/>
+            <a:r>
+              <a:rPr lang="ko-KR" altLang="en-US" dirty="0" smtClean="0">
+                <a:sym typeface="Wingdings" panose="05000000000000000000" pitchFamily="2" charset="2"/>
+              </a:rPr>
+              <a:t>카메라로 사진 찍어 저장하기</a:t>
+            </a:r>
+            <a:endParaRPr lang="en-US" altLang="ko-KR" dirty="0">
+              <a:sym typeface="Wingdings" panose="05000000000000000000" pitchFamily="2" charset="2"/>
+            </a:endParaRPr>
+          </a:p>
+          <a:p>
+            <a:pPr lvl="1"/>
+            <a:r>
+              <a:rPr lang="ko-KR" altLang="en-US" dirty="0" smtClean="0">
+                <a:sym typeface="Wingdings" panose="05000000000000000000" pitchFamily="2" charset="2"/>
+              </a:rPr>
+              <a:t>화면에 카메라 미리 보기 넣기</a:t>
+            </a:r>
+            <a:endParaRPr lang="en-US" altLang="ko-KR" dirty="0" smtClean="0">
+              <a:sym typeface="Wingdings" panose="05000000000000000000" pitchFamily="2" charset="2"/>
+            </a:endParaRPr>
+          </a:p>
+          <a:p>
+            <a:r>
+              <a:rPr lang="en-US" altLang="ko-KR" dirty="0">
+                <a:sym typeface="Wingdings" panose="05000000000000000000" pitchFamily="2" charset="2"/>
+              </a:rPr>
+              <a:t/>
+            </a:r>
+            <a:br>
+              <a:rPr lang="en-US" altLang="ko-KR" dirty="0">
+                <a:sym typeface="Wingdings" panose="05000000000000000000" pitchFamily="2" charset="2"/>
+              </a:rPr>
+            </a:br>
+            <a:endParaRPr lang="en-US" altLang="ko-KR" dirty="0" smtClean="0">
+              <a:sym typeface="Wingdings" panose="05000000000000000000" pitchFamily="2" charset="2"/>
+            </a:endParaRPr>
+          </a:p>
+        </p:txBody>
+      </p:sp>
+      <p:sp>
+        <p:nvSpPr>
+          <p:cNvPr id="4" name="슬라이드 번호 개체 틀 3"/>
+          <p:cNvSpPr>
+            <a:spLocks noGrp="1"/>
+          </p:cNvSpPr>
+          <p:nvPr>
+            <p:ph type="sldNum" sz="quarter" idx="14"/>
+          </p:nvPr>
+        </p:nvSpPr>
+        <p:spPr/>
+        <p:txBody>
+          <a:bodyPr/>
+          <a:lstStyle/>
+          <a:p>
+            <a:pPr>
+              <a:defRPr/>
+            </a:pPr>
+            <a:fld id="{3D493B47-E977-46F8-8C2F-7DA674317049}" type="slidenum">
+              <a:rPr lang="ko-KR" altLang="en-US" smtClean="0"/>
+              <a:pPr>
+                <a:defRPr/>
+              </a:pPr>
+              <a:t>2</a:t>
+            </a:fld>
+            <a:endParaRPr lang="ko-KR" altLang="en-US"/>
+          </a:p>
+        </p:txBody>
+      </p:sp>
+    </p:spTree>
+    <p:extLst>
+      <p:ext uri="{BB962C8B-B14F-4D97-AF65-F5344CB8AC3E}">
+        <p14:creationId xmlns:p14="http://schemas.microsoft.com/office/powerpoint/2010/main" val="3817040102"/>
+      </p:ext>
+    </p:extLst>
+  </p:cSld>
+  <p:clrMapOvr>
+    <a:masterClrMapping/>
+  </p:clrMapOvr>
+</p:sld>
+</file>
+
+<file path=ppt/slides/slide20.xml><?xml version="1.0" encoding="utf-8"?>
+<p:sld xmlns:a="http://schemas.openxmlformats.org/drawingml/2006/main" xmlns:r="http://schemas.openxmlformats.org/officeDocument/2006/relationships" xmlns:p="http://schemas.openxmlformats.org/presentationml/2006/main">
+  <p:cSld>
+    <p:spTree>
+      <p:nvGrpSpPr>
+        <p:cNvPr id="1" name=""/>
+        <p:cNvGrpSpPr/>
+        <p:nvPr/>
+      </p:nvGrpSpPr>
+      <p:grpSpPr>
+        <a:xfrm>
+          <a:off x="0" y="0"/>
+          <a:ext cx="0" cy="0"/>
+          <a:chOff x="0" y="0"/>
+          <a:chExt cx="0" cy="0"/>
+        </a:xfrm>
+      </p:grpSpPr>
+      <p:sp>
+        <p:nvSpPr>
+          <p:cNvPr id="2" name="제목 1"/>
+          <p:cNvSpPr>
+            <a:spLocks noGrp="1"/>
+          </p:cNvSpPr>
+          <p:nvPr>
+            <p:ph type="title"/>
+          </p:nvPr>
+        </p:nvSpPr>
+        <p:spPr/>
+        <p:txBody>
+          <a:bodyPr/>
+          <a:lstStyle/>
+          <a:p>
+            <a:r>
+              <a:rPr lang="en-US" altLang="ko-KR" dirty="0" smtClean="0">
+                <a:latin typeface="나눔고딕" panose="020D0604000000000000" pitchFamily="50" charset="-127"/>
+                <a:ea typeface="나눔고딕" panose="020D0604000000000000" pitchFamily="50" charset="-127"/>
+              </a:rPr>
+              <a:t>07-2 </a:t>
+            </a:r>
+            <a:r>
+              <a:rPr lang="ko-KR" altLang="en-US" dirty="0" smtClean="0">
+                <a:latin typeface="나눔고딕" panose="020D0604000000000000" pitchFamily="50" charset="-127"/>
+                <a:ea typeface="나눔고딕" panose="020D0604000000000000" pitchFamily="50" charset="-127"/>
+              </a:rPr>
+              <a:t>화면에 카메라 </a:t>
+            </a:r>
+            <a:r>
+              <a:rPr lang="ko-KR" altLang="en-US" dirty="0" err="1" smtClean="0">
+                <a:latin typeface="나눔고딕" panose="020D0604000000000000" pitchFamily="50" charset="-127"/>
+                <a:ea typeface="나눔고딕" panose="020D0604000000000000" pitchFamily="50" charset="-127"/>
+              </a:rPr>
+              <a:t>미리보기</a:t>
+            </a:r>
+            <a:r>
+              <a:rPr lang="ko-KR" altLang="en-US" dirty="0" smtClean="0">
+                <a:latin typeface="나눔고딕" panose="020D0604000000000000" pitchFamily="50" charset="-127"/>
+                <a:ea typeface="나눔고딕" panose="020D0604000000000000" pitchFamily="50" charset="-127"/>
+              </a:rPr>
+              <a:t> 넣기 </a:t>
+            </a:r>
+            <a:r>
+              <a:rPr lang="en-US" altLang="ko-KR" dirty="0" smtClean="0">
+                <a:latin typeface="나눔고딕" panose="020D0604000000000000" pitchFamily="50" charset="-127"/>
+                <a:ea typeface="나눔고딕" panose="020D0604000000000000" pitchFamily="50" charset="-127"/>
+              </a:rPr>
+              <a:t>– </a:t>
+            </a:r>
+            <a:r>
+              <a:rPr lang="ko-KR" altLang="en-US" dirty="0" smtClean="0">
+                <a:latin typeface="나눔고딕" panose="020D0604000000000000" pitchFamily="50" charset="-127"/>
+                <a:ea typeface="나눔고딕" panose="020D0604000000000000" pitchFamily="50" charset="-127"/>
+              </a:rPr>
+              <a:t>카메라 </a:t>
+            </a:r>
+            <a:r>
+              <a:rPr lang="ko-KR" altLang="en-US" dirty="0" err="1" smtClean="0">
+                <a:latin typeface="나눔고딕" panose="020D0604000000000000" pitchFamily="50" charset="-127"/>
+                <a:ea typeface="나눔고딕" panose="020D0604000000000000" pitchFamily="50" charset="-127"/>
+              </a:rPr>
+              <a:t>미리보기</a:t>
+            </a:r>
+            <a:r>
+              <a:rPr lang="ko-KR" altLang="en-US" dirty="0" smtClean="0">
+                <a:latin typeface="나눔고딕" panose="020D0604000000000000" pitchFamily="50" charset="-127"/>
+                <a:ea typeface="나눔고딕" panose="020D0604000000000000" pitchFamily="50" charset="-127"/>
+              </a:rPr>
+              <a:t> 실습</a:t>
+            </a:r>
+            <a:endParaRPr lang="ko-KR" altLang="en-US" dirty="0"/>
+          </a:p>
+        </p:txBody>
+      </p:sp>
+      <p:sp>
+        <p:nvSpPr>
+          <p:cNvPr id="3" name="내용 개체 틀 2"/>
+          <p:cNvSpPr>
+            <a:spLocks noGrp="1"/>
+          </p:cNvSpPr>
+          <p:nvPr>
+            <p:ph idx="10"/>
+          </p:nvPr>
+        </p:nvSpPr>
+        <p:spPr/>
+        <p:txBody>
+          <a:bodyPr/>
+          <a:lstStyle/>
+          <a:p>
+            <a:pPr marL="0" indent="0">
+              <a:buNone/>
+            </a:pPr>
+            <a:r>
+              <a:rPr lang="ko-KR" altLang="en-US" b="1" dirty="0" smtClean="0">
+                <a:solidFill>
+                  <a:srgbClr val="C00000"/>
+                </a:solidFill>
+                <a:sym typeface="Wingdings" panose="05000000000000000000" pitchFamily="2" charset="2"/>
+              </a:rPr>
+              <a:t>카메라 </a:t>
+            </a:r>
+            <a:r>
+              <a:rPr lang="ko-KR" altLang="en-US" b="1" dirty="0" err="1" smtClean="0">
+                <a:solidFill>
+                  <a:srgbClr val="C00000"/>
+                </a:solidFill>
+                <a:sym typeface="Wingdings" panose="05000000000000000000" pitchFamily="2" charset="2"/>
+              </a:rPr>
+              <a:t>미리보기</a:t>
+            </a:r>
+            <a:r>
+              <a:rPr lang="ko-KR" altLang="en-US" b="1" dirty="0" smtClean="0">
+                <a:solidFill>
+                  <a:srgbClr val="C00000"/>
+                </a:solidFill>
+                <a:sym typeface="Wingdings" panose="05000000000000000000" pitchFamily="2" charset="2"/>
+              </a:rPr>
+              <a:t> 실습 </a:t>
+            </a:r>
+            <a:r>
+              <a:rPr lang="en-US" altLang="ko-KR" dirty="0" smtClean="0">
+                <a:sym typeface="Wingdings" panose="05000000000000000000" pitchFamily="2" charset="2"/>
+              </a:rPr>
+              <a:t>– </a:t>
+            </a:r>
+            <a:r>
+              <a:rPr lang="ko-KR" altLang="en-US" dirty="0" err="1" smtClean="0">
+                <a:sym typeface="Wingdings" panose="05000000000000000000" pitchFamily="2" charset="2"/>
+              </a:rPr>
+              <a:t>미리보기와</a:t>
+            </a:r>
+            <a:r>
+              <a:rPr lang="ko-KR" altLang="en-US" dirty="0" smtClean="0">
+                <a:sym typeface="Wingdings" panose="05000000000000000000" pitchFamily="2" charset="2"/>
+              </a:rPr>
+              <a:t> </a:t>
+            </a:r>
+            <a:r>
+              <a:rPr lang="ko-KR" altLang="en-US" dirty="0" err="1" smtClean="0">
+                <a:sym typeface="Wingdings" panose="05000000000000000000" pitchFamily="2" charset="2"/>
+              </a:rPr>
+              <a:t>사진찍고</a:t>
+            </a:r>
+            <a:r>
+              <a:rPr lang="ko-KR" altLang="en-US" dirty="0" smtClean="0">
+                <a:sym typeface="Wingdings" panose="05000000000000000000" pitchFamily="2" charset="2"/>
+              </a:rPr>
+              <a:t> 미디어 앨범에 저장하기</a:t>
+            </a:r>
+            <a:endParaRPr lang="en-US" altLang="ko-KR" dirty="0" smtClean="0">
+              <a:sym typeface="Wingdings" panose="05000000000000000000" pitchFamily="2" charset="2"/>
+            </a:endParaRPr>
+          </a:p>
+          <a:p>
+            <a:r>
+              <a:rPr lang="en-US" altLang="ko-KR" dirty="0" err="1" smtClean="0">
+                <a:sym typeface="Wingdings" panose="05000000000000000000" pitchFamily="2" charset="2"/>
+              </a:rPr>
+              <a:t>SampleCamera</a:t>
+            </a:r>
+            <a:r>
+              <a:rPr lang="en-US" altLang="ko-KR" dirty="0" smtClean="0">
+                <a:sym typeface="Wingdings" panose="05000000000000000000" pitchFamily="2" charset="2"/>
+              </a:rPr>
+              <a:t> </a:t>
+            </a:r>
+            <a:r>
+              <a:rPr lang="ko-KR" altLang="en-US" dirty="0" smtClean="0">
+                <a:sym typeface="Wingdings" panose="05000000000000000000" pitchFamily="2" charset="2"/>
+              </a:rPr>
+              <a:t>라는 새 프로젝트를 시작하고 패키지 이름은 </a:t>
+            </a:r>
+            <a:r>
+              <a:rPr lang="en-US" altLang="ko-KR" dirty="0" err="1" smtClean="0">
+                <a:sym typeface="Wingdings" panose="05000000000000000000" pitchFamily="2" charset="2"/>
+              </a:rPr>
+              <a:t>com.example.camera</a:t>
+            </a:r>
+            <a:r>
+              <a:rPr lang="en-US" altLang="ko-KR" dirty="0" smtClean="0">
+                <a:sym typeface="Wingdings" panose="05000000000000000000" pitchFamily="2" charset="2"/>
+              </a:rPr>
+              <a:t> </a:t>
+            </a:r>
+            <a:r>
+              <a:rPr lang="ko-KR" altLang="en-US" dirty="0" smtClean="0">
+                <a:sym typeface="Wingdings" panose="05000000000000000000" pitchFamily="2" charset="2"/>
+              </a:rPr>
+              <a:t>로 입력합니다</a:t>
+            </a:r>
+            <a:r>
+              <a:rPr lang="en-US" altLang="ko-KR" dirty="0" smtClean="0">
+                <a:sym typeface="Wingdings" panose="05000000000000000000" pitchFamily="2" charset="2"/>
+              </a:rPr>
+              <a:t>. </a:t>
+            </a:r>
+          </a:p>
+          <a:p>
+            <a:r>
+              <a:rPr lang="en-US" altLang="ko-KR" dirty="0" smtClean="0">
+                <a:sym typeface="Wingdings" panose="05000000000000000000" pitchFamily="2" charset="2"/>
+              </a:rPr>
+              <a:t>activity_main.xml </a:t>
+            </a:r>
+            <a:r>
+              <a:rPr lang="ko-KR" altLang="en-US" dirty="0" smtClean="0">
+                <a:sym typeface="Wingdings" panose="05000000000000000000" pitchFamily="2" charset="2"/>
+              </a:rPr>
+              <a:t>파일을 열고 다음과 같은 레이아웃을 만듭니다</a:t>
+            </a:r>
+            <a:r>
+              <a:rPr lang="en-US" altLang="ko-KR" dirty="0" smtClean="0">
+                <a:sym typeface="Wingdings" panose="05000000000000000000" pitchFamily="2" charset="2"/>
+              </a:rPr>
+              <a:t>.</a:t>
+            </a:r>
+          </a:p>
+          <a:p>
+            <a:pPr lvl="1"/>
+            <a:r>
+              <a:rPr lang="ko-KR" altLang="en-US" dirty="0" smtClean="0">
+                <a:sym typeface="Wingdings" panose="05000000000000000000" pitchFamily="2" charset="2"/>
+              </a:rPr>
+              <a:t>최상위 레이아웃은 </a:t>
+            </a:r>
+            <a:r>
+              <a:rPr lang="en-US" altLang="ko-KR" dirty="0" smtClean="0">
+                <a:sym typeface="Wingdings" panose="05000000000000000000" pitchFamily="2" charset="2"/>
+              </a:rPr>
+              <a:t>LinearLayout, orientation </a:t>
+            </a:r>
+            <a:r>
+              <a:rPr lang="ko-KR" altLang="en-US" dirty="0" smtClean="0">
+                <a:sym typeface="Wingdings" panose="05000000000000000000" pitchFamily="2" charset="2"/>
+              </a:rPr>
+              <a:t>은 </a:t>
+            </a:r>
+            <a:r>
+              <a:rPr lang="en-US" altLang="ko-KR" dirty="0" smtClean="0">
+                <a:sym typeface="Wingdings" panose="05000000000000000000" pitchFamily="2" charset="2"/>
+              </a:rPr>
+              <a:t>vertical</a:t>
+            </a:r>
+            <a:r>
+              <a:rPr lang="ko-KR" altLang="en-US" dirty="0">
+                <a:sym typeface="Wingdings" panose="05000000000000000000" pitchFamily="2" charset="2"/>
+              </a:rPr>
+              <a:t> </a:t>
+            </a:r>
+            <a:r>
+              <a:rPr lang="ko-KR" altLang="en-US" dirty="0" smtClean="0">
+                <a:sym typeface="Wingdings" panose="05000000000000000000" pitchFamily="2" charset="2"/>
+              </a:rPr>
+              <a:t>로 설정합니다</a:t>
+            </a:r>
+            <a:r>
+              <a:rPr lang="en-US" altLang="ko-KR" dirty="0" smtClean="0">
+                <a:sym typeface="Wingdings" panose="05000000000000000000" pitchFamily="2" charset="2"/>
+              </a:rPr>
+              <a:t>. </a:t>
+            </a:r>
+            <a:endParaRPr lang="en-US" altLang="ko-KR" dirty="0">
+              <a:sym typeface="Wingdings" panose="05000000000000000000" pitchFamily="2" charset="2"/>
+            </a:endParaRPr>
+          </a:p>
+          <a:p>
+            <a:pPr lvl="1"/>
+            <a:r>
+              <a:rPr lang="ko-KR" altLang="en-US" dirty="0" smtClean="0">
+                <a:sym typeface="Wingdings" panose="05000000000000000000" pitchFamily="2" charset="2"/>
+              </a:rPr>
+              <a:t>화면 상단에는 </a:t>
+            </a:r>
+            <a:r>
+              <a:rPr lang="en-US" altLang="ko-KR" dirty="0" smtClean="0">
+                <a:sym typeface="Wingdings" panose="05000000000000000000" pitchFamily="2" charset="2"/>
+              </a:rPr>
+              <a:t>'</a:t>
+            </a:r>
+            <a:r>
+              <a:rPr lang="ko-KR" altLang="en-US" dirty="0" err="1" smtClean="0">
+                <a:sym typeface="Wingdings" panose="05000000000000000000" pitchFamily="2" charset="2"/>
+              </a:rPr>
+              <a:t>사진찍리</a:t>
+            </a:r>
+            <a:r>
+              <a:rPr lang="en-US" altLang="ko-KR" dirty="0" smtClean="0">
+                <a:sym typeface="Wingdings" panose="05000000000000000000" pitchFamily="2" charset="2"/>
+              </a:rPr>
+              <a:t>' </a:t>
+            </a:r>
+            <a:r>
+              <a:rPr lang="ko-KR" altLang="en-US" dirty="0" smtClean="0">
+                <a:sym typeface="Wingdings" panose="05000000000000000000" pitchFamily="2" charset="2"/>
+              </a:rPr>
+              <a:t>버튼을 배치하고</a:t>
+            </a:r>
+            <a:r>
+              <a:rPr lang="en-US" altLang="ko-KR" dirty="0" smtClean="0">
+                <a:sym typeface="Wingdings" panose="05000000000000000000" pitchFamily="2" charset="2"/>
+              </a:rPr>
+              <a:t>, </a:t>
+            </a:r>
+            <a:r>
+              <a:rPr lang="ko-KR" altLang="en-US" dirty="0" smtClean="0">
+                <a:sym typeface="Wingdings" panose="05000000000000000000" pitchFamily="2" charset="2"/>
+              </a:rPr>
+              <a:t>그 아래 공간에는 </a:t>
+            </a:r>
+            <a:r>
+              <a:rPr lang="en-US" altLang="ko-KR" dirty="0" err="1" smtClean="0">
+                <a:sym typeface="Wingdings" panose="05000000000000000000" pitchFamily="2" charset="2"/>
+              </a:rPr>
+              <a:t>FrameLayout</a:t>
+            </a:r>
+            <a:r>
+              <a:rPr lang="en-US" altLang="ko-KR" dirty="0" smtClean="0">
+                <a:sym typeface="Wingdings" panose="05000000000000000000" pitchFamily="2" charset="2"/>
+              </a:rPr>
+              <a:t> </a:t>
+            </a:r>
+            <a:r>
+              <a:rPr lang="ko-KR" altLang="en-US" dirty="0" smtClean="0">
+                <a:sym typeface="Wingdings" panose="05000000000000000000" pitchFamily="2" charset="2"/>
+              </a:rPr>
+              <a:t>로 꽉 채웁니다</a:t>
+            </a:r>
+            <a:r>
+              <a:rPr lang="en-US" altLang="ko-KR" dirty="0" smtClean="0">
+                <a:sym typeface="Wingdings" panose="05000000000000000000" pitchFamily="2" charset="2"/>
+              </a:rPr>
+              <a:t>.  </a:t>
+            </a:r>
+            <a:r>
+              <a:rPr lang="ko-KR" altLang="en-US" dirty="0" smtClean="0">
+                <a:sym typeface="Wingdings" panose="05000000000000000000" pitchFamily="2" charset="2"/>
+              </a:rPr>
+              <a:t>이 </a:t>
+            </a:r>
+            <a:r>
+              <a:rPr lang="en-US" altLang="ko-KR" dirty="0" err="1" smtClean="0">
+                <a:sym typeface="Wingdings" panose="05000000000000000000" pitchFamily="2" charset="2"/>
+              </a:rPr>
+              <a:t>FrameLayout</a:t>
+            </a:r>
+            <a:r>
+              <a:rPr lang="ko-KR" altLang="en-US" dirty="0">
+                <a:sym typeface="Wingdings" panose="05000000000000000000" pitchFamily="2" charset="2"/>
+              </a:rPr>
+              <a:t> </a:t>
+            </a:r>
+            <a:r>
+              <a:rPr lang="ko-KR" altLang="en-US" dirty="0" smtClean="0">
+                <a:sym typeface="Wingdings" panose="05000000000000000000" pitchFamily="2" charset="2"/>
+              </a:rPr>
+              <a:t>의 </a:t>
+            </a:r>
+            <a:r>
+              <a:rPr lang="en-US" altLang="ko-KR" dirty="0" smtClean="0">
+                <a:sym typeface="Wingdings" panose="05000000000000000000" pitchFamily="2" charset="2"/>
+              </a:rPr>
+              <a:t>id</a:t>
+            </a:r>
+            <a:r>
+              <a:rPr lang="ko-KR" altLang="en-US" dirty="0" smtClean="0">
+                <a:sym typeface="Wingdings" panose="05000000000000000000" pitchFamily="2" charset="2"/>
+              </a:rPr>
+              <a:t>값은 </a:t>
+            </a:r>
+            <a:r>
+              <a:rPr lang="en-US" altLang="ko-KR" dirty="0" err="1" smtClean="0">
+                <a:sym typeface="Wingdings" panose="05000000000000000000" pitchFamily="2" charset="2"/>
+              </a:rPr>
+              <a:t>previewFrame</a:t>
+            </a:r>
+            <a:r>
+              <a:rPr lang="en-US" altLang="ko-KR" dirty="0" smtClean="0">
+                <a:sym typeface="Wingdings" panose="05000000000000000000" pitchFamily="2" charset="2"/>
+              </a:rPr>
+              <a:t> </a:t>
+            </a:r>
+            <a:r>
+              <a:rPr lang="ko-KR" altLang="en-US" dirty="0" smtClean="0">
+                <a:sym typeface="Wingdings" panose="05000000000000000000" pitchFamily="2" charset="2"/>
+              </a:rPr>
+              <a:t>으로 설정하고</a:t>
+            </a:r>
+            <a:r>
+              <a:rPr lang="en-US" altLang="ko-KR" dirty="0" smtClean="0">
+                <a:sym typeface="Wingdings" panose="05000000000000000000" pitchFamily="2" charset="2"/>
+              </a:rPr>
+              <a:t>, </a:t>
+            </a:r>
+            <a:r>
+              <a:rPr lang="ko-KR" altLang="en-US" dirty="0" smtClean="0">
+                <a:sym typeface="Wingdings" panose="05000000000000000000" pitchFamily="2" charset="2"/>
+              </a:rPr>
+              <a:t>이 레이아웃 안에 카메라 </a:t>
+            </a:r>
+            <a:r>
+              <a:rPr lang="ko-KR" altLang="en-US" dirty="0" err="1" smtClean="0">
+                <a:sym typeface="Wingdings" panose="05000000000000000000" pitchFamily="2" charset="2"/>
+              </a:rPr>
+              <a:t>미리보기</a:t>
+            </a:r>
+            <a:r>
+              <a:rPr lang="ko-KR" altLang="en-US" dirty="0" smtClean="0">
+                <a:sym typeface="Wingdings" panose="05000000000000000000" pitchFamily="2" charset="2"/>
+              </a:rPr>
+              <a:t> 화면이 보이도록 할 것입니다</a:t>
+            </a:r>
+            <a:r>
+              <a:rPr lang="en-US" altLang="ko-KR" dirty="0" smtClean="0">
+                <a:sym typeface="Wingdings" panose="05000000000000000000" pitchFamily="2" charset="2"/>
+              </a:rPr>
+              <a:t>. </a:t>
+            </a:r>
+            <a:r>
+              <a:rPr lang="ko-KR" altLang="en-US" dirty="0" smtClean="0">
+                <a:sym typeface="Wingdings" panose="05000000000000000000" pitchFamily="2" charset="2"/>
+              </a:rPr>
+              <a:t> </a:t>
+            </a:r>
+            <a:endParaRPr lang="en-US" altLang="ko-KR" dirty="0" smtClean="0">
+              <a:sym typeface="Wingdings" panose="05000000000000000000" pitchFamily="2" charset="2"/>
+            </a:endParaRPr>
+          </a:p>
+          <a:p>
+            <a:endParaRPr lang="en-US" altLang="ko-KR" dirty="0">
+              <a:sym typeface="Wingdings" panose="05000000000000000000" pitchFamily="2" charset="2"/>
+            </a:endParaRPr>
+          </a:p>
+          <a:p>
+            <a:endParaRPr lang="en-US" altLang="ko-KR" dirty="0" smtClean="0">
+              <a:sym typeface="Wingdings" panose="05000000000000000000" pitchFamily="2" charset="2"/>
+            </a:endParaRPr>
+          </a:p>
+          <a:p>
+            <a:endParaRPr lang="en-US" altLang="ko-KR" dirty="0">
+              <a:sym typeface="Wingdings" panose="05000000000000000000" pitchFamily="2" charset="2"/>
+            </a:endParaRPr>
+          </a:p>
+          <a:p>
+            <a:endParaRPr lang="en-US" altLang="ko-KR" dirty="0">
+              <a:sym typeface="Wingdings" panose="05000000000000000000" pitchFamily="2" charset="2"/>
+            </a:endParaRPr>
+          </a:p>
+        </p:txBody>
+      </p:sp>
+      <p:sp>
+        <p:nvSpPr>
+          <p:cNvPr id="4" name="슬라이드 번호 개체 틀 3"/>
+          <p:cNvSpPr>
+            <a:spLocks noGrp="1"/>
+          </p:cNvSpPr>
+          <p:nvPr>
+            <p:ph type="sldNum" sz="quarter" idx="14"/>
+          </p:nvPr>
+        </p:nvSpPr>
+        <p:spPr/>
+        <p:txBody>
+          <a:bodyPr/>
+          <a:lstStyle/>
+          <a:p>
+            <a:pPr>
+              <a:defRPr/>
+            </a:pPr>
+            <a:fld id="{3D493B47-E977-46F8-8C2F-7DA674317049}" type="slidenum">
+              <a:rPr lang="ko-KR" altLang="en-US" smtClean="0"/>
+              <a:pPr>
+                <a:defRPr/>
+              </a:pPr>
+              <a:t>20</a:t>
             </a:fld>
             <a:endParaRPr lang="ko-KR" altLang="en-US"/>
           </a:p>
@@ -13153,585 +13912,6 @@
 </p:sld>
 </file>
 
-<file path=ppt/slides/slide2.xml><?xml version="1.0" encoding="utf-8"?>
-<p:sld xmlns:a="http://schemas.openxmlformats.org/drawingml/2006/main" xmlns:r="http://schemas.openxmlformats.org/officeDocument/2006/relationships" xmlns:p="http://schemas.openxmlformats.org/presentationml/2006/main">
-  <p:cSld>
-    <p:spTree>
-      <p:nvGrpSpPr>
-        <p:cNvPr id="1" name=""/>
-        <p:cNvGrpSpPr/>
-        <p:nvPr/>
-      </p:nvGrpSpPr>
-      <p:grpSpPr>
-        <a:xfrm>
-          <a:off x="0" y="0"/>
-          <a:ext cx="0" cy="0"/>
-          <a:chOff x="0" y="0"/>
-          <a:chExt cx="0" cy="0"/>
-        </a:xfrm>
-      </p:grpSpPr>
-      <p:sp>
-        <p:nvSpPr>
-          <p:cNvPr id="2" name="제목 1"/>
-          <p:cNvSpPr>
-            <a:spLocks noGrp="1"/>
-          </p:cNvSpPr>
-          <p:nvPr>
-            <p:ph type="title"/>
-          </p:nvPr>
-        </p:nvSpPr>
-        <p:spPr/>
-        <p:txBody>
-          <a:bodyPr/>
-          <a:lstStyle/>
-          <a:p>
-            <a:r>
-              <a:rPr lang="en-US" altLang="ko-KR" dirty="0" smtClean="0">
-                <a:latin typeface="나눔고딕" panose="020D0604000000000000" pitchFamily="50" charset="-127"/>
-                <a:ea typeface="나눔고딕" panose="020D0604000000000000" pitchFamily="50" charset="-127"/>
-              </a:rPr>
-              <a:t>07 </a:t>
-            </a:r>
-            <a:r>
-              <a:rPr lang="ko-KR" altLang="en-US" dirty="0" smtClean="0">
-                <a:latin typeface="나눔고딕" panose="020D0604000000000000" pitchFamily="50" charset="-127"/>
-                <a:ea typeface="나눔고딕" panose="020D0604000000000000" pitchFamily="50" charset="-127"/>
-              </a:rPr>
-              <a:t>멀티미디어 다루기</a:t>
-            </a:r>
-            <a:endParaRPr lang="ko-KR" altLang="en-US" dirty="0"/>
-          </a:p>
-        </p:txBody>
-      </p:sp>
-      <p:sp>
-        <p:nvSpPr>
-          <p:cNvPr id="3" name="내용 개체 틀 2"/>
-          <p:cNvSpPr>
-            <a:spLocks noGrp="1"/>
-          </p:cNvSpPr>
-          <p:nvPr>
-            <p:ph idx="10"/>
-          </p:nvPr>
-        </p:nvSpPr>
-        <p:spPr/>
-        <p:txBody>
-          <a:bodyPr/>
-          <a:lstStyle/>
-          <a:p>
-            <a:pPr marL="57150" indent="0">
-              <a:buNone/>
-            </a:pPr>
-            <a:r>
-              <a:rPr lang="en-US" altLang="ko-KR" b="1" dirty="0" smtClean="0">
-                <a:sym typeface="Wingdings" panose="05000000000000000000" pitchFamily="2" charset="2"/>
-              </a:rPr>
-              <a:t>Multimedia</a:t>
-            </a:r>
-          </a:p>
-          <a:p>
-            <a:pPr indent="-285750"/>
-            <a:r>
-              <a:rPr lang="ko-KR" altLang="en-US" dirty="0" smtClean="0">
-                <a:sym typeface="Wingdings" panose="05000000000000000000" pitchFamily="2" charset="2"/>
-              </a:rPr>
-              <a:t>카메라로 사진을 찍고 저장하기 </a:t>
-            </a:r>
-            <a:endParaRPr lang="en-US" altLang="ko-KR" dirty="0" smtClean="0">
-              <a:sym typeface="Wingdings" panose="05000000000000000000" pitchFamily="2" charset="2"/>
-            </a:endParaRPr>
-          </a:p>
-          <a:p>
-            <a:pPr lvl="1"/>
-            <a:r>
-              <a:rPr lang="ko-KR" altLang="en-US" dirty="0" smtClean="0">
-                <a:sym typeface="Wingdings" panose="05000000000000000000" pitchFamily="2" charset="2"/>
-              </a:rPr>
-              <a:t>카메라로 사진 찍어 저장하기</a:t>
-            </a:r>
-            <a:endParaRPr lang="en-US" altLang="ko-KR" dirty="0">
-              <a:sym typeface="Wingdings" panose="05000000000000000000" pitchFamily="2" charset="2"/>
-            </a:endParaRPr>
-          </a:p>
-          <a:p>
-            <a:pPr lvl="1"/>
-            <a:r>
-              <a:rPr lang="ko-KR" altLang="en-US" dirty="0" smtClean="0">
-                <a:sym typeface="Wingdings" panose="05000000000000000000" pitchFamily="2" charset="2"/>
-              </a:rPr>
-              <a:t>화면에 카메라 미리 보기 넣기</a:t>
-            </a:r>
-            <a:endParaRPr lang="en-US" altLang="ko-KR" dirty="0" smtClean="0">
-              <a:sym typeface="Wingdings" panose="05000000000000000000" pitchFamily="2" charset="2"/>
-            </a:endParaRPr>
-          </a:p>
-          <a:p>
-            <a:r>
-              <a:rPr lang="en-US" altLang="ko-KR" dirty="0">
-                <a:sym typeface="Wingdings" panose="05000000000000000000" pitchFamily="2" charset="2"/>
-              </a:rPr>
-              <a:t/>
-            </a:r>
-            <a:br>
-              <a:rPr lang="en-US" altLang="ko-KR" dirty="0">
-                <a:sym typeface="Wingdings" panose="05000000000000000000" pitchFamily="2" charset="2"/>
-              </a:rPr>
-            </a:br>
-            <a:endParaRPr lang="en-US" altLang="ko-KR" dirty="0" smtClean="0">
-              <a:sym typeface="Wingdings" panose="05000000000000000000" pitchFamily="2" charset="2"/>
-            </a:endParaRPr>
-          </a:p>
-        </p:txBody>
-      </p:sp>
-      <p:sp>
-        <p:nvSpPr>
-          <p:cNvPr id="4" name="슬라이드 번호 개체 틀 3"/>
-          <p:cNvSpPr>
-            <a:spLocks noGrp="1"/>
-          </p:cNvSpPr>
-          <p:nvPr>
-            <p:ph type="sldNum" sz="quarter" idx="14"/>
-          </p:nvPr>
-        </p:nvSpPr>
-        <p:spPr/>
-        <p:txBody>
-          <a:bodyPr/>
-          <a:lstStyle/>
-          <a:p>
-            <a:pPr>
-              <a:defRPr/>
-            </a:pPr>
-            <a:fld id="{3D493B47-E977-46F8-8C2F-7DA674317049}" type="slidenum">
-              <a:rPr lang="ko-KR" altLang="en-US" smtClean="0"/>
-              <a:pPr>
-                <a:defRPr/>
-              </a:pPr>
-              <a:t>2</a:t>
-            </a:fld>
-            <a:endParaRPr lang="ko-KR" altLang="en-US"/>
-          </a:p>
-        </p:txBody>
-      </p:sp>
-    </p:spTree>
-    <p:extLst>
-      <p:ext uri="{BB962C8B-B14F-4D97-AF65-F5344CB8AC3E}">
-        <p14:creationId xmlns:p14="http://schemas.microsoft.com/office/powerpoint/2010/main" val="3817040102"/>
-      </p:ext>
-    </p:extLst>
-  </p:cSld>
-  <p:clrMapOvr>
-    <a:masterClrMapping/>
-  </p:clrMapOvr>
-</p:sld>
-</file>
-
-<file path=ppt/slides/slide20.xml><?xml version="1.0" encoding="utf-8"?>
-<p:sld xmlns:a="http://schemas.openxmlformats.org/drawingml/2006/main" xmlns:r="http://schemas.openxmlformats.org/officeDocument/2006/relationships" xmlns:p="http://schemas.openxmlformats.org/presentationml/2006/main">
-  <p:cSld>
-    <p:spTree>
-      <p:nvGrpSpPr>
-        <p:cNvPr id="1" name=""/>
-        <p:cNvGrpSpPr/>
-        <p:nvPr/>
-      </p:nvGrpSpPr>
-      <p:grpSpPr>
-        <a:xfrm>
-          <a:off x="0" y="0"/>
-          <a:ext cx="0" cy="0"/>
-          <a:chOff x="0" y="0"/>
-          <a:chExt cx="0" cy="0"/>
-        </a:xfrm>
-      </p:grpSpPr>
-      <p:sp>
-        <p:nvSpPr>
-          <p:cNvPr id="2" name="제목 1"/>
-          <p:cNvSpPr>
-            <a:spLocks noGrp="1"/>
-          </p:cNvSpPr>
-          <p:nvPr>
-            <p:ph type="title"/>
-          </p:nvPr>
-        </p:nvSpPr>
-        <p:spPr/>
-        <p:txBody>
-          <a:bodyPr/>
-          <a:lstStyle/>
-          <a:p>
-            <a:r>
-              <a:rPr lang="en-US" altLang="ko-KR" dirty="0" smtClean="0">
-                <a:latin typeface="나눔고딕" panose="020D0604000000000000" pitchFamily="50" charset="-127"/>
-                <a:ea typeface="나눔고딕" panose="020D0604000000000000" pitchFamily="50" charset="-127"/>
-              </a:rPr>
-              <a:t>07-2 </a:t>
-            </a:r>
-            <a:r>
-              <a:rPr lang="ko-KR" altLang="en-US" dirty="0" smtClean="0">
-                <a:latin typeface="나눔고딕" panose="020D0604000000000000" pitchFamily="50" charset="-127"/>
-                <a:ea typeface="나눔고딕" panose="020D0604000000000000" pitchFamily="50" charset="-127"/>
-              </a:rPr>
-              <a:t>화면에 카메라 </a:t>
-            </a:r>
-            <a:r>
-              <a:rPr lang="ko-KR" altLang="en-US" dirty="0" err="1" smtClean="0">
-                <a:latin typeface="나눔고딕" panose="020D0604000000000000" pitchFamily="50" charset="-127"/>
-                <a:ea typeface="나눔고딕" panose="020D0604000000000000" pitchFamily="50" charset="-127"/>
-              </a:rPr>
-              <a:t>미리보기</a:t>
-            </a:r>
-            <a:r>
-              <a:rPr lang="ko-KR" altLang="en-US" dirty="0" smtClean="0">
-                <a:latin typeface="나눔고딕" panose="020D0604000000000000" pitchFamily="50" charset="-127"/>
-                <a:ea typeface="나눔고딕" panose="020D0604000000000000" pitchFamily="50" charset="-127"/>
-              </a:rPr>
-              <a:t> 넣기 </a:t>
-            </a:r>
-            <a:r>
-              <a:rPr lang="en-US" altLang="ko-KR" dirty="0" smtClean="0">
-                <a:latin typeface="나눔고딕" panose="020D0604000000000000" pitchFamily="50" charset="-127"/>
-                <a:ea typeface="나눔고딕" panose="020D0604000000000000" pitchFamily="50" charset="-127"/>
-              </a:rPr>
-              <a:t>– </a:t>
-            </a:r>
-            <a:r>
-              <a:rPr lang="ko-KR" altLang="en-US" dirty="0" smtClean="0">
-                <a:latin typeface="나눔고딕" panose="020D0604000000000000" pitchFamily="50" charset="-127"/>
-                <a:ea typeface="나눔고딕" panose="020D0604000000000000" pitchFamily="50" charset="-127"/>
-              </a:rPr>
-              <a:t>카메라 </a:t>
-            </a:r>
-            <a:r>
-              <a:rPr lang="ko-KR" altLang="en-US" dirty="0" err="1" smtClean="0">
-                <a:latin typeface="나눔고딕" panose="020D0604000000000000" pitchFamily="50" charset="-127"/>
-                <a:ea typeface="나눔고딕" panose="020D0604000000000000" pitchFamily="50" charset="-127"/>
-              </a:rPr>
-              <a:t>미리보기</a:t>
-            </a:r>
-            <a:r>
-              <a:rPr lang="ko-KR" altLang="en-US" dirty="0" smtClean="0">
-                <a:latin typeface="나눔고딕" panose="020D0604000000000000" pitchFamily="50" charset="-127"/>
-                <a:ea typeface="나눔고딕" panose="020D0604000000000000" pitchFamily="50" charset="-127"/>
-              </a:rPr>
-              <a:t> 실습</a:t>
-            </a:r>
-            <a:endParaRPr lang="ko-KR" altLang="en-US" dirty="0"/>
-          </a:p>
-        </p:txBody>
-      </p:sp>
-      <p:sp>
-        <p:nvSpPr>
-          <p:cNvPr id="3" name="내용 개체 틀 2"/>
-          <p:cNvSpPr>
-            <a:spLocks noGrp="1"/>
-          </p:cNvSpPr>
-          <p:nvPr>
-            <p:ph idx="10"/>
-          </p:nvPr>
-        </p:nvSpPr>
-        <p:spPr/>
-        <p:txBody>
-          <a:bodyPr/>
-          <a:lstStyle/>
-          <a:p>
-            <a:pPr marL="0" indent="0">
-              <a:buNone/>
-            </a:pPr>
-            <a:r>
-              <a:rPr lang="ko-KR" altLang="en-US" b="1" dirty="0" smtClean="0">
-                <a:solidFill>
-                  <a:srgbClr val="C00000"/>
-                </a:solidFill>
-                <a:sym typeface="Wingdings" panose="05000000000000000000" pitchFamily="2" charset="2"/>
-              </a:rPr>
-              <a:t>카메라 </a:t>
-            </a:r>
-            <a:r>
-              <a:rPr lang="ko-KR" altLang="en-US" b="1" dirty="0" err="1" smtClean="0">
-                <a:solidFill>
-                  <a:srgbClr val="C00000"/>
-                </a:solidFill>
-                <a:sym typeface="Wingdings" panose="05000000000000000000" pitchFamily="2" charset="2"/>
-              </a:rPr>
-              <a:t>미리보기</a:t>
-            </a:r>
-            <a:r>
-              <a:rPr lang="ko-KR" altLang="en-US" b="1" dirty="0" smtClean="0">
-                <a:solidFill>
-                  <a:srgbClr val="C00000"/>
-                </a:solidFill>
-                <a:sym typeface="Wingdings" panose="05000000000000000000" pitchFamily="2" charset="2"/>
-              </a:rPr>
-              <a:t> 실습 </a:t>
-            </a:r>
-            <a:r>
-              <a:rPr lang="en-US" altLang="ko-KR" dirty="0" smtClean="0">
-                <a:sym typeface="Wingdings" panose="05000000000000000000" pitchFamily="2" charset="2"/>
-              </a:rPr>
-              <a:t>– </a:t>
-            </a:r>
-            <a:r>
-              <a:rPr lang="ko-KR" altLang="en-US" dirty="0" err="1" smtClean="0">
-                <a:sym typeface="Wingdings" panose="05000000000000000000" pitchFamily="2" charset="2"/>
-              </a:rPr>
-              <a:t>미리보기와</a:t>
-            </a:r>
-            <a:r>
-              <a:rPr lang="ko-KR" altLang="en-US" dirty="0" smtClean="0">
-                <a:sym typeface="Wingdings" panose="05000000000000000000" pitchFamily="2" charset="2"/>
-              </a:rPr>
-              <a:t> </a:t>
-            </a:r>
-            <a:r>
-              <a:rPr lang="ko-KR" altLang="en-US" dirty="0" err="1" smtClean="0">
-                <a:sym typeface="Wingdings" panose="05000000000000000000" pitchFamily="2" charset="2"/>
-              </a:rPr>
-              <a:t>사진찍고</a:t>
-            </a:r>
-            <a:r>
-              <a:rPr lang="ko-KR" altLang="en-US" dirty="0" smtClean="0">
-                <a:sym typeface="Wingdings" panose="05000000000000000000" pitchFamily="2" charset="2"/>
-              </a:rPr>
-              <a:t> 미디어 앨범에 저장하기</a:t>
-            </a:r>
-            <a:endParaRPr lang="en-US" altLang="ko-KR" dirty="0" smtClean="0">
-              <a:sym typeface="Wingdings" panose="05000000000000000000" pitchFamily="2" charset="2"/>
-            </a:endParaRPr>
-          </a:p>
-          <a:p>
-            <a:r>
-              <a:rPr lang="ko-KR" altLang="en-US" dirty="0" smtClean="0">
-                <a:sym typeface="Wingdings" panose="05000000000000000000" pitchFamily="2" charset="2"/>
-              </a:rPr>
-              <a:t>카메라 </a:t>
-            </a:r>
-            <a:r>
-              <a:rPr lang="ko-KR" altLang="en-US" dirty="0" err="1" smtClean="0">
-                <a:sym typeface="Wingdings" panose="05000000000000000000" pitchFamily="2" charset="2"/>
-              </a:rPr>
-              <a:t>미리보기</a:t>
-            </a:r>
-            <a:r>
-              <a:rPr lang="ko-KR" altLang="en-US" dirty="0" smtClean="0">
-                <a:sym typeface="Wingdings" panose="05000000000000000000" pitchFamily="2" charset="2"/>
-              </a:rPr>
-              <a:t> 화면을 </a:t>
-            </a:r>
-            <a:r>
-              <a:rPr lang="en-US" altLang="ko-KR" dirty="0" err="1" smtClean="0">
-                <a:sym typeface="Wingdings" panose="05000000000000000000" pitchFamily="2" charset="2"/>
-              </a:rPr>
-              <a:t>FrameLayout</a:t>
-            </a:r>
-            <a:r>
-              <a:rPr lang="en-US" altLang="ko-KR" dirty="0" smtClean="0">
-                <a:sym typeface="Wingdings" panose="05000000000000000000" pitchFamily="2" charset="2"/>
-              </a:rPr>
-              <a:t> </a:t>
-            </a:r>
-            <a:r>
-              <a:rPr lang="ko-KR" altLang="en-US" dirty="0" smtClean="0">
-                <a:sym typeface="Wingdings" panose="05000000000000000000" pitchFamily="2" charset="2"/>
-              </a:rPr>
-              <a:t>안에 추가하기 위해 소스 코드에서 </a:t>
-            </a:r>
-            <a:r>
-              <a:rPr lang="en-US" altLang="ko-KR" dirty="0" err="1" smtClean="0">
-                <a:sym typeface="Wingdings" panose="05000000000000000000" pitchFamily="2" charset="2"/>
-              </a:rPr>
-              <a:t>CameraSurfaceView</a:t>
-            </a:r>
-            <a:r>
-              <a:rPr lang="en-US" altLang="ko-KR" dirty="0" smtClean="0">
-                <a:sym typeface="Wingdings" panose="05000000000000000000" pitchFamily="2" charset="2"/>
-              </a:rPr>
-              <a:t> </a:t>
-            </a:r>
-            <a:r>
-              <a:rPr lang="ko-KR" altLang="en-US" dirty="0" smtClean="0">
-                <a:sym typeface="Wingdings" panose="05000000000000000000" pitchFamily="2" charset="2"/>
-              </a:rPr>
-              <a:t>라는 이름의 새로운 클래스를 </a:t>
-            </a:r>
-            <a:r>
-              <a:rPr lang="en-US" altLang="ko-KR" dirty="0" smtClean="0">
-                <a:sym typeface="Wingdings" panose="05000000000000000000" pitchFamily="2" charset="2"/>
-              </a:rPr>
-              <a:t>MainActivity </a:t>
-            </a:r>
-            <a:r>
-              <a:rPr lang="ko-KR" altLang="en-US" dirty="0" smtClean="0">
-                <a:sym typeface="Wingdings" panose="05000000000000000000" pitchFamily="2" charset="2"/>
-              </a:rPr>
-              <a:t>클래스 안에 내부 클래스로 정의하고 그 클래스의 인스턴스 객체를 만들어 추가할 것입니다</a:t>
-            </a:r>
-            <a:r>
-              <a:rPr lang="en-US" altLang="ko-KR" dirty="0" smtClean="0">
-                <a:sym typeface="Wingdings" panose="05000000000000000000" pitchFamily="2" charset="2"/>
-              </a:rPr>
-              <a:t>. </a:t>
-            </a:r>
-          </a:p>
-          <a:p>
-            <a:pPr lvl="1"/>
-            <a:r>
-              <a:rPr lang="ko-KR" altLang="en-US" dirty="0" smtClean="0">
-                <a:sym typeface="Wingdings" panose="05000000000000000000" pitchFamily="2" charset="2"/>
-              </a:rPr>
-              <a:t>먼저 </a:t>
-            </a:r>
-            <a:r>
-              <a:rPr lang="en-US" altLang="ko-KR" dirty="0" smtClean="0">
-                <a:sym typeface="Wingdings" panose="05000000000000000000" pitchFamily="2" charset="2"/>
-              </a:rPr>
-              <a:t>MainActivity.java </a:t>
-            </a:r>
-            <a:r>
-              <a:rPr lang="ko-KR" altLang="en-US" dirty="0" smtClean="0">
-                <a:sym typeface="Wingdings" panose="05000000000000000000" pitchFamily="2" charset="2"/>
-              </a:rPr>
-              <a:t>파일을 열고 </a:t>
-            </a:r>
-            <a:r>
-              <a:rPr lang="en-US" altLang="ko-KR" dirty="0" err="1" smtClean="0">
-                <a:sym typeface="Wingdings" panose="05000000000000000000" pitchFamily="2" charset="2"/>
-              </a:rPr>
-              <a:t>CameraSurfaceView</a:t>
-            </a:r>
-            <a:r>
-              <a:rPr lang="en-US" altLang="ko-KR" dirty="0" smtClean="0">
-                <a:sym typeface="Wingdings" panose="05000000000000000000" pitchFamily="2" charset="2"/>
-              </a:rPr>
-              <a:t> </a:t>
-            </a:r>
-            <a:r>
-              <a:rPr lang="ko-KR" altLang="en-US" dirty="0" smtClean="0">
-                <a:sym typeface="Wingdings" panose="05000000000000000000" pitchFamily="2" charset="2"/>
-              </a:rPr>
-              <a:t>객체를 </a:t>
-            </a:r>
-            <a:r>
-              <a:rPr lang="en-US" altLang="ko-KR" dirty="0" err="1" smtClean="0">
-                <a:sym typeface="Wingdings" panose="05000000000000000000" pitchFamily="2" charset="2"/>
-              </a:rPr>
-              <a:t>FrameLayout</a:t>
-            </a:r>
-            <a:r>
-              <a:rPr lang="ko-KR" altLang="en-US" dirty="0" smtClean="0">
-                <a:sym typeface="Wingdings" panose="05000000000000000000" pitchFamily="2" charset="2"/>
-              </a:rPr>
-              <a:t>에 추가하고 사진을 찍는 코드를 입력합니다</a:t>
-            </a:r>
-            <a:r>
-              <a:rPr lang="en-US" altLang="ko-KR" dirty="0" smtClean="0">
-                <a:sym typeface="Wingdings" panose="05000000000000000000" pitchFamily="2" charset="2"/>
-              </a:rPr>
-              <a:t>. </a:t>
-            </a:r>
-          </a:p>
-          <a:p>
-            <a:pPr lvl="1"/>
-            <a:r>
-              <a:rPr lang="ko-KR" altLang="en-US" dirty="0" smtClean="0">
-                <a:sym typeface="Wingdings" panose="05000000000000000000" pitchFamily="2" charset="2"/>
-              </a:rPr>
-              <a:t>여기에서 </a:t>
-            </a:r>
-            <a:r>
-              <a:rPr lang="en-US" altLang="ko-KR" dirty="0" err="1" smtClean="0">
-                <a:sym typeface="Wingdings" panose="05000000000000000000" pitchFamily="2" charset="2"/>
-              </a:rPr>
-              <a:t>CameraSufaceView</a:t>
-            </a:r>
-            <a:r>
-              <a:rPr lang="en-US" altLang="ko-KR" dirty="0" smtClean="0">
-                <a:sym typeface="Wingdings" panose="05000000000000000000" pitchFamily="2" charset="2"/>
-              </a:rPr>
-              <a:t> </a:t>
-            </a:r>
-            <a:r>
-              <a:rPr lang="ko-KR" altLang="en-US" dirty="0" smtClean="0">
-                <a:sym typeface="Wingdings" panose="05000000000000000000" pitchFamily="2" charset="2"/>
-              </a:rPr>
-              <a:t>클래스는 미리 정의되어 있다고 가정하고 입력하기 때문에 빨간 밑줄이 생겨도 그대로 진행합니다</a:t>
-            </a:r>
-            <a:r>
-              <a:rPr lang="en-US" altLang="ko-KR" dirty="0" smtClean="0">
-                <a:sym typeface="Wingdings" panose="05000000000000000000" pitchFamily="2" charset="2"/>
-              </a:rPr>
-              <a:t>. </a:t>
-            </a:r>
-            <a:r>
-              <a:rPr lang="ko-KR" altLang="en-US" dirty="0" smtClean="0">
-                <a:sym typeface="Wingdings" panose="05000000000000000000" pitchFamily="2" charset="2"/>
-              </a:rPr>
-              <a:t> </a:t>
-            </a:r>
-            <a:endParaRPr lang="en-US" altLang="ko-KR" dirty="0" smtClean="0">
-              <a:sym typeface="Wingdings" panose="05000000000000000000" pitchFamily="2" charset="2"/>
-            </a:endParaRPr>
-          </a:p>
-          <a:p>
-            <a:endParaRPr lang="en-US" altLang="ko-KR" dirty="0">
-              <a:sym typeface="Wingdings" panose="05000000000000000000" pitchFamily="2" charset="2"/>
-            </a:endParaRPr>
-          </a:p>
-          <a:p>
-            <a:endParaRPr lang="en-US" altLang="ko-KR" dirty="0" smtClean="0">
-              <a:sym typeface="Wingdings" panose="05000000000000000000" pitchFamily="2" charset="2"/>
-            </a:endParaRPr>
-          </a:p>
-          <a:p>
-            <a:endParaRPr lang="en-US" altLang="ko-KR" dirty="0">
-              <a:sym typeface="Wingdings" panose="05000000000000000000" pitchFamily="2" charset="2"/>
-            </a:endParaRPr>
-          </a:p>
-          <a:p>
-            <a:endParaRPr lang="en-US" altLang="ko-KR" dirty="0">
-              <a:sym typeface="Wingdings" panose="05000000000000000000" pitchFamily="2" charset="2"/>
-            </a:endParaRPr>
-          </a:p>
-        </p:txBody>
-      </p:sp>
-      <p:sp>
-        <p:nvSpPr>
-          <p:cNvPr id="4" name="슬라이드 번호 개체 틀 3"/>
-          <p:cNvSpPr>
-            <a:spLocks noGrp="1"/>
-          </p:cNvSpPr>
-          <p:nvPr>
-            <p:ph type="sldNum" sz="quarter" idx="14"/>
-          </p:nvPr>
-        </p:nvSpPr>
-        <p:spPr/>
-        <p:txBody>
-          <a:bodyPr/>
-          <a:lstStyle/>
-          <a:p>
-            <a:pPr>
-              <a:defRPr/>
-            </a:pPr>
-            <a:fld id="{3D493B47-E977-46F8-8C2F-7DA674317049}" type="slidenum">
-              <a:rPr lang="ko-KR" altLang="en-US" smtClean="0"/>
-              <a:pPr>
-                <a:defRPr/>
-              </a:pPr>
-              <a:t>20</a:t>
-            </a:fld>
-            <a:endParaRPr lang="ko-KR" altLang="en-US"/>
-          </a:p>
-        </p:txBody>
-      </p:sp>
-    </p:spTree>
-    <p:extLst>
-      <p:ext uri="{BB962C8B-B14F-4D97-AF65-F5344CB8AC3E}">
-        <p14:creationId xmlns:p14="http://schemas.microsoft.com/office/powerpoint/2010/main" val="3672613937"/>
-      </p:ext>
-    </p:extLst>
-  </p:cSld>
-  <p:clrMapOvr>
-    <a:masterClrMapping/>
-  </p:clrMapOvr>
-</p:sld>
-</file>
-
 <file path=ppt/slides/slide21.xml><?xml version="1.0" encoding="utf-8"?>
 <p:sld xmlns:a="http://schemas.openxmlformats.org/drawingml/2006/main" xmlns:r="http://schemas.openxmlformats.org/officeDocument/2006/relationships" xmlns:p="http://schemas.openxmlformats.org/presentationml/2006/main">
   <p:cSld>
@@ -13843,7 +14023,7 @@
               <a:buNone/>
             </a:pPr>
             <a:r>
-              <a:rPr lang="ko-KR" altLang="en-US" b="1" dirty="0">
+              <a:rPr lang="ko-KR" altLang="en-US" b="1" dirty="0" smtClean="0">
                 <a:solidFill>
                   <a:srgbClr val="C00000"/>
                 </a:solidFill>
@@ -13852,7 +14032,7 @@
               <a:t>카메라 </a:t>
             </a:r>
             <a:r>
-              <a:rPr lang="ko-KR" altLang="en-US" b="1" dirty="0" err="1">
+              <a:rPr lang="ko-KR" altLang="en-US" b="1" dirty="0" err="1" smtClean="0">
                 <a:solidFill>
                   <a:srgbClr val="C00000"/>
                 </a:solidFill>
@@ -13861,7 +14041,7 @@
               <a:t>미리보기</a:t>
             </a:r>
             <a:r>
-              <a:rPr lang="ko-KR" altLang="en-US" b="1" dirty="0">
+              <a:rPr lang="ko-KR" altLang="en-US" b="1" dirty="0" smtClean="0">
                 <a:solidFill>
                   <a:srgbClr val="C00000"/>
                 </a:solidFill>
@@ -13870,27 +14050,211 @@
               <a:t> 실습 </a:t>
             </a:r>
             <a:r>
-              <a:rPr lang="en-US" altLang="ko-KR" b="1" dirty="0" smtClean="0">
-                <a:solidFill>
-                  <a:srgbClr val="C00000"/>
-                </a:solidFill>
+              <a:rPr lang="en-US" altLang="ko-KR" dirty="0" smtClean="0">
                 <a:sym typeface="Wingdings" panose="05000000000000000000" pitchFamily="2" charset="2"/>
               </a:rPr>
               <a:t>– </a:t>
             </a:r>
             <a:r>
-              <a:rPr lang="en-US" altLang="ko-KR" b="1" dirty="0" smtClean="0">
+              <a:rPr lang="ko-KR" altLang="en-US" dirty="0" err="1" smtClean="0">
+                <a:sym typeface="Wingdings" panose="05000000000000000000" pitchFamily="2" charset="2"/>
+              </a:rPr>
+              <a:t>미리보기와</a:t>
+            </a:r>
+            <a:r>
+              <a:rPr lang="ko-KR" altLang="en-US" dirty="0" smtClean="0">
+                <a:sym typeface="Wingdings" panose="05000000000000000000" pitchFamily="2" charset="2"/>
+              </a:rPr>
+              <a:t> </a:t>
+            </a:r>
+            <a:r>
+              <a:rPr lang="ko-KR" altLang="en-US" dirty="0" err="1" smtClean="0">
+                <a:sym typeface="Wingdings" panose="05000000000000000000" pitchFamily="2" charset="2"/>
+              </a:rPr>
+              <a:t>사진찍고</a:t>
+            </a:r>
+            <a:r>
+              <a:rPr lang="ko-KR" altLang="en-US" dirty="0" smtClean="0">
+                <a:sym typeface="Wingdings" panose="05000000000000000000" pitchFamily="2" charset="2"/>
+              </a:rPr>
+              <a:t> 미디어 앨범에 저장하기</a:t>
+            </a:r>
+            <a:endParaRPr lang="en-US" altLang="ko-KR" dirty="0" smtClean="0">
+              <a:sym typeface="Wingdings" panose="05000000000000000000" pitchFamily="2" charset="2"/>
+            </a:endParaRPr>
+          </a:p>
+          <a:p>
+            <a:r>
+              <a:rPr lang="ko-KR" altLang="en-US" dirty="0" smtClean="0">
+                <a:sym typeface="Wingdings" panose="05000000000000000000" pitchFamily="2" charset="2"/>
+              </a:rPr>
+              <a:t>카메라 </a:t>
+            </a:r>
+            <a:r>
+              <a:rPr lang="ko-KR" altLang="en-US" dirty="0" err="1" smtClean="0">
+                <a:sym typeface="Wingdings" panose="05000000000000000000" pitchFamily="2" charset="2"/>
+              </a:rPr>
+              <a:t>미리보기</a:t>
+            </a:r>
+            <a:r>
+              <a:rPr lang="ko-KR" altLang="en-US" dirty="0" smtClean="0">
+                <a:sym typeface="Wingdings" panose="05000000000000000000" pitchFamily="2" charset="2"/>
+              </a:rPr>
+              <a:t> 화면을 </a:t>
+            </a:r>
+            <a:r>
+              <a:rPr lang="en-US" altLang="ko-KR" dirty="0" err="1" smtClean="0">
+                <a:sym typeface="Wingdings" panose="05000000000000000000" pitchFamily="2" charset="2"/>
+              </a:rPr>
+              <a:t>FrameLayout</a:t>
+            </a:r>
+            <a:r>
+              <a:rPr lang="en-US" altLang="ko-KR" dirty="0" smtClean="0">
+                <a:sym typeface="Wingdings" panose="05000000000000000000" pitchFamily="2" charset="2"/>
+              </a:rPr>
+              <a:t> </a:t>
+            </a:r>
+            <a:r>
+              <a:rPr lang="ko-KR" altLang="en-US" dirty="0" smtClean="0">
+                <a:sym typeface="Wingdings" panose="05000000000000000000" pitchFamily="2" charset="2"/>
+              </a:rPr>
+              <a:t>안에 추가하기 위해 소스 코드에서 </a:t>
+            </a:r>
+            <a:r>
+              <a:rPr lang="en-US" altLang="ko-KR" dirty="0" err="1" smtClean="0">
+                <a:sym typeface="Wingdings" panose="05000000000000000000" pitchFamily="2" charset="2"/>
+              </a:rPr>
+              <a:t>CameraSurfaceView</a:t>
+            </a:r>
+            <a:r>
+              <a:rPr lang="en-US" altLang="ko-KR" dirty="0" smtClean="0">
+                <a:sym typeface="Wingdings" panose="05000000000000000000" pitchFamily="2" charset="2"/>
+              </a:rPr>
+              <a:t> </a:t>
+            </a:r>
+            <a:r>
+              <a:rPr lang="ko-KR" altLang="en-US" dirty="0" smtClean="0">
+                <a:sym typeface="Wingdings" panose="05000000000000000000" pitchFamily="2" charset="2"/>
+              </a:rPr>
+              <a:t>라는 이름의 새로운 클래스를 </a:t>
+            </a:r>
+            <a:r>
+              <a:rPr lang="en-US" altLang="ko-KR" dirty="0" smtClean="0">
+                <a:sym typeface="Wingdings" panose="05000000000000000000" pitchFamily="2" charset="2"/>
+              </a:rPr>
+              <a:t>MainActivity </a:t>
+            </a:r>
+            <a:r>
+              <a:rPr lang="ko-KR" altLang="en-US" dirty="0" smtClean="0">
+                <a:sym typeface="Wingdings" panose="05000000000000000000" pitchFamily="2" charset="2"/>
+              </a:rPr>
+              <a:t>클래스 안에 내부 클래스로 정의하고 그 클래스의 인스턴스 객체를 만들어 추가할 것입니다</a:t>
+            </a:r>
+            <a:r>
+              <a:rPr lang="en-US" altLang="ko-KR" dirty="0" smtClean="0">
+                <a:sym typeface="Wingdings" panose="05000000000000000000" pitchFamily="2" charset="2"/>
+              </a:rPr>
+              <a:t>. </a:t>
+            </a:r>
+          </a:p>
+          <a:p>
+            <a:pPr lvl="1"/>
+            <a:r>
+              <a:rPr lang="ko-KR" altLang="en-US" dirty="0" smtClean="0">
+                <a:sym typeface="Wingdings" panose="05000000000000000000" pitchFamily="2" charset="2"/>
+              </a:rPr>
+              <a:t>먼저 </a:t>
+            </a:r>
+            <a:r>
+              <a:rPr lang="en-US" altLang="ko-KR" dirty="0" smtClean="0">
                 <a:sym typeface="Wingdings" panose="05000000000000000000" pitchFamily="2" charset="2"/>
               </a:rPr>
               <a:t>MainActivity.java </a:t>
             </a:r>
             <a:r>
-              <a:rPr lang="ko-KR" altLang="en-US" b="1" dirty="0" smtClean="0">
-                <a:sym typeface="Wingdings" panose="05000000000000000000" pitchFamily="2" charset="2"/>
-              </a:rPr>
-              <a:t>코딩</a:t>
-            </a:r>
-            <a:endParaRPr lang="ko-KR" altLang="en-US" dirty="0"/>
+              <a:rPr lang="ko-KR" altLang="en-US" dirty="0" smtClean="0">
+                <a:sym typeface="Wingdings" panose="05000000000000000000" pitchFamily="2" charset="2"/>
+              </a:rPr>
+              <a:t>파일을 열고 </a:t>
+            </a:r>
+            <a:r>
+              <a:rPr lang="en-US" altLang="ko-KR" dirty="0" err="1" smtClean="0">
+                <a:sym typeface="Wingdings" panose="05000000000000000000" pitchFamily="2" charset="2"/>
+              </a:rPr>
+              <a:t>CameraSurfaceView</a:t>
+            </a:r>
+            <a:r>
+              <a:rPr lang="en-US" altLang="ko-KR" dirty="0" smtClean="0">
+                <a:sym typeface="Wingdings" panose="05000000000000000000" pitchFamily="2" charset="2"/>
+              </a:rPr>
+              <a:t> </a:t>
+            </a:r>
+            <a:r>
+              <a:rPr lang="ko-KR" altLang="en-US" dirty="0" smtClean="0">
+                <a:sym typeface="Wingdings" panose="05000000000000000000" pitchFamily="2" charset="2"/>
+              </a:rPr>
+              <a:t>객체를 </a:t>
+            </a:r>
+            <a:r>
+              <a:rPr lang="en-US" altLang="ko-KR" dirty="0" err="1" smtClean="0">
+                <a:sym typeface="Wingdings" panose="05000000000000000000" pitchFamily="2" charset="2"/>
+              </a:rPr>
+              <a:t>FrameLayout</a:t>
+            </a:r>
+            <a:r>
+              <a:rPr lang="ko-KR" altLang="en-US" dirty="0" smtClean="0">
+                <a:sym typeface="Wingdings" panose="05000000000000000000" pitchFamily="2" charset="2"/>
+              </a:rPr>
+              <a:t>에 추가하고 사진을 찍는 코드를 입력합니다</a:t>
+            </a:r>
+            <a:r>
+              <a:rPr lang="en-US" altLang="ko-KR" dirty="0" smtClean="0">
+                <a:sym typeface="Wingdings" panose="05000000000000000000" pitchFamily="2" charset="2"/>
+              </a:rPr>
+              <a:t>. </a:t>
+            </a:r>
+          </a:p>
+          <a:p>
+            <a:pPr lvl="1"/>
+            <a:r>
+              <a:rPr lang="ko-KR" altLang="en-US" dirty="0" smtClean="0">
+                <a:sym typeface="Wingdings" panose="05000000000000000000" pitchFamily="2" charset="2"/>
+              </a:rPr>
+              <a:t>여기에서 </a:t>
+            </a:r>
+            <a:r>
+              <a:rPr lang="en-US" altLang="ko-KR" dirty="0" err="1" smtClean="0">
+                <a:sym typeface="Wingdings" panose="05000000000000000000" pitchFamily="2" charset="2"/>
+              </a:rPr>
+              <a:t>CameraSufaceView</a:t>
+            </a:r>
+            <a:r>
+              <a:rPr lang="en-US" altLang="ko-KR" dirty="0" smtClean="0">
+                <a:sym typeface="Wingdings" panose="05000000000000000000" pitchFamily="2" charset="2"/>
+              </a:rPr>
+              <a:t> </a:t>
+            </a:r>
+            <a:r>
+              <a:rPr lang="ko-KR" altLang="en-US" dirty="0" smtClean="0">
+                <a:sym typeface="Wingdings" panose="05000000000000000000" pitchFamily="2" charset="2"/>
+              </a:rPr>
+              <a:t>클래스는 미리 정의되어 있다고 가정하고 입력하기 때문에 빨간 밑줄이 생겨도 그대로 진행합니다</a:t>
+            </a:r>
+            <a:r>
+              <a:rPr lang="en-US" altLang="ko-KR" dirty="0" smtClean="0">
+                <a:sym typeface="Wingdings" panose="05000000000000000000" pitchFamily="2" charset="2"/>
+              </a:rPr>
+              <a:t>. </a:t>
+            </a:r>
+            <a:r>
+              <a:rPr lang="ko-KR" altLang="en-US" dirty="0" smtClean="0">
+                <a:sym typeface="Wingdings" panose="05000000000000000000" pitchFamily="2" charset="2"/>
+              </a:rPr>
+              <a:t> </a:t>
+            </a:r>
+            <a:endParaRPr lang="en-US" altLang="ko-KR" dirty="0" smtClean="0">
+              <a:sym typeface="Wingdings" panose="05000000000000000000" pitchFamily="2" charset="2"/>
+            </a:endParaRPr>
           </a:p>
           <a:p>
             <a:endParaRPr lang="en-US" altLang="ko-KR" dirty="0">
@@ -13938,6 +14302,230 @@
                 <a:defRPr/>
               </a:pPr>
               <a:t>21</a:t>
+            </a:fld>
+            <a:endParaRPr lang="ko-KR" altLang="en-US"/>
+          </a:p>
+        </p:txBody>
+      </p:sp>
+    </p:spTree>
+    <p:extLst>
+      <p:ext uri="{BB962C8B-B14F-4D97-AF65-F5344CB8AC3E}">
+        <p14:creationId xmlns:p14="http://schemas.microsoft.com/office/powerpoint/2010/main" val="3672613937"/>
+      </p:ext>
+    </p:extLst>
+  </p:cSld>
+  <p:clrMapOvr>
+    <a:masterClrMapping/>
+  </p:clrMapOvr>
+</p:sld>
+</file>
+
+<file path=ppt/slides/slide22.xml><?xml version="1.0" encoding="utf-8"?>
+<p:sld xmlns:a="http://schemas.openxmlformats.org/drawingml/2006/main" xmlns:r="http://schemas.openxmlformats.org/officeDocument/2006/relationships" xmlns:p="http://schemas.openxmlformats.org/presentationml/2006/main">
+  <p:cSld>
+    <p:spTree>
+      <p:nvGrpSpPr>
+        <p:cNvPr id="1" name=""/>
+        <p:cNvGrpSpPr/>
+        <p:nvPr/>
+      </p:nvGrpSpPr>
+      <p:grpSpPr>
+        <a:xfrm>
+          <a:off x="0" y="0"/>
+          <a:ext cx="0" cy="0"/>
+          <a:chOff x="0" y="0"/>
+          <a:chExt cx="0" cy="0"/>
+        </a:xfrm>
+      </p:grpSpPr>
+      <p:sp>
+        <p:nvSpPr>
+          <p:cNvPr id="2" name="제목 1"/>
+          <p:cNvSpPr>
+            <a:spLocks noGrp="1"/>
+          </p:cNvSpPr>
+          <p:nvPr>
+            <p:ph type="title"/>
+          </p:nvPr>
+        </p:nvSpPr>
+        <p:spPr/>
+        <p:txBody>
+          <a:bodyPr/>
+          <a:lstStyle/>
+          <a:p>
+            <a:r>
+              <a:rPr lang="en-US" altLang="ko-KR" dirty="0" smtClean="0">
+                <a:latin typeface="나눔고딕" panose="020D0604000000000000" pitchFamily="50" charset="-127"/>
+                <a:ea typeface="나눔고딕" panose="020D0604000000000000" pitchFamily="50" charset="-127"/>
+              </a:rPr>
+              <a:t>07-2 </a:t>
+            </a:r>
+            <a:r>
+              <a:rPr lang="ko-KR" altLang="en-US" dirty="0" smtClean="0">
+                <a:latin typeface="나눔고딕" panose="020D0604000000000000" pitchFamily="50" charset="-127"/>
+                <a:ea typeface="나눔고딕" panose="020D0604000000000000" pitchFamily="50" charset="-127"/>
+              </a:rPr>
+              <a:t>화면에 카메라 </a:t>
+            </a:r>
+            <a:r>
+              <a:rPr lang="ko-KR" altLang="en-US" dirty="0" err="1" smtClean="0">
+                <a:latin typeface="나눔고딕" panose="020D0604000000000000" pitchFamily="50" charset="-127"/>
+                <a:ea typeface="나눔고딕" panose="020D0604000000000000" pitchFamily="50" charset="-127"/>
+              </a:rPr>
+              <a:t>미리보기</a:t>
+            </a:r>
+            <a:r>
+              <a:rPr lang="ko-KR" altLang="en-US" dirty="0" smtClean="0">
+                <a:latin typeface="나눔고딕" panose="020D0604000000000000" pitchFamily="50" charset="-127"/>
+                <a:ea typeface="나눔고딕" panose="020D0604000000000000" pitchFamily="50" charset="-127"/>
+              </a:rPr>
+              <a:t> 넣기 </a:t>
+            </a:r>
+            <a:r>
+              <a:rPr lang="en-US" altLang="ko-KR" dirty="0" smtClean="0">
+                <a:latin typeface="나눔고딕" panose="020D0604000000000000" pitchFamily="50" charset="-127"/>
+                <a:ea typeface="나눔고딕" panose="020D0604000000000000" pitchFamily="50" charset="-127"/>
+              </a:rPr>
+              <a:t>– </a:t>
+            </a:r>
+            <a:r>
+              <a:rPr lang="ko-KR" altLang="en-US" dirty="0" smtClean="0">
+                <a:latin typeface="나눔고딕" panose="020D0604000000000000" pitchFamily="50" charset="-127"/>
+                <a:ea typeface="나눔고딕" panose="020D0604000000000000" pitchFamily="50" charset="-127"/>
+              </a:rPr>
+              <a:t>카메라 </a:t>
+            </a:r>
+            <a:r>
+              <a:rPr lang="ko-KR" altLang="en-US" dirty="0" err="1" smtClean="0">
+                <a:latin typeface="나눔고딕" panose="020D0604000000000000" pitchFamily="50" charset="-127"/>
+                <a:ea typeface="나눔고딕" panose="020D0604000000000000" pitchFamily="50" charset="-127"/>
+              </a:rPr>
+              <a:t>미리보기</a:t>
+            </a:r>
+            <a:r>
+              <a:rPr lang="ko-KR" altLang="en-US" dirty="0" smtClean="0">
+                <a:latin typeface="나눔고딕" panose="020D0604000000000000" pitchFamily="50" charset="-127"/>
+                <a:ea typeface="나눔고딕" panose="020D0604000000000000" pitchFamily="50" charset="-127"/>
+              </a:rPr>
+              <a:t> 실습</a:t>
+            </a:r>
+            <a:endParaRPr lang="ko-KR" altLang="en-US" dirty="0"/>
+          </a:p>
+        </p:txBody>
+      </p:sp>
+      <p:sp>
+        <p:nvSpPr>
+          <p:cNvPr id="3" name="내용 개체 틀 2"/>
+          <p:cNvSpPr>
+            <a:spLocks noGrp="1"/>
+          </p:cNvSpPr>
+          <p:nvPr>
+            <p:ph idx="10"/>
+          </p:nvPr>
+        </p:nvSpPr>
+        <p:spPr/>
+        <p:txBody>
+          <a:bodyPr/>
+          <a:lstStyle/>
+          <a:p>
+            <a:pPr marL="0" indent="0">
+              <a:buNone/>
+            </a:pPr>
+            <a:r>
+              <a:rPr lang="ko-KR" altLang="en-US" b="1" dirty="0">
+                <a:solidFill>
+                  <a:srgbClr val="C00000"/>
+                </a:solidFill>
+                <a:sym typeface="Wingdings" panose="05000000000000000000" pitchFamily="2" charset="2"/>
+              </a:rPr>
+              <a:t>카메라 </a:t>
+            </a:r>
+            <a:r>
+              <a:rPr lang="ko-KR" altLang="en-US" b="1" dirty="0" err="1">
+                <a:solidFill>
+                  <a:srgbClr val="C00000"/>
+                </a:solidFill>
+                <a:sym typeface="Wingdings" panose="05000000000000000000" pitchFamily="2" charset="2"/>
+              </a:rPr>
+              <a:t>미리보기</a:t>
+            </a:r>
+            <a:r>
+              <a:rPr lang="ko-KR" altLang="en-US" b="1" dirty="0">
+                <a:solidFill>
+                  <a:srgbClr val="C00000"/>
+                </a:solidFill>
+                <a:sym typeface="Wingdings" panose="05000000000000000000" pitchFamily="2" charset="2"/>
+              </a:rPr>
+              <a:t> 실습 </a:t>
+            </a:r>
+            <a:r>
+              <a:rPr lang="en-US" altLang="ko-KR" b="1" dirty="0" smtClean="0">
+                <a:solidFill>
+                  <a:srgbClr val="C00000"/>
+                </a:solidFill>
+                <a:sym typeface="Wingdings" panose="05000000000000000000" pitchFamily="2" charset="2"/>
+              </a:rPr>
+              <a:t>– </a:t>
+            </a:r>
+            <a:r>
+              <a:rPr lang="en-US" altLang="ko-KR" b="1" dirty="0" smtClean="0">
+                <a:sym typeface="Wingdings" panose="05000000000000000000" pitchFamily="2" charset="2"/>
+              </a:rPr>
+              <a:t>MainActivity.java </a:t>
+            </a:r>
+            <a:r>
+              <a:rPr lang="ko-KR" altLang="en-US" b="1" dirty="0" smtClean="0">
+                <a:sym typeface="Wingdings" panose="05000000000000000000" pitchFamily="2" charset="2"/>
+              </a:rPr>
+              <a:t>코딩</a:t>
+            </a:r>
+            <a:endParaRPr lang="ko-KR" altLang="en-US" dirty="0"/>
+          </a:p>
+          <a:p>
+            <a:endParaRPr lang="en-US" altLang="ko-KR" dirty="0">
+              <a:sym typeface="Wingdings" panose="05000000000000000000" pitchFamily="2" charset="2"/>
+            </a:endParaRPr>
+          </a:p>
+          <a:p>
+            <a:endParaRPr lang="en-US" altLang="ko-KR" dirty="0" smtClean="0">
+              <a:sym typeface="Wingdings" panose="05000000000000000000" pitchFamily="2" charset="2"/>
+            </a:endParaRPr>
+          </a:p>
+          <a:p>
+            <a:endParaRPr lang="en-US" altLang="ko-KR" dirty="0">
+              <a:sym typeface="Wingdings" panose="05000000000000000000" pitchFamily="2" charset="2"/>
+            </a:endParaRPr>
+          </a:p>
+          <a:p>
+            <a:endParaRPr lang="en-US" altLang="ko-KR" dirty="0">
+              <a:sym typeface="Wingdings" panose="05000000000000000000" pitchFamily="2" charset="2"/>
+            </a:endParaRPr>
+          </a:p>
+        </p:txBody>
+      </p:sp>
+      <p:sp>
+        <p:nvSpPr>
+          <p:cNvPr id="4" name="슬라이드 번호 개체 틀 3"/>
+          <p:cNvSpPr>
+            <a:spLocks noGrp="1"/>
+          </p:cNvSpPr>
+          <p:nvPr>
+            <p:ph type="sldNum" sz="quarter" idx="14"/>
+          </p:nvPr>
+        </p:nvSpPr>
+        <p:spPr/>
+        <p:txBody>
+          <a:bodyPr/>
+          <a:lstStyle/>
+          <a:p>
+            <a:pPr>
+              <a:defRPr/>
+            </a:pPr>
+            <a:fld id="{3D493B47-E977-46F8-8C2F-7DA674317049}" type="slidenum">
+              <a:rPr lang="ko-KR" altLang="en-US" smtClean="0"/>
+              <a:pPr>
+                <a:defRPr/>
+              </a:pPr>
+              <a:t>22</a:t>
             </a:fld>
             <a:endParaRPr lang="ko-KR" altLang="en-US"/>
           </a:p>
@@ -14952,7 +15540,7 @@
 </p:sld>
 </file>
 
-<file path=ppt/slides/slide22.xml><?xml version="1.0" encoding="utf-8"?>
+<file path=ppt/slides/slide23.xml><?xml version="1.0" encoding="utf-8"?>
 <p:sld xmlns:a="http://schemas.openxmlformats.org/drawingml/2006/main" xmlns:r="http://schemas.openxmlformats.org/officeDocument/2006/relationships" xmlns:p="http://schemas.openxmlformats.org/presentationml/2006/main">
   <p:cSld>
     <p:spTree>
@@ -15119,7 +15707,7 @@
               <a:pPr>
                 <a:defRPr/>
               </a:pPr>
-              <a:t>22</a:t>
+              <a:t>23</a:t>
             </a:fld>
             <a:endParaRPr lang="ko-KR" altLang="en-US"/>
           </a:p>
@@ -16329,772 +16917,6 @@
 </p:sld>
 </file>
 
-<file path=ppt/slides/slide23.xml><?xml version="1.0" encoding="utf-8"?>
-<p:sld xmlns:a="http://schemas.openxmlformats.org/drawingml/2006/main" xmlns:r="http://schemas.openxmlformats.org/officeDocument/2006/relationships" xmlns:p="http://schemas.openxmlformats.org/presentationml/2006/main">
-  <p:cSld>
-    <p:spTree>
-      <p:nvGrpSpPr>
-        <p:cNvPr id="1" name=""/>
-        <p:cNvGrpSpPr/>
-        <p:nvPr/>
-      </p:nvGrpSpPr>
-      <p:grpSpPr>
-        <a:xfrm>
-          <a:off x="0" y="0"/>
-          <a:ext cx="0" cy="0"/>
-          <a:chOff x="0" y="0"/>
-          <a:chExt cx="0" cy="0"/>
-        </a:xfrm>
-      </p:grpSpPr>
-      <p:sp>
-        <p:nvSpPr>
-          <p:cNvPr id="2" name="제목 1"/>
-          <p:cNvSpPr>
-            <a:spLocks noGrp="1"/>
-          </p:cNvSpPr>
-          <p:nvPr>
-            <p:ph type="title"/>
-          </p:nvPr>
-        </p:nvSpPr>
-        <p:spPr/>
-        <p:txBody>
-          <a:bodyPr/>
-          <a:lstStyle/>
-          <a:p>
-            <a:r>
-              <a:rPr lang="en-US" altLang="ko-KR" dirty="0" smtClean="0">
-                <a:latin typeface="나눔고딕" panose="020D0604000000000000" pitchFamily="50" charset="-127"/>
-                <a:ea typeface="나눔고딕" panose="020D0604000000000000" pitchFamily="50" charset="-127"/>
-              </a:rPr>
-              <a:t>07-2 </a:t>
-            </a:r>
-            <a:r>
-              <a:rPr lang="ko-KR" altLang="en-US" dirty="0" smtClean="0">
-                <a:latin typeface="나눔고딕" panose="020D0604000000000000" pitchFamily="50" charset="-127"/>
-                <a:ea typeface="나눔고딕" panose="020D0604000000000000" pitchFamily="50" charset="-127"/>
-              </a:rPr>
-              <a:t>화면에 카메라 </a:t>
-            </a:r>
-            <a:r>
-              <a:rPr lang="ko-KR" altLang="en-US" dirty="0" err="1" smtClean="0">
-                <a:latin typeface="나눔고딕" panose="020D0604000000000000" pitchFamily="50" charset="-127"/>
-                <a:ea typeface="나눔고딕" panose="020D0604000000000000" pitchFamily="50" charset="-127"/>
-              </a:rPr>
-              <a:t>미리보기</a:t>
-            </a:r>
-            <a:r>
-              <a:rPr lang="ko-KR" altLang="en-US" dirty="0" smtClean="0">
-                <a:latin typeface="나눔고딕" panose="020D0604000000000000" pitchFamily="50" charset="-127"/>
-                <a:ea typeface="나눔고딕" panose="020D0604000000000000" pitchFamily="50" charset="-127"/>
-              </a:rPr>
-              <a:t> 넣기 </a:t>
-            </a:r>
-            <a:r>
-              <a:rPr lang="en-US" altLang="ko-KR" dirty="0" smtClean="0">
-                <a:latin typeface="나눔고딕" panose="020D0604000000000000" pitchFamily="50" charset="-127"/>
-                <a:ea typeface="나눔고딕" panose="020D0604000000000000" pitchFamily="50" charset="-127"/>
-              </a:rPr>
-              <a:t>– </a:t>
-            </a:r>
-            <a:r>
-              <a:rPr lang="ko-KR" altLang="en-US" dirty="0" smtClean="0">
-                <a:latin typeface="나눔고딕" panose="020D0604000000000000" pitchFamily="50" charset="-127"/>
-                <a:ea typeface="나눔고딕" panose="020D0604000000000000" pitchFamily="50" charset="-127"/>
-              </a:rPr>
-              <a:t>카메라 </a:t>
-            </a:r>
-            <a:r>
-              <a:rPr lang="ko-KR" altLang="en-US" dirty="0" err="1" smtClean="0">
-                <a:latin typeface="나눔고딕" panose="020D0604000000000000" pitchFamily="50" charset="-127"/>
-                <a:ea typeface="나눔고딕" panose="020D0604000000000000" pitchFamily="50" charset="-127"/>
-              </a:rPr>
-              <a:t>미리보기</a:t>
-            </a:r>
-            <a:r>
-              <a:rPr lang="ko-KR" altLang="en-US" dirty="0" smtClean="0">
-                <a:latin typeface="나눔고딕" panose="020D0604000000000000" pitchFamily="50" charset="-127"/>
-                <a:ea typeface="나눔고딕" panose="020D0604000000000000" pitchFamily="50" charset="-127"/>
-              </a:rPr>
-              <a:t> 실습</a:t>
-            </a:r>
-            <a:endParaRPr lang="ko-KR" altLang="en-US" dirty="0"/>
-          </a:p>
-        </p:txBody>
-      </p:sp>
-      <p:sp>
-        <p:nvSpPr>
-          <p:cNvPr id="3" name="내용 개체 틀 2"/>
-          <p:cNvSpPr>
-            <a:spLocks noGrp="1"/>
-          </p:cNvSpPr>
-          <p:nvPr>
-            <p:ph idx="10"/>
-          </p:nvPr>
-        </p:nvSpPr>
-        <p:spPr/>
-        <p:txBody>
-          <a:bodyPr/>
-          <a:lstStyle/>
-          <a:p>
-            <a:pPr marL="0" indent="0">
-              <a:buNone/>
-            </a:pPr>
-            <a:r>
-              <a:rPr lang="ko-KR" altLang="en-US" b="1" dirty="0">
-                <a:solidFill>
-                  <a:srgbClr val="C00000"/>
-                </a:solidFill>
-                <a:sym typeface="Wingdings" panose="05000000000000000000" pitchFamily="2" charset="2"/>
-              </a:rPr>
-              <a:t>카메라 </a:t>
-            </a:r>
-            <a:r>
-              <a:rPr lang="ko-KR" altLang="en-US" b="1" dirty="0" err="1">
-                <a:solidFill>
-                  <a:srgbClr val="C00000"/>
-                </a:solidFill>
-                <a:sym typeface="Wingdings" panose="05000000000000000000" pitchFamily="2" charset="2"/>
-              </a:rPr>
-              <a:t>미리보기</a:t>
-            </a:r>
-            <a:r>
-              <a:rPr lang="ko-KR" altLang="en-US" b="1" dirty="0">
-                <a:solidFill>
-                  <a:srgbClr val="C00000"/>
-                </a:solidFill>
-                <a:sym typeface="Wingdings" panose="05000000000000000000" pitchFamily="2" charset="2"/>
-              </a:rPr>
-              <a:t> 실습 </a:t>
-            </a:r>
-            <a:r>
-              <a:rPr lang="en-US" altLang="ko-KR" b="1" dirty="0" smtClean="0">
-                <a:solidFill>
-                  <a:srgbClr val="C00000"/>
-                </a:solidFill>
-                <a:sym typeface="Wingdings" panose="05000000000000000000" pitchFamily="2" charset="2"/>
-              </a:rPr>
-              <a:t>– </a:t>
-            </a:r>
-            <a:r>
-              <a:rPr lang="en-US" altLang="ko-KR" b="1" dirty="0" smtClean="0">
-                <a:sym typeface="Wingdings" panose="05000000000000000000" pitchFamily="2" charset="2"/>
-              </a:rPr>
-              <a:t>MainActivity.java </a:t>
-            </a:r>
-            <a:r>
-              <a:rPr lang="ko-KR" altLang="en-US" b="1" dirty="0" smtClean="0">
-                <a:sym typeface="Wingdings" panose="05000000000000000000" pitchFamily="2" charset="2"/>
-              </a:rPr>
-              <a:t>코딩</a:t>
-            </a:r>
-            <a:endParaRPr lang="en-US" altLang="ko-KR" b="1" dirty="0" smtClean="0">
-              <a:sym typeface="Wingdings" panose="05000000000000000000" pitchFamily="2" charset="2"/>
-            </a:endParaRPr>
-          </a:p>
-          <a:p>
-            <a:r>
-              <a:rPr lang="ko-KR" altLang="en-US" dirty="0" smtClean="0">
-                <a:sym typeface="Wingdings" panose="05000000000000000000" pitchFamily="2" charset="2"/>
-              </a:rPr>
-              <a:t>카메라 </a:t>
-            </a:r>
-            <a:r>
-              <a:rPr lang="ko-KR" altLang="en-US" dirty="0" err="1" smtClean="0">
-                <a:sym typeface="Wingdings" panose="05000000000000000000" pitchFamily="2" charset="2"/>
-              </a:rPr>
-              <a:t>미리보기를</a:t>
-            </a:r>
-            <a:r>
-              <a:rPr lang="ko-KR" altLang="en-US" dirty="0" smtClean="0">
-                <a:sym typeface="Wingdings" panose="05000000000000000000" pitchFamily="2" charset="2"/>
-              </a:rPr>
-              <a:t> 구현하는 </a:t>
-            </a:r>
-            <a:r>
-              <a:rPr lang="en-US" altLang="ko-KR" dirty="0" err="1" smtClean="0">
-                <a:sym typeface="Wingdings" panose="05000000000000000000" pitchFamily="2" charset="2"/>
-              </a:rPr>
-              <a:t>CameraSurfaceView</a:t>
-            </a:r>
-            <a:r>
-              <a:rPr lang="en-US" altLang="ko-KR" dirty="0" smtClean="0">
-                <a:sym typeface="Wingdings" panose="05000000000000000000" pitchFamily="2" charset="2"/>
-              </a:rPr>
-              <a:t> </a:t>
-            </a:r>
-            <a:r>
-              <a:rPr lang="ko-KR" altLang="en-US" dirty="0" smtClean="0">
-                <a:sym typeface="Wingdings" panose="05000000000000000000" pitchFamily="2" charset="2"/>
-              </a:rPr>
-              <a:t>는 </a:t>
-            </a:r>
-            <a:r>
-              <a:rPr lang="en-US" altLang="ko-KR" dirty="0" err="1" smtClean="0">
-                <a:sym typeface="Wingdings" panose="05000000000000000000" pitchFamily="2" charset="2"/>
-              </a:rPr>
-              <a:t>SurfaceView</a:t>
-            </a:r>
-            <a:r>
-              <a:rPr lang="ko-KR" altLang="en-US" dirty="0" smtClean="0">
-                <a:sym typeface="Wingdings" panose="05000000000000000000" pitchFamily="2" charset="2"/>
-              </a:rPr>
-              <a:t>를 상속받아 새로 정의한 후</a:t>
-            </a:r>
-            <a:r>
-              <a:rPr lang="en-US" altLang="ko-KR" dirty="0" smtClean="0">
-                <a:sym typeface="Wingdings" panose="05000000000000000000" pitchFamily="2" charset="2"/>
-              </a:rPr>
-              <a:t>, XML </a:t>
-            </a:r>
-            <a:r>
-              <a:rPr lang="ko-KR" altLang="en-US" dirty="0" smtClean="0">
-                <a:sym typeface="Wingdings" panose="05000000000000000000" pitchFamily="2" charset="2"/>
-              </a:rPr>
-              <a:t>레이아웃에 정의된 </a:t>
-            </a:r>
-            <a:r>
-              <a:rPr lang="en-US" altLang="ko-KR" dirty="0" err="1" smtClean="0">
-                <a:sym typeface="Wingdings" panose="05000000000000000000" pitchFamily="2" charset="2"/>
-              </a:rPr>
-              <a:t>FrameLayout</a:t>
-            </a:r>
-            <a:r>
-              <a:rPr lang="ko-KR" altLang="en-US" dirty="0" smtClean="0">
-                <a:sym typeface="Wingdings" panose="05000000000000000000" pitchFamily="2" charset="2"/>
-              </a:rPr>
-              <a:t>에 추가합니다</a:t>
-            </a:r>
-            <a:r>
-              <a:rPr lang="en-US" altLang="ko-KR" dirty="0" smtClean="0">
-                <a:sym typeface="Wingdings" panose="05000000000000000000" pitchFamily="2" charset="2"/>
-              </a:rPr>
-              <a:t>. </a:t>
-            </a:r>
-          </a:p>
-          <a:p>
-            <a:r>
-              <a:rPr lang="en-US" altLang="ko-KR" dirty="0" smtClean="0">
-                <a:sym typeface="Wingdings" panose="05000000000000000000" pitchFamily="2" charset="2"/>
-              </a:rPr>
-              <a:t>[</a:t>
-            </a:r>
-            <a:r>
-              <a:rPr lang="ko-KR" altLang="en-US" dirty="0" smtClean="0">
-                <a:sym typeface="Wingdings" panose="05000000000000000000" pitchFamily="2" charset="2"/>
-              </a:rPr>
-              <a:t>사진찍기</a:t>
-            </a:r>
-            <a:r>
-              <a:rPr lang="en-US" altLang="ko-KR" dirty="0" smtClean="0">
-                <a:sym typeface="Wingdings" panose="05000000000000000000" pitchFamily="2" charset="2"/>
-              </a:rPr>
-              <a:t>] </a:t>
-            </a:r>
-            <a:r>
-              <a:rPr lang="ko-KR" altLang="en-US" dirty="0" smtClean="0">
-                <a:sym typeface="Wingdings" panose="05000000000000000000" pitchFamily="2" charset="2"/>
-              </a:rPr>
-              <a:t>버튼을 누르면 사진을 한 장 찍어 미디어 앨범에 추가하게 되는데 사진을 찍은 결과를 처리하는 코드는 </a:t>
-            </a:r>
-            <a:r>
-              <a:rPr lang="en-US" altLang="ko-KR" dirty="0" err="1" smtClean="0">
-                <a:sym typeface="Wingdings" panose="05000000000000000000" pitchFamily="2" charset="2"/>
-              </a:rPr>
-              <a:t>PictureCallback</a:t>
-            </a:r>
-            <a:r>
-              <a:rPr lang="en-US" altLang="ko-KR" dirty="0" smtClean="0">
-                <a:sym typeface="Wingdings" panose="05000000000000000000" pitchFamily="2" charset="2"/>
-              </a:rPr>
-              <a:t> </a:t>
-            </a:r>
-            <a:r>
-              <a:rPr lang="ko-KR" altLang="en-US" dirty="0" smtClean="0">
-                <a:sym typeface="Wingdings" panose="05000000000000000000" pitchFamily="2" charset="2"/>
-              </a:rPr>
-              <a:t>인터페이스를 구현하는 부분에 들어 있습니다</a:t>
-            </a:r>
-            <a:r>
-              <a:rPr lang="en-US" altLang="ko-KR" dirty="0" smtClean="0">
-                <a:sym typeface="Wingdings" panose="05000000000000000000" pitchFamily="2" charset="2"/>
-              </a:rPr>
-              <a:t>. </a:t>
-            </a:r>
-            <a:r>
-              <a:rPr lang="ko-KR" altLang="en-US" dirty="0" smtClean="0">
-                <a:sym typeface="Wingdings" panose="05000000000000000000" pitchFamily="2" charset="2"/>
-              </a:rPr>
-              <a:t>이 인터페이스는 </a:t>
-            </a:r>
-            <a:r>
-              <a:rPr lang="en-US" altLang="ko-KR" dirty="0" err="1" smtClean="0">
-                <a:sym typeface="Wingdings" panose="05000000000000000000" pitchFamily="2" charset="2"/>
-              </a:rPr>
-              <a:t>CameraSurfaceView</a:t>
-            </a:r>
-            <a:r>
-              <a:rPr lang="ko-KR" altLang="en-US" dirty="0" smtClean="0">
-                <a:sym typeface="Wingdings" panose="05000000000000000000" pitchFamily="2" charset="2"/>
-              </a:rPr>
-              <a:t>에 정의된 </a:t>
-            </a:r>
-            <a:r>
-              <a:rPr lang="en-US" altLang="ko-KR" dirty="0" smtClean="0">
-                <a:sym typeface="Wingdings" panose="05000000000000000000" pitchFamily="2" charset="2"/>
-              </a:rPr>
-              <a:t>capture() </a:t>
-            </a:r>
-            <a:r>
-              <a:rPr lang="ko-KR" altLang="en-US" dirty="0" smtClean="0">
-                <a:sym typeface="Wingdings" panose="05000000000000000000" pitchFamily="2" charset="2"/>
-              </a:rPr>
-              <a:t>메소드를 호출할 때 전달됩니다</a:t>
-            </a:r>
-            <a:r>
-              <a:rPr lang="en-US" altLang="ko-KR" dirty="0" smtClean="0">
-                <a:sym typeface="Wingdings" panose="05000000000000000000" pitchFamily="2" charset="2"/>
-              </a:rPr>
-              <a:t>. </a:t>
-            </a:r>
-          </a:p>
-          <a:p>
-            <a:pPr lvl="1"/>
-            <a:r>
-              <a:rPr lang="en-US" altLang="ko-KR" b="1" dirty="0" smtClean="0">
-                <a:latin typeface="Consolas" panose="020B0609020204030204" pitchFamily="49" charset="0"/>
-                <a:sym typeface="Wingdings" panose="05000000000000000000" pitchFamily="2" charset="2"/>
-              </a:rPr>
-              <a:t>public abstract void </a:t>
-            </a:r>
-            <a:r>
-              <a:rPr lang="en-US" altLang="ko-KR" b="1" dirty="0" err="1" smtClean="0">
-                <a:latin typeface="Consolas" panose="020B0609020204030204" pitchFamily="49" charset="0"/>
-                <a:sym typeface="Wingdings" panose="05000000000000000000" pitchFamily="2" charset="2"/>
-              </a:rPr>
-              <a:t>onPictureTaken</a:t>
-            </a:r>
-            <a:r>
-              <a:rPr lang="en-US" altLang="ko-KR" b="1" dirty="0" smtClean="0">
-                <a:latin typeface="Consolas" panose="020B0609020204030204" pitchFamily="49" charset="0"/>
-                <a:sym typeface="Wingdings" panose="05000000000000000000" pitchFamily="2" charset="2"/>
-              </a:rPr>
-              <a:t>(byte[] data, Camera camera) </a:t>
-            </a:r>
-          </a:p>
-          <a:p>
-            <a:r>
-              <a:rPr lang="ko-KR" altLang="en-US" dirty="0" smtClean="0">
-                <a:sym typeface="Wingdings" panose="05000000000000000000" pitchFamily="2" charset="2"/>
-              </a:rPr>
-              <a:t>사진을 찍을 때 자동으로 호출되는 </a:t>
-            </a:r>
-            <a:r>
-              <a:rPr lang="en-US" altLang="ko-KR" dirty="0" err="1" smtClean="0">
-                <a:sym typeface="Wingdings" panose="05000000000000000000" pitchFamily="2" charset="2"/>
-              </a:rPr>
-              <a:t>onPictureTaken</a:t>
-            </a:r>
-            <a:r>
-              <a:rPr lang="en-US" altLang="ko-KR" dirty="0" smtClean="0">
-                <a:sym typeface="Wingdings" panose="05000000000000000000" pitchFamily="2" charset="2"/>
-              </a:rPr>
-              <a:t>() </a:t>
-            </a:r>
-            <a:r>
-              <a:rPr lang="ko-KR" altLang="en-US" dirty="0" err="1" smtClean="0">
-                <a:sym typeface="Wingdings" panose="05000000000000000000" pitchFamily="2" charset="2"/>
-              </a:rPr>
-              <a:t>메소드로</a:t>
-            </a:r>
-            <a:r>
-              <a:rPr lang="ko-KR" altLang="en-US" dirty="0" smtClean="0">
-                <a:sym typeface="Wingdings" panose="05000000000000000000" pitchFamily="2" charset="2"/>
-              </a:rPr>
-              <a:t> </a:t>
-            </a:r>
-            <a:r>
-              <a:rPr lang="ko-KR" altLang="en-US" dirty="0" err="1" smtClean="0">
-                <a:sym typeface="Wingdings" panose="05000000000000000000" pitchFamily="2" charset="2"/>
-              </a:rPr>
-              <a:t>캡쳐한</a:t>
-            </a:r>
-            <a:r>
-              <a:rPr lang="ko-KR" altLang="en-US" dirty="0" smtClean="0">
-                <a:sym typeface="Wingdings" panose="05000000000000000000" pitchFamily="2" charset="2"/>
-              </a:rPr>
-              <a:t> 이미지 데이터가 전달 됩니다</a:t>
-            </a:r>
-            <a:r>
-              <a:rPr lang="en-US" altLang="ko-KR" dirty="0" smtClean="0">
-                <a:sym typeface="Wingdings" panose="05000000000000000000" pitchFamily="2" charset="2"/>
-              </a:rPr>
-              <a:t>. </a:t>
-            </a:r>
-          </a:p>
-          <a:p>
-            <a:r>
-              <a:rPr lang="ko-KR" altLang="en-US" dirty="0" smtClean="0">
-                <a:sym typeface="Wingdings" panose="05000000000000000000" pitchFamily="2" charset="2"/>
-              </a:rPr>
-              <a:t>그런 다음 이 데이터를 비트맵으로 만들고 </a:t>
-            </a:r>
-            <a:r>
-              <a:rPr lang="en-US" altLang="ko-KR" dirty="0" err="1" smtClean="0">
-                <a:sym typeface="Wingdings" panose="05000000000000000000" pitchFamily="2" charset="2"/>
-              </a:rPr>
-              <a:t>MediaStore.Images.Media</a:t>
-            </a:r>
-            <a:r>
-              <a:rPr lang="en-US" altLang="ko-KR" dirty="0" smtClean="0">
-                <a:sym typeface="Wingdings" panose="05000000000000000000" pitchFamily="2" charset="2"/>
-              </a:rPr>
-              <a:t> </a:t>
-            </a:r>
-            <a:r>
-              <a:rPr lang="ko-KR" altLang="en-US" dirty="0" smtClean="0">
-                <a:sym typeface="Wingdings" panose="05000000000000000000" pitchFamily="2" charset="2"/>
-              </a:rPr>
-              <a:t>에 정의된 </a:t>
-            </a:r>
-            <a:r>
-              <a:rPr lang="en-US" altLang="ko-KR" dirty="0" err="1" smtClean="0">
-                <a:sym typeface="Wingdings" panose="05000000000000000000" pitchFamily="2" charset="2"/>
-              </a:rPr>
-              <a:t>insertImage</a:t>
-            </a:r>
-            <a:r>
-              <a:rPr lang="en-US" altLang="ko-KR" dirty="0" smtClean="0">
-                <a:sym typeface="Wingdings" panose="05000000000000000000" pitchFamily="2" charset="2"/>
-              </a:rPr>
-              <a:t>() </a:t>
-            </a:r>
-            <a:r>
-              <a:rPr lang="ko-KR" altLang="en-US" dirty="0" smtClean="0">
-                <a:sym typeface="Wingdings" panose="05000000000000000000" pitchFamily="2" charset="2"/>
-              </a:rPr>
-              <a:t>메소드를 이용하여 앨범에 추가합니다</a:t>
-            </a:r>
-            <a:r>
-              <a:rPr lang="en-US" altLang="ko-KR" dirty="0" smtClean="0">
-                <a:sym typeface="Wingdings" panose="05000000000000000000" pitchFamily="2" charset="2"/>
-              </a:rPr>
-              <a:t>. </a:t>
-            </a:r>
-          </a:p>
-          <a:p>
-            <a:r>
-              <a:rPr lang="ko-KR" altLang="en-US" dirty="0" smtClean="0">
-                <a:sym typeface="Wingdings" panose="05000000000000000000" pitchFamily="2" charset="2"/>
-              </a:rPr>
-              <a:t>이미지 데이터를 비트맵으로 만들기 위해서는 </a:t>
-            </a:r>
-            <a:r>
-              <a:rPr lang="en-US" altLang="ko-KR" dirty="0" err="1" smtClean="0">
-                <a:sym typeface="Wingdings" panose="05000000000000000000" pitchFamily="2" charset="2"/>
-              </a:rPr>
-              <a:t>BitmapFactory</a:t>
-            </a:r>
-            <a:r>
-              <a:rPr lang="en-US" altLang="ko-KR" dirty="0" smtClean="0">
-                <a:sym typeface="Wingdings" panose="05000000000000000000" pitchFamily="2" charset="2"/>
-              </a:rPr>
-              <a:t> </a:t>
-            </a:r>
-            <a:r>
-              <a:rPr lang="ko-KR" altLang="en-US" dirty="0" smtClean="0">
-                <a:sym typeface="Wingdings" panose="05000000000000000000" pitchFamily="2" charset="2"/>
-              </a:rPr>
-              <a:t>클래스에 정의된 </a:t>
-            </a:r>
-            <a:r>
-              <a:rPr lang="en-US" altLang="ko-KR" dirty="0" err="1" smtClean="0">
-                <a:sym typeface="Wingdings" panose="05000000000000000000" pitchFamily="2" charset="2"/>
-              </a:rPr>
-              <a:t>decodeByteArray</a:t>
-            </a:r>
-            <a:r>
-              <a:rPr lang="en-US" altLang="ko-KR" dirty="0" smtClean="0">
-                <a:sym typeface="Wingdings" panose="05000000000000000000" pitchFamily="2" charset="2"/>
-              </a:rPr>
-              <a:t>() </a:t>
-            </a:r>
-            <a:r>
-              <a:rPr lang="ko-KR" altLang="en-US" dirty="0" smtClean="0">
-                <a:sym typeface="Wingdings" panose="05000000000000000000" pitchFamily="2" charset="2"/>
-              </a:rPr>
-              <a:t>메소드를 이용합니다</a:t>
-            </a:r>
-            <a:r>
-              <a:rPr lang="en-US" altLang="ko-KR" dirty="0" smtClean="0">
-                <a:sym typeface="Wingdings" panose="05000000000000000000" pitchFamily="2" charset="2"/>
-              </a:rPr>
-              <a:t>. </a:t>
-            </a:r>
-            <a:r>
-              <a:rPr lang="en-US" altLang="ko-KR" dirty="0" err="1" smtClean="0">
-                <a:sym typeface="Wingdings" panose="05000000000000000000" pitchFamily="2" charset="2"/>
-              </a:rPr>
-              <a:t>insertImage</a:t>
-            </a:r>
-            <a:r>
-              <a:rPr lang="en-US" altLang="ko-KR" dirty="0" smtClean="0">
-                <a:sym typeface="Wingdings" panose="05000000000000000000" pitchFamily="2" charset="2"/>
-              </a:rPr>
-              <a:t>() </a:t>
-            </a:r>
-            <a:r>
-              <a:rPr lang="ko-KR" altLang="en-US" dirty="0" err="1" smtClean="0">
-                <a:sym typeface="Wingdings" panose="05000000000000000000" pitchFamily="2" charset="2"/>
-              </a:rPr>
-              <a:t>메소드는</a:t>
-            </a:r>
-            <a:r>
-              <a:rPr lang="ko-KR" altLang="en-US" dirty="0" smtClean="0">
-                <a:sym typeface="Wingdings" panose="05000000000000000000" pitchFamily="2" charset="2"/>
-              </a:rPr>
-              <a:t> 이미지를 간단히 추가할 수 있도록 정의된 </a:t>
-            </a:r>
-            <a:r>
-              <a:rPr lang="ko-KR" altLang="en-US" dirty="0" err="1" smtClean="0">
-                <a:sym typeface="Wingdings" panose="05000000000000000000" pitchFamily="2" charset="2"/>
-              </a:rPr>
-              <a:t>메소드입니다</a:t>
-            </a:r>
-            <a:r>
-              <a:rPr lang="en-US" altLang="ko-KR" dirty="0" smtClean="0">
-                <a:sym typeface="Wingdings" panose="05000000000000000000" pitchFamily="2" charset="2"/>
-              </a:rPr>
-              <a:t>.</a:t>
-            </a:r>
-          </a:p>
-          <a:p>
-            <a:pPr marL="742950" lvl="2" indent="-342900">
-              <a:buClr>
-                <a:schemeClr val="accent2"/>
-              </a:buClr>
-              <a:buSzTx/>
-            </a:pPr>
-            <a:r>
-              <a:rPr lang="en-US" altLang="ko-KR" sz="1800" b="1" dirty="0">
-                <a:latin typeface="Consolas" panose="020B0609020204030204" pitchFamily="49" charset="0"/>
-                <a:sym typeface="Wingdings" panose="05000000000000000000" pitchFamily="2" charset="2"/>
-              </a:rPr>
-              <a:t>public </a:t>
-            </a:r>
-            <a:r>
-              <a:rPr lang="en-US" altLang="ko-KR" sz="1800" b="1" dirty="0" smtClean="0">
-                <a:latin typeface="Consolas" panose="020B0609020204030204" pitchFamily="49" charset="0"/>
-                <a:sym typeface="Wingdings" panose="05000000000000000000" pitchFamily="2" charset="2"/>
-              </a:rPr>
-              <a:t>static final String </a:t>
-            </a:r>
-            <a:r>
-              <a:rPr lang="en-US" altLang="ko-KR" sz="1800" b="1" dirty="0" err="1" smtClean="0">
-                <a:latin typeface="Consolas" panose="020B0609020204030204" pitchFamily="49" charset="0"/>
-                <a:sym typeface="Wingdings" panose="05000000000000000000" pitchFamily="2" charset="2"/>
-              </a:rPr>
-              <a:t>insertImage</a:t>
-            </a:r>
-            <a:r>
-              <a:rPr lang="en-US" altLang="ko-KR" sz="1800" b="1" dirty="0" smtClean="0">
-                <a:latin typeface="Consolas" panose="020B0609020204030204" pitchFamily="49" charset="0"/>
-                <a:sym typeface="Wingdings" panose="05000000000000000000" pitchFamily="2" charset="2"/>
-              </a:rPr>
-              <a:t>(</a:t>
-            </a:r>
-            <a:r>
-              <a:rPr lang="en-US" altLang="ko-KR" sz="1800" b="1" dirty="0" err="1" smtClean="0">
-                <a:latin typeface="Consolas" panose="020B0609020204030204" pitchFamily="49" charset="0"/>
-                <a:sym typeface="Wingdings" panose="05000000000000000000" pitchFamily="2" charset="2"/>
-              </a:rPr>
-              <a:t>ContentResolver</a:t>
-            </a:r>
-            <a:r>
-              <a:rPr lang="en-US" altLang="ko-KR" sz="1800" b="1" dirty="0" smtClean="0">
-                <a:latin typeface="Consolas" panose="020B0609020204030204" pitchFamily="49" charset="0"/>
-                <a:sym typeface="Wingdings" panose="05000000000000000000" pitchFamily="2" charset="2"/>
-              </a:rPr>
-              <a:t> </a:t>
-            </a:r>
-            <a:r>
-              <a:rPr lang="en-US" altLang="ko-KR" sz="1800" b="1" dirty="0" err="1" smtClean="0">
-                <a:latin typeface="Consolas" panose="020B0609020204030204" pitchFamily="49" charset="0"/>
-                <a:sym typeface="Wingdings" panose="05000000000000000000" pitchFamily="2" charset="2"/>
-              </a:rPr>
-              <a:t>cs</a:t>
-            </a:r>
-            <a:r>
-              <a:rPr lang="en-US" altLang="ko-KR" sz="1800" b="1" dirty="0" smtClean="0">
-                <a:latin typeface="Consolas" panose="020B0609020204030204" pitchFamily="49" charset="0"/>
-                <a:sym typeface="Wingdings" panose="05000000000000000000" pitchFamily="2" charset="2"/>
-              </a:rPr>
-              <a:t>, Bitmap source, String title, String description) </a:t>
-            </a:r>
-          </a:p>
-          <a:p>
-            <a:pPr marL="742950" lvl="2" indent="-342900">
-              <a:buClr>
-                <a:schemeClr val="accent2"/>
-              </a:buClr>
-              <a:buSzTx/>
-            </a:pPr>
-            <a:r>
-              <a:rPr lang="ko-KR" altLang="en-US" sz="1800" dirty="0" smtClean="0">
-                <a:latin typeface="Consolas" panose="020B0609020204030204" pitchFamily="49" charset="0"/>
-                <a:sym typeface="Wingdings" panose="05000000000000000000" pitchFamily="2" charset="2"/>
-              </a:rPr>
-              <a:t>첫째 </a:t>
-            </a:r>
-            <a:r>
-              <a:rPr lang="ko-KR" altLang="en-US" sz="1800" dirty="0" err="1" smtClean="0">
-                <a:latin typeface="Consolas" panose="020B0609020204030204" pitchFamily="49" charset="0"/>
-                <a:sym typeface="Wingdings" panose="05000000000000000000" pitchFamily="2" charset="2"/>
-              </a:rPr>
-              <a:t>파라미터는</a:t>
-            </a:r>
-            <a:r>
-              <a:rPr lang="ko-KR" altLang="en-US" sz="1800" dirty="0" smtClean="0">
-                <a:latin typeface="Consolas" panose="020B0609020204030204" pitchFamily="49" charset="0"/>
-                <a:sym typeface="Wingdings" panose="05000000000000000000" pitchFamily="2" charset="2"/>
-              </a:rPr>
-              <a:t> </a:t>
-            </a:r>
-            <a:r>
-              <a:rPr lang="en-US" altLang="ko-KR" sz="1800" dirty="0" err="1" smtClean="0">
-                <a:latin typeface="Consolas" panose="020B0609020204030204" pitchFamily="49" charset="0"/>
-                <a:sym typeface="Wingdings" panose="05000000000000000000" pitchFamily="2" charset="2"/>
-              </a:rPr>
-              <a:t>ContentResolver</a:t>
-            </a:r>
-            <a:r>
-              <a:rPr lang="en-US" altLang="ko-KR" sz="1800" dirty="0" smtClean="0">
-                <a:latin typeface="Consolas" panose="020B0609020204030204" pitchFamily="49" charset="0"/>
-                <a:sym typeface="Wingdings" panose="05000000000000000000" pitchFamily="2" charset="2"/>
-              </a:rPr>
-              <a:t> </a:t>
-            </a:r>
-            <a:r>
-              <a:rPr lang="ko-KR" altLang="en-US" sz="1800" dirty="0" smtClean="0">
-                <a:latin typeface="Consolas" panose="020B0609020204030204" pitchFamily="49" charset="0"/>
-                <a:sym typeface="Wingdings" panose="05000000000000000000" pitchFamily="2" charset="2"/>
-              </a:rPr>
-              <a:t>객체</a:t>
-            </a:r>
-            <a:r>
-              <a:rPr lang="en-US" altLang="ko-KR" sz="1800" dirty="0" smtClean="0">
-                <a:latin typeface="Consolas" panose="020B0609020204030204" pitchFamily="49" charset="0"/>
-                <a:sym typeface="Wingdings" panose="05000000000000000000" pitchFamily="2" charset="2"/>
-              </a:rPr>
-              <a:t>, </a:t>
-            </a:r>
-            <a:r>
-              <a:rPr lang="ko-KR" altLang="en-US" sz="1800" dirty="0" smtClean="0">
-                <a:latin typeface="Consolas" panose="020B0609020204030204" pitchFamily="49" charset="0"/>
-                <a:sym typeface="Wingdings" panose="05000000000000000000" pitchFamily="2" charset="2"/>
-              </a:rPr>
-              <a:t>둘째 </a:t>
-            </a:r>
-            <a:r>
-              <a:rPr lang="ko-KR" altLang="en-US" sz="1800" dirty="0" err="1" smtClean="0">
-                <a:latin typeface="Consolas" panose="020B0609020204030204" pitchFamily="49" charset="0"/>
-                <a:sym typeface="Wingdings" panose="05000000000000000000" pitchFamily="2" charset="2"/>
-              </a:rPr>
-              <a:t>파라미터는</a:t>
-            </a:r>
-            <a:r>
-              <a:rPr lang="ko-KR" altLang="en-US" sz="1800" dirty="0" smtClean="0">
-                <a:latin typeface="Consolas" panose="020B0609020204030204" pitchFamily="49" charset="0"/>
-                <a:sym typeface="Wingdings" panose="05000000000000000000" pitchFamily="2" charset="2"/>
-              </a:rPr>
-              <a:t> 메모리에 만들어진 비트맵 객체 그리고 세 번째와 네 번째 </a:t>
-            </a:r>
-            <a:r>
-              <a:rPr lang="ko-KR" altLang="en-US" sz="1800" dirty="0" err="1" smtClean="0">
-                <a:latin typeface="Consolas" panose="020B0609020204030204" pitchFamily="49" charset="0"/>
-                <a:sym typeface="Wingdings" panose="05000000000000000000" pitchFamily="2" charset="2"/>
-              </a:rPr>
-              <a:t>파라미터는</a:t>
-            </a:r>
-            <a:r>
-              <a:rPr lang="ko-KR" altLang="en-US" sz="1800" dirty="0" smtClean="0">
-                <a:latin typeface="Consolas" panose="020B0609020204030204" pitchFamily="49" charset="0"/>
-                <a:sym typeface="Wingdings" panose="05000000000000000000" pitchFamily="2" charset="2"/>
-              </a:rPr>
-              <a:t> 그 비트맵 이미지의 제목과 내용이 들어갑니다</a:t>
-            </a:r>
-            <a:r>
-              <a:rPr lang="en-US" altLang="ko-KR" sz="1800" dirty="0" smtClean="0">
-                <a:latin typeface="Consolas" panose="020B0609020204030204" pitchFamily="49" charset="0"/>
-                <a:sym typeface="Wingdings" panose="05000000000000000000" pitchFamily="2" charset="2"/>
-              </a:rPr>
-              <a:t>. </a:t>
-            </a:r>
-            <a:endParaRPr lang="ko-KR" altLang="en-US" dirty="0"/>
-          </a:p>
-          <a:p>
-            <a:endParaRPr lang="en-US" altLang="ko-KR" dirty="0">
-              <a:sym typeface="Wingdings" panose="05000000000000000000" pitchFamily="2" charset="2"/>
-            </a:endParaRPr>
-          </a:p>
-          <a:p>
-            <a:endParaRPr lang="en-US" altLang="ko-KR" dirty="0" smtClean="0">
-              <a:sym typeface="Wingdings" panose="05000000000000000000" pitchFamily="2" charset="2"/>
-            </a:endParaRPr>
-          </a:p>
-          <a:p>
-            <a:endParaRPr lang="en-US" altLang="ko-KR" dirty="0">
-              <a:sym typeface="Wingdings" panose="05000000000000000000" pitchFamily="2" charset="2"/>
-            </a:endParaRPr>
-          </a:p>
-          <a:p>
-            <a:endParaRPr lang="en-US" altLang="ko-KR" dirty="0">
-              <a:sym typeface="Wingdings" panose="05000000000000000000" pitchFamily="2" charset="2"/>
-            </a:endParaRPr>
-          </a:p>
-        </p:txBody>
-      </p:sp>
-      <p:sp>
-        <p:nvSpPr>
-          <p:cNvPr id="4" name="슬라이드 번호 개체 틀 3"/>
-          <p:cNvSpPr>
-            <a:spLocks noGrp="1"/>
-          </p:cNvSpPr>
-          <p:nvPr>
-            <p:ph type="sldNum" sz="quarter" idx="14"/>
-          </p:nvPr>
-        </p:nvSpPr>
-        <p:spPr/>
-        <p:txBody>
-          <a:bodyPr/>
-          <a:lstStyle/>
-          <a:p>
-            <a:pPr>
-              <a:defRPr/>
-            </a:pPr>
-            <a:fld id="{3D493B47-E977-46F8-8C2F-7DA674317049}" type="slidenum">
-              <a:rPr lang="ko-KR" altLang="en-US" smtClean="0"/>
-              <a:pPr>
-                <a:defRPr/>
-              </a:pPr>
-              <a:t>23</a:t>
-            </a:fld>
-            <a:endParaRPr lang="ko-KR" altLang="en-US"/>
-          </a:p>
-        </p:txBody>
-      </p:sp>
-    </p:spTree>
-    <p:extLst>
-      <p:ext uri="{BB962C8B-B14F-4D97-AF65-F5344CB8AC3E}">
-        <p14:creationId xmlns:p14="http://schemas.microsoft.com/office/powerpoint/2010/main" val="597224024"/>
-      </p:ext>
-    </p:extLst>
-  </p:cSld>
-  <p:clrMapOvr>
-    <a:masterClrMapping/>
-  </p:clrMapOvr>
-</p:sld>
-</file>
-
 <file path=ppt/slides/slide24.xml><?xml version="1.0" encoding="utf-8"?>
 <p:sld xmlns:a="http://schemas.openxmlformats.org/drawingml/2006/main" xmlns:r="http://schemas.openxmlformats.org/officeDocument/2006/relationships" xmlns:p="http://schemas.openxmlformats.org/presentationml/2006/main">
   <p:cSld>
@@ -17242,216 +17064,18 @@
               <a:t>– </a:t>
             </a:r>
             <a:r>
-              <a:rPr lang="en-US" altLang="ko-KR" b="1" dirty="0" err="1" smtClean="0">
-                <a:sym typeface="Wingdings" panose="05000000000000000000" pitchFamily="2" charset="2"/>
-              </a:rPr>
-              <a:t>CameraSurfaceView</a:t>
-            </a:r>
-            <a:r>
               <a:rPr lang="en-US" altLang="ko-KR" b="1" dirty="0" smtClean="0">
                 <a:sym typeface="Wingdings" panose="05000000000000000000" pitchFamily="2" charset="2"/>
               </a:rPr>
-              <a:t>  </a:t>
+              <a:t>MainActivity.java </a:t>
             </a:r>
             <a:r>
               <a:rPr lang="ko-KR" altLang="en-US" b="1" dirty="0" smtClean="0">
                 <a:sym typeface="Wingdings" panose="05000000000000000000" pitchFamily="2" charset="2"/>
               </a:rPr>
-              <a:t>내부 클래스 정의하기</a:t>
-            </a:r>
-            <a:endParaRPr lang="ko-KR" altLang="en-US" dirty="0"/>
-          </a:p>
-          <a:p>
-            <a:r>
-              <a:rPr lang="ko-KR" altLang="en-US" dirty="0" err="1" smtClean="0">
-                <a:sym typeface="Wingdings" panose="05000000000000000000" pitchFamily="2" charset="2"/>
-              </a:rPr>
-              <a:t>서피스뷰를</a:t>
-            </a:r>
-            <a:r>
-              <a:rPr lang="ko-KR" altLang="en-US" dirty="0" smtClean="0">
-                <a:sym typeface="Wingdings" panose="05000000000000000000" pitchFamily="2" charset="2"/>
-              </a:rPr>
-              <a:t> 확장하여 정의한 </a:t>
-            </a:r>
-            <a:r>
-              <a:rPr lang="en-US" altLang="ko-KR" dirty="0" err="1" smtClean="0">
-                <a:sym typeface="Wingdings" panose="05000000000000000000" pitchFamily="2" charset="2"/>
-              </a:rPr>
-              <a:t>CameraSufraceView</a:t>
-            </a:r>
-            <a:r>
-              <a:rPr lang="ko-KR" altLang="en-US" dirty="0" smtClean="0">
-                <a:sym typeface="Wingdings" panose="05000000000000000000" pitchFamily="2" charset="2"/>
-              </a:rPr>
-              <a:t> 클래스는 </a:t>
-            </a:r>
-            <a:r>
-              <a:rPr lang="en-US" altLang="ko-KR" dirty="0" smtClean="0">
-                <a:solidFill>
-                  <a:srgbClr val="C00000"/>
-                </a:solidFill>
-                <a:sym typeface="Wingdings" panose="05000000000000000000" pitchFamily="2" charset="2"/>
-              </a:rPr>
-              <a:t>MainActivity </a:t>
-            </a:r>
-            <a:r>
-              <a:rPr lang="ko-KR" altLang="en-US" dirty="0" err="1" smtClean="0">
-                <a:solidFill>
-                  <a:srgbClr val="C00000"/>
-                </a:solidFill>
-                <a:sym typeface="Wingdings" panose="05000000000000000000" pitchFamily="2" charset="2"/>
-              </a:rPr>
-              <a:t>클래의</a:t>
-            </a:r>
-            <a:r>
-              <a:rPr lang="ko-KR" altLang="en-US" dirty="0" smtClean="0">
-                <a:solidFill>
-                  <a:srgbClr val="C00000"/>
-                </a:solidFill>
-                <a:sym typeface="Wingdings" panose="05000000000000000000" pitchFamily="2" charset="2"/>
-              </a:rPr>
-              <a:t> </a:t>
-            </a:r>
-            <a:r>
-              <a:rPr lang="ko-KR" altLang="en-US" b="1" dirty="0" smtClean="0">
-                <a:solidFill>
-                  <a:srgbClr val="C00000"/>
-                </a:solidFill>
-                <a:sym typeface="Wingdings" panose="05000000000000000000" pitchFamily="2" charset="2"/>
-              </a:rPr>
-              <a:t>내부 클래스</a:t>
-            </a:r>
-            <a:r>
-              <a:rPr lang="ko-KR" altLang="en-US" dirty="0" smtClean="0">
-                <a:solidFill>
-                  <a:srgbClr val="C00000"/>
-                </a:solidFill>
-                <a:sym typeface="Wingdings" panose="05000000000000000000" pitchFamily="2" charset="2"/>
-              </a:rPr>
-              <a:t>로 정의합니다</a:t>
-            </a:r>
-            <a:r>
-              <a:rPr lang="en-US" altLang="ko-KR" dirty="0" smtClean="0">
-                <a:sym typeface="Wingdings" panose="05000000000000000000" pitchFamily="2" charset="2"/>
-              </a:rPr>
-              <a:t>. </a:t>
-            </a:r>
-          </a:p>
-          <a:p>
-            <a:r>
-              <a:rPr lang="ko-KR" altLang="en-US" dirty="0" smtClean="0">
-                <a:sym typeface="Wingdings" panose="05000000000000000000" pitchFamily="2" charset="2"/>
-              </a:rPr>
-              <a:t>또한 이 클래스는</a:t>
-            </a:r>
-            <a:r>
-              <a:rPr lang="en-US" altLang="ko-KR" dirty="0" smtClean="0">
-                <a:sym typeface="Wingdings" panose="05000000000000000000" pitchFamily="2" charset="2"/>
-              </a:rPr>
-              <a:t>, </a:t>
-            </a:r>
-            <a:r>
-              <a:rPr lang="en-US" altLang="ko-KR" b="1" dirty="0" err="1" smtClean="0">
-                <a:sym typeface="Wingdings" panose="05000000000000000000" pitchFamily="2" charset="2"/>
-              </a:rPr>
-              <a:t>SurfaceHolde</a:t>
-            </a:r>
-            <a:r>
-              <a:rPr lang="en-US" altLang="ko-KR" dirty="0" err="1" smtClean="0">
-                <a:sym typeface="Wingdings" panose="05000000000000000000" pitchFamily="2" charset="2"/>
-              </a:rPr>
-              <a:t>r</a:t>
-            </a:r>
-            <a:r>
-              <a:rPr lang="en-US" altLang="ko-KR" dirty="0" smtClean="0">
-                <a:sym typeface="Wingdings" panose="05000000000000000000" pitchFamily="2" charset="2"/>
-              </a:rPr>
-              <a:t> </a:t>
-            </a:r>
-            <a:r>
-              <a:rPr lang="ko-KR" altLang="en-US" dirty="0" smtClean="0">
-                <a:sym typeface="Wingdings" panose="05000000000000000000" pitchFamily="2" charset="2"/>
-              </a:rPr>
-              <a:t>에 정의된 </a:t>
-            </a:r>
-            <a:r>
-              <a:rPr lang="en-US" altLang="ko-KR" dirty="0" smtClean="0">
-                <a:sym typeface="Wingdings" panose="05000000000000000000" pitchFamily="2" charset="2"/>
-              </a:rPr>
-              <a:t>Callback </a:t>
-            </a:r>
-            <a:r>
-              <a:rPr lang="ko-KR" altLang="en-US" dirty="0" smtClean="0">
-                <a:sym typeface="Wingdings" panose="05000000000000000000" pitchFamily="2" charset="2"/>
-              </a:rPr>
-              <a:t>인터페이스를 구현하고 있으므로 </a:t>
-            </a:r>
-            <a:r>
-              <a:rPr lang="ko-KR" altLang="en-US" dirty="0" err="1" smtClean="0">
-                <a:sym typeface="Wingdings" panose="05000000000000000000" pitchFamily="2" charset="2"/>
-              </a:rPr>
-              <a:t>서피스뷰의</a:t>
-            </a:r>
-            <a:r>
-              <a:rPr lang="ko-KR" altLang="en-US" dirty="0" smtClean="0">
-                <a:sym typeface="Wingdings" panose="05000000000000000000" pitchFamily="2" charset="2"/>
-              </a:rPr>
-              <a:t> 상태가 변경될 때 자동 호출되는 아래의 세가지 메소드를 구현합니다</a:t>
-            </a:r>
-            <a:r>
-              <a:rPr lang="en-US" altLang="ko-KR" dirty="0" smtClean="0">
-                <a:sym typeface="Wingdings" panose="05000000000000000000" pitchFamily="2" charset="2"/>
-              </a:rPr>
-              <a:t>.   </a:t>
-            </a:r>
-          </a:p>
-          <a:p>
-            <a:pPr lvl="1"/>
-            <a:r>
-              <a:rPr lang="en-US" altLang="ko-KR" b="1" dirty="0" err="1" smtClean="0">
-                <a:latin typeface="Consolas" panose="020B0609020204030204" pitchFamily="49" charset="0"/>
-                <a:sym typeface="Wingdings" panose="05000000000000000000" pitchFamily="2" charset="2"/>
-              </a:rPr>
-              <a:t>sufraceCreated</a:t>
-            </a:r>
-            <a:r>
-              <a:rPr lang="en-US" altLang="ko-KR" b="1" dirty="0" smtClean="0">
-                <a:latin typeface="Consolas" panose="020B0609020204030204" pitchFamily="49" charset="0"/>
-                <a:sym typeface="Wingdings" panose="05000000000000000000" pitchFamily="2" charset="2"/>
-              </a:rPr>
-              <a:t>(), </a:t>
-            </a:r>
-            <a:r>
-              <a:rPr lang="en-US" altLang="ko-KR" b="1" dirty="0" err="1" smtClean="0">
-                <a:latin typeface="Consolas" panose="020B0609020204030204" pitchFamily="49" charset="0"/>
-                <a:sym typeface="Wingdings" panose="05000000000000000000" pitchFamily="2" charset="2"/>
-              </a:rPr>
-              <a:t>surfaceChange</a:t>
-            </a:r>
-            <a:r>
-              <a:rPr lang="en-US" altLang="ko-KR" b="1" dirty="0" smtClean="0">
-                <a:latin typeface="Consolas" panose="020B0609020204030204" pitchFamily="49" charset="0"/>
-                <a:sym typeface="Wingdings" panose="05000000000000000000" pitchFamily="2" charset="2"/>
-              </a:rPr>
-              <a:t>(), </a:t>
-            </a:r>
-            <a:r>
-              <a:rPr lang="en-US" altLang="ko-KR" b="1" dirty="0" err="1" smtClean="0">
-                <a:latin typeface="Consolas" panose="020B0609020204030204" pitchFamily="49" charset="0"/>
-                <a:sym typeface="Wingdings" panose="05000000000000000000" pitchFamily="2" charset="2"/>
-              </a:rPr>
-              <a:t>surfaceDestroyed</a:t>
-            </a:r>
-            <a:r>
-              <a:rPr lang="en-US" altLang="ko-KR" b="1" dirty="0" smtClean="0">
-                <a:latin typeface="Consolas" panose="020B0609020204030204" pitchFamily="49" charset="0"/>
-                <a:sym typeface="Wingdings" panose="05000000000000000000" pitchFamily="2" charset="2"/>
-              </a:rPr>
-              <a:t>()</a:t>
-            </a:r>
-            <a:endParaRPr lang="en-US" altLang="ko-KR" b="1" dirty="0">
-              <a:latin typeface="Consolas" panose="020B0609020204030204" pitchFamily="49" charset="0"/>
+              <a:t>코딩</a:t>
+            </a:r>
+            <a:endParaRPr lang="en-US" altLang="ko-KR" b="1" dirty="0" smtClean="0">
               <a:sym typeface="Wingdings" panose="05000000000000000000" pitchFamily="2" charset="2"/>
             </a:endParaRPr>
           </a:p>
@@ -17460,394 +17084,550 @@
               <a:rPr lang="ko-KR" altLang="en-US" dirty="0" smtClean="0">
                 <a:sym typeface="Wingdings" panose="05000000000000000000" pitchFamily="2" charset="2"/>
               </a:rPr>
-              <a:t>앞에 설명한 대로</a:t>
-            </a:r>
-            <a:r>
-              <a:rPr lang="en-US" altLang="ko-KR" dirty="0" smtClean="0">
+              <a:t>카메라 </a:t>
+            </a:r>
+            <a:r>
+              <a:rPr lang="ko-KR" altLang="en-US" dirty="0" err="1" smtClean="0">
+                <a:sym typeface="Wingdings" panose="05000000000000000000" pitchFamily="2" charset="2"/>
+              </a:rPr>
+              <a:t>미리보기를</a:t>
+            </a:r>
+            <a:r>
+              <a:rPr lang="ko-KR" altLang="en-US" dirty="0" smtClean="0">
+                <a:sym typeface="Wingdings" panose="05000000000000000000" pitchFamily="2" charset="2"/>
+              </a:rPr>
+              <a:t> 구현하는 </a:t>
+            </a:r>
+            <a:r>
+              <a:rPr lang="en-US" altLang="ko-KR" dirty="0" err="1" smtClean="0">
+                <a:sym typeface="Wingdings" panose="05000000000000000000" pitchFamily="2" charset="2"/>
+              </a:rPr>
+              <a:t>CameraSurfaceView</a:t>
+            </a:r>
+            <a:r>
+              <a:rPr lang="en-US" altLang="ko-KR" dirty="0" smtClean="0">
+                <a:sym typeface="Wingdings" panose="05000000000000000000" pitchFamily="2" charset="2"/>
+              </a:rPr>
+              <a:t> </a:t>
+            </a:r>
+            <a:r>
+              <a:rPr lang="ko-KR" altLang="en-US" dirty="0" smtClean="0">
+                <a:sym typeface="Wingdings" panose="05000000000000000000" pitchFamily="2" charset="2"/>
+              </a:rPr>
+              <a:t>는 </a:t>
+            </a:r>
+            <a:r>
+              <a:rPr lang="en-US" altLang="ko-KR" dirty="0" err="1" smtClean="0">
+                <a:sym typeface="Wingdings" panose="05000000000000000000" pitchFamily="2" charset="2"/>
+              </a:rPr>
+              <a:t>SurfaceView</a:t>
+            </a:r>
+            <a:r>
+              <a:rPr lang="ko-KR" altLang="en-US" dirty="0" smtClean="0">
+                <a:sym typeface="Wingdings" panose="05000000000000000000" pitchFamily="2" charset="2"/>
+              </a:rPr>
+              <a:t>를 상속받아 새로 정의한 후</a:t>
+            </a:r>
+            <a:r>
+              <a:rPr lang="en-US" altLang="ko-KR" dirty="0" smtClean="0">
+                <a:sym typeface="Wingdings" panose="05000000000000000000" pitchFamily="2" charset="2"/>
+              </a:rPr>
+              <a:t>, XML </a:t>
+            </a:r>
+            <a:r>
+              <a:rPr lang="ko-KR" altLang="en-US" dirty="0" smtClean="0">
+                <a:sym typeface="Wingdings" panose="05000000000000000000" pitchFamily="2" charset="2"/>
+              </a:rPr>
+              <a:t>레이아웃에 정의된 </a:t>
+            </a:r>
+            <a:r>
+              <a:rPr lang="en-US" altLang="ko-KR" dirty="0" err="1" smtClean="0">
+                <a:sym typeface="Wingdings" panose="05000000000000000000" pitchFamily="2" charset="2"/>
+              </a:rPr>
+              <a:t>FrameLayout</a:t>
+            </a:r>
+            <a:r>
+              <a:rPr lang="ko-KR" altLang="en-US" dirty="0" smtClean="0">
+                <a:sym typeface="Wingdings" panose="05000000000000000000" pitchFamily="2" charset="2"/>
+              </a:rPr>
+              <a:t>에 추가합니다</a:t>
+            </a:r>
+            <a:r>
+              <a:rPr lang="en-US" altLang="ko-KR" dirty="0" smtClean="0">
+                <a:sym typeface="Wingdings" panose="05000000000000000000" pitchFamily="2" charset="2"/>
+              </a:rPr>
+              <a:t>. </a:t>
+            </a:r>
+          </a:p>
+          <a:p>
+            <a:r>
+              <a:rPr lang="en-US" altLang="ko-KR" dirty="0" smtClean="0">
+                <a:sym typeface="Wingdings" panose="05000000000000000000" pitchFamily="2" charset="2"/>
+              </a:rPr>
+              <a:t>[</a:t>
+            </a:r>
+            <a:r>
+              <a:rPr lang="ko-KR" altLang="en-US" dirty="0" smtClean="0">
+                <a:sym typeface="Wingdings" panose="05000000000000000000" pitchFamily="2" charset="2"/>
+              </a:rPr>
+              <a:t>사진찍기</a:t>
+            </a:r>
+            <a:r>
+              <a:rPr lang="en-US" altLang="ko-KR" dirty="0" smtClean="0">
+                <a:sym typeface="Wingdings" panose="05000000000000000000" pitchFamily="2" charset="2"/>
+              </a:rPr>
+              <a:t>] </a:t>
+            </a:r>
+            <a:r>
+              <a:rPr lang="ko-KR" altLang="en-US" dirty="0" smtClean="0">
+                <a:sym typeface="Wingdings" panose="05000000000000000000" pitchFamily="2" charset="2"/>
+              </a:rPr>
+              <a:t>버튼을 누르면 사진을 한 장 찍어 미디어 앨범에 추가하게 되는데 사진을 찍은 결과를 처리하는 코드는 </a:t>
+            </a:r>
+            <a:r>
+              <a:rPr lang="en-US" altLang="ko-KR" dirty="0" err="1" smtClean="0">
+                <a:sym typeface="Wingdings" panose="05000000000000000000" pitchFamily="2" charset="2"/>
+              </a:rPr>
+              <a:t>PictureCallback</a:t>
+            </a:r>
+            <a:r>
+              <a:rPr lang="en-US" altLang="ko-KR" dirty="0" smtClean="0">
+                <a:sym typeface="Wingdings" panose="05000000000000000000" pitchFamily="2" charset="2"/>
+              </a:rPr>
+              <a:t> </a:t>
+            </a:r>
+            <a:r>
+              <a:rPr lang="ko-KR" altLang="en-US" dirty="0" smtClean="0">
+                <a:sym typeface="Wingdings" panose="05000000000000000000" pitchFamily="2" charset="2"/>
+              </a:rPr>
+              <a:t>인터페이스를 구현하는 부분에 들어 있습니다</a:t>
+            </a:r>
+            <a:r>
+              <a:rPr lang="en-US" altLang="ko-KR" dirty="0" smtClean="0">
+                <a:sym typeface="Wingdings" panose="05000000000000000000" pitchFamily="2" charset="2"/>
+              </a:rPr>
+              <a:t>. </a:t>
+            </a:r>
+            <a:r>
+              <a:rPr lang="ko-KR" altLang="en-US" dirty="0" smtClean="0">
+                <a:sym typeface="Wingdings" panose="05000000000000000000" pitchFamily="2" charset="2"/>
+              </a:rPr>
+              <a:t>이 인터페이스는 </a:t>
+            </a:r>
+            <a:r>
+              <a:rPr lang="en-US" altLang="ko-KR" dirty="0" err="1" smtClean="0">
+                <a:sym typeface="Wingdings" panose="05000000000000000000" pitchFamily="2" charset="2"/>
+              </a:rPr>
+              <a:t>CameraSurfaceView</a:t>
+            </a:r>
+            <a:r>
+              <a:rPr lang="ko-KR" altLang="en-US" dirty="0" smtClean="0">
+                <a:sym typeface="Wingdings" panose="05000000000000000000" pitchFamily="2" charset="2"/>
+              </a:rPr>
+              <a:t>에 정의된 </a:t>
+            </a:r>
+            <a:r>
+              <a:rPr lang="en-US" altLang="ko-KR" dirty="0" smtClean="0">
+                <a:sym typeface="Wingdings" panose="05000000000000000000" pitchFamily="2" charset="2"/>
+              </a:rPr>
+              <a:t>capture() </a:t>
+            </a:r>
+            <a:r>
+              <a:rPr lang="ko-KR" altLang="en-US" dirty="0" smtClean="0">
+                <a:sym typeface="Wingdings" panose="05000000000000000000" pitchFamily="2" charset="2"/>
+              </a:rPr>
+              <a:t>메소드를 호출할 때 전달됩니다</a:t>
+            </a:r>
+            <a:r>
+              <a:rPr lang="en-US" altLang="ko-KR" dirty="0" smtClean="0">
+                <a:sym typeface="Wingdings" panose="05000000000000000000" pitchFamily="2" charset="2"/>
+              </a:rPr>
+              <a:t>. </a:t>
+            </a:r>
+          </a:p>
+          <a:p>
+            <a:pPr lvl="1"/>
+            <a:r>
+              <a:rPr lang="en-US" altLang="ko-KR" b="1" dirty="0" smtClean="0">
+                <a:latin typeface="Consolas" panose="020B0609020204030204" pitchFamily="49" charset="0"/>
+                <a:sym typeface="Wingdings" panose="05000000000000000000" pitchFamily="2" charset="2"/>
+              </a:rPr>
+              <a:t>public abstract void </a:t>
+            </a:r>
+            <a:r>
+              <a:rPr lang="en-US" altLang="ko-KR" b="1" dirty="0" err="1" smtClean="0">
+                <a:latin typeface="Consolas" panose="020B0609020204030204" pitchFamily="49" charset="0"/>
+                <a:sym typeface="Wingdings" panose="05000000000000000000" pitchFamily="2" charset="2"/>
+              </a:rPr>
+              <a:t>onPictureTaken</a:t>
+            </a:r>
+            <a:r>
+              <a:rPr lang="en-US" altLang="ko-KR" b="1" dirty="0" smtClean="0">
+                <a:latin typeface="Consolas" panose="020B0609020204030204" pitchFamily="49" charset="0"/>
+                <a:sym typeface="Wingdings" panose="05000000000000000000" pitchFamily="2" charset="2"/>
+              </a:rPr>
+              <a:t>(byte[] data, Camera camera) </a:t>
+            </a:r>
+          </a:p>
+          <a:p>
+            <a:r>
+              <a:rPr lang="ko-KR" altLang="en-US" dirty="0" smtClean="0">
+                <a:sym typeface="Wingdings" panose="05000000000000000000" pitchFamily="2" charset="2"/>
+              </a:rPr>
+              <a:t>사진을 찍을 때 자동으로 호출되는 </a:t>
+            </a:r>
+            <a:r>
+              <a:rPr lang="en-US" altLang="ko-KR" dirty="0" err="1" smtClean="0">
+                <a:sym typeface="Wingdings" panose="05000000000000000000" pitchFamily="2" charset="2"/>
+              </a:rPr>
+              <a:t>onPictureTaken</a:t>
+            </a:r>
+            <a:r>
+              <a:rPr lang="en-US" altLang="ko-KR" dirty="0" smtClean="0">
+                <a:sym typeface="Wingdings" panose="05000000000000000000" pitchFamily="2" charset="2"/>
+              </a:rPr>
+              <a:t>() </a:t>
+            </a:r>
+            <a:r>
+              <a:rPr lang="ko-KR" altLang="en-US" dirty="0" err="1" smtClean="0">
+                <a:sym typeface="Wingdings" panose="05000000000000000000" pitchFamily="2" charset="2"/>
+              </a:rPr>
+              <a:t>메소드로</a:t>
+            </a:r>
+            <a:r>
+              <a:rPr lang="ko-KR" altLang="en-US" dirty="0" smtClean="0">
+                <a:sym typeface="Wingdings" panose="05000000000000000000" pitchFamily="2" charset="2"/>
+              </a:rPr>
+              <a:t> </a:t>
+            </a:r>
+            <a:r>
+              <a:rPr lang="ko-KR" altLang="en-US" dirty="0" err="1" smtClean="0">
+                <a:sym typeface="Wingdings" panose="05000000000000000000" pitchFamily="2" charset="2"/>
+              </a:rPr>
+              <a:t>캡쳐한</a:t>
+            </a:r>
+            <a:r>
+              <a:rPr lang="ko-KR" altLang="en-US" dirty="0" smtClean="0">
+                <a:sym typeface="Wingdings" panose="05000000000000000000" pitchFamily="2" charset="2"/>
+              </a:rPr>
+              <a:t> 이미지 데이터가 전달 됩니다</a:t>
+            </a:r>
+            <a:r>
+              <a:rPr lang="en-US" altLang="ko-KR" dirty="0" smtClean="0">
+                <a:sym typeface="Wingdings" panose="05000000000000000000" pitchFamily="2" charset="2"/>
+              </a:rPr>
+              <a:t>. </a:t>
+            </a:r>
+          </a:p>
+          <a:p>
+            <a:r>
+              <a:rPr lang="ko-KR" altLang="en-US" dirty="0" smtClean="0">
+                <a:sym typeface="Wingdings" panose="05000000000000000000" pitchFamily="2" charset="2"/>
+              </a:rPr>
+              <a:t>그런 다음 이 데이터를 비트맵으로 만들고 </a:t>
+            </a:r>
+            <a:r>
+              <a:rPr lang="en-US" altLang="ko-KR" dirty="0" err="1" smtClean="0">
+                <a:sym typeface="Wingdings" panose="05000000000000000000" pitchFamily="2" charset="2"/>
+              </a:rPr>
+              <a:t>MediaStore.Images.Media</a:t>
+            </a:r>
+            <a:r>
+              <a:rPr lang="en-US" altLang="ko-KR" dirty="0" smtClean="0">
+                <a:sym typeface="Wingdings" panose="05000000000000000000" pitchFamily="2" charset="2"/>
+              </a:rPr>
+              <a:t> </a:t>
+            </a:r>
+            <a:r>
+              <a:rPr lang="ko-KR" altLang="en-US" dirty="0" smtClean="0">
+                <a:sym typeface="Wingdings" panose="05000000000000000000" pitchFamily="2" charset="2"/>
+              </a:rPr>
+              <a:t>에 정의된 </a:t>
+            </a:r>
+            <a:r>
+              <a:rPr lang="en-US" altLang="ko-KR" dirty="0" err="1" smtClean="0">
+                <a:sym typeface="Wingdings" panose="05000000000000000000" pitchFamily="2" charset="2"/>
+              </a:rPr>
+              <a:t>insertImage</a:t>
+            </a:r>
+            <a:r>
+              <a:rPr lang="en-US" altLang="ko-KR" dirty="0" smtClean="0">
+                <a:sym typeface="Wingdings" panose="05000000000000000000" pitchFamily="2" charset="2"/>
+              </a:rPr>
+              <a:t>() </a:t>
+            </a:r>
+            <a:r>
+              <a:rPr lang="ko-KR" altLang="en-US" dirty="0" smtClean="0">
+                <a:sym typeface="Wingdings" panose="05000000000000000000" pitchFamily="2" charset="2"/>
+              </a:rPr>
+              <a:t>메소드를 이용하여 앨범에 추가합니다</a:t>
+            </a:r>
+            <a:r>
+              <a:rPr lang="en-US" altLang="ko-KR" dirty="0" smtClean="0">
+                <a:sym typeface="Wingdings" panose="05000000000000000000" pitchFamily="2" charset="2"/>
+              </a:rPr>
+              <a:t>. </a:t>
+            </a:r>
+          </a:p>
+          <a:p>
+            <a:r>
+              <a:rPr lang="ko-KR" altLang="en-US" dirty="0" smtClean="0">
+                <a:sym typeface="Wingdings" panose="05000000000000000000" pitchFamily="2" charset="2"/>
+              </a:rPr>
+              <a:t>이미지 데이터를 비트맵으로 만들기 위해서는 </a:t>
+            </a:r>
+            <a:r>
+              <a:rPr lang="en-US" altLang="ko-KR" dirty="0" err="1" smtClean="0">
+                <a:sym typeface="Wingdings" panose="05000000000000000000" pitchFamily="2" charset="2"/>
+              </a:rPr>
+              <a:t>BitmapFactory</a:t>
+            </a:r>
+            <a:r>
+              <a:rPr lang="en-US" altLang="ko-KR" dirty="0" smtClean="0">
+                <a:sym typeface="Wingdings" panose="05000000000000000000" pitchFamily="2" charset="2"/>
+              </a:rPr>
+              <a:t> </a:t>
+            </a:r>
+            <a:r>
+              <a:rPr lang="ko-KR" altLang="en-US" dirty="0" smtClean="0">
+                <a:sym typeface="Wingdings" panose="05000000000000000000" pitchFamily="2" charset="2"/>
+              </a:rPr>
+              <a:t>클래스에 정의된 </a:t>
+            </a:r>
+            <a:r>
+              <a:rPr lang="en-US" altLang="ko-KR" dirty="0" err="1" smtClean="0">
+                <a:sym typeface="Wingdings" panose="05000000000000000000" pitchFamily="2" charset="2"/>
+              </a:rPr>
+              <a:t>decodeByteArray</a:t>
+            </a:r>
+            <a:r>
+              <a:rPr lang="en-US" altLang="ko-KR" dirty="0" smtClean="0">
+                <a:sym typeface="Wingdings" panose="05000000000000000000" pitchFamily="2" charset="2"/>
+              </a:rPr>
+              <a:t>() </a:t>
+            </a:r>
+            <a:r>
+              <a:rPr lang="ko-KR" altLang="en-US" dirty="0" smtClean="0">
+                <a:sym typeface="Wingdings" panose="05000000000000000000" pitchFamily="2" charset="2"/>
+              </a:rPr>
+              <a:t>메소드를 이용합니다</a:t>
+            </a:r>
+            <a:r>
+              <a:rPr lang="en-US" altLang="ko-KR" dirty="0" smtClean="0">
+                <a:sym typeface="Wingdings" panose="05000000000000000000" pitchFamily="2" charset="2"/>
+              </a:rPr>
+              <a:t>. </a:t>
+            </a:r>
+            <a:r>
+              <a:rPr lang="en-US" altLang="ko-KR" dirty="0" err="1" smtClean="0">
+                <a:sym typeface="Wingdings" panose="05000000000000000000" pitchFamily="2" charset="2"/>
+              </a:rPr>
+              <a:t>insertImage</a:t>
+            </a:r>
+            <a:r>
+              <a:rPr lang="en-US" altLang="ko-KR" dirty="0" smtClean="0">
+                <a:sym typeface="Wingdings" panose="05000000000000000000" pitchFamily="2" charset="2"/>
+              </a:rPr>
+              <a:t>() </a:t>
+            </a:r>
+            <a:r>
+              <a:rPr lang="ko-KR" altLang="en-US" dirty="0" err="1" smtClean="0">
+                <a:sym typeface="Wingdings" panose="05000000000000000000" pitchFamily="2" charset="2"/>
+              </a:rPr>
+              <a:t>메소드는</a:t>
+            </a:r>
+            <a:r>
+              <a:rPr lang="ko-KR" altLang="en-US" dirty="0" smtClean="0">
+                <a:sym typeface="Wingdings" panose="05000000000000000000" pitchFamily="2" charset="2"/>
+              </a:rPr>
+              <a:t> 이미지를 간단히 추가할 수 있도록 정의된 </a:t>
+            </a:r>
+            <a:r>
+              <a:rPr lang="ko-KR" altLang="en-US" dirty="0" err="1" smtClean="0">
+                <a:sym typeface="Wingdings" panose="05000000000000000000" pitchFamily="2" charset="2"/>
+              </a:rPr>
+              <a:t>메소드입니다</a:t>
+            </a:r>
+            <a:r>
+              <a:rPr lang="en-US" altLang="ko-KR" dirty="0" smtClean="0">
+                <a:sym typeface="Wingdings" panose="05000000000000000000" pitchFamily="2" charset="2"/>
+              </a:rPr>
+              <a:t>.</a:t>
+            </a:r>
+          </a:p>
+          <a:p>
+            <a:pPr marL="742950" lvl="2" indent="-342900">
+              <a:buClr>
+                <a:schemeClr val="accent2"/>
+              </a:buClr>
+              <a:buSzTx/>
+            </a:pPr>
+            <a:r>
+              <a:rPr lang="en-US" altLang="ko-KR" sz="1800" b="1" dirty="0">
+                <a:latin typeface="Consolas" panose="020B0609020204030204" pitchFamily="49" charset="0"/>
+                <a:sym typeface="Wingdings" panose="05000000000000000000" pitchFamily="2" charset="2"/>
+              </a:rPr>
+              <a:t>public </a:t>
+            </a:r>
+            <a:r>
+              <a:rPr lang="en-US" altLang="ko-KR" sz="1800" b="1" dirty="0" smtClean="0">
+                <a:latin typeface="Consolas" panose="020B0609020204030204" pitchFamily="49" charset="0"/>
+                <a:sym typeface="Wingdings" panose="05000000000000000000" pitchFamily="2" charset="2"/>
+              </a:rPr>
+              <a:t>static final String </a:t>
+            </a:r>
+            <a:r>
+              <a:rPr lang="en-US" altLang="ko-KR" sz="1800" b="1" dirty="0" err="1" smtClean="0">
+                <a:latin typeface="Consolas" panose="020B0609020204030204" pitchFamily="49" charset="0"/>
+                <a:sym typeface="Wingdings" panose="05000000000000000000" pitchFamily="2" charset="2"/>
+              </a:rPr>
+              <a:t>insertImage</a:t>
+            </a:r>
+            <a:r>
+              <a:rPr lang="en-US" altLang="ko-KR" sz="1800" b="1" dirty="0" smtClean="0">
+                <a:latin typeface="Consolas" panose="020B0609020204030204" pitchFamily="49" charset="0"/>
+                <a:sym typeface="Wingdings" panose="05000000000000000000" pitchFamily="2" charset="2"/>
+              </a:rPr>
+              <a:t>(</a:t>
+            </a:r>
+            <a:r>
+              <a:rPr lang="en-US" altLang="ko-KR" sz="1800" b="1" dirty="0" err="1" smtClean="0">
+                <a:latin typeface="Consolas" panose="020B0609020204030204" pitchFamily="49" charset="0"/>
+                <a:sym typeface="Wingdings" panose="05000000000000000000" pitchFamily="2" charset="2"/>
+              </a:rPr>
+              <a:t>ContentResolver</a:t>
+            </a:r>
+            <a:r>
+              <a:rPr lang="en-US" altLang="ko-KR" sz="1800" b="1" dirty="0" smtClean="0">
+                <a:latin typeface="Consolas" panose="020B0609020204030204" pitchFamily="49" charset="0"/>
+                <a:sym typeface="Wingdings" panose="05000000000000000000" pitchFamily="2" charset="2"/>
+              </a:rPr>
+              <a:t> </a:t>
+            </a:r>
+            <a:r>
+              <a:rPr lang="en-US" altLang="ko-KR" sz="1800" b="1" dirty="0" err="1" smtClean="0">
+                <a:latin typeface="Consolas" panose="020B0609020204030204" pitchFamily="49" charset="0"/>
+                <a:sym typeface="Wingdings" panose="05000000000000000000" pitchFamily="2" charset="2"/>
+              </a:rPr>
+              <a:t>cs</a:t>
+            </a:r>
+            <a:r>
+              <a:rPr lang="en-US" altLang="ko-KR" sz="1800" b="1" dirty="0" smtClean="0">
+                <a:latin typeface="Consolas" panose="020B0609020204030204" pitchFamily="49" charset="0"/>
+                <a:sym typeface="Wingdings" panose="05000000000000000000" pitchFamily="2" charset="2"/>
+              </a:rPr>
+              <a:t>, Bitmap source, String title, String description) </a:t>
+            </a:r>
+          </a:p>
+          <a:p>
+            <a:pPr marL="742950" lvl="2" indent="-342900">
+              <a:buClr>
+                <a:schemeClr val="accent2"/>
+              </a:buClr>
+              <a:buSzTx/>
+            </a:pPr>
+            <a:r>
+              <a:rPr lang="ko-KR" altLang="en-US" sz="1800" dirty="0" smtClean="0">
+                <a:latin typeface="Consolas" panose="020B0609020204030204" pitchFamily="49" charset="0"/>
+                <a:sym typeface="Wingdings" panose="05000000000000000000" pitchFamily="2" charset="2"/>
+              </a:rPr>
+              <a:t>첫째 </a:t>
+            </a:r>
+            <a:r>
+              <a:rPr lang="ko-KR" altLang="en-US" sz="1800" dirty="0" err="1" smtClean="0">
+                <a:latin typeface="Consolas" panose="020B0609020204030204" pitchFamily="49" charset="0"/>
+                <a:sym typeface="Wingdings" panose="05000000000000000000" pitchFamily="2" charset="2"/>
+              </a:rPr>
+              <a:t>파라미터는</a:t>
+            </a:r>
+            <a:r>
+              <a:rPr lang="ko-KR" altLang="en-US" sz="1800" dirty="0" smtClean="0">
+                <a:latin typeface="Consolas" panose="020B0609020204030204" pitchFamily="49" charset="0"/>
+                <a:sym typeface="Wingdings" panose="05000000000000000000" pitchFamily="2" charset="2"/>
+              </a:rPr>
+              <a:t> </a:t>
+            </a:r>
+            <a:r>
+              <a:rPr lang="en-US" altLang="ko-KR" sz="1800" dirty="0" err="1" smtClean="0">
+                <a:latin typeface="Consolas" panose="020B0609020204030204" pitchFamily="49" charset="0"/>
+                <a:sym typeface="Wingdings" panose="05000000000000000000" pitchFamily="2" charset="2"/>
+              </a:rPr>
+              <a:t>ContentResolver</a:t>
+            </a:r>
+            <a:r>
+              <a:rPr lang="en-US" altLang="ko-KR" sz="1800" dirty="0" smtClean="0">
+                <a:latin typeface="Consolas" panose="020B0609020204030204" pitchFamily="49" charset="0"/>
+                <a:sym typeface="Wingdings" panose="05000000000000000000" pitchFamily="2" charset="2"/>
+              </a:rPr>
+              <a:t> </a:t>
+            </a:r>
+            <a:r>
+              <a:rPr lang="ko-KR" altLang="en-US" sz="1800" dirty="0" smtClean="0">
+                <a:latin typeface="Consolas" panose="020B0609020204030204" pitchFamily="49" charset="0"/>
+                <a:sym typeface="Wingdings" panose="05000000000000000000" pitchFamily="2" charset="2"/>
+              </a:rPr>
+              <a:t>객체</a:t>
+            </a:r>
+            <a:r>
+              <a:rPr lang="en-US" altLang="ko-KR" sz="1800" dirty="0" smtClean="0">
+                <a:latin typeface="Consolas" panose="020B0609020204030204" pitchFamily="49" charset="0"/>
                 <a:sym typeface="Wingdings" panose="05000000000000000000" pitchFamily="2" charset="2"/>
               </a:rPr>
               <a:t>, </a:t>
             </a:r>
             <a:r>
-              <a:rPr lang="ko-KR" altLang="en-US" dirty="0" smtClean="0">
-                <a:sym typeface="Wingdings" panose="05000000000000000000" pitchFamily="2" charset="2"/>
-              </a:rPr>
-              <a:t>서피스홀더의 타입은 </a:t>
-            </a:r>
-            <a:r>
-              <a:rPr lang="en-US" altLang="ko-KR" dirty="0" err="1" smtClean="0">
-                <a:sym typeface="Wingdings" panose="05000000000000000000" pitchFamily="2" charset="2"/>
-              </a:rPr>
-              <a:t>setType</a:t>
-            </a:r>
-            <a:r>
-              <a:rPr lang="en-US" altLang="ko-KR" dirty="0" smtClean="0">
-                <a:sym typeface="Wingdings" panose="05000000000000000000" pitchFamily="2" charset="2"/>
-              </a:rPr>
-              <a:t>() </a:t>
-            </a:r>
-            <a:r>
-              <a:rPr lang="ko-KR" altLang="en-US" dirty="0" smtClean="0">
-                <a:sym typeface="Wingdings" panose="05000000000000000000" pitchFamily="2" charset="2"/>
-              </a:rPr>
-              <a:t>메소드를 사용해 </a:t>
-            </a:r>
-            <a:r>
-              <a:rPr lang="en-US" altLang="ko-KR" dirty="0" err="1" smtClean="0">
-                <a:sym typeface="Wingdings" panose="05000000000000000000" pitchFamily="2" charset="2"/>
-              </a:rPr>
-              <a:t>SurfaceHolder.SURFACE_TYPE_PUSH_BUFFERS</a:t>
-            </a:r>
-            <a:r>
-              <a:rPr lang="en-US" altLang="ko-KR" dirty="0" smtClean="0">
-                <a:sym typeface="Wingdings" panose="05000000000000000000" pitchFamily="2" charset="2"/>
-              </a:rPr>
-              <a:t> </a:t>
-            </a:r>
-            <a:r>
-              <a:rPr lang="ko-KR" altLang="en-US" dirty="0" smtClean="0">
-                <a:sym typeface="Wingdings" panose="05000000000000000000" pitchFamily="2" charset="2"/>
-              </a:rPr>
-              <a:t>로 설정합니다</a:t>
-            </a:r>
-            <a:r>
-              <a:rPr lang="en-US" altLang="ko-KR" dirty="0" smtClean="0">
+              <a:rPr lang="ko-KR" altLang="en-US" sz="1800" dirty="0" smtClean="0">
+                <a:latin typeface="Consolas" panose="020B0609020204030204" pitchFamily="49" charset="0"/>
+                <a:sym typeface="Wingdings" panose="05000000000000000000" pitchFamily="2" charset="2"/>
+              </a:rPr>
+              <a:t>둘째 </a:t>
+            </a:r>
+            <a:r>
+              <a:rPr lang="ko-KR" altLang="en-US" sz="1800" dirty="0" err="1" smtClean="0">
+                <a:latin typeface="Consolas" panose="020B0609020204030204" pitchFamily="49" charset="0"/>
+                <a:sym typeface="Wingdings" panose="05000000000000000000" pitchFamily="2" charset="2"/>
+              </a:rPr>
+              <a:t>파라미터는</a:t>
+            </a:r>
+            <a:r>
+              <a:rPr lang="ko-KR" altLang="en-US" sz="1800" dirty="0" smtClean="0">
+                <a:latin typeface="Consolas" panose="020B0609020204030204" pitchFamily="49" charset="0"/>
+                <a:sym typeface="Wingdings" panose="05000000000000000000" pitchFamily="2" charset="2"/>
+              </a:rPr>
+              <a:t> 메모리에 만들어진 비트맵 객체 그리고 세 번째와 네 번째 </a:t>
+            </a:r>
+            <a:r>
+              <a:rPr lang="ko-KR" altLang="en-US" sz="1800" dirty="0" err="1" smtClean="0">
+                <a:latin typeface="Consolas" panose="020B0609020204030204" pitchFamily="49" charset="0"/>
+                <a:sym typeface="Wingdings" panose="05000000000000000000" pitchFamily="2" charset="2"/>
+              </a:rPr>
+              <a:t>파라미터는</a:t>
+            </a:r>
+            <a:r>
+              <a:rPr lang="ko-KR" altLang="en-US" sz="1800" dirty="0" smtClean="0">
+                <a:latin typeface="Consolas" panose="020B0609020204030204" pitchFamily="49" charset="0"/>
+                <a:sym typeface="Wingdings" panose="05000000000000000000" pitchFamily="2" charset="2"/>
+              </a:rPr>
+              <a:t> 그 비트맵 이미지의 제목과 내용이 들어갑니다</a:t>
+            </a:r>
+            <a:r>
+              <a:rPr lang="en-US" altLang="ko-KR" sz="1800" dirty="0" smtClean="0">
+                <a:latin typeface="Consolas" panose="020B0609020204030204" pitchFamily="49" charset="0"/>
                 <a:sym typeface="Wingdings" panose="05000000000000000000" pitchFamily="2" charset="2"/>
               </a:rPr>
               <a:t>. </a:t>
             </a:r>
-          </a:p>
-          <a:p>
-            <a:r>
-              <a:rPr lang="ko-KR" altLang="en-US" dirty="0" err="1" smtClean="0">
-                <a:sym typeface="Wingdings" panose="05000000000000000000" pitchFamily="2" charset="2"/>
-              </a:rPr>
-              <a:t>생성자</a:t>
-            </a:r>
-            <a:r>
-              <a:rPr lang="ko-KR" altLang="en-US" dirty="0" smtClean="0">
-                <a:sym typeface="Wingdings" panose="05000000000000000000" pitchFamily="2" charset="2"/>
-              </a:rPr>
-              <a:t> 부분에는 이렇게 타입을 하는 것 외에도 </a:t>
-            </a:r>
-            <a:r>
-              <a:rPr lang="ko-KR" altLang="en-US" dirty="0" err="1" smtClean="0">
-                <a:sym typeface="Wingdings" panose="05000000000000000000" pitchFamily="2" charset="2"/>
-              </a:rPr>
-              <a:t>서피스뷰를</a:t>
-            </a:r>
-            <a:r>
-              <a:rPr lang="ko-KR" altLang="en-US" dirty="0" smtClean="0">
-                <a:sym typeface="Wingdings" panose="05000000000000000000" pitchFamily="2" charset="2"/>
-              </a:rPr>
-              <a:t> 사용하기 위해 필요한 가장 기본적인 과정 즉</a:t>
-            </a:r>
-            <a:r>
-              <a:rPr lang="en-US" altLang="ko-KR" dirty="0" smtClean="0">
-                <a:sym typeface="Wingdings" panose="05000000000000000000" pitchFamily="2" charset="2"/>
-              </a:rPr>
-              <a:t>, </a:t>
-            </a:r>
-            <a:r>
-              <a:rPr lang="ko-KR" altLang="en-US" dirty="0" err="1" smtClean="0">
-                <a:sym typeface="Wingdings" panose="05000000000000000000" pitchFamily="2" charset="2"/>
-              </a:rPr>
-              <a:t>서피스홀더</a:t>
-            </a:r>
-            <a:r>
-              <a:rPr lang="ko-KR" altLang="en-US" dirty="0" smtClean="0">
-                <a:sym typeface="Wingdings" panose="05000000000000000000" pitchFamily="2" charset="2"/>
-              </a:rPr>
-              <a:t> 객체를 </a:t>
-            </a:r>
-            <a:r>
-              <a:rPr lang="en-US" altLang="ko-KR" dirty="0" err="1" smtClean="0">
-                <a:sym typeface="Wingdings" panose="05000000000000000000" pitchFamily="2" charset="2"/>
-              </a:rPr>
-              <a:t>getHolder</a:t>
-            </a:r>
-            <a:r>
-              <a:rPr lang="en-US" altLang="ko-KR" dirty="0" smtClean="0">
-                <a:sym typeface="Wingdings" panose="05000000000000000000" pitchFamily="2" charset="2"/>
-              </a:rPr>
-              <a:t>() </a:t>
-            </a:r>
-            <a:r>
-              <a:rPr lang="ko-KR" altLang="en-US" dirty="0" smtClean="0">
-                <a:sym typeface="Wingdings" panose="05000000000000000000" pitchFamily="2" charset="2"/>
-              </a:rPr>
-              <a:t>메소드를 이용해 참조하는 코드와 서피스홀더의 </a:t>
-            </a:r>
-            <a:r>
-              <a:rPr lang="en-US" altLang="ko-KR" dirty="0" err="1" smtClean="0">
-                <a:sym typeface="Wingdings" panose="05000000000000000000" pitchFamily="2" charset="2"/>
-              </a:rPr>
-              <a:t>addCallback</a:t>
-            </a:r>
-            <a:r>
-              <a:rPr lang="en-US" altLang="ko-KR" dirty="0" smtClean="0">
-                <a:sym typeface="Wingdings" panose="05000000000000000000" pitchFamily="2" charset="2"/>
-              </a:rPr>
-              <a:t>() </a:t>
-            </a:r>
-            <a:r>
-              <a:rPr lang="ko-KR" altLang="en-US" dirty="0" smtClean="0">
-                <a:sym typeface="Wingdings" panose="05000000000000000000" pitchFamily="2" charset="2"/>
-              </a:rPr>
-              <a:t>메소드를 이용해 이 클래스에서 구현된 </a:t>
-            </a:r>
-            <a:r>
-              <a:rPr lang="en-US" altLang="ko-KR" dirty="0" smtClean="0">
-                <a:sym typeface="Wingdings" panose="05000000000000000000" pitchFamily="2" charset="2"/>
-              </a:rPr>
-              <a:t>Callback </a:t>
-            </a:r>
-            <a:r>
-              <a:rPr lang="ko-KR" altLang="en-US" dirty="0" smtClean="0">
-                <a:sym typeface="Wingdings" panose="05000000000000000000" pitchFamily="2" charset="2"/>
-              </a:rPr>
-              <a:t>객체를 지정하는 코드들이 들어갑니다</a:t>
-            </a:r>
-            <a:r>
-              <a:rPr lang="en-US" altLang="ko-KR" dirty="0" smtClean="0">
-                <a:sym typeface="Wingdings" panose="05000000000000000000" pitchFamily="2" charset="2"/>
-              </a:rPr>
-              <a:t>. </a:t>
-            </a:r>
-          </a:p>
-          <a:p>
-            <a:r>
-              <a:rPr lang="ko-KR" altLang="en-US" dirty="0" err="1" smtClean="0">
-                <a:sym typeface="Wingdings" panose="05000000000000000000" pitchFamily="2" charset="2"/>
-              </a:rPr>
-              <a:t>서피스뷰가</a:t>
-            </a:r>
-            <a:r>
-              <a:rPr lang="ko-KR" altLang="en-US" dirty="0" smtClean="0">
-                <a:sym typeface="Wingdings" panose="05000000000000000000" pitchFamily="2" charset="2"/>
-              </a:rPr>
-              <a:t> 만들어지면서 호출되는 </a:t>
-            </a:r>
-            <a:r>
-              <a:rPr lang="en-US" altLang="ko-KR" dirty="0" err="1" smtClean="0">
-                <a:sym typeface="Wingdings" panose="05000000000000000000" pitchFamily="2" charset="2"/>
-              </a:rPr>
-              <a:t>surfaceCreated</a:t>
-            </a:r>
-            <a:r>
-              <a:rPr lang="en-US" altLang="ko-KR" dirty="0" smtClean="0">
-                <a:sym typeface="Wingdings" panose="05000000000000000000" pitchFamily="2" charset="2"/>
-              </a:rPr>
-              <a:t>() </a:t>
-            </a:r>
-            <a:r>
-              <a:rPr lang="ko-KR" altLang="en-US" dirty="0" err="1" smtClean="0">
-                <a:sym typeface="Wingdings" panose="05000000000000000000" pitchFamily="2" charset="2"/>
-              </a:rPr>
-              <a:t>메소드</a:t>
-            </a:r>
-            <a:r>
-              <a:rPr lang="ko-KR" altLang="en-US" dirty="0" smtClean="0">
-                <a:sym typeface="Wingdings" panose="05000000000000000000" pitchFamily="2" charset="2"/>
-              </a:rPr>
-              <a:t> 안에서는 </a:t>
-            </a:r>
-            <a:r>
-              <a:rPr lang="en-US" altLang="ko-KR" dirty="0" err="1" smtClean="0">
-                <a:sym typeface="Wingdings" panose="05000000000000000000" pitchFamily="2" charset="2"/>
-              </a:rPr>
-              <a:t>Camera.open</a:t>
-            </a:r>
-            <a:r>
-              <a:rPr lang="en-US" altLang="ko-KR" dirty="0" smtClean="0">
-                <a:sym typeface="Wingdings" panose="05000000000000000000" pitchFamily="2" charset="2"/>
-              </a:rPr>
-              <a:t>() </a:t>
-            </a:r>
-            <a:r>
-              <a:rPr lang="ko-KR" altLang="en-US" dirty="0" smtClean="0">
-                <a:sym typeface="Wingdings" panose="05000000000000000000" pitchFamily="2" charset="2"/>
-              </a:rPr>
-              <a:t>메소드를 이용해 카메라를 오픈하고 이를 통해 </a:t>
-            </a:r>
-            <a:r>
-              <a:rPr lang="ko-KR" altLang="en-US" dirty="0" err="1" smtClean="0">
-                <a:sym typeface="Wingdings" panose="05000000000000000000" pitchFamily="2" charset="2"/>
-              </a:rPr>
-              <a:t>차몾한</a:t>
-            </a:r>
-            <a:r>
-              <a:rPr lang="ko-KR" altLang="en-US" dirty="0" smtClean="0">
-                <a:sym typeface="Wingdings" panose="05000000000000000000" pitchFamily="2" charset="2"/>
-              </a:rPr>
-              <a:t> 카메라 객체 </a:t>
-            </a:r>
-            <a:r>
-              <a:rPr lang="ko-KR" altLang="en-US" dirty="0" err="1" smtClean="0">
-                <a:sym typeface="Wingdings" panose="05000000000000000000" pitchFamily="2" charset="2"/>
-              </a:rPr>
-              <a:t>서피스홀더</a:t>
-            </a:r>
-            <a:r>
-              <a:rPr lang="ko-KR" altLang="en-US" dirty="0" smtClean="0">
-                <a:sym typeface="Wingdings" panose="05000000000000000000" pitchFamily="2" charset="2"/>
-              </a:rPr>
-              <a:t> 객체를 지정해야 합니다</a:t>
-            </a:r>
-            <a:r>
-              <a:rPr lang="en-US" altLang="ko-KR" dirty="0" smtClean="0">
-                <a:sym typeface="Wingdings" panose="05000000000000000000" pitchFamily="2" charset="2"/>
-              </a:rPr>
-              <a:t>. </a:t>
-            </a:r>
-            <a:r>
-              <a:rPr lang="ko-KR" altLang="en-US" dirty="0" smtClean="0">
-                <a:sym typeface="Wingdings" panose="05000000000000000000" pitchFamily="2" charset="2"/>
-              </a:rPr>
-              <a:t>이를 위해 </a:t>
-            </a:r>
-            <a:r>
-              <a:rPr lang="en-US" altLang="ko-KR" dirty="0" err="1" smtClean="0">
-                <a:sym typeface="Wingdings" panose="05000000000000000000" pitchFamily="2" charset="2"/>
-              </a:rPr>
-              <a:t>setPreviewDisplay</a:t>
-            </a:r>
-            <a:r>
-              <a:rPr lang="en-US" altLang="ko-KR" dirty="0" smtClean="0">
-                <a:sym typeface="Wingdings" panose="05000000000000000000" pitchFamily="2" charset="2"/>
-              </a:rPr>
-              <a:t>() </a:t>
-            </a:r>
-            <a:r>
-              <a:rPr lang="ko-KR" altLang="en-US" dirty="0" smtClean="0">
-                <a:sym typeface="Wingdings" panose="05000000000000000000" pitchFamily="2" charset="2"/>
-              </a:rPr>
-              <a:t>메소드를 사용합니다</a:t>
-            </a:r>
-            <a:r>
-              <a:rPr lang="en-US" altLang="ko-KR" dirty="0" smtClean="0">
-                <a:sym typeface="Wingdings" panose="05000000000000000000" pitchFamily="2" charset="2"/>
-              </a:rPr>
-              <a:t>. </a:t>
-            </a:r>
-          </a:p>
-          <a:p>
-            <a:r>
-              <a:rPr lang="ko-KR" altLang="en-US" dirty="0" err="1" smtClean="0">
-                <a:sym typeface="Wingdings" panose="05000000000000000000" pitchFamily="2" charset="2"/>
-              </a:rPr>
-              <a:t>서피스뷰의</a:t>
-            </a:r>
-            <a:r>
-              <a:rPr lang="ko-KR" altLang="en-US" dirty="0" smtClean="0">
-                <a:sym typeface="Wingdings" panose="05000000000000000000" pitchFamily="2" charset="2"/>
-              </a:rPr>
-              <a:t> 크기가 변경되거나 할 때 호출되는 </a:t>
-            </a:r>
-            <a:r>
-              <a:rPr lang="en-US" altLang="ko-KR" dirty="0" err="1" smtClean="0">
-                <a:sym typeface="Wingdings" panose="05000000000000000000" pitchFamily="2" charset="2"/>
-              </a:rPr>
-              <a:t>surfaceChanged</a:t>
-            </a:r>
-            <a:r>
-              <a:rPr lang="en-US" altLang="ko-KR" dirty="0" smtClean="0">
-                <a:sym typeface="Wingdings" panose="05000000000000000000" pitchFamily="2" charset="2"/>
-              </a:rPr>
-              <a:t>() </a:t>
-            </a:r>
-            <a:r>
-              <a:rPr lang="ko-KR" altLang="en-US" dirty="0" err="1" smtClean="0">
-                <a:sym typeface="Wingdings" panose="05000000000000000000" pitchFamily="2" charset="2"/>
-              </a:rPr>
-              <a:t>메소드</a:t>
-            </a:r>
-            <a:r>
-              <a:rPr lang="ko-KR" altLang="en-US" dirty="0" smtClean="0">
-                <a:sym typeface="Wingdings" panose="05000000000000000000" pitchFamily="2" charset="2"/>
-              </a:rPr>
-              <a:t> 안에서는 </a:t>
-            </a:r>
-            <a:r>
-              <a:rPr lang="en-US" altLang="ko-KR" dirty="0" err="1" smtClean="0">
-                <a:sym typeface="Wingdings" panose="05000000000000000000" pitchFamily="2" charset="2"/>
-              </a:rPr>
-              <a:t>startPreview</a:t>
-            </a:r>
-            <a:r>
-              <a:rPr lang="en-US" altLang="ko-KR" dirty="0" smtClean="0">
-                <a:sym typeface="Wingdings" panose="05000000000000000000" pitchFamily="2" charset="2"/>
-              </a:rPr>
-              <a:t>() </a:t>
-            </a:r>
-            <a:r>
-              <a:rPr lang="ko-KR" altLang="en-US" dirty="0" smtClean="0">
-                <a:sym typeface="Wingdings" panose="05000000000000000000" pitchFamily="2" charset="2"/>
-              </a:rPr>
-              <a:t>메소드를 이용해 </a:t>
-            </a:r>
-            <a:r>
-              <a:rPr lang="ko-KR" altLang="en-US" dirty="0" err="1" smtClean="0">
-                <a:sym typeface="Wingdings" panose="05000000000000000000" pitchFamily="2" charset="2"/>
-              </a:rPr>
-              <a:t>미리보기를</a:t>
-            </a:r>
-            <a:r>
-              <a:rPr lang="ko-KR" altLang="en-US" dirty="0" smtClean="0">
-                <a:sym typeface="Wingdings" panose="05000000000000000000" pitchFamily="2" charset="2"/>
-              </a:rPr>
-              <a:t> 시작하도록 합니다</a:t>
-            </a:r>
-            <a:r>
-              <a:rPr lang="en-US" altLang="ko-KR" dirty="0" smtClean="0">
-                <a:sym typeface="Wingdings" panose="05000000000000000000" pitchFamily="2" charset="2"/>
-              </a:rPr>
-              <a:t>. </a:t>
-            </a:r>
-          </a:p>
-          <a:p>
-            <a:r>
-              <a:rPr lang="ko-KR" altLang="en-US" dirty="0" smtClean="0">
-                <a:sym typeface="Wingdings" panose="05000000000000000000" pitchFamily="2" charset="2"/>
-              </a:rPr>
-              <a:t>만약 카메라의 </a:t>
-            </a:r>
-            <a:r>
-              <a:rPr lang="ko-KR" altLang="en-US" dirty="0" err="1" smtClean="0">
-                <a:sym typeface="Wingdings" panose="05000000000000000000" pitchFamily="2" charset="2"/>
-              </a:rPr>
-              <a:t>파라미터</a:t>
-            </a:r>
-            <a:r>
-              <a:rPr lang="ko-KR" altLang="en-US" dirty="0" smtClean="0">
-                <a:sym typeface="Wingdings" panose="05000000000000000000" pitchFamily="2" charset="2"/>
-              </a:rPr>
-              <a:t> 설정이 필요하다면 </a:t>
-            </a:r>
-            <a:r>
-              <a:rPr lang="en-US" altLang="ko-KR" dirty="0" err="1" smtClean="0">
-                <a:sym typeface="Wingdings" panose="05000000000000000000" pitchFamily="2" charset="2"/>
-              </a:rPr>
-              <a:t>setParameters</a:t>
-            </a:r>
-            <a:r>
-              <a:rPr lang="en-US" altLang="ko-KR" dirty="0" smtClean="0">
-                <a:sym typeface="Wingdings" panose="05000000000000000000" pitchFamily="2" charset="2"/>
-              </a:rPr>
-              <a:t>() </a:t>
-            </a:r>
-            <a:r>
-              <a:rPr lang="ko-KR" altLang="en-US" dirty="0" smtClean="0">
-                <a:sym typeface="Wingdings" panose="05000000000000000000" pitchFamily="2" charset="2"/>
-              </a:rPr>
-              <a:t>메소드를 이용해 설정할 수 있습니다</a:t>
-            </a:r>
-            <a:r>
-              <a:rPr lang="en-US" altLang="ko-KR" dirty="0" smtClean="0">
-                <a:sym typeface="Wingdings" panose="05000000000000000000" pitchFamily="2" charset="2"/>
-              </a:rPr>
-              <a:t>. </a:t>
-            </a:r>
+            <a:endParaRPr lang="ko-KR" altLang="en-US" dirty="0"/>
+          </a:p>
+          <a:p>
+            <a:endParaRPr lang="en-US" altLang="ko-KR" dirty="0">
+              <a:sym typeface="Wingdings" panose="05000000000000000000" pitchFamily="2" charset="2"/>
+            </a:endParaRPr>
+          </a:p>
+          <a:p>
+            <a:endParaRPr lang="en-US" altLang="ko-KR" dirty="0" smtClean="0">
+              <a:sym typeface="Wingdings" panose="05000000000000000000" pitchFamily="2" charset="2"/>
+            </a:endParaRPr>
           </a:p>
           <a:p>
             <a:endParaRPr lang="en-US" altLang="ko-KR" dirty="0">
@@ -17893,7 +17673,7 @@
     </p:spTree>
     <p:extLst>
       <p:ext uri="{BB962C8B-B14F-4D97-AF65-F5344CB8AC3E}">
-        <p14:creationId xmlns:p14="http://schemas.microsoft.com/office/powerpoint/2010/main" val="711424053"/>
+        <p14:creationId xmlns:p14="http://schemas.microsoft.com/office/powerpoint/2010/main" val="597224024"/>
       </p:ext>
     </p:extLst>
   </p:cSld>
@@ -18071,28 +17851,222 @@
           </a:p>
           <a:p>
             <a:r>
-              <a:rPr lang="ko-KR" altLang="en-US" dirty="0" smtClean="0">
-                <a:sym typeface="Wingdings" panose="05000000000000000000" pitchFamily="2" charset="2"/>
-              </a:rPr>
-              <a:t>여기에서는 </a:t>
-            </a:r>
-            <a:r>
               <a:rPr lang="ko-KR" altLang="en-US" dirty="0" err="1" smtClean="0">
                 <a:sym typeface="Wingdings" panose="05000000000000000000" pitchFamily="2" charset="2"/>
               </a:rPr>
-              <a:t>미리보기</a:t>
-            </a:r>
-            <a:r>
-              <a:rPr lang="ko-KR" altLang="en-US" dirty="0" smtClean="0">
-                <a:sym typeface="Wingdings" panose="05000000000000000000" pitchFamily="2" charset="2"/>
-              </a:rPr>
-              <a:t> 영역의 폭과 높이를 설정하도록 하였으므로 </a:t>
+              <a:t>서피스뷰를</a:t>
+            </a:r>
+            <a:r>
+              <a:rPr lang="ko-KR" altLang="en-US" dirty="0" smtClean="0">
+                <a:sym typeface="Wingdings" panose="05000000000000000000" pitchFamily="2" charset="2"/>
+              </a:rPr>
+              <a:t> 확장하여 정의한 </a:t>
             </a:r>
             <a:r>
               <a:rPr lang="en-US" altLang="ko-KR" dirty="0" err="1" smtClean="0">
                 <a:sym typeface="Wingdings" panose="05000000000000000000" pitchFamily="2" charset="2"/>
               </a:rPr>
-              <a:t>setPreviewSize</a:t>
+              <a:t>CameraSufraceView</a:t>
+            </a:r>
+            <a:r>
+              <a:rPr lang="ko-KR" altLang="en-US" dirty="0" smtClean="0">
+                <a:sym typeface="Wingdings" panose="05000000000000000000" pitchFamily="2" charset="2"/>
+              </a:rPr>
+              <a:t> 클래스는 </a:t>
+            </a:r>
+            <a:r>
+              <a:rPr lang="en-US" altLang="ko-KR" dirty="0" smtClean="0">
+                <a:solidFill>
+                  <a:srgbClr val="C00000"/>
+                </a:solidFill>
+                <a:sym typeface="Wingdings" panose="05000000000000000000" pitchFamily="2" charset="2"/>
+              </a:rPr>
+              <a:t>MainActivity </a:t>
+            </a:r>
+            <a:r>
+              <a:rPr lang="ko-KR" altLang="en-US" dirty="0" err="1" smtClean="0">
+                <a:solidFill>
+                  <a:srgbClr val="C00000"/>
+                </a:solidFill>
+                <a:sym typeface="Wingdings" panose="05000000000000000000" pitchFamily="2" charset="2"/>
+              </a:rPr>
+              <a:t>클래의</a:t>
+            </a:r>
+            <a:r>
+              <a:rPr lang="ko-KR" altLang="en-US" dirty="0" smtClean="0">
+                <a:solidFill>
+                  <a:srgbClr val="C00000"/>
+                </a:solidFill>
+                <a:sym typeface="Wingdings" panose="05000000000000000000" pitchFamily="2" charset="2"/>
+              </a:rPr>
+              <a:t> </a:t>
+            </a:r>
+            <a:r>
+              <a:rPr lang="ko-KR" altLang="en-US" b="1" dirty="0" smtClean="0">
+                <a:solidFill>
+                  <a:srgbClr val="C00000"/>
+                </a:solidFill>
+                <a:sym typeface="Wingdings" panose="05000000000000000000" pitchFamily="2" charset="2"/>
+              </a:rPr>
+              <a:t>내부 클래스</a:t>
+            </a:r>
+            <a:r>
+              <a:rPr lang="ko-KR" altLang="en-US" dirty="0" smtClean="0">
+                <a:solidFill>
+                  <a:srgbClr val="C00000"/>
+                </a:solidFill>
+                <a:sym typeface="Wingdings" panose="05000000000000000000" pitchFamily="2" charset="2"/>
+              </a:rPr>
+              <a:t>로 정의합니다</a:t>
+            </a:r>
+            <a:r>
+              <a:rPr lang="en-US" altLang="ko-KR" dirty="0" smtClean="0">
+                <a:sym typeface="Wingdings" panose="05000000000000000000" pitchFamily="2" charset="2"/>
+              </a:rPr>
+              <a:t>. </a:t>
+            </a:r>
+          </a:p>
+          <a:p>
+            <a:r>
+              <a:rPr lang="ko-KR" altLang="en-US" dirty="0" smtClean="0">
+                <a:sym typeface="Wingdings" panose="05000000000000000000" pitchFamily="2" charset="2"/>
+              </a:rPr>
+              <a:t>또한 이 클래스는</a:t>
+            </a:r>
+            <a:r>
+              <a:rPr lang="en-US" altLang="ko-KR" dirty="0" smtClean="0">
+                <a:sym typeface="Wingdings" panose="05000000000000000000" pitchFamily="2" charset="2"/>
+              </a:rPr>
+              <a:t>, </a:t>
+            </a:r>
+            <a:r>
+              <a:rPr lang="en-US" altLang="ko-KR" b="1" dirty="0" err="1" smtClean="0">
+                <a:sym typeface="Wingdings" panose="05000000000000000000" pitchFamily="2" charset="2"/>
+              </a:rPr>
+              <a:t>SurfaceHolde</a:t>
+            </a:r>
+            <a:r>
+              <a:rPr lang="en-US" altLang="ko-KR" dirty="0" err="1" smtClean="0">
+                <a:sym typeface="Wingdings" panose="05000000000000000000" pitchFamily="2" charset="2"/>
+              </a:rPr>
+              <a:t>r</a:t>
+            </a:r>
+            <a:r>
+              <a:rPr lang="en-US" altLang="ko-KR" dirty="0" smtClean="0">
+                <a:sym typeface="Wingdings" panose="05000000000000000000" pitchFamily="2" charset="2"/>
+              </a:rPr>
+              <a:t> </a:t>
+            </a:r>
+            <a:r>
+              <a:rPr lang="ko-KR" altLang="en-US" dirty="0" smtClean="0">
+                <a:sym typeface="Wingdings" panose="05000000000000000000" pitchFamily="2" charset="2"/>
+              </a:rPr>
+              <a:t>에 정의된 </a:t>
+            </a:r>
+            <a:r>
+              <a:rPr lang="en-US" altLang="ko-KR" dirty="0" smtClean="0">
+                <a:sym typeface="Wingdings" panose="05000000000000000000" pitchFamily="2" charset="2"/>
+              </a:rPr>
+              <a:t>Callback </a:t>
+            </a:r>
+            <a:r>
+              <a:rPr lang="ko-KR" altLang="en-US" dirty="0" smtClean="0">
+                <a:sym typeface="Wingdings" panose="05000000000000000000" pitchFamily="2" charset="2"/>
+              </a:rPr>
+              <a:t>인터페이스를 구현하고 있으므로 </a:t>
+            </a:r>
+            <a:r>
+              <a:rPr lang="ko-KR" altLang="en-US" dirty="0" err="1" smtClean="0">
+                <a:sym typeface="Wingdings" panose="05000000000000000000" pitchFamily="2" charset="2"/>
+              </a:rPr>
+              <a:t>서피스뷰의</a:t>
+            </a:r>
+            <a:r>
+              <a:rPr lang="ko-KR" altLang="en-US" dirty="0" smtClean="0">
+                <a:sym typeface="Wingdings" panose="05000000000000000000" pitchFamily="2" charset="2"/>
+              </a:rPr>
+              <a:t> 상태가 변경될 때 자동 호출되는 아래의 세가지 메소드를 구현합니다</a:t>
+            </a:r>
+            <a:r>
+              <a:rPr lang="en-US" altLang="ko-KR" dirty="0" smtClean="0">
+                <a:sym typeface="Wingdings" panose="05000000000000000000" pitchFamily="2" charset="2"/>
+              </a:rPr>
+              <a:t>.   </a:t>
+            </a:r>
+          </a:p>
+          <a:p>
+            <a:pPr lvl="1"/>
+            <a:r>
+              <a:rPr lang="en-US" altLang="ko-KR" b="1" dirty="0" err="1" smtClean="0">
+                <a:latin typeface="Consolas" panose="020B0609020204030204" pitchFamily="49" charset="0"/>
+                <a:sym typeface="Wingdings" panose="05000000000000000000" pitchFamily="2" charset="2"/>
+              </a:rPr>
+              <a:t>sufraceCreated</a:t>
+            </a:r>
+            <a:r>
+              <a:rPr lang="en-US" altLang="ko-KR" b="1" dirty="0" smtClean="0">
+                <a:latin typeface="Consolas" panose="020B0609020204030204" pitchFamily="49" charset="0"/>
+                <a:sym typeface="Wingdings" panose="05000000000000000000" pitchFamily="2" charset="2"/>
+              </a:rPr>
+              <a:t>(), </a:t>
+            </a:r>
+            <a:r>
+              <a:rPr lang="en-US" altLang="ko-KR" b="1" dirty="0" err="1" smtClean="0">
+                <a:latin typeface="Consolas" panose="020B0609020204030204" pitchFamily="49" charset="0"/>
+                <a:sym typeface="Wingdings" panose="05000000000000000000" pitchFamily="2" charset="2"/>
+              </a:rPr>
+              <a:t>surfaceChange</a:t>
+            </a:r>
+            <a:r>
+              <a:rPr lang="en-US" altLang="ko-KR" b="1" dirty="0" smtClean="0">
+                <a:latin typeface="Consolas" panose="020B0609020204030204" pitchFamily="49" charset="0"/>
+                <a:sym typeface="Wingdings" panose="05000000000000000000" pitchFamily="2" charset="2"/>
+              </a:rPr>
+              <a:t>(), </a:t>
+            </a:r>
+            <a:r>
+              <a:rPr lang="en-US" altLang="ko-KR" b="1" dirty="0" err="1" smtClean="0">
+                <a:latin typeface="Consolas" panose="020B0609020204030204" pitchFamily="49" charset="0"/>
+                <a:sym typeface="Wingdings" panose="05000000000000000000" pitchFamily="2" charset="2"/>
+              </a:rPr>
+              <a:t>surfaceDestroyed</a:t>
+            </a:r>
+            <a:r>
+              <a:rPr lang="en-US" altLang="ko-KR" b="1" dirty="0" smtClean="0">
+                <a:latin typeface="Consolas" panose="020B0609020204030204" pitchFamily="49" charset="0"/>
+                <a:sym typeface="Wingdings" panose="05000000000000000000" pitchFamily="2" charset="2"/>
+              </a:rPr>
+              <a:t>()</a:t>
+            </a:r>
+            <a:endParaRPr lang="en-US" altLang="ko-KR" b="1" dirty="0">
+              <a:latin typeface="Consolas" panose="020B0609020204030204" pitchFamily="49" charset="0"/>
+              <a:sym typeface="Wingdings" panose="05000000000000000000" pitchFamily="2" charset="2"/>
+            </a:endParaRPr>
+          </a:p>
+          <a:p>
+            <a:r>
+              <a:rPr lang="ko-KR" altLang="en-US" dirty="0" smtClean="0">
+                <a:sym typeface="Wingdings" panose="05000000000000000000" pitchFamily="2" charset="2"/>
+              </a:rPr>
+              <a:t>앞에 설명한 대로</a:t>
+            </a:r>
+            <a:r>
+              <a:rPr lang="en-US" altLang="ko-KR" dirty="0" smtClean="0">
+                <a:sym typeface="Wingdings" panose="05000000000000000000" pitchFamily="2" charset="2"/>
+              </a:rPr>
+              <a:t>, </a:t>
+            </a:r>
+            <a:r>
+              <a:rPr lang="ko-KR" altLang="en-US" dirty="0" smtClean="0">
+                <a:sym typeface="Wingdings" panose="05000000000000000000" pitchFamily="2" charset="2"/>
+              </a:rPr>
+              <a:t>서피스홀더의 타입은 </a:t>
+            </a:r>
+            <a:r>
+              <a:rPr lang="en-US" altLang="ko-KR" dirty="0" err="1" smtClean="0">
+                <a:sym typeface="Wingdings" panose="05000000000000000000" pitchFamily="2" charset="2"/>
+              </a:rPr>
+              <a:t>setType</a:t>
             </a:r>
             <a:r>
               <a:rPr lang="en-US" altLang="ko-KR" dirty="0" smtClean="0">
@@ -18101,42 +18075,268 @@
               <a:t>() </a:t>
             </a:r>
             <a:r>
+              <a:rPr lang="ko-KR" altLang="en-US" dirty="0" smtClean="0">
+                <a:sym typeface="Wingdings" panose="05000000000000000000" pitchFamily="2" charset="2"/>
+              </a:rPr>
+              <a:t>메소드를 사용해 </a:t>
+            </a:r>
+            <a:r>
+              <a:rPr lang="en-US" altLang="ko-KR" dirty="0" err="1" smtClean="0">
+                <a:sym typeface="Wingdings" panose="05000000000000000000" pitchFamily="2" charset="2"/>
+              </a:rPr>
+              <a:t>SurfaceHolder.SURFACE_TYPE_PUSH_BUFFERS</a:t>
+            </a:r>
+            <a:r>
+              <a:rPr lang="en-US" altLang="ko-KR" dirty="0" smtClean="0">
+                <a:sym typeface="Wingdings" panose="05000000000000000000" pitchFamily="2" charset="2"/>
+              </a:rPr>
+              <a:t> </a:t>
+            </a:r>
+            <a:r>
+              <a:rPr lang="ko-KR" altLang="en-US" dirty="0" smtClean="0">
+                <a:sym typeface="Wingdings" panose="05000000000000000000" pitchFamily="2" charset="2"/>
+              </a:rPr>
+              <a:t>로 설정합니다</a:t>
+            </a:r>
+            <a:r>
+              <a:rPr lang="en-US" altLang="ko-KR" dirty="0" smtClean="0">
+                <a:sym typeface="Wingdings" panose="05000000000000000000" pitchFamily="2" charset="2"/>
+              </a:rPr>
+              <a:t>. </a:t>
+            </a:r>
+          </a:p>
+          <a:p>
+            <a:r>
               <a:rPr lang="ko-KR" altLang="en-US" dirty="0" err="1" smtClean="0">
                 <a:sym typeface="Wingdings" panose="05000000000000000000" pitchFamily="2" charset="2"/>
               </a:rPr>
-              <a:t>메소드로</a:t>
-            </a:r>
-            <a:r>
-              <a:rPr lang="ko-KR" altLang="en-US" dirty="0" smtClean="0">
-                <a:sym typeface="Wingdings" panose="05000000000000000000" pitchFamily="2" charset="2"/>
-              </a:rPr>
-              <a:t> 설정합니다</a:t>
-            </a:r>
-            <a:r>
-              <a:rPr lang="en-US" altLang="ko-KR" dirty="0" smtClean="0">
-                <a:sym typeface="Wingdings" panose="05000000000000000000" pitchFamily="2" charset="2"/>
-              </a:rPr>
-              <a:t>.</a:t>
-            </a:r>
-          </a:p>
-          <a:p>
+              <a:t>생성자</a:t>
+            </a:r>
+            <a:r>
+              <a:rPr lang="ko-KR" altLang="en-US" dirty="0" smtClean="0">
+                <a:sym typeface="Wingdings" panose="05000000000000000000" pitchFamily="2" charset="2"/>
+              </a:rPr>
+              <a:t> 부분에는 이렇게 타입을 하는 것 외에도 </a:t>
+            </a:r>
             <a:r>
               <a:rPr lang="ko-KR" altLang="en-US" dirty="0" err="1" smtClean="0">
                 <a:sym typeface="Wingdings" panose="05000000000000000000" pitchFamily="2" charset="2"/>
               </a:rPr>
+              <a:t>서피스뷰를</a:t>
+            </a:r>
+            <a:r>
+              <a:rPr lang="ko-KR" altLang="en-US" dirty="0" smtClean="0">
+                <a:sym typeface="Wingdings" panose="05000000000000000000" pitchFamily="2" charset="2"/>
+              </a:rPr>
+              <a:t> 사용하기 위해 필요한 가장 기본적인 과정 즉</a:t>
+            </a:r>
+            <a:r>
+              <a:rPr lang="en-US" altLang="ko-KR" dirty="0" smtClean="0">
+                <a:sym typeface="Wingdings" panose="05000000000000000000" pitchFamily="2" charset="2"/>
+              </a:rPr>
+              <a:t>, </a:t>
+            </a:r>
+            <a:r>
+              <a:rPr lang="ko-KR" altLang="en-US" dirty="0" err="1" smtClean="0">
+                <a:sym typeface="Wingdings" panose="05000000000000000000" pitchFamily="2" charset="2"/>
+              </a:rPr>
+              <a:t>서피스홀더</a:t>
+            </a:r>
+            <a:r>
+              <a:rPr lang="ko-KR" altLang="en-US" dirty="0" smtClean="0">
+                <a:sym typeface="Wingdings" panose="05000000000000000000" pitchFamily="2" charset="2"/>
+              </a:rPr>
+              <a:t> 객체를 </a:t>
+            </a:r>
+            <a:r>
+              <a:rPr lang="en-US" altLang="ko-KR" dirty="0" err="1" smtClean="0">
+                <a:sym typeface="Wingdings" panose="05000000000000000000" pitchFamily="2" charset="2"/>
+              </a:rPr>
+              <a:t>getHolder</a:t>
+            </a:r>
+            <a:r>
+              <a:rPr lang="en-US" altLang="ko-KR" dirty="0" smtClean="0">
+                <a:sym typeface="Wingdings" panose="05000000000000000000" pitchFamily="2" charset="2"/>
+              </a:rPr>
+              <a:t>() </a:t>
+            </a:r>
+            <a:r>
+              <a:rPr lang="ko-KR" altLang="en-US" dirty="0" smtClean="0">
+                <a:sym typeface="Wingdings" panose="05000000000000000000" pitchFamily="2" charset="2"/>
+              </a:rPr>
+              <a:t>메소드를 이용해 참조하는 코드와 서피스홀더의 </a:t>
+            </a:r>
+            <a:r>
+              <a:rPr lang="en-US" altLang="ko-KR" dirty="0" err="1" smtClean="0">
+                <a:sym typeface="Wingdings" panose="05000000000000000000" pitchFamily="2" charset="2"/>
+              </a:rPr>
+              <a:t>addCallback</a:t>
+            </a:r>
+            <a:r>
+              <a:rPr lang="en-US" altLang="ko-KR" dirty="0" smtClean="0">
+                <a:sym typeface="Wingdings" panose="05000000000000000000" pitchFamily="2" charset="2"/>
+              </a:rPr>
+              <a:t>() </a:t>
+            </a:r>
+            <a:r>
+              <a:rPr lang="ko-KR" altLang="en-US" dirty="0" smtClean="0">
+                <a:sym typeface="Wingdings" panose="05000000000000000000" pitchFamily="2" charset="2"/>
+              </a:rPr>
+              <a:t>메소드를 이용해 이 클래스에서 구현된 </a:t>
+            </a:r>
+            <a:r>
+              <a:rPr lang="en-US" altLang="ko-KR" dirty="0" smtClean="0">
+                <a:sym typeface="Wingdings" panose="05000000000000000000" pitchFamily="2" charset="2"/>
+              </a:rPr>
+              <a:t>Callback </a:t>
+            </a:r>
+            <a:r>
+              <a:rPr lang="ko-KR" altLang="en-US" dirty="0" smtClean="0">
+                <a:sym typeface="Wingdings" panose="05000000000000000000" pitchFamily="2" charset="2"/>
+              </a:rPr>
+              <a:t>객체를 지정하는 코드들이 들어갑니다</a:t>
+            </a:r>
+            <a:r>
+              <a:rPr lang="en-US" altLang="ko-KR" dirty="0" smtClean="0">
+                <a:sym typeface="Wingdings" panose="05000000000000000000" pitchFamily="2" charset="2"/>
+              </a:rPr>
+              <a:t>. </a:t>
+            </a:r>
+          </a:p>
+          <a:p>
+            <a:r>
+              <a:rPr lang="ko-KR" altLang="en-US" dirty="0" err="1" smtClean="0">
+                <a:sym typeface="Wingdings" panose="05000000000000000000" pitchFamily="2" charset="2"/>
+              </a:rPr>
+              <a:t>서피스뷰가</a:t>
+            </a:r>
+            <a:r>
+              <a:rPr lang="ko-KR" altLang="en-US" dirty="0" smtClean="0">
+                <a:sym typeface="Wingdings" panose="05000000000000000000" pitchFamily="2" charset="2"/>
+              </a:rPr>
+              <a:t> 만들어지면서 호출되는 </a:t>
+            </a:r>
+            <a:r>
+              <a:rPr lang="en-US" altLang="ko-KR" dirty="0" err="1" smtClean="0">
+                <a:sym typeface="Wingdings" panose="05000000000000000000" pitchFamily="2" charset="2"/>
+              </a:rPr>
+              <a:t>surfaceCreated</a:t>
+            </a:r>
+            <a:r>
+              <a:rPr lang="en-US" altLang="ko-KR" dirty="0" smtClean="0">
+                <a:sym typeface="Wingdings" panose="05000000000000000000" pitchFamily="2" charset="2"/>
+              </a:rPr>
+              <a:t>() </a:t>
+            </a:r>
+            <a:r>
+              <a:rPr lang="ko-KR" altLang="en-US" dirty="0" err="1" smtClean="0">
+                <a:sym typeface="Wingdings" panose="05000000000000000000" pitchFamily="2" charset="2"/>
+              </a:rPr>
+              <a:t>메소드</a:t>
+            </a:r>
+            <a:r>
+              <a:rPr lang="ko-KR" altLang="en-US" dirty="0" smtClean="0">
+                <a:sym typeface="Wingdings" panose="05000000000000000000" pitchFamily="2" charset="2"/>
+              </a:rPr>
+              <a:t> 안에서는 </a:t>
+            </a:r>
+            <a:r>
+              <a:rPr lang="en-US" altLang="ko-KR" dirty="0" err="1" smtClean="0">
+                <a:sym typeface="Wingdings" panose="05000000000000000000" pitchFamily="2" charset="2"/>
+              </a:rPr>
+              <a:t>Camera.open</a:t>
+            </a:r>
+            <a:r>
+              <a:rPr lang="en-US" altLang="ko-KR" dirty="0" smtClean="0">
+                <a:sym typeface="Wingdings" panose="05000000000000000000" pitchFamily="2" charset="2"/>
+              </a:rPr>
+              <a:t>() </a:t>
+            </a:r>
+            <a:r>
+              <a:rPr lang="ko-KR" altLang="en-US" dirty="0" smtClean="0">
+                <a:sym typeface="Wingdings" panose="05000000000000000000" pitchFamily="2" charset="2"/>
+              </a:rPr>
+              <a:t>메소드를 이용해 카메라를 오픈하고 이를 통해 </a:t>
+            </a:r>
+            <a:r>
+              <a:rPr lang="ko-KR" altLang="en-US" dirty="0" err="1" smtClean="0">
+                <a:sym typeface="Wingdings" panose="05000000000000000000" pitchFamily="2" charset="2"/>
+              </a:rPr>
+              <a:t>차몾한</a:t>
+            </a:r>
+            <a:r>
+              <a:rPr lang="ko-KR" altLang="en-US" dirty="0" smtClean="0">
+                <a:sym typeface="Wingdings" panose="05000000000000000000" pitchFamily="2" charset="2"/>
+              </a:rPr>
+              <a:t> 카메라 객체 </a:t>
+            </a:r>
+            <a:r>
+              <a:rPr lang="ko-KR" altLang="en-US" dirty="0" err="1" smtClean="0">
+                <a:sym typeface="Wingdings" panose="05000000000000000000" pitchFamily="2" charset="2"/>
+              </a:rPr>
+              <a:t>서피스홀더</a:t>
+            </a:r>
+            <a:r>
+              <a:rPr lang="ko-KR" altLang="en-US" dirty="0" smtClean="0">
+                <a:sym typeface="Wingdings" panose="05000000000000000000" pitchFamily="2" charset="2"/>
+              </a:rPr>
+              <a:t> 객체를 지정해야 합니다</a:t>
+            </a:r>
+            <a:r>
+              <a:rPr lang="en-US" altLang="ko-KR" dirty="0" smtClean="0">
+                <a:sym typeface="Wingdings" panose="05000000000000000000" pitchFamily="2" charset="2"/>
+              </a:rPr>
+              <a:t>. </a:t>
+            </a:r>
+            <a:r>
+              <a:rPr lang="ko-KR" altLang="en-US" dirty="0" smtClean="0">
+                <a:sym typeface="Wingdings" panose="05000000000000000000" pitchFamily="2" charset="2"/>
+              </a:rPr>
+              <a:t>이를 위해 </a:t>
+            </a:r>
+            <a:r>
+              <a:rPr lang="en-US" altLang="ko-KR" dirty="0" err="1" smtClean="0">
+                <a:sym typeface="Wingdings" panose="05000000000000000000" pitchFamily="2" charset="2"/>
+              </a:rPr>
+              <a:t>setPreviewDisplay</a:t>
+            </a:r>
+            <a:r>
+              <a:rPr lang="en-US" altLang="ko-KR" dirty="0" smtClean="0">
+                <a:sym typeface="Wingdings" panose="05000000000000000000" pitchFamily="2" charset="2"/>
+              </a:rPr>
+              <a:t>() </a:t>
+            </a:r>
+            <a:r>
+              <a:rPr lang="ko-KR" altLang="en-US" dirty="0" smtClean="0">
+                <a:sym typeface="Wingdings" panose="05000000000000000000" pitchFamily="2" charset="2"/>
+              </a:rPr>
+              <a:t>메소드를 사용합니다</a:t>
+            </a:r>
+            <a:r>
+              <a:rPr lang="en-US" altLang="ko-KR" dirty="0" smtClean="0">
+                <a:sym typeface="Wingdings" panose="05000000000000000000" pitchFamily="2" charset="2"/>
+              </a:rPr>
+              <a:t>. </a:t>
+            </a:r>
+          </a:p>
+          <a:p>
+            <a:r>
+              <a:rPr lang="ko-KR" altLang="en-US" dirty="0" err="1" smtClean="0">
+                <a:sym typeface="Wingdings" panose="05000000000000000000" pitchFamily="2" charset="2"/>
+              </a:rPr>
               <a:t>서피스뷰의</a:t>
             </a:r>
             <a:r>
               <a:rPr lang="ko-KR" altLang="en-US" dirty="0" smtClean="0">
                 <a:sym typeface="Wingdings" panose="05000000000000000000" pitchFamily="2" charset="2"/>
               </a:rPr>
-              <a:t> 리소스를 해제하면서 호출하는 </a:t>
+              <a:t> 크기가 변경되거나 할 때 호출되는 </a:t>
             </a:r>
             <a:r>
               <a:rPr lang="en-US" altLang="ko-KR" dirty="0" err="1" smtClean="0">
                 <a:sym typeface="Wingdings" panose="05000000000000000000" pitchFamily="2" charset="2"/>
               </a:rPr>
-              <a:t>surfaceDestroyed</a:t>
+              <a:t>surfaceChanged</a:t>
             </a:r>
             <a:r>
               <a:rPr lang="en-US" altLang="ko-KR" dirty="0" smtClean="0">
@@ -18154,13 +18354,13 @@
               <a:rPr lang="ko-KR" altLang="en-US" dirty="0" smtClean="0">
                 <a:sym typeface="Wingdings" panose="05000000000000000000" pitchFamily="2" charset="2"/>
               </a:rPr>
-              <a:t> 안에서는 카메라 객체의 </a:t>
+              <a:t> 안에서는 </a:t>
             </a:r>
             <a:r>
               <a:rPr lang="en-US" altLang="ko-KR" dirty="0" err="1" smtClean="0">
                 <a:sym typeface="Wingdings" panose="05000000000000000000" pitchFamily="2" charset="2"/>
               </a:rPr>
-              <a:t>stopPreview</a:t>
+              <a:t>startPreview</a:t>
             </a:r>
             <a:r>
               <a:rPr lang="en-US" altLang="ko-KR" dirty="0" smtClean="0">
@@ -18172,7 +18372,7 @@
               <a:rPr lang="ko-KR" altLang="en-US" dirty="0" smtClean="0">
                 <a:sym typeface="Wingdings" panose="05000000000000000000" pitchFamily="2" charset="2"/>
               </a:rPr>
-              <a:t>메소드를 호출하여 </a:t>
+              <a:t>메소드를 이용해 </a:t>
             </a:r>
             <a:r>
               <a:rPr lang="ko-KR" altLang="en-US" dirty="0" err="1" smtClean="0">
@@ -18184,19 +18384,7 @@
               <a:rPr lang="ko-KR" altLang="en-US" dirty="0" smtClean="0">
                 <a:sym typeface="Wingdings" panose="05000000000000000000" pitchFamily="2" charset="2"/>
               </a:rPr>
-              <a:t> 끝낸 후 변수를 </a:t>
-            </a:r>
-            <a:r>
-              <a:rPr lang="en-US" altLang="ko-KR" dirty="0" smtClean="0">
-                <a:sym typeface="Wingdings" panose="05000000000000000000" pitchFamily="2" charset="2"/>
-              </a:rPr>
-              <a:t>null</a:t>
-            </a:r>
-            <a:r>
-              <a:rPr lang="ko-KR" altLang="en-US" dirty="0" smtClean="0">
-                <a:sym typeface="Wingdings" panose="05000000000000000000" pitchFamily="2" charset="2"/>
-              </a:rPr>
-              <a:t>로 저장합니다</a:t>
+              <a:t> 시작하도록 합니다</a:t>
             </a:r>
             <a:r>
               <a:rPr lang="en-US" altLang="ko-KR" dirty="0" smtClean="0">
@@ -18210,91 +18398,25 @@
               <a:rPr lang="ko-KR" altLang="en-US" dirty="0" smtClean="0">
                 <a:sym typeface="Wingdings" panose="05000000000000000000" pitchFamily="2" charset="2"/>
               </a:rPr>
-              <a:t>메인 액티비티의 버튼을 클릭했을 때 사진을 찍기 위해 호출하는 </a:t>
-            </a:r>
-            <a:r>
-              <a:rPr lang="en-US" altLang="ko-KR" dirty="0" smtClean="0">
-                <a:sym typeface="Wingdings" panose="05000000000000000000" pitchFamily="2" charset="2"/>
-              </a:rPr>
-              <a:t>capture() </a:t>
-            </a:r>
-            <a:r>
-              <a:rPr lang="ko-KR" altLang="en-US" dirty="0" smtClean="0">
-                <a:sym typeface="Wingdings" panose="05000000000000000000" pitchFamily="2" charset="2"/>
-              </a:rPr>
-              <a:t>메소드를 보면</a:t>
-            </a:r>
-            <a:r>
-              <a:rPr lang="en-US" altLang="ko-KR" dirty="0" smtClean="0">
-                <a:sym typeface="Wingdings" panose="05000000000000000000" pitchFamily="2" charset="2"/>
-              </a:rPr>
-              <a:t>, </a:t>
-            </a:r>
-            <a:r>
-              <a:rPr lang="ko-KR" altLang="en-US" dirty="0" smtClean="0">
-                <a:sym typeface="Wingdings" panose="05000000000000000000" pitchFamily="2" charset="2"/>
-              </a:rPr>
-              <a:t>카메라 객체의 </a:t>
-            </a:r>
-            <a:r>
-              <a:rPr lang="en-US" altLang="ko-KR" dirty="0" smtClean="0">
-                <a:sym typeface="Wingdings" panose="05000000000000000000" pitchFamily="2" charset="2"/>
-              </a:rPr>
-              <a:t>takePicture() </a:t>
-            </a:r>
-            <a:r>
-              <a:rPr lang="ko-KR" altLang="en-US" dirty="0" smtClean="0">
-                <a:sym typeface="Wingdings" panose="05000000000000000000" pitchFamily="2" charset="2"/>
-              </a:rPr>
-              <a:t>메소드를 호출하여 사진을 찍고 있으며</a:t>
-            </a:r>
-            <a:r>
-              <a:rPr lang="en-US" altLang="ko-KR" dirty="0" smtClean="0">
-                <a:sym typeface="Wingdings" panose="05000000000000000000" pitchFamily="2" charset="2"/>
-              </a:rPr>
-              <a:t>, </a:t>
-            </a:r>
-            <a:r>
-              <a:rPr lang="ko-KR" altLang="en-US" dirty="0" smtClean="0">
-                <a:sym typeface="Wingdings" panose="05000000000000000000" pitchFamily="2" charset="2"/>
-              </a:rPr>
-              <a:t>이 때 </a:t>
+              <a:t>만약 카메라의 </a:t>
+            </a:r>
+            <a:r>
+              <a:rPr lang="ko-KR" altLang="en-US" dirty="0" err="1" smtClean="0">
+                <a:sym typeface="Wingdings" panose="05000000000000000000" pitchFamily="2" charset="2"/>
+              </a:rPr>
+              <a:t>파라미터</a:t>
+            </a:r>
+            <a:r>
+              <a:rPr lang="ko-KR" altLang="en-US" dirty="0" smtClean="0">
+                <a:sym typeface="Wingdings" panose="05000000000000000000" pitchFamily="2" charset="2"/>
+              </a:rPr>
+              <a:t> 설정이 필요하다면 </a:t>
             </a:r>
             <a:r>
               <a:rPr lang="en-US" altLang="ko-KR" dirty="0" err="1" smtClean="0">
                 <a:sym typeface="Wingdings" panose="05000000000000000000" pitchFamily="2" charset="2"/>
               </a:rPr>
-              <a:t>PictureCallback</a:t>
-            </a:r>
-            <a:r>
-              <a:rPr lang="en-US" altLang="ko-KR" dirty="0" smtClean="0">
-                <a:sym typeface="Wingdings" panose="05000000000000000000" pitchFamily="2" charset="2"/>
-              </a:rPr>
-              <a:t> </a:t>
-            </a:r>
-            <a:r>
-              <a:rPr lang="ko-KR" altLang="en-US" dirty="0" smtClean="0">
-                <a:sym typeface="Wingdings" panose="05000000000000000000" pitchFamily="2" charset="2"/>
-              </a:rPr>
-              <a:t>인터페이스를 구현한 객체를 </a:t>
-            </a:r>
-            <a:r>
-              <a:rPr lang="ko-KR" altLang="en-US" dirty="0" err="1" smtClean="0">
-                <a:sym typeface="Wingdings" panose="05000000000000000000" pitchFamily="2" charset="2"/>
-              </a:rPr>
-              <a:t>파라미터로</a:t>
-            </a:r>
-            <a:r>
-              <a:rPr lang="ko-KR" altLang="en-US" dirty="0" smtClean="0">
-                <a:sym typeface="Wingdings" panose="05000000000000000000" pitchFamily="2" charset="2"/>
-              </a:rPr>
-              <a:t> 전달함으로써 사진을 찍었을 때 이 객체의 </a:t>
-            </a:r>
-            <a:r>
-              <a:rPr lang="en-US" altLang="ko-KR" dirty="0" err="1" smtClean="0">
-                <a:sym typeface="Wingdings" panose="05000000000000000000" pitchFamily="2" charset="2"/>
-              </a:rPr>
-              <a:t>onPictureTaken</a:t>
+              <a:t>setParameters</a:t>
             </a:r>
             <a:r>
               <a:rPr lang="en-US" altLang="ko-KR" dirty="0" smtClean="0">
@@ -18303,16 +18425,10 @@
               <a:t>() </a:t>
             </a:r>
             <a:r>
-              <a:rPr lang="ko-KR" altLang="en-US" dirty="0" err="1" smtClean="0">
-                <a:sym typeface="Wingdings" panose="05000000000000000000" pitchFamily="2" charset="2"/>
-              </a:rPr>
-              <a:t>매소드가</a:t>
-            </a:r>
-            <a:r>
-              <a:rPr lang="ko-KR" altLang="en-US" dirty="0" smtClean="0">
-                <a:sym typeface="Wingdings" panose="05000000000000000000" pitchFamily="2" charset="2"/>
-              </a:rPr>
-              <a:t> 자동 호출되도록 합니다</a:t>
+              <a:rPr lang="ko-KR" altLang="en-US" dirty="0" smtClean="0">
+                <a:sym typeface="Wingdings" panose="05000000000000000000" pitchFamily="2" charset="2"/>
+              </a:rPr>
+              <a:t>메소드를 이용해 설정할 수 있습니다</a:t>
             </a:r>
             <a:r>
               <a:rPr lang="en-US" altLang="ko-KR" dirty="0" smtClean="0">
@@ -18365,7 +18481,7 @@
     </p:spTree>
     <p:extLst>
       <p:ext uri="{BB962C8B-B14F-4D97-AF65-F5344CB8AC3E}">
-        <p14:creationId xmlns:p14="http://schemas.microsoft.com/office/powerpoint/2010/main" val="583344657"/>
+        <p14:creationId xmlns:p14="http://schemas.microsoft.com/office/powerpoint/2010/main" val="711424053"/>
       </p:ext>
     </p:extLst>
   </p:cSld>
@@ -18404,9 +18520,7 @@
         </p:nvSpPr>
         <p:spPr/>
         <p:txBody>
-          <a:bodyPr>
-            <a:normAutofit/>
-          </a:bodyPr>
+          <a:bodyPr/>
           <a:lstStyle/>
           <a:p>
             <a:r>
@@ -18463,26 +18577,7 @@
                 <a:latin typeface="나눔고딕" panose="020D0604000000000000" pitchFamily="50" charset="-127"/>
                 <a:ea typeface="나눔고딕" panose="020D0604000000000000" pitchFamily="50" charset="-127"/>
               </a:rPr>
-              <a:t> 실습 </a:t>
-            </a:r>
-            <a:r>
-              <a:rPr lang="en-US" altLang="ko-KR" dirty="0" smtClean="0">
-                <a:latin typeface="나눔고딕" panose="020D0604000000000000" pitchFamily="50" charset="-127"/>
-                <a:ea typeface="나눔고딕" panose="020D0604000000000000" pitchFamily="50" charset="-127"/>
-              </a:rPr>
-              <a:t>- </a:t>
-            </a:r>
-            <a:r>
-              <a:rPr lang="en-US" altLang="ko-KR" dirty="0">
-                <a:sym typeface="Wingdings" panose="05000000000000000000" pitchFamily="2" charset="2"/>
-              </a:rPr>
-              <a:t>MainActivity.java </a:t>
-            </a:r>
-            <a:r>
-              <a:rPr lang="ko-KR" altLang="en-US" dirty="0" smtClean="0">
-                <a:sym typeface="Wingdings" panose="05000000000000000000" pitchFamily="2" charset="2"/>
-              </a:rPr>
-              <a:t>코딩</a:t>
+              <a:t> 실습</a:t>
             </a:r>
             <a:endParaRPr lang="ko-KR" altLang="en-US" dirty="0"/>
           </a:p>
@@ -18534,7 +18629,7 @@
               <a:t> 실습 </a:t>
             </a:r>
             <a:r>
-              <a:rPr lang="en-US" altLang="ko-KR" b="1" dirty="0">
+              <a:rPr lang="en-US" altLang="ko-KR" b="1" dirty="0" smtClean="0">
                 <a:solidFill>
                   <a:srgbClr val="C00000"/>
                 </a:solidFill>
@@ -18543,30 +18638,281 @@
               <a:t>– </a:t>
             </a:r>
             <a:r>
-              <a:rPr lang="en-US" altLang="ko-KR" b="1" dirty="0" err="1">
+              <a:rPr lang="en-US" altLang="ko-KR" b="1" dirty="0" err="1" smtClean="0">
                 <a:sym typeface="Wingdings" panose="05000000000000000000" pitchFamily="2" charset="2"/>
               </a:rPr>
               <a:t>CameraSurfaceView</a:t>
             </a:r>
             <a:r>
-              <a:rPr lang="en-US" altLang="ko-KR" b="1" dirty="0">
+              <a:rPr lang="en-US" altLang="ko-KR" b="1" dirty="0" smtClean="0">
+                <a:sym typeface="Wingdings" panose="05000000000000000000" pitchFamily="2" charset="2"/>
+              </a:rPr>
+              <a:t>  </a:t>
+            </a:r>
+            <a:r>
+              <a:rPr lang="ko-KR" altLang="en-US" b="1" dirty="0" smtClean="0">
+                <a:sym typeface="Wingdings" panose="05000000000000000000" pitchFamily="2" charset="2"/>
+              </a:rPr>
+              <a:t>내부 클래스 정의하기</a:t>
+            </a:r>
+            <a:endParaRPr lang="ko-KR" altLang="en-US" dirty="0"/>
+          </a:p>
+          <a:p>
+            <a:r>
+              <a:rPr lang="ko-KR" altLang="en-US" dirty="0" smtClean="0">
+                <a:sym typeface="Wingdings" panose="05000000000000000000" pitchFamily="2" charset="2"/>
+              </a:rPr>
+              <a:t>여기에서는 </a:t>
+            </a:r>
+            <a:r>
+              <a:rPr lang="ko-KR" altLang="en-US" dirty="0" err="1" smtClean="0">
+                <a:sym typeface="Wingdings" panose="05000000000000000000" pitchFamily="2" charset="2"/>
+              </a:rPr>
+              <a:t>미리보기</a:t>
+            </a:r>
+            <a:r>
+              <a:rPr lang="ko-KR" altLang="en-US" dirty="0" smtClean="0">
+                <a:sym typeface="Wingdings" panose="05000000000000000000" pitchFamily="2" charset="2"/>
+              </a:rPr>
+              <a:t> 영역의 폭과 높이를 설정하도록 하였으므로 </a:t>
+            </a:r>
+            <a:r>
+              <a:rPr lang="en-US" altLang="ko-KR" dirty="0" err="1" smtClean="0">
+                <a:sym typeface="Wingdings" panose="05000000000000000000" pitchFamily="2" charset="2"/>
+              </a:rPr>
+              <a:t>setPreviewSize</a:t>
+            </a:r>
+            <a:r>
+              <a:rPr lang="en-US" altLang="ko-KR" dirty="0" smtClean="0">
+                <a:sym typeface="Wingdings" panose="05000000000000000000" pitchFamily="2" charset="2"/>
+              </a:rPr>
+              <a:t>() </a:t>
+            </a:r>
+            <a:r>
+              <a:rPr lang="ko-KR" altLang="en-US" dirty="0" err="1" smtClean="0">
+                <a:sym typeface="Wingdings" panose="05000000000000000000" pitchFamily="2" charset="2"/>
+              </a:rPr>
+              <a:t>메소드로</a:t>
+            </a:r>
+            <a:r>
+              <a:rPr lang="ko-KR" altLang="en-US" dirty="0" smtClean="0">
+                <a:sym typeface="Wingdings" panose="05000000000000000000" pitchFamily="2" charset="2"/>
+              </a:rPr>
+              <a:t> 설정합니다</a:t>
+            </a:r>
+            <a:r>
+              <a:rPr lang="en-US" altLang="ko-KR" dirty="0" smtClean="0">
+                <a:sym typeface="Wingdings" panose="05000000000000000000" pitchFamily="2" charset="2"/>
+              </a:rPr>
+              <a:t>.</a:t>
+            </a:r>
+          </a:p>
+          <a:p>
+            <a:r>
+              <a:rPr lang="ko-KR" altLang="en-US" dirty="0" err="1" smtClean="0">
+                <a:sym typeface="Wingdings" panose="05000000000000000000" pitchFamily="2" charset="2"/>
+              </a:rPr>
+              <a:t>서피스뷰의</a:t>
+            </a:r>
+            <a:r>
+              <a:rPr lang="ko-KR" altLang="en-US" dirty="0" smtClean="0">
+                <a:sym typeface="Wingdings" panose="05000000000000000000" pitchFamily="2" charset="2"/>
+              </a:rPr>
+              <a:t> 리소스를 해제하면서 호출하는 </a:t>
+            </a:r>
+            <a:r>
+              <a:rPr lang="en-US" altLang="ko-KR" dirty="0" err="1" smtClean="0">
+                <a:sym typeface="Wingdings" panose="05000000000000000000" pitchFamily="2" charset="2"/>
+              </a:rPr>
+              <a:t>surfaceDestroyed</a:t>
+            </a:r>
+            <a:r>
+              <a:rPr lang="en-US" altLang="ko-KR" dirty="0" smtClean="0">
+                <a:sym typeface="Wingdings" panose="05000000000000000000" pitchFamily="2" charset="2"/>
+              </a:rPr>
+              <a:t>() </a:t>
+            </a:r>
+            <a:r>
+              <a:rPr lang="ko-KR" altLang="en-US" dirty="0" err="1" smtClean="0">
+                <a:sym typeface="Wingdings" panose="05000000000000000000" pitchFamily="2" charset="2"/>
+              </a:rPr>
+              <a:t>메소드</a:t>
+            </a:r>
+            <a:r>
+              <a:rPr lang="ko-KR" altLang="en-US" dirty="0" smtClean="0">
+                <a:sym typeface="Wingdings" panose="05000000000000000000" pitchFamily="2" charset="2"/>
+              </a:rPr>
+              <a:t> 안에서는 카메라 객체의 </a:t>
+            </a:r>
+            <a:r>
+              <a:rPr lang="en-US" altLang="ko-KR" dirty="0" err="1" smtClean="0">
+                <a:sym typeface="Wingdings" panose="05000000000000000000" pitchFamily="2" charset="2"/>
+              </a:rPr>
+              <a:t>stopPreview</a:t>
+            </a:r>
+            <a:r>
+              <a:rPr lang="en-US" altLang="ko-KR" dirty="0" smtClean="0">
+                <a:sym typeface="Wingdings" panose="05000000000000000000" pitchFamily="2" charset="2"/>
+              </a:rPr>
+              <a:t>() </a:t>
+            </a:r>
+            <a:r>
+              <a:rPr lang="ko-KR" altLang="en-US" dirty="0" smtClean="0">
+                <a:sym typeface="Wingdings" panose="05000000000000000000" pitchFamily="2" charset="2"/>
+              </a:rPr>
+              <a:t>메소드를 호출하여 </a:t>
+            </a:r>
+            <a:r>
+              <a:rPr lang="ko-KR" altLang="en-US" dirty="0" err="1" smtClean="0">
+                <a:sym typeface="Wingdings" panose="05000000000000000000" pitchFamily="2" charset="2"/>
+              </a:rPr>
+              <a:t>미리보기를</a:t>
+            </a:r>
+            <a:r>
+              <a:rPr lang="ko-KR" altLang="en-US" dirty="0" smtClean="0">
+                <a:sym typeface="Wingdings" panose="05000000000000000000" pitchFamily="2" charset="2"/>
+              </a:rPr>
+              <a:t> 끝낸 후 변수를 </a:t>
+            </a:r>
+            <a:r>
+              <a:rPr lang="en-US" altLang="ko-KR" dirty="0" smtClean="0">
+                <a:sym typeface="Wingdings" panose="05000000000000000000" pitchFamily="2" charset="2"/>
+              </a:rPr>
+              <a:t>null</a:t>
+            </a:r>
+            <a:r>
+              <a:rPr lang="ko-KR" altLang="en-US" dirty="0" smtClean="0">
+                <a:sym typeface="Wingdings" panose="05000000000000000000" pitchFamily="2" charset="2"/>
+              </a:rPr>
+              <a:t>로 저장합니다</a:t>
+            </a:r>
+            <a:r>
+              <a:rPr lang="en-US" altLang="ko-KR" dirty="0" smtClean="0">
+                <a:sym typeface="Wingdings" panose="05000000000000000000" pitchFamily="2" charset="2"/>
+              </a:rPr>
+              <a:t>. </a:t>
+            </a:r>
+          </a:p>
+          <a:p>
+            <a:r>
+              <a:rPr lang="ko-KR" altLang="en-US" dirty="0" smtClean="0">
+                <a:sym typeface="Wingdings" panose="05000000000000000000" pitchFamily="2" charset="2"/>
+              </a:rPr>
+              <a:t>메인 액티비티의 버튼을 클릭했을 때 사진을 찍기 위해 호출하는 </a:t>
+            </a:r>
+            <a:r>
+              <a:rPr lang="en-US" altLang="ko-KR" dirty="0" smtClean="0">
+                <a:sym typeface="Wingdings" panose="05000000000000000000" pitchFamily="2" charset="2"/>
+              </a:rPr>
+              <a:t>capture() </a:t>
+            </a:r>
+            <a:r>
+              <a:rPr lang="ko-KR" altLang="en-US" dirty="0" smtClean="0">
+                <a:sym typeface="Wingdings" panose="05000000000000000000" pitchFamily="2" charset="2"/>
+              </a:rPr>
+              <a:t>메소드를 보면</a:t>
+            </a:r>
+            <a:r>
+              <a:rPr lang="en-US" altLang="ko-KR" dirty="0" smtClean="0">
+                <a:sym typeface="Wingdings" panose="05000000000000000000" pitchFamily="2" charset="2"/>
+              </a:rPr>
+              <a:t>, </a:t>
+            </a:r>
+            <a:r>
+              <a:rPr lang="ko-KR" altLang="en-US" dirty="0" smtClean="0">
+                <a:sym typeface="Wingdings" panose="05000000000000000000" pitchFamily="2" charset="2"/>
+              </a:rPr>
+              <a:t>카메라 객체의 </a:t>
+            </a:r>
+            <a:r>
+              <a:rPr lang="en-US" altLang="ko-KR" dirty="0" smtClean="0">
+                <a:sym typeface="Wingdings" panose="05000000000000000000" pitchFamily="2" charset="2"/>
+              </a:rPr>
+              <a:t>takePicture() </a:t>
+            </a:r>
+            <a:r>
+              <a:rPr lang="ko-KR" altLang="en-US" dirty="0" smtClean="0">
+                <a:sym typeface="Wingdings" panose="05000000000000000000" pitchFamily="2" charset="2"/>
+              </a:rPr>
+              <a:t>메소드를 호출하여 사진을 찍고 있으며</a:t>
+            </a:r>
+            <a:r>
+              <a:rPr lang="en-US" altLang="ko-KR" dirty="0" smtClean="0">
+                <a:sym typeface="Wingdings" panose="05000000000000000000" pitchFamily="2" charset="2"/>
+              </a:rPr>
+              <a:t>, </a:t>
+            </a:r>
+            <a:r>
+              <a:rPr lang="ko-KR" altLang="en-US" dirty="0" smtClean="0">
+                <a:sym typeface="Wingdings" panose="05000000000000000000" pitchFamily="2" charset="2"/>
+              </a:rPr>
+              <a:t>이 때 </a:t>
+            </a:r>
+            <a:r>
+              <a:rPr lang="en-US" altLang="ko-KR" dirty="0" err="1" smtClean="0">
+                <a:sym typeface="Wingdings" panose="05000000000000000000" pitchFamily="2" charset="2"/>
+              </a:rPr>
+              <a:t>PictureCallback</a:t>
+            </a:r>
+            <a:r>
+              <a:rPr lang="en-US" altLang="ko-KR" dirty="0" smtClean="0">
                 <a:sym typeface="Wingdings" panose="05000000000000000000" pitchFamily="2" charset="2"/>
               </a:rPr>
               <a:t> </a:t>
             </a:r>
             <a:r>
-              <a:rPr lang="ko-KR" altLang="en-US" b="1" dirty="0" smtClean="0">
-                <a:sym typeface="Wingdings" panose="05000000000000000000" pitchFamily="2" charset="2"/>
-              </a:rPr>
-              <a:t>내부 클래스 </a:t>
-            </a:r>
-            <a:r>
-              <a:rPr lang="ko-KR" altLang="en-US" b="1" dirty="0">
-                <a:sym typeface="Wingdings" panose="05000000000000000000" pitchFamily="2" charset="2"/>
-              </a:rPr>
-              <a:t>정의하기</a:t>
-            </a:r>
-            <a:endParaRPr lang="ko-KR" altLang="en-US" dirty="0"/>
+              <a:rPr lang="ko-KR" altLang="en-US" dirty="0" smtClean="0">
+                <a:sym typeface="Wingdings" panose="05000000000000000000" pitchFamily="2" charset="2"/>
+              </a:rPr>
+              <a:t>인터페이스를 구현한 객체를 </a:t>
+            </a:r>
+            <a:r>
+              <a:rPr lang="ko-KR" altLang="en-US" dirty="0" err="1" smtClean="0">
+                <a:sym typeface="Wingdings" panose="05000000000000000000" pitchFamily="2" charset="2"/>
+              </a:rPr>
+              <a:t>파라미터로</a:t>
+            </a:r>
+            <a:r>
+              <a:rPr lang="ko-KR" altLang="en-US" dirty="0" smtClean="0">
+                <a:sym typeface="Wingdings" panose="05000000000000000000" pitchFamily="2" charset="2"/>
+              </a:rPr>
+              <a:t> 전달함으로써 사진을 찍었을 때 이 객체의 </a:t>
+            </a:r>
+            <a:r>
+              <a:rPr lang="en-US" altLang="ko-KR" dirty="0" err="1" smtClean="0">
+                <a:sym typeface="Wingdings" panose="05000000000000000000" pitchFamily="2" charset="2"/>
+              </a:rPr>
+              <a:t>onPictureTaken</a:t>
+            </a:r>
+            <a:r>
+              <a:rPr lang="en-US" altLang="ko-KR" dirty="0" smtClean="0">
+                <a:sym typeface="Wingdings" panose="05000000000000000000" pitchFamily="2" charset="2"/>
+              </a:rPr>
+              <a:t>() </a:t>
+            </a:r>
+            <a:r>
+              <a:rPr lang="ko-KR" altLang="en-US" dirty="0" err="1" smtClean="0">
+                <a:sym typeface="Wingdings" panose="05000000000000000000" pitchFamily="2" charset="2"/>
+              </a:rPr>
+              <a:t>매소드가</a:t>
+            </a:r>
+            <a:r>
+              <a:rPr lang="ko-KR" altLang="en-US" dirty="0" smtClean="0">
+                <a:sym typeface="Wingdings" panose="05000000000000000000" pitchFamily="2" charset="2"/>
+              </a:rPr>
+              <a:t> 자동 호출되도록 합니다</a:t>
+            </a:r>
+            <a:r>
+              <a:rPr lang="en-US" altLang="ko-KR" dirty="0" smtClean="0">
+                <a:sym typeface="Wingdings" panose="05000000000000000000" pitchFamily="2" charset="2"/>
+              </a:rPr>
+              <a:t>. </a:t>
+            </a:r>
+          </a:p>
+          <a:p>
+            <a:endParaRPr lang="en-US" altLang="ko-KR" dirty="0">
+              <a:sym typeface="Wingdings" panose="05000000000000000000" pitchFamily="2" charset="2"/>
+            </a:endParaRPr>
           </a:p>
           <a:p>
             <a:endParaRPr lang="en-US" altLang="ko-KR" dirty="0">
@@ -18599,6 +18945,248 @@
                 <a:defRPr/>
               </a:pPr>
               <a:t>26</a:t>
+            </a:fld>
+            <a:endParaRPr lang="ko-KR" altLang="en-US"/>
+          </a:p>
+        </p:txBody>
+      </p:sp>
+    </p:spTree>
+    <p:extLst>
+      <p:ext uri="{BB962C8B-B14F-4D97-AF65-F5344CB8AC3E}">
+        <p14:creationId xmlns:p14="http://schemas.microsoft.com/office/powerpoint/2010/main" val="583344657"/>
+      </p:ext>
+    </p:extLst>
+  </p:cSld>
+  <p:clrMapOvr>
+    <a:masterClrMapping/>
+  </p:clrMapOvr>
+</p:sld>
+</file>
+
+<file path=ppt/slides/slide27.xml><?xml version="1.0" encoding="utf-8"?>
+<p:sld xmlns:a="http://schemas.openxmlformats.org/drawingml/2006/main" xmlns:r="http://schemas.openxmlformats.org/officeDocument/2006/relationships" xmlns:p="http://schemas.openxmlformats.org/presentationml/2006/main">
+  <p:cSld>
+    <p:spTree>
+      <p:nvGrpSpPr>
+        <p:cNvPr id="1" name=""/>
+        <p:cNvGrpSpPr/>
+        <p:nvPr/>
+      </p:nvGrpSpPr>
+      <p:grpSpPr>
+        <a:xfrm>
+          <a:off x="0" y="0"/>
+          <a:ext cx="0" cy="0"/>
+          <a:chOff x="0" y="0"/>
+          <a:chExt cx="0" cy="0"/>
+        </a:xfrm>
+      </p:grpSpPr>
+      <p:sp>
+        <p:nvSpPr>
+          <p:cNvPr id="2" name="제목 1"/>
+          <p:cNvSpPr>
+            <a:spLocks noGrp="1"/>
+          </p:cNvSpPr>
+          <p:nvPr>
+            <p:ph type="title"/>
+          </p:nvPr>
+        </p:nvSpPr>
+        <p:spPr/>
+        <p:txBody>
+          <a:bodyPr>
+            <a:normAutofit/>
+          </a:bodyPr>
+          <a:lstStyle/>
+          <a:p>
+            <a:r>
+              <a:rPr lang="en-US" altLang="ko-KR" dirty="0" smtClean="0">
+                <a:latin typeface="나눔고딕" panose="020D0604000000000000" pitchFamily="50" charset="-127"/>
+                <a:ea typeface="나눔고딕" panose="020D0604000000000000" pitchFamily="50" charset="-127"/>
+              </a:rPr>
+              <a:t>07-2 </a:t>
+            </a:r>
+            <a:r>
+              <a:rPr lang="ko-KR" altLang="en-US" dirty="0" smtClean="0">
+                <a:latin typeface="나눔고딕" panose="020D0604000000000000" pitchFamily="50" charset="-127"/>
+                <a:ea typeface="나눔고딕" panose="020D0604000000000000" pitchFamily="50" charset="-127"/>
+              </a:rPr>
+              <a:t>화면에 카메라 </a:t>
+            </a:r>
+            <a:r>
+              <a:rPr lang="ko-KR" altLang="en-US" dirty="0" err="1" smtClean="0">
+                <a:latin typeface="나눔고딕" panose="020D0604000000000000" pitchFamily="50" charset="-127"/>
+                <a:ea typeface="나눔고딕" panose="020D0604000000000000" pitchFamily="50" charset="-127"/>
+              </a:rPr>
+              <a:t>미리보기</a:t>
+            </a:r>
+            <a:r>
+              <a:rPr lang="ko-KR" altLang="en-US" dirty="0" smtClean="0">
+                <a:latin typeface="나눔고딕" panose="020D0604000000000000" pitchFamily="50" charset="-127"/>
+                <a:ea typeface="나눔고딕" panose="020D0604000000000000" pitchFamily="50" charset="-127"/>
+              </a:rPr>
+              <a:t> 넣기 </a:t>
+            </a:r>
+            <a:r>
+              <a:rPr lang="en-US" altLang="ko-KR" dirty="0" smtClean="0">
+                <a:latin typeface="나눔고딕" panose="020D0604000000000000" pitchFamily="50" charset="-127"/>
+                <a:ea typeface="나눔고딕" panose="020D0604000000000000" pitchFamily="50" charset="-127"/>
+              </a:rPr>
+              <a:t>– </a:t>
+            </a:r>
+            <a:r>
+              <a:rPr lang="ko-KR" altLang="en-US" dirty="0" smtClean="0">
+                <a:latin typeface="나눔고딕" panose="020D0604000000000000" pitchFamily="50" charset="-127"/>
+                <a:ea typeface="나눔고딕" panose="020D0604000000000000" pitchFamily="50" charset="-127"/>
+              </a:rPr>
+              <a:t>카메라 </a:t>
+            </a:r>
+            <a:r>
+              <a:rPr lang="ko-KR" altLang="en-US" dirty="0" err="1" smtClean="0">
+                <a:latin typeface="나눔고딕" panose="020D0604000000000000" pitchFamily="50" charset="-127"/>
+                <a:ea typeface="나눔고딕" panose="020D0604000000000000" pitchFamily="50" charset="-127"/>
+              </a:rPr>
+              <a:t>미리보기</a:t>
+            </a:r>
+            <a:r>
+              <a:rPr lang="ko-KR" altLang="en-US" dirty="0" smtClean="0">
+                <a:latin typeface="나눔고딕" panose="020D0604000000000000" pitchFamily="50" charset="-127"/>
+                <a:ea typeface="나눔고딕" panose="020D0604000000000000" pitchFamily="50" charset="-127"/>
+              </a:rPr>
+              <a:t> 실습 </a:t>
+            </a:r>
+            <a:r>
+              <a:rPr lang="en-US" altLang="ko-KR" dirty="0" smtClean="0">
+                <a:latin typeface="나눔고딕" panose="020D0604000000000000" pitchFamily="50" charset="-127"/>
+                <a:ea typeface="나눔고딕" panose="020D0604000000000000" pitchFamily="50" charset="-127"/>
+              </a:rPr>
+              <a:t>- </a:t>
+            </a:r>
+            <a:r>
+              <a:rPr lang="en-US" altLang="ko-KR" dirty="0">
+                <a:sym typeface="Wingdings" panose="05000000000000000000" pitchFamily="2" charset="2"/>
+              </a:rPr>
+              <a:t>MainActivity.java </a:t>
+            </a:r>
+            <a:r>
+              <a:rPr lang="ko-KR" altLang="en-US" dirty="0" smtClean="0">
+                <a:sym typeface="Wingdings" panose="05000000000000000000" pitchFamily="2" charset="2"/>
+              </a:rPr>
+              <a:t>코딩</a:t>
+            </a:r>
+            <a:endParaRPr lang="ko-KR" altLang="en-US" dirty="0"/>
+          </a:p>
+        </p:txBody>
+      </p:sp>
+      <p:sp>
+        <p:nvSpPr>
+          <p:cNvPr id="3" name="내용 개체 틀 2"/>
+          <p:cNvSpPr>
+            <a:spLocks noGrp="1"/>
+          </p:cNvSpPr>
+          <p:nvPr>
+            <p:ph idx="10"/>
+          </p:nvPr>
+        </p:nvSpPr>
+        <p:spPr/>
+        <p:txBody>
+          <a:bodyPr/>
+          <a:lstStyle/>
+          <a:p>
+            <a:pPr marL="0" indent="0">
+              <a:buNone/>
+            </a:pPr>
+            <a:r>
+              <a:rPr lang="ko-KR" altLang="en-US" b="1" dirty="0">
+                <a:solidFill>
+                  <a:srgbClr val="C00000"/>
+                </a:solidFill>
+                <a:sym typeface="Wingdings" panose="05000000000000000000" pitchFamily="2" charset="2"/>
+              </a:rPr>
+              <a:t>카메라 </a:t>
+            </a:r>
+            <a:r>
+              <a:rPr lang="ko-KR" altLang="en-US" b="1" dirty="0" err="1">
+                <a:solidFill>
+                  <a:srgbClr val="C00000"/>
+                </a:solidFill>
+                <a:sym typeface="Wingdings" panose="05000000000000000000" pitchFamily="2" charset="2"/>
+              </a:rPr>
+              <a:t>미리보기</a:t>
+            </a:r>
+            <a:r>
+              <a:rPr lang="ko-KR" altLang="en-US" b="1" dirty="0">
+                <a:solidFill>
+                  <a:srgbClr val="C00000"/>
+                </a:solidFill>
+                <a:sym typeface="Wingdings" panose="05000000000000000000" pitchFamily="2" charset="2"/>
+              </a:rPr>
+              <a:t> 실습 </a:t>
+            </a:r>
+            <a:r>
+              <a:rPr lang="en-US" altLang="ko-KR" b="1" dirty="0">
+                <a:solidFill>
+                  <a:srgbClr val="C00000"/>
+                </a:solidFill>
+                <a:sym typeface="Wingdings" panose="05000000000000000000" pitchFamily="2" charset="2"/>
+              </a:rPr>
+              <a:t>– </a:t>
+            </a:r>
+            <a:r>
+              <a:rPr lang="en-US" altLang="ko-KR" b="1" dirty="0" err="1">
+                <a:sym typeface="Wingdings" panose="05000000000000000000" pitchFamily="2" charset="2"/>
+              </a:rPr>
+              <a:t>CameraSurfaceView</a:t>
+            </a:r>
+            <a:r>
+              <a:rPr lang="en-US" altLang="ko-KR" b="1" dirty="0">
+                <a:sym typeface="Wingdings" panose="05000000000000000000" pitchFamily="2" charset="2"/>
+              </a:rPr>
+              <a:t> </a:t>
+            </a:r>
+            <a:r>
+              <a:rPr lang="ko-KR" altLang="en-US" b="1" dirty="0" smtClean="0">
+                <a:sym typeface="Wingdings" panose="05000000000000000000" pitchFamily="2" charset="2"/>
+              </a:rPr>
+              <a:t>내부 클래스 </a:t>
+            </a:r>
+            <a:r>
+              <a:rPr lang="ko-KR" altLang="en-US" b="1" dirty="0">
+                <a:sym typeface="Wingdings" panose="05000000000000000000" pitchFamily="2" charset="2"/>
+              </a:rPr>
+              <a:t>정의하기</a:t>
+            </a:r>
+            <a:endParaRPr lang="ko-KR" altLang="en-US" dirty="0"/>
+          </a:p>
+          <a:p>
+            <a:endParaRPr lang="en-US" altLang="ko-KR" dirty="0">
+              <a:sym typeface="Wingdings" panose="05000000000000000000" pitchFamily="2" charset="2"/>
+            </a:endParaRPr>
+          </a:p>
+        </p:txBody>
+      </p:sp>
+      <p:sp>
+        <p:nvSpPr>
+          <p:cNvPr id="4" name="슬라이드 번호 개체 틀 3"/>
+          <p:cNvSpPr>
+            <a:spLocks noGrp="1"/>
+          </p:cNvSpPr>
+          <p:nvPr>
+            <p:ph type="sldNum" sz="quarter" idx="14"/>
+          </p:nvPr>
+        </p:nvSpPr>
+        <p:spPr/>
+        <p:txBody>
+          <a:bodyPr/>
+          <a:lstStyle/>
+          <a:p>
+            <a:pPr>
+              <a:defRPr/>
+            </a:pPr>
+            <a:fld id="{3D493B47-E977-46F8-8C2F-7DA674317049}" type="slidenum">
+              <a:rPr lang="ko-KR" altLang="en-US" smtClean="0"/>
+              <a:pPr>
+                <a:defRPr/>
+              </a:pPr>
+              <a:t>27</a:t>
             </a:fld>
             <a:endParaRPr lang="ko-KR" altLang="en-US"/>
           </a:p>
@@ -19696,7 +20284,7 @@
 </p:sld>
 </file>
 
-<file path=ppt/slides/slide27.xml><?xml version="1.0" encoding="utf-8"?>
+<file path=ppt/slides/slide28.xml><?xml version="1.0" encoding="utf-8"?>
 <p:sld xmlns:a="http://schemas.openxmlformats.org/drawingml/2006/main" xmlns:r="http://schemas.openxmlformats.org/officeDocument/2006/relationships" xmlns:p="http://schemas.openxmlformats.org/presentationml/2006/main">
   <p:cSld>
     <p:spTree>
@@ -19919,7 +20507,7 @@
               <a:pPr>
                 <a:defRPr/>
               </a:pPr>
-              <a:t>27</a:t>
+              <a:t>28</a:t>
             </a:fld>
             <a:endParaRPr lang="ko-KR" altLang="en-US"/>
           </a:p>
@@ -20823,7 +21411,7 @@
 </p:sld>
 </file>
 
-<file path=ppt/slides/slide28.xml><?xml version="1.0" encoding="utf-8"?>
+<file path=ppt/slides/slide29.xml><?xml version="1.0" encoding="utf-8"?>
 <p:sld xmlns:a="http://schemas.openxmlformats.org/drawingml/2006/main" xmlns:r="http://schemas.openxmlformats.org/officeDocument/2006/relationships" xmlns:p="http://schemas.openxmlformats.org/presentationml/2006/main">
   <p:cSld>
     <p:spTree>
@@ -21046,7 +21634,7 @@
               <a:pPr>
                 <a:defRPr/>
               </a:pPr>
-              <a:t>28</a:t>
+              <a:t>29</a:t>
             </a:fld>
             <a:endParaRPr lang="ko-KR" altLang="en-US"/>
           </a:p>
@@ -22178,1068 +22766,6 @@
     <p:extLst>
       <p:ext uri="{BB962C8B-B14F-4D97-AF65-F5344CB8AC3E}">
         <p14:creationId xmlns:p14="http://schemas.microsoft.com/office/powerpoint/2010/main" val="3299372073"/>
-      </p:ext>
-    </p:extLst>
-  </p:cSld>
-  <p:clrMapOvr>
-    <a:masterClrMapping/>
-  </p:clrMapOvr>
-</p:sld>
-</file>
-
-<file path=ppt/slides/slide29.xml><?xml version="1.0" encoding="utf-8"?>
-<p:sld xmlns:a="http://schemas.openxmlformats.org/drawingml/2006/main" xmlns:r="http://schemas.openxmlformats.org/officeDocument/2006/relationships" xmlns:p="http://schemas.openxmlformats.org/presentationml/2006/main">
-  <p:cSld>
-    <p:spTree>
-      <p:nvGrpSpPr>
-        <p:cNvPr id="1" name=""/>
-        <p:cNvGrpSpPr/>
-        <p:nvPr/>
-      </p:nvGrpSpPr>
-      <p:grpSpPr>
-        <a:xfrm>
-          <a:off x="0" y="0"/>
-          <a:ext cx="0" cy="0"/>
-          <a:chOff x="0" y="0"/>
-          <a:chExt cx="0" cy="0"/>
-        </a:xfrm>
-      </p:grpSpPr>
-      <p:sp>
-        <p:nvSpPr>
-          <p:cNvPr id="2" name="제목 1"/>
-          <p:cNvSpPr>
-            <a:spLocks noGrp="1"/>
-          </p:cNvSpPr>
-          <p:nvPr>
-            <p:ph type="title"/>
-          </p:nvPr>
-        </p:nvSpPr>
-        <p:spPr/>
-        <p:txBody>
-          <a:bodyPr/>
-          <a:lstStyle/>
-          <a:p>
-            <a:r>
-              <a:rPr lang="en-US" altLang="ko-KR" dirty="0" smtClean="0">
-                <a:latin typeface="나눔고딕" panose="020D0604000000000000" pitchFamily="50" charset="-127"/>
-                <a:ea typeface="나눔고딕" panose="020D0604000000000000" pitchFamily="50" charset="-127"/>
-              </a:rPr>
-              <a:t>07-2 </a:t>
-            </a:r>
-            <a:r>
-              <a:rPr lang="ko-KR" altLang="en-US" dirty="0" smtClean="0">
-                <a:latin typeface="나눔고딕" panose="020D0604000000000000" pitchFamily="50" charset="-127"/>
-                <a:ea typeface="나눔고딕" panose="020D0604000000000000" pitchFamily="50" charset="-127"/>
-              </a:rPr>
-              <a:t>화면에 카메라 </a:t>
-            </a:r>
-            <a:r>
-              <a:rPr lang="ko-KR" altLang="en-US" dirty="0" err="1" smtClean="0">
-                <a:latin typeface="나눔고딕" panose="020D0604000000000000" pitchFamily="50" charset="-127"/>
-                <a:ea typeface="나눔고딕" panose="020D0604000000000000" pitchFamily="50" charset="-127"/>
-              </a:rPr>
-              <a:t>미리보기</a:t>
-            </a:r>
-            <a:r>
-              <a:rPr lang="ko-KR" altLang="en-US" dirty="0" smtClean="0">
-                <a:latin typeface="나눔고딕" panose="020D0604000000000000" pitchFamily="50" charset="-127"/>
-                <a:ea typeface="나눔고딕" panose="020D0604000000000000" pitchFamily="50" charset="-127"/>
-              </a:rPr>
-              <a:t> 넣기 </a:t>
-            </a:r>
-            <a:r>
-              <a:rPr lang="en-US" altLang="ko-KR" dirty="0" smtClean="0">
-                <a:latin typeface="나눔고딕" panose="020D0604000000000000" pitchFamily="50" charset="-127"/>
-                <a:ea typeface="나눔고딕" panose="020D0604000000000000" pitchFamily="50" charset="-127"/>
-              </a:rPr>
-              <a:t>– </a:t>
-            </a:r>
-            <a:r>
-              <a:rPr lang="ko-KR" altLang="en-US" dirty="0" smtClean="0">
-                <a:latin typeface="나눔고딕" panose="020D0604000000000000" pitchFamily="50" charset="-127"/>
-                <a:ea typeface="나눔고딕" panose="020D0604000000000000" pitchFamily="50" charset="-127"/>
-              </a:rPr>
-              <a:t>카메라 </a:t>
-            </a:r>
-            <a:r>
-              <a:rPr lang="ko-KR" altLang="en-US" dirty="0" err="1" smtClean="0">
-                <a:latin typeface="나눔고딕" panose="020D0604000000000000" pitchFamily="50" charset="-127"/>
-                <a:ea typeface="나눔고딕" panose="020D0604000000000000" pitchFamily="50" charset="-127"/>
-              </a:rPr>
-              <a:t>미리보기</a:t>
-            </a:r>
-            <a:r>
-              <a:rPr lang="ko-KR" altLang="en-US" dirty="0" smtClean="0">
-                <a:latin typeface="나눔고딕" panose="020D0604000000000000" pitchFamily="50" charset="-127"/>
-                <a:ea typeface="나눔고딕" panose="020D0604000000000000" pitchFamily="50" charset="-127"/>
-              </a:rPr>
-              <a:t> 실습</a:t>
-            </a:r>
-            <a:endParaRPr lang="ko-KR" altLang="en-US" dirty="0"/>
-          </a:p>
-        </p:txBody>
-      </p:sp>
-      <p:sp>
-        <p:nvSpPr>
-          <p:cNvPr id="3" name="내용 개체 틀 2"/>
-          <p:cNvSpPr>
-            <a:spLocks noGrp="1"/>
-          </p:cNvSpPr>
-          <p:nvPr>
-            <p:ph idx="10"/>
-          </p:nvPr>
-        </p:nvSpPr>
-        <p:spPr/>
-        <p:txBody>
-          <a:bodyPr/>
-          <a:lstStyle/>
-          <a:p>
-            <a:pPr marL="0" indent="0">
-              <a:buNone/>
-            </a:pPr>
-            <a:r>
-              <a:rPr lang="ko-KR" altLang="en-US" b="1" dirty="0">
-                <a:solidFill>
-                  <a:srgbClr val="C00000"/>
-                </a:solidFill>
-                <a:sym typeface="Wingdings" panose="05000000000000000000" pitchFamily="2" charset="2"/>
-              </a:rPr>
-              <a:t>카메라 </a:t>
-            </a:r>
-            <a:r>
-              <a:rPr lang="ko-KR" altLang="en-US" b="1" dirty="0" err="1">
-                <a:solidFill>
-                  <a:srgbClr val="C00000"/>
-                </a:solidFill>
-                <a:sym typeface="Wingdings" panose="05000000000000000000" pitchFamily="2" charset="2"/>
-              </a:rPr>
-              <a:t>미리보기</a:t>
-            </a:r>
-            <a:r>
-              <a:rPr lang="ko-KR" altLang="en-US" b="1" dirty="0">
-                <a:solidFill>
-                  <a:srgbClr val="C00000"/>
-                </a:solidFill>
-                <a:sym typeface="Wingdings" panose="05000000000000000000" pitchFamily="2" charset="2"/>
-              </a:rPr>
-              <a:t> 실습 </a:t>
-            </a:r>
-            <a:r>
-              <a:rPr lang="en-US" altLang="ko-KR" b="1" dirty="0" smtClean="0">
-                <a:solidFill>
-                  <a:srgbClr val="C00000"/>
-                </a:solidFill>
-                <a:sym typeface="Wingdings" panose="05000000000000000000" pitchFamily="2" charset="2"/>
-              </a:rPr>
-              <a:t>– </a:t>
-            </a:r>
-            <a:r>
-              <a:rPr lang="en-US" altLang="ko-KR" b="1" dirty="0" smtClean="0">
-                <a:sym typeface="Wingdings" panose="05000000000000000000" pitchFamily="2" charset="2"/>
-              </a:rPr>
-              <a:t>AndroidManifest.xml, MainActivity.java, </a:t>
-            </a:r>
-            <a:r>
-              <a:rPr lang="en-US" altLang="ko-KR" b="1" dirty="0" err="1" smtClean="0">
-                <a:sym typeface="Wingdings" panose="05000000000000000000" pitchFamily="2" charset="2"/>
-              </a:rPr>
-              <a:t>build.gradle</a:t>
-            </a:r>
-            <a:r>
-              <a:rPr lang="en-US" altLang="ko-KR" b="1" dirty="0" smtClean="0">
-                <a:sym typeface="Wingdings" panose="05000000000000000000" pitchFamily="2" charset="2"/>
-              </a:rPr>
-              <a:t> </a:t>
-            </a:r>
-            <a:r>
-              <a:rPr lang="ko-KR" altLang="en-US" b="1" dirty="0" smtClean="0">
-                <a:sym typeface="Wingdings" panose="05000000000000000000" pitchFamily="2" charset="2"/>
-              </a:rPr>
-              <a:t>수정하여 위헌 권한 추가하기 </a:t>
-            </a:r>
-            <a:endParaRPr lang="en-US" altLang="ko-KR" b="1" dirty="0" smtClean="0">
-              <a:sym typeface="Wingdings" panose="05000000000000000000" pitchFamily="2" charset="2"/>
-            </a:endParaRPr>
-          </a:p>
-          <a:p>
-            <a:r>
-              <a:rPr lang="ko-KR" altLang="en-US" dirty="0" smtClean="0">
-                <a:sym typeface="Wingdings" panose="05000000000000000000" pitchFamily="2" charset="2"/>
-              </a:rPr>
-              <a:t>앱이 </a:t>
-            </a:r>
-            <a:r>
-              <a:rPr lang="en-US" altLang="ko-KR" dirty="0" smtClean="0">
-                <a:sym typeface="Wingdings" panose="05000000000000000000" pitchFamily="2" charset="2"/>
-              </a:rPr>
-              <a:t>Camera</a:t>
-            </a:r>
-            <a:r>
-              <a:rPr lang="ko-KR" altLang="en-US" dirty="0" smtClean="0">
-                <a:sym typeface="Wingdings" panose="05000000000000000000" pitchFamily="2" charset="2"/>
-              </a:rPr>
-              <a:t>와 </a:t>
-            </a:r>
-            <a:r>
-              <a:rPr lang="en-US" altLang="ko-KR" dirty="0" smtClean="0">
-                <a:sym typeface="Wingdings" panose="05000000000000000000" pitchFamily="2" charset="2"/>
-              </a:rPr>
-              <a:t>SD</a:t>
-            </a:r>
-            <a:r>
-              <a:rPr lang="ko-KR" altLang="en-US" dirty="0" smtClean="0">
-                <a:sym typeface="Wingdings" panose="05000000000000000000" pitchFamily="2" charset="2"/>
-              </a:rPr>
-              <a:t>카드를 접근하므로 이 권한을 </a:t>
-            </a:r>
-            <a:r>
-              <a:rPr lang="ko-KR" altLang="en-US" dirty="0" err="1" smtClean="0">
-                <a:sym typeface="Wingdings" panose="05000000000000000000" pitchFamily="2" charset="2"/>
-              </a:rPr>
-              <a:t>매네페스트와</a:t>
-            </a:r>
-            <a:r>
-              <a:rPr lang="ko-KR" altLang="en-US" dirty="0" smtClean="0">
-                <a:sym typeface="Wingdings" panose="05000000000000000000" pitchFamily="2" charset="2"/>
-              </a:rPr>
-              <a:t> 메인 액티비티</a:t>
-            </a:r>
-            <a:r>
-              <a:rPr lang="en-US" altLang="ko-KR" dirty="0" smtClean="0">
-                <a:sym typeface="Wingdings" panose="05000000000000000000" pitchFamily="2" charset="2"/>
-              </a:rPr>
-              <a:t>, </a:t>
-            </a:r>
-            <a:r>
-              <a:rPr lang="ko-KR" altLang="en-US" dirty="0" err="1" smtClean="0">
-                <a:sym typeface="Wingdings" panose="05000000000000000000" pitchFamily="2" charset="2"/>
-              </a:rPr>
-              <a:t>그래들에</a:t>
-            </a:r>
-            <a:r>
-              <a:rPr lang="ko-KR" altLang="en-US" dirty="0" smtClean="0">
-                <a:sym typeface="Wingdings" panose="05000000000000000000" pitchFamily="2" charset="2"/>
-              </a:rPr>
-              <a:t> 추가해야 합니다</a:t>
-            </a:r>
-            <a:r>
-              <a:rPr lang="en-US" altLang="ko-KR" dirty="0" smtClean="0">
-                <a:sym typeface="Wingdings" panose="05000000000000000000" pitchFamily="2" charset="2"/>
-              </a:rPr>
-              <a:t>.  </a:t>
-            </a:r>
-          </a:p>
-          <a:p>
-            <a:endParaRPr lang="en-US" altLang="ko-KR" dirty="0">
-              <a:sym typeface="Wingdings" panose="05000000000000000000" pitchFamily="2" charset="2"/>
-            </a:endParaRPr>
-          </a:p>
-          <a:p>
-            <a:r>
-              <a:rPr lang="en-US" altLang="ko-KR" b="1" dirty="0" smtClean="0">
-                <a:solidFill>
-                  <a:srgbClr val="C00000"/>
-                </a:solidFill>
-                <a:sym typeface="Wingdings" panose="05000000000000000000" pitchFamily="2" charset="2"/>
-              </a:rPr>
-              <a:t>AndroidManifest.xml </a:t>
-            </a:r>
-            <a:endParaRPr lang="en-US" altLang="ko-KR" dirty="0">
-              <a:sym typeface="Wingdings" panose="05000000000000000000" pitchFamily="2" charset="2"/>
-            </a:endParaRPr>
-          </a:p>
-        </p:txBody>
-      </p:sp>
-      <p:sp>
-        <p:nvSpPr>
-          <p:cNvPr id="4" name="슬라이드 번호 개체 틀 3"/>
-          <p:cNvSpPr>
-            <a:spLocks noGrp="1"/>
-          </p:cNvSpPr>
-          <p:nvPr>
-            <p:ph type="sldNum" sz="quarter" idx="14"/>
-          </p:nvPr>
-        </p:nvSpPr>
-        <p:spPr/>
-        <p:txBody>
-          <a:bodyPr/>
-          <a:lstStyle/>
-          <a:p>
-            <a:pPr>
-              <a:defRPr/>
-            </a:pPr>
-            <a:fld id="{3D493B47-E977-46F8-8C2F-7DA674317049}" type="slidenum">
-              <a:rPr lang="ko-KR" altLang="en-US" smtClean="0"/>
-              <a:pPr>
-                <a:defRPr/>
-              </a:pPr>
-              <a:t>29</a:t>
-            </a:fld>
-            <a:endParaRPr lang="ko-KR" altLang="en-US"/>
-          </a:p>
-        </p:txBody>
-      </p:sp>
-      <p:sp>
-        <p:nvSpPr>
-          <p:cNvPr id="5" name="Rectangle 1"/>
-          <p:cNvSpPr txBox="1">
-            <a:spLocks noChangeArrowheads="1"/>
-          </p:cNvSpPr>
-          <p:nvPr/>
-        </p:nvSpPr>
-        <p:spPr bwMode="auto">
-          <a:xfrm>
-            <a:off x="456890" y="2276872"/>
-            <a:ext cx="11244322" cy="3293209"/>
-          </a:xfrm>
-          <a:prstGeom prst="rect">
-            <a:avLst/>
-          </a:prstGeom>
-          <a:solidFill>
-            <a:schemeClr val="bg1">
-              <a:lumMod val="95000"/>
-            </a:schemeClr>
-          </a:solidFill>
-          <a:ln w="9525">
-            <a:solidFill>
-              <a:schemeClr val="bg1">
-                <a:lumMod val="75000"/>
-              </a:schemeClr>
-            </a:solidFill>
-            <a:miter lim="800000"/>
-            <a:headEnd/>
-            <a:tailEnd/>
-          </a:ln>
-          <a:effectLst/>
-        </p:spPr>
-        <p:txBody>
-          <a:bodyPr vert="horz" wrap="square" lIns="91440" tIns="45720" rIns="91440" bIns="45720" numCol="1" rtlCol="0" anchor="t" anchorCtr="0" compatLnSpc="1">
-            <a:prstTxWarp prst="textNoShape">
-              <a:avLst/>
-            </a:prstTxWarp>
-            <a:spAutoFit/>
-          </a:bodyPr>
-          <a:lstStyle>
-            <a:lvl1pPr marL="342900" indent="-342900" algn="l" rtl="0" eaLnBrk="1" latinLnBrk="0" hangingPunct="1">
-              <a:spcBef>
-                <a:spcPct val="20000"/>
-              </a:spcBef>
-              <a:buClr>
-                <a:schemeClr val="accent2"/>
-              </a:buClr>
-              <a:buFont typeface="Wingdings" panose="05000000000000000000" pitchFamily="2" charset="2"/>
-              <a:buChar char="§"/>
-              <a:defRPr kumimoji="0" sz="1800" kern="1200" baseline="0">
-                <a:solidFill>
-                  <a:schemeClr val="tx1"/>
-                </a:solidFill>
-                <a:latin typeface="Century Gothic" panose="020B0502020202020204" pitchFamily="34" charset="0"/>
-                <a:ea typeface="+mn-ea"/>
-                <a:cs typeface="+mn-cs"/>
-              </a:defRPr>
-            </a:lvl1pPr>
-            <a:lvl2pPr marL="742950" indent="-285750" algn="l" rtl="0" eaLnBrk="1" latinLnBrk="0" hangingPunct="1">
-              <a:spcBef>
-                <a:spcPct val="20000"/>
-              </a:spcBef>
-              <a:buClr>
-                <a:schemeClr val="accent3"/>
-              </a:buClr>
-              <a:buSzPct val="85000"/>
-              <a:buFont typeface="Wingdings" panose="05000000000000000000" pitchFamily="2" charset="2"/>
-              <a:buChar char="§"/>
-              <a:defRPr kumimoji="0" sz="1800" kern="1200" baseline="0">
-                <a:solidFill>
-                  <a:schemeClr val="tx1"/>
-                </a:solidFill>
-                <a:latin typeface="Century Gothic" panose="020B0502020202020204" pitchFamily="34" charset="0"/>
-                <a:ea typeface="+mn-ea"/>
-                <a:cs typeface="+mn-cs"/>
-              </a:defRPr>
-            </a:lvl2pPr>
-            <a:lvl3pPr marL="1143000" indent="-228600" algn="l" rtl="0" eaLnBrk="1" latinLnBrk="0" hangingPunct="1">
-              <a:spcBef>
-                <a:spcPct val="20000"/>
-              </a:spcBef>
-              <a:buClr>
-                <a:schemeClr val="accent4"/>
-              </a:buClr>
-              <a:buSzPct val="80000"/>
-              <a:buFont typeface="Wingdings" panose="05000000000000000000" pitchFamily="2" charset="2"/>
-              <a:buChar char="§"/>
-              <a:defRPr kumimoji="0" sz="1600" kern="1200" baseline="0">
-                <a:solidFill>
-                  <a:schemeClr val="tx1"/>
-                </a:solidFill>
-                <a:latin typeface="Century Gothic" panose="020B0502020202020204" pitchFamily="34" charset="0"/>
-                <a:ea typeface="+mn-ea"/>
-                <a:cs typeface="+mn-cs"/>
-              </a:defRPr>
-            </a:lvl3pPr>
-            <a:lvl4pPr marL="1600200" indent="-228600" algn="l" rtl="0" eaLnBrk="1" latinLnBrk="0" hangingPunct="1">
-              <a:spcBef>
-                <a:spcPct val="20000"/>
-              </a:spcBef>
-              <a:buClr>
-                <a:schemeClr val="accent5"/>
-              </a:buClr>
-              <a:buSzPct val="75000"/>
-              <a:buFont typeface="Wingdings" panose="05000000000000000000" pitchFamily="2" charset="2"/>
-              <a:buChar char="§"/>
-              <a:defRPr kumimoji="0" sz="1600" kern="1200" baseline="0">
-                <a:solidFill>
-                  <a:schemeClr val="tx1"/>
-                </a:solidFill>
-                <a:latin typeface="Century Gothic" panose="020B0502020202020204" pitchFamily="34" charset="0"/>
-                <a:ea typeface="+mn-ea"/>
-                <a:cs typeface="+mn-cs"/>
-              </a:defRPr>
-            </a:lvl4pPr>
-            <a:lvl5pPr marL="2057400" indent="-228600" algn="l" rtl="0" eaLnBrk="1" latinLnBrk="0" hangingPunct="1">
-              <a:spcBef>
-                <a:spcPct val="20000"/>
-              </a:spcBef>
-              <a:buClr>
-                <a:schemeClr val="accent6"/>
-              </a:buClr>
-              <a:buSzPct val="70000"/>
-              <a:buFont typeface="Wingdings" panose="05000000000000000000" pitchFamily="2" charset="2"/>
-              <a:buChar char="§"/>
-              <a:defRPr kumimoji="0" sz="1600" kern="1200" baseline="0">
-                <a:solidFill>
-                  <a:schemeClr val="tx1"/>
-                </a:solidFill>
-                <a:latin typeface="Century Gothic" panose="020B0502020202020204" pitchFamily="34" charset="0"/>
-                <a:ea typeface="+mn-ea"/>
-                <a:cs typeface="+mn-cs"/>
-              </a:defRPr>
-            </a:lvl5pPr>
-            <a:lvl6pPr marL="2514600" indent="-228600" algn="l" rtl="0" eaLnBrk="1" latinLnBrk="1" hangingPunct="1">
-              <a:spcBef>
-                <a:spcPct val="20000"/>
-              </a:spcBef>
-              <a:buClr>
-                <a:schemeClr val="tx2"/>
-              </a:buClr>
-              <a:buSzPct val="60000"/>
-              <a:buFont typeface="Wingdings"/>
-              <a:buChar char="u"/>
-              <a:defRPr kumimoji="0" sz="1800" kern="1200">
-                <a:solidFill>
-                  <a:schemeClr val="tx1"/>
-                </a:solidFill>
-                <a:latin typeface="+mn-lt"/>
-                <a:ea typeface="+mn-ea"/>
-                <a:cs typeface="+mn-cs"/>
-              </a:defRPr>
-            </a:lvl6pPr>
-            <a:lvl7pPr marL="2971800" indent="-228600" algn="l" rtl="0" eaLnBrk="1" latinLnBrk="1" hangingPunct="1">
-              <a:spcBef>
-                <a:spcPct val="20000"/>
-              </a:spcBef>
-              <a:buClr>
-                <a:schemeClr val="accent1"/>
-              </a:buClr>
-              <a:buSzPct val="60000"/>
-              <a:buFont typeface="Wingdings"/>
-              <a:buChar char="u"/>
-              <a:defRPr kumimoji="0" sz="1600" kern="1200">
-                <a:solidFill>
-                  <a:schemeClr val="tx1"/>
-                </a:solidFill>
-                <a:latin typeface="+mn-lt"/>
-                <a:ea typeface="+mn-ea"/>
-                <a:cs typeface="+mn-cs"/>
-              </a:defRPr>
-            </a:lvl7pPr>
-            <a:lvl8pPr marL="3429000" indent="-228600" algn="l" rtl="0" eaLnBrk="1" latinLnBrk="1" hangingPunct="1">
-              <a:spcBef>
-                <a:spcPct val="20000"/>
-              </a:spcBef>
-              <a:buClr>
-                <a:schemeClr val="accent2"/>
-              </a:buClr>
-              <a:buSzPct val="55000"/>
-              <a:buFont typeface="Wingdings"/>
-              <a:buChar char="u"/>
-              <a:defRPr kumimoji="0" sz="1400" kern="1200">
-                <a:solidFill>
-                  <a:schemeClr val="tx1"/>
-                </a:solidFill>
-                <a:latin typeface="+mn-lt"/>
-                <a:ea typeface="+mn-ea"/>
-                <a:cs typeface="+mn-cs"/>
-              </a:defRPr>
-            </a:lvl8pPr>
-            <a:lvl9pPr marL="3886200" indent="-228600" algn="l" rtl="0" eaLnBrk="1" latinLnBrk="1" hangingPunct="1">
-              <a:spcBef>
-                <a:spcPct val="20000"/>
-              </a:spcBef>
-              <a:buClr>
-                <a:schemeClr val="accent3"/>
-              </a:buClr>
-              <a:buSzPct val="50000"/>
-              <a:buFont typeface="Wingdings"/>
-              <a:buChar char="u"/>
-              <a:defRPr kumimoji="0" sz="1400" kern="1200">
-                <a:solidFill>
-                  <a:schemeClr val="tx1"/>
-                </a:solidFill>
-                <a:latin typeface="+mn-lt"/>
-                <a:ea typeface="+mn-ea"/>
-                <a:cs typeface="+mn-cs"/>
-              </a:defRPr>
-            </a:lvl9pPr>
-          </a:lstStyle>
-          <a:p>
-            <a:pPr marL="0" indent="0" eaLnBrk="0" fontAlgn="base" hangingPunct="0">
-              <a:spcBef>
-                <a:spcPct val="0"/>
-              </a:spcBef>
-              <a:spcAft>
-                <a:spcPct val="0"/>
-              </a:spcAft>
-              <a:buClrTx/>
-              <a:buFontTx/>
-              <a:buNone/>
-            </a:pPr>
-            <a:r>
-              <a:rPr lang="en-US" altLang="ko-KR" sz="1600" dirty="0">
-                <a:solidFill>
-                  <a:srgbClr val="000080"/>
-                </a:solidFill>
-                <a:latin typeface="Consolas" panose="020B0609020204030204" pitchFamily="49" charset="0"/>
-                <a:ea typeface="D2Coding" panose="020B0609020101020101" pitchFamily="49" charset="-127"/>
-              </a:rPr>
-              <a:t>&lt;?xml version="1.0" encoding="utf-8"?&gt;</a:t>
-            </a:r>
-          </a:p>
-          <a:p>
-            <a:pPr marL="0" indent="0" eaLnBrk="0" fontAlgn="base" hangingPunct="0">
-              <a:spcBef>
-                <a:spcPct val="0"/>
-              </a:spcBef>
-              <a:spcAft>
-                <a:spcPct val="0"/>
-              </a:spcAft>
-              <a:buClrTx/>
-              <a:buFontTx/>
-              <a:buNone/>
-            </a:pPr>
-            <a:r>
-              <a:rPr lang="en-US" altLang="ko-KR" sz="1600" dirty="0">
-                <a:solidFill>
-                  <a:srgbClr val="000080"/>
-                </a:solidFill>
-                <a:latin typeface="Consolas" panose="020B0609020204030204" pitchFamily="49" charset="0"/>
-                <a:ea typeface="D2Coding" panose="020B0609020101020101" pitchFamily="49" charset="-127"/>
-              </a:rPr>
-              <a:t>&lt;manifest </a:t>
-            </a:r>
-            <a:r>
-              <a:rPr lang="en-US" altLang="ko-KR" sz="1600" dirty="0" err="1">
-                <a:solidFill>
-                  <a:srgbClr val="000080"/>
-                </a:solidFill>
-                <a:latin typeface="Consolas" panose="020B0609020204030204" pitchFamily="49" charset="0"/>
-                <a:ea typeface="D2Coding" panose="020B0609020101020101" pitchFamily="49" charset="-127"/>
-              </a:rPr>
-              <a:t>xmlns:android</a:t>
-            </a:r>
-            <a:r>
-              <a:rPr lang="en-US" altLang="ko-KR" sz="1600" dirty="0">
-                <a:solidFill>
-                  <a:srgbClr val="000080"/>
-                </a:solidFill>
-                <a:latin typeface="Consolas" panose="020B0609020204030204" pitchFamily="49" charset="0"/>
-                <a:ea typeface="D2Coding" panose="020B0609020101020101" pitchFamily="49" charset="-127"/>
-              </a:rPr>
-              <a:t>="http://schemas.android.com/</a:t>
-            </a:r>
-            <a:r>
-              <a:rPr lang="en-US" altLang="ko-KR" sz="1600" dirty="0" err="1">
-                <a:solidFill>
-                  <a:srgbClr val="000080"/>
-                </a:solidFill>
-                <a:latin typeface="Consolas" panose="020B0609020204030204" pitchFamily="49" charset="0"/>
-                <a:ea typeface="D2Coding" panose="020B0609020101020101" pitchFamily="49" charset="-127"/>
-              </a:rPr>
-              <a:t>apk</a:t>
-            </a:r>
-            <a:r>
-              <a:rPr lang="en-US" altLang="ko-KR" sz="1600" dirty="0">
-                <a:solidFill>
-                  <a:srgbClr val="000080"/>
-                </a:solidFill>
-                <a:latin typeface="Consolas" panose="020B0609020204030204" pitchFamily="49" charset="0"/>
-                <a:ea typeface="D2Coding" panose="020B0609020101020101" pitchFamily="49" charset="-127"/>
-              </a:rPr>
-              <a:t>/res/android"</a:t>
-            </a:r>
-          </a:p>
-          <a:p>
-            <a:pPr marL="0" indent="0" eaLnBrk="0" fontAlgn="base" hangingPunct="0">
-              <a:spcBef>
-                <a:spcPct val="0"/>
-              </a:spcBef>
-              <a:spcAft>
-                <a:spcPct val="0"/>
-              </a:spcAft>
-              <a:buClrTx/>
-              <a:buFontTx/>
-              <a:buNone/>
-            </a:pPr>
-            <a:r>
-              <a:rPr lang="en-US" altLang="ko-KR" sz="1600" dirty="0">
-                <a:solidFill>
-                  <a:srgbClr val="000080"/>
-                </a:solidFill>
-                <a:latin typeface="Consolas" panose="020B0609020204030204" pitchFamily="49" charset="0"/>
-                <a:ea typeface="D2Coding" panose="020B0609020101020101" pitchFamily="49" charset="-127"/>
-              </a:rPr>
-              <a:t>    package</a:t>
-            </a:r>
-            <a:r>
-              <a:rPr lang="en-US" altLang="ko-KR" sz="1600" dirty="0" smtClean="0">
-                <a:solidFill>
-                  <a:srgbClr val="000080"/>
-                </a:solidFill>
-                <a:latin typeface="Consolas" panose="020B0609020204030204" pitchFamily="49" charset="0"/>
-                <a:ea typeface="D2Coding" panose="020B0609020101020101" pitchFamily="49" charset="-127"/>
-              </a:rPr>
-              <a:t>="</a:t>
-            </a:r>
-            <a:r>
-              <a:rPr lang="en-US" altLang="ko-KR" sz="1600" dirty="0" err="1" smtClean="0">
-                <a:solidFill>
-                  <a:srgbClr val="000080"/>
-                </a:solidFill>
-                <a:latin typeface="Consolas" panose="020B0609020204030204" pitchFamily="49" charset="0"/>
-                <a:ea typeface="D2Coding" panose="020B0609020101020101" pitchFamily="49" charset="-127"/>
-              </a:rPr>
-              <a:t>com.example.capture</a:t>
-            </a:r>
-            <a:r>
-              <a:rPr lang="en-US" altLang="ko-KR" sz="1600" dirty="0">
-                <a:solidFill>
-                  <a:srgbClr val="000080"/>
-                </a:solidFill>
-                <a:latin typeface="Consolas" panose="020B0609020204030204" pitchFamily="49" charset="0"/>
-                <a:ea typeface="D2Coding" panose="020B0609020101020101" pitchFamily="49" charset="-127"/>
-              </a:rPr>
-              <a:t>"&gt;</a:t>
-            </a:r>
-          </a:p>
-          <a:p>
-            <a:pPr marL="0" indent="0" eaLnBrk="0" fontAlgn="base" hangingPunct="0">
-              <a:spcBef>
-                <a:spcPct val="0"/>
-              </a:spcBef>
-              <a:spcAft>
-                <a:spcPct val="0"/>
-              </a:spcAft>
-              <a:buClrTx/>
-              <a:buFontTx/>
-              <a:buNone/>
-            </a:pPr>
-            <a:endParaRPr lang="en-US" altLang="ko-KR" sz="1600" dirty="0">
-              <a:solidFill>
-                <a:srgbClr val="000080"/>
-              </a:solidFill>
-              <a:latin typeface="Consolas" panose="020B0609020204030204" pitchFamily="49" charset="0"/>
-              <a:ea typeface="D2Coding" panose="020B0609020101020101" pitchFamily="49" charset="-127"/>
-            </a:endParaRPr>
-          </a:p>
-          <a:p>
-            <a:pPr marL="0" indent="0" eaLnBrk="0" fontAlgn="base" hangingPunct="0">
-              <a:spcBef>
-                <a:spcPct val="0"/>
-              </a:spcBef>
-              <a:spcAft>
-                <a:spcPct val="0"/>
-              </a:spcAft>
-              <a:buClrTx/>
-              <a:buFontTx/>
-              <a:buNone/>
-            </a:pPr>
-            <a:r>
-              <a:rPr lang="en-US" altLang="ko-KR" sz="1600" dirty="0">
-                <a:solidFill>
-                  <a:srgbClr val="000080"/>
-                </a:solidFill>
-                <a:latin typeface="Consolas" panose="020B0609020204030204" pitchFamily="49" charset="0"/>
-                <a:ea typeface="D2Coding" panose="020B0609020101020101" pitchFamily="49" charset="-127"/>
-              </a:rPr>
-              <a:t>    &lt;uses-permission android:name="</a:t>
-            </a:r>
-            <a:r>
-              <a:rPr lang="en-US" altLang="ko-KR" sz="1600" dirty="0" err="1">
-                <a:solidFill>
-                  <a:srgbClr val="000080"/>
-                </a:solidFill>
-                <a:latin typeface="Consolas" panose="020B0609020204030204" pitchFamily="49" charset="0"/>
-                <a:ea typeface="D2Coding" panose="020B0609020101020101" pitchFamily="49" charset="-127"/>
-              </a:rPr>
-              <a:t>android.permission.CAMERA</a:t>
-            </a:r>
-            <a:r>
-              <a:rPr lang="en-US" altLang="ko-KR" sz="1600" dirty="0">
-                <a:solidFill>
-                  <a:srgbClr val="000080"/>
-                </a:solidFill>
-                <a:latin typeface="Consolas" panose="020B0609020204030204" pitchFamily="49" charset="0"/>
-                <a:ea typeface="D2Coding" panose="020B0609020101020101" pitchFamily="49" charset="-127"/>
-              </a:rPr>
-              <a:t>" /&gt;</a:t>
-            </a:r>
-          </a:p>
-          <a:p>
-            <a:pPr marL="0" indent="0" eaLnBrk="0" fontAlgn="base" hangingPunct="0">
-              <a:spcBef>
-                <a:spcPct val="0"/>
-              </a:spcBef>
-              <a:spcAft>
-                <a:spcPct val="0"/>
-              </a:spcAft>
-              <a:buClrTx/>
-              <a:buFontTx/>
-              <a:buNone/>
-            </a:pPr>
-            <a:r>
-              <a:rPr lang="en-US" altLang="ko-KR" sz="1600" dirty="0">
-                <a:solidFill>
-                  <a:srgbClr val="000080"/>
-                </a:solidFill>
-                <a:latin typeface="Consolas" panose="020B0609020204030204" pitchFamily="49" charset="0"/>
-                <a:ea typeface="D2Coding" panose="020B0609020101020101" pitchFamily="49" charset="-127"/>
-              </a:rPr>
-              <a:t>    &lt;uses-permission android:name="</a:t>
-            </a:r>
-            <a:r>
-              <a:rPr lang="en-US" altLang="ko-KR" sz="1600" dirty="0" err="1">
-                <a:solidFill>
-                  <a:srgbClr val="000080"/>
-                </a:solidFill>
-                <a:latin typeface="Consolas" panose="020B0609020204030204" pitchFamily="49" charset="0"/>
-                <a:ea typeface="D2Coding" panose="020B0609020101020101" pitchFamily="49" charset="-127"/>
-              </a:rPr>
-              <a:t>android.permission.WRITE_EXTERNAL_STORAGE</a:t>
-            </a:r>
-            <a:r>
-              <a:rPr lang="en-US" altLang="ko-KR" sz="1600" dirty="0">
-                <a:solidFill>
-                  <a:srgbClr val="000080"/>
-                </a:solidFill>
-                <a:latin typeface="Consolas" panose="020B0609020204030204" pitchFamily="49" charset="0"/>
-                <a:ea typeface="D2Coding" panose="020B0609020101020101" pitchFamily="49" charset="-127"/>
-              </a:rPr>
-              <a:t>" /&gt;</a:t>
-            </a:r>
-          </a:p>
-          <a:p>
-            <a:pPr marL="0" indent="0" eaLnBrk="0" fontAlgn="base" hangingPunct="0">
-              <a:spcBef>
-                <a:spcPct val="0"/>
-              </a:spcBef>
-              <a:spcAft>
-                <a:spcPct val="0"/>
-              </a:spcAft>
-              <a:buClrTx/>
-              <a:buFontTx/>
-              <a:buNone/>
-            </a:pPr>
-            <a:r>
-              <a:rPr lang="en-US" altLang="ko-KR" sz="1600" dirty="0">
-                <a:solidFill>
-                  <a:srgbClr val="000080"/>
-                </a:solidFill>
-                <a:latin typeface="Consolas" panose="020B0609020204030204" pitchFamily="49" charset="0"/>
-                <a:ea typeface="D2Coding" panose="020B0609020101020101" pitchFamily="49" charset="-127"/>
-              </a:rPr>
-              <a:t>    &lt;uses-permission android:name="</a:t>
-            </a:r>
-            <a:r>
-              <a:rPr lang="en-US" altLang="ko-KR" sz="1600" dirty="0" err="1">
-                <a:solidFill>
-                  <a:srgbClr val="000080"/>
-                </a:solidFill>
-                <a:latin typeface="Consolas" panose="020B0609020204030204" pitchFamily="49" charset="0"/>
-                <a:ea typeface="D2Coding" panose="020B0609020101020101" pitchFamily="49" charset="-127"/>
-              </a:rPr>
-              <a:t>android.permission.READ_EXTERNAL_STORAGE</a:t>
-            </a:r>
-            <a:r>
-              <a:rPr lang="en-US" altLang="ko-KR" sz="1600" dirty="0">
-                <a:solidFill>
-                  <a:srgbClr val="000080"/>
-                </a:solidFill>
-                <a:latin typeface="Consolas" panose="020B0609020204030204" pitchFamily="49" charset="0"/>
-                <a:ea typeface="D2Coding" panose="020B0609020101020101" pitchFamily="49" charset="-127"/>
-              </a:rPr>
-              <a:t>" /&gt;</a:t>
-            </a:r>
-          </a:p>
-          <a:p>
-            <a:pPr marL="0" indent="0" eaLnBrk="0" fontAlgn="base" hangingPunct="0">
-              <a:spcBef>
-                <a:spcPct val="0"/>
-              </a:spcBef>
-              <a:spcAft>
-                <a:spcPct val="0"/>
-              </a:spcAft>
-              <a:buClrTx/>
-              <a:buFontTx/>
-              <a:buNone/>
-            </a:pPr>
-            <a:endParaRPr lang="en-US" altLang="ko-KR" sz="1600" dirty="0">
-              <a:solidFill>
-                <a:srgbClr val="000080"/>
-              </a:solidFill>
-              <a:latin typeface="Consolas" panose="020B0609020204030204" pitchFamily="49" charset="0"/>
-              <a:ea typeface="D2Coding" panose="020B0609020101020101" pitchFamily="49" charset="-127"/>
-            </a:endParaRPr>
-          </a:p>
-          <a:p>
-            <a:pPr marL="0" indent="0" eaLnBrk="0" fontAlgn="base" hangingPunct="0">
-              <a:spcBef>
-                <a:spcPct val="0"/>
-              </a:spcBef>
-              <a:spcAft>
-                <a:spcPct val="0"/>
-              </a:spcAft>
-              <a:buClrTx/>
-              <a:buFontTx/>
-              <a:buNone/>
-            </a:pPr>
-            <a:r>
-              <a:rPr lang="en-US" altLang="ko-KR" sz="1600" dirty="0">
-                <a:solidFill>
-                  <a:srgbClr val="000080"/>
-                </a:solidFill>
-                <a:latin typeface="Consolas" panose="020B0609020204030204" pitchFamily="49" charset="0"/>
-                <a:ea typeface="D2Coding" panose="020B0609020101020101" pitchFamily="49" charset="-127"/>
-              </a:rPr>
-              <a:t>    &lt;uses-feature android:name="</a:t>
-            </a:r>
-            <a:r>
-              <a:rPr lang="en-US" altLang="ko-KR" sz="1600" dirty="0" err="1">
-                <a:solidFill>
-                  <a:srgbClr val="000080"/>
-                </a:solidFill>
-                <a:latin typeface="Consolas" panose="020B0609020204030204" pitchFamily="49" charset="0"/>
-                <a:ea typeface="D2Coding" panose="020B0609020101020101" pitchFamily="49" charset="-127"/>
-              </a:rPr>
-              <a:t>android.hardware.camera</a:t>
-            </a:r>
-            <a:r>
-              <a:rPr lang="en-US" altLang="ko-KR" sz="1600" dirty="0" smtClean="0">
-                <a:solidFill>
-                  <a:srgbClr val="000080"/>
-                </a:solidFill>
-                <a:latin typeface="Consolas" panose="020B0609020204030204" pitchFamily="49" charset="0"/>
-                <a:ea typeface="D2Coding" panose="020B0609020101020101" pitchFamily="49" charset="-127"/>
-              </a:rPr>
-              <a:t>" </a:t>
-            </a:r>
-            <a:r>
-              <a:rPr lang="en-US" altLang="ko-KR" sz="1600" dirty="0" err="1" smtClean="0">
-                <a:solidFill>
-                  <a:srgbClr val="000080"/>
-                </a:solidFill>
-                <a:latin typeface="Consolas" panose="020B0609020204030204" pitchFamily="49" charset="0"/>
-                <a:ea typeface="D2Coding" panose="020B0609020101020101" pitchFamily="49" charset="-127"/>
-              </a:rPr>
-              <a:t>android:required</a:t>
-            </a:r>
-            <a:r>
-              <a:rPr lang="en-US" altLang="ko-KR" sz="1600" dirty="0">
-                <a:solidFill>
-                  <a:srgbClr val="000080"/>
-                </a:solidFill>
-                <a:latin typeface="Consolas" panose="020B0609020204030204" pitchFamily="49" charset="0"/>
-                <a:ea typeface="D2Coding" panose="020B0609020101020101" pitchFamily="49" charset="-127"/>
-              </a:rPr>
-              <a:t>="true" /&gt;</a:t>
-            </a:r>
-          </a:p>
-          <a:p>
-            <a:pPr marL="0" indent="0" eaLnBrk="0" fontAlgn="base" hangingPunct="0">
-              <a:spcBef>
-                <a:spcPct val="0"/>
-              </a:spcBef>
-              <a:spcAft>
-                <a:spcPct val="0"/>
-              </a:spcAft>
-              <a:buClrTx/>
-              <a:buFontTx/>
-              <a:buNone/>
-            </a:pPr>
-            <a:endParaRPr lang="en-US" altLang="ko-KR" sz="1600" dirty="0">
-              <a:solidFill>
-                <a:srgbClr val="000080"/>
-              </a:solidFill>
-              <a:latin typeface="Consolas" panose="020B0609020204030204" pitchFamily="49" charset="0"/>
-              <a:ea typeface="D2Coding" panose="020B0609020101020101" pitchFamily="49" charset="-127"/>
-            </a:endParaRPr>
-          </a:p>
-          <a:p>
-            <a:pPr marL="0" indent="0" eaLnBrk="0" fontAlgn="base" hangingPunct="0">
-              <a:spcBef>
-                <a:spcPct val="0"/>
-              </a:spcBef>
-              <a:spcAft>
-                <a:spcPct val="0"/>
-              </a:spcAft>
-              <a:buClrTx/>
-              <a:buFontTx/>
-              <a:buNone/>
-            </a:pPr>
-            <a:r>
-              <a:rPr lang="en-US" altLang="ko-KR" sz="1600" dirty="0">
-                <a:solidFill>
-                  <a:srgbClr val="000080"/>
-                </a:solidFill>
-                <a:latin typeface="Consolas" panose="020B0609020204030204" pitchFamily="49" charset="0"/>
-                <a:ea typeface="D2Coding" panose="020B0609020101020101" pitchFamily="49" charset="-127"/>
-              </a:rPr>
-              <a:t>    &lt;application</a:t>
-            </a:r>
-          </a:p>
-          <a:p>
-            <a:pPr marL="0" indent="0" eaLnBrk="0" fontAlgn="base" hangingPunct="0">
-              <a:spcBef>
-                <a:spcPct val="0"/>
-              </a:spcBef>
-              <a:spcAft>
-                <a:spcPct val="0"/>
-              </a:spcAft>
-              <a:buClrTx/>
-              <a:buFontTx/>
-              <a:buNone/>
-            </a:pPr>
-            <a:r>
-              <a:rPr lang="en-US" altLang="ko-KR" sz="1600" dirty="0">
-                <a:solidFill>
-                  <a:srgbClr val="000080"/>
-                </a:solidFill>
-                <a:latin typeface="Consolas" panose="020B0609020204030204" pitchFamily="49" charset="0"/>
-                <a:ea typeface="D2Coding" panose="020B0609020101020101" pitchFamily="49" charset="-127"/>
-              </a:rPr>
-              <a:t>        </a:t>
-            </a:r>
-            <a:r>
-              <a:rPr lang="en-US" altLang="ko-KR" sz="1600" dirty="0" err="1">
-                <a:solidFill>
-                  <a:srgbClr val="000080"/>
-                </a:solidFill>
-                <a:latin typeface="Consolas" panose="020B0609020204030204" pitchFamily="49" charset="0"/>
-                <a:ea typeface="D2Coding" panose="020B0609020101020101" pitchFamily="49" charset="-127"/>
-              </a:rPr>
-              <a:t>android:allowBackup</a:t>
-            </a:r>
-            <a:r>
-              <a:rPr lang="en-US" altLang="ko-KR" sz="1600" dirty="0">
-                <a:solidFill>
-                  <a:srgbClr val="000080"/>
-                </a:solidFill>
-                <a:latin typeface="Consolas" panose="020B0609020204030204" pitchFamily="49" charset="0"/>
-                <a:ea typeface="D2Coding" panose="020B0609020101020101" pitchFamily="49" charset="-127"/>
-              </a:rPr>
-              <a:t>="true</a:t>
-            </a:r>
-            <a:r>
-              <a:rPr lang="en-US" altLang="ko-KR" sz="1600" dirty="0" smtClean="0">
-                <a:solidFill>
-                  <a:srgbClr val="000080"/>
-                </a:solidFill>
-                <a:latin typeface="Consolas" panose="020B0609020204030204" pitchFamily="49" charset="0"/>
-                <a:ea typeface="D2Coding" panose="020B0609020101020101" pitchFamily="49" charset="-127"/>
-              </a:rPr>
-              <a:t>"</a:t>
-            </a:r>
-          </a:p>
-          <a:p>
-            <a:pPr marL="0" indent="0" eaLnBrk="0" fontAlgn="base" hangingPunct="0">
-              <a:spcBef>
-                <a:spcPct val="0"/>
-              </a:spcBef>
-              <a:spcAft>
-                <a:spcPct val="0"/>
-              </a:spcAft>
-              <a:buClrTx/>
-              <a:buFontTx/>
-              <a:buNone/>
-            </a:pPr>
-            <a:r>
-              <a:rPr lang="en-US" altLang="ko-KR" sz="1600" dirty="0" smtClean="0">
-                <a:solidFill>
-                  <a:srgbClr val="000080"/>
-                </a:solidFill>
-                <a:latin typeface="Consolas" panose="020B0609020204030204" pitchFamily="49" charset="0"/>
-                <a:ea typeface="D2Coding" panose="020B0609020101020101" pitchFamily="49" charset="-127"/>
-              </a:rPr>
-              <a:t>...</a:t>
-            </a:r>
-            <a:endParaRPr lang="en-US" altLang="ko-KR" sz="1600" dirty="0">
-              <a:solidFill>
-                <a:srgbClr val="000080"/>
-              </a:solidFill>
-              <a:latin typeface="Consolas" panose="020B0609020204030204" pitchFamily="49" charset="0"/>
-              <a:ea typeface="D2Coding" panose="020B0609020101020101" pitchFamily="49" charset="-127"/>
-            </a:endParaRPr>
-          </a:p>
-        </p:txBody>
-      </p:sp>
-      <p:sp>
-        <p:nvSpPr>
-          <p:cNvPr id="6" name="모서리가 둥근 직사각형 5"/>
-          <p:cNvSpPr/>
-          <p:nvPr/>
-        </p:nvSpPr>
-        <p:spPr>
-          <a:xfrm flipH="1">
-            <a:off x="407368" y="3140968"/>
-            <a:ext cx="504056" cy="1512168"/>
-          </a:xfrm>
-          <a:prstGeom prst="roundRect">
-            <a:avLst/>
-          </a:prstGeom>
-          <a:solidFill>
-            <a:srgbClr val="FFFF00">
-              <a:alpha val="10000"/>
-            </a:srgbClr>
-          </a:solidFill>
-          <a:ln w="3175"/>
-        </p:spPr>
-        <p:style>
-          <a:lnRef idx="2">
-            <a:schemeClr val="accent1">
-              <a:shade val="50000"/>
-            </a:schemeClr>
-          </a:lnRef>
-          <a:fillRef idx="1">
-            <a:schemeClr val="accent1"/>
-          </a:fillRef>
-          <a:effectRef idx="0">
-            <a:schemeClr val="accent1"/>
-          </a:effectRef>
-          <a:fontRef idx="minor">
-            <a:schemeClr val="lt1"/>
-          </a:fontRef>
-        </p:style>
-        <p:txBody>
-          <a:bodyPr rtlCol="0" anchor="ctr"/>
-          <a:lstStyle/>
-          <a:p>
-            <a:pPr algn="ctr"/>
-            <a:endParaRPr lang="ko-KR" altLang="en-US"/>
-          </a:p>
-        </p:txBody>
-      </p:sp>
-    </p:spTree>
-    <p:extLst>
-      <p:ext uri="{BB962C8B-B14F-4D97-AF65-F5344CB8AC3E}">
-        <p14:creationId xmlns:p14="http://schemas.microsoft.com/office/powerpoint/2010/main" val="676871944"/>
       </p:ext>
     </p:extLst>
   </p:cSld>
@@ -23747,40 +23273,86 @@
           </a:p>
           <a:p>
             <a:r>
-              <a:rPr lang="en-US" altLang="ko-KR" b="1" dirty="0" err="1" smtClean="0">
+              <a:rPr lang="ko-KR" altLang="en-US" dirty="0" smtClean="0">
+                <a:sym typeface="Wingdings" panose="05000000000000000000" pitchFamily="2" charset="2"/>
+              </a:rPr>
+              <a:t>앱이 </a:t>
+            </a:r>
+            <a:r>
+              <a:rPr lang="en-US" altLang="ko-KR" dirty="0" smtClean="0">
+                <a:sym typeface="Wingdings" panose="05000000000000000000" pitchFamily="2" charset="2"/>
+              </a:rPr>
+              <a:t>Camera</a:t>
+            </a:r>
+            <a:r>
+              <a:rPr lang="ko-KR" altLang="en-US" dirty="0" smtClean="0">
+                <a:sym typeface="Wingdings" panose="05000000000000000000" pitchFamily="2" charset="2"/>
+              </a:rPr>
+              <a:t>와 </a:t>
+            </a:r>
+            <a:r>
+              <a:rPr lang="en-US" altLang="ko-KR" dirty="0" smtClean="0">
+                <a:sym typeface="Wingdings" panose="05000000000000000000" pitchFamily="2" charset="2"/>
+              </a:rPr>
+              <a:t>SD</a:t>
+            </a:r>
+            <a:r>
+              <a:rPr lang="ko-KR" altLang="en-US" dirty="0" smtClean="0">
+                <a:sym typeface="Wingdings" panose="05000000000000000000" pitchFamily="2" charset="2"/>
+              </a:rPr>
+              <a:t>카드를 접근하므로 이 권한을 </a:t>
+            </a:r>
+            <a:r>
+              <a:rPr lang="ko-KR" altLang="en-US" dirty="0" err="1" smtClean="0">
+                <a:sym typeface="Wingdings" panose="05000000000000000000" pitchFamily="2" charset="2"/>
+              </a:rPr>
+              <a:t>매네페스트와</a:t>
+            </a:r>
+            <a:r>
+              <a:rPr lang="ko-KR" altLang="en-US" dirty="0" smtClean="0">
+                <a:sym typeface="Wingdings" panose="05000000000000000000" pitchFamily="2" charset="2"/>
+              </a:rPr>
+              <a:t> 메인 액티비티</a:t>
+            </a:r>
+            <a:r>
+              <a:rPr lang="en-US" altLang="ko-KR" dirty="0" smtClean="0">
+                <a:sym typeface="Wingdings" panose="05000000000000000000" pitchFamily="2" charset="2"/>
+              </a:rPr>
+              <a:t>, </a:t>
+            </a:r>
+            <a:r>
+              <a:rPr lang="ko-KR" altLang="en-US" dirty="0" err="1" smtClean="0">
+                <a:sym typeface="Wingdings" panose="05000000000000000000" pitchFamily="2" charset="2"/>
+              </a:rPr>
+              <a:t>그래들에</a:t>
+            </a:r>
+            <a:r>
+              <a:rPr lang="ko-KR" altLang="en-US" dirty="0" smtClean="0">
+                <a:sym typeface="Wingdings" panose="05000000000000000000" pitchFamily="2" charset="2"/>
+              </a:rPr>
+              <a:t> 추가해야 합니다</a:t>
+            </a:r>
+            <a:r>
+              <a:rPr lang="en-US" altLang="ko-KR" dirty="0" smtClean="0">
+                <a:sym typeface="Wingdings" panose="05000000000000000000" pitchFamily="2" charset="2"/>
+              </a:rPr>
+              <a:t>.  </a:t>
+            </a:r>
+          </a:p>
+          <a:p>
+            <a:endParaRPr lang="en-US" altLang="ko-KR" dirty="0">
+              <a:sym typeface="Wingdings" panose="05000000000000000000" pitchFamily="2" charset="2"/>
+            </a:endParaRPr>
+          </a:p>
+          <a:p>
+            <a:r>
+              <a:rPr lang="en-US" altLang="ko-KR" b="1" dirty="0" smtClean="0">
                 <a:solidFill>
                   <a:srgbClr val="C00000"/>
                 </a:solidFill>
                 <a:sym typeface="Wingdings" panose="05000000000000000000" pitchFamily="2" charset="2"/>
               </a:rPr>
-              <a:t>build.gradle</a:t>
-            </a:r>
-            <a:r>
-              <a:rPr lang="en-US" altLang="ko-KR" b="1" dirty="0" smtClean="0">
-                <a:solidFill>
-                  <a:srgbClr val="C00000"/>
-                </a:solidFill>
-                <a:sym typeface="Wingdings" panose="05000000000000000000" pitchFamily="2" charset="2"/>
-              </a:rPr>
-              <a:t>(</a:t>
-            </a:r>
-            <a:r>
-              <a:rPr lang="en-US" altLang="ko-KR" b="1" dirty="0" err="1" smtClean="0">
-                <a:solidFill>
-                  <a:srgbClr val="C00000"/>
-                </a:solidFill>
-                <a:sym typeface="Wingdings" panose="05000000000000000000" pitchFamily="2" charset="2"/>
-              </a:rPr>
-              <a:t>Module:app</a:t>
-            </a:r>
-            <a:r>
-              <a:rPr lang="en-US" altLang="ko-KR" b="1" dirty="0" smtClean="0">
-                <a:solidFill>
-                  <a:srgbClr val="C00000"/>
-                </a:solidFill>
-                <a:sym typeface="Wingdings" panose="05000000000000000000" pitchFamily="2" charset="2"/>
-              </a:rPr>
-              <a:t>) </a:t>
+              <a:t>AndroidManifest.xml </a:t>
             </a:r>
             <a:endParaRPr lang="en-US" altLang="ko-KR" dirty="0">
               <a:sym typeface="Wingdings" panose="05000000000000000000" pitchFamily="2" charset="2"/>
@@ -23812,6 +23384,1022 @@
                 <a:defRPr/>
               </a:pPr>
               <a:t>30</a:t>
+            </a:fld>
+            <a:endParaRPr lang="ko-KR" altLang="en-US"/>
+          </a:p>
+        </p:txBody>
+      </p:sp>
+      <p:sp>
+        <p:nvSpPr>
+          <p:cNvPr id="5" name="Rectangle 1"/>
+          <p:cNvSpPr txBox="1">
+            <a:spLocks noChangeArrowheads="1"/>
+          </p:cNvSpPr>
+          <p:nvPr/>
+        </p:nvSpPr>
+        <p:spPr bwMode="auto">
+          <a:xfrm>
+            <a:off x="456890" y="2276872"/>
+            <a:ext cx="11244322" cy="3293209"/>
+          </a:xfrm>
+          <a:prstGeom prst="rect">
+            <a:avLst/>
+          </a:prstGeom>
+          <a:solidFill>
+            <a:schemeClr val="bg1">
+              <a:lumMod val="95000"/>
+            </a:schemeClr>
+          </a:solidFill>
+          <a:ln w="9525">
+            <a:solidFill>
+              <a:schemeClr val="bg1">
+                <a:lumMod val="75000"/>
+              </a:schemeClr>
+            </a:solidFill>
+            <a:miter lim="800000"/>
+            <a:headEnd/>
+            <a:tailEnd/>
+          </a:ln>
+          <a:effectLst/>
+        </p:spPr>
+        <p:txBody>
+          <a:bodyPr vert="horz" wrap="square" lIns="91440" tIns="45720" rIns="91440" bIns="45720" numCol="1" rtlCol="0" anchor="t" anchorCtr="0" compatLnSpc="1">
+            <a:prstTxWarp prst="textNoShape">
+              <a:avLst/>
+            </a:prstTxWarp>
+            <a:spAutoFit/>
+          </a:bodyPr>
+          <a:lstStyle>
+            <a:lvl1pPr marL="342900" indent="-342900" algn="l" rtl="0" eaLnBrk="1" latinLnBrk="0" hangingPunct="1">
+              <a:spcBef>
+                <a:spcPct val="20000"/>
+              </a:spcBef>
+              <a:buClr>
+                <a:schemeClr val="accent2"/>
+              </a:buClr>
+              <a:buFont typeface="Wingdings" panose="05000000000000000000" pitchFamily="2" charset="2"/>
+              <a:buChar char="§"/>
+              <a:defRPr kumimoji="0" sz="1800" kern="1200" baseline="0">
+                <a:solidFill>
+                  <a:schemeClr val="tx1"/>
+                </a:solidFill>
+                <a:latin typeface="Century Gothic" panose="020B0502020202020204" pitchFamily="34" charset="0"/>
+                <a:ea typeface="+mn-ea"/>
+                <a:cs typeface="+mn-cs"/>
+              </a:defRPr>
+            </a:lvl1pPr>
+            <a:lvl2pPr marL="742950" indent="-285750" algn="l" rtl="0" eaLnBrk="1" latinLnBrk="0" hangingPunct="1">
+              <a:spcBef>
+                <a:spcPct val="20000"/>
+              </a:spcBef>
+              <a:buClr>
+                <a:schemeClr val="accent3"/>
+              </a:buClr>
+              <a:buSzPct val="85000"/>
+              <a:buFont typeface="Wingdings" panose="05000000000000000000" pitchFamily="2" charset="2"/>
+              <a:buChar char="§"/>
+              <a:defRPr kumimoji="0" sz="1800" kern="1200" baseline="0">
+                <a:solidFill>
+                  <a:schemeClr val="tx1"/>
+                </a:solidFill>
+                <a:latin typeface="Century Gothic" panose="020B0502020202020204" pitchFamily="34" charset="0"/>
+                <a:ea typeface="+mn-ea"/>
+                <a:cs typeface="+mn-cs"/>
+              </a:defRPr>
+            </a:lvl2pPr>
+            <a:lvl3pPr marL="1143000" indent="-228600" algn="l" rtl="0" eaLnBrk="1" latinLnBrk="0" hangingPunct="1">
+              <a:spcBef>
+                <a:spcPct val="20000"/>
+              </a:spcBef>
+              <a:buClr>
+                <a:schemeClr val="accent4"/>
+              </a:buClr>
+              <a:buSzPct val="80000"/>
+              <a:buFont typeface="Wingdings" panose="05000000000000000000" pitchFamily="2" charset="2"/>
+              <a:buChar char="§"/>
+              <a:defRPr kumimoji="0" sz="1600" kern="1200" baseline="0">
+                <a:solidFill>
+                  <a:schemeClr val="tx1"/>
+                </a:solidFill>
+                <a:latin typeface="Century Gothic" panose="020B0502020202020204" pitchFamily="34" charset="0"/>
+                <a:ea typeface="+mn-ea"/>
+                <a:cs typeface="+mn-cs"/>
+              </a:defRPr>
+            </a:lvl3pPr>
+            <a:lvl4pPr marL="1600200" indent="-228600" algn="l" rtl="0" eaLnBrk="1" latinLnBrk="0" hangingPunct="1">
+              <a:spcBef>
+                <a:spcPct val="20000"/>
+              </a:spcBef>
+              <a:buClr>
+                <a:schemeClr val="accent5"/>
+              </a:buClr>
+              <a:buSzPct val="75000"/>
+              <a:buFont typeface="Wingdings" panose="05000000000000000000" pitchFamily="2" charset="2"/>
+              <a:buChar char="§"/>
+              <a:defRPr kumimoji="0" sz="1600" kern="1200" baseline="0">
+                <a:solidFill>
+                  <a:schemeClr val="tx1"/>
+                </a:solidFill>
+                <a:latin typeface="Century Gothic" panose="020B0502020202020204" pitchFamily="34" charset="0"/>
+                <a:ea typeface="+mn-ea"/>
+                <a:cs typeface="+mn-cs"/>
+              </a:defRPr>
+            </a:lvl4pPr>
+            <a:lvl5pPr marL="2057400" indent="-228600" algn="l" rtl="0" eaLnBrk="1" latinLnBrk="0" hangingPunct="1">
+              <a:spcBef>
+                <a:spcPct val="20000"/>
+              </a:spcBef>
+              <a:buClr>
+                <a:schemeClr val="accent6"/>
+              </a:buClr>
+              <a:buSzPct val="70000"/>
+              <a:buFont typeface="Wingdings" panose="05000000000000000000" pitchFamily="2" charset="2"/>
+              <a:buChar char="§"/>
+              <a:defRPr kumimoji="0" sz="1600" kern="1200" baseline="0">
+                <a:solidFill>
+                  <a:schemeClr val="tx1"/>
+                </a:solidFill>
+                <a:latin typeface="Century Gothic" panose="020B0502020202020204" pitchFamily="34" charset="0"/>
+                <a:ea typeface="+mn-ea"/>
+                <a:cs typeface="+mn-cs"/>
+              </a:defRPr>
+            </a:lvl5pPr>
+            <a:lvl6pPr marL="2514600" indent="-228600" algn="l" rtl="0" eaLnBrk="1" latinLnBrk="1" hangingPunct="1">
+              <a:spcBef>
+                <a:spcPct val="20000"/>
+              </a:spcBef>
+              <a:buClr>
+                <a:schemeClr val="tx2"/>
+              </a:buClr>
+              <a:buSzPct val="60000"/>
+              <a:buFont typeface="Wingdings"/>
+              <a:buChar char="u"/>
+              <a:defRPr kumimoji="0" sz="1800" kern="1200">
+                <a:solidFill>
+                  <a:schemeClr val="tx1"/>
+                </a:solidFill>
+                <a:latin typeface="+mn-lt"/>
+                <a:ea typeface="+mn-ea"/>
+                <a:cs typeface="+mn-cs"/>
+              </a:defRPr>
+            </a:lvl6pPr>
+            <a:lvl7pPr marL="2971800" indent="-228600" algn="l" rtl="0" eaLnBrk="1" latinLnBrk="1" hangingPunct="1">
+              <a:spcBef>
+                <a:spcPct val="20000"/>
+              </a:spcBef>
+              <a:buClr>
+                <a:schemeClr val="accent1"/>
+              </a:buClr>
+              <a:buSzPct val="60000"/>
+              <a:buFont typeface="Wingdings"/>
+              <a:buChar char="u"/>
+              <a:defRPr kumimoji="0" sz="1600" kern="1200">
+                <a:solidFill>
+                  <a:schemeClr val="tx1"/>
+                </a:solidFill>
+                <a:latin typeface="+mn-lt"/>
+                <a:ea typeface="+mn-ea"/>
+                <a:cs typeface="+mn-cs"/>
+              </a:defRPr>
+            </a:lvl7pPr>
+            <a:lvl8pPr marL="3429000" indent="-228600" algn="l" rtl="0" eaLnBrk="1" latinLnBrk="1" hangingPunct="1">
+              <a:spcBef>
+                <a:spcPct val="20000"/>
+              </a:spcBef>
+              <a:buClr>
+                <a:schemeClr val="accent2"/>
+              </a:buClr>
+              <a:buSzPct val="55000"/>
+              <a:buFont typeface="Wingdings"/>
+              <a:buChar char="u"/>
+              <a:defRPr kumimoji="0" sz="1400" kern="1200">
+                <a:solidFill>
+                  <a:schemeClr val="tx1"/>
+                </a:solidFill>
+                <a:latin typeface="+mn-lt"/>
+                <a:ea typeface="+mn-ea"/>
+                <a:cs typeface="+mn-cs"/>
+              </a:defRPr>
+            </a:lvl8pPr>
+            <a:lvl9pPr marL="3886200" indent="-228600" algn="l" rtl="0" eaLnBrk="1" latinLnBrk="1" hangingPunct="1">
+              <a:spcBef>
+                <a:spcPct val="20000"/>
+              </a:spcBef>
+              <a:buClr>
+                <a:schemeClr val="accent3"/>
+              </a:buClr>
+              <a:buSzPct val="50000"/>
+              <a:buFont typeface="Wingdings"/>
+              <a:buChar char="u"/>
+              <a:defRPr kumimoji="0" sz="1400" kern="1200">
+                <a:solidFill>
+                  <a:schemeClr val="tx1"/>
+                </a:solidFill>
+                <a:latin typeface="+mn-lt"/>
+                <a:ea typeface="+mn-ea"/>
+                <a:cs typeface="+mn-cs"/>
+              </a:defRPr>
+            </a:lvl9pPr>
+          </a:lstStyle>
+          <a:p>
+            <a:pPr marL="0" indent="0" eaLnBrk="0" fontAlgn="base" hangingPunct="0">
+              <a:spcBef>
+                <a:spcPct val="0"/>
+              </a:spcBef>
+              <a:spcAft>
+                <a:spcPct val="0"/>
+              </a:spcAft>
+              <a:buClrTx/>
+              <a:buFontTx/>
+              <a:buNone/>
+            </a:pPr>
+            <a:r>
+              <a:rPr lang="en-US" altLang="ko-KR" sz="1600" dirty="0">
+                <a:solidFill>
+                  <a:srgbClr val="000080"/>
+                </a:solidFill>
+                <a:latin typeface="Consolas" panose="020B0609020204030204" pitchFamily="49" charset="0"/>
+                <a:ea typeface="D2Coding" panose="020B0609020101020101" pitchFamily="49" charset="-127"/>
+              </a:rPr>
+              <a:t>&lt;?xml version="1.0" encoding="utf-8"?&gt;</a:t>
+            </a:r>
+          </a:p>
+          <a:p>
+            <a:pPr marL="0" indent="0" eaLnBrk="0" fontAlgn="base" hangingPunct="0">
+              <a:spcBef>
+                <a:spcPct val="0"/>
+              </a:spcBef>
+              <a:spcAft>
+                <a:spcPct val="0"/>
+              </a:spcAft>
+              <a:buClrTx/>
+              <a:buFontTx/>
+              <a:buNone/>
+            </a:pPr>
+            <a:r>
+              <a:rPr lang="en-US" altLang="ko-KR" sz="1600" dirty="0">
+                <a:solidFill>
+                  <a:srgbClr val="000080"/>
+                </a:solidFill>
+                <a:latin typeface="Consolas" panose="020B0609020204030204" pitchFamily="49" charset="0"/>
+                <a:ea typeface="D2Coding" panose="020B0609020101020101" pitchFamily="49" charset="-127"/>
+              </a:rPr>
+              <a:t>&lt;manifest </a:t>
+            </a:r>
+            <a:r>
+              <a:rPr lang="en-US" altLang="ko-KR" sz="1600" dirty="0" err="1">
+                <a:solidFill>
+                  <a:srgbClr val="000080"/>
+                </a:solidFill>
+                <a:latin typeface="Consolas" panose="020B0609020204030204" pitchFamily="49" charset="0"/>
+                <a:ea typeface="D2Coding" panose="020B0609020101020101" pitchFamily="49" charset="-127"/>
+              </a:rPr>
+              <a:t>xmlns:android</a:t>
+            </a:r>
+            <a:r>
+              <a:rPr lang="en-US" altLang="ko-KR" sz="1600" dirty="0">
+                <a:solidFill>
+                  <a:srgbClr val="000080"/>
+                </a:solidFill>
+                <a:latin typeface="Consolas" panose="020B0609020204030204" pitchFamily="49" charset="0"/>
+                <a:ea typeface="D2Coding" panose="020B0609020101020101" pitchFamily="49" charset="-127"/>
+              </a:rPr>
+              <a:t>="http://schemas.android.com/</a:t>
+            </a:r>
+            <a:r>
+              <a:rPr lang="en-US" altLang="ko-KR" sz="1600" dirty="0" err="1">
+                <a:solidFill>
+                  <a:srgbClr val="000080"/>
+                </a:solidFill>
+                <a:latin typeface="Consolas" panose="020B0609020204030204" pitchFamily="49" charset="0"/>
+                <a:ea typeface="D2Coding" panose="020B0609020101020101" pitchFamily="49" charset="-127"/>
+              </a:rPr>
+              <a:t>apk</a:t>
+            </a:r>
+            <a:r>
+              <a:rPr lang="en-US" altLang="ko-KR" sz="1600" dirty="0">
+                <a:solidFill>
+                  <a:srgbClr val="000080"/>
+                </a:solidFill>
+                <a:latin typeface="Consolas" panose="020B0609020204030204" pitchFamily="49" charset="0"/>
+                <a:ea typeface="D2Coding" panose="020B0609020101020101" pitchFamily="49" charset="-127"/>
+              </a:rPr>
+              <a:t>/res/android"</a:t>
+            </a:r>
+          </a:p>
+          <a:p>
+            <a:pPr marL="0" indent="0" eaLnBrk="0" fontAlgn="base" hangingPunct="0">
+              <a:spcBef>
+                <a:spcPct val="0"/>
+              </a:spcBef>
+              <a:spcAft>
+                <a:spcPct val="0"/>
+              </a:spcAft>
+              <a:buClrTx/>
+              <a:buFontTx/>
+              <a:buNone/>
+            </a:pPr>
+            <a:r>
+              <a:rPr lang="en-US" altLang="ko-KR" sz="1600" dirty="0">
+                <a:solidFill>
+                  <a:srgbClr val="000080"/>
+                </a:solidFill>
+                <a:latin typeface="Consolas" panose="020B0609020204030204" pitchFamily="49" charset="0"/>
+                <a:ea typeface="D2Coding" panose="020B0609020101020101" pitchFamily="49" charset="-127"/>
+              </a:rPr>
+              <a:t>    package</a:t>
+            </a:r>
+            <a:r>
+              <a:rPr lang="en-US" altLang="ko-KR" sz="1600" dirty="0" smtClean="0">
+                <a:solidFill>
+                  <a:srgbClr val="000080"/>
+                </a:solidFill>
+                <a:latin typeface="Consolas" panose="020B0609020204030204" pitchFamily="49" charset="0"/>
+                <a:ea typeface="D2Coding" panose="020B0609020101020101" pitchFamily="49" charset="-127"/>
+              </a:rPr>
+              <a:t>="</a:t>
+            </a:r>
+            <a:r>
+              <a:rPr lang="en-US" altLang="ko-KR" sz="1600" dirty="0" err="1" smtClean="0">
+                <a:solidFill>
+                  <a:srgbClr val="000080"/>
+                </a:solidFill>
+                <a:latin typeface="Consolas" panose="020B0609020204030204" pitchFamily="49" charset="0"/>
+                <a:ea typeface="D2Coding" panose="020B0609020101020101" pitchFamily="49" charset="-127"/>
+              </a:rPr>
+              <a:t>com.example.capture</a:t>
+            </a:r>
+            <a:r>
+              <a:rPr lang="en-US" altLang="ko-KR" sz="1600" dirty="0">
+                <a:solidFill>
+                  <a:srgbClr val="000080"/>
+                </a:solidFill>
+                <a:latin typeface="Consolas" panose="020B0609020204030204" pitchFamily="49" charset="0"/>
+                <a:ea typeface="D2Coding" panose="020B0609020101020101" pitchFamily="49" charset="-127"/>
+              </a:rPr>
+              <a:t>"&gt;</a:t>
+            </a:r>
+          </a:p>
+          <a:p>
+            <a:pPr marL="0" indent="0" eaLnBrk="0" fontAlgn="base" hangingPunct="0">
+              <a:spcBef>
+                <a:spcPct val="0"/>
+              </a:spcBef>
+              <a:spcAft>
+                <a:spcPct val="0"/>
+              </a:spcAft>
+              <a:buClrTx/>
+              <a:buFontTx/>
+              <a:buNone/>
+            </a:pPr>
+            <a:endParaRPr lang="en-US" altLang="ko-KR" sz="1600" dirty="0">
+              <a:solidFill>
+                <a:srgbClr val="000080"/>
+              </a:solidFill>
+              <a:latin typeface="Consolas" panose="020B0609020204030204" pitchFamily="49" charset="0"/>
+              <a:ea typeface="D2Coding" panose="020B0609020101020101" pitchFamily="49" charset="-127"/>
+            </a:endParaRPr>
+          </a:p>
+          <a:p>
+            <a:pPr marL="0" indent="0" eaLnBrk="0" fontAlgn="base" hangingPunct="0">
+              <a:spcBef>
+                <a:spcPct val="0"/>
+              </a:spcBef>
+              <a:spcAft>
+                <a:spcPct val="0"/>
+              </a:spcAft>
+              <a:buClrTx/>
+              <a:buFontTx/>
+              <a:buNone/>
+            </a:pPr>
+            <a:r>
+              <a:rPr lang="en-US" altLang="ko-KR" sz="1600" dirty="0">
+                <a:solidFill>
+                  <a:srgbClr val="000080"/>
+                </a:solidFill>
+                <a:latin typeface="Consolas" panose="020B0609020204030204" pitchFamily="49" charset="0"/>
+                <a:ea typeface="D2Coding" panose="020B0609020101020101" pitchFamily="49" charset="-127"/>
+              </a:rPr>
+              <a:t>    &lt;uses-permission android:name="</a:t>
+            </a:r>
+            <a:r>
+              <a:rPr lang="en-US" altLang="ko-KR" sz="1600" dirty="0" err="1">
+                <a:solidFill>
+                  <a:srgbClr val="000080"/>
+                </a:solidFill>
+                <a:latin typeface="Consolas" panose="020B0609020204030204" pitchFamily="49" charset="0"/>
+                <a:ea typeface="D2Coding" panose="020B0609020101020101" pitchFamily="49" charset="-127"/>
+              </a:rPr>
+              <a:t>android.permission.CAMERA</a:t>
+            </a:r>
+            <a:r>
+              <a:rPr lang="en-US" altLang="ko-KR" sz="1600" dirty="0">
+                <a:solidFill>
+                  <a:srgbClr val="000080"/>
+                </a:solidFill>
+                <a:latin typeface="Consolas" panose="020B0609020204030204" pitchFamily="49" charset="0"/>
+                <a:ea typeface="D2Coding" panose="020B0609020101020101" pitchFamily="49" charset="-127"/>
+              </a:rPr>
+              <a:t>" /&gt;</a:t>
+            </a:r>
+          </a:p>
+          <a:p>
+            <a:pPr marL="0" indent="0" eaLnBrk="0" fontAlgn="base" hangingPunct="0">
+              <a:spcBef>
+                <a:spcPct val="0"/>
+              </a:spcBef>
+              <a:spcAft>
+                <a:spcPct val="0"/>
+              </a:spcAft>
+              <a:buClrTx/>
+              <a:buFontTx/>
+              <a:buNone/>
+            </a:pPr>
+            <a:r>
+              <a:rPr lang="en-US" altLang="ko-KR" sz="1600" dirty="0">
+                <a:solidFill>
+                  <a:srgbClr val="000080"/>
+                </a:solidFill>
+                <a:latin typeface="Consolas" panose="020B0609020204030204" pitchFamily="49" charset="0"/>
+                <a:ea typeface="D2Coding" panose="020B0609020101020101" pitchFamily="49" charset="-127"/>
+              </a:rPr>
+              <a:t>    &lt;uses-permission android:name="</a:t>
+            </a:r>
+            <a:r>
+              <a:rPr lang="en-US" altLang="ko-KR" sz="1600" dirty="0" err="1">
+                <a:solidFill>
+                  <a:srgbClr val="000080"/>
+                </a:solidFill>
+                <a:latin typeface="Consolas" panose="020B0609020204030204" pitchFamily="49" charset="0"/>
+                <a:ea typeface="D2Coding" panose="020B0609020101020101" pitchFamily="49" charset="-127"/>
+              </a:rPr>
+              <a:t>android.permission.WRITE_EXTERNAL_STORAGE</a:t>
+            </a:r>
+            <a:r>
+              <a:rPr lang="en-US" altLang="ko-KR" sz="1600" dirty="0">
+                <a:solidFill>
+                  <a:srgbClr val="000080"/>
+                </a:solidFill>
+                <a:latin typeface="Consolas" panose="020B0609020204030204" pitchFamily="49" charset="0"/>
+                <a:ea typeface="D2Coding" panose="020B0609020101020101" pitchFamily="49" charset="-127"/>
+              </a:rPr>
+              <a:t>" /&gt;</a:t>
+            </a:r>
+          </a:p>
+          <a:p>
+            <a:pPr marL="0" indent="0" eaLnBrk="0" fontAlgn="base" hangingPunct="0">
+              <a:spcBef>
+                <a:spcPct val="0"/>
+              </a:spcBef>
+              <a:spcAft>
+                <a:spcPct val="0"/>
+              </a:spcAft>
+              <a:buClrTx/>
+              <a:buFontTx/>
+              <a:buNone/>
+            </a:pPr>
+            <a:r>
+              <a:rPr lang="en-US" altLang="ko-KR" sz="1600" dirty="0">
+                <a:solidFill>
+                  <a:srgbClr val="000080"/>
+                </a:solidFill>
+                <a:latin typeface="Consolas" panose="020B0609020204030204" pitchFamily="49" charset="0"/>
+                <a:ea typeface="D2Coding" panose="020B0609020101020101" pitchFamily="49" charset="-127"/>
+              </a:rPr>
+              <a:t>    &lt;uses-permission android:name="</a:t>
+            </a:r>
+            <a:r>
+              <a:rPr lang="en-US" altLang="ko-KR" sz="1600" dirty="0" err="1">
+                <a:solidFill>
+                  <a:srgbClr val="000080"/>
+                </a:solidFill>
+                <a:latin typeface="Consolas" panose="020B0609020204030204" pitchFamily="49" charset="0"/>
+                <a:ea typeface="D2Coding" panose="020B0609020101020101" pitchFamily="49" charset="-127"/>
+              </a:rPr>
+              <a:t>android.permission.READ_EXTERNAL_STORAGE</a:t>
+            </a:r>
+            <a:r>
+              <a:rPr lang="en-US" altLang="ko-KR" sz="1600" dirty="0">
+                <a:solidFill>
+                  <a:srgbClr val="000080"/>
+                </a:solidFill>
+                <a:latin typeface="Consolas" panose="020B0609020204030204" pitchFamily="49" charset="0"/>
+                <a:ea typeface="D2Coding" panose="020B0609020101020101" pitchFamily="49" charset="-127"/>
+              </a:rPr>
+              <a:t>" /&gt;</a:t>
+            </a:r>
+          </a:p>
+          <a:p>
+            <a:pPr marL="0" indent="0" eaLnBrk="0" fontAlgn="base" hangingPunct="0">
+              <a:spcBef>
+                <a:spcPct val="0"/>
+              </a:spcBef>
+              <a:spcAft>
+                <a:spcPct val="0"/>
+              </a:spcAft>
+              <a:buClrTx/>
+              <a:buFontTx/>
+              <a:buNone/>
+            </a:pPr>
+            <a:endParaRPr lang="en-US" altLang="ko-KR" sz="1600" dirty="0">
+              <a:solidFill>
+                <a:srgbClr val="000080"/>
+              </a:solidFill>
+              <a:latin typeface="Consolas" panose="020B0609020204030204" pitchFamily="49" charset="0"/>
+              <a:ea typeface="D2Coding" panose="020B0609020101020101" pitchFamily="49" charset="-127"/>
+            </a:endParaRPr>
+          </a:p>
+          <a:p>
+            <a:pPr marL="0" indent="0" eaLnBrk="0" fontAlgn="base" hangingPunct="0">
+              <a:spcBef>
+                <a:spcPct val="0"/>
+              </a:spcBef>
+              <a:spcAft>
+                <a:spcPct val="0"/>
+              </a:spcAft>
+              <a:buClrTx/>
+              <a:buFontTx/>
+              <a:buNone/>
+            </a:pPr>
+            <a:r>
+              <a:rPr lang="en-US" altLang="ko-KR" sz="1600" dirty="0">
+                <a:solidFill>
+                  <a:srgbClr val="000080"/>
+                </a:solidFill>
+                <a:latin typeface="Consolas" panose="020B0609020204030204" pitchFamily="49" charset="0"/>
+                <a:ea typeface="D2Coding" panose="020B0609020101020101" pitchFamily="49" charset="-127"/>
+              </a:rPr>
+              <a:t>    &lt;uses-feature android:name="</a:t>
+            </a:r>
+            <a:r>
+              <a:rPr lang="en-US" altLang="ko-KR" sz="1600" dirty="0" err="1">
+                <a:solidFill>
+                  <a:srgbClr val="000080"/>
+                </a:solidFill>
+                <a:latin typeface="Consolas" panose="020B0609020204030204" pitchFamily="49" charset="0"/>
+                <a:ea typeface="D2Coding" panose="020B0609020101020101" pitchFamily="49" charset="-127"/>
+              </a:rPr>
+              <a:t>android.hardware.camera</a:t>
+            </a:r>
+            <a:r>
+              <a:rPr lang="en-US" altLang="ko-KR" sz="1600" dirty="0" smtClean="0">
+                <a:solidFill>
+                  <a:srgbClr val="000080"/>
+                </a:solidFill>
+                <a:latin typeface="Consolas" panose="020B0609020204030204" pitchFamily="49" charset="0"/>
+                <a:ea typeface="D2Coding" panose="020B0609020101020101" pitchFamily="49" charset="-127"/>
+              </a:rPr>
+              <a:t>" </a:t>
+            </a:r>
+            <a:r>
+              <a:rPr lang="en-US" altLang="ko-KR" sz="1600" dirty="0" err="1" smtClean="0">
+                <a:solidFill>
+                  <a:srgbClr val="000080"/>
+                </a:solidFill>
+                <a:latin typeface="Consolas" panose="020B0609020204030204" pitchFamily="49" charset="0"/>
+                <a:ea typeface="D2Coding" panose="020B0609020101020101" pitchFamily="49" charset="-127"/>
+              </a:rPr>
+              <a:t>android:required</a:t>
+            </a:r>
+            <a:r>
+              <a:rPr lang="en-US" altLang="ko-KR" sz="1600" dirty="0">
+                <a:solidFill>
+                  <a:srgbClr val="000080"/>
+                </a:solidFill>
+                <a:latin typeface="Consolas" panose="020B0609020204030204" pitchFamily="49" charset="0"/>
+                <a:ea typeface="D2Coding" panose="020B0609020101020101" pitchFamily="49" charset="-127"/>
+              </a:rPr>
+              <a:t>="true" /&gt;</a:t>
+            </a:r>
+          </a:p>
+          <a:p>
+            <a:pPr marL="0" indent="0" eaLnBrk="0" fontAlgn="base" hangingPunct="0">
+              <a:spcBef>
+                <a:spcPct val="0"/>
+              </a:spcBef>
+              <a:spcAft>
+                <a:spcPct val="0"/>
+              </a:spcAft>
+              <a:buClrTx/>
+              <a:buFontTx/>
+              <a:buNone/>
+            </a:pPr>
+            <a:endParaRPr lang="en-US" altLang="ko-KR" sz="1600" dirty="0">
+              <a:solidFill>
+                <a:srgbClr val="000080"/>
+              </a:solidFill>
+              <a:latin typeface="Consolas" panose="020B0609020204030204" pitchFamily="49" charset="0"/>
+              <a:ea typeface="D2Coding" panose="020B0609020101020101" pitchFamily="49" charset="-127"/>
+            </a:endParaRPr>
+          </a:p>
+          <a:p>
+            <a:pPr marL="0" indent="0" eaLnBrk="0" fontAlgn="base" hangingPunct="0">
+              <a:spcBef>
+                <a:spcPct val="0"/>
+              </a:spcBef>
+              <a:spcAft>
+                <a:spcPct val="0"/>
+              </a:spcAft>
+              <a:buClrTx/>
+              <a:buFontTx/>
+              <a:buNone/>
+            </a:pPr>
+            <a:r>
+              <a:rPr lang="en-US" altLang="ko-KR" sz="1600" dirty="0">
+                <a:solidFill>
+                  <a:srgbClr val="000080"/>
+                </a:solidFill>
+                <a:latin typeface="Consolas" panose="020B0609020204030204" pitchFamily="49" charset="0"/>
+                <a:ea typeface="D2Coding" panose="020B0609020101020101" pitchFamily="49" charset="-127"/>
+              </a:rPr>
+              <a:t>    &lt;application</a:t>
+            </a:r>
+          </a:p>
+          <a:p>
+            <a:pPr marL="0" indent="0" eaLnBrk="0" fontAlgn="base" hangingPunct="0">
+              <a:spcBef>
+                <a:spcPct val="0"/>
+              </a:spcBef>
+              <a:spcAft>
+                <a:spcPct val="0"/>
+              </a:spcAft>
+              <a:buClrTx/>
+              <a:buFontTx/>
+              <a:buNone/>
+            </a:pPr>
+            <a:r>
+              <a:rPr lang="en-US" altLang="ko-KR" sz="1600" dirty="0">
+                <a:solidFill>
+                  <a:srgbClr val="000080"/>
+                </a:solidFill>
+                <a:latin typeface="Consolas" panose="020B0609020204030204" pitchFamily="49" charset="0"/>
+                <a:ea typeface="D2Coding" panose="020B0609020101020101" pitchFamily="49" charset="-127"/>
+              </a:rPr>
+              <a:t>        </a:t>
+            </a:r>
+            <a:r>
+              <a:rPr lang="en-US" altLang="ko-KR" sz="1600" dirty="0" err="1">
+                <a:solidFill>
+                  <a:srgbClr val="000080"/>
+                </a:solidFill>
+                <a:latin typeface="Consolas" panose="020B0609020204030204" pitchFamily="49" charset="0"/>
+                <a:ea typeface="D2Coding" panose="020B0609020101020101" pitchFamily="49" charset="-127"/>
+              </a:rPr>
+              <a:t>android:allowBackup</a:t>
+            </a:r>
+            <a:r>
+              <a:rPr lang="en-US" altLang="ko-KR" sz="1600" dirty="0">
+                <a:solidFill>
+                  <a:srgbClr val="000080"/>
+                </a:solidFill>
+                <a:latin typeface="Consolas" panose="020B0609020204030204" pitchFamily="49" charset="0"/>
+                <a:ea typeface="D2Coding" panose="020B0609020101020101" pitchFamily="49" charset="-127"/>
+              </a:rPr>
+              <a:t>="true</a:t>
+            </a:r>
+            <a:r>
+              <a:rPr lang="en-US" altLang="ko-KR" sz="1600" dirty="0" smtClean="0">
+                <a:solidFill>
+                  <a:srgbClr val="000080"/>
+                </a:solidFill>
+                <a:latin typeface="Consolas" panose="020B0609020204030204" pitchFamily="49" charset="0"/>
+                <a:ea typeface="D2Coding" panose="020B0609020101020101" pitchFamily="49" charset="-127"/>
+              </a:rPr>
+              <a:t>"</a:t>
+            </a:r>
+          </a:p>
+          <a:p>
+            <a:pPr marL="0" indent="0" eaLnBrk="0" fontAlgn="base" hangingPunct="0">
+              <a:spcBef>
+                <a:spcPct val="0"/>
+              </a:spcBef>
+              <a:spcAft>
+                <a:spcPct val="0"/>
+              </a:spcAft>
+              <a:buClrTx/>
+              <a:buFontTx/>
+              <a:buNone/>
+            </a:pPr>
+            <a:r>
+              <a:rPr lang="en-US" altLang="ko-KR" sz="1600" dirty="0" smtClean="0">
+                <a:solidFill>
+                  <a:srgbClr val="000080"/>
+                </a:solidFill>
+                <a:latin typeface="Consolas" panose="020B0609020204030204" pitchFamily="49" charset="0"/>
+                <a:ea typeface="D2Coding" panose="020B0609020101020101" pitchFamily="49" charset="-127"/>
+              </a:rPr>
+              <a:t>...</a:t>
+            </a:r>
+            <a:endParaRPr lang="en-US" altLang="ko-KR" sz="1600" dirty="0">
+              <a:solidFill>
+                <a:srgbClr val="000080"/>
+              </a:solidFill>
+              <a:latin typeface="Consolas" panose="020B0609020204030204" pitchFamily="49" charset="0"/>
+              <a:ea typeface="D2Coding" panose="020B0609020101020101" pitchFamily="49" charset="-127"/>
+            </a:endParaRPr>
+          </a:p>
+        </p:txBody>
+      </p:sp>
+      <p:sp>
+        <p:nvSpPr>
+          <p:cNvPr id="6" name="모서리가 둥근 직사각형 5"/>
+          <p:cNvSpPr/>
+          <p:nvPr/>
+        </p:nvSpPr>
+        <p:spPr>
+          <a:xfrm flipH="1">
+            <a:off x="407368" y="3140968"/>
+            <a:ext cx="504056" cy="1512168"/>
+          </a:xfrm>
+          <a:prstGeom prst="roundRect">
+            <a:avLst/>
+          </a:prstGeom>
+          <a:solidFill>
+            <a:srgbClr val="FFFF00">
+              <a:alpha val="10000"/>
+            </a:srgbClr>
+          </a:solidFill>
+          <a:ln w="3175"/>
+        </p:spPr>
+        <p:style>
+          <a:lnRef idx="2">
+            <a:schemeClr val="accent1">
+              <a:shade val="50000"/>
+            </a:schemeClr>
+          </a:lnRef>
+          <a:fillRef idx="1">
+            <a:schemeClr val="accent1"/>
+          </a:fillRef>
+          <a:effectRef idx="0">
+            <a:schemeClr val="accent1"/>
+          </a:effectRef>
+          <a:fontRef idx="minor">
+            <a:schemeClr val="lt1"/>
+          </a:fontRef>
+        </p:style>
+        <p:txBody>
+          <a:bodyPr rtlCol="0" anchor="ctr"/>
+          <a:lstStyle/>
+          <a:p>
+            <a:pPr algn="ctr"/>
+            <a:endParaRPr lang="ko-KR" altLang="en-US"/>
+          </a:p>
+        </p:txBody>
+      </p:sp>
+    </p:spTree>
+    <p:extLst>
+      <p:ext uri="{BB962C8B-B14F-4D97-AF65-F5344CB8AC3E}">
+        <p14:creationId xmlns:p14="http://schemas.microsoft.com/office/powerpoint/2010/main" val="676871944"/>
+      </p:ext>
+    </p:extLst>
+  </p:cSld>
+  <p:clrMapOvr>
+    <a:masterClrMapping/>
+  </p:clrMapOvr>
+</p:sld>
+</file>
+
+<file path=ppt/slides/slide31.xml><?xml version="1.0" encoding="utf-8"?>
+<p:sld xmlns:a="http://schemas.openxmlformats.org/drawingml/2006/main" xmlns:r="http://schemas.openxmlformats.org/officeDocument/2006/relationships" xmlns:p="http://schemas.openxmlformats.org/presentationml/2006/main">
+  <p:cSld>
+    <p:spTree>
+      <p:nvGrpSpPr>
+        <p:cNvPr id="1" name=""/>
+        <p:cNvGrpSpPr/>
+        <p:nvPr/>
+      </p:nvGrpSpPr>
+      <p:grpSpPr>
+        <a:xfrm>
+          <a:off x="0" y="0"/>
+          <a:ext cx="0" cy="0"/>
+          <a:chOff x="0" y="0"/>
+          <a:chExt cx="0" cy="0"/>
+        </a:xfrm>
+      </p:grpSpPr>
+      <p:sp>
+        <p:nvSpPr>
+          <p:cNvPr id="2" name="제목 1"/>
+          <p:cNvSpPr>
+            <a:spLocks noGrp="1"/>
+          </p:cNvSpPr>
+          <p:nvPr>
+            <p:ph type="title"/>
+          </p:nvPr>
+        </p:nvSpPr>
+        <p:spPr/>
+        <p:txBody>
+          <a:bodyPr/>
+          <a:lstStyle/>
+          <a:p>
+            <a:r>
+              <a:rPr lang="en-US" altLang="ko-KR" dirty="0" smtClean="0">
+                <a:latin typeface="나눔고딕" panose="020D0604000000000000" pitchFamily="50" charset="-127"/>
+                <a:ea typeface="나눔고딕" panose="020D0604000000000000" pitchFamily="50" charset="-127"/>
+              </a:rPr>
+              <a:t>07-2 </a:t>
+            </a:r>
+            <a:r>
+              <a:rPr lang="ko-KR" altLang="en-US" dirty="0" smtClean="0">
+                <a:latin typeface="나눔고딕" panose="020D0604000000000000" pitchFamily="50" charset="-127"/>
+                <a:ea typeface="나눔고딕" panose="020D0604000000000000" pitchFamily="50" charset="-127"/>
+              </a:rPr>
+              <a:t>화면에 카메라 </a:t>
+            </a:r>
+            <a:r>
+              <a:rPr lang="ko-KR" altLang="en-US" dirty="0" err="1" smtClean="0">
+                <a:latin typeface="나눔고딕" panose="020D0604000000000000" pitchFamily="50" charset="-127"/>
+                <a:ea typeface="나눔고딕" panose="020D0604000000000000" pitchFamily="50" charset="-127"/>
+              </a:rPr>
+              <a:t>미리보기</a:t>
+            </a:r>
+            <a:r>
+              <a:rPr lang="ko-KR" altLang="en-US" dirty="0" smtClean="0">
+                <a:latin typeface="나눔고딕" panose="020D0604000000000000" pitchFamily="50" charset="-127"/>
+                <a:ea typeface="나눔고딕" panose="020D0604000000000000" pitchFamily="50" charset="-127"/>
+              </a:rPr>
+              <a:t> 넣기 </a:t>
+            </a:r>
+            <a:r>
+              <a:rPr lang="en-US" altLang="ko-KR" dirty="0" smtClean="0">
+                <a:latin typeface="나눔고딕" panose="020D0604000000000000" pitchFamily="50" charset="-127"/>
+                <a:ea typeface="나눔고딕" panose="020D0604000000000000" pitchFamily="50" charset="-127"/>
+              </a:rPr>
+              <a:t>– </a:t>
+            </a:r>
+            <a:r>
+              <a:rPr lang="ko-KR" altLang="en-US" dirty="0" smtClean="0">
+                <a:latin typeface="나눔고딕" panose="020D0604000000000000" pitchFamily="50" charset="-127"/>
+                <a:ea typeface="나눔고딕" panose="020D0604000000000000" pitchFamily="50" charset="-127"/>
+              </a:rPr>
+              <a:t>카메라 </a:t>
+            </a:r>
+            <a:r>
+              <a:rPr lang="ko-KR" altLang="en-US" dirty="0" err="1" smtClean="0">
+                <a:latin typeface="나눔고딕" panose="020D0604000000000000" pitchFamily="50" charset="-127"/>
+                <a:ea typeface="나눔고딕" panose="020D0604000000000000" pitchFamily="50" charset="-127"/>
+              </a:rPr>
+              <a:t>미리보기</a:t>
+            </a:r>
+            <a:r>
+              <a:rPr lang="ko-KR" altLang="en-US" dirty="0" smtClean="0">
+                <a:latin typeface="나눔고딕" panose="020D0604000000000000" pitchFamily="50" charset="-127"/>
+                <a:ea typeface="나눔고딕" panose="020D0604000000000000" pitchFamily="50" charset="-127"/>
+              </a:rPr>
+              <a:t> 실습</a:t>
+            </a:r>
+            <a:endParaRPr lang="ko-KR" altLang="en-US" dirty="0"/>
+          </a:p>
+        </p:txBody>
+      </p:sp>
+      <p:sp>
+        <p:nvSpPr>
+          <p:cNvPr id="3" name="내용 개체 틀 2"/>
+          <p:cNvSpPr>
+            <a:spLocks noGrp="1"/>
+          </p:cNvSpPr>
+          <p:nvPr>
+            <p:ph idx="10"/>
+          </p:nvPr>
+        </p:nvSpPr>
+        <p:spPr/>
+        <p:txBody>
+          <a:bodyPr/>
+          <a:lstStyle/>
+          <a:p>
+            <a:pPr marL="0" indent="0">
+              <a:buNone/>
+            </a:pPr>
+            <a:r>
+              <a:rPr lang="ko-KR" altLang="en-US" b="1" dirty="0">
+                <a:solidFill>
+                  <a:srgbClr val="C00000"/>
+                </a:solidFill>
+                <a:sym typeface="Wingdings" panose="05000000000000000000" pitchFamily="2" charset="2"/>
+              </a:rPr>
+              <a:t>카메라 </a:t>
+            </a:r>
+            <a:r>
+              <a:rPr lang="ko-KR" altLang="en-US" b="1" dirty="0" err="1">
+                <a:solidFill>
+                  <a:srgbClr val="C00000"/>
+                </a:solidFill>
+                <a:sym typeface="Wingdings" panose="05000000000000000000" pitchFamily="2" charset="2"/>
+              </a:rPr>
+              <a:t>미리보기</a:t>
+            </a:r>
+            <a:r>
+              <a:rPr lang="ko-KR" altLang="en-US" b="1" dirty="0">
+                <a:solidFill>
+                  <a:srgbClr val="C00000"/>
+                </a:solidFill>
+                <a:sym typeface="Wingdings" panose="05000000000000000000" pitchFamily="2" charset="2"/>
+              </a:rPr>
+              <a:t> 실습 </a:t>
+            </a:r>
+            <a:r>
+              <a:rPr lang="en-US" altLang="ko-KR" b="1" dirty="0" smtClean="0">
+                <a:solidFill>
+                  <a:srgbClr val="C00000"/>
+                </a:solidFill>
+                <a:sym typeface="Wingdings" panose="05000000000000000000" pitchFamily="2" charset="2"/>
+              </a:rPr>
+              <a:t>– </a:t>
+            </a:r>
+            <a:r>
+              <a:rPr lang="en-US" altLang="ko-KR" b="1" dirty="0" smtClean="0">
+                <a:sym typeface="Wingdings" panose="05000000000000000000" pitchFamily="2" charset="2"/>
+              </a:rPr>
+              <a:t>AndroidManifest.xml, MainActivity.java, </a:t>
+            </a:r>
+            <a:r>
+              <a:rPr lang="en-US" altLang="ko-KR" b="1" dirty="0" err="1" smtClean="0">
+                <a:sym typeface="Wingdings" panose="05000000000000000000" pitchFamily="2" charset="2"/>
+              </a:rPr>
+              <a:t>build.gradle</a:t>
+            </a:r>
+            <a:r>
+              <a:rPr lang="en-US" altLang="ko-KR" b="1" dirty="0" smtClean="0">
+                <a:sym typeface="Wingdings" panose="05000000000000000000" pitchFamily="2" charset="2"/>
+              </a:rPr>
+              <a:t> </a:t>
+            </a:r>
+            <a:r>
+              <a:rPr lang="ko-KR" altLang="en-US" b="1" dirty="0" smtClean="0">
+                <a:sym typeface="Wingdings" panose="05000000000000000000" pitchFamily="2" charset="2"/>
+              </a:rPr>
+              <a:t>수정하여 위헌 권한 추가하기 </a:t>
+            </a:r>
+            <a:endParaRPr lang="en-US" altLang="ko-KR" b="1" dirty="0" smtClean="0">
+              <a:sym typeface="Wingdings" panose="05000000000000000000" pitchFamily="2" charset="2"/>
+            </a:endParaRPr>
+          </a:p>
+          <a:p>
+            <a:r>
+              <a:rPr lang="en-US" altLang="ko-KR" b="1" dirty="0" err="1" smtClean="0">
+                <a:solidFill>
+                  <a:srgbClr val="C00000"/>
+                </a:solidFill>
+                <a:sym typeface="Wingdings" panose="05000000000000000000" pitchFamily="2" charset="2"/>
+              </a:rPr>
+              <a:t>build.gradle</a:t>
+            </a:r>
+            <a:r>
+              <a:rPr lang="en-US" altLang="ko-KR" b="1" dirty="0" smtClean="0">
+                <a:solidFill>
+                  <a:srgbClr val="C00000"/>
+                </a:solidFill>
+                <a:sym typeface="Wingdings" panose="05000000000000000000" pitchFamily="2" charset="2"/>
+              </a:rPr>
+              <a:t>(</a:t>
+            </a:r>
+            <a:r>
+              <a:rPr lang="en-US" altLang="ko-KR" b="1" dirty="0" err="1" smtClean="0">
+                <a:solidFill>
+                  <a:srgbClr val="C00000"/>
+                </a:solidFill>
+                <a:sym typeface="Wingdings" panose="05000000000000000000" pitchFamily="2" charset="2"/>
+              </a:rPr>
+              <a:t>Module:app</a:t>
+            </a:r>
+            <a:r>
+              <a:rPr lang="en-US" altLang="ko-KR" b="1" dirty="0" smtClean="0">
+                <a:solidFill>
+                  <a:srgbClr val="C00000"/>
+                </a:solidFill>
+                <a:sym typeface="Wingdings" panose="05000000000000000000" pitchFamily="2" charset="2"/>
+              </a:rPr>
+              <a:t>) </a:t>
+            </a:r>
+            <a:endParaRPr lang="en-US" altLang="ko-KR" dirty="0">
+              <a:sym typeface="Wingdings" panose="05000000000000000000" pitchFamily="2" charset="2"/>
+            </a:endParaRPr>
+          </a:p>
+        </p:txBody>
+      </p:sp>
+      <p:sp>
+        <p:nvSpPr>
+          <p:cNvPr id="4" name="슬라이드 번호 개체 틀 3"/>
+          <p:cNvSpPr>
+            <a:spLocks noGrp="1"/>
+          </p:cNvSpPr>
+          <p:nvPr>
+            <p:ph type="sldNum" sz="quarter" idx="14"/>
+          </p:nvPr>
+        </p:nvSpPr>
+        <p:spPr/>
+        <p:txBody>
+          <a:bodyPr/>
+          <a:lstStyle/>
+          <a:p>
+            <a:pPr>
+              <a:defRPr/>
+            </a:pPr>
+            <a:fld id="{3D493B47-E977-46F8-8C2F-7DA674317049}" type="slidenum">
+              <a:rPr lang="ko-KR" altLang="en-US" smtClean="0"/>
+              <a:pPr>
+                <a:defRPr/>
+              </a:pPr>
+              <a:t>31</a:t>
             </a:fld>
             <a:endParaRPr lang="ko-KR" altLang="en-US"/>
           </a:p>
@@ -24728,7 +25316,7 @@
 </p:sld>
 </file>
 
-<file path=ppt/slides/slide31.xml><?xml version="1.0" encoding="utf-8"?>
+<file path=ppt/slides/slide32.xml><?xml version="1.0" encoding="utf-8"?>
 <p:sld xmlns:a="http://schemas.openxmlformats.org/drawingml/2006/main" xmlns:r="http://schemas.openxmlformats.org/officeDocument/2006/relationships" xmlns:p="http://schemas.openxmlformats.org/presentationml/2006/main">
   <p:cSld>
     <p:spTree>
@@ -24941,7 +25529,7 @@
               <a:pPr>
                 <a:defRPr/>
               </a:pPr>
-              <a:t>31</a:t>
+              <a:t>32</a:t>
             </a:fld>
             <a:endParaRPr lang="ko-KR" altLang="en-US"/>
           </a:p>
@@ -25765,7 +26353,7 @@
 </p:sld>
 </file>
 
-<file path=ppt/slides/slide32.xml><?xml version="1.0" encoding="utf-8"?>
+<file path=ppt/slides/slide33.xml><?xml version="1.0" encoding="utf-8"?>
 <p:sld xmlns:a="http://schemas.openxmlformats.org/drawingml/2006/main" xmlns:r="http://schemas.openxmlformats.org/officeDocument/2006/relationships" xmlns:p="http://schemas.openxmlformats.org/presentationml/2006/main">
   <p:cSld>
     <p:spTree>
@@ -25978,7 +26566,7 @@
               <a:pPr>
                 <a:defRPr/>
               </a:pPr>
-              <a:t>32</a:t>
+              <a:t>33</a:t>
             </a:fld>
             <a:endParaRPr lang="ko-KR" altLang="en-US"/>
           </a:p>
@@ -26822,7 +27410,7 @@
 </p:sld>
 </file>
 
-<file path=ppt/slides/slide33.xml><?xml version="1.0" encoding="utf-8"?>
+<file path=ppt/slides/slide34.xml><?xml version="1.0" encoding="utf-8"?>
 <p:sld xmlns:a="http://schemas.openxmlformats.org/drawingml/2006/main" xmlns:r="http://schemas.openxmlformats.org/officeDocument/2006/relationships" xmlns:p="http://schemas.openxmlformats.org/presentationml/2006/main">
   <p:cSld>
     <p:spTree>
@@ -27011,7 +27599,7 @@
               <a:pPr>
                 <a:defRPr/>
               </a:pPr>
-              <a:t>33</a:t>
+              <a:t>34</a:t>
             </a:fld>
             <a:endParaRPr lang="ko-KR" altLang="en-US"/>
           </a:p>
@@ -27126,7 +27714,7 @@
 </p:sld>
 </file>
 
-<file path=ppt/slides/slide34.xml><?xml version="1.0" encoding="utf-8"?>
+<file path=ppt/slides/slide35.xml><?xml version="1.0" encoding="utf-8"?>
 <p:sld xmlns:a="http://schemas.openxmlformats.org/drawingml/2006/main" xmlns:r="http://schemas.openxmlformats.org/officeDocument/2006/relationships" xmlns:p="http://schemas.openxmlformats.org/presentationml/2006/main">
   <p:cSld>
     <p:spTree>
@@ -27648,7 +28236,7 @@
               <a:pPr>
                 <a:defRPr/>
               </a:pPr>
-              <a:t>34</a:t>
+              <a:t>35</a:t>
             </a:fld>
             <a:endParaRPr lang="ko-KR" altLang="en-US"/>
           </a:p>

--- a/ppts/07Mulitmedia.pptx
+++ b/ppts/07Mulitmedia.pptx
@@ -5,7 +5,7 @@
     <p:sldMasterId id="2147483696" r:id="rId1"/>
   </p:sldMasterIdLst>
   <p:notesMasterIdLst>
-    <p:notesMasterId r:id="rId37"/>
+    <p:notesMasterId r:id="rId38"/>
   </p:notesMasterIdLst>
   <p:sldIdLst>
     <p:sldId id="339" r:id="rId2"/>
@@ -26,23 +26,24 @@
     <p:sldId id="1132" r:id="rId17"/>
     <p:sldId id="1133" r:id="rId18"/>
     <p:sldId id="1151" r:id="rId19"/>
-    <p:sldId id="1134" r:id="rId20"/>
-    <p:sldId id="1136" r:id="rId21"/>
-    <p:sldId id="1137" r:id="rId22"/>
-    <p:sldId id="1135" r:id="rId23"/>
-    <p:sldId id="1138" r:id="rId24"/>
-    <p:sldId id="1139" r:id="rId25"/>
-    <p:sldId id="1140" r:id="rId26"/>
-    <p:sldId id="1144" r:id="rId27"/>
-    <p:sldId id="1141" r:id="rId28"/>
-    <p:sldId id="1143" r:id="rId29"/>
-    <p:sldId id="1142" r:id="rId30"/>
-    <p:sldId id="1145" r:id="rId31"/>
-    <p:sldId id="1146" r:id="rId32"/>
-    <p:sldId id="1147" r:id="rId33"/>
-    <p:sldId id="1148" r:id="rId34"/>
-    <p:sldId id="1149" r:id="rId35"/>
-    <p:sldId id="1150" r:id="rId36"/>
+    <p:sldId id="1152" r:id="rId20"/>
+    <p:sldId id="1134" r:id="rId21"/>
+    <p:sldId id="1136" r:id="rId22"/>
+    <p:sldId id="1137" r:id="rId23"/>
+    <p:sldId id="1135" r:id="rId24"/>
+    <p:sldId id="1138" r:id="rId25"/>
+    <p:sldId id="1139" r:id="rId26"/>
+    <p:sldId id="1140" r:id="rId27"/>
+    <p:sldId id="1144" r:id="rId28"/>
+    <p:sldId id="1141" r:id="rId29"/>
+    <p:sldId id="1143" r:id="rId30"/>
+    <p:sldId id="1142" r:id="rId31"/>
+    <p:sldId id="1145" r:id="rId32"/>
+    <p:sldId id="1146" r:id="rId33"/>
+    <p:sldId id="1147" r:id="rId34"/>
+    <p:sldId id="1148" r:id="rId35"/>
+    <p:sldId id="1149" r:id="rId36"/>
+    <p:sldId id="1150" r:id="rId37"/>
   </p:sldIdLst>
   <p:sldSz cx="12192000" cy="6858000"/>
   <p:notesSz cx="6858000" cy="9144000"/>
@@ -2166,7 +2167,7 @@
           </a:ln>
           <a:extLst>
             <a:ext uri="{C572A759-6A51-4108-AA02-DFA0A04FC94B}">
-              <ma14:wrappingTextBoxFlag xmlns="" xmlns:ma14="http://schemas.microsoft.com/office/mac/drawingml/2011/main" val="1"/>
+              <ma14:wrappingTextBoxFlag xmlns:ma14="http://schemas.microsoft.com/office/mac/drawingml/2011/main" xmlns="" val="1"/>
             </a:ext>
           </a:extLst>
         </p:spPr>
@@ -11917,6 +11918,145 @@
           </a:prstGeom>
         </p:spPr>
       </p:pic>
+      <p:sp>
+        <p:nvSpPr>
+          <p:cNvPr id="12" name="오른쪽 화살표 11"/>
+          <p:cNvSpPr/>
+          <p:nvPr/>
+        </p:nvSpPr>
+        <p:spPr>
+          <a:xfrm>
+            <a:off x="5861974" y="3284984"/>
+            <a:ext cx="468052" cy="288032"/>
+          </a:xfrm>
+          <a:prstGeom prst="rightArrow">
+            <a:avLst/>
+          </a:prstGeom>
+        </p:spPr>
+        <p:style>
+          <a:lnRef idx="2">
+            <a:schemeClr val="accent1">
+              <a:shade val="50000"/>
+            </a:schemeClr>
+          </a:lnRef>
+          <a:fillRef idx="1">
+            <a:schemeClr val="accent1"/>
+          </a:fillRef>
+          <a:effectRef idx="0">
+            <a:schemeClr val="accent1"/>
+          </a:effectRef>
+          <a:fontRef idx="minor">
+            <a:schemeClr val="lt1"/>
+          </a:fontRef>
+        </p:style>
+        <p:txBody>
+          <a:bodyPr rot="0" spcFirstLastPara="0" vert="horz" wrap="square" lIns="91440" tIns="45720" rIns="91440" bIns="45720" numCol="1" spcCol="0" rtlCol="0" fromWordArt="0" anchor="ctr" anchorCtr="0" forceAA="0" compatLnSpc="1">
+            <a:prstTxWarp prst="textNoShape">
+              <a:avLst/>
+            </a:prstTxWarp>
+            <a:noAutofit/>
+          </a:bodyPr>
+          <a:lstStyle>
+            <a:defPPr>
+              <a:defRPr lang="ko-KR"/>
+            </a:defPPr>
+            <a:lvl1pPr marL="0" algn="l" defTabSz="914400" rtl="0" eaLnBrk="1" latinLnBrk="1" hangingPunct="1">
+              <a:defRPr sz="1800" kern="1200">
+                <a:solidFill>
+                  <a:schemeClr val="lt1"/>
+                </a:solidFill>
+                <a:latin typeface="+mn-lt"/>
+                <a:ea typeface="+mn-ea"/>
+                <a:cs typeface="+mn-cs"/>
+              </a:defRPr>
+            </a:lvl1pPr>
+            <a:lvl2pPr marL="457200" algn="l" defTabSz="914400" rtl="0" eaLnBrk="1" latinLnBrk="1" hangingPunct="1">
+              <a:defRPr sz="1800" kern="1200">
+                <a:solidFill>
+                  <a:schemeClr val="lt1"/>
+                </a:solidFill>
+                <a:latin typeface="+mn-lt"/>
+                <a:ea typeface="+mn-ea"/>
+                <a:cs typeface="+mn-cs"/>
+              </a:defRPr>
+            </a:lvl2pPr>
+            <a:lvl3pPr marL="914400" algn="l" defTabSz="914400" rtl="0" eaLnBrk="1" latinLnBrk="1" hangingPunct="1">
+              <a:defRPr sz="1800" kern="1200">
+                <a:solidFill>
+                  <a:schemeClr val="lt1"/>
+                </a:solidFill>
+                <a:latin typeface="+mn-lt"/>
+                <a:ea typeface="+mn-ea"/>
+                <a:cs typeface="+mn-cs"/>
+              </a:defRPr>
+            </a:lvl3pPr>
+            <a:lvl4pPr marL="1371600" algn="l" defTabSz="914400" rtl="0" eaLnBrk="1" latinLnBrk="1" hangingPunct="1">
+              <a:defRPr sz="1800" kern="1200">
+                <a:solidFill>
+                  <a:schemeClr val="lt1"/>
+                </a:solidFill>
+                <a:latin typeface="+mn-lt"/>
+                <a:ea typeface="+mn-ea"/>
+                <a:cs typeface="+mn-cs"/>
+              </a:defRPr>
+            </a:lvl4pPr>
+            <a:lvl5pPr marL="1828800" algn="l" defTabSz="914400" rtl="0" eaLnBrk="1" latinLnBrk="1" hangingPunct="1">
+              <a:defRPr sz="1800" kern="1200">
+                <a:solidFill>
+                  <a:schemeClr val="lt1"/>
+                </a:solidFill>
+                <a:latin typeface="+mn-lt"/>
+                <a:ea typeface="+mn-ea"/>
+                <a:cs typeface="+mn-cs"/>
+              </a:defRPr>
+            </a:lvl5pPr>
+            <a:lvl6pPr marL="2286000" algn="l" defTabSz="914400" rtl="0" eaLnBrk="1" latinLnBrk="1" hangingPunct="1">
+              <a:defRPr sz="1800" kern="1200">
+                <a:solidFill>
+                  <a:schemeClr val="lt1"/>
+                </a:solidFill>
+                <a:latin typeface="+mn-lt"/>
+                <a:ea typeface="+mn-ea"/>
+                <a:cs typeface="+mn-cs"/>
+              </a:defRPr>
+            </a:lvl6pPr>
+            <a:lvl7pPr marL="2743200" algn="l" defTabSz="914400" rtl="0" eaLnBrk="1" latinLnBrk="1" hangingPunct="1">
+              <a:defRPr sz="1800" kern="1200">
+                <a:solidFill>
+                  <a:schemeClr val="lt1"/>
+                </a:solidFill>
+                <a:latin typeface="+mn-lt"/>
+                <a:ea typeface="+mn-ea"/>
+                <a:cs typeface="+mn-cs"/>
+              </a:defRPr>
+            </a:lvl7pPr>
+            <a:lvl8pPr marL="3200400" algn="l" defTabSz="914400" rtl="0" eaLnBrk="1" latinLnBrk="1" hangingPunct="1">
+              <a:defRPr sz="1800" kern="1200">
+                <a:solidFill>
+                  <a:schemeClr val="lt1"/>
+                </a:solidFill>
+                <a:latin typeface="+mn-lt"/>
+                <a:ea typeface="+mn-ea"/>
+                <a:cs typeface="+mn-cs"/>
+              </a:defRPr>
+            </a:lvl8pPr>
+            <a:lvl9pPr marL="3657600" algn="l" defTabSz="914400" rtl="0" eaLnBrk="1" latinLnBrk="1" hangingPunct="1">
+              <a:defRPr sz="1800" kern="1200">
+                <a:solidFill>
+                  <a:schemeClr val="lt1"/>
+                </a:solidFill>
+                <a:latin typeface="+mn-lt"/>
+                <a:ea typeface="+mn-ea"/>
+                <a:cs typeface="+mn-cs"/>
+              </a:defRPr>
+            </a:lvl9pPr>
+          </a:lstStyle>
+          <a:p>
+            <a:pPr algn="ctr"/>
+            <a:endParaRPr lang="ko-KR" altLang="en-US"/>
+          </a:p>
+        </p:txBody>
+      </p:sp>
     </p:spTree>
     <p:extLst>
       <p:ext uri="{BB962C8B-B14F-4D97-AF65-F5344CB8AC3E}">
@@ -11976,14 +12116,7 @@
                 <a:latin typeface="나눔고딕" panose="020D0604000000000000" pitchFamily="50" charset="-127"/>
                 <a:ea typeface="나눔고딕" panose="020D0604000000000000" pitchFamily="50" charset="-127"/>
               </a:rPr>
-              <a:t>카메라로 사진 찍어 </a:t>
-            </a:r>
-            <a:r>
-              <a:rPr lang="ko-KR" altLang="en-US" dirty="0" smtClean="0">
-                <a:latin typeface="나눔고딕" panose="020D0604000000000000" pitchFamily="50" charset="-127"/>
-                <a:ea typeface="나눔고딕" panose="020D0604000000000000" pitchFamily="50" charset="-127"/>
-              </a:rPr>
-              <a:t>저장하기 </a:t>
+              <a:t>카메라로 사진 찍어 저장하기 </a:t>
             </a:r>
             <a:r>
               <a:rPr lang="en-US" altLang="ko-KR" dirty="0" smtClean="0">
@@ -12301,9 +12434,6 @@
               </a:rPr>
               <a:t>.</a:t>
             </a:r>
-            <a:endParaRPr lang="en-US" altLang="ko-KR" dirty="0" smtClean="0">
-              <a:sym typeface="Wingdings" panose="05000000000000000000" pitchFamily="2" charset="2"/>
-            </a:endParaRPr>
           </a:p>
           <a:p>
             <a:endParaRPr lang="en-US" altLang="ko-KR" dirty="0">
@@ -12507,7 +12637,7 @@
     </p:spTree>
     <p:extLst>
       <p:ext uri="{BB962C8B-B14F-4D97-AF65-F5344CB8AC3E}">
-        <p14:creationId xmlns:p14="http://schemas.microsoft.com/office/powerpoint/2010/main" val="4148105878"/>
+        <p14:creationId xmlns:p14="http://schemas.microsoft.com/office/powerpoint/2010/main" val="3735642171"/>
       </p:ext>
     </p:extLst>
   </p:cSld>
@@ -12546,7 +12676,9 @@
         </p:nvSpPr>
         <p:spPr/>
         <p:txBody>
-          <a:bodyPr/>
+          <a:bodyPr>
+            <a:normAutofit/>
+          </a:bodyPr>
           <a:lstStyle/>
           <a:p>
             <a:r>
@@ -12554,30 +12686,45 @@
                 <a:latin typeface="나눔고딕" panose="020D0604000000000000" pitchFamily="50" charset="-127"/>
                 <a:ea typeface="나눔고딕" panose="020D0604000000000000" pitchFamily="50" charset="-127"/>
               </a:rPr>
-              <a:t>07-2 </a:t>
+              <a:t>07-1 </a:t>
             </a:r>
             <a:r>
               <a:rPr lang="ko-KR" altLang="en-US" dirty="0" smtClean="0">
                 <a:latin typeface="나눔고딕" panose="020D0604000000000000" pitchFamily="50" charset="-127"/>
                 <a:ea typeface="나눔고딕" panose="020D0604000000000000" pitchFamily="50" charset="-127"/>
               </a:rPr>
-              <a:t>화면에 카메라 </a:t>
-            </a:r>
-            <a:r>
-              <a:rPr lang="ko-KR" altLang="en-US" dirty="0" err="1" smtClean="0">
+              <a:t>카메라로 사진 찍어 저장하기 </a:t>
+            </a:r>
+            <a:r>
+              <a:rPr lang="en-US" altLang="ko-KR" dirty="0" smtClean="0">
                 <a:latin typeface="나눔고딕" panose="020D0604000000000000" pitchFamily="50" charset="-127"/>
                 <a:ea typeface="나눔고딕" panose="020D0604000000000000" pitchFamily="50" charset="-127"/>
               </a:rPr>
-              <a:t>미리보기</a:t>
-            </a:r>
-            <a:r>
-              <a:rPr lang="ko-KR" altLang="en-US" dirty="0" smtClean="0">
-                <a:latin typeface="나눔고딕" panose="020D0604000000000000" pitchFamily="50" charset="-127"/>
-                <a:ea typeface="나눔고딕" panose="020D0604000000000000" pitchFamily="50" charset="-127"/>
-              </a:rPr>
-              <a:t> 넣기 </a:t>
-            </a:r>
-            <a:endParaRPr lang="ko-KR" altLang="en-US" dirty="0"/>
+              <a:t>- </a:t>
+            </a:r>
+            <a:r>
+              <a:rPr lang="ko-KR" altLang="en-US" dirty="0">
+                <a:solidFill>
+                  <a:srgbClr val="C00000"/>
+                </a:solidFill>
+                <a:sym typeface="Wingdings" panose="05000000000000000000" pitchFamily="2" charset="2"/>
+              </a:rPr>
+              <a:t>사진이 어디에 저장이 되나요</a:t>
+            </a:r>
+            <a:r>
+              <a:rPr lang="en-US" altLang="ko-KR" dirty="0" smtClean="0">
+                <a:solidFill>
+                  <a:srgbClr val="C00000"/>
+                </a:solidFill>
+                <a:sym typeface="Wingdings" panose="05000000000000000000" pitchFamily="2" charset="2"/>
+              </a:rPr>
+              <a:t>?</a:t>
+            </a:r>
+            <a:endParaRPr lang="ko-KR" altLang="en-US" dirty="0">
+              <a:solidFill>
+                <a:srgbClr val="C00000"/>
+              </a:solidFill>
+            </a:endParaRPr>
           </a:p>
         </p:txBody>
       </p:sp>
@@ -12597,494 +12744,23 @@
           <a:lstStyle/>
           <a:p>
             <a:r>
-              <a:rPr lang="ko-KR" altLang="en-US" dirty="0" err="1" smtClean="0">
-                <a:sym typeface="Wingdings" panose="05000000000000000000" pitchFamily="2" charset="2"/>
-              </a:rPr>
-              <a:t>인텐트와</a:t>
-            </a:r>
-            <a:r>
-              <a:rPr lang="ko-KR" altLang="en-US" dirty="0" smtClean="0">
-                <a:sym typeface="Wingdings" panose="05000000000000000000" pitchFamily="2" charset="2"/>
-              </a:rPr>
-              <a:t> </a:t>
-            </a:r>
-            <a:r>
-              <a:rPr lang="en-US" altLang="ko-KR" dirty="0" smtClean="0">
-                <a:sym typeface="Wingdings" panose="05000000000000000000" pitchFamily="2" charset="2"/>
-              </a:rPr>
-              <a:t>startActivityForResult() </a:t>
-            </a:r>
-            <a:r>
-              <a:rPr lang="ko-KR" altLang="en-US" dirty="0" err="1" smtClean="0">
-                <a:sym typeface="Wingdings" panose="05000000000000000000" pitchFamily="2" charset="2"/>
-              </a:rPr>
-              <a:t>메소드로</a:t>
-            </a:r>
-            <a:r>
-              <a:rPr lang="ko-KR" altLang="en-US" dirty="0" smtClean="0">
-                <a:sym typeface="Wingdings" panose="05000000000000000000" pitchFamily="2" charset="2"/>
-              </a:rPr>
-              <a:t> 사진을 찍는 방법은 복잡하지 않지만</a:t>
-            </a:r>
-            <a:r>
-              <a:rPr lang="en-US" altLang="ko-KR" dirty="0" smtClean="0">
-                <a:sym typeface="Wingdings" panose="05000000000000000000" pitchFamily="2" charset="2"/>
-              </a:rPr>
-              <a:t>, </a:t>
-            </a:r>
-            <a:r>
-              <a:rPr lang="ko-KR" altLang="en-US" dirty="0" err="1" smtClean="0">
-                <a:sym typeface="Wingdings" panose="05000000000000000000" pitchFamily="2" charset="2"/>
-              </a:rPr>
-              <a:t>카매라</a:t>
-            </a:r>
-            <a:r>
-              <a:rPr lang="ko-KR" altLang="en-US" dirty="0" smtClean="0">
-                <a:sym typeface="Wingdings" panose="05000000000000000000" pitchFamily="2" charset="2"/>
-              </a:rPr>
-              <a:t> 앱을 기본적으로 제공하는 기능을 그대로 사용할 수 밖에 없습니다</a:t>
-            </a:r>
-            <a:r>
-              <a:rPr lang="en-US" altLang="ko-KR" dirty="0" smtClean="0">
-                <a:sym typeface="Wingdings" panose="05000000000000000000" pitchFamily="2" charset="2"/>
-              </a:rPr>
-              <a:t>. </a:t>
-            </a:r>
-          </a:p>
-          <a:p>
-            <a:r>
-              <a:rPr lang="ko-KR" altLang="en-US" dirty="0" smtClean="0">
-                <a:sym typeface="Wingdings" panose="05000000000000000000" pitchFamily="2" charset="2"/>
-              </a:rPr>
-              <a:t>카메라를 직접 좀 더 많은 기능을 제어하기 위해</a:t>
-            </a:r>
-            <a:r>
-              <a:rPr lang="en-US" altLang="ko-KR" dirty="0" smtClean="0">
-                <a:sym typeface="Wingdings" panose="05000000000000000000" pitchFamily="2" charset="2"/>
-              </a:rPr>
-              <a:t>, </a:t>
-            </a:r>
-            <a:r>
-              <a:rPr lang="ko-KR" altLang="en-US" dirty="0" smtClean="0">
-                <a:sym typeface="Wingdings" panose="05000000000000000000" pitchFamily="2" charset="2"/>
-              </a:rPr>
-              <a:t>예를 들면 미리 보기와</a:t>
-            </a:r>
-            <a:r>
-              <a:rPr lang="en-US" altLang="ko-KR" dirty="0" smtClean="0">
-                <a:sym typeface="Wingdings" panose="05000000000000000000" pitchFamily="2" charset="2"/>
-              </a:rPr>
-              <a:t> </a:t>
-            </a:r>
-            <a:r>
-              <a:rPr lang="ko-KR" altLang="en-US" dirty="0" smtClean="0">
-                <a:sym typeface="Wingdings" panose="05000000000000000000" pitchFamily="2" charset="2"/>
-              </a:rPr>
-              <a:t>증강현실 기능</a:t>
-            </a:r>
-            <a:r>
-              <a:rPr lang="en-US" altLang="ko-KR" dirty="0" smtClean="0">
-                <a:sym typeface="Wingdings" panose="05000000000000000000" pitchFamily="2" charset="2"/>
-              </a:rPr>
-              <a:t>, </a:t>
-            </a:r>
-            <a:r>
-              <a:rPr lang="ko-KR" altLang="en-US" dirty="0" err="1" smtClean="0">
-                <a:sym typeface="Wingdings" panose="05000000000000000000" pitchFamily="2" charset="2"/>
-              </a:rPr>
-              <a:t>서피스뷰</a:t>
-            </a:r>
-            <a:r>
-              <a:rPr lang="en-US" altLang="ko-KR" dirty="0" smtClean="0">
-                <a:sym typeface="Wingdings" panose="05000000000000000000" pitchFamily="2" charset="2"/>
-              </a:rPr>
-              <a:t>(</a:t>
-            </a:r>
-            <a:r>
-              <a:rPr lang="en-US" altLang="ko-KR" dirty="0" err="1" smtClean="0">
-                <a:sym typeface="Wingdings" panose="05000000000000000000" pitchFamily="2" charset="2"/>
-              </a:rPr>
-              <a:t>SurfaceView</a:t>
-            </a:r>
-            <a:r>
-              <a:rPr lang="en-US" altLang="ko-KR" dirty="0" smtClean="0">
-                <a:sym typeface="Wingdings" panose="05000000000000000000" pitchFamily="2" charset="2"/>
-              </a:rPr>
-              <a:t>) </a:t>
-            </a:r>
-            <a:r>
-              <a:rPr lang="ko-KR" altLang="en-US" dirty="0" smtClean="0">
-                <a:sym typeface="Wingdings" panose="05000000000000000000" pitchFamily="2" charset="2"/>
-              </a:rPr>
-              <a:t>라는 것으로 카메라 </a:t>
-            </a:r>
-            <a:r>
-              <a:rPr lang="ko-KR" altLang="en-US" dirty="0" err="1" smtClean="0">
-                <a:sym typeface="Wingdings" panose="05000000000000000000" pitchFamily="2" charset="2"/>
-              </a:rPr>
-              <a:t>미리보기</a:t>
-            </a:r>
-            <a:r>
-              <a:rPr lang="ko-KR" altLang="en-US" dirty="0" smtClean="0">
-                <a:sym typeface="Wingdings" panose="05000000000000000000" pitchFamily="2" charset="2"/>
-              </a:rPr>
-              <a:t> 화면을 구현할 수 있습니다</a:t>
-            </a:r>
-            <a:r>
-              <a:rPr lang="en-US" altLang="ko-KR" dirty="0" smtClean="0">
-                <a:sym typeface="Wingdings" panose="05000000000000000000" pitchFamily="2" charset="2"/>
-              </a:rPr>
-              <a:t>. </a:t>
-            </a:r>
-          </a:p>
-          <a:p>
-            <a:r>
-              <a:rPr lang="ko-KR" altLang="en-US" dirty="0" err="1" smtClean="0">
-                <a:sym typeface="Wingdings" panose="05000000000000000000" pitchFamily="2" charset="2"/>
-              </a:rPr>
-              <a:t>서피스뷰는</a:t>
-            </a:r>
-            <a:r>
-              <a:rPr lang="ko-KR" altLang="en-US" dirty="0" smtClean="0">
-                <a:sym typeface="Wingdings" panose="05000000000000000000" pitchFamily="2" charset="2"/>
-              </a:rPr>
-              <a:t> </a:t>
-            </a:r>
-            <a:r>
-              <a:rPr lang="ko-KR" altLang="en-US" dirty="0" err="1" smtClean="0">
-                <a:sym typeface="Wingdings" panose="05000000000000000000" pitchFamily="2" charset="2"/>
-              </a:rPr>
-              <a:t>서피스홀더</a:t>
-            </a:r>
-            <a:r>
-              <a:rPr lang="en-US" altLang="ko-KR" dirty="0" smtClean="0">
-                <a:sym typeface="Wingdings" panose="05000000000000000000" pitchFamily="2" charset="2"/>
-              </a:rPr>
-              <a:t>(</a:t>
-            </a:r>
-            <a:r>
-              <a:rPr lang="en-US" altLang="ko-KR" dirty="0" err="1" smtClean="0">
-                <a:sym typeface="Wingdings" panose="05000000000000000000" pitchFamily="2" charset="2"/>
-              </a:rPr>
-              <a:t>SurfaceHolder</a:t>
-            </a:r>
-            <a:r>
-              <a:rPr lang="en-US" altLang="ko-KR" dirty="0" smtClean="0">
-                <a:sym typeface="Wingdings" panose="05000000000000000000" pitchFamily="2" charset="2"/>
-              </a:rPr>
-              <a:t>) </a:t>
-            </a:r>
-            <a:r>
-              <a:rPr lang="ko-KR" altLang="en-US" dirty="0" smtClean="0">
-                <a:sym typeface="Wingdings" panose="05000000000000000000" pitchFamily="2" charset="2"/>
-              </a:rPr>
-              <a:t>객체에 의해 생성되고 제어됩니다</a:t>
-            </a:r>
-            <a:r>
-              <a:rPr lang="en-US" altLang="ko-KR" dirty="0" smtClean="0">
-                <a:sym typeface="Wingdings" panose="05000000000000000000" pitchFamily="2" charset="2"/>
-              </a:rPr>
-              <a:t>. </a:t>
-            </a:r>
-            <a:br>
-              <a:rPr lang="en-US" altLang="ko-KR" dirty="0" smtClean="0">
-                <a:sym typeface="Wingdings" panose="05000000000000000000" pitchFamily="2" charset="2"/>
-              </a:rPr>
-            </a:br>
-            <a:r>
-              <a:rPr lang="ko-KR" altLang="en-US" dirty="0" err="1" smtClean="0">
-                <a:sym typeface="Wingdings" panose="05000000000000000000" pitchFamily="2" charset="2"/>
-              </a:rPr>
-              <a:t>서피스홀더</a:t>
-            </a:r>
-            <a:r>
-              <a:rPr lang="ko-KR" altLang="en-US" dirty="0" smtClean="0">
-                <a:sym typeface="Wingdings" panose="05000000000000000000" pitchFamily="2" charset="2"/>
-              </a:rPr>
-              <a:t> 객체의 </a:t>
-            </a:r>
-            <a:r>
-              <a:rPr lang="en-US" altLang="ko-KR" dirty="0" err="1" smtClean="0">
-                <a:sym typeface="Wingdings" panose="05000000000000000000" pitchFamily="2" charset="2"/>
-              </a:rPr>
-              <a:t>setPreiewDisplay</a:t>
-            </a:r>
-            <a:r>
-              <a:rPr lang="en-US" altLang="ko-KR" dirty="0" smtClean="0">
-                <a:sym typeface="Wingdings" panose="05000000000000000000" pitchFamily="2" charset="2"/>
-              </a:rPr>
-              <a:t>() </a:t>
-            </a:r>
-            <a:r>
-              <a:rPr lang="ko-KR" altLang="en-US" dirty="0" err="1" smtClean="0">
-                <a:sym typeface="Wingdings" panose="05000000000000000000" pitchFamily="2" charset="2"/>
-              </a:rPr>
-              <a:t>메소드로</a:t>
-            </a:r>
-            <a:r>
-              <a:rPr lang="ko-KR" altLang="en-US" dirty="0" smtClean="0">
-                <a:sym typeface="Wingdings" panose="05000000000000000000" pitchFamily="2" charset="2"/>
-              </a:rPr>
-              <a:t> </a:t>
-            </a:r>
-            <a:r>
-              <a:rPr lang="ko-KR" altLang="en-US" dirty="0" err="1" smtClean="0">
-                <a:sym typeface="Wingdings" panose="05000000000000000000" pitchFamily="2" charset="2"/>
-              </a:rPr>
-              <a:t>미리보기를</a:t>
-            </a:r>
-            <a:r>
-              <a:rPr lang="ko-KR" altLang="en-US" dirty="0" smtClean="0">
-                <a:sym typeface="Wingdings" panose="05000000000000000000" pitchFamily="2" charset="2"/>
-              </a:rPr>
-              <a:t> 설정해 줄 수 있습니다</a:t>
-            </a:r>
-            <a:r>
-              <a:rPr lang="en-US" altLang="ko-KR" dirty="0" smtClean="0">
-                <a:sym typeface="Wingdings" panose="05000000000000000000" pitchFamily="2" charset="2"/>
-              </a:rPr>
-              <a:t>.  </a:t>
-            </a:r>
-          </a:p>
-          <a:p>
-            <a:r>
-              <a:rPr lang="ko-KR" altLang="en-US" dirty="0" smtClean="0">
-                <a:sym typeface="Wingdings" panose="05000000000000000000" pitchFamily="2" charset="2"/>
-              </a:rPr>
-              <a:t>필요한 초기화 작업이 끝나면 카메라 객체의 </a:t>
-            </a:r>
-            <a:r>
-              <a:rPr lang="en-US" altLang="ko-KR" dirty="0" err="1" smtClean="0">
-                <a:sym typeface="Wingdings" panose="05000000000000000000" pitchFamily="2" charset="2"/>
-              </a:rPr>
-              <a:t>startPreview</a:t>
-            </a:r>
-            <a:r>
-              <a:rPr lang="en-US" altLang="ko-KR" dirty="0" smtClean="0">
-                <a:sym typeface="Wingdings" panose="05000000000000000000" pitchFamily="2" charset="2"/>
-              </a:rPr>
-              <a:t>() </a:t>
-            </a:r>
-            <a:r>
-              <a:rPr lang="ko-KR" altLang="en-US" dirty="0" smtClean="0">
-                <a:sym typeface="Wingdings" panose="05000000000000000000" pitchFamily="2" charset="2"/>
-              </a:rPr>
-              <a:t>메소드를 </a:t>
-            </a:r>
-            <a:r>
-              <a:rPr lang="ko-KR" altLang="en-US" dirty="0" err="1" smtClean="0">
-                <a:sym typeface="Wingdings" panose="05000000000000000000" pitchFamily="2" charset="2"/>
-              </a:rPr>
-              <a:t>호춣할</a:t>
-            </a:r>
-            <a:r>
-              <a:rPr lang="ko-KR" altLang="en-US" dirty="0" smtClean="0">
-                <a:sym typeface="Wingdings" panose="05000000000000000000" pitchFamily="2" charset="2"/>
-              </a:rPr>
-              <a:t> 수 있으며</a:t>
-            </a:r>
-            <a:r>
-              <a:rPr lang="en-US" altLang="ko-KR" dirty="0" smtClean="0">
-                <a:sym typeface="Wingdings" panose="05000000000000000000" pitchFamily="2" charset="2"/>
-              </a:rPr>
-              <a:t>, </a:t>
-            </a:r>
-            <a:r>
-              <a:rPr lang="ko-KR" altLang="en-US" dirty="0" smtClean="0">
-                <a:sym typeface="Wingdings" panose="05000000000000000000" pitchFamily="2" charset="2"/>
-              </a:rPr>
-              <a:t>이때부터 카메라로 입력되는 영상을 </a:t>
-            </a:r>
-            <a:r>
-              <a:rPr lang="ko-KR" altLang="en-US" dirty="0" err="1" smtClean="0">
-                <a:sym typeface="Wingdings" panose="05000000000000000000" pitchFamily="2" charset="2"/>
-              </a:rPr>
-              <a:t>서피스뷰로</a:t>
-            </a:r>
-            <a:r>
-              <a:rPr lang="ko-KR" altLang="en-US" dirty="0" smtClean="0">
-                <a:sym typeface="Wingdings" panose="05000000000000000000" pitchFamily="2" charset="2"/>
-              </a:rPr>
-              <a:t> 화면에 보여주게 됩니다</a:t>
-            </a:r>
-            <a:r>
-              <a:rPr lang="en-US" altLang="ko-KR" dirty="0" smtClean="0">
-                <a:sym typeface="Wingdings" panose="05000000000000000000" pitchFamily="2" charset="2"/>
-              </a:rPr>
-              <a:t>. </a:t>
-            </a:r>
-            <a:r>
-              <a:rPr lang="ko-KR" altLang="en-US" dirty="0" smtClean="0">
-                <a:sym typeface="Wingdings" panose="05000000000000000000" pitchFamily="2" charset="2"/>
-              </a:rPr>
-              <a:t>이때 타입은 </a:t>
-            </a:r>
-            <a:r>
-              <a:rPr lang="en-US" altLang="ko-KR" dirty="0" smtClean="0">
-                <a:sym typeface="Wingdings" panose="05000000000000000000" pitchFamily="2" charset="2"/>
-              </a:rPr>
-              <a:t>SURFACE_TYPE_PUSH_BUFFERS </a:t>
-            </a:r>
-            <a:r>
-              <a:rPr lang="ko-KR" altLang="en-US" dirty="0" smtClean="0">
-                <a:sym typeface="Wingdings" panose="05000000000000000000" pitchFamily="2" charset="2"/>
-              </a:rPr>
-              <a:t>가 되어야 합니다</a:t>
-            </a:r>
-            <a:endParaRPr lang="en-US" altLang="ko-KR" dirty="0">
-              <a:sym typeface="Wingdings" panose="05000000000000000000" pitchFamily="2" charset="2"/>
-            </a:endParaRPr>
-          </a:p>
-          <a:p>
-            <a:endParaRPr lang="en-US" altLang="ko-KR" dirty="0" smtClean="0">
-              <a:sym typeface="Wingdings" panose="05000000000000000000" pitchFamily="2" charset="2"/>
-            </a:endParaRPr>
-          </a:p>
-          <a:p>
-            <a:r>
               <a:rPr lang="ko-KR" altLang="en-US" b="1" dirty="0" smtClean="0">
                 <a:sym typeface="Wingdings" panose="05000000000000000000" pitchFamily="2" charset="2"/>
               </a:rPr>
-              <a:t>카메라 </a:t>
-            </a:r>
-            <a:r>
-              <a:rPr lang="ko-KR" altLang="en-US" b="1" dirty="0" err="1" smtClean="0">
-                <a:sym typeface="Wingdings" panose="05000000000000000000" pitchFamily="2" charset="2"/>
-              </a:rPr>
-              <a:t>미리보기를</a:t>
-            </a:r>
-            <a:r>
-              <a:rPr lang="ko-KR" altLang="en-US" b="1" dirty="0" smtClean="0">
-                <a:sym typeface="Wingdings" panose="05000000000000000000" pitchFamily="2" charset="2"/>
-              </a:rPr>
-              <a:t> 사용할 때는 일반적으로 뷰를 중첩시켜 사용합니다</a:t>
-            </a:r>
-            <a:r>
-              <a:rPr lang="en-US" altLang="ko-KR" b="1" dirty="0" smtClean="0">
-                <a:sym typeface="Wingdings" panose="05000000000000000000" pitchFamily="2" charset="2"/>
-              </a:rPr>
-              <a:t>. </a:t>
-            </a:r>
-          </a:p>
-          <a:p>
-            <a:pPr lvl="1"/>
-            <a:r>
-              <a:rPr lang="ko-KR" altLang="en-US" dirty="0" err="1" smtClean="0">
-                <a:sym typeface="Wingdings" panose="05000000000000000000" pitchFamily="2" charset="2"/>
-              </a:rPr>
-              <a:t>서피스뷰의</a:t>
-            </a:r>
-            <a:r>
-              <a:rPr lang="ko-KR" altLang="en-US" dirty="0" smtClean="0">
-                <a:sym typeface="Wingdings" panose="05000000000000000000" pitchFamily="2" charset="2"/>
-              </a:rPr>
-              <a:t> 타입을 카메라의 영상을 </a:t>
-            </a:r>
-            <a:r>
-              <a:rPr lang="ko-KR" altLang="en-US" dirty="0">
-                <a:sym typeface="Wingdings" panose="05000000000000000000" pitchFamily="2" charset="2"/>
-              </a:rPr>
-              <a:t>뿌</a:t>
-            </a:r>
-            <a:r>
-              <a:rPr lang="ko-KR" altLang="en-US" dirty="0" smtClean="0">
-                <a:sym typeface="Wingdings" panose="05000000000000000000" pitchFamily="2" charset="2"/>
-              </a:rPr>
-              <a:t>려주는 데만 사용하도록 설정한 경우</a:t>
-            </a:r>
-            <a:r>
-              <a:rPr lang="en-US" altLang="ko-KR" dirty="0" smtClean="0">
-                <a:sym typeface="Wingdings" panose="05000000000000000000" pitchFamily="2" charset="2"/>
-              </a:rPr>
-              <a:t>, </a:t>
-            </a:r>
-            <a:r>
-              <a:rPr lang="ko-KR" altLang="en-US" dirty="0" smtClean="0">
-                <a:sym typeface="Wingdings" panose="05000000000000000000" pitchFamily="2" charset="2"/>
-              </a:rPr>
-              <a:t>그 위에 별도의 그래픽 그리기가 제한됩니다</a:t>
-            </a:r>
-            <a:r>
-              <a:rPr lang="en-US" altLang="ko-KR" dirty="0" smtClean="0">
-                <a:sym typeface="Wingdings" panose="05000000000000000000" pitchFamily="2" charset="2"/>
-              </a:rPr>
-              <a:t>. </a:t>
-            </a:r>
-            <a:r>
-              <a:rPr lang="ko-KR" altLang="en-US" dirty="0" smtClean="0">
-                <a:sym typeface="Wingdings" panose="05000000000000000000" pitchFamily="2" charset="2"/>
-              </a:rPr>
-              <a:t>따라서 나침반</a:t>
-            </a:r>
-            <a:r>
-              <a:rPr lang="en-US" altLang="ko-KR" dirty="0" smtClean="0">
-                <a:sym typeface="Wingdings" panose="05000000000000000000" pitchFamily="2" charset="2"/>
-              </a:rPr>
-              <a:t>, </a:t>
-            </a:r>
-            <a:r>
-              <a:rPr lang="ko-KR" altLang="en-US" dirty="0" smtClean="0">
-                <a:sym typeface="Wingdings" panose="05000000000000000000" pitchFamily="2" charset="2"/>
-              </a:rPr>
-              <a:t>버튼</a:t>
-            </a:r>
-            <a:r>
-              <a:rPr lang="en-US" altLang="ko-KR" dirty="0" smtClean="0">
-                <a:sym typeface="Wingdings" panose="05000000000000000000" pitchFamily="2" charset="2"/>
-              </a:rPr>
-              <a:t>, </a:t>
-            </a:r>
-            <a:r>
-              <a:rPr lang="ko-KR" altLang="en-US" dirty="0" smtClean="0">
-                <a:sym typeface="Wingdings" panose="05000000000000000000" pitchFamily="2" charset="2"/>
-              </a:rPr>
-              <a:t>버튼</a:t>
-            </a:r>
-            <a:r>
-              <a:rPr lang="en-US" altLang="ko-KR" dirty="0" smtClean="0">
-                <a:sym typeface="Wingdings" panose="05000000000000000000" pitchFamily="2" charset="2"/>
-              </a:rPr>
-              <a:t>, </a:t>
-            </a:r>
-            <a:r>
-              <a:rPr lang="ko-KR" altLang="en-US" dirty="0" smtClean="0">
-                <a:sym typeface="Wingdings" panose="05000000000000000000" pitchFamily="2" charset="2"/>
-              </a:rPr>
-              <a:t>쿠폰 등을 보여줄 </a:t>
-            </a:r>
-            <a:r>
-              <a:rPr lang="ko-KR" altLang="en-US" dirty="0" err="1" smtClean="0">
-                <a:sym typeface="Wingdings" panose="05000000000000000000" pitchFamily="2" charset="2"/>
-              </a:rPr>
-              <a:t>이미지뷰</a:t>
-            </a:r>
-            <a:r>
-              <a:rPr lang="ko-KR" altLang="en-US" dirty="0" smtClean="0">
-                <a:sym typeface="Wingdings" panose="05000000000000000000" pitchFamily="2" charset="2"/>
-              </a:rPr>
-              <a:t> 등 별도의 위젯 또는 그래픽을 올리려면 또 다른 레이아웃 </a:t>
-            </a:r>
-            <a:r>
-              <a:rPr lang="ko-KR" altLang="en-US" dirty="0" err="1" smtClean="0">
-                <a:sym typeface="Wingdings" panose="05000000000000000000" pitchFamily="2" charset="2"/>
-              </a:rPr>
-              <a:t>서피스뷰</a:t>
-            </a:r>
-            <a:r>
-              <a:rPr lang="ko-KR" altLang="en-US" dirty="0" smtClean="0">
-                <a:sym typeface="Wingdings" panose="05000000000000000000" pitchFamily="2" charset="2"/>
-              </a:rPr>
-              <a:t> 위에 겹쳐 두고 배경을 투명하게 만드는 방법을 사용할 수 있습니다</a:t>
-            </a:r>
-            <a:r>
-              <a:rPr lang="en-US" altLang="ko-KR" dirty="0" smtClean="0">
-                <a:sym typeface="Wingdings" panose="05000000000000000000" pitchFamily="2" charset="2"/>
-              </a:rPr>
-              <a:t>. </a:t>
-            </a:r>
-            <a:endParaRPr lang="en-US" altLang="ko-KR" dirty="0">
-              <a:sym typeface="Wingdings" panose="05000000000000000000" pitchFamily="2" charset="2"/>
-            </a:endParaRPr>
+              <a:t>사진 </a:t>
+            </a:r>
+            <a:r>
+              <a:rPr lang="ko-KR" altLang="en-US" b="1" dirty="0">
+                <a:sym typeface="Wingdings" panose="05000000000000000000" pitchFamily="2" charset="2"/>
+              </a:rPr>
+              <a:t>찾는 방법</a:t>
+            </a:r>
+            <a:r>
+              <a:rPr lang="en-US" altLang="ko-KR" b="1" dirty="0">
+                <a:sym typeface="Wingdings" panose="05000000000000000000" pitchFamily="2" charset="2"/>
+              </a:rPr>
+              <a:t>:</a:t>
+            </a:r>
           </a:p>
           <a:p>
             <a:endParaRPr lang="en-US" altLang="ko-KR" dirty="0" smtClean="0">
@@ -13142,10 +12818,281 @@
           </a:p>
         </p:txBody>
       </p:sp>
+      <p:grpSp>
+        <p:nvGrpSpPr>
+          <p:cNvPr id="17" name="그룹 16"/>
+          <p:cNvGrpSpPr/>
+          <p:nvPr/>
+        </p:nvGrpSpPr>
+        <p:grpSpPr>
+          <a:xfrm>
+            <a:off x="1538910" y="1696348"/>
+            <a:ext cx="9076492" cy="3985768"/>
+            <a:chOff x="1750592" y="2129875"/>
+            <a:chExt cx="9076492" cy="3985768"/>
+          </a:xfrm>
+        </p:grpSpPr>
+        <p:pic>
+          <p:nvPicPr>
+            <p:cNvPr id="8" name="그림 7"/>
+            <p:cNvPicPr>
+              <a:picLocks noChangeAspect="1"/>
+            </p:cNvPicPr>
+            <p:nvPr/>
+          </p:nvPicPr>
+          <p:blipFill>
+            <a:blip r:embed="rId2"/>
+            <a:stretch>
+              <a:fillRect/>
+            </a:stretch>
+          </p:blipFill>
+          <p:spPr>
+            <a:xfrm>
+              <a:off x="1750592" y="2281431"/>
+              <a:ext cx="2143046" cy="3788600"/>
+            </a:xfrm>
+            <a:prstGeom prst="rect">
+              <a:avLst/>
+            </a:prstGeom>
+          </p:spPr>
+        </p:pic>
+        <p:sp>
+          <p:nvSpPr>
+            <p:cNvPr id="7" name="오른쪽 화살표 6"/>
+            <p:cNvSpPr/>
+            <p:nvPr/>
+          </p:nvSpPr>
+          <p:spPr>
+            <a:xfrm rot="3269002">
+              <a:off x="3174728" y="2439984"/>
+              <a:ext cx="468052" cy="288032"/>
+            </a:xfrm>
+            <a:prstGeom prst="rightArrow">
+              <a:avLst/>
+            </a:prstGeom>
+          </p:spPr>
+          <p:style>
+            <a:lnRef idx="2">
+              <a:schemeClr val="accent1">
+                <a:shade val="50000"/>
+              </a:schemeClr>
+            </a:lnRef>
+            <a:fillRef idx="1">
+              <a:schemeClr val="accent1"/>
+            </a:fillRef>
+            <a:effectRef idx="0">
+              <a:schemeClr val="accent1"/>
+            </a:effectRef>
+            <a:fontRef idx="minor">
+              <a:schemeClr val="lt1"/>
+            </a:fontRef>
+          </p:style>
+          <p:txBody>
+            <a:bodyPr rtlCol="0" anchor="ctr"/>
+            <a:lstStyle/>
+            <a:p>
+              <a:pPr algn="ctr"/>
+              <a:endParaRPr lang="ko-KR" altLang="en-US"/>
+            </a:p>
+          </p:txBody>
+        </p:sp>
+        <p:pic>
+          <p:nvPicPr>
+            <p:cNvPr id="9" name="그림 8"/>
+            <p:cNvPicPr>
+              <a:picLocks noChangeAspect="1"/>
+            </p:cNvPicPr>
+            <p:nvPr/>
+          </p:nvPicPr>
+          <p:blipFill>
+            <a:blip r:embed="rId3"/>
+            <a:stretch>
+              <a:fillRect/>
+            </a:stretch>
+          </p:blipFill>
+          <p:spPr>
+            <a:xfrm>
+              <a:off x="6280784" y="2281431"/>
+              <a:ext cx="2227761" cy="3834212"/>
+            </a:xfrm>
+            <a:prstGeom prst="rect">
+              <a:avLst/>
+            </a:prstGeom>
+          </p:spPr>
+        </p:pic>
+        <p:pic>
+          <p:nvPicPr>
+            <p:cNvPr id="10" name="그림 9"/>
+            <p:cNvPicPr>
+              <a:picLocks noChangeAspect="1"/>
+            </p:cNvPicPr>
+            <p:nvPr/>
+          </p:nvPicPr>
+          <p:blipFill>
+            <a:blip r:embed="rId4"/>
+            <a:stretch>
+              <a:fillRect/>
+            </a:stretch>
+          </p:blipFill>
+          <p:spPr>
+            <a:xfrm>
+              <a:off x="3999723" y="2281431"/>
+              <a:ext cx="2156248" cy="3788600"/>
+            </a:xfrm>
+            <a:prstGeom prst="rect">
+              <a:avLst/>
+            </a:prstGeom>
+          </p:spPr>
+        </p:pic>
+        <p:sp>
+          <p:nvSpPr>
+            <p:cNvPr id="14" name="오른쪽 화살표 13"/>
+            <p:cNvSpPr/>
+            <p:nvPr/>
+          </p:nvSpPr>
+          <p:spPr>
+            <a:xfrm rot="3269002">
+              <a:off x="3739351" y="2219885"/>
+              <a:ext cx="468052" cy="288032"/>
+            </a:xfrm>
+            <a:prstGeom prst="rightArrow">
+              <a:avLst/>
+            </a:prstGeom>
+          </p:spPr>
+          <p:style>
+            <a:lnRef idx="2">
+              <a:schemeClr val="accent1">
+                <a:shade val="50000"/>
+              </a:schemeClr>
+            </a:lnRef>
+            <a:fillRef idx="1">
+              <a:schemeClr val="accent1"/>
+            </a:fillRef>
+            <a:effectRef idx="0">
+              <a:schemeClr val="accent1"/>
+            </a:effectRef>
+            <a:fontRef idx="minor">
+              <a:schemeClr val="lt1"/>
+            </a:fontRef>
+          </p:style>
+          <p:txBody>
+            <a:bodyPr rtlCol="0" anchor="ctr"/>
+            <a:lstStyle/>
+            <a:p>
+              <a:pPr algn="ctr"/>
+              <a:endParaRPr lang="ko-KR" altLang="en-US"/>
+            </a:p>
+          </p:txBody>
+        </p:sp>
+        <p:sp>
+          <p:nvSpPr>
+            <p:cNvPr id="15" name="오른쪽 화살표 14"/>
+            <p:cNvSpPr/>
+            <p:nvPr/>
+          </p:nvSpPr>
+          <p:spPr>
+            <a:xfrm rot="3269002">
+              <a:off x="6051386" y="3846910"/>
+              <a:ext cx="468052" cy="288032"/>
+            </a:xfrm>
+            <a:prstGeom prst="rightArrow">
+              <a:avLst/>
+            </a:prstGeom>
+          </p:spPr>
+          <p:style>
+            <a:lnRef idx="2">
+              <a:schemeClr val="accent1">
+                <a:shade val="50000"/>
+              </a:schemeClr>
+            </a:lnRef>
+            <a:fillRef idx="1">
+              <a:schemeClr val="accent1"/>
+            </a:fillRef>
+            <a:effectRef idx="0">
+              <a:schemeClr val="accent1"/>
+            </a:effectRef>
+            <a:fontRef idx="minor">
+              <a:schemeClr val="lt1"/>
+            </a:fontRef>
+          </p:style>
+          <p:txBody>
+            <a:bodyPr rtlCol="0" anchor="ctr"/>
+            <a:lstStyle/>
+            <a:p>
+              <a:pPr algn="ctr"/>
+              <a:endParaRPr lang="ko-KR" altLang="en-US"/>
+            </a:p>
+          </p:txBody>
+        </p:sp>
+        <p:pic>
+          <p:nvPicPr>
+            <p:cNvPr id="16" name="그림 15"/>
+            <p:cNvPicPr>
+              <a:picLocks noChangeAspect="1"/>
+            </p:cNvPicPr>
+            <p:nvPr/>
+          </p:nvPicPr>
+          <p:blipFill>
+            <a:blip r:embed="rId5"/>
+            <a:stretch>
+              <a:fillRect/>
+            </a:stretch>
+          </p:blipFill>
+          <p:spPr>
+            <a:xfrm>
+              <a:off x="8643067" y="2281432"/>
+              <a:ext cx="2184017" cy="3788600"/>
+            </a:xfrm>
+            <a:prstGeom prst="rect">
+              <a:avLst/>
+            </a:prstGeom>
+          </p:spPr>
+        </p:pic>
+        <p:sp>
+          <p:nvSpPr>
+            <p:cNvPr id="11" name="오른쪽 화살표 10"/>
+            <p:cNvSpPr/>
+            <p:nvPr/>
+          </p:nvSpPr>
+          <p:spPr>
+            <a:xfrm rot="8321064">
+              <a:off x="9758149" y="4843801"/>
+              <a:ext cx="468052" cy="288032"/>
+            </a:xfrm>
+            <a:prstGeom prst="rightArrow">
+              <a:avLst/>
+            </a:prstGeom>
+          </p:spPr>
+          <p:style>
+            <a:lnRef idx="2">
+              <a:schemeClr val="accent1">
+                <a:shade val="50000"/>
+              </a:schemeClr>
+            </a:lnRef>
+            <a:fillRef idx="1">
+              <a:schemeClr val="accent1"/>
+            </a:fillRef>
+            <a:effectRef idx="0">
+              <a:schemeClr val="accent1"/>
+            </a:effectRef>
+            <a:fontRef idx="minor">
+              <a:schemeClr val="lt1"/>
+            </a:fontRef>
+          </p:style>
+          <p:txBody>
+            <a:bodyPr rtlCol="0" anchor="ctr"/>
+            <a:lstStyle/>
+            <a:p>
+              <a:pPr algn="ctr"/>
+              <a:endParaRPr lang="ko-KR" altLang="en-US"/>
+            </a:p>
+          </p:txBody>
+        </p:sp>
+      </p:grpSp>
     </p:spTree>
     <p:extLst>
       <p:ext uri="{BB962C8B-B14F-4D97-AF65-F5344CB8AC3E}">
-        <p14:creationId xmlns:p14="http://schemas.microsoft.com/office/powerpoint/2010/main" val="2679770811"/>
+        <p14:creationId xmlns:p14="http://schemas.microsoft.com/office/powerpoint/2010/main" val="1978672839"/>
       </p:ext>
     </p:extLst>
   </p:cSld>
@@ -13386,34 +13333,6 @@
               </a:rPr>
               <a:t> 넣기 </a:t>
             </a:r>
-            <a:r>
-              <a:rPr lang="en-US" altLang="ko-KR" dirty="0" smtClean="0">
-                <a:latin typeface="나눔고딕" panose="020D0604000000000000" pitchFamily="50" charset="-127"/>
-                <a:ea typeface="나눔고딕" panose="020D0604000000000000" pitchFamily="50" charset="-127"/>
-              </a:rPr>
-              <a:t>– </a:t>
-            </a:r>
-            <a:r>
-              <a:rPr lang="ko-KR" altLang="en-US" dirty="0" smtClean="0">
-                <a:latin typeface="나눔고딕" panose="020D0604000000000000" pitchFamily="50" charset="-127"/>
-                <a:ea typeface="나눔고딕" panose="020D0604000000000000" pitchFamily="50" charset="-127"/>
-              </a:rPr>
-              <a:t>카메라 </a:t>
-            </a:r>
-            <a:r>
-              <a:rPr lang="ko-KR" altLang="en-US" dirty="0" err="1" smtClean="0">
-                <a:latin typeface="나눔고딕" panose="020D0604000000000000" pitchFamily="50" charset="-127"/>
-                <a:ea typeface="나눔고딕" panose="020D0604000000000000" pitchFamily="50" charset="-127"/>
-              </a:rPr>
-              <a:t>미리보기</a:t>
-            </a:r>
-            <a:r>
-              <a:rPr lang="ko-KR" altLang="en-US" dirty="0" smtClean="0">
-                <a:latin typeface="나눔고딕" panose="020D0604000000000000" pitchFamily="50" charset="-127"/>
-                <a:ea typeface="나눔고딕" panose="020D0604000000000000" pitchFamily="50" charset="-127"/>
-              </a:rPr>
-              <a:t> 실습</a:t>
-            </a:r>
             <a:endParaRPr lang="ko-KR" altLang="en-US" dirty="0"/>
           </a:p>
         </p:txBody>
@@ -13433,47 +13352,153 @@
           <a:bodyPr/>
           <a:lstStyle/>
           <a:p>
-            <a:pPr marL="0" indent="0">
-              <a:buNone/>
-            </a:pPr>
-            <a:r>
-              <a:rPr lang="ko-KR" altLang="en-US" b="1" dirty="0" smtClean="0">
-                <a:solidFill>
-                  <a:srgbClr val="C00000"/>
-                </a:solidFill>
-                <a:sym typeface="Wingdings" panose="05000000000000000000" pitchFamily="2" charset="2"/>
-              </a:rPr>
-              <a:t>카메라 </a:t>
-            </a:r>
-            <a:r>
-              <a:rPr lang="ko-KR" altLang="en-US" b="1" dirty="0" err="1" smtClean="0">
-                <a:solidFill>
-                  <a:srgbClr val="C00000"/>
-                </a:solidFill>
+            <a:r>
+              <a:rPr lang="ko-KR" altLang="en-US" dirty="0" err="1" smtClean="0">
+                <a:sym typeface="Wingdings" panose="05000000000000000000" pitchFamily="2" charset="2"/>
+              </a:rPr>
+              <a:t>인텐트와</a:t>
+            </a:r>
+            <a:r>
+              <a:rPr lang="ko-KR" altLang="en-US" dirty="0" smtClean="0">
+                <a:sym typeface="Wingdings" panose="05000000000000000000" pitchFamily="2" charset="2"/>
+              </a:rPr>
+              <a:t> </a:t>
+            </a:r>
+            <a:r>
+              <a:rPr lang="en-US" altLang="ko-KR" dirty="0" smtClean="0">
+                <a:sym typeface="Wingdings" panose="05000000000000000000" pitchFamily="2" charset="2"/>
+              </a:rPr>
+              <a:t>startActivityForResult() </a:t>
+            </a:r>
+            <a:r>
+              <a:rPr lang="ko-KR" altLang="en-US" dirty="0" err="1" smtClean="0">
+                <a:sym typeface="Wingdings" panose="05000000000000000000" pitchFamily="2" charset="2"/>
+              </a:rPr>
+              <a:t>메소드로</a:t>
+            </a:r>
+            <a:r>
+              <a:rPr lang="ko-KR" altLang="en-US" dirty="0" smtClean="0">
+                <a:sym typeface="Wingdings" panose="05000000000000000000" pitchFamily="2" charset="2"/>
+              </a:rPr>
+              <a:t> 사진을 찍는 방법은 복잡하지 않지만</a:t>
+            </a:r>
+            <a:r>
+              <a:rPr lang="en-US" altLang="ko-KR" dirty="0" smtClean="0">
+                <a:sym typeface="Wingdings" panose="05000000000000000000" pitchFamily="2" charset="2"/>
+              </a:rPr>
+              <a:t>, </a:t>
+            </a:r>
+            <a:r>
+              <a:rPr lang="ko-KR" altLang="en-US" dirty="0" err="1" smtClean="0">
+                <a:sym typeface="Wingdings" panose="05000000000000000000" pitchFamily="2" charset="2"/>
+              </a:rPr>
+              <a:t>카매라</a:t>
+            </a:r>
+            <a:r>
+              <a:rPr lang="ko-KR" altLang="en-US" dirty="0" smtClean="0">
+                <a:sym typeface="Wingdings" panose="05000000000000000000" pitchFamily="2" charset="2"/>
+              </a:rPr>
+              <a:t> 앱을 기본적으로 제공하는 기능을 그대로 사용할 수 밖에 없습니다</a:t>
+            </a:r>
+            <a:r>
+              <a:rPr lang="en-US" altLang="ko-KR" dirty="0" smtClean="0">
+                <a:sym typeface="Wingdings" panose="05000000000000000000" pitchFamily="2" charset="2"/>
+              </a:rPr>
+              <a:t>. </a:t>
+            </a:r>
+          </a:p>
+          <a:p>
+            <a:r>
+              <a:rPr lang="ko-KR" altLang="en-US" dirty="0" smtClean="0">
+                <a:sym typeface="Wingdings" panose="05000000000000000000" pitchFamily="2" charset="2"/>
+              </a:rPr>
+              <a:t>카메라를 직접 좀 더 많은 기능을 제어하기 위해</a:t>
+            </a:r>
+            <a:r>
+              <a:rPr lang="en-US" altLang="ko-KR" dirty="0" smtClean="0">
+                <a:sym typeface="Wingdings" panose="05000000000000000000" pitchFamily="2" charset="2"/>
+              </a:rPr>
+              <a:t>, </a:t>
+            </a:r>
+            <a:r>
+              <a:rPr lang="ko-KR" altLang="en-US" dirty="0" smtClean="0">
+                <a:sym typeface="Wingdings" panose="05000000000000000000" pitchFamily="2" charset="2"/>
+              </a:rPr>
+              <a:t>예를 들면 미리 보기와</a:t>
+            </a:r>
+            <a:r>
+              <a:rPr lang="en-US" altLang="ko-KR" dirty="0" smtClean="0">
+                <a:sym typeface="Wingdings" panose="05000000000000000000" pitchFamily="2" charset="2"/>
+              </a:rPr>
+              <a:t> </a:t>
+            </a:r>
+            <a:r>
+              <a:rPr lang="ko-KR" altLang="en-US" dirty="0" smtClean="0">
+                <a:sym typeface="Wingdings" panose="05000000000000000000" pitchFamily="2" charset="2"/>
+              </a:rPr>
+              <a:t>증강현실 기능</a:t>
+            </a:r>
+            <a:r>
+              <a:rPr lang="en-US" altLang="ko-KR" dirty="0" smtClean="0">
+                <a:sym typeface="Wingdings" panose="05000000000000000000" pitchFamily="2" charset="2"/>
+              </a:rPr>
+              <a:t>, </a:t>
+            </a:r>
+            <a:r>
+              <a:rPr lang="ko-KR" altLang="en-US" dirty="0" err="1" smtClean="0">
+                <a:sym typeface="Wingdings" panose="05000000000000000000" pitchFamily="2" charset="2"/>
+              </a:rPr>
+              <a:t>서피스뷰</a:t>
+            </a:r>
+            <a:r>
+              <a:rPr lang="en-US" altLang="ko-KR" dirty="0" smtClean="0">
+                <a:sym typeface="Wingdings" panose="05000000000000000000" pitchFamily="2" charset="2"/>
+              </a:rPr>
+              <a:t>(</a:t>
+            </a:r>
+            <a:r>
+              <a:rPr lang="en-US" altLang="ko-KR" dirty="0" err="1" smtClean="0">
+                <a:sym typeface="Wingdings" panose="05000000000000000000" pitchFamily="2" charset="2"/>
+              </a:rPr>
+              <a:t>SurfaceView</a:t>
+            </a:r>
+            <a:r>
+              <a:rPr lang="en-US" altLang="ko-KR" dirty="0" smtClean="0">
+                <a:sym typeface="Wingdings" panose="05000000000000000000" pitchFamily="2" charset="2"/>
+              </a:rPr>
+              <a:t>) </a:t>
+            </a:r>
+            <a:r>
+              <a:rPr lang="ko-KR" altLang="en-US" dirty="0" smtClean="0">
+                <a:sym typeface="Wingdings" panose="05000000000000000000" pitchFamily="2" charset="2"/>
+              </a:rPr>
+              <a:t>라는 것으로 카메라 </a:t>
+            </a:r>
+            <a:r>
+              <a:rPr lang="ko-KR" altLang="en-US" dirty="0" err="1" smtClean="0">
                 <a:sym typeface="Wingdings" panose="05000000000000000000" pitchFamily="2" charset="2"/>
               </a:rPr>
               <a:t>미리보기</a:t>
             </a:r>
             <a:r>
-              <a:rPr lang="ko-KR" altLang="en-US" b="1" dirty="0" smtClean="0">
-                <a:solidFill>
-                  <a:srgbClr val="C00000"/>
-                </a:solidFill>
-                <a:sym typeface="Wingdings" panose="05000000000000000000" pitchFamily="2" charset="2"/>
-              </a:rPr>
-              <a:t> 실습 </a:t>
-            </a:r>
-            <a:r>
-              <a:rPr lang="en-US" altLang="ko-KR" dirty="0" smtClean="0">
-                <a:sym typeface="Wingdings" panose="05000000000000000000" pitchFamily="2" charset="2"/>
-              </a:rPr>
-              <a:t>– </a:t>
-            </a:r>
+              <a:rPr lang="ko-KR" altLang="en-US" dirty="0" smtClean="0">
+                <a:sym typeface="Wingdings" panose="05000000000000000000" pitchFamily="2" charset="2"/>
+              </a:rPr>
+              <a:t> 화면을 구현할 수 있습니다</a:t>
+            </a:r>
+            <a:r>
+              <a:rPr lang="en-US" altLang="ko-KR" dirty="0" smtClean="0">
+                <a:sym typeface="Wingdings" panose="05000000000000000000" pitchFamily="2" charset="2"/>
+              </a:rPr>
+              <a:t>. </a:t>
+            </a:r>
+          </a:p>
+          <a:p>
             <a:r>
               <a:rPr lang="ko-KR" altLang="en-US" dirty="0" err="1" smtClean="0">
                 <a:sym typeface="Wingdings" panose="05000000000000000000" pitchFamily="2" charset="2"/>
               </a:rPr>
-              <a:t>미리보기와</a:t>
+              <a:t>서피스뷰는</a:t>
             </a:r>
             <a:r>
               <a:rPr lang="ko-KR" altLang="en-US" dirty="0" smtClean="0">
@@ -13485,119 +13510,327 @@
               <a:rPr lang="ko-KR" altLang="en-US" dirty="0" err="1" smtClean="0">
                 <a:sym typeface="Wingdings" panose="05000000000000000000" pitchFamily="2" charset="2"/>
               </a:rPr>
-              <a:t>사진찍고</a:t>
-            </a:r>
-            <a:r>
-              <a:rPr lang="ko-KR" altLang="en-US" dirty="0" smtClean="0">
-                <a:sym typeface="Wingdings" panose="05000000000000000000" pitchFamily="2" charset="2"/>
-              </a:rPr>
-              <a:t> 미디어 앨범에 저장하기</a:t>
-            </a:r>
+              <a:t>서피스홀더</a:t>
+            </a:r>
+            <a:r>
+              <a:rPr lang="en-US" altLang="ko-KR" dirty="0" smtClean="0">
+                <a:sym typeface="Wingdings" panose="05000000000000000000" pitchFamily="2" charset="2"/>
+              </a:rPr>
+              <a:t>(</a:t>
+            </a:r>
+            <a:r>
+              <a:rPr lang="en-US" altLang="ko-KR" dirty="0" err="1" smtClean="0">
+                <a:sym typeface="Wingdings" panose="05000000000000000000" pitchFamily="2" charset="2"/>
+              </a:rPr>
+              <a:t>SurfaceHolder</a:t>
+            </a:r>
+            <a:r>
+              <a:rPr lang="en-US" altLang="ko-KR" dirty="0" smtClean="0">
+                <a:sym typeface="Wingdings" panose="05000000000000000000" pitchFamily="2" charset="2"/>
+              </a:rPr>
+              <a:t>) </a:t>
+            </a:r>
+            <a:r>
+              <a:rPr lang="ko-KR" altLang="en-US" dirty="0" smtClean="0">
+                <a:sym typeface="Wingdings" panose="05000000000000000000" pitchFamily="2" charset="2"/>
+              </a:rPr>
+              <a:t>객체에 의해 생성되고 제어됩니다</a:t>
+            </a:r>
+            <a:r>
+              <a:rPr lang="en-US" altLang="ko-KR" dirty="0" smtClean="0">
+                <a:sym typeface="Wingdings" panose="05000000000000000000" pitchFamily="2" charset="2"/>
+              </a:rPr>
+              <a:t>. </a:t>
+            </a:r>
+            <a:br>
+              <a:rPr lang="en-US" altLang="ko-KR" dirty="0" smtClean="0">
+                <a:sym typeface="Wingdings" panose="05000000000000000000" pitchFamily="2" charset="2"/>
+              </a:rPr>
+            </a:br>
+            <a:r>
+              <a:rPr lang="ko-KR" altLang="en-US" dirty="0" err="1" smtClean="0">
+                <a:sym typeface="Wingdings" panose="05000000000000000000" pitchFamily="2" charset="2"/>
+              </a:rPr>
+              <a:t>서피스홀더</a:t>
+            </a:r>
+            <a:r>
+              <a:rPr lang="ko-KR" altLang="en-US" dirty="0" smtClean="0">
+                <a:sym typeface="Wingdings" panose="05000000000000000000" pitchFamily="2" charset="2"/>
+              </a:rPr>
+              <a:t> 객체의 </a:t>
+            </a:r>
+            <a:r>
+              <a:rPr lang="en-US" altLang="ko-KR" dirty="0" err="1" smtClean="0">
+                <a:sym typeface="Wingdings" panose="05000000000000000000" pitchFamily="2" charset="2"/>
+              </a:rPr>
+              <a:t>setPreiewDisplay</a:t>
+            </a:r>
+            <a:r>
+              <a:rPr lang="en-US" altLang="ko-KR" dirty="0" smtClean="0">
+                <a:sym typeface="Wingdings" panose="05000000000000000000" pitchFamily="2" charset="2"/>
+              </a:rPr>
+              <a:t>() </a:t>
+            </a:r>
+            <a:r>
+              <a:rPr lang="ko-KR" altLang="en-US" dirty="0" err="1" smtClean="0">
+                <a:sym typeface="Wingdings" panose="05000000000000000000" pitchFamily="2" charset="2"/>
+              </a:rPr>
+              <a:t>메소드로</a:t>
+            </a:r>
+            <a:r>
+              <a:rPr lang="ko-KR" altLang="en-US" dirty="0" smtClean="0">
+                <a:sym typeface="Wingdings" panose="05000000000000000000" pitchFamily="2" charset="2"/>
+              </a:rPr>
+              <a:t> </a:t>
+            </a:r>
+            <a:r>
+              <a:rPr lang="ko-KR" altLang="en-US" dirty="0" err="1" smtClean="0">
+                <a:sym typeface="Wingdings" panose="05000000000000000000" pitchFamily="2" charset="2"/>
+              </a:rPr>
+              <a:t>미리보기를</a:t>
+            </a:r>
+            <a:r>
+              <a:rPr lang="ko-KR" altLang="en-US" dirty="0" smtClean="0">
+                <a:sym typeface="Wingdings" panose="05000000000000000000" pitchFamily="2" charset="2"/>
+              </a:rPr>
+              <a:t> 설정해 줄 수 있습니다</a:t>
+            </a:r>
+            <a:r>
+              <a:rPr lang="en-US" altLang="ko-KR" dirty="0" smtClean="0">
+                <a:sym typeface="Wingdings" panose="05000000000000000000" pitchFamily="2" charset="2"/>
+              </a:rPr>
+              <a:t>.  </a:t>
+            </a:r>
+          </a:p>
+          <a:p>
+            <a:r>
+              <a:rPr lang="ko-KR" altLang="en-US" dirty="0" smtClean="0">
+                <a:sym typeface="Wingdings" panose="05000000000000000000" pitchFamily="2" charset="2"/>
+              </a:rPr>
+              <a:t>필요한 초기화 작업이 끝나면 카메라 객체의 </a:t>
+            </a:r>
+            <a:r>
+              <a:rPr lang="en-US" altLang="ko-KR" dirty="0" err="1" smtClean="0">
+                <a:sym typeface="Wingdings" panose="05000000000000000000" pitchFamily="2" charset="2"/>
+              </a:rPr>
+              <a:t>startPreview</a:t>
+            </a:r>
+            <a:r>
+              <a:rPr lang="en-US" altLang="ko-KR" dirty="0" smtClean="0">
+                <a:sym typeface="Wingdings" panose="05000000000000000000" pitchFamily="2" charset="2"/>
+              </a:rPr>
+              <a:t>() </a:t>
+            </a:r>
+            <a:r>
+              <a:rPr lang="ko-KR" altLang="en-US" dirty="0" smtClean="0">
+                <a:sym typeface="Wingdings" panose="05000000000000000000" pitchFamily="2" charset="2"/>
+              </a:rPr>
+              <a:t>메소드를 </a:t>
+            </a:r>
+            <a:r>
+              <a:rPr lang="ko-KR" altLang="en-US" dirty="0" err="1" smtClean="0">
+                <a:sym typeface="Wingdings" panose="05000000000000000000" pitchFamily="2" charset="2"/>
+              </a:rPr>
+              <a:t>호춣할</a:t>
+            </a:r>
+            <a:r>
+              <a:rPr lang="ko-KR" altLang="en-US" dirty="0" smtClean="0">
+                <a:sym typeface="Wingdings" panose="05000000000000000000" pitchFamily="2" charset="2"/>
+              </a:rPr>
+              <a:t> 수 있으며</a:t>
+            </a:r>
+            <a:r>
+              <a:rPr lang="en-US" altLang="ko-KR" dirty="0" smtClean="0">
+                <a:sym typeface="Wingdings" panose="05000000000000000000" pitchFamily="2" charset="2"/>
+              </a:rPr>
+              <a:t>, </a:t>
+            </a:r>
+            <a:r>
+              <a:rPr lang="ko-KR" altLang="en-US" dirty="0" smtClean="0">
+                <a:sym typeface="Wingdings" panose="05000000000000000000" pitchFamily="2" charset="2"/>
+              </a:rPr>
+              <a:t>이때부터 카메라로 입력되는 영상을 </a:t>
+            </a:r>
+            <a:r>
+              <a:rPr lang="ko-KR" altLang="en-US" dirty="0" err="1" smtClean="0">
+                <a:sym typeface="Wingdings" panose="05000000000000000000" pitchFamily="2" charset="2"/>
+              </a:rPr>
+              <a:t>서피스뷰로</a:t>
+            </a:r>
+            <a:r>
+              <a:rPr lang="ko-KR" altLang="en-US" dirty="0" smtClean="0">
+                <a:sym typeface="Wingdings" panose="05000000000000000000" pitchFamily="2" charset="2"/>
+              </a:rPr>
+              <a:t> 화면에 보여주게 됩니다</a:t>
+            </a:r>
+            <a:r>
+              <a:rPr lang="en-US" altLang="ko-KR" dirty="0" smtClean="0">
+                <a:sym typeface="Wingdings" panose="05000000000000000000" pitchFamily="2" charset="2"/>
+              </a:rPr>
+              <a:t>. </a:t>
+            </a:r>
+            <a:r>
+              <a:rPr lang="ko-KR" altLang="en-US" dirty="0" smtClean="0">
+                <a:sym typeface="Wingdings" panose="05000000000000000000" pitchFamily="2" charset="2"/>
+              </a:rPr>
+              <a:t>이때 타입은 </a:t>
+            </a:r>
+            <a:r>
+              <a:rPr lang="en-US" altLang="ko-KR" dirty="0" smtClean="0">
+                <a:sym typeface="Wingdings" panose="05000000000000000000" pitchFamily="2" charset="2"/>
+              </a:rPr>
+              <a:t>SURFACE_TYPE_PUSH_BUFFERS </a:t>
+            </a:r>
+            <a:r>
+              <a:rPr lang="ko-KR" altLang="en-US" dirty="0" smtClean="0">
+                <a:sym typeface="Wingdings" panose="05000000000000000000" pitchFamily="2" charset="2"/>
+              </a:rPr>
+              <a:t>가 되어야 합니다</a:t>
+            </a:r>
+            <a:endParaRPr lang="en-US" altLang="ko-KR" dirty="0">
+              <a:sym typeface="Wingdings" panose="05000000000000000000" pitchFamily="2" charset="2"/>
+            </a:endParaRPr>
+          </a:p>
+          <a:p>
             <a:endParaRPr lang="en-US" altLang="ko-KR" dirty="0" smtClean="0">
               <a:sym typeface="Wingdings" panose="05000000000000000000" pitchFamily="2" charset="2"/>
             </a:endParaRPr>
           </a:p>
           <a:p>
             <a:r>
-              <a:rPr lang="en-US" altLang="ko-KR" dirty="0" err="1" smtClean="0">
-                <a:sym typeface="Wingdings" panose="05000000000000000000" pitchFamily="2" charset="2"/>
-              </a:rPr>
-              <a:t>SampleCamera</a:t>
-            </a:r>
-            <a:r>
-              <a:rPr lang="en-US" altLang="ko-KR" dirty="0" smtClean="0">
-                <a:sym typeface="Wingdings" panose="05000000000000000000" pitchFamily="2" charset="2"/>
-              </a:rPr>
-              <a:t> </a:t>
-            </a:r>
-            <a:r>
-              <a:rPr lang="ko-KR" altLang="en-US" dirty="0" smtClean="0">
-                <a:sym typeface="Wingdings" panose="05000000000000000000" pitchFamily="2" charset="2"/>
-              </a:rPr>
-              <a:t>라는 새 프로젝트를 시작하고 패키지 이름은 </a:t>
-            </a:r>
-            <a:r>
-              <a:rPr lang="en-US" altLang="ko-KR" dirty="0" err="1" smtClean="0">
-                <a:sym typeface="Wingdings" panose="05000000000000000000" pitchFamily="2" charset="2"/>
-              </a:rPr>
-              <a:t>com.example.camera</a:t>
-            </a:r>
-            <a:r>
-              <a:rPr lang="en-US" altLang="ko-KR" dirty="0" smtClean="0">
-                <a:sym typeface="Wingdings" panose="05000000000000000000" pitchFamily="2" charset="2"/>
-              </a:rPr>
-              <a:t> </a:t>
-            </a:r>
-            <a:r>
-              <a:rPr lang="ko-KR" altLang="en-US" dirty="0" smtClean="0">
-                <a:sym typeface="Wingdings" panose="05000000000000000000" pitchFamily="2" charset="2"/>
-              </a:rPr>
-              <a:t>로 입력합니다</a:t>
-            </a:r>
-            <a:r>
-              <a:rPr lang="en-US" altLang="ko-KR" dirty="0" smtClean="0">
+              <a:rPr lang="ko-KR" altLang="en-US" b="1" dirty="0" smtClean="0">
+                <a:sym typeface="Wingdings" panose="05000000000000000000" pitchFamily="2" charset="2"/>
+              </a:rPr>
+              <a:t>카메라 </a:t>
+            </a:r>
+            <a:r>
+              <a:rPr lang="ko-KR" altLang="en-US" b="1" dirty="0" err="1" smtClean="0">
+                <a:sym typeface="Wingdings" panose="05000000000000000000" pitchFamily="2" charset="2"/>
+              </a:rPr>
+              <a:t>미리보기를</a:t>
+            </a:r>
+            <a:r>
+              <a:rPr lang="ko-KR" altLang="en-US" b="1" dirty="0" smtClean="0">
+                <a:sym typeface="Wingdings" panose="05000000000000000000" pitchFamily="2" charset="2"/>
+              </a:rPr>
+              <a:t> 사용할 때는 일반적으로 뷰를 중첩시켜 사용합니다</a:t>
+            </a:r>
+            <a:r>
+              <a:rPr lang="en-US" altLang="ko-KR" b="1" dirty="0" smtClean="0">
                 <a:sym typeface="Wingdings" panose="05000000000000000000" pitchFamily="2" charset="2"/>
               </a:rPr>
               <a:t>. </a:t>
             </a:r>
           </a:p>
           <a:p>
-            <a:r>
-              <a:rPr lang="en-US" altLang="ko-KR" dirty="0" smtClean="0">
-                <a:sym typeface="Wingdings" panose="05000000000000000000" pitchFamily="2" charset="2"/>
-              </a:rPr>
-              <a:t>activity_main.xml </a:t>
-            </a:r>
-            <a:r>
-              <a:rPr lang="ko-KR" altLang="en-US" dirty="0" smtClean="0">
-                <a:sym typeface="Wingdings" panose="05000000000000000000" pitchFamily="2" charset="2"/>
-              </a:rPr>
-              <a:t>파일을 열고 다음과 같은 레이아웃을 만듭니다</a:t>
-            </a:r>
-            <a:r>
-              <a:rPr lang="en-US" altLang="ko-KR" dirty="0" smtClean="0">
-                <a:sym typeface="Wingdings" panose="05000000000000000000" pitchFamily="2" charset="2"/>
-              </a:rPr>
-              <a:t>.</a:t>
-            </a:r>
-          </a:p>
-          <a:p>
             <a:pPr lvl="1"/>
             <a:r>
-              <a:rPr lang="ko-KR" altLang="en-US" dirty="0" smtClean="0">
-                <a:sym typeface="Wingdings" panose="05000000000000000000" pitchFamily="2" charset="2"/>
-              </a:rPr>
-              <a:t>최상위 레이아웃은 </a:t>
-            </a:r>
-            <a:r>
-              <a:rPr lang="en-US" altLang="ko-KR" dirty="0" smtClean="0">
-                <a:sym typeface="Wingdings" panose="05000000000000000000" pitchFamily="2" charset="2"/>
-              </a:rPr>
-              <a:t>LinearLayout, orientation </a:t>
-            </a:r>
-            <a:r>
-              <a:rPr lang="ko-KR" altLang="en-US" dirty="0" smtClean="0">
-                <a:sym typeface="Wingdings" panose="05000000000000000000" pitchFamily="2" charset="2"/>
-              </a:rPr>
-              <a:t>은 </a:t>
-            </a:r>
-            <a:r>
-              <a:rPr lang="en-US" altLang="ko-KR" dirty="0" smtClean="0">
-                <a:sym typeface="Wingdings" panose="05000000000000000000" pitchFamily="2" charset="2"/>
-              </a:rPr>
-              <a:t>vertical</a:t>
+              <a:rPr lang="ko-KR" altLang="en-US" dirty="0" err="1" smtClean="0">
+                <a:sym typeface="Wingdings" panose="05000000000000000000" pitchFamily="2" charset="2"/>
+              </a:rPr>
+              <a:t>서피스뷰의</a:t>
+            </a:r>
+            <a:r>
+              <a:rPr lang="ko-KR" altLang="en-US" dirty="0" smtClean="0">
+                <a:sym typeface="Wingdings" panose="05000000000000000000" pitchFamily="2" charset="2"/>
+              </a:rPr>
+              <a:t> 타입을 카메라의 영상을 </a:t>
             </a:r>
             <a:r>
               <a:rPr lang="ko-KR" altLang="en-US" dirty="0">
                 <a:sym typeface="Wingdings" panose="05000000000000000000" pitchFamily="2" charset="2"/>
               </a:rPr>
-              <a:t> </a:t>
-            </a:r>
-            <a:r>
-              <a:rPr lang="ko-KR" altLang="en-US" dirty="0" smtClean="0">
-                <a:sym typeface="Wingdings" panose="05000000000000000000" pitchFamily="2" charset="2"/>
-              </a:rPr>
-              <a:t>로 설정합니다</a:t>
+              <a:t>뿌</a:t>
+            </a:r>
+            <a:r>
+              <a:rPr lang="ko-KR" altLang="en-US" dirty="0" smtClean="0">
+                <a:sym typeface="Wingdings" panose="05000000000000000000" pitchFamily="2" charset="2"/>
+              </a:rPr>
+              <a:t>려주는 데만 사용하도록 설정한 경우</a:t>
+            </a:r>
+            <a:r>
+              <a:rPr lang="en-US" altLang="ko-KR" dirty="0" smtClean="0">
+                <a:sym typeface="Wingdings" panose="05000000000000000000" pitchFamily="2" charset="2"/>
+              </a:rPr>
+              <a:t>, </a:t>
+            </a:r>
+            <a:r>
+              <a:rPr lang="ko-KR" altLang="en-US" dirty="0" smtClean="0">
+                <a:sym typeface="Wingdings" panose="05000000000000000000" pitchFamily="2" charset="2"/>
+              </a:rPr>
+              <a:t>그 위에 별도의 그래픽 그리기가 제한됩니다</a:t>
+            </a:r>
+            <a:r>
+              <a:rPr lang="en-US" altLang="ko-KR" dirty="0" smtClean="0">
+                <a:sym typeface="Wingdings" panose="05000000000000000000" pitchFamily="2" charset="2"/>
+              </a:rPr>
+              <a:t>. </a:t>
+            </a:r>
+            <a:r>
+              <a:rPr lang="ko-KR" altLang="en-US" dirty="0" smtClean="0">
+                <a:sym typeface="Wingdings" panose="05000000000000000000" pitchFamily="2" charset="2"/>
+              </a:rPr>
+              <a:t>따라서 나침반</a:t>
+            </a:r>
+            <a:r>
+              <a:rPr lang="en-US" altLang="ko-KR" dirty="0" smtClean="0">
+                <a:sym typeface="Wingdings" panose="05000000000000000000" pitchFamily="2" charset="2"/>
+              </a:rPr>
+              <a:t>, </a:t>
+            </a:r>
+            <a:r>
+              <a:rPr lang="ko-KR" altLang="en-US" dirty="0" smtClean="0">
+                <a:sym typeface="Wingdings" panose="05000000000000000000" pitchFamily="2" charset="2"/>
+              </a:rPr>
+              <a:t>버튼</a:t>
+            </a:r>
+            <a:r>
+              <a:rPr lang="en-US" altLang="ko-KR" dirty="0" smtClean="0">
+                <a:sym typeface="Wingdings" panose="05000000000000000000" pitchFamily="2" charset="2"/>
+              </a:rPr>
+              <a:t>, </a:t>
+            </a:r>
+            <a:r>
+              <a:rPr lang="ko-KR" altLang="en-US" dirty="0" smtClean="0">
+                <a:sym typeface="Wingdings" panose="05000000000000000000" pitchFamily="2" charset="2"/>
+              </a:rPr>
+              <a:t>버튼</a:t>
+            </a:r>
+            <a:r>
+              <a:rPr lang="en-US" altLang="ko-KR" dirty="0" smtClean="0">
+                <a:sym typeface="Wingdings" panose="05000000000000000000" pitchFamily="2" charset="2"/>
+              </a:rPr>
+              <a:t>, </a:t>
+            </a:r>
+            <a:r>
+              <a:rPr lang="ko-KR" altLang="en-US" dirty="0" smtClean="0">
+                <a:sym typeface="Wingdings" panose="05000000000000000000" pitchFamily="2" charset="2"/>
+              </a:rPr>
+              <a:t>쿠폰 등을 보여줄 </a:t>
+            </a:r>
+            <a:r>
+              <a:rPr lang="ko-KR" altLang="en-US" dirty="0" err="1" smtClean="0">
+                <a:sym typeface="Wingdings" panose="05000000000000000000" pitchFamily="2" charset="2"/>
+              </a:rPr>
+              <a:t>이미지뷰</a:t>
+            </a:r>
+            <a:r>
+              <a:rPr lang="ko-KR" altLang="en-US" dirty="0" smtClean="0">
+                <a:sym typeface="Wingdings" panose="05000000000000000000" pitchFamily="2" charset="2"/>
+              </a:rPr>
+              <a:t> 등 별도의 위젯 또는 그래픽을 올리려면 또 다른 레이아웃 </a:t>
+            </a:r>
+            <a:r>
+              <a:rPr lang="ko-KR" altLang="en-US" dirty="0" err="1" smtClean="0">
+                <a:sym typeface="Wingdings" panose="05000000000000000000" pitchFamily="2" charset="2"/>
+              </a:rPr>
+              <a:t>서피스뷰</a:t>
+            </a:r>
+            <a:r>
+              <a:rPr lang="ko-KR" altLang="en-US" dirty="0" smtClean="0">
+                <a:sym typeface="Wingdings" panose="05000000000000000000" pitchFamily="2" charset="2"/>
+              </a:rPr>
+              <a:t> 위에 겹쳐 두고 배경을 투명하게 만드는 방법을 사용할 수 있습니다</a:t>
             </a:r>
             <a:r>
               <a:rPr lang="en-US" altLang="ko-KR" dirty="0" smtClean="0">
@@ -13610,163 +13843,6 @@
             </a:endParaRPr>
           </a:p>
           <a:p>
-            <a:pPr lvl="1"/>
-            <a:r>
-              <a:rPr lang="ko-KR" altLang="en-US" dirty="0" smtClean="0">
-                <a:sym typeface="Wingdings" panose="05000000000000000000" pitchFamily="2" charset="2"/>
-              </a:rPr>
-              <a:t>화면 상단에는 </a:t>
-            </a:r>
-            <a:r>
-              <a:rPr lang="en-US" altLang="ko-KR" dirty="0" smtClean="0">
-                <a:sym typeface="Wingdings" panose="05000000000000000000" pitchFamily="2" charset="2"/>
-              </a:rPr>
-              <a:t>'</a:t>
-            </a:r>
-            <a:r>
-              <a:rPr lang="ko-KR" altLang="en-US" dirty="0" err="1" smtClean="0">
-                <a:sym typeface="Wingdings" panose="05000000000000000000" pitchFamily="2" charset="2"/>
-              </a:rPr>
-              <a:t>사진찍리</a:t>
-            </a:r>
-            <a:r>
-              <a:rPr lang="en-US" altLang="ko-KR" dirty="0" smtClean="0">
-                <a:sym typeface="Wingdings" panose="05000000000000000000" pitchFamily="2" charset="2"/>
-              </a:rPr>
-              <a:t>' </a:t>
-            </a:r>
-            <a:r>
-              <a:rPr lang="ko-KR" altLang="en-US" dirty="0" smtClean="0">
-                <a:sym typeface="Wingdings" panose="05000000000000000000" pitchFamily="2" charset="2"/>
-              </a:rPr>
-              <a:t>버튼을 배치하고</a:t>
-            </a:r>
-            <a:r>
-              <a:rPr lang="en-US" altLang="ko-KR" dirty="0" smtClean="0">
-                <a:sym typeface="Wingdings" panose="05000000000000000000" pitchFamily="2" charset="2"/>
-              </a:rPr>
-              <a:t>, </a:t>
-            </a:r>
-            <a:r>
-              <a:rPr lang="ko-KR" altLang="en-US" dirty="0" smtClean="0">
-                <a:sym typeface="Wingdings" panose="05000000000000000000" pitchFamily="2" charset="2"/>
-              </a:rPr>
-              <a:t>그 아래 공간에는 </a:t>
-            </a:r>
-            <a:r>
-              <a:rPr lang="en-US" altLang="ko-KR" dirty="0" err="1" smtClean="0">
-                <a:sym typeface="Wingdings" panose="05000000000000000000" pitchFamily="2" charset="2"/>
-              </a:rPr>
-              <a:t>FrameLayout</a:t>
-            </a:r>
-            <a:r>
-              <a:rPr lang="en-US" altLang="ko-KR" dirty="0" smtClean="0">
-                <a:sym typeface="Wingdings" panose="05000000000000000000" pitchFamily="2" charset="2"/>
-              </a:rPr>
-              <a:t> </a:t>
-            </a:r>
-            <a:r>
-              <a:rPr lang="ko-KR" altLang="en-US" dirty="0" smtClean="0">
-                <a:sym typeface="Wingdings" panose="05000000000000000000" pitchFamily="2" charset="2"/>
-              </a:rPr>
-              <a:t>로 꽉 채웁니다</a:t>
-            </a:r>
-            <a:r>
-              <a:rPr lang="en-US" altLang="ko-KR" dirty="0" smtClean="0">
-                <a:sym typeface="Wingdings" panose="05000000000000000000" pitchFamily="2" charset="2"/>
-              </a:rPr>
-              <a:t>.  </a:t>
-            </a:r>
-            <a:r>
-              <a:rPr lang="ko-KR" altLang="en-US" dirty="0" smtClean="0">
-                <a:sym typeface="Wingdings" panose="05000000000000000000" pitchFamily="2" charset="2"/>
-              </a:rPr>
-              <a:t>이 </a:t>
-            </a:r>
-            <a:r>
-              <a:rPr lang="en-US" altLang="ko-KR" dirty="0" err="1" smtClean="0">
-                <a:sym typeface="Wingdings" panose="05000000000000000000" pitchFamily="2" charset="2"/>
-              </a:rPr>
-              <a:t>FrameLayout</a:t>
-            </a:r>
-            <a:r>
-              <a:rPr lang="ko-KR" altLang="en-US" dirty="0">
-                <a:sym typeface="Wingdings" panose="05000000000000000000" pitchFamily="2" charset="2"/>
-              </a:rPr>
-              <a:t> </a:t>
-            </a:r>
-            <a:r>
-              <a:rPr lang="ko-KR" altLang="en-US" dirty="0" smtClean="0">
-                <a:sym typeface="Wingdings" panose="05000000000000000000" pitchFamily="2" charset="2"/>
-              </a:rPr>
-              <a:t>의 </a:t>
-            </a:r>
-            <a:r>
-              <a:rPr lang="en-US" altLang="ko-KR" dirty="0" smtClean="0">
-                <a:sym typeface="Wingdings" panose="05000000000000000000" pitchFamily="2" charset="2"/>
-              </a:rPr>
-              <a:t>id</a:t>
-            </a:r>
-            <a:r>
-              <a:rPr lang="ko-KR" altLang="en-US" dirty="0" smtClean="0">
-                <a:sym typeface="Wingdings" panose="05000000000000000000" pitchFamily="2" charset="2"/>
-              </a:rPr>
-              <a:t>값은 </a:t>
-            </a:r>
-            <a:r>
-              <a:rPr lang="en-US" altLang="ko-KR" dirty="0" err="1" smtClean="0">
-                <a:sym typeface="Wingdings" panose="05000000000000000000" pitchFamily="2" charset="2"/>
-              </a:rPr>
-              <a:t>previewFrame</a:t>
-            </a:r>
-            <a:r>
-              <a:rPr lang="en-US" altLang="ko-KR" dirty="0" smtClean="0">
-                <a:sym typeface="Wingdings" panose="05000000000000000000" pitchFamily="2" charset="2"/>
-              </a:rPr>
-              <a:t> </a:t>
-            </a:r>
-            <a:r>
-              <a:rPr lang="ko-KR" altLang="en-US" dirty="0" smtClean="0">
-                <a:sym typeface="Wingdings" panose="05000000000000000000" pitchFamily="2" charset="2"/>
-              </a:rPr>
-              <a:t>으로 설정하고</a:t>
-            </a:r>
-            <a:r>
-              <a:rPr lang="en-US" altLang="ko-KR" dirty="0" smtClean="0">
-                <a:sym typeface="Wingdings" panose="05000000000000000000" pitchFamily="2" charset="2"/>
-              </a:rPr>
-              <a:t>, </a:t>
-            </a:r>
-            <a:r>
-              <a:rPr lang="ko-KR" altLang="en-US" dirty="0" smtClean="0">
-                <a:sym typeface="Wingdings" panose="05000000000000000000" pitchFamily="2" charset="2"/>
-              </a:rPr>
-              <a:t>이 레이아웃 안에 카메라 </a:t>
-            </a:r>
-            <a:r>
-              <a:rPr lang="ko-KR" altLang="en-US" dirty="0" err="1" smtClean="0">
-                <a:sym typeface="Wingdings" panose="05000000000000000000" pitchFamily="2" charset="2"/>
-              </a:rPr>
-              <a:t>미리보기</a:t>
-            </a:r>
-            <a:r>
-              <a:rPr lang="ko-KR" altLang="en-US" dirty="0" smtClean="0">
-                <a:sym typeface="Wingdings" panose="05000000000000000000" pitchFamily="2" charset="2"/>
-              </a:rPr>
-              <a:t> 화면이 보이도록 할 것입니다</a:t>
-            </a:r>
-            <a:r>
-              <a:rPr lang="en-US" altLang="ko-KR" dirty="0" smtClean="0">
-                <a:sym typeface="Wingdings" panose="05000000000000000000" pitchFamily="2" charset="2"/>
-              </a:rPr>
-              <a:t>. </a:t>
-            </a:r>
-            <a:r>
-              <a:rPr lang="ko-KR" altLang="en-US" dirty="0" smtClean="0">
-                <a:sym typeface="Wingdings" panose="05000000000000000000" pitchFamily="2" charset="2"/>
-              </a:rPr>
-              <a:t> </a:t>
-            </a:r>
             <a:endParaRPr lang="en-US" altLang="ko-KR" dirty="0" smtClean="0">
               <a:sym typeface="Wingdings" panose="05000000000000000000" pitchFamily="2" charset="2"/>
             </a:endParaRPr>
@@ -13817,6 +13893,515 @@
                 <a:defRPr/>
               </a:pPr>
               <a:t>20</a:t>
+            </a:fld>
+            <a:endParaRPr lang="ko-KR" altLang="en-US"/>
+          </a:p>
+        </p:txBody>
+      </p:sp>
+    </p:spTree>
+    <p:extLst>
+      <p:ext uri="{BB962C8B-B14F-4D97-AF65-F5344CB8AC3E}">
+        <p14:creationId xmlns:p14="http://schemas.microsoft.com/office/powerpoint/2010/main" val="2679770811"/>
+      </p:ext>
+    </p:extLst>
+  </p:cSld>
+  <p:clrMapOvr>
+    <a:masterClrMapping/>
+  </p:clrMapOvr>
+</p:sld>
+</file>
+
+<file path=ppt/slides/slide21.xml><?xml version="1.0" encoding="utf-8"?>
+<p:sld xmlns:a="http://schemas.openxmlformats.org/drawingml/2006/main" xmlns:r="http://schemas.openxmlformats.org/officeDocument/2006/relationships" xmlns:p="http://schemas.openxmlformats.org/presentationml/2006/main">
+  <p:cSld>
+    <p:spTree>
+      <p:nvGrpSpPr>
+        <p:cNvPr id="1" name=""/>
+        <p:cNvGrpSpPr/>
+        <p:nvPr/>
+      </p:nvGrpSpPr>
+      <p:grpSpPr>
+        <a:xfrm>
+          <a:off x="0" y="0"/>
+          <a:ext cx="0" cy="0"/>
+          <a:chOff x="0" y="0"/>
+          <a:chExt cx="0" cy="0"/>
+        </a:xfrm>
+      </p:grpSpPr>
+      <p:sp>
+        <p:nvSpPr>
+          <p:cNvPr id="2" name="제목 1"/>
+          <p:cNvSpPr>
+            <a:spLocks noGrp="1"/>
+          </p:cNvSpPr>
+          <p:nvPr>
+            <p:ph type="title"/>
+          </p:nvPr>
+        </p:nvSpPr>
+        <p:spPr/>
+        <p:txBody>
+          <a:bodyPr/>
+          <a:lstStyle/>
+          <a:p>
+            <a:r>
+              <a:rPr lang="en-US" altLang="ko-KR" dirty="0" smtClean="0">
+                <a:latin typeface="나눔고딕" panose="020D0604000000000000" pitchFamily="50" charset="-127"/>
+                <a:ea typeface="나눔고딕" panose="020D0604000000000000" pitchFamily="50" charset="-127"/>
+              </a:rPr>
+              <a:t>07-2 </a:t>
+            </a:r>
+            <a:r>
+              <a:rPr lang="ko-KR" altLang="en-US" dirty="0" smtClean="0">
+                <a:latin typeface="나눔고딕" panose="020D0604000000000000" pitchFamily="50" charset="-127"/>
+                <a:ea typeface="나눔고딕" panose="020D0604000000000000" pitchFamily="50" charset="-127"/>
+              </a:rPr>
+              <a:t>화면에 카메라 </a:t>
+            </a:r>
+            <a:r>
+              <a:rPr lang="ko-KR" altLang="en-US" dirty="0" err="1" smtClean="0">
+                <a:latin typeface="나눔고딕" panose="020D0604000000000000" pitchFamily="50" charset="-127"/>
+                <a:ea typeface="나눔고딕" panose="020D0604000000000000" pitchFamily="50" charset="-127"/>
+              </a:rPr>
+              <a:t>미리보기</a:t>
+            </a:r>
+            <a:r>
+              <a:rPr lang="ko-KR" altLang="en-US" dirty="0" smtClean="0">
+                <a:latin typeface="나눔고딕" panose="020D0604000000000000" pitchFamily="50" charset="-127"/>
+                <a:ea typeface="나눔고딕" panose="020D0604000000000000" pitchFamily="50" charset="-127"/>
+              </a:rPr>
+              <a:t> 넣기 </a:t>
+            </a:r>
+            <a:r>
+              <a:rPr lang="en-US" altLang="ko-KR" dirty="0" smtClean="0">
+                <a:latin typeface="나눔고딕" panose="020D0604000000000000" pitchFamily="50" charset="-127"/>
+                <a:ea typeface="나눔고딕" panose="020D0604000000000000" pitchFamily="50" charset="-127"/>
+              </a:rPr>
+              <a:t>– </a:t>
+            </a:r>
+            <a:r>
+              <a:rPr lang="ko-KR" altLang="en-US" dirty="0" smtClean="0">
+                <a:latin typeface="나눔고딕" panose="020D0604000000000000" pitchFamily="50" charset="-127"/>
+                <a:ea typeface="나눔고딕" panose="020D0604000000000000" pitchFamily="50" charset="-127"/>
+              </a:rPr>
+              <a:t>카메라 </a:t>
+            </a:r>
+            <a:r>
+              <a:rPr lang="ko-KR" altLang="en-US" dirty="0" err="1" smtClean="0">
+                <a:latin typeface="나눔고딕" panose="020D0604000000000000" pitchFamily="50" charset="-127"/>
+                <a:ea typeface="나눔고딕" panose="020D0604000000000000" pitchFamily="50" charset="-127"/>
+              </a:rPr>
+              <a:t>미리보기</a:t>
+            </a:r>
+            <a:r>
+              <a:rPr lang="ko-KR" altLang="en-US" dirty="0" smtClean="0">
+                <a:latin typeface="나눔고딕" panose="020D0604000000000000" pitchFamily="50" charset="-127"/>
+                <a:ea typeface="나눔고딕" panose="020D0604000000000000" pitchFamily="50" charset="-127"/>
+              </a:rPr>
+              <a:t> 실습</a:t>
+            </a:r>
+            <a:endParaRPr lang="ko-KR" altLang="en-US" dirty="0"/>
+          </a:p>
+        </p:txBody>
+      </p:sp>
+      <p:sp>
+        <p:nvSpPr>
+          <p:cNvPr id="3" name="내용 개체 틀 2"/>
+          <p:cNvSpPr>
+            <a:spLocks noGrp="1"/>
+          </p:cNvSpPr>
+          <p:nvPr>
+            <p:ph idx="10"/>
+          </p:nvPr>
+        </p:nvSpPr>
+        <p:spPr/>
+        <p:txBody>
+          <a:bodyPr/>
+          <a:lstStyle/>
+          <a:p>
+            <a:pPr marL="0" indent="0">
+              <a:buNone/>
+            </a:pPr>
+            <a:r>
+              <a:rPr lang="ko-KR" altLang="en-US" b="1" dirty="0" smtClean="0">
+                <a:solidFill>
+                  <a:srgbClr val="C00000"/>
+                </a:solidFill>
+                <a:sym typeface="Wingdings" panose="05000000000000000000" pitchFamily="2" charset="2"/>
+              </a:rPr>
+              <a:t>카메라 </a:t>
+            </a:r>
+            <a:r>
+              <a:rPr lang="ko-KR" altLang="en-US" b="1" dirty="0" err="1" smtClean="0">
+                <a:solidFill>
+                  <a:srgbClr val="C00000"/>
+                </a:solidFill>
+                <a:sym typeface="Wingdings" panose="05000000000000000000" pitchFamily="2" charset="2"/>
+              </a:rPr>
+              <a:t>미리보기</a:t>
+            </a:r>
+            <a:r>
+              <a:rPr lang="ko-KR" altLang="en-US" b="1" dirty="0" smtClean="0">
+                <a:solidFill>
+                  <a:srgbClr val="C00000"/>
+                </a:solidFill>
+                <a:sym typeface="Wingdings" panose="05000000000000000000" pitchFamily="2" charset="2"/>
+              </a:rPr>
+              <a:t> 실습 </a:t>
+            </a:r>
+            <a:r>
+              <a:rPr lang="en-US" altLang="ko-KR" dirty="0" smtClean="0">
+                <a:sym typeface="Wingdings" panose="05000000000000000000" pitchFamily="2" charset="2"/>
+              </a:rPr>
+              <a:t>– </a:t>
+            </a:r>
+            <a:r>
+              <a:rPr lang="ko-KR" altLang="en-US" dirty="0" err="1" smtClean="0">
+                <a:sym typeface="Wingdings" panose="05000000000000000000" pitchFamily="2" charset="2"/>
+              </a:rPr>
+              <a:t>미리보기와</a:t>
+            </a:r>
+            <a:r>
+              <a:rPr lang="ko-KR" altLang="en-US" dirty="0" smtClean="0">
+                <a:sym typeface="Wingdings" panose="05000000000000000000" pitchFamily="2" charset="2"/>
+              </a:rPr>
+              <a:t> </a:t>
+            </a:r>
+            <a:r>
+              <a:rPr lang="ko-KR" altLang="en-US" dirty="0" err="1" smtClean="0">
+                <a:sym typeface="Wingdings" panose="05000000000000000000" pitchFamily="2" charset="2"/>
+              </a:rPr>
+              <a:t>사진찍고</a:t>
+            </a:r>
+            <a:r>
+              <a:rPr lang="ko-KR" altLang="en-US" dirty="0" smtClean="0">
+                <a:sym typeface="Wingdings" panose="05000000000000000000" pitchFamily="2" charset="2"/>
+              </a:rPr>
+              <a:t> 미디어 앨범에 저장하기</a:t>
+            </a:r>
+            <a:endParaRPr lang="en-US" altLang="ko-KR" dirty="0" smtClean="0">
+              <a:sym typeface="Wingdings" panose="05000000000000000000" pitchFamily="2" charset="2"/>
+            </a:endParaRPr>
+          </a:p>
+          <a:p>
+            <a:r>
+              <a:rPr lang="en-US" altLang="ko-KR" dirty="0" err="1" smtClean="0">
+                <a:sym typeface="Wingdings" panose="05000000000000000000" pitchFamily="2" charset="2"/>
+              </a:rPr>
+              <a:t>SampleCamera</a:t>
+            </a:r>
+            <a:r>
+              <a:rPr lang="en-US" altLang="ko-KR" dirty="0" smtClean="0">
+                <a:sym typeface="Wingdings" panose="05000000000000000000" pitchFamily="2" charset="2"/>
+              </a:rPr>
+              <a:t> </a:t>
+            </a:r>
+            <a:r>
+              <a:rPr lang="ko-KR" altLang="en-US" dirty="0" smtClean="0">
+                <a:sym typeface="Wingdings" panose="05000000000000000000" pitchFamily="2" charset="2"/>
+              </a:rPr>
+              <a:t>라는 새 프로젝트를 시작하고 패키지 이름은 </a:t>
+            </a:r>
+            <a:r>
+              <a:rPr lang="en-US" altLang="ko-KR" dirty="0" err="1" smtClean="0">
+                <a:sym typeface="Wingdings" panose="05000000000000000000" pitchFamily="2" charset="2"/>
+              </a:rPr>
+              <a:t>com.example.camera</a:t>
+            </a:r>
+            <a:r>
+              <a:rPr lang="en-US" altLang="ko-KR" dirty="0" smtClean="0">
+                <a:sym typeface="Wingdings" panose="05000000000000000000" pitchFamily="2" charset="2"/>
+              </a:rPr>
+              <a:t> </a:t>
+            </a:r>
+            <a:r>
+              <a:rPr lang="ko-KR" altLang="en-US" dirty="0" smtClean="0">
+                <a:sym typeface="Wingdings" panose="05000000000000000000" pitchFamily="2" charset="2"/>
+              </a:rPr>
+              <a:t>로 입력합니다</a:t>
+            </a:r>
+            <a:r>
+              <a:rPr lang="en-US" altLang="ko-KR" dirty="0" smtClean="0">
+                <a:sym typeface="Wingdings" panose="05000000000000000000" pitchFamily="2" charset="2"/>
+              </a:rPr>
+              <a:t>. </a:t>
+            </a:r>
+          </a:p>
+          <a:p>
+            <a:r>
+              <a:rPr lang="en-US" altLang="ko-KR" dirty="0" smtClean="0">
+                <a:sym typeface="Wingdings" panose="05000000000000000000" pitchFamily="2" charset="2"/>
+              </a:rPr>
+              <a:t>activity_main.xml </a:t>
+            </a:r>
+            <a:r>
+              <a:rPr lang="ko-KR" altLang="en-US" dirty="0" smtClean="0">
+                <a:sym typeface="Wingdings" panose="05000000000000000000" pitchFamily="2" charset="2"/>
+              </a:rPr>
+              <a:t>파일을 열고 다음과 같은 레이아웃을 만듭니다</a:t>
+            </a:r>
+            <a:r>
+              <a:rPr lang="en-US" altLang="ko-KR" dirty="0" smtClean="0">
+                <a:sym typeface="Wingdings" panose="05000000000000000000" pitchFamily="2" charset="2"/>
+              </a:rPr>
+              <a:t>.</a:t>
+            </a:r>
+          </a:p>
+          <a:p>
+            <a:pPr lvl="1"/>
+            <a:r>
+              <a:rPr lang="ko-KR" altLang="en-US" dirty="0" smtClean="0">
+                <a:sym typeface="Wingdings" panose="05000000000000000000" pitchFamily="2" charset="2"/>
+              </a:rPr>
+              <a:t>최상위 레이아웃은 </a:t>
+            </a:r>
+            <a:r>
+              <a:rPr lang="en-US" altLang="ko-KR" dirty="0" smtClean="0">
+                <a:sym typeface="Wingdings" panose="05000000000000000000" pitchFamily="2" charset="2"/>
+              </a:rPr>
+              <a:t>LinearLayout, orientation </a:t>
+            </a:r>
+            <a:r>
+              <a:rPr lang="ko-KR" altLang="en-US" dirty="0" smtClean="0">
+                <a:sym typeface="Wingdings" panose="05000000000000000000" pitchFamily="2" charset="2"/>
+              </a:rPr>
+              <a:t>은 </a:t>
+            </a:r>
+            <a:r>
+              <a:rPr lang="en-US" altLang="ko-KR" dirty="0" smtClean="0">
+                <a:sym typeface="Wingdings" panose="05000000000000000000" pitchFamily="2" charset="2"/>
+              </a:rPr>
+              <a:t>vertical</a:t>
+            </a:r>
+            <a:r>
+              <a:rPr lang="ko-KR" altLang="en-US" dirty="0">
+                <a:sym typeface="Wingdings" panose="05000000000000000000" pitchFamily="2" charset="2"/>
+              </a:rPr>
+              <a:t> </a:t>
+            </a:r>
+            <a:r>
+              <a:rPr lang="ko-KR" altLang="en-US" dirty="0" smtClean="0">
+                <a:sym typeface="Wingdings" panose="05000000000000000000" pitchFamily="2" charset="2"/>
+              </a:rPr>
+              <a:t>로 설정합니다</a:t>
+            </a:r>
+            <a:r>
+              <a:rPr lang="en-US" altLang="ko-KR" dirty="0" smtClean="0">
+                <a:sym typeface="Wingdings" panose="05000000000000000000" pitchFamily="2" charset="2"/>
+              </a:rPr>
+              <a:t>. </a:t>
+            </a:r>
+            <a:endParaRPr lang="en-US" altLang="ko-KR" dirty="0">
+              <a:sym typeface="Wingdings" panose="05000000000000000000" pitchFamily="2" charset="2"/>
+            </a:endParaRPr>
+          </a:p>
+          <a:p>
+            <a:pPr lvl="1"/>
+            <a:r>
+              <a:rPr lang="ko-KR" altLang="en-US" dirty="0" smtClean="0">
+                <a:sym typeface="Wingdings" panose="05000000000000000000" pitchFamily="2" charset="2"/>
+              </a:rPr>
+              <a:t>화면 상단에는 </a:t>
+            </a:r>
+            <a:r>
+              <a:rPr lang="en-US" altLang="ko-KR" dirty="0" smtClean="0">
+                <a:sym typeface="Wingdings" panose="05000000000000000000" pitchFamily="2" charset="2"/>
+              </a:rPr>
+              <a:t>'</a:t>
+            </a:r>
+            <a:r>
+              <a:rPr lang="ko-KR" altLang="en-US" dirty="0" err="1" smtClean="0">
+                <a:sym typeface="Wingdings" panose="05000000000000000000" pitchFamily="2" charset="2"/>
+              </a:rPr>
+              <a:t>사진찍리</a:t>
+            </a:r>
+            <a:r>
+              <a:rPr lang="en-US" altLang="ko-KR" dirty="0" smtClean="0">
+                <a:sym typeface="Wingdings" panose="05000000000000000000" pitchFamily="2" charset="2"/>
+              </a:rPr>
+              <a:t>' </a:t>
+            </a:r>
+            <a:r>
+              <a:rPr lang="ko-KR" altLang="en-US" dirty="0" smtClean="0">
+                <a:sym typeface="Wingdings" panose="05000000000000000000" pitchFamily="2" charset="2"/>
+              </a:rPr>
+              <a:t>버튼을 배치하고</a:t>
+            </a:r>
+            <a:r>
+              <a:rPr lang="en-US" altLang="ko-KR" dirty="0" smtClean="0">
+                <a:sym typeface="Wingdings" panose="05000000000000000000" pitchFamily="2" charset="2"/>
+              </a:rPr>
+              <a:t>, </a:t>
+            </a:r>
+            <a:r>
+              <a:rPr lang="ko-KR" altLang="en-US" dirty="0" smtClean="0">
+                <a:sym typeface="Wingdings" panose="05000000000000000000" pitchFamily="2" charset="2"/>
+              </a:rPr>
+              <a:t>그 아래 공간에는 </a:t>
+            </a:r>
+            <a:r>
+              <a:rPr lang="en-US" altLang="ko-KR" dirty="0" err="1" smtClean="0">
+                <a:sym typeface="Wingdings" panose="05000000000000000000" pitchFamily="2" charset="2"/>
+              </a:rPr>
+              <a:t>FrameLayout</a:t>
+            </a:r>
+            <a:r>
+              <a:rPr lang="en-US" altLang="ko-KR" dirty="0" smtClean="0">
+                <a:sym typeface="Wingdings" panose="05000000000000000000" pitchFamily="2" charset="2"/>
+              </a:rPr>
+              <a:t> </a:t>
+            </a:r>
+            <a:r>
+              <a:rPr lang="ko-KR" altLang="en-US" dirty="0" smtClean="0">
+                <a:sym typeface="Wingdings" panose="05000000000000000000" pitchFamily="2" charset="2"/>
+              </a:rPr>
+              <a:t>로 꽉 채웁니다</a:t>
+            </a:r>
+            <a:r>
+              <a:rPr lang="en-US" altLang="ko-KR" dirty="0" smtClean="0">
+                <a:sym typeface="Wingdings" panose="05000000000000000000" pitchFamily="2" charset="2"/>
+              </a:rPr>
+              <a:t>.  </a:t>
+            </a:r>
+            <a:r>
+              <a:rPr lang="ko-KR" altLang="en-US" dirty="0" smtClean="0">
+                <a:sym typeface="Wingdings" panose="05000000000000000000" pitchFamily="2" charset="2"/>
+              </a:rPr>
+              <a:t>이 </a:t>
+            </a:r>
+            <a:r>
+              <a:rPr lang="en-US" altLang="ko-KR" dirty="0" err="1" smtClean="0">
+                <a:sym typeface="Wingdings" panose="05000000000000000000" pitchFamily="2" charset="2"/>
+              </a:rPr>
+              <a:t>FrameLayout</a:t>
+            </a:r>
+            <a:r>
+              <a:rPr lang="ko-KR" altLang="en-US" dirty="0">
+                <a:sym typeface="Wingdings" panose="05000000000000000000" pitchFamily="2" charset="2"/>
+              </a:rPr>
+              <a:t> </a:t>
+            </a:r>
+            <a:r>
+              <a:rPr lang="ko-KR" altLang="en-US" dirty="0" smtClean="0">
+                <a:sym typeface="Wingdings" panose="05000000000000000000" pitchFamily="2" charset="2"/>
+              </a:rPr>
+              <a:t>의 </a:t>
+            </a:r>
+            <a:r>
+              <a:rPr lang="en-US" altLang="ko-KR" dirty="0" smtClean="0">
+                <a:sym typeface="Wingdings" panose="05000000000000000000" pitchFamily="2" charset="2"/>
+              </a:rPr>
+              <a:t>id</a:t>
+            </a:r>
+            <a:r>
+              <a:rPr lang="ko-KR" altLang="en-US" dirty="0" smtClean="0">
+                <a:sym typeface="Wingdings" panose="05000000000000000000" pitchFamily="2" charset="2"/>
+              </a:rPr>
+              <a:t>값은 </a:t>
+            </a:r>
+            <a:r>
+              <a:rPr lang="en-US" altLang="ko-KR" dirty="0" err="1" smtClean="0">
+                <a:sym typeface="Wingdings" panose="05000000000000000000" pitchFamily="2" charset="2"/>
+              </a:rPr>
+              <a:t>previewFrame</a:t>
+            </a:r>
+            <a:r>
+              <a:rPr lang="en-US" altLang="ko-KR" dirty="0" smtClean="0">
+                <a:sym typeface="Wingdings" panose="05000000000000000000" pitchFamily="2" charset="2"/>
+              </a:rPr>
+              <a:t> </a:t>
+            </a:r>
+            <a:r>
+              <a:rPr lang="ko-KR" altLang="en-US" dirty="0" smtClean="0">
+                <a:sym typeface="Wingdings" panose="05000000000000000000" pitchFamily="2" charset="2"/>
+              </a:rPr>
+              <a:t>으로 설정하고</a:t>
+            </a:r>
+            <a:r>
+              <a:rPr lang="en-US" altLang="ko-KR" dirty="0" smtClean="0">
+                <a:sym typeface="Wingdings" panose="05000000000000000000" pitchFamily="2" charset="2"/>
+              </a:rPr>
+              <a:t>, </a:t>
+            </a:r>
+            <a:r>
+              <a:rPr lang="ko-KR" altLang="en-US" dirty="0" smtClean="0">
+                <a:sym typeface="Wingdings" panose="05000000000000000000" pitchFamily="2" charset="2"/>
+              </a:rPr>
+              <a:t>이 레이아웃 안에 카메라 </a:t>
+            </a:r>
+            <a:r>
+              <a:rPr lang="ko-KR" altLang="en-US" dirty="0" err="1" smtClean="0">
+                <a:sym typeface="Wingdings" panose="05000000000000000000" pitchFamily="2" charset="2"/>
+              </a:rPr>
+              <a:t>미리보기</a:t>
+            </a:r>
+            <a:r>
+              <a:rPr lang="ko-KR" altLang="en-US" dirty="0" smtClean="0">
+                <a:sym typeface="Wingdings" panose="05000000000000000000" pitchFamily="2" charset="2"/>
+              </a:rPr>
+              <a:t> 화면이 보이도록 할 것입니다</a:t>
+            </a:r>
+            <a:r>
+              <a:rPr lang="en-US" altLang="ko-KR" dirty="0" smtClean="0">
+                <a:sym typeface="Wingdings" panose="05000000000000000000" pitchFamily="2" charset="2"/>
+              </a:rPr>
+              <a:t>. </a:t>
+            </a:r>
+            <a:r>
+              <a:rPr lang="ko-KR" altLang="en-US" dirty="0" smtClean="0">
+                <a:sym typeface="Wingdings" panose="05000000000000000000" pitchFamily="2" charset="2"/>
+              </a:rPr>
+              <a:t> </a:t>
+            </a:r>
+            <a:endParaRPr lang="en-US" altLang="ko-KR" dirty="0" smtClean="0">
+              <a:sym typeface="Wingdings" panose="05000000000000000000" pitchFamily="2" charset="2"/>
+            </a:endParaRPr>
+          </a:p>
+          <a:p>
+            <a:endParaRPr lang="en-US" altLang="ko-KR" dirty="0">
+              <a:sym typeface="Wingdings" panose="05000000000000000000" pitchFamily="2" charset="2"/>
+            </a:endParaRPr>
+          </a:p>
+          <a:p>
+            <a:endParaRPr lang="en-US" altLang="ko-KR" dirty="0" smtClean="0">
+              <a:sym typeface="Wingdings" panose="05000000000000000000" pitchFamily="2" charset="2"/>
+            </a:endParaRPr>
+          </a:p>
+          <a:p>
+            <a:endParaRPr lang="en-US" altLang="ko-KR" dirty="0">
+              <a:sym typeface="Wingdings" panose="05000000000000000000" pitchFamily="2" charset="2"/>
+            </a:endParaRPr>
+          </a:p>
+          <a:p>
+            <a:endParaRPr lang="en-US" altLang="ko-KR" dirty="0">
+              <a:sym typeface="Wingdings" panose="05000000000000000000" pitchFamily="2" charset="2"/>
+            </a:endParaRPr>
+          </a:p>
+        </p:txBody>
+      </p:sp>
+      <p:sp>
+        <p:nvSpPr>
+          <p:cNvPr id="4" name="슬라이드 번호 개체 틀 3"/>
+          <p:cNvSpPr>
+            <a:spLocks noGrp="1"/>
+          </p:cNvSpPr>
+          <p:nvPr>
+            <p:ph type="sldNum" sz="quarter" idx="14"/>
+          </p:nvPr>
+        </p:nvSpPr>
+        <p:spPr/>
+        <p:txBody>
+          <a:bodyPr/>
+          <a:lstStyle/>
+          <a:p>
+            <a:pPr>
+              <a:defRPr/>
+            </a:pPr>
+            <a:fld id="{3D493B47-E977-46F8-8C2F-7DA674317049}" type="slidenum">
+              <a:rPr lang="ko-KR" altLang="en-US" smtClean="0"/>
+              <a:pPr>
+                <a:defRPr/>
+              </a:pPr>
+              <a:t>21</a:t>
             </a:fld>
             <a:endParaRPr lang="ko-KR" altLang="en-US"/>
           </a:p>
@@ -13912,414 +14497,6 @@
 </p:sld>
 </file>
 
-<file path=ppt/slides/slide21.xml><?xml version="1.0" encoding="utf-8"?>
-<p:sld xmlns:a="http://schemas.openxmlformats.org/drawingml/2006/main" xmlns:r="http://schemas.openxmlformats.org/officeDocument/2006/relationships" xmlns:p="http://schemas.openxmlformats.org/presentationml/2006/main">
-  <p:cSld>
-    <p:spTree>
-      <p:nvGrpSpPr>
-        <p:cNvPr id="1" name=""/>
-        <p:cNvGrpSpPr/>
-        <p:nvPr/>
-      </p:nvGrpSpPr>
-      <p:grpSpPr>
-        <a:xfrm>
-          <a:off x="0" y="0"/>
-          <a:ext cx="0" cy="0"/>
-          <a:chOff x="0" y="0"/>
-          <a:chExt cx="0" cy="0"/>
-        </a:xfrm>
-      </p:grpSpPr>
-      <p:sp>
-        <p:nvSpPr>
-          <p:cNvPr id="2" name="제목 1"/>
-          <p:cNvSpPr>
-            <a:spLocks noGrp="1"/>
-          </p:cNvSpPr>
-          <p:nvPr>
-            <p:ph type="title"/>
-          </p:nvPr>
-        </p:nvSpPr>
-        <p:spPr/>
-        <p:txBody>
-          <a:bodyPr/>
-          <a:lstStyle/>
-          <a:p>
-            <a:r>
-              <a:rPr lang="en-US" altLang="ko-KR" dirty="0" smtClean="0">
-                <a:latin typeface="나눔고딕" panose="020D0604000000000000" pitchFamily="50" charset="-127"/>
-                <a:ea typeface="나눔고딕" panose="020D0604000000000000" pitchFamily="50" charset="-127"/>
-              </a:rPr>
-              <a:t>07-2 </a:t>
-            </a:r>
-            <a:r>
-              <a:rPr lang="ko-KR" altLang="en-US" dirty="0" smtClean="0">
-                <a:latin typeface="나눔고딕" panose="020D0604000000000000" pitchFamily="50" charset="-127"/>
-                <a:ea typeface="나눔고딕" panose="020D0604000000000000" pitchFamily="50" charset="-127"/>
-              </a:rPr>
-              <a:t>화면에 카메라 </a:t>
-            </a:r>
-            <a:r>
-              <a:rPr lang="ko-KR" altLang="en-US" dirty="0" err="1" smtClean="0">
-                <a:latin typeface="나눔고딕" panose="020D0604000000000000" pitchFamily="50" charset="-127"/>
-                <a:ea typeface="나눔고딕" panose="020D0604000000000000" pitchFamily="50" charset="-127"/>
-              </a:rPr>
-              <a:t>미리보기</a:t>
-            </a:r>
-            <a:r>
-              <a:rPr lang="ko-KR" altLang="en-US" dirty="0" smtClean="0">
-                <a:latin typeface="나눔고딕" panose="020D0604000000000000" pitchFamily="50" charset="-127"/>
-                <a:ea typeface="나눔고딕" panose="020D0604000000000000" pitchFamily="50" charset="-127"/>
-              </a:rPr>
-              <a:t> 넣기 </a:t>
-            </a:r>
-            <a:r>
-              <a:rPr lang="en-US" altLang="ko-KR" dirty="0" smtClean="0">
-                <a:latin typeface="나눔고딕" panose="020D0604000000000000" pitchFamily="50" charset="-127"/>
-                <a:ea typeface="나눔고딕" panose="020D0604000000000000" pitchFamily="50" charset="-127"/>
-              </a:rPr>
-              <a:t>– </a:t>
-            </a:r>
-            <a:r>
-              <a:rPr lang="ko-KR" altLang="en-US" dirty="0" smtClean="0">
-                <a:latin typeface="나눔고딕" panose="020D0604000000000000" pitchFamily="50" charset="-127"/>
-                <a:ea typeface="나눔고딕" panose="020D0604000000000000" pitchFamily="50" charset="-127"/>
-              </a:rPr>
-              <a:t>카메라 </a:t>
-            </a:r>
-            <a:r>
-              <a:rPr lang="ko-KR" altLang="en-US" dirty="0" err="1" smtClean="0">
-                <a:latin typeface="나눔고딕" panose="020D0604000000000000" pitchFamily="50" charset="-127"/>
-                <a:ea typeface="나눔고딕" panose="020D0604000000000000" pitchFamily="50" charset="-127"/>
-              </a:rPr>
-              <a:t>미리보기</a:t>
-            </a:r>
-            <a:r>
-              <a:rPr lang="ko-KR" altLang="en-US" dirty="0" smtClean="0">
-                <a:latin typeface="나눔고딕" panose="020D0604000000000000" pitchFamily="50" charset="-127"/>
-                <a:ea typeface="나눔고딕" panose="020D0604000000000000" pitchFamily="50" charset="-127"/>
-              </a:rPr>
-              <a:t> 실습</a:t>
-            </a:r>
-            <a:endParaRPr lang="ko-KR" altLang="en-US" dirty="0"/>
-          </a:p>
-        </p:txBody>
-      </p:sp>
-      <p:sp>
-        <p:nvSpPr>
-          <p:cNvPr id="3" name="내용 개체 틀 2"/>
-          <p:cNvSpPr>
-            <a:spLocks noGrp="1"/>
-          </p:cNvSpPr>
-          <p:nvPr>
-            <p:ph idx="10"/>
-          </p:nvPr>
-        </p:nvSpPr>
-        <p:spPr/>
-        <p:txBody>
-          <a:bodyPr/>
-          <a:lstStyle/>
-          <a:p>
-            <a:pPr marL="0" indent="0">
-              <a:buNone/>
-            </a:pPr>
-            <a:r>
-              <a:rPr lang="ko-KR" altLang="en-US" b="1" dirty="0" smtClean="0">
-                <a:solidFill>
-                  <a:srgbClr val="C00000"/>
-                </a:solidFill>
-                <a:sym typeface="Wingdings" panose="05000000000000000000" pitchFamily="2" charset="2"/>
-              </a:rPr>
-              <a:t>카메라 </a:t>
-            </a:r>
-            <a:r>
-              <a:rPr lang="ko-KR" altLang="en-US" b="1" dirty="0" err="1" smtClean="0">
-                <a:solidFill>
-                  <a:srgbClr val="C00000"/>
-                </a:solidFill>
-                <a:sym typeface="Wingdings" panose="05000000000000000000" pitchFamily="2" charset="2"/>
-              </a:rPr>
-              <a:t>미리보기</a:t>
-            </a:r>
-            <a:r>
-              <a:rPr lang="ko-KR" altLang="en-US" b="1" dirty="0" smtClean="0">
-                <a:solidFill>
-                  <a:srgbClr val="C00000"/>
-                </a:solidFill>
-                <a:sym typeface="Wingdings" panose="05000000000000000000" pitchFamily="2" charset="2"/>
-              </a:rPr>
-              <a:t> 실습 </a:t>
-            </a:r>
-            <a:r>
-              <a:rPr lang="en-US" altLang="ko-KR" dirty="0" smtClean="0">
-                <a:sym typeface="Wingdings" panose="05000000000000000000" pitchFamily="2" charset="2"/>
-              </a:rPr>
-              <a:t>– </a:t>
-            </a:r>
-            <a:r>
-              <a:rPr lang="ko-KR" altLang="en-US" dirty="0" err="1" smtClean="0">
-                <a:sym typeface="Wingdings" panose="05000000000000000000" pitchFamily="2" charset="2"/>
-              </a:rPr>
-              <a:t>미리보기와</a:t>
-            </a:r>
-            <a:r>
-              <a:rPr lang="ko-KR" altLang="en-US" dirty="0" smtClean="0">
-                <a:sym typeface="Wingdings" panose="05000000000000000000" pitchFamily="2" charset="2"/>
-              </a:rPr>
-              <a:t> </a:t>
-            </a:r>
-            <a:r>
-              <a:rPr lang="ko-KR" altLang="en-US" dirty="0" err="1" smtClean="0">
-                <a:sym typeface="Wingdings" panose="05000000000000000000" pitchFamily="2" charset="2"/>
-              </a:rPr>
-              <a:t>사진찍고</a:t>
-            </a:r>
-            <a:r>
-              <a:rPr lang="ko-KR" altLang="en-US" dirty="0" smtClean="0">
-                <a:sym typeface="Wingdings" panose="05000000000000000000" pitchFamily="2" charset="2"/>
-              </a:rPr>
-              <a:t> 미디어 앨범에 저장하기</a:t>
-            </a:r>
-            <a:endParaRPr lang="en-US" altLang="ko-KR" dirty="0" smtClean="0">
-              <a:sym typeface="Wingdings" panose="05000000000000000000" pitchFamily="2" charset="2"/>
-            </a:endParaRPr>
-          </a:p>
-          <a:p>
-            <a:r>
-              <a:rPr lang="ko-KR" altLang="en-US" dirty="0" smtClean="0">
-                <a:sym typeface="Wingdings" panose="05000000000000000000" pitchFamily="2" charset="2"/>
-              </a:rPr>
-              <a:t>카메라 </a:t>
-            </a:r>
-            <a:r>
-              <a:rPr lang="ko-KR" altLang="en-US" dirty="0" err="1" smtClean="0">
-                <a:sym typeface="Wingdings" panose="05000000000000000000" pitchFamily="2" charset="2"/>
-              </a:rPr>
-              <a:t>미리보기</a:t>
-            </a:r>
-            <a:r>
-              <a:rPr lang="ko-KR" altLang="en-US" dirty="0" smtClean="0">
-                <a:sym typeface="Wingdings" panose="05000000000000000000" pitchFamily="2" charset="2"/>
-              </a:rPr>
-              <a:t> 화면을 </a:t>
-            </a:r>
-            <a:r>
-              <a:rPr lang="en-US" altLang="ko-KR" dirty="0" err="1" smtClean="0">
-                <a:sym typeface="Wingdings" panose="05000000000000000000" pitchFamily="2" charset="2"/>
-              </a:rPr>
-              <a:t>FrameLayout</a:t>
-            </a:r>
-            <a:r>
-              <a:rPr lang="en-US" altLang="ko-KR" dirty="0" smtClean="0">
-                <a:sym typeface="Wingdings" panose="05000000000000000000" pitchFamily="2" charset="2"/>
-              </a:rPr>
-              <a:t> </a:t>
-            </a:r>
-            <a:r>
-              <a:rPr lang="ko-KR" altLang="en-US" dirty="0" smtClean="0">
-                <a:sym typeface="Wingdings" panose="05000000000000000000" pitchFamily="2" charset="2"/>
-              </a:rPr>
-              <a:t>안에 추가하기 위해 소스 코드에서 </a:t>
-            </a:r>
-            <a:r>
-              <a:rPr lang="en-US" altLang="ko-KR" dirty="0" err="1" smtClean="0">
-                <a:sym typeface="Wingdings" panose="05000000000000000000" pitchFamily="2" charset="2"/>
-              </a:rPr>
-              <a:t>CameraSurfaceView</a:t>
-            </a:r>
-            <a:r>
-              <a:rPr lang="en-US" altLang="ko-KR" dirty="0" smtClean="0">
-                <a:sym typeface="Wingdings" panose="05000000000000000000" pitchFamily="2" charset="2"/>
-              </a:rPr>
-              <a:t> </a:t>
-            </a:r>
-            <a:r>
-              <a:rPr lang="ko-KR" altLang="en-US" dirty="0" smtClean="0">
-                <a:sym typeface="Wingdings" panose="05000000000000000000" pitchFamily="2" charset="2"/>
-              </a:rPr>
-              <a:t>라는 이름의 새로운 클래스를 </a:t>
-            </a:r>
-            <a:r>
-              <a:rPr lang="en-US" altLang="ko-KR" dirty="0" smtClean="0">
-                <a:sym typeface="Wingdings" panose="05000000000000000000" pitchFamily="2" charset="2"/>
-              </a:rPr>
-              <a:t>MainActivity </a:t>
-            </a:r>
-            <a:r>
-              <a:rPr lang="ko-KR" altLang="en-US" dirty="0" smtClean="0">
-                <a:sym typeface="Wingdings" panose="05000000000000000000" pitchFamily="2" charset="2"/>
-              </a:rPr>
-              <a:t>클래스 안에 내부 클래스로 정의하고 그 클래스의 인스턴스 객체를 만들어 추가할 것입니다</a:t>
-            </a:r>
-            <a:r>
-              <a:rPr lang="en-US" altLang="ko-KR" dirty="0" smtClean="0">
-                <a:sym typeface="Wingdings" panose="05000000000000000000" pitchFamily="2" charset="2"/>
-              </a:rPr>
-              <a:t>. </a:t>
-            </a:r>
-          </a:p>
-          <a:p>
-            <a:pPr lvl="1"/>
-            <a:r>
-              <a:rPr lang="ko-KR" altLang="en-US" dirty="0" smtClean="0">
-                <a:sym typeface="Wingdings" panose="05000000000000000000" pitchFamily="2" charset="2"/>
-              </a:rPr>
-              <a:t>먼저 </a:t>
-            </a:r>
-            <a:r>
-              <a:rPr lang="en-US" altLang="ko-KR" dirty="0" smtClean="0">
-                <a:sym typeface="Wingdings" panose="05000000000000000000" pitchFamily="2" charset="2"/>
-              </a:rPr>
-              <a:t>MainActivity.java </a:t>
-            </a:r>
-            <a:r>
-              <a:rPr lang="ko-KR" altLang="en-US" dirty="0" smtClean="0">
-                <a:sym typeface="Wingdings" panose="05000000000000000000" pitchFamily="2" charset="2"/>
-              </a:rPr>
-              <a:t>파일을 열고 </a:t>
-            </a:r>
-            <a:r>
-              <a:rPr lang="en-US" altLang="ko-KR" dirty="0" err="1" smtClean="0">
-                <a:sym typeface="Wingdings" panose="05000000000000000000" pitchFamily="2" charset="2"/>
-              </a:rPr>
-              <a:t>CameraSurfaceView</a:t>
-            </a:r>
-            <a:r>
-              <a:rPr lang="en-US" altLang="ko-KR" dirty="0" smtClean="0">
-                <a:sym typeface="Wingdings" panose="05000000000000000000" pitchFamily="2" charset="2"/>
-              </a:rPr>
-              <a:t> </a:t>
-            </a:r>
-            <a:r>
-              <a:rPr lang="ko-KR" altLang="en-US" dirty="0" smtClean="0">
-                <a:sym typeface="Wingdings" panose="05000000000000000000" pitchFamily="2" charset="2"/>
-              </a:rPr>
-              <a:t>객체를 </a:t>
-            </a:r>
-            <a:r>
-              <a:rPr lang="en-US" altLang="ko-KR" dirty="0" err="1" smtClean="0">
-                <a:sym typeface="Wingdings" panose="05000000000000000000" pitchFamily="2" charset="2"/>
-              </a:rPr>
-              <a:t>FrameLayout</a:t>
-            </a:r>
-            <a:r>
-              <a:rPr lang="ko-KR" altLang="en-US" dirty="0" smtClean="0">
-                <a:sym typeface="Wingdings" panose="05000000000000000000" pitchFamily="2" charset="2"/>
-              </a:rPr>
-              <a:t>에 추가하고 사진을 찍는 코드를 입력합니다</a:t>
-            </a:r>
-            <a:r>
-              <a:rPr lang="en-US" altLang="ko-KR" dirty="0" smtClean="0">
-                <a:sym typeface="Wingdings" panose="05000000000000000000" pitchFamily="2" charset="2"/>
-              </a:rPr>
-              <a:t>. </a:t>
-            </a:r>
-          </a:p>
-          <a:p>
-            <a:pPr lvl="1"/>
-            <a:r>
-              <a:rPr lang="ko-KR" altLang="en-US" dirty="0" smtClean="0">
-                <a:sym typeface="Wingdings" panose="05000000000000000000" pitchFamily="2" charset="2"/>
-              </a:rPr>
-              <a:t>여기에서 </a:t>
-            </a:r>
-            <a:r>
-              <a:rPr lang="en-US" altLang="ko-KR" dirty="0" err="1" smtClean="0">
-                <a:sym typeface="Wingdings" panose="05000000000000000000" pitchFamily="2" charset="2"/>
-              </a:rPr>
-              <a:t>CameraSufaceView</a:t>
-            </a:r>
-            <a:r>
-              <a:rPr lang="en-US" altLang="ko-KR" dirty="0" smtClean="0">
-                <a:sym typeface="Wingdings" panose="05000000000000000000" pitchFamily="2" charset="2"/>
-              </a:rPr>
-              <a:t> </a:t>
-            </a:r>
-            <a:r>
-              <a:rPr lang="ko-KR" altLang="en-US" dirty="0" smtClean="0">
-                <a:sym typeface="Wingdings" panose="05000000000000000000" pitchFamily="2" charset="2"/>
-              </a:rPr>
-              <a:t>클래스는 미리 정의되어 있다고 가정하고 입력하기 때문에 빨간 밑줄이 생겨도 그대로 진행합니다</a:t>
-            </a:r>
-            <a:r>
-              <a:rPr lang="en-US" altLang="ko-KR" dirty="0" smtClean="0">
-                <a:sym typeface="Wingdings" panose="05000000000000000000" pitchFamily="2" charset="2"/>
-              </a:rPr>
-              <a:t>. </a:t>
-            </a:r>
-            <a:r>
-              <a:rPr lang="ko-KR" altLang="en-US" dirty="0" smtClean="0">
-                <a:sym typeface="Wingdings" panose="05000000000000000000" pitchFamily="2" charset="2"/>
-              </a:rPr>
-              <a:t> </a:t>
-            </a:r>
-            <a:endParaRPr lang="en-US" altLang="ko-KR" dirty="0" smtClean="0">
-              <a:sym typeface="Wingdings" panose="05000000000000000000" pitchFamily="2" charset="2"/>
-            </a:endParaRPr>
-          </a:p>
-          <a:p>
-            <a:endParaRPr lang="en-US" altLang="ko-KR" dirty="0">
-              <a:sym typeface="Wingdings" panose="05000000000000000000" pitchFamily="2" charset="2"/>
-            </a:endParaRPr>
-          </a:p>
-          <a:p>
-            <a:endParaRPr lang="en-US" altLang="ko-KR" dirty="0" smtClean="0">
-              <a:sym typeface="Wingdings" panose="05000000000000000000" pitchFamily="2" charset="2"/>
-            </a:endParaRPr>
-          </a:p>
-          <a:p>
-            <a:endParaRPr lang="en-US" altLang="ko-KR" dirty="0">
-              <a:sym typeface="Wingdings" panose="05000000000000000000" pitchFamily="2" charset="2"/>
-            </a:endParaRPr>
-          </a:p>
-          <a:p>
-            <a:endParaRPr lang="en-US" altLang="ko-KR" dirty="0">
-              <a:sym typeface="Wingdings" panose="05000000000000000000" pitchFamily="2" charset="2"/>
-            </a:endParaRPr>
-          </a:p>
-        </p:txBody>
-      </p:sp>
-      <p:sp>
-        <p:nvSpPr>
-          <p:cNvPr id="4" name="슬라이드 번호 개체 틀 3"/>
-          <p:cNvSpPr>
-            <a:spLocks noGrp="1"/>
-          </p:cNvSpPr>
-          <p:nvPr>
-            <p:ph type="sldNum" sz="quarter" idx="14"/>
-          </p:nvPr>
-        </p:nvSpPr>
-        <p:spPr/>
-        <p:txBody>
-          <a:bodyPr/>
-          <a:lstStyle/>
-          <a:p>
-            <a:pPr>
-              <a:defRPr/>
-            </a:pPr>
-            <a:fld id="{3D493B47-E977-46F8-8C2F-7DA674317049}" type="slidenum">
-              <a:rPr lang="ko-KR" altLang="en-US" smtClean="0"/>
-              <a:pPr>
-                <a:defRPr/>
-              </a:pPr>
-              <a:t>21</a:t>
-            </a:fld>
-            <a:endParaRPr lang="ko-KR" altLang="en-US"/>
-          </a:p>
-        </p:txBody>
-      </p:sp>
-    </p:spTree>
-    <p:extLst>
-      <p:ext uri="{BB962C8B-B14F-4D97-AF65-F5344CB8AC3E}">
-        <p14:creationId xmlns:p14="http://schemas.microsoft.com/office/powerpoint/2010/main" val="3672613937"/>
-      </p:ext>
-    </p:extLst>
-  </p:cSld>
-  <p:clrMapOvr>
-    <a:masterClrMapping/>
-  </p:clrMapOvr>
-</p:sld>
-</file>
-
 <file path=ppt/slides/slide22.xml><?xml version="1.0" encoding="utf-8"?>
 <p:sld xmlns:a="http://schemas.openxmlformats.org/drawingml/2006/main" xmlns:r="http://schemas.openxmlformats.org/officeDocument/2006/relationships" xmlns:p="http://schemas.openxmlformats.org/presentationml/2006/main">
   <p:cSld>
@@ -14431,7 +14608,7 @@
               <a:buNone/>
             </a:pPr>
             <a:r>
-              <a:rPr lang="ko-KR" altLang="en-US" b="1" dirty="0">
+              <a:rPr lang="ko-KR" altLang="en-US" b="1" dirty="0" smtClean="0">
                 <a:solidFill>
                   <a:srgbClr val="C00000"/>
                 </a:solidFill>
@@ -14440,7 +14617,7 @@
               <a:t>카메라 </a:t>
             </a:r>
             <a:r>
-              <a:rPr lang="ko-KR" altLang="en-US" b="1" dirty="0" err="1">
+              <a:rPr lang="ko-KR" altLang="en-US" b="1" dirty="0" err="1" smtClean="0">
                 <a:solidFill>
                   <a:srgbClr val="C00000"/>
                 </a:solidFill>
@@ -14449,7 +14626,7 @@
               <a:t>미리보기</a:t>
             </a:r>
             <a:r>
-              <a:rPr lang="ko-KR" altLang="en-US" b="1" dirty="0">
+              <a:rPr lang="ko-KR" altLang="en-US" b="1" dirty="0" smtClean="0">
                 <a:solidFill>
                   <a:srgbClr val="C00000"/>
                 </a:solidFill>
@@ -14458,27 +14635,211 @@
               <a:t> 실습 </a:t>
             </a:r>
             <a:r>
-              <a:rPr lang="en-US" altLang="ko-KR" b="1" dirty="0" smtClean="0">
-                <a:solidFill>
-                  <a:srgbClr val="C00000"/>
-                </a:solidFill>
+              <a:rPr lang="en-US" altLang="ko-KR" dirty="0" smtClean="0">
                 <a:sym typeface="Wingdings" panose="05000000000000000000" pitchFamily="2" charset="2"/>
               </a:rPr>
               <a:t>– </a:t>
             </a:r>
             <a:r>
-              <a:rPr lang="en-US" altLang="ko-KR" b="1" dirty="0" smtClean="0">
+              <a:rPr lang="ko-KR" altLang="en-US" dirty="0" err="1" smtClean="0">
+                <a:sym typeface="Wingdings" panose="05000000000000000000" pitchFamily="2" charset="2"/>
+              </a:rPr>
+              <a:t>미리보기와</a:t>
+            </a:r>
+            <a:r>
+              <a:rPr lang="ko-KR" altLang="en-US" dirty="0" smtClean="0">
+                <a:sym typeface="Wingdings" panose="05000000000000000000" pitchFamily="2" charset="2"/>
+              </a:rPr>
+              <a:t> </a:t>
+            </a:r>
+            <a:r>
+              <a:rPr lang="ko-KR" altLang="en-US" dirty="0" err="1" smtClean="0">
+                <a:sym typeface="Wingdings" panose="05000000000000000000" pitchFamily="2" charset="2"/>
+              </a:rPr>
+              <a:t>사진찍고</a:t>
+            </a:r>
+            <a:r>
+              <a:rPr lang="ko-KR" altLang="en-US" dirty="0" smtClean="0">
+                <a:sym typeface="Wingdings" panose="05000000000000000000" pitchFamily="2" charset="2"/>
+              </a:rPr>
+              <a:t> 미디어 앨범에 저장하기</a:t>
+            </a:r>
+            <a:endParaRPr lang="en-US" altLang="ko-KR" dirty="0" smtClean="0">
+              <a:sym typeface="Wingdings" panose="05000000000000000000" pitchFamily="2" charset="2"/>
+            </a:endParaRPr>
+          </a:p>
+          <a:p>
+            <a:r>
+              <a:rPr lang="ko-KR" altLang="en-US" dirty="0" smtClean="0">
+                <a:sym typeface="Wingdings" panose="05000000000000000000" pitchFamily="2" charset="2"/>
+              </a:rPr>
+              <a:t>카메라 </a:t>
+            </a:r>
+            <a:r>
+              <a:rPr lang="ko-KR" altLang="en-US" dirty="0" err="1" smtClean="0">
+                <a:sym typeface="Wingdings" panose="05000000000000000000" pitchFamily="2" charset="2"/>
+              </a:rPr>
+              <a:t>미리보기</a:t>
+            </a:r>
+            <a:r>
+              <a:rPr lang="ko-KR" altLang="en-US" dirty="0" smtClean="0">
+                <a:sym typeface="Wingdings" panose="05000000000000000000" pitchFamily="2" charset="2"/>
+              </a:rPr>
+              <a:t> 화면을 </a:t>
+            </a:r>
+            <a:r>
+              <a:rPr lang="en-US" altLang="ko-KR" dirty="0" err="1" smtClean="0">
+                <a:sym typeface="Wingdings" panose="05000000000000000000" pitchFamily="2" charset="2"/>
+              </a:rPr>
+              <a:t>FrameLayout</a:t>
+            </a:r>
+            <a:r>
+              <a:rPr lang="en-US" altLang="ko-KR" dirty="0" smtClean="0">
+                <a:sym typeface="Wingdings" panose="05000000000000000000" pitchFamily="2" charset="2"/>
+              </a:rPr>
+              <a:t> </a:t>
+            </a:r>
+            <a:r>
+              <a:rPr lang="ko-KR" altLang="en-US" dirty="0" smtClean="0">
+                <a:sym typeface="Wingdings" panose="05000000000000000000" pitchFamily="2" charset="2"/>
+              </a:rPr>
+              <a:t>안에 추가하기 위해 소스 코드에서 </a:t>
+            </a:r>
+            <a:r>
+              <a:rPr lang="en-US" altLang="ko-KR" dirty="0" err="1" smtClean="0">
+                <a:sym typeface="Wingdings" panose="05000000000000000000" pitchFamily="2" charset="2"/>
+              </a:rPr>
+              <a:t>CameraSurfaceView</a:t>
+            </a:r>
+            <a:r>
+              <a:rPr lang="en-US" altLang="ko-KR" dirty="0" smtClean="0">
+                <a:sym typeface="Wingdings" panose="05000000000000000000" pitchFamily="2" charset="2"/>
+              </a:rPr>
+              <a:t> </a:t>
+            </a:r>
+            <a:r>
+              <a:rPr lang="ko-KR" altLang="en-US" dirty="0" smtClean="0">
+                <a:sym typeface="Wingdings" panose="05000000000000000000" pitchFamily="2" charset="2"/>
+              </a:rPr>
+              <a:t>라는 이름의 새로운 클래스를 </a:t>
+            </a:r>
+            <a:r>
+              <a:rPr lang="en-US" altLang="ko-KR" dirty="0" smtClean="0">
+                <a:sym typeface="Wingdings" panose="05000000000000000000" pitchFamily="2" charset="2"/>
+              </a:rPr>
+              <a:t>MainActivity </a:t>
+            </a:r>
+            <a:r>
+              <a:rPr lang="ko-KR" altLang="en-US" dirty="0" smtClean="0">
+                <a:sym typeface="Wingdings" panose="05000000000000000000" pitchFamily="2" charset="2"/>
+              </a:rPr>
+              <a:t>클래스 안에 내부 클래스로 정의하고 그 클래스의 인스턴스 객체를 만들어 추가할 것입니다</a:t>
+            </a:r>
+            <a:r>
+              <a:rPr lang="en-US" altLang="ko-KR" dirty="0" smtClean="0">
+                <a:sym typeface="Wingdings" panose="05000000000000000000" pitchFamily="2" charset="2"/>
+              </a:rPr>
+              <a:t>. </a:t>
+            </a:r>
+          </a:p>
+          <a:p>
+            <a:pPr lvl="1"/>
+            <a:r>
+              <a:rPr lang="ko-KR" altLang="en-US" dirty="0" smtClean="0">
+                <a:sym typeface="Wingdings" panose="05000000000000000000" pitchFamily="2" charset="2"/>
+              </a:rPr>
+              <a:t>먼저 </a:t>
+            </a:r>
+            <a:r>
+              <a:rPr lang="en-US" altLang="ko-KR" dirty="0" smtClean="0">
                 <a:sym typeface="Wingdings" panose="05000000000000000000" pitchFamily="2" charset="2"/>
               </a:rPr>
               <a:t>MainActivity.java </a:t>
             </a:r>
             <a:r>
-              <a:rPr lang="ko-KR" altLang="en-US" b="1" dirty="0" smtClean="0">
-                <a:sym typeface="Wingdings" panose="05000000000000000000" pitchFamily="2" charset="2"/>
-              </a:rPr>
-              <a:t>코딩</a:t>
-            </a:r>
-            <a:endParaRPr lang="ko-KR" altLang="en-US" dirty="0"/>
+              <a:rPr lang="ko-KR" altLang="en-US" dirty="0" smtClean="0">
+                <a:sym typeface="Wingdings" panose="05000000000000000000" pitchFamily="2" charset="2"/>
+              </a:rPr>
+              <a:t>파일을 열고 </a:t>
+            </a:r>
+            <a:r>
+              <a:rPr lang="en-US" altLang="ko-KR" dirty="0" err="1" smtClean="0">
+                <a:sym typeface="Wingdings" panose="05000000000000000000" pitchFamily="2" charset="2"/>
+              </a:rPr>
+              <a:t>CameraSurfaceView</a:t>
+            </a:r>
+            <a:r>
+              <a:rPr lang="en-US" altLang="ko-KR" dirty="0" smtClean="0">
+                <a:sym typeface="Wingdings" panose="05000000000000000000" pitchFamily="2" charset="2"/>
+              </a:rPr>
+              <a:t> </a:t>
+            </a:r>
+            <a:r>
+              <a:rPr lang="ko-KR" altLang="en-US" dirty="0" smtClean="0">
+                <a:sym typeface="Wingdings" panose="05000000000000000000" pitchFamily="2" charset="2"/>
+              </a:rPr>
+              <a:t>객체를 </a:t>
+            </a:r>
+            <a:r>
+              <a:rPr lang="en-US" altLang="ko-KR" dirty="0" err="1" smtClean="0">
+                <a:sym typeface="Wingdings" panose="05000000000000000000" pitchFamily="2" charset="2"/>
+              </a:rPr>
+              <a:t>FrameLayout</a:t>
+            </a:r>
+            <a:r>
+              <a:rPr lang="ko-KR" altLang="en-US" dirty="0" smtClean="0">
+                <a:sym typeface="Wingdings" panose="05000000000000000000" pitchFamily="2" charset="2"/>
+              </a:rPr>
+              <a:t>에 추가하고 사진을 찍는 코드를 입력합니다</a:t>
+            </a:r>
+            <a:r>
+              <a:rPr lang="en-US" altLang="ko-KR" dirty="0" smtClean="0">
+                <a:sym typeface="Wingdings" panose="05000000000000000000" pitchFamily="2" charset="2"/>
+              </a:rPr>
+              <a:t>. </a:t>
+            </a:r>
+          </a:p>
+          <a:p>
+            <a:pPr lvl="1"/>
+            <a:r>
+              <a:rPr lang="ko-KR" altLang="en-US" dirty="0" smtClean="0">
+                <a:sym typeface="Wingdings" panose="05000000000000000000" pitchFamily="2" charset="2"/>
+              </a:rPr>
+              <a:t>여기에서 </a:t>
+            </a:r>
+            <a:r>
+              <a:rPr lang="en-US" altLang="ko-KR" dirty="0" err="1" smtClean="0">
+                <a:sym typeface="Wingdings" panose="05000000000000000000" pitchFamily="2" charset="2"/>
+              </a:rPr>
+              <a:t>CameraSufaceView</a:t>
+            </a:r>
+            <a:r>
+              <a:rPr lang="en-US" altLang="ko-KR" dirty="0" smtClean="0">
+                <a:sym typeface="Wingdings" panose="05000000000000000000" pitchFamily="2" charset="2"/>
+              </a:rPr>
+              <a:t> </a:t>
+            </a:r>
+            <a:r>
+              <a:rPr lang="ko-KR" altLang="en-US" dirty="0" smtClean="0">
+                <a:sym typeface="Wingdings" panose="05000000000000000000" pitchFamily="2" charset="2"/>
+              </a:rPr>
+              <a:t>클래스는 미리 정의되어 있다고 가정하고 입력하기 때문에 빨간 밑줄이 생겨도 그대로 진행합니다</a:t>
+            </a:r>
+            <a:r>
+              <a:rPr lang="en-US" altLang="ko-KR" dirty="0" smtClean="0">
+                <a:sym typeface="Wingdings" panose="05000000000000000000" pitchFamily="2" charset="2"/>
+              </a:rPr>
+              <a:t>. </a:t>
+            </a:r>
+            <a:r>
+              <a:rPr lang="ko-KR" altLang="en-US" dirty="0" smtClean="0">
+                <a:sym typeface="Wingdings" panose="05000000000000000000" pitchFamily="2" charset="2"/>
+              </a:rPr>
+              <a:t> </a:t>
+            </a:r>
+            <a:endParaRPr lang="en-US" altLang="ko-KR" dirty="0" smtClean="0">
+              <a:sym typeface="Wingdings" panose="05000000000000000000" pitchFamily="2" charset="2"/>
+            </a:endParaRPr>
           </a:p>
           <a:p>
             <a:endParaRPr lang="en-US" altLang="ko-KR" dirty="0">
@@ -14526,6 +14887,230 @@
                 <a:defRPr/>
               </a:pPr>
               <a:t>22</a:t>
+            </a:fld>
+            <a:endParaRPr lang="ko-KR" altLang="en-US"/>
+          </a:p>
+        </p:txBody>
+      </p:sp>
+    </p:spTree>
+    <p:extLst>
+      <p:ext uri="{BB962C8B-B14F-4D97-AF65-F5344CB8AC3E}">
+        <p14:creationId xmlns:p14="http://schemas.microsoft.com/office/powerpoint/2010/main" val="3672613937"/>
+      </p:ext>
+    </p:extLst>
+  </p:cSld>
+  <p:clrMapOvr>
+    <a:masterClrMapping/>
+  </p:clrMapOvr>
+</p:sld>
+</file>
+
+<file path=ppt/slides/slide23.xml><?xml version="1.0" encoding="utf-8"?>
+<p:sld xmlns:a="http://schemas.openxmlformats.org/drawingml/2006/main" xmlns:r="http://schemas.openxmlformats.org/officeDocument/2006/relationships" xmlns:p="http://schemas.openxmlformats.org/presentationml/2006/main">
+  <p:cSld>
+    <p:spTree>
+      <p:nvGrpSpPr>
+        <p:cNvPr id="1" name=""/>
+        <p:cNvGrpSpPr/>
+        <p:nvPr/>
+      </p:nvGrpSpPr>
+      <p:grpSpPr>
+        <a:xfrm>
+          <a:off x="0" y="0"/>
+          <a:ext cx="0" cy="0"/>
+          <a:chOff x="0" y="0"/>
+          <a:chExt cx="0" cy="0"/>
+        </a:xfrm>
+      </p:grpSpPr>
+      <p:sp>
+        <p:nvSpPr>
+          <p:cNvPr id="2" name="제목 1"/>
+          <p:cNvSpPr>
+            <a:spLocks noGrp="1"/>
+          </p:cNvSpPr>
+          <p:nvPr>
+            <p:ph type="title"/>
+          </p:nvPr>
+        </p:nvSpPr>
+        <p:spPr/>
+        <p:txBody>
+          <a:bodyPr/>
+          <a:lstStyle/>
+          <a:p>
+            <a:r>
+              <a:rPr lang="en-US" altLang="ko-KR" dirty="0" smtClean="0">
+                <a:latin typeface="나눔고딕" panose="020D0604000000000000" pitchFamily="50" charset="-127"/>
+                <a:ea typeface="나눔고딕" panose="020D0604000000000000" pitchFamily="50" charset="-127"/>
+              </a:rPr>
+              <a:t>07-2 </a:t>
+            </a:r>
+            <a:r>
+              <a:rPr lang="ko-KR" altLang="en-US" dirty="0" smtClean="0">
+                <a:latin typeface="나눔고딕" panose="020D0604000000000000" pitchFamily="50" charset="-127"/>
+                <a:ea typeface="나눔고딕" panose="020D0604000000000000" pitchFamily="50" charset="-127"/>
+              </a:rPr>
+              <a:t>화면에 카메라 </a:t>
+            </a:r>
+            <a:r>
+              <a:rPr lang="ko-KR" altLang="en-US" dirty="0" err="1" smtClean="0">
+                <a:latin typeface="나눔고딕" panose="020D0604000000000000" pitchFamily="50" charset="-127"/>
+                <a:ea typeface="나눔고딕" panose="020D0604000000000000" pitchFamily="50" charset="-127"/>
+              </a:rPr>
+              <a:t>미리보기</a:t>
+            </a:r>
+            <a:r>
+              <a:rPr lang="ko-KR" altLang="en-US" dirty="0" smtClean="0">
+                <a:latin typeface="나눔고딕" panose="020D0604000000000000" pitchFamily="50" charset="-127"/>
+                <a:ea typeface="나눔고딕" panose="020D0604000000000000" pitchFamily="50" charset="-127"/>
+              </a:rPr>
+              <a:t> 넣기 </a:t>
+            </a:r>
+            <a:r>
+              <a:rPr lang="en-US" altLang="ko-KR" dirty="0" smtClean="0">
+                <a:latin typeface="나눔고딕" panose="020D0604000000000000" pitchFamily="50" charset="-127"/>
+                <a:ea typeface="나눔고딕" panose="020D0604000000000000" pitchFamily="50" charset="-127"/>
+              </a:rPr>
+              <a:t>– </a:t>
+            </a:r>
+            <a:r>
+              <a:rPr lang="ko-KR" altLang="en-US" dirty="0" smtClean="0">
+                <a:latin typeface="나눔고딕" panose="020D0604000000000000" pitchFamily="50" charset="-127"/>
+                <a:ea typeface="나눔고딕" panose="020D0604000000000000" pitchFamily="50" charset="-127"/>
+              </a:rPr>
+              <a:t>카메라 </a:t>
+            </a:r>
+            <a:r>
+              <a:rPr lang="ko-KR" altLang="en-US" dirty="0" err="1" smtClean="0">
+                <a:latin typeface="나눔고딕" panose="020D0604000000000000" pitchFamily="50" charset="-127"/>
+                <a:ea typeface="나눔고딕" panose="020D0604000000000000" pitchFamily="50" charset="-127"/>
+              </a:rPr>
+              <a:t>미리보기</a:t>
+            </a:r>
+            <a:r>
+              <a:rPr lang="ko-KR" altLang="en-US" dirty="0" smtClean="0">
+                <a:latin typeface="나눔고딕" panose="020D0604000000000000" pitchFamily="50" charset="-127"/>
+                <a:ea typeface="나눔고딕" panose="020D0604000000000000" pitchFamily="50" charset="-127"/>
+              </a:rPr>
+              <a:t> 실습</a:t>
+            </a:r>
+            <a:endParaRPr lang="ko-KR" altLang="en-US" dirty="0"/>
+          </a:p>
+        </p:txBody>
+      </p:sp>
+      <p:sp>
+        <p:nvSpPr>
+          <p:cNvPr id="3" name="내용 개체 틀 2"/>
+          <p:cNvSpPr>
+            <a:spLocks noGrp="1"/>
+          </p:cNvSpPr>
+          <p:nvPr>
+            <p:ph idx="10"/>
+          </p:nvPr>
+        </p:nvSpPr>
+        <p:spPr/>
+        <p:txBody>
+          <a:bodyPr/>
+          <a:lstStyle/>
+          <a:p>
+            <a:pPr marL="0" indent="0">
+              <a:buNone/>
+            </a:pPr>
+            <a:r>
+              <a:rPr lang="ko-KR" altLang="en-US" b="1" dirty="0">
+                <a:solidFill>
+                  <a:srgbClr val="C00000"/>
+                </a:solidFill>
+                <a:sym typeface="Wingdings" panose="05000000000000000000" pitchFamily="2" charset="2"/>
+              </a:rPr>
+              <a:t>카메라 </a:t>
+            </a:r>
+            <a:r>
+              <a:rPr lang="ko-KR" altLang="en-US" b="1" dirty="0" err="1">
+                <a:solidFill>
+                  <a:srgbClr val="C00000"/>
+                </a:solidFill>
+                <a:sym typeface="Wingdings" panose="05000000000000000000" pitchFamily="2" charset="2"/>
+              </a:rPr>
+              <a:t>미리보기</a:t>
+            </a:r>
+            <a:r>
+              <a:rPr lang="ko-KR" altLang="en-US" b="1" dirty="0">
+                <a:solidFill>
+                  <a:srgbClr val="C00000"/>
+                </a:solidFill>
+                <a:sym typeface="Wingdings" panose="05000000000000000000" pitchFamily="2" charset="2"/>
+              </a:rPr>
+              <a:t> 실습 </a:t>
+            </a:r>
+            <a:r>
+              <a:rPr lang="en-US" altLang="ko-KR" b="1" dirty="0" smtClean="0">
+                <a:solidFill>
+                  <a:srgbClr val="C00000"/>
+                </a:solidFill>
+                <a:sym typeface="Wingdings" panose="05000000000000000000" pitchFamily="2" charset="2"/>
+              </a:rPr>
+              <a:t>– </a:t>
+            </a:r>
+            <a:r>
+              <a:rPr lang="en-US" altLang="ko-KR" b="1" dirty="0" smtClean="0">
+                <a:sym typeface="Wingdings" panose="05000000000000000000" pitchFamily="2" charset="2"/>
+              </a:rPr>
+              <a:t>MainActivity.java </a:t>
+            </a:r>
+            <a:r>
+              <a:rPr lang="ko-KR" altLang="en-US" b="1" dirty="0" smtClean="0">
+                <a:sym typeface="Wingdings" panose="05000000000000000000" pitchFamily="2" charset="2"/>
+              </a:rPr>
+              <a:t>코딩</a:t>
+            </a:r>
+            <a:endParaRPr lang="ko-KR" altLang="en-US" dirty="0"/>
+          </a:p>
+          <a:p>
+            <a:endParaRPr lang="en-US" altLang="ko-KR" dirty="0">
+              <a:sym typeface="Wingdings" panose="05000000000000000000" pitchFamily="2" charset="2"/>
+            </a:endParaRPr>
+          </a:p>
+          <a:p>
+            <a:endParaRPr lang="en-US" altLang="ko-KR" dirty="0" smtClean="0">
+              <a:sym typeface="Wingdings" panose="05000000000000000000" pitchFamily="2" charset="2"/>
+            </a:endParaRPr>
+          </a:p>
+          <a:p>
+            <a:endParaRPr lang="en-US" altLang="ko-KR" dirty="0">
+              <a:sym typeface="Wingdings" panose="05000000000000000000" pitchFamily="2" charset="2"/>
+            </a:endParaRPr>
+          </a:p>
+          <a:p>
+            <a:endParaRPr lang="en-US" altLang="ko-KR" dirty="0">
+              <a:sym typeface="Wingdings" panose="05000000000000000000" pitchFamily="2" charset="2"/>
+            </a:endParaRPr>
+          </a:p>
+        </p:txBody>
+      </p:sp>
+      <p:sp>
+        <p:nvSpPr>
+          <p:cNvPr id="4" name="슬라이드 번호 개체 틀 3"/>
+          <p:cNvSpPr>
+            <a:spLocks noGrp="1"/>
+          </p:cNvSpPr>
+          <p:nvPr>
+            <p:ph type="sldNum" sz="quarter" idx="14"/>
+          </p:nvPr>
+        </p:nvSpPr>
+        <p:spPr/>
+        <p:txBody>
+          <a:bodyPr/>
+          <a:lstStyle/>
+          <a:p>
+            <a:pPr>
+              <a:defRPr/>
+            </a:pPr>
+            <a:fld id="{3D493B47-E977-46F8-8C2F-7DA674317049}" type="slidenum">
+              <a:rPr lang="ko-KR" altLang="en-US" smtClean="0"/>
+              <a:pPr>
+                <a:defRPr/>
+              </a:pPr>
+              <a:t>23</a:t>
             </a:fld>
             <a:endParaRPr lang="ko-KR" altLang="en-US"/>
           </a:p>
@@ -15540,7 +16125,7 @@
 </p:sld>
 </file>
 
-<file path=ppt/slides/slide23.xml><?xml version="1.0" encoding="utf-8"?>
+<file path=ppt/slides/slide24.xml><?xml version="1.0" encoding="utf-8"?>
 <p:sld xmlns:a="http://schemas.openxmlformats.org/drawingml/2006/main" xmlns:r="http://schemas.openxmlformats.org/officeDocument/2006/relationships" xmlns:p="http://schemas.openxmlformats.org/presentationml/2006/main">
   <p:cSld>
     <p:spTree>
@@ -15707,7 +16292,7 @@
               <a:pPr>
                 <a:defRPr/>
               </a:pPr>
-              <a:t>23</a:t>
+              <a:t>24</a:t>
             </a:fld>
             <a:endParaRPr lang="ko-KR" altLang="en-US"/>
           </a:p>
@@ -16917,772 +17502,6 @@
 </p:sld>
 </file>
 
-<file path=ppt/slides/slide24.xml><?xml version="1.0" encoding="utf-8"?>
-<p:sld xmlns:a="http://schemas.openxmlformats.org/drawingml/2006/main" xmlns:r="http://schemas.openxmlformats.org/officeDocument/2006/relationships" xmlns:p="http://schemas.openxmlformats.org/presentationml/2006/main">
-  <p:cSld>
-    <p:spTree>
-      <p:nvGrpSpPr>
-        <p:cNvPr id="1" name=""/>
-        <p:cNvGrpSpPr/>
-        <p:nvPr/>
-      </p:nvGrpSpPr>
-      <p:grpSpPr>
-        <a:xfrm>
-          <a:off x="0" y="0"/>
-          <a:ext cx="0" cy="0"/>
-          <a:chOff x="0" y="0"/>
-          <a:chExt cx="0" cy="0"/>
-        </a:xfrm>
-      </p:grpSpPr>
-      <p:sp>
-        <p:nvSpPr>
-          <p:cNvPr id="2" name="제목 1"/>
-          <p:cNvSpPr>
-            <a:spLocks noGrp="1"/>
-          </p:cNvSpPr>
-          <p:nvPr>
-            <p:ph type="title"/>
-          </p:nvPr>
-        </p:nvSpPr>
-        <p:spPr/>
-        <p:txBody>
-          <a:bodyPr/>
-          <a:lstStyle/>
-          <a:p>
-            <a:r>
-              <a:rPr lang="en-US" altLang="ko-KR" dirty="0" smtClean="0">
-                <a:latin typeface="나눔고딕" panose="020D0604000000000000" pitchFamily="50" charset="-127"/>
-                <a:ea typeface="나눔고딕" panose="020D0604000000000000" pitchFamily="50" charset="-127"/>
-              </a:rPr>
-              <a:t>07-2 </a:t>
-            </a:r>
-            <a:r>
-              <a:rPr lang="ko-KR" altLang="en-US" dirty="0" smtClean="0">
-                <a:latin typeface="나눔고딕" panose="020D0604000000000000" pitchFamily="50" charset="-127"/>
-                <a:ea typeface="나눔고딕" panose="020D0604000000000000" pitchFamily="50" charset="-127"/>
-              </a:rPr>
-              <a:t>화면에 카메라 </a:t>
-            </a:r>
-            <a:r>
-              <a:rPr lang="ko-KR" altLang="en-US" dirty="0" err="1" smtClean="0">
-                <a:latin typeface="나눔고딕" panose="020D0604000000000000" pitchFamily="50" charset="-127"/>
-                <a:ea typeface="나눔고딕" panose="020D0604000000000000" pitchFamily="50" charset="-127"/>
-              </a:rPr>
-              <a:t>미리보기</a:t>
-            </a:r>
-            <a:r>
-              <a:rPr lang="ko-KR" altLang="en-US" dirty="0" smtClean="0">
-                <a:latin typeface="나눔고딕" panose="020D0604000000000000" pitchFamily="50" charset="-127"/>
-                <a:ea typeface="나눔고딕" panose="020D0604000000000000" pitchFamily="50" charset="-127"/>
-              </a:rPr>
-              <a:t> 넣기 </a:t>
-            </a:r>
-            <a:r>
-              <a:rPr lang="en-US" altLang="ko-KR" dirty="0" smtClean="0">
-                <a:latin typeface="나눔고딕" panose="020D0604000000000000" pitchFamily="50" charset="-127"/>
-                <a:ea typeface="나눔고딕" panose="020D0604000000000000" pitchFamily="50" charset="-127"/>
-              </a:rPr>
-              <a:t>– </a:t>
-            </a:r>
-            <a:r>
-              <a:rPr lang="ko-KR" altLang="en-US" dirty="0" smtClean="0">
-                <a:latin typeface="나눔고딕" panose="020D0604000000000000" pitchFamily="50" charset="-127"/>
-                <a:ea typeface="나눔고딕" panose="020D0604000000000000" pitchFamily="50" charset="-127"/>
-              </a:rPr>
-              <a:t>카메라 </a:t>
-            </a:r>
-            <a:r>
-              <a:rPr lang="ko-KR" altLang="en-US" dirty="0" err="1" smtClean="0">
-                <a:latin typeface="나눔고딕" panose="020D0604000000000000" pitchFamily="50" charset="-127"/>
-                <a:ea typeface="나눔고딕" panose="020D0604000000000000" pitchFamily="50" charset="-127"/>
-              </a:rPr>
-              <a:t>미리보기</a:t>
-            </a:r>
-            <a:r>
-              <a:rPr lang="ko-KR" altLang="en-US" dirty="0" smtClean="0">
-                <a:latin typeface="나눔고딕" panose="020D0604000000000000" pitchFamily="50" charset="-127"/>
-                <a:ea typeface="나눔고딕" panose="020D0604000000000000" pitchFamily="50" charset="-127"/>
-              </a:rPr>
-              <a:t> 실습</a:t>
-            </a:r>
-            <a:endParaRPr lang="ko-KR" altLang="en-US" dirty="0"/>
-          </a:p>
-        </p:txBody>
-      </p:sp>
-      <p:sp>
-        <p:nvSpPr>
-          <p:cNvPr id="3" name="내용 개체 틀 2"/>
-          <p:cNvSpPr>
-            <a:spLocks noGrp="1"/>
-          </p:cNvSpPr>
-          <p:nvPr>
-            <p:ph idx="10"/>
-          </p:nvPr>
-        </p:nvSpPr>
-        <p:spPr/>
-        <p:txBody>
-          <a:bodyPr/>
-          <a:lstStyle/>
-          <a:p>
-            <a:pPr marL="0" indent="0">
-              <a:buNone/>
-            </a:pPr>
-            <a:r>
-              <a:rPr lang="ko-KR" altLang="en-US" b="1" dirty="0">
-                <a:solidFill>
-                  <a:srgbClr val="C00000"/>
-                </a:solidFill>
-                <a:sym typeface="Wingdings" panose="05000000000000000000" pitchFamily="2" charset="2"/>
-              </a:rPr>
-              <a:t>카메라 </a:t>
-            </a:r>
-            <a:r>
-              <a:rPr lang="ko-KR" altLang="en-US" b="1" dirty="0" err="1">
-                <a:solidFill>
-                  <a:srgbClr val="C00000"/>
-                </a:solidFill>
-                <a:sym typeface="Wingdings" panose="05000000000000000000" pitchFamily="2" charset="2"/>
-              </a:rPr>
-              <a:t>미리보기</a:t>
-            </a:r>
-            <a:r>
-              <a:rPr lang="ko-KR" altLang="en-US" b="1" dirty="0">
-                <a:solidFill>
-                  <a:srgbClr val="C00000"/>
-                </a:solidFill>
-                <a:sym typeface="Wingdings" panose="05000000000000000000" pitchFamily="2" charset="2"/>
-              </a:rPr>
-              <a:t> 실습 </a:t>
-            </a:r>
-            <a:r>
-              <a:rPr lang="en-US" altLang="ko-KR" b="1" dirty="0" smtClean="0">
-                <a:solidFill>
-                  <a:srgbClr val="C00000"/>
-                </a:solidFill>
-                <a:sym typeface="Wingdings" panose="05000000000000000000" pitchFamily="2" charset="2"/>
-              </a:rPr>
-              <a:t>– </a:t>
-            </a:r>
-            <a:r>
-              <a:rPr lang="en-US" altLang="ko-KR" b="1" dirty="0" smtClean="0">
-                <a:sym typeface="Wingdings" panose="05000000000000000000" pitchFamily="2" charset="2"/>
-              </a:rPr>
-              <a:t>MainActivity.java </a:t>
-            </a:r>
-            <a:r>
-              <a:rPr lang="ko-KR" altLang="en-US" b="1" dirty="0" smtClean="0">
-                <a:sym typeface="Wingdings" panose="05000000000000000000" pitchFamily="2" charset="2"/>
-              </a:rPr>
-              <a:t>코딩</a:t>
-            </a:r>
-            <a:endParaRPr lang="en-US" altLang="ko-KR" b="1" dirty="0" smtClean="0">
-              <a:sym typeface="Wingdings" panose="05000000000000000000" pitchFamily="2" charset="2"/>
-            </a:endParaRPr>
-          </a:p>
-          <a:p>
-            <a:r>
-              <a:rPr lang="ko-KR" altLang="en-US" dirty="0" smtClean="0">
-                <a:sym typeface="Wingdings" panose="05000000000000000000" pitchFamily="2" charset="2"/>
-              </a:rPr>
-              <a:t>카메라 </a:t>
-            </a:r>
-            <a:r>
-              <a:rPr lang="ko-KR" altLang="en-US" dirty="0" err="1" smtClean="0">
-                <a:sym typeface="Wingdings" panose="05000000000000000000" pitchFamily="2" charset="2"/>
-              </a:rPr>
-              <a:t>미리보기를</a:t>
-            </a:r>
-            <a:r>
-              <a:rPr lang="ko-KR" altLang="en-US" dirty="0" smtClean="0">
-                <a:sym typeface="Wingdings" panose="05000000000000000000" pitchFamily="2" charset="2"/>
-              </a:rPr>
-              <a:t> 구현하는 </a:t>
-            </a:r>
-            <a:r>
-              <a:rPr lang="en-US" altLang="ko-KR" dirty="0" err="1" smtClean="0">
-                <a:sym typeface="Wingdings" panose="05000000000000000000" pitchFamily="2" charset="2"/>
-              </a:rPr>
-              <a:t>CameraSurfaceView</a:t>
-            </a:r>
-            <a:r>
-              <a:rPr lang="en-US" altLang="ko-KR" dirty="0" smtClean="0">
-                <a:sym typeface="Wingdings" panose="05000000000000000000" pitchFamily="2" charset="2"/>
-              </a:rPr>
-              <a:t> </a:t>
-            </a:r>
-            <a:r>
-              <a:rPr lang="ko-KR" altLang="en-US" dirty="0" smtClean="0">
-                <a:sym typeface="Wingdings" panose="05000000000000000000" pitchFamily="2" charset="2"/>
-              </a:rPr>
-              <a:t>는 </a:t>
-            </a:r>
-            <a:r>
-              <a:rPr lang="en-US" altLang="ko-KR" dirty="0" err="1" smtClean="0">
-                <a:sym typeface="Wingdings" panose="05000000000000000000" pitchFamily="2" charset="2"/>
-              </a:rPr>
-              <a:t>SurfaceView</a:t>
-            </a:r>
-            <a:r>
-              <a:rPr lang="ko-KR" altLang="en-US" dirty="0" smtClean="0">
-                <a:sym typeface="Wingdings" panose="05000000000000000000" pitchFamily="2" charset="2"/>
-              </a:rPr>
-              <a:t>를 상속받아 새로 정의한 후</a:t>
-            </a:r>
-            <a:r>
-              <a:rPr lang="en-US" altLang="ko-KR" dirty="0" smtClean="0">
-                <a:sym typeface="Wingdings" panose="05000000000000000000" pitchFamily="2" charset="2"/>
-              </a:rPr>
-              <a:t>, XML </a:t>
-            </a:r>
-            <a:r>
-              <a:rPr lang="ko-KR" altLang="en-US" dirty="0" smtClean="0">
-                <a:sym typeface="Wingdings" panose="05000000000000000000" pitchFamily="2" charset="2"/>
-              </a:rPr>
-              <a:t>레이아웃에 정의된 </a:t>
-            </a:r>
-            <a:r>
-              <a:rPr lang="en-US" altLang="ko-KR" dirty="0" err="1" smtClean="0">
-                <a:sym typeface="Wingdings" panose="05000000000000000000" pitchFamily="2" charset="2"/>
-              </a:rPr>
-              <a:t>FrameLayout</a:t>
-            </a:r>
-            <a:r>
-              <a:rPr lang="ko-KR" altLang="en-US" dirty="0" smtClean="0">
-                <a:sym typeface="Wingdings" panose="05000000000000000000" pitchFamily="2" charset="2"/>
-              </a:rPr>
-              <a:t>에 추가합니다</a:t>
-            </a:r>
-            <a:r>
-              <a:rPr lang="en-US" altLang="ko-KR" dirty="0" smtClean="0">
-                <a:sym typeface="Wingdings" panose="05000000000000000000" pitchFamily="2" charset="2"/>
-              </a:rPr>
-              <a:t>. </a:t>
-            </a:r>
-          </a:p>
-          <a:p>
-            <a:r>
-              <a:rPr lang="en-US" altLang="ko-KR" dirty="0" smtClean="0">
-                <a:sym typeface="Wingdings" panose="05000000000000000000" pitchFamily="2" charset="2"/>
-              </a:rPr>
-              <a:t>[</a:t>
-            </a:r>
-            <a:r>
-              <a:rPr lang="ko-KR" altLang="en-US" dirty="0" smtClean="0">
-                <a:sym typeface="Wingdings" panose="05000000000000000000" pitchFamily="2" charset="2"/>
-              </a:rPr>
-              <a:t>사진찍기</a:t>
-            </a:r>
-            <a:r>
-              <a:rPr lang="en-US" altLang="ko-KR" dirty="0" smtClean="0">
-                <a:sym typeface="Wingdings" panose="05000000000000000000" pitchFamily="2" charset="2"/>
-              </a:rPr>
-              <a:t>] </a:t>
-            </a:r>
-            <a:r>
-              <a:rPr lang="ko-KR" altLang="en-US" dirty="0" smtClean="0">
-                <a:sym typeface="Wingdings" panose="05000000000000000000" pitchFamily="2" charset="2"/>
-              </a:rPr>
-              <a:t>버튼을 누르면 사진을 한 장 찍어 미디어 앨범에 추가하게 되는데 사진을 찍은 결과를 처리하는 코드는 </a:t>
-            </a:r>
-            <a:r>
-              <a:rPr lang="en-US" altLang="ko-KR" dirty="0" err="1" smtClean="0">
-                <a:sym typeface="Wingdings" panose="05000000000000000000" pitchFamily="2" charset="2"/>
-              </a:rPr>
-              <a:t>PictureCallback</a:t>
-            </a:r>
-            <a:r>
-              <a:rPr lang="en-US" altLang="ko-KR" dirty="0" smtClean="0">
-                <a:sym typeface="Wingdings" panose="05000000000000000000" pitchFamily="2" charset="2"/>
-              </a:rPr>
-              <a:t> </a:t>
-            </a:r>
-            <a:r>
-              <a:rPr lang="ko-KR" altLang="en-US" dirty="0" smtClean="0">
-                <a:sym typeface="Wingdings" panose="05000000000000000000" pitchFamily="2" charset="2"/>
-              </a:rPr>
-              <a:t>인터페이스를 구현하는 부분에 들어 있습니다</a:t>
-            </a:r>
-            <a:r>
-              <a:rPr lang="en-US" altLang="ko-KR" dirty="0" smtClean="0">
-                <a:sym typeface="Wingdings" panose="05000000000000000000" pitchFamily="2" charset="2"/>
-              </a:rPr>
-              <a:t>. </a:t>
-            </a:r>
-            <a:r>
-              <a:rPr lang="ko-KR" altLang="en-US" dirty="0" smtClean="0">
-                <a:sym typeface="Wingdings" panose="05000000000000000000" pitchFamily="2" charset="2"/>
-              </a:rPr>
-              <a:t>이 인터페이스는 </a:t>
-            </a:r>
-            <a:r>
-              <a:rPr lang="en-US" altLang="ko-KR" dirty="0" err="1" smtClean="0">
-                <a:sym typeface="Wingdings" panose="05000000000000000000" pitchFamily="2" charset="2"/>
-              </a:rPr>
-              <a:t>CameraSurfaceView</a:t>
-            </a:r>
-            <a:r>
-              <a:rPr lang="ko-KR" altLang="en-US" dirty="0" smtClean="0">
-                <a:sym typeface="Wingdings" panose="05000000000000000000" pitchFamily="2" charset="2"/>
-              </a:rPr>
-              <a:t>에 정의된 </a:t>
-            </a:r>
-            <a:r>
-              <a:rPr lang="en-US" altLang="ko-KR" dirty="0" smtClean="0">
-                <a:sym typeface="Wingdings" panose="05000000000000000000" pitchFamily="2" charset="2"/>
-              </a:rPr>
-              <a:t>capture() </a:t>
-            </a:r>
-            <a:r>
-              <a:rPr lang="ko-KR" altLang="en-US" dirty="0" smtClean="0">
-                <a:sym typeface="Wingdings" panose="05000000000000000000" pitchFamily="2" charset="2"/>
-              </a:rPr>
-              <a:t>메소드를 호출할 때 전달됩니다</a:t>
-            </a:r>
-            <a:r>
-              <a:rPr lang="en-US" altLang="ko-KR" dirty="0" smtClean="0">
-                <a:sym typeface="Wingdings" panose="05000000000000000000" pitchFamily="2" charset="2"/>
-              </a:rPr>
-              <a:t>. </a:t>
-            </a:r>
-          </a:p>
-          <a:p>
-            <a:pPr lvl="1"/>
-            <a:r>
-              <a:rPr lang="en-US" altLang="ko-KR" b="1" dirty="0" smtClean="0">
-                <a:latin typeface="Consolas" panose="020B0609020204030204" pitchFamily="49" charset="0"/>
-                <a:sym typeface="Wingdings" panose="05000000000000000000" pitchFamily="2" charset="2"/>
-              </a:rPr>
-              <a:t>public abstract void </a:t>
-            </a:r>
-            <a:r>
-              <a:rPr lang="en-US" altLang="ko-KR" b="1" dirty="0" err="1" smtClean="0">
-                <a:latin typeface="Consolas" panose="020B0609020204030204" pitchFamily="49" charset="0"/>
-                <a:sym typeface="Wingdings" panose="05000000000000000000" pitchFamily="2" charset="2"/>
-              </a:rPr>
-              <a:t>onPictureTaken</a:t>
-            </a:r>
-            <a:r>
-              <a:rPr lang="en-US" altLang="ko-KR" b="1" dirty="0" smtClean="0">
-                <a:latin typeface="Consolas" panose="020B0609020204030204" pitchFamily="49" charset="0"/>
-                <a:sym typeface="Wingdings" panose="05000000000000000000" pitchFamily="2" charset="2"/>
-              </a:rPr>
-              <a:t>(byte[] data, Camera camera) </a:t>
-            </a:r>
-          </a:p>
-          <a:p>
-            <a:r>
-              <a:rPr lang="ko-KR" altLang="en-US" dirty="0" smtClean="0">
-                <a:sym typeface="Wingdings" panose="05000000000000000000" pitchFamily="2" charset="2"/>
-              </a:rPr>
-              <a:t>사진을 찍을 때 자동으로 호출되는 </a:t>
-            </a:r>
-            <a:r>
-              <a:rPr lang="en-US" altLang="ko-KR" dirty="0" err="1" smtClean="0">
-                <a:sym typeface="Wingdings" panose="05000000000000000000" pitchFamily="2" charset="2"/>
-              </a:rPr>
-              <a:t>onPictureTaken</a:t>
-            </a:r>
-            <a:r>
-              <a:rPr lang="en-US" altLang="ko-KR" dirty="0" smtClean="0">
-                <a:sym typeface="Wingdings" panose="05000000000000000000" pitchFamily="2" charset="2"/>
-              </a:rPr>
-              <a:t>() </a:t>
-            </a:r>
-            <a:r>
-              <a:rPr lang="ko-KR" altLang="en-US" dirty="0" err="1" smtClean="0">
-                <a:sym typeface="Wingdings" panose="05000000000000000000" pitchFamily="2" charset="2"/>
-              </a:rPr>
-              <a:t>메소드로</a:t>
-            </a:r>
-            <a:r>
-              <a:rPr lang="ko-KR" altLang="en-US" dirty="0" smtClean="0">
-                <a:sym typeface="Wingdings" panose="05000000000000000000" pitchFamily="2" charset="2"/>
-              </a:rPr>
-              <a:t> </a:t>
-            </a:r>
-            <a:r>
-              <a:rPr lang="ko-KR" altLang="en-US" dirty="0" err="1" smtClean="0">
-                <a:sym typeface="Wingdings" panose="05000000000000000000" pitchFamily="2" charset="2"/>
-              </a:rPr>
-              <a:t>캡쳐한</a:t>
-            </a:r>
-            <a:r>
-              <a:rPr lang="ko-KR" altLang="en-US" dirty="0" smtClean="0">
-                <a:sym typeface="Wingdings" panose="05000000000000000000" pitchFamily="2" charset="2"/>
-              </a:rPr>
-              <a:t> 이미지 데이터가 전달 됩니다</a:t>
-            </a:r>
-            <a:r>
-              <a:rPr lang="en-US" altLang="ko-KR" dirty="0" smtClean="0">
-                <a:sym typeface="Wingdings" panose="05000000000000000000" pitchFamily="2" charset="2"/>
-              </a:rPr>
-              <a:t>. </a:t>
-            </a:r>
-          </a:p>
-          <a:p>
-            <a:r>
-              <a:rPr lang="ko-KR" altLang="en-US" dirty="0" smtClean="0">
-                <a:sym typeface="Wingdings" panose="05000000000000000000" pitchFamily="2" charset="2"/>
-              </a:rPr>
-              <a:t>그런 다음 이 데이터를 비트맵으로 만들고 </a:t>
-            </a:r>
-            <a:r>
-              <a:rPr lang="en-US" altLang="ko-KR" dirty="0" err="1" smtClean="0">
-                <a:sym typeface="Wingdings" panose="05000000000000000000" pitchFamily="2" charset="2"/>
-              </a:rPr>
-              <a:t>MediaStore.Images.Media</a:t>
-            </a:r>
-            <a:r>
-              <a:rPr lang="en-US" altLang="ko-KR" dirty="0" smtClean="0">
-                <a:sym typeface="Wingdings" panose="05000000000000000000" pitchFamily="2" charset="2"/>
-              </a:rPr>
-              <a:t> </a:t>
-            </a:r>
-            <a:r>
-              <a:rPr lang="ko-KR" altLang="en-US" dirty="0" smtClean="0">
-                <a:sym typeface="Wingdings" panose="05000000000000000000" pitchFamily="2" charset="2"/>
-              </a:rPr>
-              <a:t>에 정의된 </a:t>
-            </a:r>
-            <a:r>
-              <a:rPr lang="en-US" altLang="ko-KR" dirty="0" err="1" smtClean="0">
-                <a:sym typeface="Wingdings" panose="05000000000000000000" pitchFamily="2" charset="2"/>
-              </a:rPr>
-              <a:t>insertImage</a:t>
-            </a:r>
-            <a:r>
-              <a:rPr lang="en-US" altLang="ko-KR" dirty="0" smtClean="0">
-                <a:sym typeface="Wingdings" panose="05000000000000000000" pitchFamily="2" charset="2"/>
-              </a:rPr>
-              <a:t>() </a:t>
-            </a:r>
-            <a:r>
-              <a:rPr lang="ko-KR" altLang="en-US" dirty="0" smtClean="0">
-                <a:sym typeface="Wingdings" panose="05000000000000000000" pitchFamily="2" charset="2"/>
-              </a:rPr>
-              <a:t>메소드를 이용하여 앨범에 추가합니다</a:t>
-            </a:r>
-            <a:r>
-              <a:rPr lang="en-US" altLang="ko-KR" dirty="0" smtClean="0">
-                <a:sym typeface="Wingdings" panose="05000000000000000000" pitchFamily="2" charset="2"/>
-              </a:rPr>
-              <a:t>. </a:t>
-            </a:r>
-          </a:p>
-          <a:p>
-            <a:r>
-              <a:rPr lang="ko-KR" altLang="en-US" dirty="0" smtClean="0">
-                <a:sym typeface="Wingdings" panose="05000000000000000000" pitchFamily="2" charset="2"/>
-              </a:rPr>
-              <a:t>이미지 데이터를 비트맵으로 만들기 위해서는 </a:t>
-            </a:r>
-            <a:r>
-              <a:rPr lang="en-US" altLang="ko-KR" dirty="0" err="1" smtClean="0">
-                <a:sym typeface="Wingdings" panose="05000000000000000000" pitchFamily="2" charset="2"/>
-              </a:rPr>
-              <a:t>BitmapFactory</a:t>
-            </a:r>
-            <a:r>
-              <a:rPr lang="en-US" altLang="ko-KR" dirty="0" smtClean="0">
-                <a:sym typeface="Wingdings" panose="05000000000000000000" pitchFamily="2" charset="2"/>
-              </a:rPr>
-              <a:t> </a:t>
-            </a:r>
-            <a:r>
-              <a:rPr lang="ko-KR" altLang="en-US" dirty="0" smtClean="0">
-                <a:sym typeface="Wingdings" panose="05000000000000000000" pitchFamily="2" charset="2"/>
-              </a:rPr>
-              <a:t>클래스에 정의된 </a:t>
-            </a:r>
-            <a:r>
-              <a:rPr lang="en-US" altLang="ko-KR" dirty="0" err="1" smtClean="0">
-                <a:sym typeface="Wingdings" panose="05000000000000000000" pitchFamily="2" charset="2"/>
-              </a:rPr>
-              <a:t>decodeByteArray</a:t>
-            </a:r>
-            <a:r>
-              <a:rPr lang="en-US" altLang="ko-KR" dirty="0" smtClean="0">
-                <a:sym typeface="Wingdings" panose="05000000000000000000" pitchFamily="2" charset="2"/>
-              </a:rPr>
-              <a:t>() </a:t>
-            </a:r>
-            <a:r>
-              <a:rPr lang="ko-KR" altLang="en-US" dirty="0" smtClean="0">
-                <a:sym typeface="Wingdings" panose="05000000000000000000" pitchFamily="2" charset="2"/>
-              </a:rPr>
-              <a:t>메소드를 이용합니다</a:t>
-            </a:r>
-            <a:r>
-              <a:rPr lang="en-US" altLang="ko-KR" dirty="0" smtClean="0">
-                <a:sym typeface="Wingdings" panose="05000000000000000000" pitchFamily="2" charset="2"/>
-              </a:rPr>
-              <a:t>. </a:t>
-            </a:r>
-            <a:r>
-              <a:rPr lang="en-US" altLang="ko-KR" dirty="0" err="1" smtClean="0">
-                <a:sym typeface="Wingdings" panose="05000000000000000000" pitchFamily="2" charset="2"/>
-              </a:rPr>
-              <a:t>insertImage</a:t>
-            </a:r>
-            <a:r>
-              <a:rPr lang="en-US" altLang="ko-KR" dirty="0" smtClean="0">
-                <a:sym typeface="Wingdings" panose="05000000000000000000" pitchFamily="2" charset="2"/>
-              </a:rPr>
-              <a:t>() </a:t>
-            </a:r>
-            <a:r>
-              <a:rPr lang="ko-KR" altLang="en-US" dirty="0" err="1" smtClean="0">
-                <a:sym typeface="Wingdings" panose="05000000000000000000" pitchFamily="2" charset="2"/>
-              </a:rPr>
-              <a:t>메소드는</a:t>
-            </a:r>
-            <a:r>
-              <a:rPr lang="ko-KR" altLang="en-US" dirty="0" smtClean="0">
-                <a:sym typeface="Wingdings" panose="05000000000000000000" pitchFamily="2" charset="2"/>
-              </a:rPr>
-              <a:t> 이미지를 간단히 추가할 수 있도록 정의된 </a:t>
-            </a:r>
-            <a:r>
-              <a:rPr lang="ko-KR" altLang="en-US" dirty="0" err="1" smtClean="0">
-                <a:sym typeface="Wingdings" panose="05000000000000000000" pitchFamily="2" charset="2"/>
-              </a:rPr>
-              <a:t>메소드입니다</a:t>
-            </a:r>
-            <a:r>
-              <a:rPr lang="en-US" altLang="ko-KR" dirty="0" smtClean="0">
-                <a:sym typeface="Wingdings" panose="05000000000000000000" pitchFamily="2" charset="2"/>
-              </a:rPr>
-              <a:t>.</a:t>
-            </a:r>
-          </a:p>
-          <a:p>
-            <a:pPr marL="742950" lvl="2" indent="-342900">
-              <a:buClr>
-                <a:schemeClr val="accent2"/>
-              </a:buClr>
-              <a:buSzTx/>
-            </a:pPr>
-            <a:r>
-              <a:rPr lang="en-US" altLang="ko-KR" sz="1800" b="1" dirty="0">
-                <a:latin typeface="Consolas" panose="020B0609020204030204" pitchFamily="49" charset="0"/>
-                <a:sym typeface="Wingdings" panose="05000000000000000000" pitchFamily="2" charset="2"/>
-              </a:rPr>
-              <a:t>public </a:t>
-            </a:r>
-            <a:r>
-              <a:rPr lang="en-US" altLang="ko-KR" sz="1800" b="1" dirty="0" smtClean="0">
-                <a:latin typeface="Consolas" panose="020B0609020204030204" pitchFamily="49" charset="0"/>
-                <a:sym typeface="Wingdings" panose="05000000000000000000" pitchFamily="2" charset="2"/>
-              </a:rPr>
-              <a:t>static final String </a:t>
-            </a:r>
-            <a:r>
-              <a:rPr lang="en-US" altLang="ko-KR" sz="1800" b="1" dirty="0" err="1" smtClean="0">
-                <a:latin typeface="Consolas" panose="020B0609020204030204" pitchFamily="49" charset="0"/>
-                <a:sym typeface="Wingdings" panose="05000000000000000000" pitchFamily="2" charset="2"/>
-              </a:rPr>
-              <a:t>insertImage</a:t>
-            </a:r>
-            <a:r>
-              <a:rPr lang="en-US" altLang="ko-KR" sz="1800" b="1" dirty="0" smtClean="0">
-                <a:latin typeface="Consolas" panose="020B0609020204030204" pitchFamily="49" charset="0"/>
-                <a:sym typeface="Wingdings" panose="05000000000000000000" pitchFamily="2" charset="2"/>
-              </a:rPr>
-              <a:t>(</a:t>
-            </a:r>
-            <a:r>
-              <a:rPr lang="en-US" altLang="ko-KR" sz="1800" b="1" dirty="0" err="1" smtClean="0">
-                <a:latin typeface="Consolas" panose="020B0609020204030204" pitchFamily="49" charset="0"/>
-                <a:sym typeface="Wingdings" panose="05000000000000000000" pitchFamily="2" charset="2"/>
-              </a:rPr>
-              <a:t>ContentResolver</a:t>
-            </a:r>
-            <a:r>
-              <a:rPr lang="en-US" altLang="ko-KR" sz="1800" b="1" dirty="0" smtClean="0">
-                <a:latin typeface="Consolas" panose="020B0609020204030204" pitchFamily="49" charset="0"/>
-                <a:sym typeface="Wingdings" panose="05000000000000000000" pitchFamily="2" charset="2"/>
-              </a:rPr>
-              <a:t> </a:t>
-            </a:r>
-            <a:r>
-              <a:rPr lang="en-US" altLang="ko-KR" sz="1800" b="1" dirty="0" err="1" smtClean="0">
-                <a:latin typeface="Consolas" panose="020B0609020204030204" pitchFamily="49" charset="0"/>
-                <a:sym typeface="Wingdings" panose="05000000000000000000" pitchFamily="2" charset="2"/>
-              </a:rPr>
-              <a:t>cs</a:t>
-            </a:r>
-            <a:r>
-              <a:rPr lang="en-US" altLang="ko-KR" sz="1800" b="1" dirty="0" smtClean="0">
-                <a:latin typeface="Consolas" panose="020B0609020204030204" pitchFamily="49" charset="0"/>
-                <a:sym typeface="Wingdings" panose="05000000000000000000" pitchFamily="2" charset="2"/>
-              </a:rPr>
-              <a:t>, Bitmap source, String title, String description) </a:t>
-            </a:r>
-          </a:p>
-          <a:p>
-            <a:pPr marL="742950" lvl="2" indent="-342900">
-              <a:buClr>
-                <a:schemeClr val="accent2"/>
-              </a:buClr>
-              <a:buSzTx/>
-            </a:pPr>
-            <a:r>
-              <a:rPr lang="ko-KR" altLang="en-US" sz="1800" dirty="0" smtClean="0">
-                <a:latin typeface="Consolas" panose="020B0609020204030204" pitchFamily="49" charset="0"/>
-                <a:sym typeface="Wingdings" panose="05000000000000000000" pitchFamily="2" charset="2"/>
-              </a:rPr>
-              <a:t>첫째 </a:t>
-            </a:r>
-            <a:r>
-              <a:rPr lang="ko-KR" altLang="en-US" sz="1800" dirty="0" err="1" smtClean="0">
-                <a:latin typeface="Consolas" panose="020B0609020204030204" pitchFamily="49" charset="0"/>
-                <a:sym typeface="Wingdings" panose="05000000000000000000" pitchFamily="2" charset="2"/>
-              </a:rPr>
-              <a:t>파라미터는</a:t>
-            </a:r>
-            <a:r>
-              <a:rPr lang="ko-KR" altLang="en-US" sz="1800" dirty="0" smtClean="0">
-                <a:latin typeface="Consolas" panose="020B0609020204030204" pitchFamily="49" charset="0"/>
-                <a:sym typeface="Wingdings" panose="05000000000000000000" pitchFamily="2" charset="2"/>
-              </a:rPr>
-              <a:t> </a:t>
-            </a:r>
-            <a:r>
-              <a:rPr lang="en-US" altLang="ko-KR" sz="1800" dirty="0" err="1" smtClean="0">
-                <a:latin typeface="Consolas" panose="020B0609020204030204" pitchFamily="49" charset="0"/>
-                <a:sym typeface="Wingdings" panose="05000000000000000000" pitchFamily="2" charset="2"/>
-              </a:rPr>
-              <a:t>ContentResolver</a:t>
-            </a:r>
-            <a:r>
-              <a:rPr lang="en-US" altLang="ko-KR" sz="1800" dirty="0" smtClean="0">
-                <a:latin typeface="Consolas" panose="020B0609020204030204" pitchFamily="49" charset="0"/>
-                <a:sym typeface="Wingdings" panose="05000000000000000000" pitchFamily="2" charset="2"/>
-              </a:rPr>
-              <a:t> </a:t>
-            </a:r>
-            <a:r>
-              <a:rPr lang="ko-KR" altLang="en-US" sz="1800" dirty="0" smtClean="0">
-                <a:latin typeface="Consolas" panose="020B0609020204030204" pitchFamily="49" charset="0"/>
-                <a:sym typeface="Wingdings" panose="05000000000000000000" pitchFamily="2" charset="2"/>
-              </a:rPr>
-              <a:t>객체</a:t>
-            </a:r>
-            <a:r>
-              <a:rPr lang="en-US" altLang="ko-KR" sz="1800" dirty="0" smtClean="0">
-                <a:latin typeface="Consolas" panose="020B0609020204030204" pitchFamily="49" charset="0"/>
-                <a:sym typeface="Wingdings" panose="05000000000000000000" pitchFamily="2" charset="2"/>
-              </a:rPr>
-              <a:t>, </a:t>
-            </a:r>
-            <a:r>
-              <a:rPr lang="ko-KR" altLang="en-US" sz="1800" dirty="0" smtClean="0">
-                <a:latin typeface="Consolas" panose="020B0609020204030204" pitchFamily="49" charset="0"/>
-                <a:sym typeface="Wingdings" panose="05000000000000000000" pitchFamily="2" charset="2"/>
-              </a:rPr>
-              <a:t>둘째 </a:t>
-            </a:r>
-            <a:r>
-              <a:rPr lang="ko-KR" altLang="en-US" sz="1800" dirty="0" err="1" smtClean="0">
-                <a:latin typeface="Consolas" panose="020B0609020204030204" pitchFamily="49" charset="0"/>
-                <a:sym typeface="Wingdings" panose="05000000000000000000" pitchFamily="2" charset="2"/>
-              </a:rPr>
-              <a:t>파라미터는</a:t>
-            </a:r>
-            <a:r>
-              <a:rPr lang="ko-KR" altLang="en-US" sz="1800" dirty="0" smtClean="0">
-                <a:latin typeface="Consolas" panose="020B0609020204030204" pitchFamily="49" charset="0"/>
-                <a:sym typeface="Wingdings" panose="05000000000000000000" pitchFamily="2" charset="2"/>
-              </a:rPr>
-              <a:t> 메모리에 만들어진 비트맵 객체 그리고 세 번째와 네 번째 </a:t>
-            </a:r>
-            <a:r>
-              <a:rPr lang="ko-KR" altLang="en-US" sz="1800" dirty="0" err="1" smtClean="0">
-                <a:latin typeface="Consolas" panose="020B0609020204030204" pitchFamily="49" charset="0"/>
-                <a:sym typeface="Wingdings" panose="05000000000000000000" pitchFamily="2" charset="2"/>
-              </a:rPr>
-              <a:t>파라미터는</a:t>
-            </a:r>
-            <a:r>
-              <a:rPr lang="ko-KR" altLang="en-US" sz="1800" dirty="0" smtClean="0">
-                <a:latin typeface="Consolas" panose="020B0609020204030204" pitchFamily="49" charset="0"/>
-                <a:sym typeface="Wingdings" panose="05000000000000000000" pitchFamily="2" charset="2"/>
-              </a:rPr>
-              <a:t> 그 비트맵 이미지의 제목과 내용이 들어갑니다</a:t>
-            </a:r>
-            <a:r>
-              <a:rPr lang="en-US" altLang="ko-KR" sz="1800" dirty="0" smtClean="0">
-                <a:latin typeface="Consolas" panose="020B0609020204030204" pitchFamily="49" charset="0"/>
-                <a:sym typeface="Wingdings" panose="05000000000000000000" pitchFamily="2" charset="2"/>
-              </a:rPr>
-              <a:t>. </a:t>
-            </a:r>
-            <a:endParaRPr lang="ko-KR" altLang="en-US" dirty="0"/>
-          </a:p>
-          <a:p>
-            <a:endParaRPr lang="en-US" altLang="ko-KR" dirty="0">
-              <a:sym typeface="Wingdings" panose="05000000000000000000" pitchFamily="2" charset="2"/>
-            </a:endParaRPr>
-          </a:p>
-          <a:p>
-            <a:endParaRPr lang="en-US" altLang="ko-KR" dirty="0" smtClean="0">
-              <a:sym typeface="Wingdings" panose="05000000000000000000" pitchFamily="2" charset="2"/>
-            </a:endParaRPr>
-          </a:p>
-          <a:p>
-            <a:endParaRPr lang="en-US" altLang="ko-KR" dirty="0">
-              <a:sym typeface="Wingdings" panose="05000000000000000000" pitchFamily="2" charset="2"/>
-            </a:endParaRPr>
-          </a:p>
-          <a:p>
-            <a:endParaRPr lang="en-US" altLang="ko-KR" dirty="0">
-              <a:sym typeface="Wingdings" panose="05000000000000000000" pitchFamily="2" charset="2"/>
-            </a:endParaRPr>
-          </a:p>
-        </p:txBody>
-      </p:sp>
-      <p:sp>
-        <p:nvSpPr>
-          <p:cNvPr id="4" name="슬라이드 번호 개체 틀 3"/>
-          <p:cNvSpPr>
-            <a:spLocks noGrp="1"/>
-          </p:cNvSpPr>
-          <p:nvPr>
-            <p:ph type="sldNum" sz="quarter" idx="14"/>
-          </p:nvPr>
-        </p:nvSpPr>
-        <p:spPr/>
-        <p:txBody>
-          <a:bodyPr/>
-          <a:lstStyle/>
-          <a:p>
-            <a:pPr>
-              <a:defRPr/>
-            </a:pPr>
-            <a:fld id="{3D493B47-E977-46F8-8C2F-7DA674317049}" type="slidenum">
-              <a:rPr lang="ko-KR" altLang="en-US" smtClean="0"/>
-              <a:pPr>
-                <a:defRPr/>
-              </a:pPr>
-              <a:t>24</a:t>
-            </a:fld>
-            <a:endParaRPr lang="ko-KR" altLang="en-US"/>
-          </a:p>
-        </p:txBody>
-      </p:sp>
-    </p:spTree>
-    <p:extLst>
-      <p:ext uri="{BB962C8B-B14F-4D97-AF65-F5344CB8AC3E}">
-        <p14:creationId xmlns:p14="http://schemas.microsoft.com/office/powerpoint/2010/main" val="597224024"/>
-      </p:ext>
-    </p:extLst>
-  </p:cSld>
-  <p:clrMapOvr>
-    <a:masterClrMapping/>
-  </p:clrMapOvr>
-</p:sld>
-</file>
-
 <file path=ppt/slides/slide25.xml><?xml version="1.0" encoding="utf-8"?>
 <p:sld xmlns:a="http://schemas.openxmlformats.org/drawingml/2006/main" xmlns:r="http://schemas.openxmlformats.org/officeDocument/2006/relationships" xmlns:p="http://schemas.openxmlformats.org/presentationml/2006/main">
   <p:cSld>
@@ -17830,216 +17649,18 @@
               <a:t>– </a:t>
             </a:r>
             <a:r>
-              <a:rPr lang="en-US" altLang="ko-KR" b="1" dirty="0" err="1" smtClean="0">
-                <a:sym typeface="Wingdings" panose="05000000000000000000" pitchFamily="2" charset="2"/>
-              </a:rPr>
-              <a:t>CameraSurfaceView</a:t>
-            </a:r>
-            <a:r>
               <a:rPr lang="en-US" altLang="ko-KR" b="1" dirty="0" smtClean="0">
                 <a:sym typeface="Wingdings" panose="05000000000000000000" pitchFamily="2" charset="2"/>
               </a:rPr>
-              <a:t>  </a:t>
+              <a:t>MainActivity.java </a:t>
             </a:r>
             <a:r>
               <a:rPr lang="ko-KR" altLang="en-US" b="1" dirty="0" smtClean="0">
                 <a:sym typeface="Wingdings" panose="05000000000000000000" pitchFamily="2" charset="2"/>
               </a:rPr>
-              <a:t>내부 클래스 정의하기</a:t>
-            </a:r>
-            <a:endParaRPr lang="ko-KR" altLang="en-US" dirty="0"/>
-          </a:p>
-          <a:p>
-            <a:r>
-              <a:rPr lang="ko-KR" altLang="en-US" dirty="0" err="1" smtClean="0">
-                <a:sym typeface="Wingdings" panose="05000000000000000000" pitchFamily="2" charset="2"/>
-              </a:rPr>
-              <a:t>서피스뷰를</a:t>
-            </a:r>
-            <a:r>
-              <a:rPr lang="ko-KR" altLang="en-US" dirty="0" smtClean="0">
-                <a:sym typeface="Wingdings" panose="05000000000000000000" pitchFamily="2" charset="2"/>
-              </a:rPr>
-              <a:t> 확장하여 정의한 </a:t>
-            </a:r>
-            <a:r>
-              <a:rPr lang="en-US" altLang="ko-KR" dirty="0" err="1" smtClean="0">
-                <a:sym typeface="Wingdings" panose="05000000000000000000" pitchFamily="2" charset="2"/>
-              </a:rPr>
-              <a:t>CameraSufraceView</a:t>
-            </a:r>
-            <a:r>
-              <a:rPr lang="ko-KR" altLang="en-US" dirty="0" smtClean="0">
-                <a:sym typeface="Wingdings" panose="05000000000000000000" pitchFamily="2" charset="2"/>
-              </a:rPr>
-              <a:t> 클래스는 </a:t>
-            </a:r>
-            <a:r>
-              <a:rPr lang="en-US" altLang="ko-KR" dirty="0" smtClean="0">
-                <a:solidFill>
-                  <a:srgbClr val="C00000"/>
-                </a:solidFill>
-                <a:sym typeface="Wingdings" panose="05000000000000000000" pitchFamily="2" charset="2"/>
-              </a:rPr>
-              <a:t>MainActivity </a:t>
-            </a:r>
-            <a:r>
-              <a:rPr lang="ko-KR" altLang="en-US" dirty="0" err="1" smtClean="0">
-                <a:solidFill>
-                  <a:srgbClr val="C00000"/>
-                </a:solidFill>
-                <a:sym typeface="Wingdings" panose="05000000000000000000" pitchFamily="2" charset="2"/>
-              </a:rPr>
-              <a:t>클래의</a:t>
-            </a:r>
-            <a:r>
-              <a:rPr lang="ko-KR" altLang="en-US" dirty="0" smtClean="0">
-                <a:solidFill>
-                  <a:srgbClr val="C00000"/>
-                </a:solidFill>
-                <a:sym typeface="Wingdings" panose="05000000000000000000" pitchFamily="2" charset="2"/>
-              </a:rPr>
-              <a:t> </a:t>
-            </a:r>
-            <a:r>
-              <a:rPr lang="ko-KR" altLang="en-US" b="1" dirty="0" smtClean="0">
-                <a:solidFill>
-                  <a:srgbClr val="C00000"/>
-                </a:solidFill>
-                <a:sym typeface="Wingdings" panose="05000000000000000000" pitchFamily="2" charset="2"/>
-              </a:rPr>
-              <a:t>내부 클래스</a:t>
-            </a:r>
-            <a:r>
-              <a:rPr lang="ko-KR" altLang="en-US" dirty="0" smtClean="0">
-                <a:solidFill>
-                  <a:srgbClr val="C00000"/>
-                </a:solidFill>
-                <a:sym typeface="Wingdings" panose="05000000000000000000" pitchFamily="2" charset="2"/>
-              </a:rPr>
-              <a:t>로 정의합니다</a:t>
-            </a:r>
-            <a:r>
-              <a:rPr lang="en-US" altLang="ko-KR" dirty="0" smtClean="0">
-                <a:sym typeface="Wingdings" panose="05000000000000000000" pitchFamily="2" charset="2"/>
-              </a:rPr>
-              <a:t>. </a:t>
-            </a:r>
-          </a:p>
-          <a:p>
-            <a:r>
-              <a:rPr lang="ko-KR" altLang="en-US" dirty="0" smtClean="0">
-                <a:sym typeface="Wingdings" panose="05000000000000000000" pitchFamily="2" charset="2"/>
-              </a:rPr>
-              <a:t>또한 이 클래스는</a:t>
-            </a:r>
-            <a:r>
-              <a:rPr lang="en-US" altLang="ko-KR" dirty="0" smtClean="0">
-                <a:sym typeface="Wingdings" panose="05000000000000000000" pitchFamily="2" charset="2"/>
-              </a:rPr>
-              <a:t>, </a:t>
-            </a:r>
-            <a:r>
-              <a:rPr lang="en-US" altLang="ko-KR" b="1" dirty="0" err="1" smtClean="0">
-                <a:sym typeface="Wingdings" panose="05000000000000000000" pitchFamily="2" charset="2"/>
-              </a:rPr>
-              <a:t>SurfaceHolde</a:t>
-            </a:r>
-            <a:r>
-              <a:rPr lang="en-US" altLang="ko-KR" dirty="0" err="1" smtClean="0">
-                <a:sym typeface="Wingdings" panose="05000000000000000000" pitchFamily="2" charset="2"/>
-              </a:rPr>
-              <a:t>r</a:t>
-            </a:r>
-            <a:r>
-              <a:rPr lang="en-US" altLang="ko-KR" dirty="0" smtClean="0">
-                <a:sym typeface="Wingdings" panose="05000000000000000000" pitchFamily="2" charset="2"/>
-              </a:rPr>
-              <a:t> </a:t>
-            </a:r>
-            <a:r>
-              <a:rPr lang="ko-KR" altLang="en-US" dirty="0" smtClean="0">
-                <a:sym typeface="Wingdings" panose="05000000000000000000" pitchFamily="2" charset="2"/>
-              </a:rPr>
-              <a:t>에 정의된 </a:t>
-            </a:r>
-            <a:r>
-              <a:rPr lang="en-US" altLang="ko-KR" dirty="0" smtClean="0">
-                <a:sym typeface="Wingdings" panose="05000000000000000000" pitchFamily="2" charset="2"/>
-              </a:rPr>
-              <a:t>Callback </a:t>
-            </a:r>
-            <a:r>
-              <a:rPr lang="ko-KR" altLang="en-US" dirty="0" smtClean="0">
-                <a:sym typeface="Wingdings" panose="05000000000000000000" pitchFamily="2" charset="2"/>
-              </a:rPr>
-              <a:t>인터페이스를 구현하고 있으므로 </a:t>
-            </a:r>
-            <a:r>
-              <a:rPr lang="ko-KR" altLang="en-US" dirty="0" err="1" smtClean="0">
-                <a:sym typeface="Wingdings" panose="05000000000000000000" pitchFamily="2" charset="2"/>
-              </a:rPr>
-              <a:t>서피스뷰의</a:t>
-            </a:r>
-            <a:r>
-              <a:rPr lang="ko-KR" altLang="en-US" dirty="0" smtClean="0">
-                <a:sym typeface="Wingdings" panose="05000000000000000000" pitchFamily="2" charset="2"/>
-              </a:rPr>
-              <a:t> 상태가 변경될 때 자동 호출되는 아래의 세가지 메소드를 구현합니다</a:t>
-            </a:r>
-            <a:r>
-              <a:rPr lang="en-US" altLang="ko-KR" dirty="0" smtClean="0">
-                <a:sym typeface="Wingdings" panose="05000000000000000000" pitchFamily="2" charset="2"/>
-              </a:rPr>
-              <a:t>.   </a:t>
-            </a:r>
-          </a:p>
-          <a:p>
-            <a:pPr lvl="1"/>
-            <a:r>
-              <a:rPr lang="en-US" altLang="ko-KR" b="1" dirty="0" err="1" smtClean="0">
-                <a:latin typeface="Consolas" panose="020B0609020204030204" pitchFamily="49" charset="0"/>
-                <a:sym typeface="Wingdings" panose="05000000000000000000" pitchFamily="2" charset="2"/>
-              </a:rPr>
-              <a:t>sufraceCreated</a:t>
-            </a:r>
-            <a:r>
-              <a:rPr lang="en-US" altLang="ko-KR" b="1" dirty="0" smtClean="0">
-                <a:latin typeface="Consolas" panose="020B0609020204030204" pitchFamily="49" charset="0"/>
-                <a:sym typeface="Wingdings" panose="05000000000000000000" pitchFamily="2" charset="2"/>
-              </a:rPr>
-              <a:t>(), </a:t>
-            </a:r>
-            <a:r>
-              <a:rPr lang="en-US" altLang="ko-KR" b="1" dirty="0" err="1" smtClean="0">
-                <a:latin typeface="Consolas" panose="020B0609020204030204" pitchFamily="49" charset="0"/>
-                <a:sym typeface="Wingdings" panose="05000000000000000000" pitchFamily="2" charset="2"/>
-              </a:rPr>
-              <a:t>surfaceChange</a:t>
-            </a:r>
-            <a:r>
-              <a:rPr lang="en-US" altLang="ko-KR" b="1" dirty="0" smtClean="0">
-                <a:latin typeface="Consolas" panose="020B0609020204030204" pitchFamily="49" charset="0"/>
-                <a:sym typeface="Wingdings" panose="05000000000000000000" pitchFamily="2" charset="2"/>
-              </a:rPr>
-              <a:t>(), </a:t>
-            </a:r>
-            <a:r>
-              <a:rPr lang="en-US" altLang="ko-KR" b="1" dirty="0" err="1" smtClean="0">
-                <a:latin typeface="Consolas" panose="020B0609020204030204" pitchFamily="49" charset="0"/>
-                <a:sym typeface="Wingdings" panose="05000000000000000000" pitchFamily="2" charset="2"/>
-              </a:rPr>
-              <a:t>surfaceDestroyed</a:t>
-            </a:r>
-            <a:r>
-              <a:rPr lang="en-US" altLang="ko-KR" b="1" dirty="0" smtClean="0">
-                <a:latin typeface="Consolas" panose="020B0609020204030204" pitchFamily="49" charset="0"/>
-                <a:sym typeface="Wingdings" panose="05000000000000000000" pitchFamily="2" charset="2"/>
-              </a:rPr>
-              <a:t>()</a:t>
-            </a:r>
-            <a:endParaRPr lang="en-US" altLang="ko-KR" b="1" dirty="0">
-              <a:latin typeface="Consolas" panose="020B0609020204030204" pitchFamily="49" charset="0"/>
+              <a:t>코딩</a:t>
+            </a:r>
+            <a:endParaRPr lang="en-US" altLang="ko-KR" b="1" dirty="0" smtClean="0">
               <a:sym typeface="Wingdings" panose="05000000000000000000" pitchFamily="2" charset="2"/>
             </a:endParaRPr>
           </a:p>
@@ -18048,394 +17669,550 @@
               <a:rPr lang="ko-KR" altLang="en-US" dirty="0" smtClean="0">
                 <a:sym typeface="Wingdings" panose="05000000000000000000" pitchFamily="2" charset="2"/>
               </a:rPr>
-              <a:t>앞에 설명한 대로</a:t>
-            </a:r>
-            <a:r>
-              <a:rPr lang="en-US" altLang="ko-KR" dirty="0" smtClean="0">
+              <a:t>카메라 </a:t>
+            </a:r>
+            <a:r>
+              <a:rPr lang="ko-KR" altLang="en-US" dirty="0" err="1" smtClean="0">
+                <a:sym typeface="Wingdings" panose="05000000000000000000" pitchFamily="2" charset="2"/>
+              </a:rPr>
+              <a:t>미리보기를</a:t>
+            </a:r>
+            <a:r>
+              <a:rPr lang="ko-KR" altLang="en-US" dirty="0" smtClean="0">
+                <a:sym typeface="Wingdings" panose="05000000000000000000" pitchFamily="2" charset="2"/>
+              </a:rPr>
+              <a:t> 구현하는 </a:t>
+            </a:r>
+            <a:r>
+              <a:rPr lang="en-US" altLang="ko-KR" dirty="0" err="1" smtClean="0">
+                <a:sym typeface="Wingdings" panose="05000000000000000000" pitchFamily="2" charset="2"/>
+              </a:rPr>
+              <a:t>CameraSurfaceView</a:t>
+            </a:r>
+            <a:r>
+              <a:rPr lang="en-US" altLang="ko-KR" dirty="0" smtClean="0">
+                <a:sym typeface="Wingdings" panose="05000000000000000000" pitchFamily="2" charset="2"/>
+              </a:rPr>
+              <a:t> </a:t>
+            </a:r>
+            <a:r>
+              <a:rPr lang="ko-KR" altLang="en-US" dirty="0" smtClean="0">
+                <a:sym typeface="Wingdings" panose="05000000000000000000" pitchFamily="2" charset="2"/>
+              </a:rPr>
+              <a:t>는 </a:t>
+            </a:r>
+            <a:r>
+              <a:rPr lang="en-US" altLang="ko-KR" dirty="0" err="1" smtClean="0">
+                <a:sym typeface="Wingdings" panose="05000000000000000000" pitchFamily="2" charset="2"/>
+              </a:rPr>
+              <a:t>SurfaceView</a:t>
+            </a:r>
+            <a:r>
+              <a:rPr lang="ko-KR" altLang="en-US" dirty="0" smtClean="0">
+                <a:sym typeface="Wingdings" panose="05000000000000000000" pitchFamily="2" charset="2"/>
+              </a:rPr>
+              <a:t>를 상속받아 새로 정의한 후</a:t>
+            </a:r>
+            <a:r>
+              <a:rPr lang="en-US" altLang="ko-KR" dirty="0" smtClean="0">
+                <a:sym typeface="Wingdings" panose="05000000000000000000" pitchFamily="2" charset="2"/>
+              </a:rPr>
+              <a:t>, XML </a:t>
+            </a:r>
+            <a:r>
+              <a:rPr lang="ko-KR" altLang="en-US" dirty="0" smtClean="0">
+                <a:sym typeface="Wingdings" panose="05000000000000000000" pitchFamily="2" charset="2"/>
+              </a:rPr>
+              <a:t>레이아웃에 정의된 </a:t>
+            </a:r>
+            <a:r>
+              <a:rPr lang="en-US" altLang="ko-KR" dirty="0" err="1" smtClean="0">
+                <a:sym typeface="Wingdings" panose="05000000000000000000" pitchFamily="2" charset="2"/>
+              </a:rPr>
+              <a:t>FrameLayout</a:t>
+            </a:r>
+            <a:r>
+              <a:rPr lang="ko-KR" altLang="en-US" dirty="0" smtClean="0">
+                <a:sym typeface="Wingdings" panose="05000000000000000000" pitchFamily="2" charset="2"/>
+              </a:rPr>
+              <a:t>에 추가합니다</a:t>
+            </a:r>
+            <a:r>
+              <a:rPr lang="en-US" altLang="ko-KR" dirty="0" smtClean="0">
+                <a:sym typeface="Wingdings" panose="05000000000000000000" pitchFamily="2" charset="2"/>
+              </a:rPr>
+              <a:t>. </a:t>
+            </a:r>
+          </a:p>
+          <a:p>
+            <a:r>
+              <a:rPr lang="en-US" altLang="ko-KR" dirty="0" smtClean="0">
+                <a:sym typeface="Wingdings" panose="05000000000000000000" pitchFamily="2" charset="2"/>
+              </a:rPr>
+              <a:t>[</a:t>
+            </a:r>
+            <a:r>
+              <a:rPr lang="ko-KR" altLang="en-US" dirty="0" smtClean="0">
+                <a:sym typeface="Wingdings" panose="05000000000000000000" pitchFamily="2" charset="2"/>
+              </a:rPr>
+              <a:t>사진찍기</a:t>
+            </a:r>
+            <a:r>
+              <a:rPr lang="en-US" altLang="ko-KR" dirty="0" smtClean="0">
+                <a:sym typeface="Wingdings" panose="05000000000000000000" pitchFamily="2" charset="2"/>
+              </a:rPr>
+              <a:t>] </a:t>
+            </a:r>
+            <a:r>
+              <a:rPr lang="ko-KR" altLang="en-US" dirty="0" smtClean="0">
+                <a:sym typeface="Wingdings" panose="05000000000000000000" pitchFamily="2" charset="2"/>
+              </a:rPr>
+              <a:t>버튼을 누르면 사진을 한 장 찍어 미디어 앨범에 추가하게 되는데 사진을 찍은 결과를 처리하는 코드는 </a:t>
+            </a:r>
+            <a:r>
+              <a:rPr lang="en-US" altLang="ko-KR" dirty="0" err="1" smtClean="0">
+                <a:sym typeface="Wingdings" panose="05000000000000000000" pitchFamily="2" charset="2"/>
+              </a:rPr>
+              <a:t>PictureCallback</a:t>
+            </a:r>
+            <a:r>
+              <a:rPr lang="en-US" altLang="ko-KR" dirty="0" smtClean="0">
+                <a:sym typeface="Wingdings" panose="05000000000000000000" pitchFamily="2" charset="2"/>
+              </a:rPr>
+              <a:t> </a:t>
+            </a:r>
+            <a:r>
+              <a:rPr lang="ko-KR" altLang="en-US" dirty="0" smtClean="0">
+                <a:sym typeface="Wingdings" panose="05000000000000000000" pitchFamily="2" charset="2"/>
+              </a:rPr>
+              <a:t>인터페이스를 구현하는 부분에 들어 있습니다</a:t>
+            </a:r>
+            <a:r>
+              <a:rPr lang="en-US" altLang="ko-KR" dirty="0" smtClean="0">
+                <a:sym typeface="Wingdings" panose="05000000000000000000" pitchFamily="2" charset="2"/>
+              </a:rPr>
+              <a:t>. </a:t>
+            </a:r>
+            <a:r>
+              <a:rPr lang="ko-KR" altLang="en-US" dirty="0" smtClean="0">
+                <a:sym typeface="Wingdings" panose="05000000000000000000" pitchFamily="2" charset="2"/>
+              </a:rPr>
+              <a:t>이 인터페이스는 </a:t>
+            </a:r>
+            <a:r>
+              <a:rPr lang="en-US" altLang="ko-KR" dirty="0" err="1" smtClean="0">
+                <a:sym typeface="Wingdings" panose="05000000000000000000" pitchFamily="2" charset="2"/>
+              </a:rPr>
+              <a:t>CameraSurfaceView</a:t>
+            </a:r>
+            <a:r>
+              <a:rPr lang="ko-KR" altLang="en-US" dirty="0" smtClean="0">
+                <a:sym typeface="Wingdings" panose="05000000000000000000" pitchFamily="2" charset="2"/>
+              </a:rPr>
+              <a:t>에 정의된 </a:t>
+            </a:r>
+            <a:r>
+              <a:rPr lang="en-US" altLang="ko-KR" dirty="0" smtClean="0">
+                <a:sym typeface="Wingdings" panose="05000000000000000000" pitchFamily="2" charset="2"/>
+              </a:rPr>
+              <a:t>capture() </a:t>
+            </a:r>
+            <a:r>
+              <a:rPr lang="ko-KR" altLang="en-US" dirty="0" smtClean="0">
+                <a:sym typeface="Wingdings" panose="05000000000000000000" pitchFamily="2" charset="2"/>
+              </a:rPr>
+              <a:t>메소드를 호출할 때 전달됩니다</a:t>
+            </a:r>
+            <a:r>
+              <a:rPr lang="en-US" altLang="ko-KR" dirty="0" smtClean="0">
+                <a:sym typeface="Wingdings" panose="05000000000000000000" pitchFamily="2" charset="2"/>
+              </a:rPr>
+              <a:t>. </a:t>
+            </a:r>
+          </a:p>
+          <a:p>
+            <a:pPr lvl="1"/>
+            <a:r>
+              <a:rPr lang="en-US" altLang="ko-KR" b="1" dirty="0" smtClean="0">
+                <a:latin typeface="Consolas" panose="020B0609020204030204" pitchFamily="49" charset="0"/>
+                <a:sym typeface="Wingdings" panose="05000000000000000000" pitchFamily="2" charset="2"/>
+              </a:rPr>
+              <a:t>public abstract void </a:t>
+            </a:r>
+            <a:r>
+              <a:rPr lang="en-US" altLang="ko-KR" b="1" dirty="0" err="1" smtClean="0">
+                <a:latin typeface="Consolas" panose="020B0609020204030204" pitchFamily="49" charset="0"/>
+                <a:sym typeface="Wingdings" panose="05000000000000000000" pitchFamily="2" charset="2"/>
+              </a:rPr>
+              <a:t>onPictureTaken</a:t>
+            </a:r>
+            <a:r>
+              <a:rPr lang="en-US" altLang="ko-KR" b="1" dirty="0" smtClean="0">
+                <a:latin typeface="Consolas" panose="020B0609020204030204" pitchFamily="49" charset="0"/>
+                <a:sym typeface="Wingdings" panose="05000000000000000000" pitchFamily="2" charset="2"/>
+              </a:rPr>
+              <a:t>(byte[] data, Camera camera) </a:t>
+            </a:r>
+          </a:p>
+          <a:p>
+            <a:r>
+              <a:rPr lang="ko-KR" altLang="en-US" dirty="0" smtClean="0">
+                <a:sym typeface="Wingdings" panose="05000000000000000000" pitchFamily="2" charset="2"/>
+              </a:rPr>
+              <a:t>사진을 찍을 때 자동으로 호출되는 </a:t>
+            </a:r>
+            <a:r>
+              <a:rPr lang="en-US" altLang="ko-KR" dirty="0" err="1" smtClean="0">
+                <a:sym typeface="Wingdings" panose="05000000000000000000" pitchFamily="2" charset="2"/>
+              </a:rPr>
+              <a:t>onPictureTaken</a:t>
+            </a:r>
+            <a:r>
+              <a:rPr lang="en-US" altLang="ko-KR" dirty="0" smtClean="0">
+                <a:sym typeface="Wingdings" panose="05000000000000000000" pitchFamily="2" charset="2"/>
+              </a:rPr>
+              <a:t>() </a:t>
+            </a:r>
+            <a:r>
+              <a:rPr lang="ko-KR" altLang="en-US" dirty="0" err="1" smtClean="0">
+                <a:sym typeface="Wingdings" panose="05000000000000000000" pitchFamily="2" charset="2"/>
+              </a:rPr>
+              <a:t>메소드로</a:t>
+            </a:r>
+            <a:r>
+              <a:rPr lang="ko-KR" altLang="en-US" dirty="0" smtClean="0">
+                <a:sym typeface="Wingdings" panose="05000000000000000000" pitchFamily="2" charset="2"/>
+              </a:rPr>
+              <a:t> </a:t>
+            </a:r>
+            <a:r>
+              <a:rPr lang="ko-KR" altLang="en-US" dirty="0" err="1" smtClean="0">
+                <a:sym typeface="Wingdings" panose="05000000000000000000" pitchFamily="2" charset="2"/>
+              </a:rPr>
+              <a:t>캡쳐한</a:t>
+            </a:r>
+            <a:r>
+              <a:rPr lang="ko-KR" altLang="en-US" dirty="0" smtClean="0">
+                <a:sym typeface="Wingdings" panose="05000000000000000000" pitchFamily="2" charset="2"/>
+              </a:rPr>
+              <a:t> 이미지 데이터가 전달 됩니다</a:t>
+            </a:r>
+            <a:r>
+              <a:rPr lang="en-US" altLang="ko-KR" dirty="0" smtClean="0">
+                <a:sym typeface="Wingdings" panose="05000000000000000000" pitchFamily="2" charset="2"/>
+              </a:rPr>
+              <a:t>. </a:t>
+            </a:r>
+          </a:p>
+          <a:p>
+            <a:r>
+              <a:rPr lang="ko-KR" altLang="en-US" dirty="0" smtClean="0">
+                <a:sym typeface="Wingdings" panose="05000000000000000000" pitchFamily="2" charset="2"/>
+              </a:rPr>
+              <a:t>그런 다음 이 데이터를 비트맵으로 만들고 </a:t>
+            </a:r>
+            <a:r>
+              <a:rPr lang="en-US" altLang="ko-KR" dirty="0" err="1" smtClean="0">
+                <a:sym typeface="Wingdings" panose="05000000000000000000" pitchFamily="2" charset="2"/>
+              </a:rPr>
+              <a:t>MediaStore.Images.Media</a:t>
+            </a:r>
+            <a:r>
+              <a:rPr lang="en-US" altLang="ko-KR" dirty="0" smtClean="0">
+                <a:sym typeface="Wingdings" panose="05000000000000000000" pitchFamily="2" charset="2"/>
+              </a:rPr>
+              <a:t> </a:t>
+            </a:r>
+            <a:r>
+              <a:rPr lang="ko-KR" altLang="en-US" dirty="0" smtClean="0">
+                <a:sym typeface="Wingdings" panose="05000000000000000000" pitchFamily="2" charset="2"/>
+              </a:rPr>
+              <a:t>에 정의된 </a:t>
+            </a:r>
+            <a:r>
+              <a:rPr lang="en-US" altLang="ko-KR" dirty="0" err="1" smtClean="0">
+                <a:sym typeface="Wingdings" panose="05000000000000000000" pitchFamily="2" charset="2"/>
+              </a:rPr>
+              <a:t>insertImage</a:t>
+            </a:r>
+            <a:r>
+              <a:rPr lang="en-US" altLang="ko-KR" dirty="0" smtClean="0">
+                <a:sym typeface="Wingdings" panose="05000000000000000000" pitchFamily="2" charset="2"/>
+              </a:rPr>
+              <a:t>() </a:t>
+            </a:r>
+            <a:r>
+              <a:rPr lang="ko-KR" altLang="en-US" dirty="0" smtClean="0">
+                <a:sym typeface="Wingdings" panose="05000000000000000000" pitchFamily="2" charset="2"/>
+              </a:rPr>
+              <a:t>메소드를 이용하여 앨범에 추가합니다</a:t>
+            </a:r>
+            <a:r>
+              <a:rPr lang="en-US" altLang="ko-KR" dirty="0" smtClean="0">
+                <a:sym typeface="Wingdings" panose="05000000000000000000" pitchFamily="2" charset="2"/>
+              </a:rPr>
+              <a:t>. </a:t>
+            </a:r>
+          </a:p>
+          <a:p>
+            <a:r>
+              <a:rPr lang="ko-KR" altLang="en-US" dirty="0" smtClean="0">
+                <a:sym typeface="Wingdings" panose="05000000000000000000" pitchFamily="2" charset="2"/>
+              </a:rPr>
+              <a:t>이미지 데이터를 비트맵으로 만들기 위해서는 </a:t>
+            </a:r>
+            <a:r>
+              <a:rPr lang="en-US" altLang="ko-KR" dirty="0" err="1" smtClean="0">
+                <a:sym typeface="Wingdings" panose="05000000000000000000" pitchFamily="2" charset="2"/>
+              </a:rPr>
+              <a:t>BitmapFactory</a:t>
+            </a:r>
+            <a:r>
+              <a:rPr lang="en-US" altLang="ko-KR" dirty="0" smtClean="0">
+                <a:sym typeface="Wingdings" panose="05000000000000000000" pitchFamily="2" charset="2"/>
+              </a:rPr>
+              <a:t> </a:t>
+            </a:r>
+            <a:r>
+              <a:rPr lang="ko-KR" altLang="en-US" dirty="0" smtClean="0">
+                <a:sym typeface="Wingdings" panose="05000000000000000000" pitchFamily="2" charset="2"/>
+              </a:rPr>
+              <a:t>클래스에 정의된 </a:t>
+            </a:r>
+            <a:r>
+              <a:rPr lang="en-US" altLang="ko-KR" dirty="0" err="1" smtClean="0">
+                <a:sym typeface="Wingdings" panose="05000000000000000000" pitchFamily="2" charset="2"/>
+              </a:rPr>
+              <a:t>decodeByteArray</a:t>
+            </a:r>
+            <a:r>
+              <a:rPr lang="en-US" altLang="ko-KR" dirty="0" smtClean="0">
+                <a:sym typeface="Wingdings" panose="05000000000000000000" pitchFamily="2" charset="2"/>
+              </a:rPr>
+              <a:t>() </a:t>
+            </a:r>
+            <a:r>
+              <a:rPr lang="ko-KR" altLang="en-US" dirty="0" smtClean="0">
+                <a:sym typeface="Wingdings" panose="05000000000000000000" pitchFamily="2" charset="2"/>
+              </a:rPr>
+              <a:t>메소드를 이용합니다</a:t>
+            </a:r>
+            <a:r>
+              <a:rPr lang="en-US" altLang="ko-KR" dirty="0" smtClean="0">
+                <a:sym typeface="Wingdings" panose="05000000000000000000" pitchFamily="2" charset="2"/>
+              </a:rPr>
+              <a:t>. </a:t>
+            </a:r>
+            <a:r>
+              <a:rPr lang="en-US" altLang="ko-KR" dirty="0" err="1" smtClean="0">
+                <a:sym typeface="Wingdings" panose="05000000000000000000" pitchFamily="2" charset="2"/>
+              </a:rPr>
+              <a:t>insertImage</a:t>
+            </a:r>
+            <a:r>
+              <a:rPr lang="en-US" altLang="ko-KR" dirty="0" smtClean="0">
+                <a:sym typeface="Wingdings" panose="05000000000000000000" pitchFamily="2" charset="2"/>
+              </a:rPr>
+              <a:t>() </a:t>
+            </a:r>
+            <a:r>
+              <a:rPr lang="ko-KR" altLang="en-US" dirty="0" err="1" smtClean="0">
+                <a:sym typeface="Wingdings" panose="05000000000000000000" pitchFamily="2" charset="2"/>
+              </a:rPr>
+              <a:t>메소드는</a:t>
+            </a:r>
+            <a:r>
+              <a:rPr lang="ko-KR" altLang="en-US" dirty="0" smtClean="0">
+                <a:sym typeface="Wingdings" panose="05000000000000000000" pitchFamily="2" charset="2"/>
+              </a:rPr>
+              <a:t> 이미지를 간단히 추가할 수 있도록 정의된 </a:t>
+            </a:r>
+            <a:r>
+              <a:rPr lang="ko-KR" altLang="en-US" dirty="0" err="1" smtClean="0">
+                <a:sym typeface="Wingdings" panose="05000000000000000000" pitchFamily="2" charset="2"/>
+              </a:rPr>
+              <a:t>메소드입니다</a:t>
+            </a:r>
+            <a:r>
+              <a:rPr lang="en-US" altLang="ko-KR" dirty="0" smtClean="0">
+                <a:sym typeface="Wingdings" panose="05000000000000000000" pitchFamily="2" charset="2"/>
+              </a:rPr>
+              <a:t>.</a:t>
+            </a:r>
+          </a:p>
+          <a:p>
+            <a:pPr marL="742950" lvl="2" indent="-342900">
+              <a:buClr>
+                <a:schemeClr val="accent2"/>
+              </a:buClr>
+              <a:buSzTx/>
+            </a:pPr>
+            <a:r>
+              <a:rPr lang="en-US" altLang="ko-KR" sz="1800" b="1" dirty="0">
+                <a:latin typeface="Consolas" panose="020B0609020204030204" pitchFamily="49" charset="0"/>
+                <a:sym typeface="Wingdings" panose="05000000000000000000" pitchFamily="2" charset="2"/>
+              </a:rPr>
+              <a:t>public </a:t>
+            </a:r>
+            <a:r>
+              <a:rPr lang="en-US" altLang="ko-KR" sz="1800" b="1" dirty="0" smtClean="0">
+                <a:latin typeface="Consolas" panose="020B0609020204030204" pitchFamily="49" charset="0"/>
+                <a:sym typeface="Wingdings" panose="05000000000000000000" pitchFamily="2" charset="2"/>
+              </a:rPr>
+              <a:t>static final String </a:t>
+            </a:r>
+            <a:r>
+              <a:rPr lang="en-US" altLang="ko-KR" sz="1800" b="1" dirty="0" err="1" smtClean="0">
+                <a:latin typeface="Consolas" panose="020B0609020204030204" pitchFamily="49" charset="0"/>
+                <a:sym typeface="Wingdings" panose="05000000000000000000" pitchFamily="2" charset="2"/>
+              </a:rPr>
+              <a:t>insertImage</a:t>
+            </a:r>
+            <a:r>
+              <a:rPr lang="en-US" altLang="ko-KR" sz="1800" b="1" dirty="0" smtClean="0">
+                <a:latin typeface="Consolas" panose="020B0609020204030204" pitchFamily="49" charset="0"/>
+                <a:sym typeface="Wingdings" panose="05000000000000000000" pitchFamily="2" charset="2"/>
+              </a:rPr>
+              <a:t>(</a:t>
+            </a:r>
+            <a:r>
+              <a:rPr lang="en-US" altLang="ko-KR" sz="1800" b="1" dirty="0" err="1" smtClean="0">
+                <a:latin typeface="Consolas" panose="020B0609020204030204" pitchFamily="49" charset="0"/>
+                <a:sym typeface="Wingdings" panose="05000000000000000000" pitchFamily="2" charset="2"/>
+              </a:rPr>
+              <a:t>ContentResolver</a:t>
+            </a:r>
+            <a:r>
+              <a:rPr lang="en-US" altLang="ko-KR" sz="1800" b="1" dirty="0" smtClean="0">
+                <a:latin typeface="Consolas" panose="020B0609020204030204" pitchFamily="49" charset="0"/>
+                <a:sym typeface="Wingdings" panose="05000000000000000000" pitchFamily="2" charset="2"/>
+              </a:rPr>
+              <a:t> </a:t>
+            </a:r>
+            <a:r>
+              <a:rPr lang="en-US" altLang="ko-KR" sz="1800" b="1" dirty="0" err="1" smtClean="0">
+                <a:latin typeface="Consolas" panose="020B0609020204030204" pitchFamily="49" charset="0"/>
+                <a:sym typeface="Wingdings" panose="05000000000000000000" pitchFamily="2" charset="2"/>
+              </a:rPr>
+              <a:t>cs</a:t>
+            </a:r>
+            <a:r>
+              <a:rPr lang="en-US" altLang="ko-KR" sz="1800" b="1" dirty="0" smtClean="0">
+                <a:latin typeface="Consolas" panose="020B0609020204030204" pitchFamily="49" charset="0"/>
+                <a:sym typeface="Wingdings" panose="05000000000000000000" pitchFamily="2" charset="2"/>
+              </a:rPr>
+              <a:t>, Bitmap source, String title, String description) </a:t>
+            </a:r>
+          </a:p>
+          <a:p>
+            <a:pPr marL="742950" lvl="2" indent="-342900">
+              <a:buClr>
+                <a:schemeClr val="accent2"/>
+              </a:buClr>
+              <a:buSzTx/>
+            </a:pPr>
+            <a:r>
+              <a:rPr lang="ko-KR" altLang="en-US" sz="1800" dirty="0" smtClean="0">
+                <a:latin typeface="Consolas" panose="020B0609020204030204" pitchFamily="49" charset="0"/>
+                <a:sym typeface="Wingdings" panose="05000000000000000000" pitchFamily="2" charset="2"/>
+              </a:rPr>
+              <a:t>첫째 </a:t>
+            </a:r>
+            <a:r>
+              <a:rPr lang="ko-KR" altLang="en-US" sz="1800" dirty="0" err="1" smtClean="0">
+                <a:latin typeface="Consolas" panose="020B0609020204030204" pitchFamily="49" charset="0"/>
+                <a:sym typeface="Wingdings" panose="05000000000000000000" pitchFamily="2" charset="2"/>
+              </a:rPr>
+              <a:t>파라미터는</a:t>
+            </a:r>
+            <a:r>
+              <a:rPr lang="ko-KR" altLang="en-US" sz="1800" dirty="0" smtClean="0">
+                <a:latin typeface="Consolas" panose="020B0609020204030204" pitchFamily="49" charset="0"/>
+                <a:sym typeface="Wingdings" panose="05000000000000000000" pitchFamily="2" charset="2"/>
+              </a:rPr>
+              <a:t> </a:t>
+            </a:r>
+            <a:r>
+              <a:rPr lang="en-US" altLang="ko-KR" sz="1800" dirty="0" err="1" smtClean="0">
+                <a:latin typeface="Consolas" panose="020B0609020204030204" pitchFamily="49" charset="0"/>
+                <a:sym typeface="Wingdings" panose="05000000000000000000" pitchFamily="2" charset="2"/>
+              </a:rPr>
+              <a:t>ContentResolver</a:t>
+            </a:r>
+            <a:r>
+              <a:rPr lang="en-US" altLang="ko-KR" sz="1800" dirty="0" smtClean="0">
+                <a:latin typeface="Consolas" panose="020B0609020204030204" pitchFamily="49" charset="0"/>
+                <a:sym typeface="Wingdings" panose="05000000000000000000" pitchFamily="2" charset="2"/>
+              </a:rPr>
+              <a:t> </a:t>
+            </a:r>
+            <a:r>
+              <a:rPr lang="ko-KR" altLang="en-US" sz="1800" dirty="0" smtClean="0">
+                <a:latin typeface="Consolas" panose="020B0609020204030204" pitchFamily="49" charset="0"/>
+                <a:sym typeface="Wingdings" panose="05000000000000000000" pitchFamily="2" charset="2"/>
+              </a:rPr>
+              <a:t>객체</a:t>
+            </a:r>
+            <a:r>
+              <a:rPr lang="en-US" altLang="ko-KR" sz="1800" dirty="0" smtClean="0">
+                <a:latin typeface="Consolas" panose="020B0609020204030204" pitchFamily="49" charset="0"/>
                 <a:sym typeface="Wingdings" panose="05000000000000000000" pitchFamily="2" charset="2"/>
               </a:rPr>
               <a:t>, </a:t>
             </a:r>
             <a:r>
-              <a:rPr lang="ko-KR" altLang="en-US" dirty="0" smtClean="0">
-                <a:sym typeface="Wingdings" panose="05000000000000000000" pitchFamily="2" charset="2"/>
-              </a:rPr>
-              <a:t>서피스홀더의 타입은 </a:t>
-            </a:r>
-            <a:r>
-              <a:rPr lang="en-US" altLang="ko-KR" dirty="0" err="1" smtClean="0">
-                <a:sym typeface="Wingdings" panose="05000000000000000000" pitchFamily="2" charset="2"/>
-              </a:rPr>
-              <a:t>setType</a:t>
-            </a:r>
-            <a:r>
-              <a:rPr lang="en-US" altLang="ko-KR" dirty="0" smtClean="0">
-                <a:sym typeface="Wingdings" panose="05000000000000000000" pitchFamily="2" charset="2"/>
-              </a:rPr>
-              <a:t>() </a:t>
-            </a:r>
-            <a:r>
-              <a:rPr lang="ko-KR" altLang="en-US" dirty="0" smtClean="0">
-                <a:sym typeface="Wingdings" panose="05000000000000000000" pitchFamily="2" charset="2"/>
-              </a:rPr>
-              <a:t>메소드를 사용해 </a:t>
-            </a:r>
-            <a:r>
-              <a:rPr lang="en-US" altLang="ko-KR" dirty="0" err="1" smtClean="0">
-                <a:sym typeface="Wingdings" panose="05000000000000000000" pitchFamily="2" charset="2"/>
-              </a:rPr>
-              <a:t>SurfaceHolder.SURFACE_TYPE_PUSH_BUFFERS</a:t>
-            </a:r>
-            <a:r>
-              <a:rPr lang="en-US" altLang="ko-KR" dirty="0" smtClean="0">
-                <a:sym typeface="Wingdings" panose="05000000000000000000" pitchFamily="2" charset="2"/>
-              </a:rPr>
-              <a:t> </a:t>
-            </a:r>
-            <a:r>
-              <a:rPr lang="ko-KR" altLang="en-US" dirty="0" smtClean="0">
-                <a:sym typeface="Wingdings" panose="05000000000000000000" pitchFamily="2" charset="2"/>
-              </a:rPr>
-              <a:t>로 설정합니다</a:t>
-            </a:r>
-            <a:r>
-              <a:rPr lang="en-US" altLang="ko-KR" dirty="0" smtClean="0">
+              <a:rPr lang="ko-KR" altLang="en-US" sz="1800" dirty="0" smtClean="0">
+                <a:latin typeface="Consolas" panose="020B0609020204030204" pitchFamily="49" charset="0"/>
+                <a:sym typeface="Wingdings" panose="05000000000000000000" pitchFamily="2" charset="2"/>
+              </a:rPr>
+              <a:t>둘째 </a:t>
+            </a:r>
+            <a:r>
+              <a:rPr lang="ko-KR" altLang="en-US" sz="1800" dirty="0" err="1" smtClean="0">
+                <a:latin typeface="Consolas" panose="020B0609020204030204" pitchFamily="49" charset="0"/>
+                <a:sym typeface="Wingdings" panose="05000000000000000000" pitchFamily="2" charset="2"/>
+              </a:rPr>
+              <a:t>파라미터는</a:t>
+            </a:r>
+            <a:r>
+              <a:rPr lang="ko-KR" altLang="en-US" sz="1800" dirty="0" smtClean="0">
+                <a:latin typeface="Consolas" panose="020B0609020204030204" pitchFamily="49" charset="0"/>
+                <a:sym typeface="Wingdings" panose="05000000000000000000" pitchFamily="2" charset="2"/>
+              </a:rPr>
+              <a:t> 메모리에 만들어진 비트맵 객체 그리고 세 번째와 네 번째 </a:t>
+            </a:r>
+            <a:r>
+              <a:rPr lang="ko-KR" altLang="en-US" sz="1800" dirty="0" err="1" smtClean="0">
+                <a:latin typeface="Consolas" panose="020B0609020204030204" pitchFamily="49" charset="0"/>
+                <a:sym typeface="Wingdings" panose="05000000000000000000" pitchFamily="2" charset="2"/>
+              </a:rPr>
+              <a:t>파라미터는</a:t>
+            </a:r>
+            <a:r>
+              <a:rPr lang="ko-KR" altLang="en-US" sz="1800" dirty="0" smtClean="0">
+                <a:latin typeface="Consolas" panose="020B0609020204030204" pitchFamily="49" charset="0"/>
+                <a:sym typeface="Wingdings" panose="05000000000000000000" pitchFamily="2" charset="2"/>
+              </a:rPr>
+              <a:t> 그 비트맵 이미지의 제목과 내용이 들어갑니다</a:t>
+            </a:r>
+            <a:r>
+              <a:rPr lang="en-US" altLang="ko-KR" sz="1800" dirty="0" smtClean="0">
+                <a:latin typeface="Consolas" panose="020B0609020204030204" pitchFamily="49" charset="0"/>
                 <a:sym typeface="Wingdings" panose="05000000000000000000" pitchFamily="2" charset="2"/>
               </a:rPr>
               <a:t>. </a:t>
             </a:r>
-          </a:p>
-          <a:p>
-            <a:r>
-              <a:rPr lang="ko-KR" altLang="en-US" dirty="0" err="1" smtClean="0">
-                <a:sym typeface="Wingdings" panose="05000000000000000000" pitchFamily="2" charset="2"/>
-              </a:rPr>
-              <a:t>생성자</a:t>
-            </a:r>
-            <a:r>
-              <a:rPr lang="ko-KR" altLang="en-US" dirty="0" smtClean="0">
-                <a:sym typeface="Wingdings" panose="05000000000000000000" pitchFamily="2" charset="2"/>
-              </a:rPr>
-              <a:t> 부분에는 이렇게 타입을 하는 것 외에도 </a:t>
-            </a:r>
-            <a:r>
-              <a:rPr lang="ko-KR" altLang="en-US" dirty="0" err="1" smtClean="0">
-                <a:sym typeface="Wingdings" panose="05000000000000000000" pitchFamily="2" charset="2"/>
-              </a:rPr>
-              <a:t>서피스뷰를</a:t>
-            </a:r>
-            <a:r>
-              <a:rPr lang="ko-KR" altLang="en-US" dirty="0" smtClean="0">
-                <a:sym typeface="Wingdings" panose="05000000000000000000" pitchFamily="2" charset="2"/>
-              </a:rPr>
-              <a:t> 사용하기 위해 필요한 가장 기본적인 과정 즉</a:t>
-            </a:r>
-            <a:r>
-              <a:rPr lang="en-US" altLang="ko-KR" dirty="0" smtClean="0">
-                <a:sym typeface="Wingdings" panose="05000000000000000000" pitchFamily="2" charset="2"/>
-              </a:rPr>
-              <a:t>, </a:t>
-            </a:r>
-            <a:r>
-              <a:rPr lang="ko-KR" altLang="en-US" dirty="0" err="1" smtClean="0">
-                <a:sym typeface="Wingdings" panose="05000000000000000000" pitchFamily="2" charset="2"/>
-              </a:rPr>
-              <a:t>서피스홀더</a:t>
-            </a:r>
-            <a:r>
-              <a:rPr lang="ko-KR" altLang="en-US" dirty="0" smtClean="0">
-                <a:sym typeface="Wingdings" panose="05000000000000000000" pitchFamily="2" charset="2"/>
-              </a:rPr>
-              <a:t> 객체를 </a:t>
-            </a:r>
-            <a:r>
-              <a:rPr lang="en-US" altLang="ko-KR" dirty="0" err="1" smtClean="0">
-                <a:sym typeface="Wingdings" panose="05000000000000000000" pitchFamily="2" charset="2"/>
-              </a:rPr>
-              <a:t>getHolder</a:t>
-            </a:r>
-            <a:r>
-              <a:rPr lang="en-US" altLang="ko-KR" dirty="0" smtClean="0">
-                <a:sym typeface="Wingdings" panose="05000000000000000000" pitchFamily="2" charset="2"/>
-              </a:rPr>
-              <a:t>() </a:t>
-            </a:r>
-            <a:r>
-              <a:rPr lang="ko-KR" altLang="en-US" dirty="0" smtClean="0">
-                <a:sym typeface="Wingdings" panose="05000000000000000000" pitchFamily="2" charset="2"/>
-              </a:rPr>
-              <a:t>메소드를 이용해 참조하는 코드와 서피스홀더의 </a:t>
-            </a:r>
-            <a:r>
-              <a:rPr lang="en-US" altLang="ko-KR" dirty="0" err="1" smtClean="0">
-                <a:sym typeface="Wingdings" panose="05000000000000000000" pitchFamily="2" charset="2"/>
-              </a:rPr>
-              <a:t>addCallback</a:t>
-            </a:r>
-            <a:r>
-              <a:rPr lang="en-US" altLang="ko-KR" dirty="0" smtClean="0">
-                <a:sym typeface="Wingdings" panose="05000000000000000000" pitchFamily="2" charset="2"/>
-              </a:rPr>
-              <a:t>() </a:t>
-            </a:r>
-            <a:r>
-              <a:rPr lang="ko-KR" altLang="en-US" dirty="0" smtClean="0">
-                <a:sym typeface="Wingdings" panose="05000000000000000000" pitchFamily="2" charset="2"/>
-              </a:rPr>
-              <a:t>메소드를 이용해 이 클래스에서 구현된 </a:t>
-            </a:r>
-            <a:r>
-              <a:rPr lang="en-US" altLang="ko-KR" dirty="0" smtClean="0">
-                <a:sym typeface="Wingdings" panose="05000000000000000000" pitchFamily="2" charset="2"/>
-              </a:rPr>
-              <a:t>Callback </a:t>
-            </a:r>
-            <a:r>
-              <a:rPr lang="ko-KR" altLang="en-US" dirty="0" smtClean="0">
-                <a:sym typeface="Wingdings" panose="05000000000000000000" pitchFamily="2" charset="2"/>
-              </a:rPr>
-              <a:t>객체를 지정하는 코드들이 들어갑니다</a:t>
-            </a:r>
-            <a:r>
-              <a:rPr lang="en-US" altLang="ko-KR" dirty="0" smtClean="0">
-                <a:sym typeface="Wingdings" panose="05000000000000000000" pitchFamily="2" charset="2"/>
-              </a:rPr>
-              <a:t>. </a:t>
-            </a:r>
-          </a:p>
-          <a:p>
-            <a:r>
-              <a:rPr lang="ko-KR" altLang="en-US" dirty="0" err="1" smtClean="0">
-                <a:sym typeface="Wingdings" panose="05000000000000000000" pitchFamily="2" charset="2"/>
-              </a:rPr>
-              <a:t>서피스뷰가</a:t>
-            </a:r>
-            <a:r>
-              <a:rPr lang="ko-KR" altLang="en-US" dirty="0" smtClean="0">
-                <a:sym typeface="Wingdings" panose="05000000000000000000" pitchFamily="2" charset="2"/>
-              </a:rPr>
-              <a:t> 만들어지면서 호출되는 </a:t>
-            </a:r>
-            <a:r>
-              <a:rPr lang="en-US" altLang="ko-KR" dirty="0" err="1" smtClean="0">
-                <a:sym typeface="Wingdings" panose="05000000000000000000" pitchFamily="2" charset="2"/>
-              </a:rPr>
-              <a:t>surfaceCreated</a:t>
-            </a:r>
-            <a:r>
-              <a:rPr lang="en-US" altLang="ko-KR" dirty="0" smtClean="0">
-                <a:sym typeface="Wingdings" panose="05000000000000000000" pitchFamily="2" charset="2"/>
-              </a:rPr>
-              <a:t>() </a:t>
-            </a:r>
-            <a:r>
-              <a:rPr lang="ko-KR" altLang="en-US" dirty="0" err="1" smtClean="0">
-                <a:sym typeface="Wingdings" panose="05000000000000000000" pitchFamily="2" charset="2"/>
-              </a:rPr>
-              <a:t>메소드</a:t>
-            </a:r>
-            <a:r>
-              <a:rPr lang="ko-KR" altLang="en-US" dirty="0" smtClean="0">
-                <a:sym typeface="Wingdings" panose="05000000000000000000" pitchFamily="2" charset="2"/>
-              </a:rPr>
-              <a:t> 안에서는 </a:t>
-            </a:r>
-            <a:r>
-              <a:rPr lang="en-US" altLang="ko-KR" dirty="0" err="1" smtClean="0">
-                <a:sym typeface="Wingdings" panose="05000000000000000000" pitchFamily="2" charset="2"/>
-              </a:rPr>
-              <a:t>Camera.open</a:t>
-            </a:r>
-            <a:r>
-              <a:rPr lang="en-US" altLang="ko-KR" dirty="0" smtClean="0">
-                <a:sym typeface="Wingdings" panose="05000000000000000000" pitchFamily="2" charset="2"/>
-              </a:rPr>
-              <a:t>() </a:t>
-            </a:r>
-            <a:r>
-              <a:rPr lang="ko-KR" altLang="en-US" dirty="0" smtClean="0">
-                <a:sym typeface="Wingdings" panose="05000000000000000000" pitchFamily="2" charset="2"/>
-              </a:rPr>
-              <a:t>메소드를 이용해 카메라를 오픈하고 이를 통해 </a:t>
-            </a:r>
-            <a:r>
-              <a:rPr lang="ko-KR" altLang="en-US" dirty="0" err="1" smtClean="0">
-                <a:sym typeface="Wingdings" panose="05000000000000000000" pitchFamily="2" charset="2"/>
-              </a:rPr>
-              <a:t>차몾한</a:t>
-            </a:r>
-            <a:r>
-              <a:rPr lang="ko-KR" altLang="en-US" dirty="0" smtClean="0">
-                <a:sym typeface="Wingdings" panose="05000000000000000000" pitchFamily="2" charset="2"/>
-              </a:rPr>
-              <a:t> 카메라 객체 </a:t>
-            </a:r>
-            <a:r>
-              <a:rPr lang="ko-KR" altLang="en-US" dirty="0" err="1" smtClean="0">
-                <a:sym typeface="Wingdings" panose="05000000000000000000" pitchFamily="2" charset="2"/>
-              </a:rPr>
-              <a:t>서피스홀더</a:t>
-            </a:r>
-            <a:r>
-              <a:rPr lang="ko-KR" altLang="en-US" dirty="0" smtClean="0">
-                <a:sym typeface="Wingdings" panose="05000000000000000000" pitchFamily="2" charset="2"/>
-              </a:rPr>
-              <a:t> 객체를 지정해야 합니다</a:t>
-            </a:r>
-            <a:r>
-              <a:rPr lang="en-US" altLang="ko-KR" dirty="0" smtClean="0">
-                <a:sym typeface="Wingdings" panose="05000000000000000000" pitchFamily="2" charset="2"/>
-              </a:rPr>
-              <a:t>. </a:t>
-            </a:r>
-            <a:r>
-              <a:rPr lang="ko-KR" altLang="en-US" dirty="0" smtClean="0">
-                <a:sym typeface="Wingdings" panose="05000000000000000000" pitchFamily="2" charset="2"/>
-              </a:rPr>
-              <a:t>이를 위해 </a:t>
-            </a:r>
-            <a:r>
-              <a:rPr lang="en-US" altLang="ko-KR" dirty="0" err="1" smtClean="0">
-                <a:sym typeface="Wingdings" panose="05000000000000000000" pitchFamily="2" charset="2"/>
-              </a:rPr>
-              <a:t>setPreviewDisplay</a:t>
-            </a:r>
-            <a:r>
-              <a:rPr lang="en-US" altLang="ko-KR" dirty="0" smtClean="0">
-                <a:sym typeface="Wingdings" panose="05000000000000000000" pitchFamily="2" charset="2"/>
-              </a:rPr>
-              <a:t>() </a:t>
-            </a:r>
-            <a:r>
-              <a:rPr lang="ko-KR" altLang="en-US" dirty="0" smtClean="0">
-                <a:sym typeface="Wingdings" panose="05000000000000000000" pitchFamily="2" charset="2"/>
-              </a:rPr>
-              <a:t>메소드를 사용합니다</a:t>
-            </a:r>
-            <a:r>
-              <a:rPr lang="en-US" altLang="ko-KR" dirty="0" smtClean="0">
-                <a:sym typeface="Wingdings" panose="05000000000000000000" pitchFamily="2" charset="2"/>
-              </a:rPr>
-              <a:t>. </a:t>
-            </a:r>
-          </a:p>
-          <a:p>
-            <a:r>
-              <a:rPr lang="ko-KR" altLang="en-US" dirty="0" err="1" smtClean="0">
-                <a:sym typeface="Wingdings" panose="05000000000000000000" pitchFamily="2" charset="2"/>
-              </a:rPr>
-              <a:t>서피스뷰의</a:t>
-            </a:r>
-            <a:r>
-              <a:rPr lang="ko-KR" altLang="en-US" dirty="0" smtClean="0">
-                <a:sym typeface="Wingdings" panose="05000000000000000000" pitchFamily="2" charset="2"/>
-              </a:rPr>
-              <a:t> 크기가 변경되거나 할 때 호출되는 </a:t>
-            </a:r>
-            <a:r>
-              <a:rPr lang="en-US" altLang="ko-KR" dirty="0" err="1" smtClean="0">
-                <a:sym typeface="Wingdings" panose="05000000000000000000" pitchFamily="2" charset="2"/>
-              </a:rPr>
-              <a:t>surfaceChanged</a:t>
-            </a:r>
-            <a:r>
-              <a:rPr lang="en-US" altLang="ko-KR" dirty="0" smtClean="0">
-                <a:sym typeface="Wingdings" panose="05000000000000000000" pitchFamily="2" charset="2"/>
-              </a:rPr>
-              <a:t>() </a:t>
-            </a:r>
-            <a:r>
-              <a:rPr lang="ko-KR" altLang="en-US" dirty="0" err="1" smtClean="0">
-                <a:sym typeface="Wingdings" panose="05000000000000000000" pitchFamily="2" charset="2"/>
-              </a:rPr>
-              <a:t>메소드</a:t>
-            </a:r>
-            <a:r>
-              <a:rPr lang="ko-KR" altLang="en-US" dirty="0" smtClean="0">
-                <a:sym typeface="Wingdings" panose="05000000000000000000" pitchFamily="2" charset="2"/>
-              </a:rPr>
-              <a:t> 안에서는 </a:t>
-            </a:r>
-            <a:r>
-              <a:rPr lang="en-US" altLang="ko-KR" dirty="0" err="1" smtClean="0">
-                <a:sym typeface="Wingdings" panose="05000000000000000000" pitchFamily="2" charset="2"/>
-              </a:rPr>
-              <a:t>startPreview</a:t>
-            </a:r>
-            <a:r>
-              <a:rPr lang="en-US" altLang="ko-KR" dirty="0" smtClean="0">
-                <a:sym typeface="Wingdings" panose="05000000000000000000" pitchFamily="2" charset="2"/>
-              </a:rPr>
-              <a:t>() </a:t>
-            </a:r>
-            <a:r>
-              <a:rPr lang="ko-KR" altLang="en-US" dirty="0" smtClean="0">
-                <a:sym typeface="Wingdings" panose="05000000000000000000" pitchFamily="2" charset="2"/>
-              </a:rPr>
-              <a:t>메소드를 이용해 </a:t>
-            </a:r>
-            <a:r>
-              <a:rPr lang="ko-KR" altLang="en-US" dirty="0" err="1" smtClean="0">
-                <a:sym typeface="Wingdings" panose="05000000000000000000" pitchFamily="2" charset="2"/>
-              </a:rPr>
-              <a:t>미리보기를</a:t>
-            </a:r>
-            <a:r>
-              <a:rPr lang="ko-KR" altLang="en-US" dirty="0" smtClean="0">
-                <a:sym typeface="Wingdings" panose="05000000000000000000" pitchFamily="2" charset="2"/>
-              </a:rPr>
-              <a:t> 시작하도록 합니다</a:t>
-            </a:r>
-            <a:r>
-              <a:rPr lang="en-US" altLang="ko-KR" dirty="0" smtClean="0">
-                <a:sym typeface="Wingdings" panose="05000000000000000000" pitchFamily="2" charset="2"/>
-              </a:rPr>
-              <a:t>. </a:t>
-            </a:r>
-          </a:p>
-          <a:p>
-            <a:r>
-              <a:rPr lang="ko-KR" altLang="en-US" dirty="0" smtClean="0">
-                <a:sym typeface="Wingdings" panose="05000000000000000000" pitchFamily="2" charset="2"/>
-              </a:rPr>
-              <a:t>만약 카메라의 </a:t>
-            </a:r>
-            <a:r>
-              <a:rPr lang="ko-KR" altLang="en-US" dirty="0" err="1" smtClean="0">
-                <a:sym typeface="Wingdings" panose="05000000000000000000" pitchFamily="2" charset="2"/>
-              </a:rPr>
-              <a:t>파라미터</a:t>
-            </a:r>
-            <a:r>
-              <a:rPr lang="ko-KR" altLang="en-US" dirty="0" smtClean="0">
-                <a:sym typeface="Wingdings" panose="05000000000000000000" pitchFamily="2" charset="2"/>
-              </a:rPr>
-              <a:t> 설정이 필요하다면 </a:t>
-            </a:r>
-            <a:r>
-              <a:rPr lang="en-US" altLang="ko-KR" dirty="0" err="1" smtClean="0">
-                <a:sym typeface="Wingdings" panose="05000000000000000000" pitchFamily="2" charset="2"/>
-              </a:rPr>
-              <a:t>setParameters</a:t>
-            </a:r>
-            <a:r>
-              <a:rPr lang="en-US" altLang="ko-KR" dirty="0" smtClean="0">
-                <a:sym typeface="Wingdings" panose="05000000000000000000" pitchFamily="2" charset="2"/>
-              </a:rPr>
-              <a:t>() </a:t>
-            </a:r>
-            <a:r>
-              <a:rPr lang="ko-KR" altLang="en-US" dirty="0" smtClean="0">
-                <a:sym typeface="Wingdings" panose="05000000000000000000" pitchFamily="2" charset="2"/>
-              </a:rPr>
-              <a:t>메소드를 이용해 설정할 수 있습니다</a:t>
-            </a:r>
-            <a:r>
-              <a:rPr lang="en-US" altLang="ko-KR" dirty="0" smtClean="0">
-                <a:sym typeface="Wingdings" panose="05000000000000000000" pitchFamily="2" charset="2"/>
-              </a:rPr>
-              <a:t>. </a:t>
-            </a:r>
+            <a:endParaRPr lang="ko-KR" altLang="en-US" dirty="0"/>
+          </a:p>
+          <a:p>
+            <a:endParaRPr lang="en-US" altLang="ko-KR" dirty="0">
+              <a:sym typeface="Wingdings" panose="05000000000000000000" pitchFamily="2" charset="2"/>
+            </a:endParaRPr>
+          </a:p>
+          <a:p>
+            <a:endParaRPr lang="en-US" altLang="ko-KR" dirty="0" smtClean="0">
+              <a:sym typeface="Wingdings" panose="05000000000000000000" pitchFamily="2" charset="2"/>
+            </a:endParaRPr>
           </a:p>
           <a:p>
             <a:endParaRPr lang="en-US" altLang="ko-KR" dirty="0">
@@ -18481,7 +18258,7 @@
     </p:spTree>
     <p:extLst>
       <p:ext uri="{BB962C8B-B14F-4D97-AF65-F5344CB8AC3E}">
-        <p14:creationId xmlns:p14="http://schemas.microsoft.com/office/powerpoint/2010/main" val="711424053"/>
+        <p14:creationId xmlns:p14="http://schemas.microsoft.com/office/powerpoint/2010/main" val="597224024"/>
       </p:ext>
     </p:extLst>
   </p:cSld>
@@ -18659,28 +18436,222 @@
           </a:p>
           <a:p>
             <a:r>
-              <a:rPr lang="ko-KR" altLang="en-US" dirty="0" smtClean="0">
-                <a:sym typeface="Wingdings" panose="05000000000000000000" pitchFamily="2" charset="2"/>
-              </a:rPr>
-              <a:t>여기에서는 </a:t>
-            </a:r>
-            <a:r>
               <a:rPr lang="ko-KR" altLang="en-US" dirty="0" err="1" smtClean="0">
                 <a:sym typeface="Wingdings" panose="05000000000000000000" pitchFamily="2" charset="2"/>
               </a:rPr>
-              <a:t>미리보기</a:t>
-            </a:r>
-            <a:r>
-              <a:rPr lang="ko-KR" altLang="en-US" dirty="0" smtClean="0">
-                <a:sym typeface="Wingdings" panose="05000000000000000000" pitchFamily="2" charset="2"/>
-              </a:rPr>
-              <a:t> 영역의 폭과 높이를 설정하도록 하였으므로 </a:t>
+              <a:t>서피스뷰를</a:t>
+            </a:r>
+            <a:r>
+              <a:rPr lang="ko-KR" altLang="en-US" dirty="0" smtClean="0">
+                <a:sym typeface="Wingdings" panose="05000000000000000000" pitchFamily="2" charset="2"/>
+              </a:rPr>
+              <a:t> 확장하여 정의한 </a:t>
             </a:r>
             <a:r>
               <a:rPr lang="en-US" altLang="ko-KR" dirty="0" err="1" smtClean="0">
                 <a:sym typeface="Wingdings" panose="05000000000000000000" pitchFamily="2" charset="2"/>
               </a:rPr>
-              <a:t>setPreviewSize</a:t>
+              <a:t>CameraSufraceView</a:t>
+            </a:r>
+            <a:r>
+              <a:rPr lang="ko-KR" altLang="en-US" dirty="0" smtClean="0">
+                <a:sym typeface="Wingdings" panose="05000000000000000000" pitchFamily="2" charset="2"/>
+              </a:rPr>
+              <a:t> 클래스는 </a:t>
+            </a:r>
+            <a:r>
+              <a:rPr lang="en-US" altLang="ko-KR" dirty="0" smtClean="0">
+                <a:solidFill>
+                  <a:srgbClr val="C00000"/>
+                </a:solidFill>
+                <a:sym typeface="Wingdings" panose="05000000000000000000" pitchFamily="2" charset="2"/>
+              </a:rPr>
+              <a:t>MainActivity </a:t>
+            </a:r>
+            <a:r>
+              <a:rPr lang="ko-KR" altLang="en-US" dirty="0" err="1" smtClean="0">
+                <a:solidFill>
+                  <a:srgbClr val="C00000"/>
+                </a:solidFill>
+                <a:sym typeface="Wingdings" panose="05000000000000000000" pitchFamily="2" charset="2"/>
+              </a:rPr>
+              <a:t>클래의</a:t>
+            </a:r>
+            <a:r>
+              <a:rPr lang="ko-KR" altLang="en-US" dirty="0" smtClean="0">
+                <a:solidFill>
+                  <a:srgbClr val="C00000"/>
+                </a:solidFill>
+                <a:sym typeface="Wingdings" panose="05000000000000000000" pitchFamily="2" charset="2"/>
+              </a:rPr>
+              <a:t> </a:t>
+            </a:r>
+            <a:r>
+              <a:rPr lang="ko-KR" altLang="en-US" b="1" dirty="0" smtClean="0">
+                <a:solidFill>
+                  <a:srgbClr val="C00000"/>
+                </a:solidFill>
+                <a:sym typeface="Wingdings" panose="05000000000000000000" pitchFamily="2" charset="2"/>
+              </a:rPr>
+              <a:t>내부 클래스</a:t>
+            </a:r>
+            <a:r>
+              <a:rPr lang="ko-KR" altLang="en-US" dirty="0" smtClean="0">
+                <a:solidFill>
+                  <a:srgbClr val="C00000"/>
+                </a:solidFill>
+                <a:sym typeface="Wingdings" panose="05000000000000000000" pitchFamily="2" charset="2"/>
+              </a:rPr>
+              <a:t>로 정의합니다</a:t>
+            </a:r>
+            <a:r>
+              <a:rPr lang="en-US" altLang="ko-KR" dirty="0" smtClean="0">
+                <a:sym typeface="Wingdings" panose="05000000000000000000" pitchFamily="2" charset="2"/>
+              </a:rPr>
+              <a:t>. </a:t>
+            </a:r>
+          </a:p>
+          <a:p>
+            <a:r>
+              <a:rPr lang="ko-KR" altLang="en-US" dirty="0" smtClean="0">
+                <a:sym typeface="Wingdings" panose="05000000000000000000" pitchFamily="2" charset="2"/>
+              </a:rPr>
+              <a:t>또한 이 클래스는</a:t>
+            </a:r>
+            <a:r>
+              <a:rPr lang="en-US" altLang="ko-KR" dirty="0" smtClean="0">
+                <a:sym typeface="Wingdings" panose="05000000000000000000" pitchFamily="2" charset="2"/>
+              </a:rPr>
+              <a:t>, </a:t>
+            </a:r>
+            <a:r>
+              <a:rPr lang="en-US" altLang="ko-KR" b="1" dirty="0" err="1" smtClean="0">
+                <a:sym typeface="Wingdings" panose="05000000000000000000" pitchFamily="2" charset="2"/>
+              </a:rPr>
+              <a:t>SurfaceHolde</a:t>
+            </a:r>
+            <a:r>
+              <a:rPr lang="en-US" altLang="ko-KR" dirty="0" err="1" smtClean="0">
+                <a:sym typeface="Wingdings" panose="05000000000000000000" pitchFamily="2" charset="2"/>
+              </a:rPr>
+              <a:t>r</a:t>
+            </a:r>
+            <a:r>
+              <a:rPr lang="en-US" altLang="ko-KR" dirty="0" smtClean="0">
+                <a:sym typeface="Wingdings" panose="05000000000000000000" pitchFamily="2" charset="2"/>
+              </a:rPr>
+              <a:t> </a:t>
+            </a:r>
+            <a:r>
+              <a:rPr lang="ko-KR" altLang="en-US" dirty="0" smtClean="0">
+                <a:sym typeface="Wingdings" panose="05000000000000000000" pitchFamily="2" charset="2"/>
+              </a:rPr>
+              <a:t>에 정의된 </a:t>
+            </a:r>
+            <a:r>
+              <a:rPr lang="en-US" altLang="ko-KR" dirty="0" smtClean="0">
+                <a:sym typeface="Wingdings" panose="05000000000000000000" pitchFamily="2" charset="2"/>
+              </a:rPr>
+              <a:t>Callback </a:t>
+            </a:r>
+            <a:r>
+              <a:rPr lang="ko-KR" altLang="en-US" dirty="0" smtClean="0">
+                <a:sym typeface="Wingdings" panose="05000000000000000000" pitchFamily="2" charset="2"/>
+              </a:rPr>
+              <a:t>인터페이스를 구현하고 있으므로 </a:t>
+            </a:r>
+            <a:r>
+              <a:rPr lang="ko-KR" altLang="en-US" dirty="0" err="1" smtClean="0">
+                <a:sym typeface="Wingdings" panose="05000000000000000000" pitchFamily="2" charset="2"/>
+              </a:rPr>
+              <a:t>서피스뷰의</a:t>
+            </a:r>
+            <a:r>
+              <a:rPr lang="ko-KR" altLang="en-US" dirty="0" smtClean="0">
+                <a:sym typeface="Wingdings" panose="05000000000000000000" pitchFamily="2" charset="2"/>
+              </a:rPr>
+              <a:t> 상태가 변경될 때 자동 호출되는 아래의 세가지 메소드를 구현합니다</a:t>
+            </a:r>
+            <a:r>
+              <a:rPr lang="en-US" altLang="ko-KR" dirty="0" smtClean="0">
+                <a:sym typeface="Wingdings" panose="05000000000000000000" pitchFamily="2" charset="2"/>
+              </a:rPr>
+              <a:t>.   </a:t>
+            </a:r>
+          </a:p>
+          <a:p>
+            <a:pPr lvl="1"/>
+            <a:r>
+              <a:rPr lang="en-US" altLang="ko-KR" b="1" dirty="0" err="1" smtClean="0">
+                <a:latin typeface="Consolas" panose="020B0609020204030204" pitchFamily="49" charset="0"/>
+                <a:sym typeface="Wingdings" panose="05000000000000000000" pitchFamily="2" charset="2"/>
+              </a:rPr>
+              <a:t>sufraceCreated</a:t>
+            </a:r>
+            <a:r>
+              <a:rPr lang="en-US" altLang="ko-KR" b="1" dirty="0" smtClean="0">
+                <a:latin typeface="Consolas" panose="020B0609020204030204" pitchFamily="49" charset="0"/>
+                <a:sym typeface="Wingdings" panose="05000000000000000000" pitchFamily="2" charset="2"/>
+              </a:rPr>
+              <a:t>(), </a:t>
+            </a:r>
+            <a:r>
+              <a:rPr lang="en-US" altLang="ko-KR" b="1" dirty="0" err="1" smtClean="0">
+                <a:latin typeface="Consolas" panose="020B0609020204030204" pitchFamily="49" charset="0"/>
+                <a:sym typeface="Wingdings" panose="05000000000000000000" pitchFamily="2" charset="2"/>
+              </a:rPr>
+              <a:t>surfaceChange</a:t>
+            </a:r>
+            <a:r>
+              <a:rPr lang="en-US" altLang="ko-KR" b="1" dirty="0" smtClean="0">
+                <a:latin typeface="Consolas" panose="020B0609020204030204" pitchFamily="49" charset="0"/>
+                <a:sym typeface="Wingdings" panose="05000000000000000000" pitchFamily="2" charset="2"/>
+              </a:rPr>
+              <a:t>(), </a:t>
+            </a:r>
+            <a:r>
+              <a:rPr lang="en-US" altLang="ko-KR" b="1" dirty="0" err="1" smtClean="0">
+                <a:latin typeface="Consolas" panose="020B0609020204030204" pitchFamily="49" charset="0"/>
+                <a:sym typeface="Wingdings" panose="05000000000000000000" pitchFamily="2" charset="2"/>
+              </a:rPr>
+              <a:t>surfaceDestroyed</a:t>
+            </a:r>
+            <a:r>
+              <a:rPr lang="en-US" altLang="ko-KR" b="1" dirty="0" smtClean="0">
+                <a:latin typeface="Consolas" panose="020B0609020204030204" pitchFamily="49" charset="0"/>
+                <a:sym typeface="Wingdings" panose="05000000000000000000" pitchFamily="2" charset="2"/>
+              </a:rPr>
+              <a:t>()</a:t>
+            </a:r>
+            <a:endParaRPr lang="en-US" altLang="ko-KR" b="1" dirty="0">
+              <a:latin typeface="Consolas" panose="020B0609020204030204" pitchFamily="49" charset="0"/>
+              <a:sym typeface="Wingdings" panose="05000000000000000000" pitchFamily="2" charset="2"/>
+            </a:endParaRPr>
+          </a:p>
+          <a:p>
+            <a:r>
+              <a:rPr lang="ko-KR" altLang="en-US" dirty="0" smtClean="0">
+                <a:sym typeface="Wingdings" panose="05000000000000000000" pitchFamily="2" charset="2"/>
+              </a:rPr>
+              <a:t>앞에 설명한 대로</a:t>
+            </a:r>
+            <a:r>
+              <a:rPr lang="en-US" altLang="ko-KR" dirty="0" smtClean="0">
+                <a:sym typeface="Wingdings" panose="05000000000000000000" pitchFamily="2" charset="2"/>
+              </a:rPr>
+              <a:t>, </a:t>
+            </a:r>
+            <a:r>
+              <a:rPr lang="ko-KR" altLang="en-US" dirty="0" smtClean="0">
+                <a:sym typeface="Wingdings" panose="05000000000000000000" pitchFamily="2" charset="2"/>
+              </a:rPr>
+              <a:t>서피스홀더의 타입은 </a:t>
+            </a:r>
+            <a:r>
+              <a:rPr lang="en-US" altLang="ko-KR" dirty="0" err="1" smtClean="0">
+                <a:sym typeface="Wingdings" panose="05000000000000000000" pitchFamily="2" charset="2"/>
+              </a:rPr>
+              <a:t>setType</a:t>
             </a:r>
             <a:r>
               <a:rPr lang="en-US" altLang="ko-KR" dirty="0" smtClean="0">
@@ -18689,42 +18660,268 @@
               <a:t>() </a:t>
             </a:r>
             <a:r>
+              <a:rPr lang="ko-KR" altLang="en-US" dirty="0" smtClean="0">
+                <a:sym typeface="Wingdings" panose="05000000000000000000" pitchFamily="2" charset="2"/>
+              </a:rPr>
+              <a:t>메소드를 사용해 </a:t>
+            </a:r>
+            <a:r>
+              <a:rPr lang="en-US" altLang="ko-KR" dirty="0" err="1" smtClean="0">
+                <a:sym typeface="Wingdings" panose="05000000000000000000" pitchFamily="2" charset="2"/>
+              </a:rPr>
+              <a:t>SurfaceHolder.SURFACE_TYPE_PUSH_BUFFERS</a:t>
+            </a:r>
+            <a:r>
+              <a:rPr lang="en-US" altLang="ko-KR" dirty="0" smtClean="0">
+                <a:sym typeface="Wingdings" panose="05000000000000000000" pitchFamily="2" charset="2"/>
+              </a:rPr>
+              <a:t> </a:t>
+            </a:r>
+            <a:r>
+              <a:rPr lang="ko-KR" altLang="en-US" dirty="0" smtClean="0">
+                <a:sym typeface="Wingdings" panose="05000000000000000000" pitchFamily="2" charset="2"/>
+              </a:rPr>
+              <a:t>로 설정합니다</a:t>
+            </a:r>
+            <a:r>
+              <a:rPr lang="en-US" altLang="ko-KR" dirty="0" smtClean="0">
+                <a:sym typeface="Wingdings" panose="05000000000000000000" pitchFamily="2" charset="2"/>
+              </a:rPr>
+              <a:t>. </a:t>
+            </a:r>
+          </a:p>
+          <a:p>
+            <a:r>
               <a:rPr lang="ko-KR" altLang="en-US" dirty="0" err="1" smtClean="0">
                 <a:sym typeface="Wingdings" panose="05000000000000000000" pitchFamily="2" charset="2"/>
               </a:rPr>
-              <a:t>메소드로</a:t>
-            </a:r>
-            <a:r>
-              <a:rPr lang="ko-KR" altLang="en-US" dirty="0" smtClean="0">
-                <a:sym typeface="Wingdings" panose="05000000000000000000" pitchFamily="2" charset="2"/>
-              </a:rPr>
-              <a:t> 설정합니다</a:t>
-            </a:r>
-            <a:r>
-              <a:rPr lang="en-US" altLang="ko-KR" dirty="0" smtClean="0">
-                <a:sym typeface="Wingdings" panose="05000000000000000000" pitchFamily="2" charset="2"/>
-              </a:rPr>
-              <a:t>.</a:t>
-            </a:r>
-          </a:p>
-          <a:p>
+              <a:t>생성자</a:t>
+            </a:r>
+            <a:r>
+              <a:rPr lang="ko-KR" altLang="en-US" dirty="0" smtClean="0">
+                <a:sym typeface="Wingdings" panose="05000000000000000000" pitchFamily="2" charset="2"/>
+              </a:rPr>
+              <a:t> 부분에는 이렇게 타입을 하는 것 외에도 </a:t>
+            </a:r>
             <a:r>
               <a:rPr lang="ko-KR" altLang="en-US" dirty="0" err="1" smtClean="0">
                 <a:sym typeface="Wingdings" panose="05000000000000000000" pitchFamily="2" charset="2"/>
               </a:rPr>
+              <a:t>서피스뷰를</a:t>
+            </a:r>
+            <a:r>
+              <a:rPr lang="ko-KR" altLang="en-US" dirty="0" smtClean="0">
+                <a:sym typeface="Wingdings" panose="05000000000000000000" pitchFamily="2" charset="2"/>
+              </a:rPr>
+              <a:t> 사용하기 위해 필요한 가장 기본적인 과정 즉</a:t>
+            </a:r>
+            <a:r>
+              <a:rPr lang="en-US" altLang="ko-KR" dirty="0" smtClean="0">
+                <a:sym typeface="Wingdings" panose="05000000000000000000" pitchFamily="2" charset="2"/>
+              </a:rPr>
+              <a:t>, </a:t>
+            </a:r>
+            <a:r>
+              <a:rPr lang="ko-KR" altLang="en-US" dirty="0" err="1" smtClean="0">
+                <a:sym typeface="Wingdings" panose="05000000000000000000" pitchFamily="2" charset="2"/>
+              </a:rPr>
+              <a:t>서피스홀더</a:t>
+            </a:r>
+            <a:r>
+              <a:rPr lang="ko-KR" altLang="en-US" dirty="0" smtClean="0">
+                <a:sym typeface="Wingdings" panose="05000000000000000000" pitchFamily="2" charset="2"/>
+              </a:rPr>
+              <a:t> 객체를 </a:t>
+            </a:r>
+            <a:r>
+              <a:rPr lang="en-US" altLang="ko-KR" dirty="0" err="1" smtClean="0">
+                <a:sym typeface="Wingdings" panose="05000000000000000000" pitchFamily="2" charset="2"/>
+              </a:rPr>
+              <a:t>getHolder</a:t>
+            </a:r>
+            <a:r>
+              <a:rPr lang="en-US" altLang="ko-KR" dirty="0" smtClean="0">
+                <a:sym typeface="Wingdings" panose="05000000000000000000" pitchFamily="2" charset="2"/>
+              </a:rPr>
+              <a:t>() </a:t>
+            </a:r>
+            <a:r>
+              <a:rPr lang="ko-KR" altLang="en-US" dirty="0" smtClean="0">
+                <a:sym typeface="Wingdings" panose="05000000000000000000" pitchFamily="2" charset="2"/>
+              </a:rPr>
+              <a:t>메소드를 이용해 참조하는 코드와 서피스홀더의 </a:t>
+            </a:r>
+            <a:r>
+              <a:rPr lang="en-US" altLang="ko-KR" dirty="0" err="1" smtClean="0">
+                <a:sym typeface="Wingdings" panose="05000000000000000000" pitchFamily="2" charset="2"/>
+              </a:rPr>
+              <a:t>addCallback</a:t>
+            </a:r>
+            <a:r>
+              <a:rPr lang="en-US" altLang="ko-KR" dirty="0" smtClean="0">
+                <a:sym typeface="Wingdings" panose="05000000000000000000" pitchFamily="2" charset="2"/>
+              </a:rPr>
+              <a:t>() </a:t>
+            </a:r>
+            <a:r>
+              <a:rPr lang="ko-KR" altLang="en-US" dirty="0" smtClean="0">
+                <a:sym typeface="Wingdings" panose="05000000000000000000" pitchFamily="2" charset="2"/>
+              </a:rPr>
+              <a:t>메소드를 이용해 이 클래스에서 구현된 </a:t>
+            </a:r>
+            <a:r>
+              <a:rPr lang="en-US" altLang="ko-KR" dirty="0" smtClean="0">
+                <a:sym typeface="Wingdings" panose="05000000000000000000" pitchFamily="2" charset="2"/>
+              </a:rPr>
+              <a:t>Callback </a:t>
+            </a:r>
+            <a:r>
+              <a:rPr lang="ko-KR" altLang="en-US" dirty="0" smtClean="0">
+                <a:sym typeface="Wingdings" panose="05000000000000000000" pitchFamily="2" charset="2"/>
+              </a:rPr>
+              <a:t>객체를 지정하는 코드들이 들어갑니다</a:t>
+            </a:r>
+            <a:r>
+              <a:rPr lang="en-US" altLang="ko-KR" dirty="0" smtClean="0">
+                <a:sym typeface="Wingdings" panose="05000000000000000000" pitchFamily="2" charset="2"/>
+              </a:rPr>
+              <a:t>. </a:t>
+            </a:r>
+          </a:p>
+          <a:p>
+            <a:r>
+              <a:rPr lang="ko-KR" altLang="en-US" dirty="0" err="1" smtClean="0">
+                <a:sym typeface="Wingdings" panose="05000000000000000000" pitchFamily="2" charset="2"/>
+              </a:rPr>
+              <a:t>서피스뷰가</a:t>
+            </a:r>
+            <a:r>
+              <a:rPr lang="ko-KR" altLang="en-US" dirty="0" smtClean="0">
+                <a:sym typeface="Wingdings" panose="05000000000000000000" pitchFamily="2" charset="2"/>
+              </a:rPr>
+              <a:t> 만들어지면서 호출되는 </a:t>
+            </a:r>
+            <a:r>
+              <a:rPr lang="en-US" altLang="ko-KR" dirty="0" err="1" smtClean="0">
+                <a:sym typeface="Wingdings" panose="05000000000000000000" pitchFamily="2" charset="2"/>
+              </a:rPr>
+              <a:t>surfaceCreated</a:t>
+            </a:r>
+            <a:r>
+              <a:rPr lang="en-US" altLang="ko-KR" dirty="0" smtClean="0">
+                <a:sym typeface="Wingdings" panose="05000000000000000000" pitchFamily="2" charset="2"/>
+              </a:rPr>
+              <a:t>() </a:t>
+            </a:r>
+            <a:r>
+              <a:rPr lang="ko-KR" altLang="en-US" dirty="0" err="1" smtClean="0">
+                <a:sym typeface="Wingdings" panose="05000000000000000000" pitchFamily="2" charset="2"/>
+              </a:rPr>
+              <a:t>메소드</a:t>
+            </a:r>
+            <a:r>
+              <a:rPr lang="ko-KR" altLang="en-US" dirty="0" smtClean="0">
+                <a:sym typeface="Wingdings" panose="05000000000000000000" pitchFamily="2" charset="2"/>
+              </a:rPr>
+              <a:t> 안에서는 </a:t>
+            </a:r>
+            <a:r>
+              <a:rPr lang="en-US" altLang="ko-KR" dirty="0" err="1" smtClean="0">
+                <a:sym typeface="Wingdings" panose="05000000000000000000" pitchFamily="2" charset="2"/>
+              </a:rPr>
+              <a:t>Camera.open</a:t>
+            </a:r>
+            <a:r>
+              <a:rPr lang="en-US" altLang="ko-KR" dirty="0" smtClean="0">
+                <a:sym typeface="Wingdings" panose="05000000000000000000" pitchFamily="2" charset="2"/>
+              </a:rPr>
+              <a:t>() </a:t>
+            </a:r>
+            <a:r>
+              <a:rPr lang="ko-KR" altLang="en-US" dirty="0" smtClean="0">
+                <a:sym typeface="Wingdings" panose="05000000000000000000" pitchFamily="2" charset="2"/>
+              </a:rPr>
+              <a:t>메소드를 이용해 카메라를 오픈하고 이를 통해 </a:t>
+            </a:r>
+            <a:r>
+              <a:rPr lang="ko-KR" altLang="en-US" dirty="0" err="1" smtClean="0">
+                <a:sym typeface="Wingdings" panose="05000000000000000000" pitchFamily="2" charset="2"/>
+              </a:rPr>
+              <a:t>차몾한</a:t>
+            </a:r>
+            <a:r>
+              <a:rPr lang="ko-KR" altLang="en-US" dirty="0" smtClean="0">
+                <a:sym typeface="Wingdings" panose="05000000000000000000" pitchFamily="2" charset="2"/>
+              </a:rPr>
+              <a:t> 카메라 객체 </a:t>
+            </a:r>
+            <a:r>
+              <a:rPr lang="ko-KR" altLang="en-US" dirty="0" err="1" smtClean="0">
+                <a:sym typeface="Wingdings" panose="05000000000000000000" pitchFamily="2" charset="2"/>
+              </a:rPr>
+              <a:t>서피스홀더</a:t>
+            </a:r>
+            <a:r>
+              <a:rPr lang="ko-KR" altLang="en-US" dirty="0" smtClean="0">
+                <a:sym typeface="Wingdings" panose="05000000000000000000" pitchFamily="2" charset="2"/>
+              </a:rPr>
+              <a:t> 객체를 지정해야 합니다</a:t>
+            </a:r>
+            <a:r>
+              <a:rPr lang="en-US" altLang="ko-KR" dirty="0" smtClean="0">
+                <a:sym typeface="Wingdings" panose="05000000000000000000" pitchFamily="2" charset="2"/>
+              </a:rPr>
+              <a:t>. </a:t>
+            </a:r>
+            <a:r>
+              <a:rPr lang="ko-KR" altLang="en-US" dirty="0" smtClean="0">
+                <a:sym typeface="Wingdings" panose="05000000000000000000" pitchFamily="2" charset="2"/>
+              </a:rPr>
+              <a:t>이를 위해 </a:t>
+            </a:r>
+            <a:r>
+              <a:rPr lang="en-US" altLang="ko-KR" dirty="0" err="1" smtClean="0">
+                <a:sym typeface="Wingdings" panose="05000000000000000000" pitchFamily="2" charset="2"/>
+              </a:rPr>
+              <a:t>setPreviewDisplay</a:t>
+            </a:r>
+            <a:r>
+              <a:rPr lang="en-US" altLang="ko-KR" dirty="0" smtClean="0">
+                <a:sym typeface="Wingdings" panose="05000000000000000000" pitchFamily="2" charset="2"/>
+              </a:rPr>
+              <a:t>() </a:t>
+            </a:r>
+            <a:r>
+              <a:rPr lang="ko-KR" altLang="en-US" dirty="0" smtClean="0">
+                <a:sym typeface="Wingdings" panose="05000000000000000000" pitchFamily="2" charset="2"/>
+              </a:rPr>
+              <a:t>메소드를 사용합니다</a:t>
+            </a:r>
+            <a:r>
+              <a:rPr lang="en-US" altLang="ko-KR" dirty="0" smtClean="0">
+                <a:sym typeface="Wingdings" panose="05000000000000000000" pitchFamily="2" charset="2"/>
+              </a:rPr>
+              <a:t>. </a:t>
+            </a:r>
+          </a:p>
+          <a:p>
+            <a:r>
+              <a:rPr lang="ko-KR" altLang="en-US" dirty="0" err="1" smtClean="0">
+                <a:sym typeface="Wingdings" panose="05000000000000000000" pitchFamily="2" charset="2"/>
+              </a:rPr>
               <a:t>서피스뷰의</a:t>
             </a:r>
             <a:r>
               <a:rPr lang="ko-KR" altLang="en-US" dirty="0" smtClean="0">
                 <a:sym typeface="Wingdings" panose="05000000000000000000" pitchFamily="2" charset="2"/>
               </a:rPr>
-              <a:t> 리소스를 해제하면서 호출하는 </a:t>
+              <a:t> 크기가 변경되거나 할 때 호출되는 </a:t>
             </a:r>
             <a:r>
               <a:rPr lang="en-US" altLang="ko-KR" dirty="0" err="1" smtClean="0">
                 <a:sym typeface="Wingdings" panose="05000000000000000000" pitchFamily="2" charset="2"/>
               </a:rPr>
-              <a:t>surfaceDestroyed</a:t>
+              <a:t>surfaceChanged</a:t>
             </a:r>
             <a:r>
               <a:rPr lang="en-US" altLang="ko-KR" dirty="0" smtClean="0">
@@ -18742,13 +18939,13 @@
               <a:rPr lang="ko-KR" altLang="en-US" dirty="0" smtClean="0">
                 <a:sym typeface="Wingdings" panose="05000000000000000000" pitchFamily="2" charset="2"/>
               </a:rPr>
-              <a:t> 안에서는 카메라 객체의 </a:t>
+              <a:t> 안에서는 </a:t>
             </a:r>
             <a:r>
               <a:rPr lang="en-US" altLang="ko-KR" dirty="0" err="1" smtClean="0">
                 <a:sym typeface="Wingdings" panose="05000000000000000000" pitchFamily="2" charset="2"/>
               </a:rPr>
-              <a:t>stopPreview</a:t>
+              <a:t>startPreview</a:t>
             </a:r>
             <a:r>
               <a:rPr lang="en-US" altLang="ko-KR" dirty="0" smtClean="0">
@@ -18760,7 +18957,7 @@
               <a:rPr lang="ko-KR" altLang="en-US" dirty="0" smtClean="0">
                 <a:sym typeface="Wingdings" panose="05000000000000000000" pitchFamily="2" charset="2"/>
               </a:rPr>
-              <a:t>메소드를 호출하여 </a:t>
+              <a:t>메소드를 이용해 </a:t>
             </a:r>
             <a:r>
               <a:rPr lang="ko-KR" altLang="en-US" dirty="0" err="1" smtClean="0">
@@ -18772,19 +18969,7 @@
               <a:rPr lang="ko-KR" altLang="en-US" dirty="0" smtClean="0">
                 <a:sym typeface="Wingdings" panose="05000000000000000000" pitchFamily="2" charset="2"/>
               </a:rPr>
-              <a:t> 끝낸 후 변수를 </a:t>
-            </a:r>
-            <a:r>
-              <a:rPr lang="en-US" altLang="ko-KR" dirty="0" smtClean="0">
-                <a:sym typeface="Wingdings" panose="05000000000000000000" pitchFamily="2" charset="2"/>
-              </a:rPr>
-              <a:t>null</a:t>
-            </a:r>
-            <a:r>
-              <a:rPr lang="ko-KR" altLang="en-US" dirty="0" smtClean="0">
-                <a:sym typeface="Wingdings" panose="05000000000000000000" pitchFamily="2" charset="2"/>
-              </a:rPr>
-              <a:t>로 저장합니다</a:t>
+              <a:t> 시작하도록 합니다</a:t>
             </a:r>
             <a:r>
               <a:rPr lang="en-US" altLang="ko-KR" dirty="0" smtClean="0">
@@ -18798,91 +18983,25 @@
               <a:rPr lang="ko-KR" altLang="en-US" dirty="0" smtClean="0">
                 <a:sym typeface="Wingdings" panose="05000000000000000000" pitchFamily="2" charset="2"/>
               </a:rPr>
-              <a:t>메인 액티비티의 버튼을 클릭했을 때 사진을 찍기 위해 호출하는 </a:t>
-            </a:r>
-            <a:r>
-              <a:rPr lang="en-US" altLang="ko-KR" dirty="0" smtClean="0">
-                <a:sym typeface="Wingdings" panose="05000000000000000000" pitchFamily="2" charset="2"/>
-              </a:rPr>
-              <a:t>capture() </a:t>
-            </a:r>
-            <a:r>
-              <a:rPr lang="ko-KR" altLang="en-US" dirty="0" smtClean="0">
-                <a:sym typeface="Wingdings" panose="05000000000000000000" pitchFamily="2" charset="2"/>
-              </a:rPr>
-              <a:t>메소드를 보면</a:t>
-            </a:r>
-            <a:r>
-              <a:rPr lang="en-US" altLang="ko-KR" dirty="0" smtClean="0">
-                <a:sym typeface="Wingdings" panose="05000000000000000000" pitchFamily="2" charset="2"/>
-              </a:rPr>
-              <a:t>, </a:t>
-            </a:r>
-            <a:r>
-              <a:rPr lang="ko-KR" altLang="en-US" dirty="0" smtClean="0">
-                <a:sym typeface="Wingdings" panose="05000000000000000000" pitchFamily="2" charset="2"/>
-              </a:rPr>
-              <a:t>카메라 객체의 </a:t>
-            </a:r>
-            <a:r>
-              <a:rPr lang="en-US" altLang="ko-KR" dirty="0" smtClean="0">
-                <a:sym typeface="Wingdings" panose="05000000000000000000" pitchFamily="2" charset="2"/>
-              </a:rPr>
-              <a:t>takePicture() </a:t>
-            </a:r>
-            <a:r>
-              <a:rPr lang="ko-KR" altLang="en-US" dirty="0" smtClean="0">
-                <a:sym typeface="Wingdings" panose="05000000000000000000" pitchFamily="2" charset="2"/>
-              </a:rPr>
-              <a:t>메소드를 호출하여 사진을 찍고 있으며</a:t>
-            </a:r>
-            <a:r>
-              <a:rPr lang="en-US" altLang="ko-KR" dirty="0" smtClean="0">
-                <a:sym typeface="Wingdings" panose="05000000000000000000" pitchFamily="2" charset="2"/>
-              </a:rPr>
-              <a:t>, </a:t>
-            </a:r>
-            <a:r>
-              <a:rPr lang="ko-KR" altLang="en-US" dirty="0" smtClean="0">
-                <a:sym typeface="Wingdings" panose="05000000000000000000" pitchFamily="2" charset="2"/>
-              </a:rPr>
-              <a:t>이 때 </a:t>
+              <a:t>만약 카메라의 </a:t>
+            </a:r>
+            <a:r>
+              <a:rPr lang="ko-KR" altLang="en-US" dirty="0" err="1" smtClean="0">
+                <a:sym typeface="Wingdings" panose="05000000000000000000" pitchFamily="2" charset="2"/>
+              </a:rPr>
+              <a:t>파라미터</a:t>
+            </a:r>
+            <a:r>
+              <a:rPr lang="ko-KR" altLang="en-US" dirty="0" smtClean="0">
+                <a:sym typeface="Wingdings" panose="05000000000000000000" pitchFamily="2" charset="2"/>
+              </a:rPr>
+              <a:t> 설정이 필요하다면 </a:t>
             </a:r>
             <a:r>
               <a:rPr lang="en-US" altLang="ko-KR" dirty="0" err="1" smtClean="0">
                 <a:sym typeface="Wingdings" panose="05000000000000000000" pitchFamily="2" charset="2"/>
               </a:rPr>
-              <a:t>PictureCallback</a:t>
-            </a:r>
-            <a:r>
-              <a:rPr lang="en-US" altLang="ko-KR" dirty="0" smtClean="0">
-                <a:sym typeface="Wingdings" panose="05000000000000000000" pitchFamily="2" charset="2"/>
-              </a:rPr>
-              <a:t> </a:t>
-            </a:r>
-            <a:r>
-              <a:rPr lang="ko-KR" altLang="en-US" dirty="0" smtClean="0">
-                <a:sym typeface="Wingdings" panose="05000000000000000000" pitchFamily="2" charset="2"/>
-              </a:rPr>
-              <a:t>인터페이스를 구현한 객체를 </a:t>
-            </a:r>
-            <a:r>
-              <a:rPr lang="ko-KR" altLang="en-US" dirty="0" err="1" smtClean="0">
-                <a:sym typeface="Wingdings" panose="05000000000000000000" pitchFamily="2" charset="2"/>
-              </a:rPr>
-              <a:t>파라미터로</a:t>
-            </a:r>
-            <a:r>
-              <a:rPr lang="ko-KR" altLang="en-US" dirty="0" smtClean="0">
-                <a:sym typeface="Wingdings" panose="05000000000000000000" pitchFamily="2" charset="2"/>
-              </a:rPr>
-              <a:t> 전달함으로써 사진을 찍었을 때 이 객체의 </a:t>
-            </a:r>
-            <a:r>
-              <a:rPr lang="en-US" altLang="ko-KR" dirty="0" err="1" smtClean="0">
-                <a:sym typeface="Wingdings" panose="05000000000000000000" pitchFamily="2" charset="2"/>
-              </a:rPr>
-              <a:t>onPictureTaken</a:t>
+              <a:t>setParameters</a:t>
             </a:r>
             <a:r>
               <a:rPr lang="en-US" altLang="ko-KR" dirty="0" smtClean="0">
@@ -18891,16 +19010,10 @@
               <a:t>() </a:t>
             </a:r>
             <a:r>
-              <a:rPr lang="ko-KR" altLang="en-US" dirty="0" err="1" smtClean="0">
-                <a:sym typeface="Wingdings" panose="05000000000000000000" pitchFamily="2" charset="2"/>
-              </a:rPr>
-              <a:t>매소드가</a:t>
-            </a:r>
-            <a:r>
-              <a:rPr lang="ko-KR" altLang="en-US" dirty="0" smtClean="0">
-                <a:sym typeface="Wingdings" panose="05000000000000000000" pitchFamily="2" charset="2"/>
-              </a:rPr>
-              <a:t> 자동 호출되도록 합니다</a:t>
+              <a:rPr lang="ko-KR" altLang="en-US" dirty="0" smtClean="0">
+                <a:sym typeface="Wingdings" panose="05000000000000000000" pitchFamily="2" charset="2"/>
+              </a:rPr>
+              <a:t>메소드를 이용해 설정할 수 있습니다</a:t>
             </a:r>
             <a:r>
               <a:rPr lang="en-US" altLang="ko-KR" dirty="0" smtClean="0">
@@ -18953,7 +19066,7 @@
     </p:spTree>
     <p:extLst>
       <p:ext uri="{BB962C8B-B14F-4D97-AF65-F5344CB8AC3E}">
-        <p14:creationId xmlns:p14="http://schemas.microsoft.com/office/powerpoint/2010/main" val="583344657"/>
+        <p14:creationId xmlns:p14="http://schemas.microsoft.com/office/powerpoint/2010/main" val="711424053"/>
       </p:ext>
     </p:extLst>
   </p:cSld>
@@ -18992,9 +19105,7 @@
         </p:nvSpPr>
         <p:spPr/>
         <p:txBody>
-          <a:bodyPr>
-            <a:normAutofit/>
-          </a:bodyPr>
+          <a:bodyPr/>
           <a:lstStyle/>
           <a:p>
             <a:r>
@@ -19051,26 +19162,7 @@
                 <a:latin typeface="나눔고딕" panose="020D0604000000000000" pitchFamily="50" charset="-127"/>
                 <a:ea typeface="나눔고딕" panose="020D0604000000000000" pitchFamily="50" charset="-127"/>
               </a:rPr>
-              <a:t> 실습 </a:t>
-            </a:r>
-            <a:r>
-              <a:rPr lang="en-US" altLang="ko-KR" dirty="0" smtClean="0">
-                <a:latin typeface="나눔고딕" panose="020D0604000000000000" pitchFamily="50" charset="-127"/>
-                <a:ea typeface="나눔고딕" panose="020D0604000000000000" pitchFamily="50" charset="-127"/>
-              </a:rPr>
-              <a:t>- </a:t>
-            </a:r>
-            <a:r>
-              <a:rPr lang="en-US" altLang="ko-KR" dirty="0">
-                <a:sym typeface="Wingdings" panose="05000000000000000000" pitchFamily="2" charset="2"/>
-              </a:rPr>
-              <a:t>MainActivity.java </a:t>
-            </a:r>
-            <a:r>
-              <a:rPr lang="ko-KR" altLang="en-US" dirty="0" smtClean="0">
-                <a:sym typeface="Wingdings" panose="05000000000000000000" pitchFamily="2" charset="2"/>
-              </a:rPr>
-              <a:t>코딩</a:t>
+              <a:t> 실습</a:t>
             </a:r>
             <a:endParaRPr lang="ko-KR" altLang="en-US" dirty="0"/>
           </a:p>
@@ -19122,7 +19214,7 @@
               <a:t> 실습 </a:t>
             </a:r>
             <a:r>
-              <a:rPr lang="en-US" altLang="ko-KR" b="1" dirty="0">
+              <a:rPr lang="en-US" altLang="ko-KR" b="1" dirty="0" smtClean="0">
                 <a:solidFill>
                   <a:srgbClr val="C00000"/>
                 </a:solidFill>
@@ -19131,30 +19223,281 @@
               <a:t>– </a:t>
             </a:r>
             <a:r>
-              <a:rPr lang="en-US" altLang="ko-KR" b="1" dirty="0" err="1">
+              <a:rPr lang="en-US" altLang="ko-KR" b="1" dirty="0" err="1" smtClean="0">
                 <a:sym typeface="Wingdings" panose="05000000000000000000" pitchFamily="2" charset="2"/>
               </a:rPr>
               <a:t>CameraSurfaceView</a:t>
             </a:r>
             <a:r>
-              <a:rPr lang="en-US" altLang="ko-KR" b="1" dirty="0">
+              <a:rPr lang="en-US" altLang="ko-KR" b="1" dirty="0" smtClean="0">
+                <a:sym typeface="Wingdings" panose="05000000000000000000" pitchFamily="2" charset="2"/>
+              </a:rPr>
+              <a:t>  </a:t>
+            </a:r>
+            <a:r>
+              <a:rPr lang="ko-KR" altLang="en-US" b="1" dirty="0" smtClean="0">
+                <a:sym typeface="Wingdings" panose="05000000000000000000" pitchFamily="2" charset="2"/>
+              </a:rPr>
+              <a:t>내부 클래스 정의하기</a:t>
+            </a:r>
+            <a:endParaRPr lang="ko-KR" altLang="en-US" dirty="0"/>
+          </a:p>
+          <a:p>
+            <a:r>
+              <a:rPr lang="ko-KR" altLang="en-US" dirty="0" smtClean="0">
+                <a:sym typeface="Wingdings" panose="05000000000000000000" pitchFamily="2" charset="2"/>
+              </a:rPr>
+              <a:t>여기에서는 </a:t>
+            </a:r>
+            <a:r>
+              <a:rPr lang="ko-KR" altLang="en-US" dirty="0" err="1" smtClean="0">
+                <a:sym typeface="Wingdings" panose="05000000000000000000" pitchFamily="2" charset="2"/>
+              </a:rPr>
+              <a:t>미리보기</a:t>
+            </a:r>
+            <a:r>
+              <a:rPr lang="ko-KR" altLang="en-US" dirty="0" smtClean="0">
+                <a:sym typeface="Wingdings" panose="05000000000000000000" pitchFamily="2" charset="2"/>
+              </a:rPr>
+              <a:t> 영역의 폭과 높이를 설정하도록 하였으므로 </a:t>
+            </a:r>
+            <a:r>
+              <a:rPr lang="en-US" altLang="ko-KR" dirty="0" err="1" smtClean="0">
+                <a:sym typeface="Wingdings" panose="05000000000000000000" pitchFamily="2" charset="2"/>
+              </a:rPr>
+              <a:t>setPreviewSize</a:t>
+            </a:r>
+            <a:r>
+              <a:rPr lang="en-US" altLang="ko-KR" dirty="0" smtClean="0">
+                <a:sym typeface="Wingdings" panose="05000000000000000000" pitchFamily="2" charset="2"/>
+              </a:rPr>
+              <a:t>() </a:t>
+            </a:r>
+            <a:r>
+              <a:rPr lang="ko-KR" altLang="en-US" dirty="0" err="1" smtClean="0">
+                <a:sym typeface="Wingdings" panose="05000000000000000000" pitchFamily="2" charset="2"/>
+              </a:rPr>
+              <a:t>메소드로</a:t>
+            </a:r>
+            <a:r>
+              <a:rPr lang="ko-KR" altLang="en-US" dirty="0" smtClean="0">
+                <a:sym typeface="Wingdings" panose="05000000000000000000" pitchFamily="2" charset="2"/>
+              </a:rPr>
+              <a:t> 설정합니다</a:t>
+            </a:r>
+            <a:r>
+              <a:rPr lang="en-US" altLang="ko-KR" dirty="0" smtClean="0">
+                <a:sym typeface="Wingdings" panose="05000000000000000000" pitchFamily="2" charset="2"/>
+              </a:rPr>
+              <a:t>.</a:t>
+            </a:r>
+          </a:p>
+          <a:p>
+            <a:r>
+              <a:rPr lang="ko-KR" altLang="en-US" dirty="0" err="1" smtClean="0">
+                <a:sym typeface="Wingdings" panose="05000000000000000000" pitchFamily="2" charset="2"/>
+              </a:rPr>
+              <a:t>서피스뷰의</a:t>
+            </a:r>
+            <a:r>
+              <a:rPr lang="ko-KR" altLang="en-US" dirty="0" smtClean="0">
+                <a:sym typeface="Wingdings" panose="05000000000000000000" pitchFamily="2" charset="2"/>
+              </a:rPr>
+              <a:t> 리소스를 해제하면서 호출하는 </a:t>
+            </a:r>
+            <a:r>
+              <a:rPr lang="en-US" altLang="ko-KR" dirty="0" err="1" smtClean="0">
+                <a:sym typeface="Wingdings" panose="05000000000000000000" pitchFamily="2" charset="2"/>
+              </a:rPr>
+              <a:t>surfaceDestroyed</a:t>
+            </a:r>
+            <a:r>
+              <a:rPr lang="en-US" altLang="ko-KR" dirty="0" smtClean="0">
+                <a:sym typeface="Wingdings" panose="05000000000000000000" pitchFamily="2" charset="2"/>
+              </a:rPr>
+              <a:t>() </a:t>
+            </a:r>
+            <a:r>
+              <a:rPr lang="ko-KR" altLang="en-US" dirty="0" err="1" smtClean="0">
+                <a:sym typeface="Wingdings" panose="05000000000000000000" pitchFamily="2" charset="2"/>
+              </a:rPr>
+              <a:t>메소드</a:t>
+            </a:r>
+            <a:r>
+              <a:rPr lang="ko-KR" altLang="en-US" dirty="0" smtClean="0">
+                <a:sym typeface="Wingdings" panose="05000000000000000000" pitchFamily="2" charset="2"/>
+              </a:rPr>
+              <a:t> 안에서는 카메라 객체의 </a:t>
+            </a:r>
+            <a:r>
+              <a:rPr lang="en-US" altLang="ko-KR" dirty="0" err="1" smtClean="0">
+                <a:sym typeface="Wingdings" panose="05000000000000000000" pitchFamily="2" charset="2"/>
+              </a:rPr>
+              <a:t>stopPreview</a:t>
+            </a:r>
+            <a:r>
+              <a:rPr lang="en-US" altLang="ko-KR" dirty="0" smtClean="0">
+                <a:sym typeface="Wingdings" panose="05000000000000000000" pitchFamily="2" charset="2"/>
+              </a:rPr>
+              <a:t>() </a:t>
+            </a:r>
+            <a:r>
+              <a:rPr lang="ko-KR" altLang="en-US" dirty="0" smtClean="0">
+                <a:sym typeface="Wingdings" panose="05000000000000000000" pitchFamily="2" charset="2"/>
+              </a:rPr>
+              <a:t>메소드를 호출하여 </a:t>
+            </a:r>
+            <a:r>
+              <a:rPr lang="ko-KR" altLang="en-US" dirty="0" err="1" smtClean="0">
+                <a:sym typeface="Wingdings" panose="05000000000000000000" pitchFamily="2" charset="2"/>
+              </a:rPr>
+              <a:t>미리보기를</a:t>
+            </a:r>
+            <a:r>
+              <a:rPr lang="ko-KR" altLang="en-US" dirty="0" smtClean="0">
+                <a:sym typeface="Wingdings" panose="05000000000000000000" pitchFamily="2" charset="2"/>
+              </a:rPr>
+              <a:t> 끝낸 후 변수를 </a:t>
+            </a:r>
+            <a:r>
+              <a:rPr lang="en-US" altLang="ko-KR" dirty="0" smtClean="0">
+                <a:sym typeface="Wingdings" panose="05000000000000000000" pitchFamily="2" charset="2"/>
+              </a:rPr>
+              <a:t>null</a:t>
+            </a:r>
+            <a:r>
+              <a:rPr lang="ko-KR" altLang="en-US" dirty="0" smtClean="0">
+                <a:sym typeface="Wingdings" panose="05000000000000000000" pitchFamily="2" charset="2"/>
+              </a:rPr>
+              <a:t>로 저장합니다</a:t>
+            </a:r>
+            <a:r>
+              <a:rPr lang="en-US" altLang="ko-KR" dirty="0" smtClean="0">
+                <a:sym typeface="Wingdings" panose="05000000000000000000" pitchFamily="2" charset="2"/>
+              </a:rPr>
+              <a:t>. </a:t>
+            </a:r>
+          </a:p>
+          <a:p>
+            <a:r>
+              <a:rPr lang="ko-KR" altLang="en-US" dirty="0" smtClean="0">
+                <a:sym typeface="Wingdings" panose="05000000000000000000" pitchFamily="2" charset="2"/>
+              </a:rPr>
+              <a:t>메인 액티비티의 버튼을 클릭했을 때 사진을 찍기 위해 호출하는 </a:t>
+            </a:r>
+            <a:r>
+              <a:rPr lang="en-US" altLang="ko-KR" dirty="0" smtClean="0">
+                <a:sym typeface="Wingdings" panose="05000000000000000000" pitchFamily="2" charset="2"/>
+              </a:rPr>
+              <a:t>capture() </a:t>
+            </a:r>
+            <a:r>
+              <a:rPr lang="ko-KR" altLang="en-US" dirty="0" smtClean="0">
+                <a:sym typeface="Wingdings" panose="05000000000000000000" pitchFamily="2" charset="2"/>
+              </a:rPr>
+              <a:t>메소드를 보면</a:t>
+            </a:r>
+            <a:r>
+              <a:rPr lang="en-US" altLang="ko-KR" dirty="0" smtClean="0">
+                <a:sym typeface="Wingdings" panose="05000000000000000000" pitchFamily="2" charset="2"/>
+              </a:rPr>
+              <a:t>, </a:t>
+            </a:r>
+            <a:r>
+              <a:rPr lang="ko-KR" altLang="en-US" dirty="0" smtClean="0">
+                <a:sym typeface="Wingdings" panose="05000000000000000000" pitchFamily="2" charset="2"/>
+              </a:rPr>
+              <a:t>카메라 객체의 </a:t>
+            </a:r>
+            <a:r>
+              <a:rPr lang="en-US" altLang="ko-KR" dirty="0" smtClean="0">
+                <a:sym typeface="Wingdings" panose="05000000000000000000" pitchFamily="2" charset="2"/>
+              </a:rPr>
+              <a:t>takePicture() </a:t>
+            </a:r>
+            <a:r>
+              <a:rPr lang="ko-KR" altLang="en-US" dirty="0" smtClean="0">
+                <a:sym typeface="Wingdings" panose="05000000000000000000" pitchFamily="2" charset="2"/>
+              </a:rPr>
+              <a:t>메소드를 호출하여 사진을 찍고 있으며</a:t>
+            </a:r>
+            <a:r>
+              <a:rPr lang="en-US" altLang="ko-KR" dirty="0" smtClean="0">
+                <a:sym typeface="Wingdings" panose="05000000000000000000" pitchFamily="2" charset="2"/>
+              </a:rPr>
+              <a:t>, </a:t>
+            </a:r>
+            <a:r>
+              <a:rPr lang="ko-KR" altLang="en-US" dirty="0" smtClean="0">
+                <a:sym typeface="Wingdings" panose="05000000000000000000" pitchFamily="2" charset="2"/>
+              </a:rPr>
+              <a:t>이 때 </a:t>
+            </a:r>
+            <a:r>
+              <a:rPr lang="en-US" altLang="ko-KR" dirty="0" err="1" smtClean="0">
+                <a:sym typeface="Wingdings" panose="05000000000000000000" pitchFamily="2" charset="2"/>
+              </a:rPr>
+              <a:t>PictureCallback</a:t>
+            </a:r>
+            <a:r>
+              <a:rPr lang="en-US" altLang="ko-KR" dirty="0" smtClean="0">
                 <a:sym typeface="Wingdings" panose="05000000000000000000" pitchFamily="2" charset="2"/>
               </a:rPr>
               <a:t> </a:t>
             </a:r>
             <a:r>
-              <a:rPr lang="ko-KR" altLang="en-US" b="1" dirty="0" smtClean="0">
-                <a:sym typeface="Wingdings" panose="05000000000000000000" pitchFamily="2" charset="2"/>
-              </a:rPr>
-              <a:t>내부 클래스 </a:t>
-            </a:r>
-            <a:r>
-              <a:rPr lang="ko-KR" altLang="en-US" b="1" dirty="0">
-                <a:sym typeface="Wingdings" panose="05000000000000000000" pitchFamily="2" charset="2"/>
-              </a:rPr>
-              <a:t>정의하기</a:t>
-            </a:r>
-            <a:endParaRPr lang="ko-KR" altLang="en-US" dirty="0"/>
+              <a:rPr lang="ko-KR" altLang="en-US" dirty="0" smtClean="0">
+                <a:sym typeface="Wingdings" panose="05000000000000000000" pitchFamily="2" charset="2"/>
+              </a:rPr>
+              <a:t>인터페이스를 구현한 객체를 </a:t>
+            </a:r>
+            <a:r>
+              <a:rPr lang="ko-KR" altLang="en-US" dirty="0" err="1" smtClean="0">
+                <a:sym typeface="Wingdings" panose="05000000000000000000" pitchFamily="2" charset="2"/>
+              </a:rPr>
+              <a:t>파라미터로</a:t>
+            </a:r>
+            <a:r>
+              <a:rPr lang="ko-KR" altLang="en-US" dirty="0" smtClean="0">
+                <a:sym typeface="Wingdings" panose="05000000000000000000" pitchFamily="2" charset="2"/>
+              </a:rPr>
+              <a:t> 전달함으로써 사진을 찍었을 때 이 객체의 </a:t>
+            </a:r>
+            <a:r>
+              <a:rPr lang="en-US" altLang="ko-KR" dirty="0" err="1" smtClean="0">
+                <a:sym typeface="Wingdings" panose="05000000000000000000" pitchFamily="2" charset="2"/>
+              </a:rPr>
+              <a:t>onPictureTaken</a:t>
+            </a:r>
+            <a:r>
+              <a:rPr lang="en-US" altLang="ko-KR" dirty="0" smtClean="0">
+                <a:sym typeface="Wingdings" panose="05000000000000000000" pitchFamily="2" charset="2"/>
+              </a:rPr>
+              <a:t>() </a:t>
+            </a:r>
+            <a:r>
+              <a:rPr lang="ko-KR" altLang="en-US" dirty="0" err="1" smtClean="0">
+                <a:sym typeface="Wingdings" panose="05000000000000000000" pitchFamily="2" charset="2"/>
+              </a:rPr>
+              <a:t>매소드가</a:t>
+            </a:r>
+            <a:r>
+              <a:rPr lang="ko-KR" altLang="en-US" dirty="0" smtClean="0">
+                <a:sym typeface="Wingdings" panose="05000000000000000000" pitchFamily="2" charset="2"/>
+              </a:rPr>
+              <a:t> 자동 호출되도록 합니다</a:t>
+            </a:r>
+            <a:r>
+              <a:rPr lang="en-US" altLang="ko-KR" dirty="0" smtClean="0">
+                <a:sym typeface="Wingdings" panose="05000000000000000000" pitchFamily="2" charset="2"/>
+              </a:rPr>
+              <a:t>. </a:t>
+            </a:r>
+          </a:p>
+          <a:p>
+            <a:endParaRPr lang="en-US" altLang="ko-KR" dirty="0">
+              <a:sym typeface="Wingdings" panose="05000000000000000000" pitchFamily="2" charset="2"/>
+            </a:endParaRPr>
           </a:p>
           <a:p>
             <a:endParaRPr lang="en-US" altLang="ko-KR" dirty="0">
@@ -19187,6 +19530,248 @@
                 <a:defRPr/>
               </a:pPr>
               <a:t>27</a:t>
+            </a:fld>
+            <a:endParaRPr lang="ko-KR" altLang="en-US"/>
+          </a:p>
+        </p:txBody>
+      </p:sp>
+    </p:spTree>
+    <p:extLst>
+      <p:ext uri="{BB962C8B-B14F-4D97-AF65-F5344CB8AC3E}">
+        <p14:creationId xmlns:p14="http://schemas.microsoft.com/office/powerpoint/2010/main" val="583344657"/>
+      </p:ext>
+    </p:extLst>
+  </p:cSld>
+  <p:clrMapOvr>
+    <a:masterClrMapping/>
+  </p:clrMapOvr>
+</p:sld>
+</file>
+
+<file path=ppt/slides/slide28.xml><?xml version="1.0" encoding="utf-8"?>
+<p:sld xmlns:a="http://schemas.openxmlformats.org/drawingml/2006/main" xmlns:r="http://schemas.openxmlformats.org/officeDocument/2006/relationships" xmlns:p="http://schemas.openxmlformats.org/presentationml/2006/main">
+  <p:cSld>
+    <p:spTree>
+      <p:nvGrpSpPr>
+        <p:cNvPr id="1" name=""/>
+        <p:cNvGrpSpPr/>
+        <p:nvPr/>
+      </p:nvGrpSpPr>
+      <p:grpSpPr>
+        <a:xfrm>
+          <a:off x="0" y="0"/>
+          <a:ext cx="0" cy="0"/>
+          <a:chOff x="0" y="0"/>
+          <a:chExt cx="0" cy="0"/>
+        </a:xfrm>
+      </p:grpSpPr>
+      <p:sp>
+        <p:nvSpPr>
+          <p:cNvPr id="2" name="제목 1"/>
+          <p:cNvSpPr>
+            <a:spLocks noGrp="1"/>
+          </p:cNvSpPr>
+          <p:nvPr>
+            <p:ph type="title"/>
+          </p:nvPr>
+        </p:nvSpPr>
+        <p:spPr/>
+        <p:txBody>
+          <a:bodyPr>
+            <a:normAutofit/>
+          </a:bodyPr>
+          <a:lstStyle/>
+          <a:p>
+            <a:r>
+              <a:rPr lang="en-US" altLang="ko-KR" dirty="0" smtClean="0">
+                <a:latin typeface="나눔고딕" panose="020D0604000000000000" pitchFamily="50" charset="-127"/>
+                <a:ea typeface="나눔고딕" panose="020D0604000000000000" pitchFamily="50" charset="-127"/>
+              </a:rPr>
+              <a:t>07-2 </a:t>
+            </a:r>
+            <a:r>
+              <a:rPr lang="ko-KR" altLang="en-US" dirty="0" smtClean="0">
+                <a:latin typeface="나눔고딕" panose="020D0604000000000000" pitchFamily="50" charset="-127"/>
+                <a:ea typeface="나눔고딕" panose="020D0604000000000000" pitchFamily="50" charset="-127"/>
+              </a:rPr>
+              <a:t>화면에 카메라 </a:t>
+            </a:r>
+            <a:r>
+              <a:rPr lang="ko-KR" altLang="en-US" dirty="0" err="1" smtClean="0">
+                <a:latin typeface="나눔고딕" panose="020D0604000000000000" pitchFamily="50" charset="-127"/>
+                <a:ea typeface="나눔고딕" panose="020D0604000000000000" pitchFamily="50" charset="-127"/>
+              </a:rPr>
+              <a:t>미리보기</a:t>
+            </a:r>
+            <a:r>
+              <a:rPr lang="ko-KR" altLang="en-US" dirty="0" smtClean="0">
+                <a:latin typeface="나눔고딕" panose="020D0604000000000000" pitchFamily="50" charset="-127"/>
+                <a:ea typeface="나눔고딕" panose="020D0604000000000000" pitchFamily="50" charset="-127"/>
+              </a:rPr>
+              <a:t> 넣기 </a:t>
+            </a:r>
+            <a:r>
+              <a:rPr lang="en-US" altLang="ko-KR" dirty="0" smtClean="0">
+                <a:latin typeface="나눔고딕" panose="020D0604000000000000" pitchFamily="50" charset="-127"/>
+                <a:ea typeface="나눔고딕" panose="020D0604000000000000" pitchFamily="50" charset="-127"/>
+              </a:rPr>
+              <a:t>– </a:t>
+            </a:r>
+            <a:r>
+              <a:rPr lang="ko-KR" altLang="en-US" dirty="0" smtClean="0">
+                <a:latin typeface="나눔고딕" panose="020D0604000000000000" pitchFamily="50" charset="-127"/>
+                <a:ea typeface="나눔고딕" panose="020D0604000000000000" pitchFamily="50" charset="-127"/>
+              </a:rPr>
+              <a:t>카메라 </a:t>
+            </a:r>
+            <a:r>
+              <a:rPr lang="ko-KR" altLang="en-US" dirty="0" err="1" smtClean="0">
+                <a:latin typeface="나눔고딕" panose="020D0604000000000000" pitchFamily="50" charset="-127"/>
+                <a:ea typeface="나눔고딕" panose="020D0604000000000000" pitchFamily="50" charset="-127"/>
+              </a:rPr>
+              <a:t>미리보기</a:t>
+            </a:r>
+            <a:r>
+              <a:rPr lang="ko-KR" altLang="en-US" dirty="0" smtClean="0">
+                <a:latin typeface="나눔고딕" panose="020D0604000000000000" pitchFamily="50" charset="-127"/>
+                <a:ea typeface="나눔고딕" panose="020D0604000000000000" pitchFamily="50" charset="-127"/>
+              </a:rPr>
+              <a:t> 실습 </a:t>
+            </a:r>
+            <a:r>
+              <a:rPr lang="en-US" altLang="ko-KR" dirty="0" smtClean="0">
+                <a:latin typeface="나눔고딕" panose="020D0604000000000000" pitchFamily="50" charset="-127"/>
+                <a:ea typeface="나눔고딕" panose="020D0604000000000000" pitchFamily="50" charset="-127"/>
+              </a:rPr>
+              <a:t>- </a:t>
+            </a:r>
+            <a:r>
+              <a:rPr lang="en-US" altLang="ko-KR" dirty="0">
+                <a:sym typeface="Wingdings" panose="05000000000000000000" pitchFamily="2" charset="2"/>
+              </a:rPr>
+              <a:t>MainActivity.java </a:t>
+            </a:r>
+            <a:r>
+              <a:rPr lang="ko-KR" altLang="en-US" dirty="0" smtClean="0">
+                <a:sym typeface="Wingdings" panose="05000000000000000000" pitchFamily="2" charset="2"/>
+              </a:rPr>
+              <a:t>코딩</a:t>
+            </a:r>
+            <a:endParaRPr lang="ko-KR" altLang="en-US" dirty="0"/>
+          </a:p>
+        </p:txBody>
+      </p:sp>
+      <p:sp>
+        <p:nvSpPr>
+          <p:cNvPr id="3" name="내용 개체 틀 2"/>
+          <p:cNvSpPr>
+            <a:spLocks noGrp="1"/>
+          </p:cNvSpPr>
+          <p:nvPr>
+            <p:ph idx="10"/>
+          </p:nvPr>
+        </p:nvSpPr>
+        <p:spPr/>
+        <p:txBody>
+          <a:bodyPr/>
+          <a:lstStyle/>
+          <a:p>
+            <a:pPr marL="0" indent="0">
+              <a:buNone/>
+            </a:pPr>
+            <a:r>
+              <a:rPr lang="ko-KR" altLang="en-US" b="1" dirty="0">
+                <a:solidFill>
+                  <a:srgbClr val="C00000"/>
+                </a:solidFill>
+                <a:sym typeface="Wingdings" panose="05000000000000000000" pitchFamily="2" charset="2"/>
+              </a:rPr>
+              <a:t>카메라 </a:t>
+            </a:r>
+            <a:r>
+              <a:rPr lang="ko-KR" altLang="en-US" b="1" dirty="0" err="1">
+                <a:solidFill>
+                  <a:srgbClr val="C00000"/>
+                </a:solidFill>
+                <a:sym typeface="Wingdings" panose="05000000000000000000" pitchFamily="2" charset="2"/>
+              </a:rPr>
+              <a:t>미리보기</a:t>
+            </a:r>
+            <a:r>
+              <a:rPr lang="ko-KR" altLang="en-US" b="1" dirty="0">
+                <a:solidFill>
+                  <a:srgbClr val="C00000"/>
+                </a:solidFill>
+                <a:sym typeface="Wingdings" panose="05000000000000000000" pitchFamily="2" charset="2"/>
+              </a:rPr>
+              <a:t> 실습 </a:t>
+            </a:r>
+            <a:r>
+              <a:rPr lang="en-US" altLang="ko-KR" b="1" dirty="0">
+                <a:solidFill>
+                  <a:srgbClr val="C00000"/>
+                </a:solidFill>
+                <a:sym typeface="Wingdings" panose="05000000000000000000" pitchFamily="2" charset="2"/>
+              </a:rPr>
+              <a:t>– </a:t>
+            </a:r>
+            <a:r>
+              <a:rPr lang="en-US" altLang="ko-KR" b="1" dirty="0" err="1">
+                <a:sym typeface="Wingdings" panose="05000000000000000000" pitchFamily="2" charset="2"/>
+              </a:rPr>
+              <a:t>CameraSurfaceView</a:t>
+            </a:r>
+            <a:r>
+              <a:rPr lang="en-US" altLang="ko-KR" b="1" dirty="0">
+                <a:sym typeface="Wingdings" panose="05000000000000000000" pitchFamily="2" charset="2"/>
+              </a:rPr>
+              <a:t> </a:t>
+            </a:r>
+            <a:r>
+              <a:rPr lang="ko-KR" altLang="en-US" b="1" dirty="0" smtClean="0">
+                <a:sym typeface="Wingdings" panose="05000000000000000000" pitchFamily="2" charset="2"/>
+              </a:rPr>
+              <a:t>내부 클래스 </a:t>
+            </a:r>
+            <a:r>
+              <a:rPr lang="ko-KR" altLang="en-US" b="1" dirty="0">
+                <a:sym typeface="Wingdings" panose="05000000000000000000" pitchFamily="2" charset="2"/>
+              </a:rPr>
+              <a:t>정의하기</a:t>
+            </a:r>
+            <a:endParaRPr lang="ko-KR" altLang="en-US" dirty="0"/>
+          </a:p>
+          <a:p>
+            <a:endParaRPr lang="en-US" altLang="ko-KR" dirty="0">
+              <a:sym typeface="Wingdings" panose="05000000000000000000" pitchFamily="2" charset="2"/>
+            </a:endParaRPr>
+          </a:p>
+        </p:txBody>
+      </p:sp>
+      <p:sp>
+        <p:nvSpPr>
+          <p:cNvPr id="4" name="슬라이드 번호 개체 틀 3"/>
+          <p:cNvSpPr>
+            <a:spLocks noGrp="1"/>
+          </p:cNvSpPr>
+          <p:nvPr>
+            <p:ph type="sldNum" sz="quarter" idx="14"/>
+          </p:nvPr>
+        </p:nvSpPr>
+        <p:spPr/>
+        <p:txBody>
+          <a:bodyPr/>
+          <a:lstStyle/>
+          <a:p>
+            <a:pPr>
+              <a:defRPr/>
+            </a:pPr>
+            <a:fld id="{3D493B47-E977-46F8-8C2F-7DA674317049}" type="slidenum">
+              <a:rPr lang="ko-KR" altLang="en-US" smtClean="0"/>
+              <a:pPr>
+                <a:defRPr/>
+              </a:pPr>
+              <a:t>28</a:t>
             </a:fld>
             <a:endParaRPr lang="ko-KR" altLang="en-US"/>
           </a:p>
@@ -20284,7 +20869,7 @@
 </p:sld>
 </file>
 
-<file path=ppt/slides/slide28.xml><?xml version="1.0" encoding="utf-8"?>
+<file path=ppt/slides/slide29.xml><?xml version="1.0" encoding="utf-8"?>
 <p:sld xmlns:a="http://schemas.openxmlformats.org/drawingml/2006/main" xmlns:r="http://schemas.openxmlformats.org/officeDocument/2006/relationships" xmlns:p="http://schemas.openxmlformats.org/presentationml/2006/main">
   <p:cSld>
     <p:spTree>
@@ -20507,7 +21092,7 @@
               <a:pPr>
                 <a:defRPr/>
               </a:pPr>
-              <a:t>28</a:t>
+              <a:t>29</a:t>
             </a:fld>
             <a:endParaRPr lang="ko-KR" altLang="en-US"/>
           </a:p>
@@ -21411,7 +21996,329 @@
 </p:sld>
 </file>
 
-<file path=ppt/slides/slide29.xml><?xml version="1.0" encoding="utf-8"?>
+<file path=ppt/slides/slide3.xml><?xml version="1.0" encoding="utf-8"?>
+<p:sld xmlns:a="http://schemas.openxmlformats.org/drawingml/2006/main" xmlns:r="http://schemas.openxmlformats.org/officeDocument/2006/relationships" xmlns:p="http://schemas.openxmlformats.org/presentationml/2006/main">
+  <p:cSld>
+    <p:spTree>
+      <p:nvGrpSpPr>
+        <p:cNvPr id="1" name=""/>
+        <p:cNvGrpSpPr/>
+        <p:nvPr/>
+      </p:nvGrpSpPr>
+      <p:grpSpPr>
+        <a:xfrm>
+          <a:off x="0" y="0"/>
+          <a:ext cx="0" cy="0"/>
+          <a:chOff x="0" y="0"/>
+          <a:chExt cx="0" cy="0"/>
+        </a:xfrm>
+      </p:grpSpPr>
+      <p:sp>
+        <p:nvSpPr>
+          <p:cNvPr id="2" name="제목 1"/>
+          <p:cNvSpPr>
+            <a:spLocks noGrp="1"/>
+          </p:cNvSpPr>
+          <p:nvPr>
+            <p:ph type="title"/>
+          </p:nvPr>
+        </p:nvSpPr>
+        <p:spPr/>
+        <p:txBody>
+          <a:bodyPr/>
+          <a:lstStyle/>
+          <a:p>
+            <a:r>
+              <a:rPr lang="en-US" altLang="ko-KR" dirty="0" smtClean="0">
+                <a:latin typeface="나눔고딕" panose="020D0604000000000000" pitchFamily="50" charset="-127"/>
+                <a:ea typeface="나눔고딕" panose="020D0604000000000000" pitchFamily="50" charset="-127"/>
+              </a:rPr>
+              <a:t>07-1 </a:t>
+            </a:r>
+            <a:r>
+              <a:rPr lang="ko-KR" altLang="en-US" dirty="0" smtClean="0">
+                <a:latin typeface="나눔고딕" panose="020D0604000000000000" pitchFamily="50" charset="-127"/>
+                <a:ea typeface="나눔고딕" panose="020D0604000000000000" pitchFamily="50" charset="-127"/>
+              </a:rPr>
+              <a:t>카메라로 사진 찍어 저장하기 </a:t>
+            </a:r>
+            <a:endParaRPr lang="ko-KR" altLang="en-US" dirty="0"/>
+          </a:p>
+        </p:txBody>
+      </p:sp>
+      <p:sp>
+        <p:nvSpPr>
+          <p:cNvPr id="3" name="내용 개체 틀 2"/>
+          <p:cNvSpPr>
+            <a:spLocks noGrp="1"/>
+          </p:cNvSpPr>
+          <p:nvPr>
+            <p:ph idx="10"/>
+          </p:nvPr>
+        </p:nvSpPr>
+        <p:spPr/>
+        <p:txBody>
+          <a:bodyPr/>
+          <a:lstStyle/>
+          <a:p>
+            <a:r>
+              <a:rPr lang="ko-KR" altLang="en-US" dirty="0" smtClean="0">
+                <a:sym typeface="Wingdings" panose="05000000000000000000" pitchFamily="2" charset="2"/>
+              </a:rPr>
+              <a:t>단말에는 카메라 앱이 미리 설치되어 있는 이 앱을 사용하면 가장 간단하게 다른 기능의 앱을 구현할 수 있습니다</a:t>
+            </a:r>
+            <a:r>
+              <a:rPr lang="en-US" altLang="ko-KR" dirty="0" smtClean="0">
+                <a:sym typeface="Wingdings" panose="05000000000000000000" pitchFamily="2" charset="2"/>
+              </a:rPr>
+              <a:t>. </a:t>
+            </a:r>
+            <a:r>
+              <a:rPr lang="ko-KR" altLang="en-US" dirty="0" smtClean="0">
+                <a:sym typeface="Wingdings" panose="05000000000000000000" pitchFamily="2" charset="2"/>
+              </a:rPr>
+              <a:t>카메라로 사진을 찍기 위해 사용되는 방법은 크게 두 가지로 나눌 수 있습니다</a:t>
+            </a:r>
+            <a:r>
+              <a:rPr lang="en-US" altLang="ko-KR" dirty="0" smtClean="0">
+                <a:sym typeface="Wingdings" panose="05000000000000000000" pitchFamily="2" charset="2"/>
+              </a:rPr>
+              <a:t>.</a:t>
+            </a:r>
+          </a:p>
+          <a:p>
+            <a:pPr lvl="1"/>
+            <a:r>
+              <a:rPr lang="ko-KR" altLang="en-US" dirty="0" err="1" smtClean="0">
+                <a:sym typeface="Wingdings" panose="05000000000000000000" pitchFamily="2" charset="2"/>
+              </a:rPr>
+              <a:t>인텐트로</a:t>
+            </a:r>
+            <a:r>
+              <a:rPr lang="ko-KR" altLang="en-US" dirty="0" smtClean="0">
+                <a:sym typeface="Wingdings" panose="05000000000000000000" pitchFamily="2" charset="2"/>
+              </a:rPr>
+              <a:t> 단말의 카메라 앱을 실행한 후 결과 사진을 받아 처리하기</a:t>
+            </a:r>
+            <a:endParaRPr lang="en-US" altLang="ko-KR" dirty="0" smtClean="0">
+              <a:sym typeface="Wingdings" panose="05000000000000000000" pitchFamily="2" charset="2"/>
+            </a:endParaRPr>
+          </a:p>
+          <a:p>
+            <a:pPr lvl="1"/>
+            <a:r>
+              <a:rPr lang="ko-KR" altLang="en-US" dirty="0" smtClean="0">
+                <a:sym typeface="Wingdings" panose="05000000000000000000" pitchFamily="2" charset="2"/>
+              </a:rPr>
+              <a:t>앱 화면에 카메라 </a:t>
+            </a:r>
+            <a:r>
+              <a:rPr lang="ko-KR" altLang="en-US" dirty="0" err="1" smtClean="0">
+                <a:sym typeface="Wingdings" panose="05000000000000000000" pitchFamily="2" charset="2"/>
+              </a:rPr>
+              <a:t>미리보기를</a:t>
+            </a:r>
+            <a:r>
+              <a:rPr lang="ko-KR" altLang="en-US" dirty="0" smtClean="0">
+                <a:sym typeface="Wingdings" panose="05000000000000000000" pitchFamily="2" charset="2"/>
+              </a:rPr>
+              <a:t> 보여주고 직접 사진을 찍어 처리하기</a:t>
+            </a:r>
+            <a:endParaRPr lang="en-US" altLang="ko-KR" dirty="0" smtClean="0">
+              <a:sym typeface="Wingdings" panose="05000000000000000000" pitchFamily="2" charset="2"/>
+            </a:endParaRPr>
+          </a:p>
+          <a:p>
+            <a:pPr marL="0" indent="0">
+              <a:buNone/>
+            </a:pPr>
+            <a:r>
+              <a:rPr lang="ko-KR" altLang="en-US" b="1" dirty="0" smtClean="0">
+                <a:sym typeface="Wingdings" panose="05000000000000000000" pitchFamily="2" charset="2"/>
+              </a:rPr>
+              <a:t>카메라 실습</a:t>
+            </a:r>
+            <a:r>
+              <a:rPr lang="en-US" altLang="ko-KR" b="1" dirty="0" smtClean="0">
+                <a:sym typeface="Wingdings" panose="05000000000000000000" pitchFamily="2" charset="2"/>
+              </a:rPr>
+              <a:t>: </a:t>
+            </a:r>
+          </a:p>
+          <a:p>
+            <a:r>
+              <a:rPr lang="ko-KR" altLang="en-US" dirty="0" smtClean="0">
+                <a:sym typeface="Wingdings" panose="05000000000000000000" pitchFamily="2" charset="2"/>
+              </a:rPr>
+              <a:t>인텐트를 사용해서 단말의 카메라 앱을 실행한 후 결과 사진을 받아 처리하는 실습을 합니다</a:t>
+            </a:r>
+            <a:r>
+              <a:rPr lang="en-US" altLang="ko-KR" dirty="0" smtClean="0">
+                <a:sym typeface="Wingdings" panose="05000000000000000000" pitchFamily="2" charset="2"/>
+              </a:rPr>
+              <a:t>.  </a:t>
+            </a:r>
+          </a:p>
+          <a:p>
+            <a:pPr lvl="1"/>
+            <a:r>
+              <a:rPr lang="ko-KR" altLang="en-US" dirty="0" smtClean="0">
+                <a:sym typeface="Wingdings" panose="05000000000000000000" pitchFamily="2" charset="2"/>
+              </a:rPr>
+              <a:t>사용자가 화면의 버튼을 클릭했을 때 카메라 앱의 화면을 띄웁니다</a:t>
+            </a:r>
+            <a:r>
+              <a:rPr lang="en-US" altLang="ko-KR" dirty="0" smtClean="0">
+                <a:sym typeface="Wingdings" panose="05000000000000000000" pitchFamily="2" charset="2"/>
+              </a:rPr>
+              <a:t>. </a:t>
+            </a:r>
+          </a:p>
+          <a:p>
+            <a:pPr lvl="1"/>
+            <a:r>
+              <a:rPr lang="ko-KR" altLang="en-US" dirty="0" smtClean="0">
+                <a:sym typeface="Wingdings" panose="05000000000000000000" pitchFamily="2" charset="2"/>
+              </a:rPr>
+              <a:t>카메라 앱으로 사진을 찍은 후 원래 화면으로 돌아오면 찍은 사진을 화면에 보여주게 합니다</a:t>
+            </a:r>
+            <a:r>
+              <a:rPr lang="en-US" altLang="ko-KR" dirty="0" smtClean="0">
+                <a:sym typeface="Wingdings" panose="05000000000000000000" pitchFamily="2" charset="2"/>
+              </a:rPr>
+              <a:t>. </a:t>
+            </a:r>
+          </a:p>
+          <a:p>
+            <a:r>
+              <a:rPr lang="ko-KR" altLang="en-US" dirty="0" smtClean="0">
+                <a:sym typeface="Wingdings" panose="05000000000000000000" pitchFamily="2" charset="2"/>
+              </a:rPr>
+              <a:t>새 </a:t>
+            </a:r>
+            <a:r>
+              <a:rPr lang="en-US" altLang="ko-KR" dirty="0" err="1" smtClean="0">
+                <a:sym typeface="Wingdings" panose="05000000000000000000" pitchFamily="2" charset="2"/>
+              </a:rPr>
+              <a:t>SampleCaptureIntent</a:t>
+            </a:r>
+            <a:r>
+              <a:rPr lang="en-US" altLang="ko-KR" dirty="0" smtClean="0">
+                <a:sym typeface="Wingdings" panose="05000000000000000000" pitchFamily="2" charset="2"/>
+              </a:rPr>
+              <a:t> </a:t>
+            </a:r>
+            <a:r>
+              <a:rPr lang="ko-KR" altLang="en-US" dirty="0" smtClean="0">
+                <a:sym typeface="Wingdings" panose="05000000000000000000" pitchFamily="2" charset="2"/>
+              </a:rPr>
+              <a:t>프로젝트를 시작하고 패키지 이름은 </a:t>
+            </a:r>
+            <a:r>
+              <a:rPr lang="en-US" altLang="ko-KR" dirty="0" err="1" smtClean="0">
+                <a:sym typeface="Wingdings" panose="05000000000000000000" pitchFamily="2" charset="2"/>
+              </a:rPr>
+              <a:t>com.example.capture.intent</a:t>
+            </a:r>
+            <a:r>
+              <a:rPr lang="en-US" altLang="ko-KR" dirty="0" smtClean="0">
+                <a:sym typeface="Wingdings" panose="05000000000000000000" pitchFamily="2" charset="2"/>
+              </a:rPr>
+              <a:t> </a:t>
+            </a:r>
+            <a:r>
+              <a:rPr lang="ko-KR" altLang="en-US" dirty="0" smtClean="0">
+                <a:sym typeface="Wingdings" panose="05000000000000000000" pitchFamily="2" charset="2"/>
+              </a:rPr>
+              <a:t>으로 입력합니다</a:t>
+            </a:r>
+            <a:r>
+              <a:rPr lang="en-US" altLang="ko-KR" dirty="0" smtClean="0">
+                <a:sym typeface="Wingdings" panose="05000000000000000000" pitchFamily="2" charset="2"/>
+              </a:rPr>
+              <a:t>.</a:t>
+            </a:r>
+          </a:p>
+          <a:p>
+            <a:r>
+              <a:rPr lang="ko-KR" altLang="en-US" dirty="0" smtClean="0">
+                <a:sym typeface="Wingdings" panose="05000000000000000000" pitchFamily="2" charset="2"/>
+              </a:rPr>
+              <a:t>프로젝트 창에서 </a:t>
+            </a:r>
+            <a:r>
+              <a:rPr lang="en-US" altLang="ko-KR" dirty="0" smtClean="0">
+                <a:sym typeface="Wingdings" panose="05000000000000000000" pitchFamily="2" charset="2"/>
+              </a:rPr>
+              <a:t>activity_main.xml </a:t>
+            </a:r>
+            <a:r>
+              <a:rPr lang="ko-KR" altLang="en-US" dirty="0" smtClean="0">
+                <a:sym typeface="Wingdings" panose="05000000000000000000" pitchFamily="2" charset="2"/>
+              </a:rPr>
+              <a:t>에서 다음과 같은 화면을 만듭니다</a:t>
+            </a:r>
+            <a:r>
+              <a:rPr lang="en-US" altLang="ko-KR" dirty="0" smtClean="0">
+                <a:sym typeface="Wingdings" panose="05000000000000000000" pitchFamily="2" charset="2"/>
+              </a:rPr>
+              <a:t>. </a:t>
+            </a:r>
+            <a:r>
+              <a:rPr lang="ko-KR" altLang="en-US" dirty="0" smtClean="0">
+                <a:sym typeface="Wingdings" panose="05000000000000000000" pitchFamily="2" charset="2"/>
+              </a:rPr>
+              <a:t> </a:t>
+            </a:r>
+            <a:endParaRPr lang="en-US" altLang="ko-KR" dirty="0">
+              <a:sym typeface="Wingdings" panose="05000000000000000000" pitchFamily="2" charset="2"/>
+            </a:endParaRPr>
+          </a:p>
+        </p:txBody>
+      </p:sp>
+      <p:sp>
+        <p:nvSpPr>
+          <p:cNvPr id="4" name="슬라이드 번호 개체 틀 3"/>
+          <p:cNvSpPr>
+            <a:spLocks noGrp="1"/>
+          </p:cNvSpPr>
+          <p:nvPr>
+            <p:ph type="sldNum" sz="quarter" idx="14"/>
+          </p:nvPr>
+        </p:nvSpPr>
+        <p:spPr/>
+        <p:txBody>
+          <a:bodyPr/>
+          <a:lstStyle/>
+          <a:p>
+            <a:pPr>
+              <a:defRPr/>
+            </a:pPr>
+            <a:fld id="{3D493B47-E977-46F8-8C2F-7DA674317049}" type="slidenum">
+              <a:rPr lang="ko-KR" altLang="en-US" smtClean="0"/>
+              <a:pPr>
+                <a:defRPr/>
+              </a:pPr>
+              <a:t>3</a:t>
+            </a:fld>
+            <a:endParaRPr lang="ko-KR" altLang="en-US"/>
+          </a:p>
+        </p:txBody>
+      </p:sp>
+    </p:spTree>
+    <p:extLst>
+      <p:ext uri="{BB962C8B-B14F-4D97-AF65-F5344CB8AC3E}">
+        <p14:creationId xmlns:p14="http://schemas.microsoft.com/office/powerpoint/2010/main" val="193662674"/>
+      </p:ext>
+    </p:extLst>
+  </p:cSld>
+  <p:clrMapOvr>
+    <a:masterClrMapping/>
+  </p:clrMapOvr>
+</p:sld>
+</file>
+
+<file path=ppt/slides/slide30.xml><?xml version="1.0" encoding="utf-8"?>
 <p:sld xmlns:a="http://schemas.openxmlformats.org/drawingml/2006/main" xmlns:r="http://schemas.openxmlformats.org/officeDocument/2006/relationships" xmlns:p="http://schemas.openxmlformats.org/presentationml/2006/main">
   <p:cSld>
     <p:spTree>
@@ -21634,7 +22541,7 @@
               <a:pPr>
                 <a:defRPr/>
               </a:pPr>
-              <a:t>29</a:t>
+              <a:t>30</a:t>
             </a:fld>
             <a:endParaRPr lang="ko-KR" altLang="en-US"/>
           </a:p>
@@ -22775,7 +23682,7 @@
 </p:sld>
 </file>
 
-<file path=ppt/slides/slide3.xml><?xml version="1.0" encoding="utf-8"?>
+<file path=ppt/slides/slide31.xml><?xml version="1.0" encoding="utf-8"?>
 <p:sld xmlns:a="http://schemas.openxmlformats.org/drawingml/2006/main" xmlns:r="http://schemas.openxmlformats.org/officeDocument/2006/relationships" xmlns:p="http://schemas.openxmlformats.org/presentationml/2006/main">
   <p:cSld>
     <p:spTree>
@@ -22812,14 +23719,56 @@
                 <a:latin typeface="나눔고딕" panose="020D0604000000000000" pitchFamily="50" charset="-127"/>
                 <a:ea typeface="나눔고딕" panose="020D0604000000000000" pitchFamily="50" charset="-127"/>
               </a:rPr>
-              <a:t>07-1 </a:t>
+              <a:t>07-2 </a:t>
             </a:r>
             <a:r>
               <a:rPr lang="ko-KR" altLang="en-US" dirty="0" smtClean="0">
                 <a:latin typeface="나눔고딕" panose="020D0604000000000000" pitchFamily="50" charset="-127"/>
                 <a:ea typeface="나눔고딕" panose="020D0604000000000000" pitchFamily="50" charset="-127"/>
               </a:rPr>
-              <a:t>카메라로 사진 찍어 저장하기 </a:t>
+              <a:t>화면에 카메라 </a:t>
+            </a:r>
+            <a:r>
+              <a:rPr lang="ko-KR" altLang="en-US" dirty="0" err="1" smtClean="0">
+                <a:latin typeface="나눔고딕" panose="020D0604000000000000" pitchFamily="50" charset="-127"/>
+                <a:ea typeface="나눔고딕" panose="020D0604000000000000" pitchFamily="50" charset="-127"/>
+              </a:rPr>
+              <a:t>미리보기</a:t>
+            </a:r>
+            <a:r>
+              <a:rPr lang="ko-KR" altLang="en-US" dirty="0" smtClean="0">
+                <a:latin typeface="나눔고딕" panose="020D0604000000000000" pitchFamily="50" charset="-127"/>
+                <a:ea typeface="나눔고딕" panose="020D0604000000000000" pitchFamily="50" charset="-127"/>
+              </a:rPr>
+              <a:t> 넣기 </a:t>
+            </a:r>
+            <a:r>
+              <a:rPr lang="en-US" altLang="ko-KR" dirty="0" smtClean="0">
+                <a:latin typeface="나눔고딕" panose="020D0604000000000000" pitchFamily="50" charset="-127"/>
+                <a:ea typeface="나눔고딕" panose="020D0604000000000000" pitchFamily="50" charset="-127"/>
+              </a:rPr>
+              <a:t>– </a:t>
+            </a:r>
+            <a:r>
+              <a:rPr lang="ko-KR" altLang="en-US" dirty="0" smtClean="0">
+                <a:latin typeface="나눔고딕" panose="020D0604000000000000" pitchFamily="50" charset="-127"/>
+                <a:ea typeface="나눔고딕" panose="020D0604000000000000" pitchFamily="50" charset="-127"/>
+              </a:rPr>
+              <a:t>카메라 </a:t>
+            </a:r>
+            <a:r>
+              <a:rPr lang="ko-KR" altLang="en-US" dirty="0" err="1" smtClean="0">
+                <a:latin typeface="나눔고딕" panose="020D0604000000000000" pitchFamily="50" charset="-127"/>
+                <a:ea typeface="나눔고딕" panose="020D0604000000000000" pitchFamily="50" charset="-127"/>
+              </a:rPr>
+              <a:t>미리보기</a:t>
+            </a:r>
+            <a:r>
+              <a:rPr lang="ko-KR" altLang="en-US" dirty="0" smtClean="0">
+                <a:latin typeface="나눔고딕" panose="020D0604000000000000" pitchFamily="50" charset="-127"/>
+                <a:ea typeface="나눔고딕" panose="020D0604000000000000" pitchFamily="50" charset="-127"/>
+              </a:rPr>
+              <a:t> 실습</a:t>
             </a:r>
             <a:endParaRPr lang="ko-KR" altLang="en-US" dirty="0"/>
           </a:p>
@@ -22840,214 +23789,155 @@
           <a:bodyPr/>
           <a:lstStyle/>
           <a:p>
-            <a:r>
-              <a:rPr lang="ko-KR" altLang="en-US" dirty="0" smtClean="0">
-                <a:sym typeface="Wingdings" panose="05000000000000000000" pitchFamily="2" charset="2"/>
-              </a:rPr>
-              <a:t>단말에는 카메라 앱이 미리 설치되어 있는 이 앱을 사용하면 가장 간단하게 다른 기능의 앱을 구현할 수 있습니다</a:t>
-            </a:r>
-            <a:r>
-              <a:rPr lang="en-US" altLang="ko-KR" dirty="0" smtClean="0">
-                <a:sym typeface="Wingdings" panose="05000000000000000000" pitchFamily="2" charset="2"/>
-              </a:rPr>
-              <a:t>. </a:t>
-            </a:r>
-            <a:r>
-              <a:rPr lang="ko-KR" altLang="en-US" dirty="0" smtClean="0">
-                <a:sym typeface="Wingdings" panose="05000000000000000000" pitchFamily="2" charset="2"/>
-              </a:rPr>
-              <a:t>카메라로 사진을 찍기 위해 사용되는 방법은 크게 두 가지로 나눌 수 있습니다</a:t>
-            </a:r>
-            <a:r>
-              <a:rPr lang="en-US" altLang="ko-KR" dirty="0" smtClean="0">
-                <a:sym typeface="Wingdings" panose="05000000000000000000" pitchFamily="2" charset="2"/>
-              </a:rPr>
-              <a:t>.</a:t>
-            </a:r>
-          </a:p>
-          <a:p>
-            <a:pPr lvl="1"/>
-            <a:r>
-              <a:rPr lang="ko-KR" altLang="en-US" dirty="0" err="1" smtClean="0">
-                <a:sym typeface="Wingdings" panose="05000000000000000000" pitchFamily="2" charset="2"/>
-              </a:rPr>
-              <a:t>인텐트로</a:t>
-            </a:r>
-            <a:r>
-              <a:rPr lang="ko-KR" altLang="en-US" dirty="0" smtClean="0">
-                <a:sym typeface="Wingdings" panose="05000000000000000000" pitchFamily="2" charset="2"/>
-              </a:rPr>
-              <a:t> 단말의 카메라 앱을 실행한 후 결과 사진을 받아 처리하기</a:t>
-            </a:r>
-            <a:endParaRPr lang="en-US" altLang="ko-KR" dirty="0" smtClean="0">
+            <a:pPr marL="0" indent="0">
+              <a:buNone/>
+            </a:pPr>
+            <a:r>
+              <a:rPr lang="ko-KR" altLang="en-US" b="1" dirty="0">
+                <a:solidFill>
+                  <a:srgbClr val="C00000"/>
+                </a:solidFill>
+                <a:sym typeface="Wingdings" panose="05000000000000000000" pitchFamily="2" charset="2"/>
+              </a:rPr>
+              <a:t>카메라 </a:t>
+            </a:r>
+            <a:r>
+              <a:rPr lang="ko-KR" altLang="en-US" b="1" dirty="0" err="1">
+                <a:solidFill>
+                  <a:srgbClr val="C00000"/>
+                </a:solidFill>
+                <a:sym typeface="Wingdings" panose="05000000000000000000" pitchFamily="2" charset="2"/>
+              </a:rPr>
+              <a:t>미리보기</a:t>
+            </a:r>
+            <a:r>
+              <a:rPr lang="ko-KR" altLang="en-US" b="1" dirty="0">
+                <a:solidFill>
+                  <a:srgbClr val="C00000"/>
+                </a:solidFill>
+                <a:sym typeface="Wingdings" panose="05000000000000000000" pitchFamily="2" charset="2"/>
+              </a:rPr>
+              <a:t> 실습 </a:t>
+            </a:r>
+            <a:r>
+              <a:rPr lang="en-US" altLang="ko-KR" b="1" dirty="0" smtClean="0">
+                <a:solidFill>
+                  <a:srgbClr val="C00000"/>
+                </a:solidFill>
+                <a:sym typeface="Wingdings" panose="05000000000000000000" pitchFamily="2" charset="2"/>
+              </a:rPr>
+              <a:t>– </a:t>
+            </a:r>
+            <a:r>
+              <a:rPr lang="en-US" altLang="ko-KR" b="1" dirty="0" smtClean="0">
+                <a:sym typeface="Wingdings" panose="05000000000000000000" pitchFamily="2" charset="2"/>
+              </a:rPr>
+              <a:t>AndroidManifest.xml, MainActivity.java, </a:t>
+            </a:r>
+            <a:r>
+              <a:rPr lang="en-US" altLang="ko-KR" b="1" dirty="0" err="1" smtClean="0">
+                <a:sym typeface="Wingdings" panose="05000000000000000000" pitchFamily="2" charset="2"/>
+              </a:rPr>
+              <a:t>build.gradle</a:t>
+            </a:r>
+            <a:r>
+              <a:rPr lang="en-US" altLang="ko-KR" b="1" dirty="0" smtClean="0">
+                <a:sym typeface="Wingdings" panose="05000000000000000000" pitchFamily="2" charset="2"/>
+              </a:rPr>
+              <a:t> </a:t>
+            </a:r>
+            <a:r>
+              <a:rPr lang="ko-KR" altLang="en-US" b="1" dirty="0" smtClean="0">
+                <a:sym typeface="Wingdings" panose="05000000000000000000" pitchFamily="2" charset="2"/>
+              </a:rPr>
+              <a:t>수정하여 위헌 권한 추가하기 </a:t>
+            </a:r>
+            <a:endParaRPr lang="en-US" altLang="ko-KR" b="1" dirty="0" smtClean="0">
               <a:sym typeface="Wingdings" panose="05000000000000000000" pitchFamily="2" charset="2"/>
             </a:endParaRPr>
           </a:p>
           <a:p>
-            <a:pPr lvl="1"/>
-            <a:r>
-              <a:rPr lang="ko-KR" altLang="en-US" dirty="0" smtClean="0">
-                <a:sym typeface="Wingdings" panose="05000000000000000000" pitchFamily="2" charset="2"/>
-              </a:rPr>
-              <a:t>앱 화면에 카메라 </a:t>
+            <a:r>
+              <a:rPr lang="ko-KR" altLang="en-US" dirty="0" smtClean="0">
+                <a:sym typeface="Wingdings" panose="05000000000000000000" pitchFamily="2" charset="2"/>
+              </a:rPr>
+              <a:t>앱이 </a:t>
+            </a:r>
+            <a:r>
+              <a:rPr lang="en-US" altLang="ko-KR" dirty="0" smtClean="0">
+                <a:sym typeface="Wingdings" panose="05000000000000000000" pitchFamily="2" charset="2"/>
+              </a:rPr>
+              <a:t>Camera</a:t>
+            </a:r>
+            <a:r>
+              <a:rPr lang="ko-KR" altLang="en-US" dirty="0" smtClean="0">
+                <a:sym typeface="Wingdings" panose="05000000000000000000" pitchFamily="2" charset="2"/>
+              </a:rPr>
+              <a:t>와 </a:t>
+            </a:r>
+            <a:r>
+              <a:rPr lang="en-US" altLang="ko-KR" dirty="0" smtClean="0">
+                <a:sym typeface="Wingdings" panose="05000000000000000000" pitchFamily="2" charset="2"/>
+              </a:rPr>
+              <a:t>SD</a:t>
+            </a:r>
+            <a:r>
+              <a:rPr lang="ko-KR" altLang="en-US" dirty="0" smtClean="0">
+                <a:sym typeface="Wingdings" panose="05000000000000000000" pitchFamily="2" charset="2"/>
+              </a:rPr>
+              <a:t>카드를 접근하므로 이 권한을 </a:t>
             </a:r>
             <a:r>
               <a:rPr lang="ko-KR" altLang="en-US" dirty="0" err="1" smtClean="0">
                 <a:sym typeface="Wingdings" panose="05000000000000000000" pitchFamily="2" charset="2"/>
               </a:rPr>
-              <a:t>미리보기를</a:t>
-            </a:r>
-            <a:r>
-              <a:rPr lang="ko-KR" altLang="en-US" dirty="0" smtClean="0">
-                <a:sym typeface="Wingdings" panose="05000000000000000000" pitchFamily="2" charset="2"/>
-              </a:rPr>
-              <a:t> 보여주고 직접 사진을 찍어 처리하기</a:t>
-            </a:r>
-            <a:endParaRPr lang="en-US" altLang="ko-KR" dirty="0" smtClean="0">
+              <a:t>매네페스트와</a:t>
+            </a:r>
+            <a:r>
+              <a:rPr lang="ko-KR" altLang="en-US" dirty="0" smtClean="0">
+                <a:sym typeface="Wingdings" panose="05000000000000000000" pitchFamily="2" charset="2"/>
+              </a:rPr>
+              <a:t> 메인 액티비티</a:t>
+            </a:r>
+            <a:r>
+              <a:rPr lang="en-US" altLang="ko-KR" dirty="0" smtClean="0">
+                <a:sym typeface="Wingdings" panose="05000000000000000000" pitchFamily="2" charset="2"/>
+              </a:rPr>
+              <a:t>, </a:t>
+            </a:r>
+            <a:r>
+              <a:rPr lang="ko-KR" altLang="en-US" dirty="0" err="1" smtClean="0">
+                <a:sym typeface="Wingdings" panose="05000000000000000000" pitchFamily="2" charset="2"/>
+              </a:rPr>
+              <a:t>그래들에</a:t>
+            </a:r>
+            <a:r>
+              <a:rPr lang="ko-KR" altLang="en-US" dirty="0" smtClean="0">
+                <a:sym typeface="Wingdings" panose="05000000000000000000" pitchFamily="2" charset="2"/>
+              </a:rPr>
+              <a:t> 추가해야 합니다</a:t>
+            </a:r>
+            <a:r>
+              <a:rPr lang="en-US" altLang="ko-KR" dirty="0" smtClean="0">
+                <a:sym typeface="Wingdings" panose="05000000000000000000" pitchFamily="2" charset="2"/>
+              </a:rPr>
+              <a:t>.  </a:t>
+            </a:r>
+          </a:p>
+          <a:p>
+            <a:endParaRPr lang="en-US" altLang="ko-KR" dirty="0">
               <a:sym typeface="Wingdings" panose="05000000000000000000" pitchFamily="2" charset="2"/>
             </a:endParaRPr>
           </a:p>
           <a:p>
-            <a:pPr marL="0" indent="0">
-              <a:buNone/>
-            </a:pPr>
-            <a:r>
-              <a:rPr lang="ko-KR" altLang="en-US" b="1" dirty="0" smtClean="0">
-                <a:sym typeface="Wingdings" panose="05000000000000000000" pitchFamily="2" charset="2"/>
-              </a:rPr>
-              <a:t>카메라 실습</a:t>
-            </a:r>
             <a:r>
               <a:rPr lang="en-US" altLang="ko-KR" b="1" dirty="0" smtClean="0">
-                <a:sym typeface="Wingdings" panose="05000000000000000000" pitchFamily="2" charset="2"/>
-              </a:rPr>
-              <a:t>: </a:t>
-            </a:r>
-          </a:p>
-          <a:p>
-            <a:r>
-              <a:rPr lang="ko-KR" altLang="en-US" dirty="0" smtClean="0">
-                <a:sym typeface="Wingdings" panose="05000000000000000000" pitchFamily="2" charset="2"/>
-              </a:rPr>
-              <a:t>인텐트를 사용해서 단말의 카메라 앱을 실행한 후 결과 사진을 받아 처리하는 실습을 합니다</a:t>
-            </a:r>
-            <a:r>
-              <a:rPr lang="en-US" altLang="ko-KR" dirty="0" smtClean="0">
-                <a:sym typeface="Wingdings" panose="05000000000000000000" pitchFamily="2" charset="2"/>
-              </a:rPr>
-              <a:t>.  </a:t>
-            </a:r>
-          </a:p>
-          <a:p>
-            <a:pPr lvl="1"/>
-            <a:r>
-              <a:rPr lang="ko-KR" altLang="en-US" dirty="0" smtClean="0">
-                <a:sym typeface="Wingdings" panose="05000000000000000000" pitchFamily="2" charset="2"/>
-              </a:rPr>
-              <a:t>사용자가 화면의 버튼을 클릭했을 때 카메라 앱의 화면을 띄웁니다</a:t>
-            </a:r>
-            <a:r>
-              <a:rPr lang="en-US" altLang="ko-KR" dirty="0" smtClean="0">
-                <a:sym typeface="Wingdings" panose="05000000000000000000" pitchFamily="2" charset="2"/>
-              </a:rPr>
-              <a:t>. </a:t>
-            </a:r>
-          </a:p>
-          <a:p>
-            <a:pPr lvl="1"/>
-            <a:r>
-              <a:rPr lang="ko-KR" altLang="en-US" dirty="0" smtClean="0">
-                <a:sym typeface="Wingdings" panose="05000000000000000000" pitchFamily="2" charset="2"/>
-              </a:rPr>
-              <a:t>카메라 앱으로 사진을 찍은 후 원래 화면으로 돌아오면 찍은 사진을 화면에 보여주게 합니다</a:t>
-            </a:r>
-            <a:r>
-              <a:rPr lang="en-US" altLang="ko-KR" dirty="0" smtClean="0">
-                <a:sym typeface="Wingdings" panose="05000000000000000000" pitchFamily="2" charset="2"/>
-              </a:rPr>
-              <a:t>. </a:t>
-            </a:r>
-          </a:p>
-          <a:p>
-            <a:r>
-              <a:rPr lang="ko-KR" altLang="en-US" dirty="0" smtClean="0">
-                <a:sym typeface="Wingdings" panose="05000000000000000000" pitchFamily="2" charset="2"/>
-              </a:rPr>
-              <a:t>새 </a:t>
-            </a:r>
-            <a:r>
-              <a:rPr lang="en-US" altLang="ko-KR" dirty="0" err="1" smtClean="0">
-                <a:sym typeface="Wingdings" panose="05000000000000000000" pitchFamily="2" charset="2"/>
-              </a:rPr>
-              <a:t>SampleCaptureIntent</a:t>
-            </a:r>
-            <a:r>
-              <a:rPr lang="en-US" altLang="ko-KR" dirty="0" smtClean="0">
-                <a:sym typeface="Wingdings" panose="05000000000000000000" pitchFamily="2" charset="2"/>
-              </a:rPr>
-              <a:t> </a:t>
-            </a:r>
-            <a:r>
-              <a:rPr lang="ko-KR" altLang="en-US" dirty="0" smtClean="0">
-                <a:sym typeface="Wingdings" panose="05000000000000000000" pitchFamily="2" charset="2"/>
-              </a:rPr>
-              <a:t>프로젝트를 시작하고 패키지 이름은 </a:t>
-            </a:r>
-            <a:r>
-              <a:rPr lang="en-US" altLang="ko-KR" dirty="0" err="1" smtClean="0">
-                <a:sym typeface="Wingdings" panose="05000000000000000000" pitchFamily="2" charset="2"/>
-              </a:rPr>
-              <a:t>com.example.capture.intent</a:t>
-            </a:r>
-            <a:r>
-              <a:rPr lang="en-US" altLang="ko-KR" dirty="0" smtClean="0">
-                <a:sym typeface="Wingdings" panose="05000000000000000000" pitchFamily="2" charset="2"/>
-              </a:rPr>
-              <a:t> </a:t>
-            </a:r>
-            <a:r>
-              <a:rPr lang="ko-KR" altLang="en-US" dirty="0" smtClean="0">
-                <a:sym typeface="Wingdings" panose="05000000000000000000" pitchFamily="2" charset="2"/>
-              </a:rPr>
-              <a:t>으로 입력합니다</a:t>
-            </a:r>
-            <a:r>
-              <a:rPr lang="en-US" altLang="ko-KR" dirty="0" smtClean="0">
-                <a:sym typeface="Wingdings" panose="05000000000000000000" pitchFamily="2" charset="2"/>
-              </a:rPr>
-              <a:t>.</a:t>
-            </a:r>
-          </a:p>
-          <a:p>
-            <a:r>
-              <a:rPr lang="ko-KR" altLang="en-US" dirty="0" smtClean="0">
-                <a:sym typeface="Wingdings" panose="05000000000000000000" pitchFamily="2" charset="2"/>
-              </a:rPr>
-              <a:t>프로젝트 창에서 </a:t>
-            </a:r>
-            <a:r>
-              <a:rPr lang="en-US" altLang="ko-KR" dirty="0" smtClean="0">
-                <a:sym typeface="Wingdings" panose="05000000000000000000" pitchFamily="2" charset="2"/>
-              </a:rPr>
-              <a:t>activity_main.xml </a:t>
-            </a:r>
-            <a:r>
-              <a:rPr lang="ko-KR" altLang="en-US" dirty="0" smtClean="0">
-                <a:sym typeface="Wingdings" panose="05000000000000000000" pitchFamily="2" charset="2"/>
-              </a:rPr>
-              <a:t>에서 다음과 같은 화면을 만듭니다</a:t>
-            </a:r>
-            <a:r>
-              <a:rPr lang="en-US" altLang="ko-KR" dirty="0" smtClean="0">
-                <a:sym typeface="Wingdings" panose="05000000000000000000" pitchFamily="2" charset="2"/>
-              </a:rPr>
-              <a:t>. </a:t>
-            </a:r>
-            <a:r>
-              <a:rPr lang="ko-KR" altLang="en-US" dirty="0" smtClean="0">
-                <a:sym typeface="Wingdings" panose="05000000000000000000" pitchFamily="2" charset="2"/>
-              </a:rPr>
-              <a:t> </a:t>
+                <a:solidFill>
+                  <a:srgbClr val="C00000"/>
+                </a:solidFill>
+                <a:sym typeface="Wingdings" panose="05000000000000000000" pitchFamily="2" charset="2"/>
+              </a:rPr>
+              <a:t>AndroidManifest.xml </a:t>
             </a:r>
             <a:endParaRPr lang="en-US" altLang="ko-KR" dirty="0">
               <a:sym typeface="Wingdings" panose="05000000000000000000" pitchFamily="2" charset="2"/>
@@ -23078,312 +23968,7 @@
               <a:pPr>
                 <a:defRPr/>
               </a:pPr>
-              <a:t>3</a:t>
-            </a:fld>
-            <a:endParaRPr lang="ko-KR" altLang="en-US"/>
-          </a:p>
-        </p:txBody>
-      </p:sp>
-    </p:spTree>
-    <p:extLst>
-      <p:ext uri="{BB962C8B-B14F-4D97-AF65-F5344CB8AC3E}">
-        <p14:creationId xmlns:p14="http://schemas.microsoft.com/office/powerpoint/2010/main" val="193662674"/>
-      </p:ext>
-    </p:extLst>
-  </p:cSld>
-  <p:clrMapOvr>
-    <a:masterClrMapping/>
-  </p:clrMapOvr>
-</p:sld>
-</file>
-
-<file path=ppt/slides/slide30.xml><?xml version="1.0" encoding="utf-8"?>
-<p:sld xmlns:a="http://schemas.openxmlformats.org/drawingml/2006/main" xmlns:r="http://schemas.openxmlformats.org/officeDocument/2006/relationships" xmlns:p="http://schemas.openxmlformats.org/presentationml/2006/main">
-  <p:cSld>
-    <p:spTree>
-      <p:nvGrpSpPr>
-        <p:cNvPr id="1" name=""/>
-        <p:cNvGrpSpPr/>
-        <p:nvPr/>
-      </p:nvGrpSpPr>
-      <p:grpSpPr>
-        <a:xfrm>
-          <a:off x="0" y="0"/>
-          <a:ext cx="0" cy="0"/>
-          <a:chOff x="0" y="0"/>
-          <a:chExt cx="0" cy="0"/>
-        </a:xfrm>
-      </p:grpSpPr>
-      <p:sp>
-        <p:nvSpPr>
-          <p:cNvPr id="2" name="제목 1"/>
-          <p:cNvSpPr>
-            <a:spLocks noGrp="1"/>
-          </p:cNvSpPr>
-          <p:nvPr>
-            <p:ph type="title"/>
-          </p:nvPr>
-        </p:nvSpPr>
-        <p:spPr/>
-        <p:txBody>
-          <a:bodyPr/>
-          <a:lstStyle/>
-          <a:p>
-            <a:r>
-              <a:rPr lang="en-US" altLang="ko-KR" dirty="0" smtClean="0">
-                <a:latin typeface="나눔고딕" panose="020D0604000000000000" pitchFamily="50" charset="-127"/>
-                <a:ea typeface="나눔고딕" panose="020D0604000000000000" pitchFamily="50" charset="-127"/>
-              </a:rPr>
-              <a:t>07-2 </a:t>
-            </a:r>
-            <a:r>
-              <a:rPr lang="ko-KR" altLang="en-US" dirty="0" smtClean="0">
-                <a:latin typeface="나눔고딕" panose="020D0604000000000000" pitchFamily="50" charset="-127"/>
-                <a:ea typeface="나눔고딕" panose="020D0604000000000000" pitchFamily="50" charset="-127"/>
-              </a:rPr>
-              <a:t>화면에 카메라 </a:t>
-            </a:r>
-            <a:r>
-              <a:rPr lang="ko-KR" altLang="en-US" dirty="0" err="1" smtClean="0">
-                <a:latin typeface="나눔고딕" panose="020D0604000000000000" pitchFamily="50" charset="-127"/>
-                <a:ea typeface="나눔고딕" panose="020D0604000000000000" pitchFamily="50" charset="-127"/>
-              </a:rPr>
-              <a:t>미리보기</a:t>
-            </a:r>
-            <a:r>
-              <a:rPr lang="ko-KR" altLang="en-US" dirty="0" smtClean="0">
-                <a:latin typeface="나눔고딕" panose="020D0604000000000000" pitchFamily="50" charset="-127"/>
-                <a:ea typeface="나눔고딕" panose="020D0604000000000000" pitchFamily="50" charset="-127"/>
-              </a:rPr>
-              <a:t> 넣기 </a:t>
-            </a:r>
-            <a:r>
-              <a:rPr lang="en-US" altLang="ko-KR" dirty="0" smtClean="0">
-                <a:latin typeface="나눔고딕" panose="020D0604000000000000" pitchFamily="50" charset="-127"/>
-                <a:ea typeface="나눔고딕" panose="020D0604000000000000" pitchFamily="50" charset="-127"/>
-              </a:rPr>
-              <a:t>– </a:t>
-            </a:r>
-            <a:r>
-              <a:rPr lang="ko-KR" altLang="en-US" dirty="0" smtClean="0">
-                <a:latin typeface="나눔고딕" panose="020D0604000000000000" pitchFamily="50" charset="-127"/>
-                <a:ea typeface="나눔고딕" panose="020D0604000000000000" pitchFamily="50" charset="-127"/>
-              </a:rPr>
-              <a:t>카메라 </a:t>
-            </a:r>
-            <a:r>
-              <a:rPr lang="ko-KR" altLang="en-US" dirty="0" err="1" smtClean="0">
-                <a:latin typeface="나눔고딕" panose="020D0604000000000000" pitchFamily="50" charset="-127"/>
-                <a:ea typeface="나눔고딕" panose="020D0604000000000000" pitchFamily="50" charset="-127"/>
-              </a:rPr>
-              <a:t>미리보기</a:t>
-            </a:r>
-            <a:r>
-              <a:rPr lang="ko-KR" altLang="en-US" dirty="0" smtClean="0">
-                <a:latin typeface="나눔고딕" panose="020D0604000000000000" pitchFamily="50" charset="-127"/>
-                <a:ea typeface="나눔고딕" panose="020D0604000000000000" pitchFamily="50" charset="-127"/>
-              </a:rPr>
-              <a:t> 실습</a:t>
-            </a:r>
-            <a:endParaRPr lang="ko-KR" altLang="en-US" dirty="0"/>
-          </a:p>
-        </p:txBody>
-      </p:sp>
-      <p:sp>
-        <p:nvSpPr>
-          <p:cNvPr id="3" name="내용 개체 틀 2"/>
-          <p:cNvSpPr>
-            <a:spLocks noGrp="1"/>
-          </p:cNvSpPr>
-          <p:nvPr>
-            <p:ph idx="10"/>
-          </p:nvPr>
-        </p:nvSpPr>
-        <p:spPr/>
-        <p:txBody>
-          <a:bodyPr/>
-          <a:lstStyle/>
-          <a:p>
-            <a:pPr marL="0" indent="0">
-              <a:buNone/>
-            </a:pPr>
-            <a:r>
-              <a:rPr lang="ko-KR" altLang="en-US" b="1" dirty="0">
-                <a:solidFill>
-                  <a:srgbClr val="C00000"/>
-                </a:solidFill>
-                <a:sym typeface="Wingdings" panose="05000000000000000000" pitchFamily="2" charset="2"/>
-              </a:rPr>
-              <a:t>카메라 </a:t>
-            </a:r>
-            <a:r>
-              <a:rPr lang="ko-KR" altLang="en-US" b="1" dirty="0" err="1">
-                <a:solidFill>
-                  <a:srgbClr val="C00000"/>
-                </a:solidFill>
-                <a:sym typeface="Wingdings" panose="05000000000000000000" pitchFamily="2" charset="2"/>
-              </a:rPr>
-              <a:t>미리보기</a:t>
-            </a:r>
-            <a:r>
-              <a:rPr lang="ko-KR" altLang="en-US" b="1" dirty="0">
-                <a:solidFill>
-                  <a:srgbClr val="C00000"/>
-                </a:solidFill>
-                <a:sym typeface="Wingdings" panose="05000000000000000000" pitchFamily="2" charset="2"/>
-              </a:rPr>
-              <a:t> 실습 </a:t>
-            </a:r>
-            <a:r>
-              <a:rPr lang="en-US" altLang="ko-KR" b="1" dirty="0" smtClean="0">
-                <a:solidFill>
-                  <a:srgbClr val="C00000"/>
-                </a:solidFill>
-                <a:sym typeface="Wingdings" panose="05000000000000000000" pitchFamily="2" charset="2"/>
-              </a:rPr>
-              <a:t>– </a:t>
-            </a:r>
-            <a:r>
-              <a:rPr lang="en-US" altLang="ko-KR" b="1" dirty="0" smtClean="0">
-                <a:sym typeface="Wingdings" panose="05000000000000000000" pitchFamily="2" charset="2"/>
-              </a:rPr>
-              <a:t>AndroidManifest.xml, MainActivity.java, </a:t>
-            </a:r>
-            <a:r>
-              <a:rPr lang="en-US" altLang="ko-KR" b="1" dirty="0" err="1" smtClean="0">
-                <a:sym typeface="Wingdings" panose="05000000000000000000" pitchFamily="2" charset="2"/>
-              </a:rPr>
-              <a:t>build.gradle</a:t>
-            </a:r>
-            <a:r>
-              <a:rPr lang="en-US" altLang="ko-KR" b="1" dirty="0" smtClean="0">
-                <a:sym typeface="Wingdings" panose="05000000000000000000" pitchFamily="2" charset="2"/>
-              </a:rPr>
-              <a:t> </a:t>
-            </a:r>
-            <a:r>
-              <a:rPr lang="ko-KR" altLang="en-US" b="1" dirty="0" smtClean="0">
-                <a:sym typeface="Wingdings" panose="05000000000000000000" pitchFamily="2" charset="2"/>
-              </a:rPr>
-              <a:t>수정하여 위헌 권한 추가하기 </a:t>
-            </a:r>
-            <a:endParaRPr lang="en-US" altLang="ko-KR" b="1" dirty="0" smtClean="0">
-              <a:sym typeface="Wingdings" panose="05000000000000000000" pitchFamily="2" charset="2"/>
-            </a:endParaRPr>
-          </a:p>
-          <a:p>
-            <a:r>
-              <a:rPr lang="ko-KR" altLang="en-US" dirty="0" smtClean="0">
-                <a:sym typeface="Wingdings" panose="05000000000000000000" pitchFamily="2" charset="2"/>
-              </a:rPr>
-              <a:t>앱이 </a:t>
-            </a:r>
-            <a:r>
-              <a:rPr lang="en-US" altLang="ko-KR" dirty="0" smtClean="0">
-                <a:sym typeface="Wingdings" panose="05000000000000000000" pitchFamily="2" charset="2"/>
-              </a:rPr>
-              <a:t>Camera</a:t>
-            </a:r>
-            <a:r>
-              <a:rPr lang="ko-KR" altLang="en-US" dirty="0" smtClean="0">
-                <a:sym typeface="Wingdings" panose="05000000000000000000" pitchFamily="2" charset="2"/>
-              </a:rPr>
-              <a:t>와 </a:t>
-            </a:r>
-            <a:r>
-              <a:rPr lang="en-US" altLang="ko-KR" dirty="0" smtClean="0">
-                <a:sym typeface="Wingdings" panose="05000000000000000000" pitchFamily="2" charset="2"/>
-              </a:rPr>
-              <a:t>SD</a:t>
-            </a:r>
-            <a:r>
-              <a:rPr lang="ko-KR" altLang="en-US" dirty="0" smtClean="0">
-                <a:sym typeface="Wingdings" panose="05000000000000000000" pitchFamily="2" charset="2"/>
-              </a:rPr>
-              <a:t>카드를 접근하므로 이 권한을 </a:t>
-            </a:r>
-            <a:r>
-              <a:rPr lang="ko-KR" altLang="en-US" dirty="0" err="1" smtClean="0">
-                <a:sym typeface="Wingdings" panose="05000000000000000000" pitchFamily="2" charset="2"/>
-              </a:rPr>
-              <a:t>매네페스트와</a:t>
-            </a:r>
-            <a:r>
-              <a:rPr lang="ko-KR" altLang="en-US" dirty="0" smtClean="0">
-                <a:sym typeface="Wingdings" panose="05000000000000000000" pitchFamily="2" charset="2"/>
-              </a:rPr>
-              <a:t> 메인 액티비티</a:t>
-            </a:r>
-            <a:r>
-              <a:rPr lang="en-US" altLang="ko-KR" dirty="0" smtClean="0">
-                <a:sym typeface="Wingdings" panose="05000000000000000000" pitchFamily="2" charset="2"/>
-              </a:rPr>
-              <a:t>, </a:t>
-            </a:r>
-            <a:r>
-              <a:rPr lang="ko-KR" altLang="en-US" dirty="0" err="1" smtClean="0">
-                <a:sym typeface="Wingdings" panose="05000000000000000000" pitchFamily="2" charset="2"/>
-              </a:rPr>
-              <a:t>그래들에</a:t>
-            </a:r>
-            <a:r>
-              <a:rPr lang="ko-KR" altLang="en-US" dirty="0" smtClean="0">
-                <a:sym typeface="Wingdings" panose="05000000000000000000" pitchFamily="2" charset="2"/>
-              </a:rPr>
-              <a:t> 추가해야 합니다</a:t>
-            </a:r>
-            <a:r>
-              <a:rPr lang="en-US" altLang="ko-KR" dirty="0" smtClean="0">
-                <a:sym typeface="Wingdings" panose="05000000000000000000" pitchFamily="2" charset="2"/>
-              </a:rPr>
-              <a:t>.  </a:t>
-            </a:r>
-          </a:p>
-          <a:p>
-            <a:endParaRPr lang="en-US" altLang="ko-KR" dirty="0">
-              <a:sym typeface="Wingdings" panose="05000000000000000000" pitchFamily="2" charset="2"/>
-            </a:endParaRPr>
-          </a:p>
-          <a:p>
-            <a:r>
-              <a:rPr lang="en-US" altLang="ko-KR" b="1" dirty="0" smtClean="0">
-                <a:solidFill>
-                  <a:srgbClr val="C00000"/>
-                </a:solidFill>
-                <a:sym typeface="Wingdings" panose="05000000000000000000" pitchFamily="2" charset="2"/>
-              </a:rPr>
-              <a:t>AndroidManifest.xml </a:t>
-            </a:r>
-            <a:endParaRPr lang="en-US" altLang="ko-KR" dirty="0">
-              <a:sym typeface="Wingdings" panose="05000000000000000000" pitchFamily="2" charset="2"/>
-            </a:endParaRPr>
-          </a:p>
-        </p:txBody>
-      </p:sp>
-      <p:sp>
-        <p:nvSpPr>
-          <p:cNvPr id="4" name="슬라이드 번호 개체 틀 3"/>
-          <p:cNvSpPr>
-            <a:spLocks noGrp="1"/>
-          </p:cNvSpPr>
-          <p:nvPr>
-            <p:ph type="sldNum" sz="quarter" idx="14"/>
-          </p:nvPr>
-        </p:nvSpPr>
-        <p:spPr/>
-        <p:txBody>
-          <a:bodyPr/>
-          <a:lstStyle/>
-          <a:p>
-            <a:pPr>
-              <a:defRPr/>
-            </a:pPr>
-            <a:fld id="{3D493B47-E977-46F8-8C2F-7DA674317049}" type="slidenum">
-              <a:rPr lang="ko-KR" altLang="en-US" smtClean="0"/>
-              <a:pPr>
-                <a:defRPr/>
-              </a:pPr>
-              <a:t>30</a:t>
+              <a:t>31</a:t>
             </a:fld>
             <a:endParaRPr lang="ko-KR" altLang="en-US"/>
           </a:p>
@@ -24159,7 +24744,7 @@
 </p:sld>
 </file>
 
-<file path=ppt/slides/slide31.xml><?xml version="1.0" encoding="utf-8"?>
+<file path=ppt/slides/slide32.xml><?xml version="1.0" encoding="utf-8"?>
 <p:sld xmlns:a="http://schemas.openxmlformats.org/drawingml/2006/main" xmlns:r="http://schemas.openxmlformats.org/officeDocument/2006/relationships" xmlns:p="http://schemas.openxmlformats.org/presentationml/2006/main">
   <p:cSld>
     <p:spTree>
@@ -24399,7 +24984,7 @@
               <a:pPr>
                 <a:defRPr/>
               </a:pPr>
-              <a:t>31</a:t>
+              <a:t>32</a:t>
             </a:fld>
             <a:endParaRPr lang="ko-KR" altLang="en-US"/>
           </a:p>
@@ -25316,7 +25901,7 @@
 </p:sld>
 </file>
 
-<file path=ppt/slides/slide32.xml><?xml version="1.0" encoding="utf-8"?>
+<file path=ppt/slides/slide33.xml><?xml version="1.0" encoding="utf-8"?>
 <p:sld xmlns:a="http://schemas.openxmlformats.org/drawingml/2006/main" xmlns:r="http://schemas.openxmlformats.org/officeDocument/2006/relationships" xmlns:p="http://schemas.openxmlformats.org/presentationml/2006/main">
   <p:cSld>
     <p:spTree>
@@ -25529,7 +26114,7 @@
               <a:pPr>
                 <a:defRPr/>
               </a:pPr>
-              <a:t>32</a:t>
+              <a:t>33</a:t>
             </a:fld>
             <a:endParaRPr lang="ko-KR" altLang="en-US"/>
           </a:p>
@@ -26353,7 +26938,7 @@
 </p:sld>
 </file>
 
-<file path=ppt/slides/slide33.xml><?xml version="1.0" encoding="utf-8"?>
+<file path=ppt/slides/slide34.xml><?xml version="1.0" encoding="utf-8"?>
 <p:sld xmlns:a="http://schemas.openxmlformats.org/drawingml/2006/main" xmlns:r="http://schemas.openxmlformats.org/officeDocument/2006/relationships" xmlns:p="http://schemas.openxmlformats.org/presentationml/2006/main">
   <p:cSld>
     <p:spTree>
@@ -26566,7 +27151,7 @@
               <a:pPr>
                 <a:defRPr/>
               </a:pPr>
-              <a:t>33</a:t>
+              <a:t>34</a:t>
             </a:fld>
             <a:endParaRPr lang="ko-KR" altLang="en-US"/>
           </a:p>
@@ -27410,7 +27995,7 @@
 </p:sld>
 </file>
 
-<file path=ppt/slides/slide34.xml><?xml version="1.0" encoding="utf-8"?>
+<file path=ppt/slides/slide35.xml><?xml version="1.0" encoding="utf-8"?>
 <p:sld xmlns:a="http://schemas.openxmlformats.org/drawingml/2006/main" xmlns:r="http://schemas.openxmlformats.org/officeDocument/2006/relationships" xmlns:p="http://schemas.openxmlformats.org/presentationml/2006/main">
   <p:cSld>
     <p:spTree>
@@ -27599,7 +28184,7 @@
               <a:pPr>
                 <a:defRPr/>
               </a:pPr>
-              <a:t>34</a:t>
+              <a:t>35</a:t>
             </a:fld>
             <a:endParaRPr lang="ko-KR" altLang="en-US"/>
           </a:p>
@@ -27714,7 +28299,7 @@
 </p:sld>
 </file>
 
-<file path=ppt/slides/slide35.xml><?xml version="1.0" encoding="utf-8"?>
+<file path=ppt/slides/slide36.xml><?xml version="1.0" encoding="utf-8"?>
 <p:sld xmlns:a="http://schemas.openxmlformats.org/drawingml/2006/main" xmlns:r="http://schemas.openxmlformats.org/officeDocument/2006/relationships" xmlns:p="http://schemas.openxmlformats.org/presentationml/2006/main">
   <p:cSld>
     <p:spTree>
@@ -28236,7 +28821,7 @@
               <a:pPr>
                 <a:defRPr/>
               </a:pPr>
-              <a:t>35</a:t>
+              <a:t>36</a:t>
             </a:fld>
             <a:endParaRPr lang="ko-KR" altLang="en-US"/>
           </a:p>
@@ -32514,6 +33099,122 @@
             <a:endParaRPr lang="ko-KR" altLang="ko-KR" sz="2000" dirty="0" smtClean="0">
               <a:latin typeface="Consolas" panose="020B0609020204030204" pitchFamily="49" charset="0"/>
             </a:endParaRPr>
+          </a:p>
+        </p:txBody>
+      </p:sp>
+      <p:sp>
+        <p:nvSpPr>
+          <p:cNvPr id="6" name="직사각형 5"/>
+          <p:cNvSpPr/>
+          <p:nvPr/>
+        </p:nvSpPr>
+        <p:spPr>
+          <a:xfrm>
+            <a:off x="3913349" y="5356720"/>
+            <a:ext cx="7829387" cy="369332"/>
+          </a:xfrm>
+          <a:prstGeom prst="rect">
+            <a:avLst/>
+          </a:prstGeom>
+          <a:solidFill>
+            <a:srgbClr val="FFC000"/>
+          </a:solidFill>
+        </p:spPr>
+        <p:txBody>
+          <a:bodyPr wrap="none">
+            <a:spAutoFit/>
+          </a:bodyPr>
+          <a:lstStyle/>
+          <a:p>
+            <a:r>
+              <a:rPr lang="en-US" altLang="ko-KR" dirty="0" err="1" smtClean="0">
+                <a:sym typeface="Wingdings" panose="05000000000000000000" pitchFamily="2" charset="2"/>
+              </a:rPr>
+              <a:t>sdcard</a:t>
+            </a:r>
+            <a:r>
+              <a:rPr lang="ko-KR" altLang="en-US" dirty="0" smtClean="0">
+                <a:sym typeface="Wingdings" panose="05000000000000000000" pitchFamily="2" charset="2"/>
+              </a:rPr>
+              <a:t>는 </a:t>
+            </a:r>
+            <a:r>
+              <a:rPr lang="en-US" altLang="ko-KR" dirty="0" smtClean="0">
+                <a:sym typeface="Wingdings" panose="05000000000000000000" pitchFamily="2" charset="2"/>
+              </a:rPr>
+              <a:t>emulator</a:t>
+            </a:r>
+            <a:r>
+              <a:rPr lang="ko-KR" altLang="en-US" dirty="0" smtClean="0">
+                <a:sym typeface="Wingdings" panose="05000000000000000000" pitchFamily="2" charset="2"/>
+              </a:rPr>
+              <a:t>에서 </a:t>
+            </a:r>
+            <a:r>
+              <a:rPr lang="en-US" altLang="ko-KR" dirty="0" smtClean="0">
+                <a:sym typeface="Wingdings" panose="05000000000000000000" pitchFamily="2" charset="2"/>
+              </a:rPr>
+              <a:t>"/</a:t>
+            </a:r>
+            <a:r>
+              <a:rPr lang="en-US" altLang="ko-KR" dirty="0">
+                <a:sym typeface="Wingdings" panose="05000000000000000000" pitchFamily="2" charset="2"/>
+              </a:rPr>
+              <a:t>storage/emulated/0" </a:t>
+            </a:r>
+            <a:r>
+              <a:rPr lang="ko-KR" altLang="en-US" dirty="0" smtClean="0">
+                <a:sym typeface="Wingdings" panose="05000000000000000000" pitchFamily="2" charset="2"/>
+              </a:rPr>
+              <a:t>로 설정이 되어 있습니다</a:t>
+            </a:r>
+            <a:r>
+              <a:rPr lang="en-US" altLang="ko-KR" dirty="0" smtClean="0">
+                <a:sym typeface="Wingdings" panose="05000000000000000000" pitchFamily="2" charset="2"/>
+              </a:rPr>
+              <a:t>. </a:t>
+            </a:r>
+            <a:endParaRPr lang="ko-KR" altLang="en-US" dirty="0"/>
+          </a:p>
+        </p:txBody>
+      </p:sp>
+      <p:sp>
+        <p:nvSpPr>
+          <p:cNvPr id="7" name="아래쪽 화살표 6"/>
+          <p:cNvSpPr/>
+          <p:nvPr/>
+        </p:nvSpPr>
+        <p:spPr>
+          <a:xfrm>
+            <a:off x="4151784" y="4757322"/>
+            <a:ext cx="360040" cy="576064"/>
+          </a:xfrm>
+          <a:prstGeom prst="downArrow">
+            <a:avLst/>
+          </a:prstGeom>
+        </p:spPr>
+        <p:style>
+          <a:lnRef idx="2">
+            <a:schemeClr val="accent1">
+              <a:shade val="50000"/>
+            </a:schemeClr>
+          </a:lnRef>
+          <a:fillRef idx="1">
+            <a:schemeClr val="accent1"/>
+          </a:fillRef>
+          <a:effectRef idx="0">
+            <a:schemeClr val="accent1"/>
+          </a:effectRef>
+          <a:fontRef idx="minor">
+            <a:schemeClr val="lt1"/>
+          </a:fontRef>
+        </p:style>
+        <p:txBody>
+          <a:bodyPr rtlCol="0" anchor="ctr"/>
+          <a:lstStyle/>
+          <a:p>
+            <a:pPr algn="ctr"/>
+            <a:endParaRPr lang="ko-KR" altLang="en-US"/>
           </a:p>
         </p:txBody>
       </p:sp>
